--- a/DA_13_miscellaneous.pptx
+++ b/DA_13_miscellaneous.pptx
@@ -5,11 +5,13 @@
     <p:sldMasterId id="2147483648" r:id="rId1"/>
   </p:sldMasterIdLst>
   <p:notesMasterIdLst>
-    <p:notesMasterId r:id="rId4"/>
+    <p:notesMasterId r:id="rId6"/>
   </p:notesMasterIdLst>
   <p:sldIdLst>
     <p:sldId id="256" r:id="rId2"/>
     <p:sldId id="257" r:id="rId3"/>
+    <p:sldId id="258" r:id="rId4"/>
+    <p:sldId id="259" r:id="rId5"/>
   </p:sldIdLst>
   <p:sldSz cx="12192000" cy="6858000"/>
   <p:notesSz cx="6858000" cy="9144000"/>
@@ -198,7 +200,7 @@
           <a:p>
             <a:fld id="{C2E15B94-D9E4-E149-8081-23A720D1EE5F}" type="datetimeFigureOut">
               <a:rPr lang="en-US" smtClean="0"/>
-              <a:t>11/21/21</a:t>
+              <a:t>11/25/21</a:t>
             </a:fld>
             <a:endParaRPr lang="en-US"/>
           </a:p>
@@ -612,7 +614,7 @@
           <a:p>
             <a:fld id="{FBD852D7-E694-214E-8A12-510E0A0329D2}" type="datetimeFigureOut">
               <a:rPr lang="en-US" smtClean="0"/>
-              <a:t>11/21/21</a:t>
+              <a:t>11/25/21</a:t>
             </a:fld>
             <a:endParaRPr lang="en-US"/>
           </a:p>
@@ -810,7 +812,7 @@
           <a:p>
             <a:fld id="{FBD852D7-E694-214E-8A12-510E0A0329D2}" type="datetimeFigureOut">
               <a:rPr lang="en-US" smtClean="0"/>
-              <a:t>11/21/21</a:t>
+              <a:t>11/25/21</a:t>
             </a:fld>
             <a:endParaRPr lang="en-US"/>
           </a:p>
@@ -1018,7 +1020,7 @@
           <a:p>
             <a:fld id="{FBD852D7-E694-214E-8A12-510E0A0329D2}" type="datetimeFigureOut">
               <a:rPr lang="en-US" smtClean="0"/>
-              <a:t>11/21/21</a:t>
+              <a:t>11/25/21</a:t>
             </a:fld>
             <a:endParaRPr lang="en-US"/>
           </a:p>
@@ -1216,7 +1218,7 @@
           <a:p>
             <a:fld id="{FBD852D7-E694-214E-8A12-510E0A0329D2}" type="datetimeFigureOut">
               <a:rPr lang="en-US" smtClean="0"/>
-              <a:t>11/21/21</a:t>
+              <a:t>11/25/21</a:t>
             </a:fld>
             <a:endParaRPr lang="en-US"/>
           </a:p>
@@ -1491,7 +1493,7 @@
           <a:p>
             <a:fld id="{FBD852D7-E694-214E-8A12-510E0A0329D2}" type="datetimeFigureOut">
               <a:rPr lang="en-US" smtClean="0"/>
-              <a:t>11/21/21</a:t>
+              <a:t>11/25/21</a:t>
             </a:fld>
             <a:endParaRPr lang="en-US"/>
           </a:p>
@@ -1756,7 +1758,7 @@
           <a:p>
             <a:fld id="{FBD852D7-E694-214E-8A12-510E0A0329D2}" type="datetimeFigureOut">
               <a:rPr lang="en-US" smtClean="0"/>
-              <a:t>11/21/21</a:t>
+              <a:t>11/25/21</a:t>
             </a:fld>
             <a:endParaRPr lang="en-US"/>
           </a:p>
@@ -2168,7 +2170,7 @@
           <a:p>
             <a:fld id="{FBD852D7-E694-214E-8A12-510E0A0329D2}" type="datetimeFigureOut">
               <a:rPr lang="en-US" smtClean="0"/>
-              <a:t>11/21/21</a:t>
+              <a:t>11/25/21</a:t>
             </a:fld>
             <a:endParaRPr lang="en-US"/>
           </a:p>
@@ -2309,7 +2311,7 @@
           <a:p>
             <a:fld id="{FBD852D7-E694-214E-8A12-510E0A0329D2}" type="datetimeFigureOut">
               <a:rPr lang="en-US" smtClean="0"/>
-              <a:t>11/21/21</a:t>
+              <a:t>11/25/21</a:t>
             </a:fld>
             <a:endParaRPr lang="en-US"/>
           </a:p>
@@ -2422,7 +2424,7 @@
           <a:p>
             <a:fld id="{FBD852D7-E694-214E-8A12-510E0A0329D2}" type="datetimeFigureOut">
               <a:rPr lang="en-US" smtClean="0"/>
-              <a:t>11/21/21</a:t>
+              <a:t>11/25/21</a:t>
             </a:fld>
             <a:endParaRPr lang="en-US"/>
           </a:p>
@@ -2733,7 +2735,7 @@
           <a:p>
             <a:fld id="{FBD852D7-E694-214E-8A12-510E0A0329D2}" type="datetimeFigureOut">
               <a:rPr lang="en-US" smtClean="0"/>
-              <a:t>11/21/21</a:t>
+              <a:t>11/25/21</a:t>
             </a:fld>
             <a:endParaRPr lang="en-US"/>
           </a:p>
@@ -3021,7 +3023,7 @@
           <a:p>
             <a:fld id="{FBD852D7-E694-214E-8A12-510E0A0329D2}" type="datetimeFigureOut">
               <a:rPr lang="en-US" smtClean="0"/>
-              <a:t>11/21/21</a:t>
+              <a:t>11/25/21</a:t>
             </a:fld>
             <a:endParaRPr lang="en-US"/>
           </a:p>
@@ -3262,7 +3264,7 @@
           <a:p>
             <a:fld id="{FBD852D7-E694-214E-8A12-510E0A0329D2}" type="datetimeFigureOut">
               <a:rPr lang="en-US" smtClean="0"/>
-              <a:t>11/21/21</a:t>
+              <a:t>11/25/21</a:t>
             </a:fld>
             <a:endParaRPr lang="en-US"/>
           </a:p>
@@ -5082,6 +5084,922 @@
     <p:extLst>
       <p:ext uri="{BB962C8B-B14F-4D97-AF65-F5344CB8AC3E}">
         <p14:creationId xmlns:p14="http://schemas.microsoft.com/office/powerpoint/2010/main" val="4165169508"/>
+      </p:ext>
+    </p:extLst>
+  </p:cSld>
+  <p:clrMapOvr>
+    <a:masterClrMapping/>
+  </p:clrMapOvr>
+</p:sld>
+</file>
+
+<file path=ppt/slides/slide3.xml><?xml version="1.0" encoding="utf-8"?>
+<p:sld xmlns:a="http://schemas.openxmlformats.org/drawingml/2006/main" xmlns:r="http://schemas.openxmlformats.org/officeDocument/2006/relationships" xmlns:p="http://schemas.openxmlformats.org/presentationml/2006/main">
+  <p:cSld>
+    <p:spTree>
+      <p:nvGrpSpPr>
+        <p:cNvPr id="1" name=""/>
+        <p:cNvGrpSpPr/>
+        <p:nvPr/>
+      </p:nvGrpSpPr>
+      <p:grpSpPr>
+        <a:xfrm>
+          <a:off x="0" y="0"/>
+          <a:ext cx="0" cy="0"/>
+          <a:chOff x="0" y="0"/>
+          <a:chExt cx="0" cy="0"/>
+        </a:xfrm>
+      </p:grpSpPr>
+      <p:sp>
+        <p:nvSpPr>
+          <p:cNvPr id="2" name="TextBox 1">
+            <a:extLst>
+              <a:ext uri="{FF2B5EF4-FFF2-40B4-BE49-F238E27FC236}">
+                <a16:creationId xmlns:a16="http://schemas.microsoft.com/office/drawing/2014/main" id="{FF054288-5C3F-C54D-9739-A8F971E51587}"/>
+              </a:ext>
+            </a:extLst>
+          </p:cNvPr>
+          <p:cNvSpPr txBox="1"/>
+          <p:nvPr/>
+        </p:nvSpPr>
+        <p:spPr>
+          <a:xfrm>
+            <a:off x="0" y="0"/>
+            <a:ext cx="7376984" cy="523220"/>
+          </a:xfrm>
+          <a:prstGeom prst="rect">
+            <a:avLst/>
+          </a:prstGeom>
+          <a:noFill/>
+        </p:spPr>
+        <p:txBody>
+          <a:bodyPr wrap="square" rtlCol="0">
+            <a:spAutoFit/>
+          </a:bodyPr>
+          <a:lstStyle/>
+          <a:p>
+            <a:r>
+              <a:rPr lang="en-US" sz="2800" b="1"/>
+              <a:t>BigQuery Omni - Google Cross-Cloud Analytics</a:t>
+            </a:r>
+          </a:p>
+        </p:txBody>
+      </p:sp>
+      <p:sp>
+        <p:nvSpPr>
+          <p:cNvPr id="3" name="TextBox 2">
+            <a:extLst>
+              <a:ext uri="{FF2B5EF4-FFF2-40B4-BE49-F238E27FC236}">
+                <a16:creationId xmlns:a16="http://schemas.microsoft.com/office/drawing/2014/main" id="{476CDDB6-71EF-F14B-9265-6A64E2EEA472}"/>
+              </a:ext>
+            </a:extLst>
+          </p:cNvPr>
+          <p:cNvSpPr txBox="1"/>
+          <p:nvPr/>
+        </p:nvSpPr>
+        <p:spPr>
+          <a:xfrm>
+            <a:off x="195944" y="640323"/>
+            <a:ext cx="6096000" cy="1908215"/>
+          </a:xfrm>
+          <a:prstGeom prst="rect">
+            <a:avLst/>
+          </a:prstGeom>
+          <a:noFill/>
+        </p:spPr>
+        <p:txBody>
+          <a:bodyPr wrap="square" rtlCol="0">
+            <a:spAutoFit/>
+          </a:bodyPr>
+          <a:lstStyle/>
+          <a:p>
+            <a:r>
+              <a:rPr lang="en-US" sz="2000" b="1">
+                <a:solidFill>
+                  <a:srgbClr val="FF0000"/>
+                </a:solidFill>
+              </a:rPr>
+              <a:t>Omni</a:t>
+            </a:r>
+            <a:r>
+              <a:rPr lang="en-US" sz="1400"/>
+              <a:t>: </a:t>
+            </a:r>
+          </a:p>
+          <a:p>
+            <a:r>
+              <a:rPr lang="en-US" sz="1400"/>
+              <a:t>the same </a:t>
+            </a:r>
+            <a:r>
+              <a:rPr lang="en-US" sz="1400" b="1">
+                <a:solidFill>
+                  <a:srgbClr val="00B050"/>
+                </a:solidFill>
+              </a:rPr>
+              <a:t>BigQuery</a:t>
+            </a:r>
+            <a:r>
+              <a:rPr lang="en-US" sz="1400"/>
+              <a:t> interface on Google Cloud </a:t>
+            </a:r>
+          </a:p>
+          <a:p>
+            <a:r>
+              <a:rPr lang="en-US" sz="1400"/>
+              <a:t>now lets you also query the data accross all major clouds</a:t>
+            </a:r>
+          </a:p>
+          <a:p>
+            <a:r>
+              <a:rPr lang="en-US" sz="1400"/>
+              <a:t>( </a:t>
+            </a:r>
+            <a:r>
+              <a:rPr lang="en-US" sz="1400" b="1">
+                <a:solidFill>
+                  <a:srgbClr val="FF0000"/>
+                </a:solidFill>
+              </a:rPr>
+              <a:t>Google Cloud, AWS and Azure</a:t>
+            </a:r>
+            <a:r>
+              <a:rPr lang="en-US" sz="1400"/>
+              <a:t> ) without any cross-cloud ETL.</a:t>
+            </a:r>
+          </a:p>
+          <a:p>
+            <a:endParaRPr lang="en-US" sz="1400"/>
+          </a:p>
+          <a:p>
+            <a:r>
+              <a:rPr lang="en-US" sz="1400"/>
+              <a:t>This is possible because BigQuery de-couples (separates) compute and storage.</a:t>
+            </a:r>
+          </a:p>
+          <a:p>
+            <a:r>
+              <a:rPr lang="en-US" sz="1400"/>
+              <a:t>For better performance the BQ Omni runs the necessary compute </a:t>
+            </a:r>
+          </a:p>
+          <a:p>
+            <a:r>
+              <a:rPr lang="en-US" sz="1400"/>
+              <a:t>on clusters </a:t>
+            </a:r>
+            <a:r>
+              <a:rPr lang="en-US" sz="1400" b="1">
+                <a:solidFill>
+                  <a:srgbClr val="00B050"/>
+                </a:solidFill>
+              </a:rPr>
+              <a:t>in the same region where your data resides</a:t>
+            </a:r>
+            <a:r>
+              <a:rPr lang="en-US" sz="1400"/>
+              <a:t>. </a:t>
+            </a:r>
+          </a:p>
+        </p:txBody>
+      </p:sp>
+      <p:pic>
+        <p:nvPicPr>
+          <p:cNvPr id="4" name="Picture 3">
+            <a:extLst>
+              <a:ext uri="{FF2B5EF4-FFF2-40B4-BE49-F238E27FC236}">
+                <a16:creationId xmlns:a16="http://schemas.microsoft.com/office/drawing/2014/main" id="{CC00B8E9-DE6E-3B47-A3BE-9FC2E5A61DAE}"/>
+              </a:ext>
+            </a:extLst>
+          </p:cNvPr>
+          <p:cNvPicPr>
+            <a:picLocks noChangeAspect="1"/>
+          </p:cNvPicPr>
+          <p:nvPr/>
+        </p:nvPicPr>
+        <p:blipFill>
+          <a:blip r:embed="rId2" cstate="email">
+            <a:extLst>
+              <a:ext uri="{28A0092B-C50C-407E-A947-70E740481C1C}">
+                <a14:useLocalDpi xmlns:a14="http://schemas.microsoft.com/office/drawing/2010/main"/>
+              </a:ext>
+            </a:extLst>
+          </a:blip>
+          <a:stretch>
+            <a:fillRect/>
+          </a:stretch>
+        </p:blipFill>
+        <p:spPr>
+          <a:xfrm>
+            <a:off x="0" y="2665642"/>
+            <a:ext cx="6963375" cy="4192358"/>
+          </a:xfrm>
+          <a:prstGeom prst="rect">
+            <a:avLst/>
+          </a:prstGeom>
+        </p:spPr>
+      </p:pic>
+      <p:pic>
+        <p:nvPicPr>
+          <p:cNvPr id="6" name="Picture 5">
+            <a:extLst>
+              <a:ext uri="{FF2B5EF4-FFF2-40B4-BE49-F238E27FC236}">
+                <a16:creationId xmlns:a16="http://schemas.microsoft.com/office/drawing/2014/main" id="{BDA96D65-E963-4C4C-9132-A75B263C7FC0}"/>
+              </a:ext>
+            </a:extLst>
+          </p:cNvPr>
+          <p:cNvPicPr>
+            <a:picLocks noChangeAspect="1"/>
+          </p:cNvPicPr>
+          <p:nvPr/>
+        </p:nvPicPr>
+        <p:blipFill>
+          <a:blip r:embed="rId3" cstate="email">
+            <a:extLst>
+              <a:ext uri="{28A0092B-C50C-407E-A947-70E740481C1C}">
+                <a14:useLocalDpi xmlns:a14="http://schemas.microsoft.com/office/drawing/2010/main"/>
+              </a:ext>
+            </a:extLst>
+          </a:blip>
+          <a:stretch>
+            <a:fillRect/>
+          </a:stretch>
+        </p:blipFill>
+        <p:spPr>
+          <a:xfrm>
+            <a:off x="7731211" y="2502862"/>
+            <a:ext cx="4191009" cy="2696905"/>
+          </a:xfrm>
+          <a:prstGeom prst="rect">
+            <a:avLst/>
+          </a:prstGeom>
+        </p:spPr>
+      </p:pic>
+      <p:sp>
+        <p:nvSpPr>
+          <p:cNvPr id="7" name="TextBox 6">
+            <a:extLst>
+              <a:ext uri="{FF2B5EF4-FFF2-40B4-BE49-F238E27FC236}">
+                <a16:creationId xmlns:a16="http://schemas.microsoft.com/office/drawing/2014/main" id="{08AE7880-0945-4D4A-8DB6-53ECB6C0F380}"/>
+              </a:ext>
+            </a:extLst>
+          </p:cNvPr>
+          <p:cNvSpPr txBox="1"/>
+          <p:nvPr/>
+        </p:nvSpPr>
+        <p:spPr>
+          <a:xfrm>
+            <a:off x="7731211" y="683757"/>
+            <a:ext cx="4460789" cy="1661993"/>
+          </a:xfrm>
+          <a:prstGeom prst="rect">
+            <a:avLst/>
+          </a:prstGeom>
+          <a:noFill/>
+        </p:spPr>
+        <p:txBody>
+          <a:bodyPr wrap="square" rtlCol="0">
+            <a:spAutoFit/>
+          </a:bodyPr>
+          <a:lstStyle/>
+          <a:p>
+            <a:r>
+              <a:rPr lang="en-US" b="1"/>
+              <a:t>BigQuery Omni runs on </a:t>
+            </a:r>
+            <a:r>
+              <a:rPr lang="en-US" b="1">
+                <a:solidFill>
+                  <a:srgbClr val="00B050"/>
+                </a:solidFill>
+              </a:rPr>
+              <a:t>Google Anthos</a:t>
+            </a:r>
+            <a:r>
+              <a:rPr lang="en-US" b="1"/>
+              <a:t>.</a:t>
+            </a:r>
+          </a:p>
+          <a:p>
+            <a:endParaRPr lang="en-US" sz="1400"/>
+          </a:p>
+          <a:p>
+            <a:r>
+              <a:rPr lang="en-US" sz="1400" b="1">
+                <a:solidFill>
+                  <a:srgbClr val="00B050"/>
+                </a:solidFill>
+              </a:rPr>
+              <a:t>Anthos</a:t>
+            </a:r>
+            <a:r>
+              <a:rPr lang="en-US" sz="1400"/>
+              <a:t> is a Google platform for managing</a:t>
+            </a:r>
+          </a:p>
+          <a:p>
+            <a:r>
+              <a:rPr lang="en-US" sz="1400"/>
+              <a:t>infrastructure and applications </a:t>
+            </a:r>
+          </a:p>
+          <a:p>
+            <a:r>
+              <a:rPr lang="en-US" sz="1400"/>
+              <a:t>across on-premises, edge, and in multiple public </a:t>
+            </a:r>
+          </a:p>
+          <a:p>
+            <a:r>
+              <a:rPr lang="en-US" sz="1400"/>
+              <a:t>clouds, providing integrated security, policy management, visibility.</a:t>
+            </a:r>
+          </a:p>
+        </p:txBody>
+      </p:sp>
+      <p:sp>
+        <p:nvSpPr>
+          <p:cNvPr id="8" name="TextBox 7">
+            <a:extLst>
+              <a:ext uri="{FF2B5EF4-FFF2-40B4-BE49-F238E27FC236}">
+                <a16:creationId xmlns:a16="http://schemas.microsoft.com/office/drawing/2014/main" id="{6A50DC48-046A-7141-A9F8-483706BFD70F}"/>
+              </a:ext>
+            </a:extLst>
+          </p:cNvPr>
+          <p:cNvSpPr txBox="1"/>
+          <p:nvPr/>
+        </p:nvSpPr>
+        <p:spPr>
+          <a:xfrm>
+            <a:off x="10282890" y="2754500"/>
+            <a:ext cx="963828" cy="369332"/>
+          </a:xfrm>
+          <a:prstGeom prst="rect">
+            <a:avLst/>
+          </a:prstGeom>
+          <a:noFill/>
+        </p:spPr>
+        <p:txBody>
+          <a:bodyPr wrap="square" rtlCol="0">
+            <a:spAutoFit/>
+          </a:bodyPr>
+          <a:lstStyle/>
+          <a:p>
+            <a:pPr algn="ctr"/>
+            <a:r>
+              <a:rPr lang="en-US" b="1">
+                <a:solidFill>
+                  <a:srgbClr val="00B050"/>
+                </a:solidFill>
+              </a:rPr>
+              <a:t>Anthos</a:t>
+            </a:r>
+          </a:p>
+        </p:txBody>
+      </p:sp>
+      <p:cxnSp>
+        <p:nvCxnSpPr>
+          <p:cNvPr id="10" name="Straight Connector 9">
+            <a:extLst>
+              <a:ext uri="{FF2B5EF4-FFF2-40B4-BE49-F238E27FC236}">
+                <a16:creationId xmlns:a16="http://schemas.microsoft.com/office/drawing/2014/main" id="{718C693A-48A3-7348-9CAE-25490A5FE9A0}"/>
+              </a:ext>
+            </a:extLst>
+          </p:cNvPr>
+          <p:cNvCxnSpPr>
+            <a:cxnSpLocks/>
+          </p:cNvCxnSpPr>
+          <p:nvPr/>
+        </p:nvCxnSpPr>
+        <p:spPr>
+          <a:xfrm>
+            <a:off x="7376984" y="741405"/>
+            <a:ext cx="0" cy="5969638"/>
+          </a:xfrm>
+          <a:prstGeom prst="line">
+            <a:avLst/>
+          </a:prstGeom>
+          <a:ln w="63500">
+            <a:solidFill>
+              <a:srgbClr val="FF0000"/>
+            </a:solidFill>
+          </a:ln>
+        </p:spPr>
+        <p:style>
+          <a:lnRef idx="1">
+            <a:schemeClr val="accent1"/>
+          </a:lnRef>
+          <a:fillRef idx="0">
+            <a:schemeClr val="accent1"/>
+          </a:fillRef>
+          <a:effectRef idx="0">
+            <a:schemeClr val="accent1"/>
+          </a:effectRef>
+          <a:fontRef idx="minor">
+            <a:schemeClr val="tx1"/>
+          </a:fontRef>
+        </p:style>
+      </p:cxnSp>
+      <p:sp>
+        <p:nvSpPr>
+          <p:cNvPr id="12" name="TextBox 11">
+            <a:extLst>
+              <a:ext uri="{FF2B5EF4-FFF2-40B4-BE49-F238E27FC236}">
+                <a16:creationId xmlns:a16="http://schemas.microsoft.com/office/drawing/2014/main" id="{02F5C2BE-FB64-D34A-A9DB-B26F913AA878}"/>
+              </a:ext>
+            </a:extLst>
+          </p:cNvPr>
+          <p:cNvSpPr txBox="1"/>
+          <p:nvPr/>
+        </p:nvSpPr>
+        <p:spPr>
+          <a:xfrm>
+            <a:off x="8336914" y="6064712"/>
+            <a:ext cx="3249382" cy="646331"/>
+          </a:xfrm>
+          <a:prstGeom prst="rect">
+            <a:avLst/>
+          </a:prstGeom>
+          <a:noFill/>
+        </p:spPr>
+        <p:txBody>
+          <a:bodyPr wrap="square" rtlCol="0">
+            <a:spAutoFit/>
+          </a:bodyPr>
+          <a:lstStyle/>
+          <a:p>
+            <a:r>
+              <a:rPr lang="en-US"/>
+              <a:t>In Greek mythology, </a:t>
+            </a:r>
+            <a:r>
+              <a:rPr lang="en-US" b="1">
+                <a:solidFill>
+                  <a:srgbClr val="00B050"/>
+                </a:solidFill>
+              </a:rPr>
+              <a:t>Athos</a:t>
+            </a:r>
+            <a:r>
+              <a:rPr lang="en-US"/>
+              <a:t> was one of the Gigantes. </a:t>
+            </a:r>
+          </a:p>
+        </p:txBody>
+      </p:sp>
+    </p:spTree>
+    <p:extLst>
+      <p:ext uri="{BB962C8B-B14F-4D97-AF65-F5344CB8AC3E}">
+        <p14:creationId xmlns:p14="http://schemas.microsoft.com/office/powerpoint/2010/main" val="1715675315"/>
+      </p:ext>
+    </p:extLst>
+  </p:cSld>
+  <p:clrMapOvr>
+    <a:masterClrMapping/>
+  </p:clrMapOvr>
+</p:sld>
+</file>
+
+<file path=ppt/slides/slide4.xml><?xml version="1.0" encoding="utf-8"?>
+<p:sld xmlns:a="http://schemas.openxmlformats.org/drawingml/2006/main" xmlns:r="http://schemas.openxmlformats.org/officeDocument/2006/relationships" xmlns:p="http://schemas.openxmlformats.org/presentationml/2006/main">
+  <p:cSld>
+    <p:spTree>
+      <p:nvGrpSpPr>
+        <p:cNvPr id="1" name=""/>
+        <p:cNvGrpSpPr/>
+        <p:nvPr/>
+      </p:nvGrpSpPr>
+      <p:grpSpPr>
+        <a:xfrm>
+          <a:off x="0" y="0"/>
+          <a:ext cx="0" cy="0"/>
+          <a:chOff x="0" y="0"/>
+          <a:chExt cx="0" cy="0"/>
+        </a:xfrm>
+      </p:grpSpPr>
+      <p:sp>
+        <p:nvSpPr>
+          <p:cNvPr id="2" name="TextBox 1">
+            <a:extLst>
+              <a:ext uri="{FF2B5EF4-FFF2-40B4-BE49-F238E27FC236}">
+                <a16:creationId xmlns:a16="http://schemas.microsoft.com/office/drawing/2014/main" id="{62207341-FD1B-5949-A6EA-872A39B6D506}"/>
+              </a:ext>
+            </a:extLst>
+          </p:cNvPr>
+          <p:cNvSpPr txBox="1"/>
+          <p:nvPr/>
+        </p:nvSpPr>
+        <p:spPr>
+          <a:xfrm>
+            <a:off x="0" y="0"/>
+            <a:ext cx="2804983" cy="523220"/>
+          </a:xfrm>
+          <a:prstGeom prst="rect">
+            <a:avLst/>
+          </a:prstGeom>
+          <a:noFill/>
+        </p:spPr>
+        <p:txBody>
+          <a:bodyPr wrap="square" rtlCol="0">
+            <a:spAutoFit/>
+          </a:bodyPr>
+          <a:lstStyle/>
+          <a:p>
+            <a:r>
+              <a:rPr lang="en-US" sz="2800" b="1"/>
+              <a:t>Apache Flume</a:t>
+            </a:r>
+          </a:p>
+        </p:txBody>
+      </p:sp>
+      <p:sp>
+        <p:nvSpPr>
+          <p:cNvPr id="3" name="TextBox 2">
+            <a:extLst>
+              <a:ext uri="{FF2B5EF4-FFF2-40B4-BE49-F238E27FC236}">
+                <a16:creationId xmlns:a16="http://schemas.microsoft.com/office/drawing/2014/main" id="{90EA14A3-F0EA-504D-85CA-9916F9CF9510}"/>
+              </a:ext>
+            </a:extLst>
+          </p:cNvPr>
+          <p:cNvSpPr txBox="1"/>
+          <p:nvPr/>
+        </p:nvSpPr>
+        <p:spPr>
+          <a:xfrm>
+            <a:off x="172995" y="596613"/>
+            <a:ext cx="4683211" cy="2462213"/>
+          </a:xfrm>
+          <a:prstGeom prst="rect">
+            <a:avLst/>
+          </a:prstGeom>
+          <a:noFill/>
+        </p:spPr>
+        <p:txBody>
+          <a:bodyPr wrap="square" rtlCol="0">
+            <a:spAutoFit/>
+          </a:bodyPr>
+          <a:lstStyle/>
+          <a:p>
+            <a:r>
+              <a:rPr lang="en-US" sz="1400" b="1">
+                <a:solidFill>
+                  <a:srgbClr val="FF0000"/>
+                </a:solidFill>
+              </a:rPr>
+              <a:t>Flume</a:t>
+            </a:r>
+            <a:r>
+              <a:rPr lang="en-US" sz="1400"/>
+              <a:t> is a distributed, reliable, and available service for efficiently collecting, aggregating, and </a:t>
+            </a:r>
+            <a:r>
+              <a:rPr lang="en-US" sz="1400" b="1">
+                <a:solidFill>
+                  <a:srgbClr val="FF0000"/>
+                </a:solidFill>
+              </a:rPr>
+              <a:t>moving large amounts of log data</a:t>
+            </a:r>
+            <a:r>
+              <a:rPr lang="en-US" sz="1400"/>
+              <a:t>. </a:t>
+            </a:r>
+          </a:p>
+          <a:p>
+            <a:endParaRPr lang="en-US" sz="1400"/>
+          </a:p>
+          <a:p>
+            <a:pPr marL="285750" indent="-285750">
+              <a:buFont typeface="Arial" panose="020B0604020202020204" pitchFamily="34" charset="0"/>
+              <a:buChar char="•"/>
+            </a:pPr>
+            <a:r>
+              <a:rPr lang="en-US" sz="1400"/>
+              <a:t>It has a simple and flexible architecture based on streaming data flows. </a:t>
+            </a:r>
+          </a:p>
+          <a:p>
+            <a:pPr marL="285750" indent="-285750">
+              <a:buFont typeface="Arial" panose="020B0604020202020204" pitchFamily="34" charset="0"/>
+              <a:buChar char="•"/>
+            </a:pPr>
+            <a:r>
+              <a:rPr lang="en-US" sz="1400"/>
+              <a:t>It is robust and fault tolerant with tunable reliability mechanisms and many failover and recovery mechanisms. </a:t>
+            </a:r>
+          </a:p>
+          <a:p>
+            <a:pPr marL="285750" indent="-285750">
+              <a:buFont typeface="Arial" panose="020B0604020202020204" pitchFamily="34" charset="0"/>
+              <a:buChar char="•"/>
+            </a:pPr>
+            <a:r>
+              <a:rPr lang="en-US" sz="1400"/>
+              <a:t>It uses a simple extensible data model that allows for online analytic application.</a:t>
+            </a:r>
+          </a:p>
+          <a:p>
+            <a:pPr marL="285750" indent="-285750">
+              <a:buFont typeface="Arial" panose="020B0604020202020204" pitchFamily="34" charset="0"/>
+              <a:buChar char="•"/>
+            </a:pPr>
+            <a:r>
+              <a:rPr lang="en-US" sz="1400"/>
+              <a:t>It is specifically designed for Hadoop</a:t>
+            </a:r>
+          </a:p>
+        </p:txBody>
+      </p:sp>
+      <p:pic>
+        <p:nvPicPr>
+          <p:cNvPr id="4" name="Picture 3">
+            <a:extLst>
+              <a:ext uri="{FF2B5EF4-FFF2-40B4-BE49-F238E27FC236}">
+                <a16:creationId xmlns:a16="http://schemas.microsoft.com/office/drawing/2014/main" id="{4D7A8A8E-D325-B042-A32B-018E927F3967}"/>
+              </a:ext>
+            </a:extLst>
+          </p:cNvPr>
+          <p:cNvPicPr>
+            <a:picLocks noChangeAspect="1"/>
+          </p:cNvPicPr>
+          <p:nvPr/>
+        </p:nvPicPr>
+        <p:blipFill>
+          <a:blip r:embed="rId2" cstate="email">
+            <a:extLst>
+              <a:ext uri="{28A0092B-C50C-407E-A947-70E740481C1C}">
+                <a14:useLocalDpi xmlns:a14="http://schemas.microsoft.com/office/drawing/2010/main"/>
+              </a:ext>
+            </a:extLst>
+          </a:blip>
+          <a:stretch>
+            <a:fillRect/>
+          </a:stretch>
+        </p:blipFill>
+        <p:spPr>
+          <a:xfrm>
+            <a:off x="9934831" y="98854"/>
+            <a:ext cx="2084173" cy="1587086"/>
+          </a:xfrm>
+          <a:prstGeom prst="rect">
+            <a:avLst/>
+          </a:prstGeom>
+        </p:spPr>
+      </p:pic>
+      <p:sp>
+        <p:nvSpPr>
+          <p:cNvPr id="5" name="TextBox 4">
+            <a:extLst>
+              <a:ext uri="{FF2B5EF4-FFF2-40B4-BE49-F238E27FC236}">
+                <a16:creationId xmlns:a16="http://schemas.microsoft.com/office/drawing/2014/main" id="{F28E3A37-CD3F-9E4C-89E9-D83ED4F6A0D7}"/>
+              </a:ext>
+            </a:extLst>
+          </p:cNvPr>
+          <p:cNvSpPr txBox="1"/>
+          <p:nvPr/>
+        </p:nvSpPr>
+        <p:spPr>
+          <a:xfrm>
+            <a:off x="6314303" y="345989"/>
+            <a:ext cx="3064475" cy="523220"/>
+          </a:xfrm>
+          <a:prstGeom prst="rect">
+            <a:avLst/>
+          </a:prstGeom>
+          <a:noFill/>
+        </p:spPr>
+        <p:txBody>
+          <a:bodyPr wrap="square" rtlCol="0">
+            <a:spAutoFit/>
+          </a:bodyPr>
+          <a:lstStyle/>
+          <a:p>
+            <a:r>
+              <a:rPr lang="en-US" sz="1400"/>
+              <a:t>A </a:t>
+            </a:r>
+            <a:r>
+              <a:rPr lang="en-US" sz="1400" b="1">
+                <a:solidFill>
+                  <a:srgbClr val="00B050"/>
+                </a:solidFill>
+              </a:rPr>
+              <a:t>flume</a:t>
+            </a:r>
+            <a:r>
+              <a:rPr lang="en-US" sz="1400"/>
+              <a:t> is a man-made gravity chute for water, with raised walls.</a:t>
+            </a:r>
+          </a:p>
+        </p:txBody>
+      </p:sp>
+      <p:pic>
+        <p:nvPicPr>
+          <p:cNvPr id="6" name="Picture 5">
+            <a:extLst>
+              <a:ext uri="{FF2B5EF4-FFF2-40B4-BE49-F238E27FC236}">
+                <a16:creationId xmlns:a16="http://schemas.microsoft.com/office/drawing/2014/main" id="{D6DD2DFA-6592-9D43-8459-3F51F4CB2123}"/>
+              </a:ext>
+            </a:extLst>
+          </p:cNvPr>
+          <p:cNvPicPr>
+            <a:picLocks noChangeAspect="1"/>
+          </p:cNvPicPr>
+          <p:nvPr/>
+        </p:nvPicPr>
+        <p:blipFill>
+          <a:blip r:embed="rId3" cstate="email">
+            <a:extLst>
+              <a:ext uri="{28A0092B-C50C-407E-A947-70E740481C1C}">
+                <a14:useLocalDpi xmlns:a14="http://schemas.microsoft.com/office/drawing/2010/main"/>
+              </a:ext>
+            </a:extLst>
+          </a:blip>
+          <a:stretch>
+            <a:fillRect/>
+          </a:stretch>
+        </p:blipFill>
+        <p:spPr>
+          <a:xfrm>
+            <a:off x="6314303" y="1298898"/>
+            <a:ext cx="3248782" cy="2110603"/>
+          </a:xfrm>
+          <a:prstGeom prst="rect">
+            <a:avLst/>
+          </a:prstGeom>
+        </p:spPr>
+      </p:pic>
+      <p:pic>
+        <p:nvPicPr>
+          <p:cNvPr id="7" name="Picture 6">
+            <a:extLst>
+              <a:ext uri="{FF2B5EF4-FFF2-40B4-BE49-F238E27FC236}">
+                <a16:creationId xmlns:a16="http://schemas.microsoft.com/office/drawing/2014/main" id="{48CE3ABE-0B19-6E45-A971-EC5CC22F351B}"/>
+              </a:ext>
+            </a:extLst>
+          </p:cNvPr>
+          <p:cNvPicPr>
+            <a:picLocks noChangeAspect="1"/>
+          </p:cNvPicPr>
+          <p:nvPr/>
+        </p:nvPicPr>
+        <p:blipFill>
+          <a:blip r:embed="rId4" cstate="email">
+            <a:extLst>
+              <a:ext uri="{28A0092B-C50C-407E-A947-70E740481C1C}">
+                <a14:useLocalDpi xmlns:a14="http://schemas.microsoft.com/office/drawing/2010/main"/>
+              </a:ext>
+            </a:extLst>
+          </a:blip>
+          <a:stretch>
+            <a:fillRect/>
+          </a:stretch>
+        </p:blipFill>
+        <p:spPr>
+          <a:xfrm>
+            <a:off x="7754386" y="3743818"/>
+            <a:ext cx="3248783" cy="2110604"/>
+          </a:xfrm>
+          <a:prstGeom prst="rect">
+            <a:avLst/>
+          </a:prstGeom>
+        </p:spPr>
+      </p:pic>
+      <p:pic>
+        <p:nvPicPr>
+          <p:cNvPr id="8" name="Picture 7">
+            <a:extLst>
+              <a:ext uri="{FF2B5EF4-FFF2-40B4-BE49-F238E27FC236}">
+                <a16:creationId xmlns:a16="http://schemas.microsoft.com/office/drawing/2014/main" id="{D83EDB64-637C-9341-8FFB-22DA753197B1}"/>
+              </a:ext>
+            </a:extLst>
+          </p:cNvPr>
+          <p:cNvPicPr>
+            <a:picLocks noChangeAspect="1"/>
+          </p:cNvPicPr>
+          <p:nvPr/>
+        </p:nvPicPr>
+        <p:blipFill>
+          <a:blip r:embed="rId5" cstate="email">
+            <a:extLst>
+              <a:ext uri="{28A0092B-C50C-407E-A947-70E740481C1C}">
+                <a14:useLocalDpi xmlns:a14="http://schemas.microsoft.com/office/drawing/2010/main"/>
+              </a:ext>
+            </a:extLst>
+          </a:blip>
+          <a:stretch>
+            <a:fillRect/>
+          </a:stretch>
+        </p:blipFill>
+        <p:spPr>
+          <a:xfrm>
+            <a:off x="325382" y="3132219"/>
+            <a:ext cx="4650283" cy="1999564"/>
+          </a:xfrm>
+          <a:prstGeom prst="rect">
+            <a:avLst/>
+          </a:prstGeom>
+        </p:spPr>
+      </p:pic>
+      <p:sp>
+        <p:nvSpPr>
+          <p:cNvPr id="9" name="TextBox 8">
+            <a:extLst>
+              <a:ext uri="{FF2B5EF4-FFF2-40B4-BE49-F238E27FC236}">
+                <a16:creationId xmlns:a16="http://schemas.microsoft.com/office/drawing/2014/main" id="{F7E64137-2C00-BB43-8868-CEFDB6678580}"/>
+              </a:ext>
+            </a:extLst>
+          </p:cNvPr>
+          <p:cNvSpPr txBox="1"/>
+          <p:nvPr/>
+        </p:nvSpPr>
+        <p:spPr>
+          <a:xfrm>
+            <a:off x="172995" y="5205176"/>
+            <a:ext cx="5338119" cy="1384995"/>
+          </a:xfrm>
+          <a:prstGeom prst="rect">
+            <a:avLst/>
+          </a:prstGeom>
+          <a:noFill/>
+        </p:spPr>
+        <p:txBody>
+          <a:bodyPr wrap="square" rtlCol="0">
+            <a:spAutoFit/>
+          </a:bodyPr>
+          <a:lstStyle/>
+          <a:p>
+            <a:r>
+              <a:rPr lang="en-US" sz="1400"/>
+              <a:t>Flume vs Kafka:</a:t>
+            </a:r>
+          </a:p>
+          <a:p>
+            <a:pPr marL="285750" indent="-285750">
+              <a:buFont typeface="Arial" panose="020B0604020202020204" pitchFamily="34" charset="0"/>
+              <a:buChar char="•"/>
+            </a:pPr>
+            <a:r>
+              <a:rPr lang="en-US" sz="1400" b="1">
+                <a:solidFill>
+                  <a:srgbClr val="FF0000"/>
+                </a:solidFill>
+              </a:rPr>
+              <a:t>Kafka</a:t>
+            </a:r>
+            <a:r>
+              <a:rPr lang="en-US" sz="1400"/>
+              <a:t> uses </a:t>
+            </a:r>
+            <a:r>
+              <a:rPr lang="en-US" sz="1400" b="1">
+                <a:solidFill>
+                  <a:srgbClr val="FF0000"/>
+                </a:solidFill>
+              </a:rPr>
+              <a:t>"pull" model</a:t>
+            </a:r>
+            <a:r>
+              <a:rPr lang="en-US" sz="1400"/>
+              <a:t>, fault tollerant, easy to scale, can handle high volume in real time</a:t>
+            </a:r>
+          </a:p>
+          <a:p>
+            <a:pPr marL="285750" indent="-285750">
+              <a:buFont typeface="Arial" panose="020B0604020202020204" pitchFamily="34" charset="0"/>
+              <a:buChar char="•"/>
+            </a:pPr>
+            <a:r>
+              <a:rPr lang="en-US" sz="1400" b="1">
+                <a:solidFill>
+                  <a:srgbClr val="FF0000"/>
+                </a:solidFill>
+              </a:rPr>
+              <a:t>Flume</a:t>
+            </a:r>
+            <a:r>
+              <a:rPr lang="en-US" sz="1400"/>
+              <a:t> uses </a:t>
+            </a:r>
+            <a:r>
+              <a:rPr lang="en-US" sz="1400" b="1">
+                <a:solidFill>
+                  <a:srgbClr val="FF0000"/>
+                </a:solidFill>
+              </a:rPr>
+              <a:t>"push" model</a:t>
+            </a:r>
+            <a:r>
+              <a:rPr lang="en-US" sz="1400"/>
+              <a:t>, not easily scalable, designed specifically to collect logs from distributed system, designed specifically for Hadoop, not fault tollerant - may lose data if one of agents fails</a:t>
+            </a:r>
+          </a:p>
+        </p:txBody>
+      </p:sp>
+    </p:spTree>
+    <p:extLst>
+      <p:ext uri="{BB962C8B-B14F-4D97-AF65-F5344CB8AC3E}">
+        <p14:creationId xmlns:p14="http://schemas.microsoft.com/office/powerpoint/2010/main" val="3023264508"/>
       </p:ext>
     </p:extLst>
   </p:cSld>

--- a/DA_13_miscellaneous.pptx
+++ b/DA_13_miscellaneous.pptx
@@ -5,13 +5,14 @@
     <p:sldMasterId id="2147483648" r:id="rId1"/>
   </p:sldMasterIdLst>
   <p:notesMasterIdLst>
-    <p:notesMasterId r:id="rId6"/>
+    <p:notesMasterId r:id="rId7"/>
   </p:notesMasterIdLst>
   <p:sldIdLst>
     <p:sldId id="256" r:id="rId2"/>
     <p:sldId id="257" r:id="rId3"/>
     <p:sldId id="258" r:id="rId4"/>
     <p:sldId id="259" r:id="rId5"/>
+    <p:sldId id="260" r:id="rId6"/>
   </p:sldIdLst>
   <p:sldSz cx="12192000" cy="6858000"/>
   <p:notesSz cx="6858000" cy="9144000"/>
@@ -5514,8 +5515,8 @@
         </p:nvSpPr>
         <p:spPr>
           <a:xfrm>
-            <a:off x="8336914" y="6064712"/>
-            <a:ext cx="3249382" cy="646331"/>
+            <a:off x="7731211" y="5972379"/>
+            <a:ext cx="4191008" cy="738664"/>
           </a:xfrm>
           <a:prstGeom prst="rect">
             <a:avLst/>
@@ -5529,11 +5530,11 @@
           <a:lstStyle/>
           <a:p>
             <a:r>
-              <a:rPr lang="en-US"/>
+              <a:rPr lang="en-US" sz="1400"/>
               <a:t>In Greek mythology, </a:t>
             </a:r>
             <a:r>
-              <a:rPr lang="en-US" b="1">
+              <a:rPr lang="en-US" sz="1400" b="1">
                 <a:solidFill>
                   <a:srgbClr val="00B050"/>
                 </a:solidFill>
@@ -5541,9 +5542,22 @@
               <a:t>Athos</a:t>
             </a:r>
             <a:r>
-              <a:rPr lang="en-US"/>
-              <a:t> was one of the Gigantes. </a:t>
-            </a:r>
+              <a:rPr lang="en-US" sz="1400"/>
+              <a:t> was one of the Giants (Gigantes).</a:t>
+            </a:r>
+          </a:p>
+          <a:p>
+            <a:r>
+              <a:rPr lang="en-US" sz="1400"/>
+              <a:t> - </a:t>
+            </a:r>
+            <a:r>
+              <a:rPr lang="en-US" sz="1400">
+                <a:hlinkClick r:id="rId4"/>
+              </a:rPr>
+              <a:t>https://www.youtube.com/watch?v=tSwFW6M7dYk </a:t>
+            </a:r>
+            <a:endParaRPr lang="en-US" sz="1400"/>
           </a:p>
         </p:txBody>
       </p:sp>
@@ -6000,6 +6014,534 @@
     <p:extLst>
       <p:ext uri="{BB962C8B-B14F-4D97-AF65-F5344CB8AC3E}">
         <p14:creationId xmlns:p14="http://schemas.microsoft.com/office/powerpoint/2010/main" val="3023264508"/>
+      </p:ext>
+    </p:extLst>
+  </p:cSld>
+  <p:clrMapOvr>
+    <a:masterClrMapping/>
+  </p:clrMapOvr>
+</p:sld>
+</file>
+
+<file path=ppt/slides/slide5.xml><?xml version="1.0" encoding="utf-8"?>
+<p:sld xmlns:a="http://schemas.openxmlformats.org/drawingml/2006/main" xmlns:r="http://schemas.openxmlformats.org/officeDocument/2006/relationships" xmlns:p="http://schemas.openxmlformats.org/presentationml/2006/main">
+  <p:cSld>
+    <p:spTree>
+      <p:nvGrpSpPr>
+        <p:cNvPr id="1" name=""/>
+        <p:cNvGrpSpPr/>
+        <p:nvPr/>
+      </p:nvGrpSpPr>
+      <p:grpSpPr>
+        <a:xfrm>
+          <a:off x="0" y="0"/>
+          <a:ext cx="0" cy="0"/>
+          <a:chOff x="0" y="0"/>
+          <a:chExt cx="0" cy="0"/>
+        </a:xfrm>
+      </p:grpSpPr>
+      <p:sp>
+        <p:nvSpPr>
+          <p:cNvPr id="2" name="TextBox 1">
+            <a:extLst>
+              <a:ext uri="{FF2B5EF4-FFF2-40B4-BE49-F238E27FC236}">
+                <a16:creationId xmlns:a16="http://schemas.microsoft.com/office/drawing/2014/main" id="{30F73BFE-EE68-7C40-9A98-17213FC25E6A}"/>
+              </a:ext>
+            </a:extLst>
+          </p:cNvPr>
+          <p:cNvSpPr txBox="1"/>
+          <p:nvPr/>
+        </p:nvSpPr>
+        <p:spPr>
+          <a:xfrm>
+            <a:off x="101600" y="88900"/>
+            <a:ext cx="6565900" cy="523220"/>
+          </a:xfrm>
+          <a:prstGeom prst="rect">
+            <a:avLst/>
+          </a:prstGeom>
+          <a:noFill/>
+        </p:spPr>
+        <p:txBody>
+          <a:bodyPr wrap="square" rtlCol="0">
+            <a:spAutoFit/>
+          </a:bodyPr>
+          <a:lstStyle/>
+          <a:p>
+            <a:r>
+              <a:rPr lang="en-US" sz="2800" b="1"/>
+              <a:t>Google Anthos, Azure Arc, &amp; AWS Outposts</a:t>
+            </a:r>
+          </a:p>
+        </p:txBody>
+      </p:sp>
+      <p:sp>
+        <p:nvSpPr>
+          <p:cNvPr id="3" name="TextBox 2">
+            <a:extLst>
+              <a:ext uri="{FF2B5EF4-FFF2-40B4-BE49-F238E27FC236}">
+                <a16:creationId xmlns:a16="http://schemas.microsoft.com/office/drawing/2014/main" id="{AB622D90-388B-724C-B9AB-D51C89CDCB6F}"/>
+              </a:ext>
+            </a:extLst>
+          </p:cNvPr>
+          <p:cNvSpPr txBox="1"/>
+          <p:nvPr/>
+        </p:nvSpPr>
+        <p:spPr>
+          <a:xfrm>
+            <a:off x="276311" y="2360157"/>
+            <a:ext cx="4968789" cy="4185761"/>
+          </a:xfrm>
+          <a:prstGeom prst="rect">
+            <a:avLst/>
+          </a:prstGeom>
+          <a:noFill/>
+        </p:spPr>
+        <p:txBody>
+          <a:bodyPr wrap="square" rtlCol="0">
+            <a:spAutoFit/>
+          </a:bodyPr>
+          <a:lstStyle/>
+          <a:p>
+            <a:pPr marL="285750" indent="-285750">
+              <a:buFont typeface="Arial" panose="020B0604020202020204" pitchFamily="34" charset="0"/>
+              <a:buChar char="•"/>
+            </a:pPr>
+            <a:r>
+              <a:rPr lang="en-US" sz="1400" b="1">
+                <a:solidFill>
+                  <a:srgbClr val="00B050"/>
+                </a:solidFill>
+              </a:rPr>
+              <a:t>Google Anthos</a:t>
+            </a:r>
+            <a:r>
+              <a:rPr lang="en-US" sz="1400"/>
+              <a:t>  - Uses Google Kubernetes to manage infrastructure and applications across on-premises, edge, and in multiple public clouds, providing integrated security, policy management, visibility. </a:t>
+            </a:r>
+          </a:p>
+          <a:p>
+            <a:pPr marL="285750" indent="-285750">
+              <a:buFont typeface="Arial" panose="020B0604020202020204" pitchFamily="34" charset="0"/>
+              <a:buChar char="•"/>
+            </a:pPr>
+            <a:r>
+              <a:rPr lang="en-US" sz="1400" b="1">
+                <a:solidFill>
+                  <a:srgbClr val="00B050"/>
+                </a:solidFill>
+              </a:rPr>
+              <a:t>Azure Arc</a:t>
+            </a:r>
+            <a:r>
+              <a:rPr lang="en-US" sz="1400"/>
+              <a:t> – Similar to Anthos. Also can use Kubernetes to deploy and manage container-based applications on prem or any cloud. Also helps to organize other resources like Windows and Linux services. Can also support non-kubernetes (edge) environments.</a:t>
+            </a:r>
+          </a:p>
+          <a:p>
+            <a:pPr marL="285750" indent="-285750">
+              <a:buFont typeface="Arial" panose="020B0604020202020204" pitchFamily="34" charset="0"/>
+              <a:buChar char="•"/>
+            </a:pPr>
+            <a:r>
+              <a:rPr lang="en-US" sz="1400" b="1">
+                <a:solidFill>
+                  <a:srgbClr val="00B050"/>
+                </a:solidFill>
+              </a:rPr>
+              <a:t>AWS Outposts</a:t>
+            </a:r>
+            <a:r>
+              <a:rPr lang="en-US" sz="1400"/>
+              <a:t> – AWS provides hardware to be used "on on-premises" as AWS compute and storage (AWS EC2 and EBS). By using only AWS hardware, Outposts effectively prevents multicloud scenarios and even the use of your own hardware. </a:t>
+            </a:r>
+          </a:p>
+          <a:p>
+            <a:pPr marL="285750" indent="-285750">
+              <a:buFont typeface="Arial" panose="020B0604020202020204" pitchFamily="34" charset="0"/>
+              <a:buChar char="•"/>
+            </a:pPr>
+            <a:endParaRPr lang="en-US" sz="1400"/>
+          </a:p>
+          <a:p>
+            <a:endParaRPr lang="en-US" sz="1400"/>
+          </a:p>
+          <a:p>
+            <a:r>
+              <a:rPr lang="en-US" sz="1400">
+                <a:hlinkClick r:id="rId2"/>
+              </a:rPr>
+              <a:t>https://iamondemand.com/blog/google-anthos-azure-arc-aws-outposts-the-race-to-dominate-hybrid-and-multicloud/</a:t>
+            </a:r>
+            <a:endParaRPr lang="en-US" sz="1400"/>
+          </a:p>
+          <a:p>
+            <a:endParaRPr lang="en-US" sz="1400"/>
+          </a:p>
+          <a:p>
+            <a:endParaRPr lang="en-US" sz="1400"/>
+          </a:p>
+        </p:txBody>
+      </p:sp>
+      <p:sp>
+        <p:nvSpPr>
+          <p:cNvPr id="4" name="TextBox 3">
+            <a:extLst>
+              <a:ext uri="{FF2B5EF4-FFF2-40B4-BE49-F238E27FC236}">
+                <a16:creationId xmlns:a16="http://schemas.microsoft.com/office/drawing/2014/main" id="{6275786E-2A50-AB49-A068-9D699F6B6A98}"/>
+              </a:ext>
+            </a:extLst>
+          </p:cNvPr>
+          <p:cNvSpPr txBox="1"/>
+          <p:nvPr/>
+        </p:nvSpPr>
+        <p:spPr>
+          <a:xfrm>
+            <a:off x="276311" y="936169"/>
+            <a:ext cx="3666565" cy="861774"/>
+          </a:xfrm>
+          <a:prstGeom prst="rect">
+            <a:avLst/>
+          </a:prstGeom>
+          <a:noFill/>
+        </p:spPr>
+        <p:txBody>
+          <a:bodyPr wrap="square" rtlCol="0">
+            <a:spAutoFit/>
+          </a:bodyPr>
+          <a:lstStyle/>
+          <a:p>
+            <a:pPr fontAlgn="base"/>
+            <a:r>
+              <a:rPr lang="en-US" b="1">
+                <a:solidFill>
+                  <a:srgbClr val="0070C0"/>
+                </a:solidFill>
+              </a:rPr>
+              <a:t>Two cloud strategies:</a:t>
+            </a:r>
+          </a:p>
+          <a:p>
+            <a:pPr marL="285750" indent="-285750" fontAlgn="base">
+              <a:buFont typeface="Arial" panose="020B0604020202020204" pitchFamily="34" charset="0"/>
+              <a:buChar char="•"/>
+            </a:pPr>
+            <a:r>
+              <a:rPr lang="en-US" sz="1600"/>
+              <a:t>Cloud-First and Single Cloud Provider</a:t>
+            </a:r>
+            <a:endParaRPr lang="en-US" sz="1600" b="1"/>
+          </a:p>
+          <a:p>
+            <a:pPr marL="285750" indent="-285750">
+              <a:buFont typeface="Arial" panose="020B0604020202020204" pitchFamily="34" charset="0"/>
+              <a:buChar char="•"/>
+            </a:pPr>
+            <a:r>
+              <a:rPr lang="en-US" sz="1600"/>
+              <a:t>Hybrid and Multicloud</a:t>
+            </a:r>
+            <a:endParaRPr lang="en-US" sz="1600" b="1"/>
+          </a:p>
+        </p:txBody>
+      </p:sp>
+      <p:pic>
+        <p:nvPicPr>
+          <p:cNvPr id="5" name="Picture 4">
+            <a:extLst>
+              <a:ext uri="{FF2B5EF4-FFF2-40B4-BE49-F238E27FC236}">
+                <a16:creationId xmlns:a16="http://schemas.microsoft.com/office/drawing/2014/main" id="{B0F41EA6-F66B-D24C-80D8-B4712CC0C863}"/>
+              </a:ext>
+            </a:extLst>
+          </p:cNvPr>
+          <p:cNvPicPr>
+            <a:picLocks noChangeAspect="1"/>
+          </p:cNvPicPr>
+          <p:nvPr/>
+        </p:nvPicPr>
+        <p:blipFill>
+          <a:blip r:embed="rId3" cstate="email">
+            <a:extLst>
+              <a:ext uri="{28A0092B-C50C-407E-A947-70E740481C1C}">
+                <a14:useLocalDpi xmlns:a14="http://schemas.microsoft.com/office/drawing/2010/main"/>
+              </a:ext>
+            </a:extLst>
+          </a:blip>
+          <a:stretch>
+            <a:fillRect/>
+          </a:stretch>
+        </p:blipFill>
+        <p:spPr>
+          <a:xfrm>
+            <a:off x="7755220" y="2943185"/>
+            <a:ext cx="3022600" cy="1384300"/>
+          </a:xfrm>
+          <a:prstGeom prst="rect">
+            <a:avLst/>
+          </a:prstGeom>
+        </p:spPr>
+      </p:pic>
+      <p:sp>
+        <p:nvSpPr>
+          <p:cNvPr id="6" name="TextBox 5">
+            <a:extLst>
+              <a:ext uri="{FF2B5EF4-FFF2-40B4-BE49-F238E27FC236}">
+                <a16:creationId xmlns:a16="http://schemas.microsoft.com/office/drawing/2014/main" id="{F48A9057-F151-9249-B87C-D2FB519A936E}"/>
+              </a:ext>
+            </a:extLst>
+          </p:cNvPr>
+          <p:cNvSpPr txBox="1"/>
+          <p:nvPr/>
+        </p:nvSpPr>
+        <p:spPr>
+          <a:xfrm>
+            <a:off x="7746786" y="2584347"/>
+            <a:ext cx="3528392" cy="369332"/>
+          </a:xfrm>
+          <a:prstGeom prst="rect">
+            <a:avLst/>
+          </a:prstGeom>
+          <a:noFill/>
+        </p:spPr>
+        <p:txBody>
+          <a:bodyPr wrap="square" rtlCol="0">
+            <a:spAutoFit/>
+          </a:bodyPr>
+          <a:lstStyle/>
+          <a:p>
+            <a:r>
+              <a:rPr lang="en-US"/>
+              <a:t>Azure Arc – Kubernetes deployment</a:t>
+            </a:r>
+          </a:p>
+        </p:txBody>
+      </p:sp>
+      <p:pic>
+        <p:nvPicPr>
+          <p:cNvPr id="7" name="Picture 6">
+            <a:extLst>
+              <a:ext uri="{FF2B5EF4-FFF2-40B4-BE49-F238E27FC236}">
+                <a16:creationId xmlns:a16="http://schemas.microsoft.com/office/drawing/2014/main" id="{A10AEF23-D853-B349-822D-226C1CF66FF7}"/>
+              </a:ext>
+            </a:extLst>
+          </p:cNvPr>
+          <p:cNvPicPr>
+            <a:picLocks noChangeAspect="1"/>
+          </p:cNvPicPr>
+          <p:nvPr/>
+        </p:nvPicPr>
+        <p:blipFill>
+          <a:blip r:embed="rId4" cstate="email">
+            <a:extLst>
+              <a:ext uri="{28A0092B-C50C-407E-A947-70E740481C1C}">
+                <a14:useLocalDpi xmlns:a14="http://schemas.microsoft.com/office/drawing/2010/main"/>
+              </a:ext>
+            </a:extLst>
+          </a:blip>
+          <a:stretch>
+            <a:fillRect/>
+          </a:stretch>
+        </p:blipFill>
+        <p:spPr>
+          <a:xfrm>
+            <a:off x="6667500" y="72420"/>
+            <a:ext cx="3091645" cy="1989467"/>
+          </a:xfrm>
+          <a:prstGeom prst="rect">
+            <a:avLst/>
+          </a:prstGeom>
+        </p:spPr>
+      </p:pic>
+      <p:sp>
+        <p:nvSpPr>
+          <p:cNvPr id="8" name="TextBox 7">
+            <a:extLst>
+              <a:ext uri="{FF2B5EF4-FFF2-40B4-BE49-F238E27FC236}">
+                <a16:creationId xmlns:a16="http://schemas.microsoft.com/office/drawing/2014/main" id="{B94D988F-0B5C-9B43-9A49-DF1F77FE5890}"/>
+              </a:ext>
+            </a:extLst>
+          </p:cNvPr>
+          <p:cNvSpPr txBox="1"/>
+          <p:nvPr/>
+        </p:nvSpPr>
+        <p:spPr>
+          <a:xfrm>
+            <a:off x="8612412" y="165844"/>
+            <a:ext cx="1042202" cy="369332"/>
+          </a:xfrm>
+          <a:prstGeom prst="rect">
+            <a:avLst/>
+          </a:prstGeom>
+          <a:noFill/>
+        </p:spPr>
+        <p:txBody>
+          <a:bodyPr wrap="square" rtlCol="0">
+            <a:spAutoFit/>
+          </a:bodyPr>
+          <a:lstStyle/>
+          <a:p>
+            <a:r>
+              <a:rPr lang="en-US" b="1">
+                <a:solidFill>
+                  <a:srgbClr val="00B050"/>
+                </a:solidFill>
+              </a:rPr>
+              <a:t>Anthos</a:t>
+            </a:r>
+          </a:p>
+        </p:txBody>
+      </p:sp>
+      <p:sp>
+        <p:nvSpPr>
+          <p:cNvPr id="10" name="TextBox 9">
+            <a:extLst>
+              <a:ext uri="{FF2B5EF4-FFF2-40B4-BE49-F238E27FC236}">
+                <a16:creationId xmlns:a16="http://schemas.microsoft.com/office/drawing/2014/main" id="{987E85AE-45C4-5F47-882A-CED23E111C0A}"/>
+              </a:ext>
+            </a:extLst>
+          </p:cNvPr>
+          <p:cNvSpPr txBox="1"/>
+          <p:nvPr/>
+        </p:nvSpPr>
+        <p:spPr>
+          <a:xfrm>
+            <a:off x="5928072" y="4699532"/>
+            <a:ext cx="1615676" cy="369332"/>
+          </a:xfrm>
+          <a:prstGeom prst="rect">
+            <a:avLst/>
+          </a:prstGeom>
+          <a:noFill/>
+        </p:spPr>
+        <p:txBody>
+          <a:bodyPr wrap="square" rtlCol="0">
+            <a:spAutoFit/>
+          </a:bodyPr>
+          <a:lstStyle/>
+          <a:p>
+            <a:r>
+              <a:rPr lang="en-US"/>
+              <a:t>AWS Outpots</a:t>
+            </a:r>
+          </a:p>
+        </p:txBody>
+      </p:sp>
+      <p:pic>
+        <p:nvPicPr>
+          <p:cNvPr id="11" name="Picture 10">
+            <a:extLst>
+              <a:ext uri="{FF2B5EF4-FFF2-40B4-BE49-F238E27FC236}">
+                <a16:creationId xmlns:a16="http://schemas.microsoft.com/office/drawing/2014/main" id="{41A1F5A0-5F7D-CA4A-822A-033D561DE051}"/>
+              </a:ext>
+            </a:extLst>
+          </p:cNvPr>
+          <p:cNvPicPr>
+            <a:picLocks noChangeAspect="1"/>
+          </p:cNvPicPr>
+          <p:nvPr/>
+        </p:nvPicPr>
+        <p:blipFill>
+          <a:blip r:embed="rId5" cstate="email">
+            <a:extLst>
+              <a:ext uri="{28A0092B-C50C-407E-A947-70E740481C1C}">
+                <a14:useLocalDpi xmlns:a14="http://schemas.microsoft.com/office/drawing/2010/main"/>
+              </a:ext>
+            </a:extLst>
+          </a:blip>
+          <a:stretch>
+            <a:fillRect/>
+          </a:stretch>
+        </p:blipFill>
+        <p:spPr>
+          <a:xfrm>
+            <a:off x="7351061" y="4780739"/>
+            <a:ext cx="808318" cy="2004841"/>
+          </a:xfrm>
+          <a:prstGeom prst="rect">
+            <a:avLst/>
+          </a:prstGeom>
+        </p:spPr>
+      </p:pic>
+      <p:sp>
+        <p:nvSpPr>
+          <p:cNvPr id="12" name="TextBox 11">
+            <a:extLst>
+              <a:ext uri="{FF2B5EF4-FFF2-40B4-BE49-F238E27FC236}">
+                <a16:creationId xmlns:a16="http://schemas.microsoft.com/office/drawing/2014/main" id="{0CE89CE3-DBC4-FA47-9EDA-5014B1A5A7F6}"/>
+              </a:ext>
+            </a:extLst>
+          </p:cNvPr>
+          <p:cNvSpPr txBox="1"/>
+          <p:nvPr/>
+        </p:nvSpPr>
+        <p:spPr>
+          <a:xfrm>
+            <a:off x="5928072" y="5153479"/>
+            <a:ext cx="1401451" cy="523220"/>
+          </a:xfrm>
+          <a:prstGeom prst="rect">
+            <a:avLst/>
+          </a:prstGeom>
+          <a:noFill/>
+        </p:spPr>
+        <p:txBody>
+          <a:bodyPr wrap="square" rtlCol="0">
+            <a:spAutoFit/>
+          </a:bodyPr>
+          <a:lstStyle/>
+          <a:p>
+            <a:r>
+              <a:rPr lang="en-US" sz="1400"/>
+              <a:t>Standard racks</a:t>
+            </a:r>
+          </a:p>
+          <a:p>
+            <a:r>
+              <a:rPr lang="en-US" sz="1400"/>
+              <a:t>installed by AWS</a:t>
+            </a:r>
+          </a:p>
+        </p:txBody>
+      </p:sp>
+      <p:sp>
+        <p:nvSpPr>
+          <p:cNvPr id="13" name="TextBox 12">
+            <a:extLst>
+              <a:ext uri="{FF2B5EF4-FFF2-40B4-BE49-F238E27FC236}">
+                <a16:creationId xmlns:a16="http://schemas.microsoft.com/office/drawing/2014/main" id="{F439326A-62D1-304A-84AD-99302C8C9A00}"/>
+              </a:ext>
+            </a:extLst>
+          </p:cNvPr>
+          <p:cNvSpPr txBox="1"/>
+          <p:nvPr/>
+        </p:nvSpPr>
+        <p:spPr>
+          <a:xfrm>
+            <a:off x="8612412" y="438960"/>
+            <a:ext cx="2501410" cy="369332"/>
+          </a:xfrm>
+          <a:prstGeom prst="rect">
+            <a:avLst/>
+          </a:prstGeom>
+          <a:noFill/>
+        </p:spPr>
+        <p:txBody>
+          <a:bodyPr wrap="square" rtlCol="0">
+            <a:spAutoFit/>
+          </a:bodyPr>
+          <a:lstStyle/>
+          <a:p>
+            <a:r>
+              <a:rPr lang="en-US"/>
+              <a:t>Kubernetes deployment</a:t>
+            </a:r>
+          </a:p>
+        </p:txBody>
+      </p:sp>
+    </p:spTree>
+    <p:extLst>
+      <p:ext uri="{BB962C8B-B14F-4D97-AF65-F5344CB8AC3E}">
+        <p14:creationId xmlns:p14="http://schemas.microsoft.com/office/powerpoint/2010/main" val="3298736656"/>
       </p:ext>
     </p:extLst>
   </p:cSld>

--- a/DA_13_miscellaneous.pptx
+++ b/DA_13_miscellaneous.pptx
@@ -8,11 +8,11 @@
     <p:notesMasterId r:id="rId7"/>
   </p:notesMasterIdLst>
   <p:sldIdLst>
-    <p:sldId id="256" r:id="rId2"/>
-    <p:sldId id="257" r:id="rId3"/>
-    <p:sldId id="258" r:id="rId4"/>
-    <p:sldId id="259" r:id="rId5"/>
-    <p:sldId id="260" r:id="rId6"/>
+    <p:sldId id="260" r:id="rId2"/>
+    <p:sldId id="258" r:id="rId3"/>
+    <p:sldId id="256" r:id="rId4"/>
+    <p:sldId id="257" r:id="rId5"/>
+    <p:sldId id="259" r:id="rId6"/>
   </p:sldIdLst>
   <p:sldSz cx="12192000" cy="6858000"/>
   <p:notesSz cx="6858000" cy="9144000"/>
@@ -201,7 +201,7 @@
           <a:p>
             <a:fld id="{C2E15B94-D9E4-E149-8081-23A720D1EE5F}" type="datetimeFigureOut">
               <a:rPr lang="en-US" smtClean="0"/>
-              <a:t>11/25/21</a:t>
+              <a:t>11/26/21</a:t>
             </a:fld>
             <a:endParaRPr lang="en-US"/>
           </a:p>
@@ -615,7 +615,7 @@
           <a:p>
             <a:fld id="{FBD852D7-E694-214E-8A12-510E0A0329D2}" type="datetimeFigureOut">
               <a:rPr lang="en-US" smtClean="0"/>
-              <a:t>11/25/21</a:t>
+              <a:t>11/26/21</a:t>
             </a:fld>
             <a:endParaRPr lang="en-US"/>
           </a:p>
@@ -813,7 +813,7 @@
           <a:p>
             <a:fld id="{FBD852D7-E694-214E-8A12-510E0A0329D2}" type="datetimeFigureOut">
               <a:rPr lang="en-US" smtClean="0"/>
-              <a:t>11/25/21</a:t>
+              <a:t>11/26/21</a:t>
             </a:fld>
             <a:endParaRPr lang="en-US"/>
           </a:p>
@@ -1021,7 +1021,7 @@
           <a:p>
             <a:fld id="{FBD852D7-E694-214E-8A12-510E0A0329D2}" type="datetimeFigureOut">
               <a:rPr lang="en-US" smtClean="0"/>
-              <a:t>11/25/21</a:t>
+              <a:t>11/26/21</a:t>
             </a:fld>
             <a:endParaRPr lang="en-US"/>
           </a:p>
@@ -1219,7 +1219,7 @@
           <a:p>
             <a:fld id="{FBD852D7-E694-214E-8A12-510E0A0329D2}" type="datetimeFigureOut">
               <a:rPr lang="en-US" smtClean="0"/>
-              <a:t>11/25/21</a:t>
+              <a:t>11/26/21</a:t>
             </a:fld>
             <a:endParaRPr lang="en-US"/>
           </a:p>
@@ -1494,7 +1494,7 @@
           <a:p>
             <a:fld id="{FBD852D7-E694-214E-8A12-510E0A0329D2}" type="datetimeFigureOut">
               <a:rPr lang="en-US" smtClean="0"/>
-              <a:t>11/25/21</a:t>
+              <a:t>11/26/21</a:t>
             </a:fld>
             <a:endParaRPr lang="en-US"/>
           </a:p>
@@ -1759,7 +1759,7 @@
           <a:p>
             <a:fld id="{FBD852D7-E694-214E-8A12-510E0A0329D2}" type="datetimeFigureOut">
               <a:rPr lang="en-US" smtClean="0"/>
-              <a:t>11/25/21</a:t>
+              <a:t>11/26/21</a:t>
             </a:fld>
             <a:endParaRPr lang="en-US"/>
           </a:p>
@@ -2171,7 +2171,7 @@
           <a:p>
             <a:fld id="{FBD852D7-E694-214E-8A12-510E0A0329D2}" type="datetimeFigureOut">
               <a:rPr lang="en-US" smtClean="0"/>
-              <a:t>11/25/21</a:t>
+              <a:t>11/26/21</a:t>
             </a:fld>
             <a:endParaRPr lang="en-US"/>
           </a:p>
@@ -2312,7 +2312,7 @@
           <a:p>
             <a:fld id="{FBD852D7-E694-214E-8A12-510E0A0329D2}" type="datetimeFigureOut">
               <a:rPr lang="en-US" smtClean="0"/>
-              <a:t>11/25/21</a:t>
+              <a:t>11/26/21</a:t>
             </a:fld>
             <a:endParaRPr lang="en-US"/>
           </a:p>
@@ -2425,7 +2425,7 @@
           <a:p>
             <a:fld id="{FBD852D7-E694-214E-8A12-510E0A0329D2}" type="datetimeFigureOut">
               <a:rPr lang="en-US" smtClean="0"/>
-              <a:t>11/25/21</a:t>
+              <a:t>11/26/21</a:t>
             </a:fld>
             <a:endParaRPr lang="en-US"/>
           </a:p>
@@ -2736,7 +2736,7 @@
           <a:p>
             <a:fld id="{FBD852D7-E694-214E-8A12-510E0A0329D2}" type="datetimeFigureOut">
               <a:rPr lang="en-US" smtClean="0"/>
-              <a:t>11/25/21</a:t>
+              <a:t>11/26/21</a:t>
             </a:fld>
             <a:endParaRPr lang="en-US"/>
           </a:p>
@@ -3024,7 +3024,7 @@
           <a:p>
             <a:fld id="{FBD852D7-E694-214E-8A12-510E0A0329D2}" type="datetimeFigureOut">
               <a:rPr lang="en-US" smtClean="0"/>
-              <a:t>11/25/21</a:t>
+              <a:t>11/26/21</a:t>
             </a:fld>
             <a:endParaRPr lang="en-US"/>
           </a:p>
@@ -3265,7 +3265,7 @@
           <a:p>
             <a:fld id="{FBD852D7-E694-214E-8A12-510E0A0329D2}" type="datetimeFigureOut">
               <a:rPr lang="en-US" smtClean="0"/>
-              <a:t>11/25/21</a:t>
+              <a:t>11/26/21</a:t>
             </a:fld>
             <a:endParaRPr lang="en-US"/>
           </a:p>
@@ -3684,10 +3684,10 @@
       </p:grpSpPr>
       <p:sp>
         <p:nvSpPr>
-          <p:cNvPr id="3" name="TextBox 2">
-            <a:extLst>
-              <a:ext uri="{FF2B5EF4-FFF2-40B4-BE49-F238E27FC236}">
-                <a16:creationId xmlns:a16="http://schemas.microsoft.com/office/drawing/2014/main" id="{FA377523-1556-BE4B-89E0-9D726B98AB69}"/>
+          <p:cNvPr id="2" name="TextBox 1">
+            <a:extLst>
+              <a:ext uri="{FF2B5EF4-FFF2-40B4-BE49-F238E27FC236}">
+                <a16:creationId xmlns:a16="http://schemas.microsoft.com/office/drawing/2014/main" id="{30F73BFE-EE68-7C40-9A98-17213FC25E6A}"/>
               </a:ext>
             </a:extLst>
           </p:cNvPr>
@@ -3696,8 +3696,8 @@
         </p:nvSpPr>
         <p:spPr>
           <a:xfrm>
-            <a:off x="0" y="716049"/>
-            <a:ext cx="5333999" cy="6001643"/>
+            <a:off x="15561" y="11875"/>
+            <a:ext cx="4470400" cy="523220"/>
           </a:xfrm>
           <a:prstGeom prst="rect">
             <a:avLst/>
@@ -3710,284 +3710,19 @@
           </a:bodyPr>
           <a:lstStyle/>
           <a:p>
-            <a:pPr marL="171450" indent="-171450">
-              <a:buFont typeface="Arial" panose="020B0604020202020204" pitchFamily="34" charset="0"/>
-              <a:buChar char="•"/>
-            </a:pPr>
-            <a:r>
-              <a:rPr lang="en-US" sz="1200"/>
-              <a:t>Microsoft Ignite - an annual conference for developers</a:t>
-            </a:r>
-            <a:br>
-              <a:rPr lang="en-US" sz="1200"/>
-            </a:br>
-            <a:r>
-              <a:rPr lang="en-US" sz="1200"/>
-              <a:t>.. </a:t>
-            </a:r>
-            <a:r>
-              <a:rPr lang="en-US" sz="1200">
-                <a:hlinkClick r:id="rId2"/>
-              </a:rPr>
-              <a:t>https://news.microsoft.com/november-2021-ignite/</a:t>
-            </a:r>
-            <a:br>
-              <a:rPr lang="en-US" sz="1200"/>
-            </a:br>
-            <a:endParaRPr lang="en-US" sz="1200"/>
-          </a:p>
-          <a:p>
-            <a:pPr marL="171450" indent="-171450">
-              <a:buFont typeface="Arial" panose="020B0604020202020204" pitchFamily="34" charset="0"/>
-              <a:buChar char="•"/>
-            </a:pPr>
-            <a:r>
-              <a:rPr lang="en-US" sz="1200"/>
-              <a:t>Azure Open AI Service (Preview)</a:t>
-            </a:r>
-            <a:br>
-              <a:rPr lang="en-US" sz="1200"/>
-            </a:br>
-            <a:r>
-              <a:rPr lang="en-US" sz="1200"/>
-              <a:t>language models (large, pre-trained, even GPT3)</a:t>
-            </a:r>
-            <a:br>
-              <a:rPr lang="en-US" sz="1200"/>
-            </a:br>
-            <a:r>
-              <a:rPr lang="en-US" sz="1200"/>
-              <a:t>.. </a:t>
-            </a:r>
-            <a:r>
-              <a:rPr lang="en-US" sz="1200">
-                <a:hlinkClick r:id="rId3"/>
-              </a:rPr>
-              <a:t>https://azure.microsoft.com/en-us/services/openai-service/</a:t>
-            </a:r>
-            <a:r>
-              <a:rPr lang="en-US" sz="1200"/>
-              <a:t> </a:t>
-            </a:r>
-            <a:br>
-              <a:rPr lang="en-US" sz="1200"/>
-            </a:br>
-            <a:r>
-              <a:rPr lang="en-US" sz="1200"/>
-              <a:t>.. </a:t>
-            </a:r>
-            <a:r>
-              <a:rPr lang="en-US" sz="1200">
-                <a:hlinkClick r:id="rId4"/>
-              </a:rPr>
-              <a:t>https://www.youtube.com/embed/mD_tJMZmZ7U</a:t>
-            </a:r>
-            <a:br>
-              <a:rPr lang="en-US" sz="1200"/>
-            </a:br>
-            <a:endParaRPr lang="en-US" sz="1200"/>
-          </a:p>
-          <a:p>
-            <a:pPr marL="171450" indent="-171450">
-              <a:buFont typeface="Arial" panose="020B0604020202020204" pitchFamily="34" charset="0"/>
-              <a:buChar char="•"/>
-            </a:pPr>
-            <a:r>
-              <a:rPr lang="en-US" sz="1200"/>
-              <a:t>Azure Data Labeling</a:t>
-            </a:r>
-            <a:br>
-              <a:rPr lang="en-US" sz="1200"/>
-            </a:br>
-            <a:r>
-              <a:rPr lang="en-US" sz="1200">
-                <a:hlinkClick r:id="rId5"/>
-              </a:rPr>
-              <a:t>https://docs.microsoft.com/en-us/azure/machine-learning/how-to-label-data</a:t>
-            </a:r>
-            <a:endParaRPr lang="en-US" sz="1200"/>
-          </a:p>
-          <a:p>
-            <a:pPr marL="171450" indent="-171450">
-              <a:buFont typeface="Arial" panose="020B0604020202020204" pitchFamily="34" charset="0"/>
-              <a:buChar char="•"/>
-            </a:pPr>
-            <a:endParaRPr lang="en-US" sz="1200"/>
-          </a:p>
-          <a:p>
-            <a:pPr marL="171450" indent="-171450">
-              <a:buFont typeface="Arial" panose="020B0604020202020204" pitchFamily="34" charset="0"/>
-              <a:buChar char="•"/>
-            </a:pPr>
-            <a:r>
-              <a:rPr lang="en-US" sz="1200"/>
-              <a:t>Azure Arc - Unify on-premises, hybrid, and multicloud infrastructure</a:t>
-            </a:r>
-            <a:br>
-              <a:rPr lang="en-US" sz="1200"/>
-            </a:br>
-            <a:r>
-              <a:rPr lang="en-US" sz="1200"/>
-              <a:t>with Kubernetes based deployment</a:t>
-            </a:r>
-            <a:br>
-              <a:rPr lang="en-US" sz="1200"/>
-            </a:br>
-            <a:r>
-              <a:rPr lang="en-US" sz="1200"/>
-              <a:t>.. </a:t>
-            </a:r>
-            <a:r>
-              <a:rPr lang="en-US" sz="1200">
-                <a:hlinkClick r:id="rId6"/>
-              </a:rPr>
-              <a:t>https://azure.microsoft.com/en-us/services/azure-arc</a:t>
-            </a:r>
-            <a:br>
-              <a:rPr lang="en-US" sz="1200"/>
-            </a:br>
-            <a:endParaRPr lang="en-US" sz="1200"/>
-          </a:p>
-          <a:p>
-            <a:pPr marL="171450" indent="-171450">
-              <a:buFont typeface="Arial" panose="020B0604020202020204" pitchFamily="34" charset="0"/>
-              <a:buChar char="•"/>
-            </a:pPr>
-            <a:r>
-              <a:rPr lang="en-US" sz="1200"/>
-              <a:t>Azure video analyzer platform</a:t>
-            </a:r>
-            <a:br>
-              <a:rPr lang="en-US" sz="1200"/>
-            </a:br>
-            <a:r>
-              <a:rPr lang="en-US" sz="1200"/>
-              <a:t>extract actionable insights from videos, whether stored or streaming</a:t>
-            </a:r>
-            <a:br>
-              <a:rPr lang="en-US" sz="1200"/>
-            </a:br>
-            <a:r>
-              <a:rPr lang="en-US" sz="1200"/>
-              <a:t>.. </a:t>
-            </a:r>
-            <a:r>
-              <a:rPr lang="en-US" sz="1200">
-                <a:hlinkClick r:id="rId7"/>
-              </a:rPr>
-              <a:t>https://azure.microsoft.com/en-us/products/video-analyzer/</a:t>
-            </a:r>
-            <a:br>
-              <a:rPr lang="en-US" sz="1200"/>
-            </a:br>
-            <a:endParaRPr lang="en-US" sz="1200"/>
-          </a:p>
-          <a:p>
-            <a:pPr marL="171450" indent="-171450">
-              <a:buFont typeface="Arial" panose="020B0604020202020204" pitchFamily="34" charset="0"/>
-              <a:buChar char="•"/>
-            </a:pPr>
-            <a:r>
-              <a:rPr lang="en-US" sz="1200"/>
-              <a:t>Azure Language Studio</a:t>
-            </a:r>
-            <a:br>
-              <a:rPr lang="en-US" sz="1200"/>
-            </a:br>
-            <a:r>
-              <a:rPr lang="en-US" sz="1200"/>
-              <a:t>.. </a:t>
-            </a:r>
-            <a:r>
-              <a:rPr lang="en-US" sz="1200">
-                <a:hlinkClick r:id="rId8"/>
-              </a:rPr>
-              <a:t>https://docs.microsoft.com/en-us/azure/cognitive-services/language-service/language-studio</a:t>
-            </a:r>
-            <a:br>
-              <a:rPr lang="en-US" sz="1200"/>
-            </a:br>
-            <a:endParaRPr lang="en-US" sz="1200"/>
-          </a:p>
-          <a:p>
-            <a:pPr marL="171450" indent="-171450">
-              <a:buFont typeface="Arial" panose="020B0604020202020204" pitchFamily="34" charset="0"/>
-              <a:buChar char="•"/>
-            </a:pPr>
-            <a:r>
-              <a:rPr lang="en-US" sz="1200"/>
-              <a:t>Container Apps Preview</a:t>
-            </a:r>
-            <a:br>
-              <a:rPr lang="en-US" sz="1200"/>
-            </a:br>
-            <a:r>
-              <a:rPr lang="en-US" sz="1200"/>
-              <a:t>managed serverless container service – deploy containers</a:t>
-            </a:r>
-            <a:br>
-              <a:rPr lang="en-US" sz="1200"/>
-            </a:br>
-            <a:r>
-              <a:rPr lang="en-US" sz="1200"/>
-              <a:t>.. </a:t>
-            </a:r>
-            <a:r>
-              <a:rPr lang="en-US" sz="1200">
-                <a:hlinkClick r:id="rId9"/>
-              </a:rPr>
-              <a:t>https://azure.microsoft.com/en-us/updates/public-preview-azure-container-apps/</a:t>
-            </a:r>
-            <a:br>
-              <a:rPr lang="en-US" sz="1200"/>
-            </a:br>
-            <a:r>
-              <a:rPr lang="en-US" sz="1200"/>
-              <a:t>.. </a:t>
-            </a:r>
-            <a:r>
-              <a:rPr lang="en-US" sz="1200">
-                <a:hlinkClick r:id="rId10"/>
-              </a:rPr>
-              <a:t>https://www.youtube.com/embed/fmGHEJL81rU</a:t>
-            </a:r>
-            <a:br>
-              <a:rPr lang="en-US" sz="1200"/>
-            </a:br>
-            <a:endParaRPr lang="en-US" sz="1200"/>
-          </a:p>
-          <a:p>
-            <a:pPr marL="171450" indent="-171450">
-              <a:buFont typeface="Arial" panose="020B0604020202020204" pitchFamily="34" charset="0"/>
-              <a:buChar char="•"/>
-            </a:pPr>
-            <a:r>
-              <a:rPr lang="en-US" sz="1200"/>
-              <a:t>Azure Percept (for Edge apps)</a:t>
-            </a:r>
-            <a:br>
-              <a:rPr lang="en-US" sz="1200"/>
-            </a:br>
-            <a:r>
-              <a:rPr lang="en-US" sz="1200"/>
-              <a:t>.. </a:t>
-            </a:r>
-            <a:r>
-              <a:rPr lang="en-US" sz="1200">
-                <a:hlinkClick r:id="rId11"/>
-              </a:rPr>
-              <a:t>https://azure.microsoft.com/en-us/services/azure-percept/</a:t>
-            </a:r>
-            <a:endParaRPr lang="en-US" sz="1200"/>
-          </a:p>
-        </p:txBody>
-      </p:sp>
-      <p:sp>
-        <p:nvSpPr>
-          <p:cNvPr id="4" name="TextBox 3">
-            <a:extLst>
-              <a:ext uri="{FF2B5EF4-FFF2-40B4-BE49-F238E27FC236}">
-                <a16:creationId xmlns:a16="http://schemas.microsoft.com/office/drawing/2014/main" id="{35A3E161-088F-3945-87D9-D62B0232741F}"/>
+            <a:r>
+              <a:rPr lang="en-US" sz="2800" b="1"/>
+              <a:t>Cross-Cloud Architectures</a:t>
+            </a:r>
+          </a:p>
+        </p:txBody>
+      </p:sp>
+      <p:sp>
+        <p:nvSpPr>
+          <p:cNvPr id="3" name="TextBox 2">
+            <a:extLst>
+              <a:ext uri="{FF2B5EF4-FFF2-40B4-BE49-F238E27FC236}">
+                <a16:creationId xmlns:a16="http://schemas.microsoft.com/office/drawing/2014/main" id="{AB622D90-388B-724C-B9AB-D51C89CDCB6F}"/>
               </a:ext>
             </a:extLst>
           </p:cNvPr>
@@ -3996,8 +3731,8 @@
         </p:nvSpPr>
         <p:spPr>
           <a:xfrm>
-            <a:off x="25400" y="0"/>
-            <a:ext cx="4950012" cy="523220"/>
+            <a:off x="276311" y="2360157"/>
+            <a:ext cx="4968789" cy="4185761"/>
           </a:xfrm>
           <a:prstGeom prst="rect">
             <a:avLst/>
@@ -4010,10 +3745,145 @@
           </a:bodyPr>
           <a:lstStyle/>
           <a:p>
-            <a:r>
-              <a:rPr lang="en-US" sz="2800" b="1"/>
-              <a:t>Azure Updates November 2021</a:t>
-            </a:r>
+            <a:pPr marL="285750" indent="-285750">
+              <a:buFont typeface="Arial" panose="020B0604020202020204" pitchFamily="34" charset="0"/>
+              <a:buChar char="•"/>
+            </a:pPr>
+            <a:r>
+              <a:rPr lang="en-US" sz="1400" b="1">
+                <a:solidFill>
+                  <a:srgbClr val="FF0000"/>
+                </a:solidFill>
+              </a:rPr>
+              <a:t>Google Anthos</a:t>
+            </a:r>
+            <a:r>
+              <a:rPr lang="en-US" sz="1400"/>
+              <a:t>  - Uses Google Kubernetes to manage infrastructure and applications across on-premises, edge, and in multiple public clouds, providing integrated security, policy management, visibility. </a:t>
+            </a:r>
+          </a:p>
+          <a:p>
+            <a:pPr marL="285750" indent="-285750">
+              <a:buFont typeface="Arial" panose="020B0604020202020204" pitchFamily="34" charset="0"/>
+              <a:buChar char="•"/>
+            </a:pPr>
+            <a:r>
+              <a:rPr lang="en-US" sz="1400" b="1">
+                <a:solidFill>
+                  <a:srgbClr val="FF0000"/>
+                </a:solidFill>
+              </a:rPr>
+              <a:t>Azure Arc</a:t>
+            </a:r>
+            <a:r>
+              <a:rPr lang="en-US" sz="1400"/>
+              <a:t> – Similar to Anthos. Also can use Kubernetes to deploy and manage container-based applications on prem or any cloud. Also helps to organize other resources like Windows and Linux services. Can also support non-kubernetes (edge) environments.</a:t>
+            </a:r>
+          </a:p>
+          <a:p>
+            <a:pPr marL="285750" indent="-285750">
+              <a:buFont typeface="Arial" panose="020B0604020202020204" pitchFamily="34" charset="0"/>
+              <a:buChar char="•"/>
+            </a:pPr>
+            <a:r>
+              <a:rPr lang="en-US" sz="1400" b="1">
+                <a:solidFill>
+                  <a:srgbClr val="FF0000"/>
+                </a:solidFill>
+              </a:rPr>
+              <a:t>AWS Outposts</a:t>
+            </a:r>
+            <a:r>
+              <a:rPr lang="en-US" sz="1400"/>
+              <a:t> – AWS provides hardware to be used "on on-premises" as AWS compute and storage (AWS EC2 and EBS). By using only AWS hardware, Outposts effectively prevents multicloud scenarios and even the use of your own hardware. </a:t>
+            </a:r>
+          </a:p>
+          <a:p>
+            <a:pPr marL="285750" indent="-285750">
+              <a:buFont typeface="Arial" panose="020B0604020202020204" pitchFamily="34" charset="0"/>
+              <a:buChar char="•"/>
+            </a:pPr>
+            <a:endParaRPr lang="en-US" sz="1400"/>
+          </a:p>
+          <a:p>
+            <a:endParaRPr lang="en-US" sz="1400"/>
+          </a:p>
+          <a:p>
+            <a:r>
+              <a:rPr lang="en-US" sz="1400">
+                <a:hlinkClick r:id="rId2"/>
+              </a:rPr>
+              <a:t>https://iamondemand.com/blog/google-anthos-azure-arc-aws-outposts-the-race-to-dominate-hybrid-and-multicloud/</a:t>
+            </a:r>
+            <a:endParaRPr lang="en-US" sz="1400"/>
+          </a:p>
+          <a:p>
+            <a:endParaRPr lang="en-US" sz="1400"/>
+          </a:p>
+          <a:p>
+            <a:endParaRPr lang="en-US" sz="1400"/>
+          </a:p>
+        </p:txBody>
+      </p:sp>
+      <p:sp>
+        <p:nvSpPr>
+          <p:cNvPr id="4" name="TextBox 3">
+            <a:extLst>
+              <a:ext uri="{FF2B5EF4-FFF2-40B4-BE49-F238E27FC236}">
+                <a16:creationId xmlns:a16="http://schemas.microsoft.com/office/drawing/2014/main" id="{6275786E-2A50-AB49-A068-9D699F6B6A98}"/>
+              </a:ext>
+            </a:extLst>
+          </p:cNvPr>
+          <p:cNvSpPr txBox="1"/>
+          <p:nvPr/>
+        </p:nvSpPr>
+        <p:spPr>
+          <a:xfrm>
+            <a:off x="276311" y="936169"/>
+            <a:ext cx="3666565" cy="861774"/>
+          </a:xfrm>
+          <a:prstGeom prst="rect">
+            <a:avLst/>
+          </a:prstGeom>
+          <a:noFill/>
+        </p:spPr>
+        <p:txBody>
+          <a:bodyPr wrap="square" rtlCol="0">
+            <a:spAutoFit/>
+          </a:bodyPr>
+          <a:lstStyle/>
+          <a:p>
+            <a:pPr fontAlgn="base"/>
+            <a:r>
+              <a:rPr lang="en-US" b="1">
+                <a:solidFill>
+                  <a:srgbClr val="0070C0"/>
+                </a:solidFill>
+              </a:rPr>
+              <a:t>Two cloud strategies:</a:t>
+            </a:r>
+          </a:p>
+          <a:p>
+            <a:pPr marL="285750" indent="-285750" fontAlgn="base">
+              <a:buFont typeface="Arial" panose="020B0604020202020204" pitchFamily="34" charset="0"/>
+              <a:buChar char="•"/>
+            </a:pPr>
+            <a:r>
+              <a:rPr lang="en-US" sz="1600"/>
+              <a:t>Cloud-First + Single Cloud Provider</a:t>
+            </a:r>
+            <a:endParaRPr lang="en-US" sz="1600" b="1"/>
+          </a:p>
+          <a:p>
+            <a:pPr marL="285750" indent="-285750">
+              <a:buFont typeface="Arial" panose="020B0604020202020204" pitchFamily="34" charset="0"/>
+              <a:buChar char="•"/>
+            </a:pPr>
+            <a:r>
+              <a:rPr lang="en-US" sz="1600"/>
+              <a:t>Hybrid and Multicloud</a:t>
+            </a:r>
+            <a:endParaRPr lang="en-US" sz="1600" b="1"/>
           </a:p>
         </p:txBody>
       </p:sp>
@@ -4022,7 +3892,7 @@
           <p:cNvPr id="5" name="Picture 4">
             <a:extLst>
               <a:ext uri="{FF2B5EF4-FFF2-40B4-BE49-F238E27FC236}">
-                <a16:creationId xmlns:a16="http://schemas.microsoft.com/office/drawing/2014/main" id="{CBC3EA2B-FA52-2F43-B64F-CABF429C5F3A}"/>
+                <a16:creationId xmlns:a16="http://schemas.microsoft.com/office/drawing/2014/main" id="{B0F41EA6-F66B-D24C-80D8-B4712CC0C863}"/>
               </a:ext>
             </a:extLst>
           </p:cNvPr>
@@ -4032,7 +3902,7 @@
           <p:nvPr/>
         </p:nvPicPr>
         <p:blipFill>
-          <a:blip r:embed="rId12" cstate="email">
+          <a:blip r:embed="rId3" cstate="email">
             <a:extLst>
               <a:ext uri="{28A0092B-C50C-407E-A947-70E740481C1C}">
                 <a14:useLocalDpi xmlns:a14="http://schemas.microsoft.com/office/drawing/2010/main"/>
@@ -4045,7 +3915,7 @@
         </p:blipFill>
         <p:spPr>
           <a:xfrm>
-            <a:off x="9100355" y="1543292"/>
+            <a:off x="7755220" y="2943185"/>
             <a:ext cx="3022600" cy="1384300"/>
           </a:xfrm>
           <a:prstGeom prst="rect">
@@ -4053,12 +3923,47 @@
           </a:prstGeom>
         </p:spPr>
       </p:pic>
+      <p:sp>
+        <p:nvSpPr>
+          <p:cNvPr id="6" name="TextBox 5">
+            <a:extLst>
+              <a:ext uri="{FF2B5EF4-FFF2-40B4-BE49-F238E27FC236}">
+                <a16:creationId xmlns:a16="http://schemas.microsoft.com/office/drawing/2014/main" id="{F48A9057-F151-9249-B87C-D2FB519A936E}"/>
+              </a:ext>
+            </a:extLst>
+          </p:cNvPr>
+          <p:cNvSpPr txBox="1"/>
+          <p:nvPr/>
+        </p:nvSpPr>
+        <p:spPr>
+          <a:xfrm>
+            <a:off x="7746786" y="2584347"/>
+            <a:ext cx="3528392" cy="369332"/>
+          </a:xfrm>
+          <a:prstGeom prst="rect">
+            <a:avLst/>
+          </a:prstGeom>
+          <a:noFill/>
+        </p:spPr>
+        <p:txBody>
+          <a:bodyPr wrap="square" rtlCol="0">
+            <a:spAutoFit/>
+          </a:bodyPr>
+          <a:lstStyle/>
+          <a:p>
+            <a:r>
+              <a:rPr lang="en-US"/>
+              <a:t>Azure Arc – Kubernetes deployment</a:t>
+            </a:r>
+          </a:p>
+        </p:txBody>
+      </p:sp>
       <p:pic>
         <p:nvPicPr>
-          <p:cNvPr id="6" name="Picture 5">
-            <a:extLst>
-              <a:ext uri="{FF2B5EF4-FFF2-40B4-BE49-F238E27FC236}">
-                <a16:creationId xmlns:a16="http://schemas.microsoft.com/office/drawing/2014/main" id="{B88E794A-7C02-C448-8DC3-8F331FFD9C71}"/>
+          <p:cNvPr id="7" name="Picture 6">
+            <a:extLst>
+              <a:ext uri="{FF2B5EF4-FFF2-40B4-BE49-F238E27FC236}">
+                <a16:creationId xmlns:a16="http://schemas.microsoft.com/office/drawing/2014/main" id="{A10AEF23-D853-B349-822D-226C1CF66FF7}"/>
               </a:ext>
             </a:extLst>
           </p:cNvPr>
@@ -4068,7 +3973,7 @@
           <p:nvPr/>
         </p:nvPicPr>
         <p:blipFill>
-          <a:blip r:embed="rId13" cstate="email">
+          <a:blip r:embed="rId4" cstate="email">
             <a:extLst>
               <a:ext uri="{28A0092B-C50C-407E-A947-70E740481C1C}">
                 <a14:useLocalDpi xmlns:a14="http://schemas.microsoft.com/office/drawing/2010/main"/>
@@ -4081,20 +3986,94 @@
         </p:blipFill>
         <p:spPr>
           <a:xfrm>
-            <a:off x="8352866" y="113793"/>
-            <a:ext cx="1324843" cy="861946"/>
+            <a:off x="6667500" y="72420"/>
+            <a:ext cx="3091645" cy="1989467"/>
           </a:xfrm>
           <a:prstGeom prst="rect">
             <a:avLst/>
           </a:prstGeom>
         </p:spPr>
       </p:pic>
+      <p:sp>
+        <p:nvSpPr>
+          <p:cNvPr id="8" name="TextBox 7">
+            <a:extLst>
+              <a:ext uri="{FF2B5EF4-FFF2-40B4-BE49-F238E27FC236}">
+                <a16:creationId xmlns:a16="http://schemas.microsoft.com/office/drawing/2014/main" id="{B94D988F-0B5C-9B43-9A49-DF1F77FE5890}"/>
+              </a:ext>
+            </a:extLst>
+          </p:cNvPr>
+          <p:cNvSpPr txBox="1"/>
+          <p:nvPr/>
+        </p:nvSpPr>
+        <p:spPr>
+          <a:xfrm>
+            <a:off x="8612412" y="165844"/>
+            <a:ext cx="1042202" cy="369332"/>
+          </a:xfrm>
+          <a:prstGeom prst="rect">
+            <a:avLst/>
+          </a:prstGeom>
+          <a:noFill/>
+        </p:spPr>
+        <p:txBody>
+          <a:bodyPr wrap="square" rtlCol="0">
+            <a:spAutoFit/>
+          </a:bodyPr>
+          <a:lstStyle/>
+          <a:p>
+            <a:r>
+              <a:rPr lang="en-US" b="1">
+                <a:solidFill>
+                  <a:srgbClr val="00B050"/>
+                </a:solidFill>
+              </a:rPr>
+              <a:t>Anthos</a:t>
+            </a:r>
+          </a:p>
+        </p:txBody>
+      </p:sp>
+      <p:sp>
+        <p:nvSpPr>
+          <p:cNvPr id="10" name="TextBox 9">
+            <a:extLst>
+              <a:ext uri="{FF2B5EF4-FFF2-40B4-BE49-F238E27FC236}">
+                <a16:creationId xmlns:a16="http://schemas.microsoft.com/office/drawing/2014/main" id="{987E85AE-45C4-5F47-882A-CED23E111C0A}"/>
+              </a:ext>
+            </a:extLst>
+          </p:cNvPr>
+          <p:cNvSpPr txBox="1"/>
+          <p:nvPr/>
+        </p:nvSpPr>
+        <p:spPr>
+          <a:xfrm>
+            <a:off x="5928072" y="4699532"/>
+            <a:ext cx="1615676" cy="369332"/>
+          </a:xfrm>
+          <a:prstGeom prst="rect">
+            <a:avLst/>
+          </a:prstGeom>
+          <a:noFill/>
+        </p:spPr>
+        <p:txBody>
+          <a:bodyPr wrap="square" rtlCol="0">
+            <a:spAutoFit/>
+          </a:bodyPr>
+          <a:lstStyle/>
+          <a:p>
+            <a:r>
+              <a:rPr lang="en-US"/>
+              <a:t>AWS Outpots</a:t>
+            </a:r>
+          </a:p>
+        </p:txBody>
+      </p:sp>
       <p:pic>
         <p:nvPicPr>
-          <p:cNvPr id="7" name="Picture 6">
-            <a:extLst>
-              <a:ext uri="{FF2B5EF4-FFF2-40B4-BE49-F238E27FC236}">
-                <a16:creationId xmlns:a16="http://schemas.microsoft.com/office/drawing/2014/main" id="{106FCEE6-DDB0-A54C-A241-D5181480328F}"/>
+          <p:cNvPr id="11" name="Picture 10">
+            <a:extLst>
+              <a:ext uri="{FF2B5EF4-FFF2-40B4-BE49-F238E27FC236}">
+                <a16:creationId xmlns:a16="http://schemas.microsoft.com/office/drawing/2014/main" id="{41A1F5A0-5F7D-CA4A-822A-033D561DE051}"/>
               </a:ext>
             </a:extLst>
           </p:cNvPr>
@@ -4104,7 +4083,7 @@
           <p:nvPr/>
         </p:nvPicPr>
         <p:blipFill>
-          <a:blip r:embed="rId14" cstate="email">
+          <a:blip r:embed="rId5" cstate="email">
             <a:extLst>
               <a:ext uri="{28A0092B-C50C-407E-A947-70E740481C1C}">
                 <a14:useLocalDpi xmlns:a14="http://schemas.microsoft.com/office/drawing/2010/main"/>
@@ -4117,128 +4096,20 @@
         </p:blipFill>
         <p:spPr>
           <a:xfrm>
-            <a:off x="4922161" y="41114"/>
-            <a:ext cx="3195602" cy="1136214"/>
+            <a:off x="7351061" y="4780739"/>
+            <a:ext cx="808318" cy="2004841"/>
           </a:xfrm>
           <a:prstGeom prst="rect">
             <a:avLst/>
           </a:prstGeom>
         </p:spPr>
       </p:pic>
-      <p:pic>
-        <p:nvPicPr>
-          <p:cNvPr id="8" name="Picture 7">
-            <a:extLst>
-              <a:ext uri="{FF2B5EF4-FFF2-40B4-BE49-F238E27FC236}">
-                <a16:creationId xmlns:a16="http://schemas.microsoft.com/office/drawing/2014/main" id="{F4B20E22-F4A0-A54B-8866-FAD189597987}"/>
-              </a:ext>
-            </a:extLst>
-          </p:cNvPr>
-          <p:cNvPicPr>
-            <a:picLocks noChangeAspect="1"/>
-          </p:cNvPicPr>
-          <p:nvPr/>
-        </p:nvPicPr>
-        <p:blipFill>
-          <a:blip r:embed="rId15" cstate="email">
-            <a:extLst>
-              <a:ext uri="{28A0092B-C50C-407E-A947-70E740481C1C}">
-                <a14:useLocalDpi xmlns:a14="http://schemas.microsoft.com/office/drawing/2010/main"/>
-              </a:ext>
-            </a:extLst>
-          </a:blip>
-          <a:stretch>
-            <a:fillRect/>
-          </a:stretch>
-        </p:blipFill>
-        <p:spPr>
-          <a:xfrm>
-            <a:off x="5856840" y="3927754"/>
-            <a:ext cx="2854211" cy="1551888"/>
-          </a:xfrm>
-          <a:prstGeom prst="rect">
-            <a:avLst/>
-          </a:prstGeom>
-        </p:spPr>
-      </p:pic>
-      <p:pic>
-        <p:nvPicPr>
-          <p:cNvPr id="9" name="Picture 8">
-            <a:extLst>
-              <a:ext uri="{FF2B5EF4-FFF2-40B4-BE49-F238E27FC236}">
-                <a16:creationId xmlns:a16="http://schemas.microsoft.com/office/drawing/2014/main" id="{4D4714F5-A509-AC46-8562-4BC7639768A3}"/>
-              </a:ext>
-            </a:extLst>
-          </p:cNvPr>
-          <p:cNvPicPr>
-            <a:picLocks noChangeAspect="1"/>
-          </p:cNvPicPr>
-          <p:nvPr/>
-        </p:nvPicPr>
-        <p:blipFill>
-          <a:blip r:embed="rId16" cstate="email">
-            <a:extLst>
-              <a:ext uri="{28A0092B-C50C-407E-A947-70E740481C1C}">
-                <a14:useLocalDpi xmlns:a14="http://schemas.microsoft.com/office/drawing/2010/main"/>
-              </a:ext>
-            </a:extLst>
-          </a:blip>
-          <a:stretch>
-            <a:fillRect/>
-          </a:stretch>
-        </p:blipFill>
-        <p:spPr>
-          <a:xfrm>
-            <a:off x="9064654" y="3451258"/>
-            <a:ext cx="3073960" cy="1384300"/>
-          </a:xfrm>
-          <a:prstGeom prst="rect">
-            <a:avLst/>
-          </a:prstGeom>
-        </p:spPr>
-      </p:pic>
-      <p:pic>
-        <p:nvPicPr>
-          <p:cNvPr id="10" name="Picture 9">
-            <a:extLst>
-              <a:ext uri="{FF2B5EF4-FFF2-40B4-BE49-F238E27FC236}">
-                <a16:creationId xmlns:a16="http://schemas.microsoft.com/office/drawing/2014/main" id="{701A7084-2162-7C42-9B29-1C401C4958A9}"/>
-              </a:ext>
-            </a:extLst>
-          </p:cNvPr>
-          <p:cNvPicPr>
-            <a:picLocks noChangeAspect="1"/>
-          </p:cNvPicPr>
-          <p:nvPr/>
-        </p:nvPicPr>
-        <p:blipFill>
-          <a:blip r:embed="rId17" cstate="email">
-            <a:extLst>
-              <a:ext uri="{28A0092B-C50C-407E-A947-70E740481C1C}">
-                <a14:useLocalDpi xmlns:a14="http://schemas.microsoft.com/office/drawing/2010/main"/>
-              </a:ext>
-            </a:extLst>
-          </a:blip>
-          <a:stretch>
-            <a:fillRect/>
-          </a:stretch>
-        </p:blipFill>
-        <p:spPr>
-          <a:xfrm>
-            <a:off x="9117512" y="5205641"/>
-            <a:ext cx="2913529" cy="1455258"/>
-          </a:xfrm>
-          <a:prstGeom prst="rect">
-            <a:avLst/>
-          </a:prstGeom>
-        </p:spPr>
-      </p:pic>
-      <p:sp>
-        <p:nvSpPr>
-          <p:cNvPr id="11" name="TextBox 10">
-            <a:extLst>
-              <a:ext uri="{FF2B5EF4-FFF2-40B4-BE49-F238E27FC236}">
-                <a16:creationId xmlns:a16="http://schemas.microsoft.com/office/drawing/2014/main" id="{86E85B41-879B-3E4F-AD97-B63B0E4398C2}"/>
+      <p:sp>
+        <p:nvSpPr>
+          <p:cNvPr id="12" name="TextBox 11">
+            <a:extLst>
+              <a:ext uri="{FF2B5EF4-FFF2-40B4-BE49-F238E27FC236}">
+                <a16:creationId xmlns:a16="http://schemas.microsoft.com/office/drawing/2014/main" id="{0CE89CE3-DBC4-FA47-9EDA-5014B1A5A7F6}"/>
               </a:ext>
             </a:extLst>
           </p:cNvPr>
@@ -4247,8 +4118,8 @@
         </p:nvSpPr>
         <p:spPr>
           <a:xfrm>
-            <a:off x="9117512" y="4836309"/>
-            <a:ext cx="2030677" cy="369332"/>
+            <a:off x="5928072" y="5153479"/>
+            <a:ext cx="1401451" cy="523220"/>
           </a:xfrm>
           <a:prstGeom prst="rect">
             <a:avLst/>
@@ -4262,18 +4133,24 @@
           <a:lstStyle/>
           <a:p>
             <a:r>
-              <a:rPr lang="en-US"/>
-              <a:t>Percept for Edge</a:t>
-            </a:r>
-          </a:p>
-        </p:txBody>
-      </p:sp>
-      <p:sp>
-        <p:nvSpPr>
-          <p:cNvPr id="12" name="TextBox 11">
-            <a:extLst>
-              <a:ext uri="{FF2B5EF4-FFF2-40B4-BE49-F238E27FC236}">
-                <a16:creationId xmlns:a16="http://schemas.microsoft.com/office/drawing/2014/main" id="{81C825AD-B34A-9E45-AF08-77BA3766BAC7}"/>
+              <a:rPr lang="en-US" sz="1400"/>
+              <a:t>Standard racks</a:t>
+            </a:r>
+          </a:p>
+          <a:p>
+            <a:r>
+              <a:rPr lang="en-US" sz="1400"/>
+              <a:t>installed by AWS</a:t>
+            </a:r>
+          </a:p>
+        </p:txBody>
+      </p:sp>
+      <p:sp>
+        <p:nvSpPr>
+          <p:cNvPr id="13" name="TextBox 12">
+            <a:extLst>
+              <a:ext uri="{FF2B5EF4-FFF2-40B4-BE49-F238E27FC236}">
+                <a16:creationId xmlns:a16="http://schemas.microsoft.com/office/drawing/2014/main" id="{F439326A-62D1-304A-84AD-99302C8C9A00}"/>
               </a:ext>
             </a:extLst>
           </p:cNvPr>
@@ -4282,8 +4159,8 @@
         </p:nvSpPr>
         <p:spPr>
           <a:xfrm>
-            <a:off x="5778180" y="3589249"/>
-            <a:ext cx="1797069" cy="369332"/>
+            <a:off x="8612412" y="438960"/>
+            <a:ext cx="2501410" cy="369332"/>
           </a:xfrm>
           <a:prstGeom prst="rect">
             <a:avLst/>
@@ -4298,219 +4175,7 @@
           <a:p>
             <a:r>
               <a:rPr lang="en-US"/>
-              <a:t>Video Analyzer</a:t>
-            </a:r>
-          </a:p>
-        </p:txBody>
-      </p:sp>
-      <p:sp>
-        <p:nvSpPr>
-          <p:cNvPr id="13" name="TextBox 12">
-            <a:extLst>
-              <a:ext uri="{FF2B5EF4-FFF2-40B4-BE49-F238E27FC236}">
-                <a16:creationId xmlns:a16="http://schemas.microsoft.com/office/drawing/2014/main" id="{4FAF8CBA-EE63-1F4D-A312-5DE8F96F4CCE}"/>
-              </a:ext>
-            </a:extLst>
-          </p:cNvPr>
-          <p:cNvSpPr txBox="1"/>
-          <p:nvPr/>
-        </p:nvSpPr>
-        <p:spPr>
-          <a:xfrm>
-            <a:off x="9038974" y="3106265"/>
-            <a:ext cx="1277471" cy="369332"/>
-          </a:xfrm>
-          <a:prstGeom prst="rect">
-            <a:avLst/>
-          </a:prstGeom>
-          <a:noFill/>
-        </p:spPr>
-        <p:txBody>
-          <a:bodyPr wrap="square" rtlCol="0">
-            <a:spAutoFit/>
-          </a:bodyPr>
-          <a:lstStyle/>
-          <a:p>
-            <a:r>
-              <a:rPr lang="en-US"/>
-              <a:t>Language</a:t>
-            </a:r>
-          </a:p>
-        </p:txBody>
-      </p:sp>
-      <p:sp>
-        <p:nvSpPr>
-          <p:cNvPr id="14" name="TextBox 13">
-            <a:extLst>
-              <a:ext uri="{FF2B5EF4-FFF2-40B4-BE49-F238E27FC236}">
-                <a16:creationId xmlns:a16="http://schemas.microsoft.com/office/drawing/2014/main" id="{EC2BEB7C-3C7C-3F4C-AC31-8B9F76EBADE8}"/>
-              </a:ext>
-            </a:extLst>
-          </p:cNvPr>
-          <p:cNvSpPr txBox="1"/>
-          <p:nvPr/>
-        </p:nvSpPr>
-        <p:spPr>
-          <a:xfrm>
-            <a:off x="9100355" y="1205844"/>
-            <a:ext cx="3091645" cy="369332"/>
-          </a:xfrm>
-          <a:prstGeom prst="rect">
-            <a:avLst/>
-          </a:prstGeom>
-          <a:noFill/>
-        </p:spPr>
-        <p:txBody>
-          <a:bodyPr wrap="square" rtlCol="0">
-            <a:spAutoFit/>
-          </a:bodyPr>
-          <a:lstStyle/>
-          <a:p>
-            <a:r>
-              <a:rPr lang="en-US"/>
-              <a:t>Arc – Kubernetes deployment</a:t>
-            </a:r>
-          </a:p>
-        </p:txBody>
-      </p:sp>
-      <p:pic>
-        <p:nvPicPr>
-          <p:cNvPr id="15" name="Picture 14">
-            <a:extLst>
-              <a:ext uri="{FF2B5EF4-FFF2-40B4-BE49-F238E27FC236}">
-                <a16:creationId xmlns:a16="http://schemas.microsoft.com/office/drawing/2014/main" id="{FE2E1462-1AF0-0945-8EA4-C9D418DDDD95}"/>
-              </a:ext>
-            </a:extLst>
-          </p:cNvPr>
-          <p:cNvPicPr>
-            <a:picLocks noChangeAspect="1"/>
-          </p:cNvPicPr>
-          <p:nvPr/>
-        </p:nvPicPr>
-        <p:blipFill>
-          <a:blip r:embed="rId18" cstate="email">
-            <a:extLst>
-              <a:ext uri="{28A0092B-C50C-407E-A947-70E740481C1C}">
-                <a14:useLocalDpi xmlns:a14="http://schemas.microsoft.com/office/drawing/2010/main"/>
-              </a:ext>
-            </a:extLst>
-          </a:blip>
-          <a:stretch>
-            <a:fillRect/>
-          </a:stretch>
-        </p:blipFill>
-        <p:spPr>
-          <a:xfrm>
-            <a:off x="5899406" y="5877016"/>
-            <a:ext cx="852516" cy="840676"/>
-          </a:xfrm>
-          <a:prstGeom prst="rect">
-            <a:avLst/>
-          </a:prstGeom>
-        </p:spPr>
-      </p:pic>
-      <p:sp>
-        <p:nvSpPr>
-          <p:cNvPr id="16" name="TextBox 15">
-            <a:extLst>
-              <a:ext uri="{FF2B5EF4-FFF2-40B4-BE49-F238E27FC236}">
-                <a16:creationId xmlns:a16="http://schemas.microsoft.com/office/drawing/2014/main" id="{371F558C-0FBD-4849-8009-A26E78594016}"/>
-              </a:ext>
-            </a:extLst>
-          </p:cNvPr>
-          <p:cNvSpPr txBox="1"/>
-          <p:nvPr/>
-        </p:nvSpPr>
-        <p:spPr>
-          <a:xfrm>
-            <a:off x="5809748" y="5512678"/>
-            <a:ext cx="2129941" cy="369332"/>
-          </a:xfrm>
-          <a:prstGeom prst="rect">
-            <a:avLst/>
-          </a:prstGeom>
-          <a:noFill/>
-        </p:spPr>
-        <p:txBody>
-          <a:bodyPr wrap="square" rtlCol="0">
-            <a:spAutoFit/>
-          </a:bodyPr>
-          <a:lstStyle/>
-          <a:p>
-            <a:r>
-              <a:rPr lang="en-US"/>
-              <a:t>Container Apps</a:t>
-            </a:r>
-          </a:p>
-        </p:txBody>
-      </p:sp>
-      <p:pic>
-        <p:nvPicPr>
-          <p:cNvPr id="17" name="Picture 16">
-            <a:extLst>
-              <a:ext uri="{FF2B5EF4-FFF2-40B4-BE49-F238E27FC236}">
-                <a16:creationId xmlns:a16="http://schemas.microsoft.com/office/drawing/2014/main" id="{85C96275-0852-514C-ADB1-4895B6093F8A}"/>
-              </a:ext>
-            </a:extLst>
-          </p:cNvPr>
-          <p:cNvPicPr>
-            <a:picLocks noChangeAspect="1"/>
-          </p:cNvPicPr>
-          <p:nvPr/>
-        </p:nvPicPr>
-        <p:blipFill>
-          <a:blip r:embed="rId19" cstate="email">
-            <a:extLst>
-              <a:ext uri="{28A0092B-C50C-407E-A947-70E740481C1C}">
-                <a14:useLocalDpi xmlns:a14="http://schemas.microsoft.com/office/drawing/2010/main"/>
-              </a:ext>
-            </a:extLst>
-          </a:blip>
-          <a:stretch>
-            <a:fillRect/>
-          </a:stretch>
-        </p:blipFill>
-        <p:spPr>
-          <a:xfrm>
-            <a:off x="5856840" y="2068188"/>
-            <a:ext cx="2243866" cy="1229945"/>
-          </a:xfrm>
-          <a:prstGeom prst="rect">
-            <a:avLst/>
-          </a:prstGeom>
-        </p:spPr>
-      </p:pic>
-      <p:sp>
-        <p:nvSpPr>
-          <p:cNvPr id="18" name="TextBox 17">
-            <a:extLst>
-              <a:ext uri="{FF2B5EF4-FFF2-40B4-BE49-F238E27FC236}">
-                <a16:creationId xmlns:a16="http://schemas.microsoft.com/office/drawing/2014/main" id="{AC8DBDCC-969B-4548-8F94-433008C2B67E}"/>
-              </a:ext>
-            </a:extLst>
-          </p:cNvPr>
-          <p:cNvSpPr txBox="1"/>
-          <p:nvPr/>
-        </p:nvSpPr>
-        <p:spPr>
-          <a:xfrm>
-            <a:off x="5845415" y="1666320"/>
-            <a:ext cx="1797069" cy="369332"/>
-          </a:xfrm>
-          <a:prstGeom prst="rect">
-            <a:avLst/>
-          </a:prstGeom>
-          <a:noFill/>
-        </p:spPr>
-        <p:txBody>
-          <a:bodyPr wrap="square" rtlCol="0">
-            <a:spAutoFit/>
-          </a:bodyPr>
-          <a:lstStyle/>
-          <a:p>
-            <a:r>
-              <a:rPr lang="en-US"/>
-              <a:t>Data Labeling</a:t>
+              <a:t>Kubernetes deployment</a:t>
             </a:r>
           </a:p>
         </p:txBody>
@@ -4518,7 +4183,7 @@
     </p:spTree>
     <p:extLst>
       <p:ext uri="{BB962C8B-B14F-4D97-AF65-F5344CB8AC3E}">
-        <p14:creationId xmlns:p14="http://schemas.microsoft.com/office/powerpoint/2010/main" val="467745224"/>
+        <p14:creationId xmlns:p14="http://schemas.microsoft.com/office/powerpoint/2010/main" val="3298736656"/>
       </p:ext>
     </p:extLst>
   </p:cSld>
@@ -4550,7 +4215,7 @@
           <p:cNvPr id="2" name="TextBox 1">
             <a:extLst>
               <a:ext uri="{FF2B5EF4-FFF2-40B4-BE49-F238E27FC236}">
-                <a16:creationId xmlns:a16="http://schemas.microsoft.com/office/drawing/2014/main" id="{A10D7386-1BAD-B748-BCFC-D88C27FDFE25}"/>
+                <a16:creationId xmlns:a16="http://schemas.microsoft.com/office/drawing/2014/main" id="{FF054288-5C3F-C54D-9739-A8F971E51587}"/>
               </a:ext>
             </a:extLst>
           </p:cNvPr>
@@ -4559,8 +4224,8 @@
         </p:nvSpPr>
         <p:spPr>
           <a:xfrm>
-            <a:off x="0" y="23753"/>
-            <a:ext cx="5700156" cy="523220"/>
+            <a:off x="0" y="0"/>
+            <a:ext cx="7376984" cy="523220"/>
           </a:xfrm>
           <a:prstGeom prst="rect">
             <a:avLst/>
@@ -4575,7 +4240,7 @@
           <a:p>
             <a:r>
               <a:rPr lang="en-US" sz="2800" b="1"/>
-              <a:t>SQL Server 2022 – "Azure Enabled"</a:t>
+              <a:t>BigQuery Omni - Google Cross-Cloud Analytics</a:t>
             </a:r>
           </a:p>
         </p:txBody>
@@ -4585,7 +4250,7 @@
           <p:cNvPr id="3" name="TextBox 2">
             <a:extLst>
               <a:ext uri="{FF2B5EF4-FFF2-40B4-BE49-F238E27FC236}">
-                <a16:creationId xmlns:a16="http://schemas.microsoft.com/office/drawing/2014/main" id="{6C85AEBB-BDF3-FA42-8D6C-32A623EED6BD}"/>
+                <a16:creationId xmlns:a16="http://schemas.microsoft.com/office/drawing/2014/main" id="{476CDDB6-71EF-F14B-9265-6A64E2EEA472}"/>
               </a:ext>
             </a:extLst>
           </p:cNvPr>
@@ -4594,8 +4259,8 @@
         </p:nvSpPr>
         <p:spPr>
           <a:xfrm>
-            <a:off x="106878" y="1380085"/>
-            <a:ext cx="7113319" cy="2677656"/>
+            <a:off x="195944" y="640323"/>
+            <a:ext cx="6096000" cy="1908215"/>
           </a:xfrm>
           <a:prstGeom prst="rect">
             <a:avLst/>
@@ -4608,215 +4273,143 @@
           </a:bodyPr>
           <a:lstStyle/>
           <a:p>
-            <a:pPr marL="285750" indent="-285750">
-              <a:buFont typeface="Arial" panose="020B0604020202020204" pitchFamily="34" charset="0"/>
-              <a:buChar char="•"/>
-            </a:pPr>
-            <a:r>
-              <a:rPr lang="en-US" sz="1400">
-                <a:solidFill>
-                  <a:srgbClr val="2F2F2F"/>
-                </a:solidFill>
-                <a:latin typeface="Segoe UI" panose="020B0502040204020203" pitchFamily="34" charset="0"/>
-              </a:rPr>
-              <a:t>SQL Server 2022 integrates with:</a:t>
-            </a:r>
-          </a:p>
-          <a:p>
-            <a:pPr marL="742950" lvl="1" indent="-285750">
-              <a:buFont typeface="Arial" panose="020B0604020202020204" pitchFamily="34" charset="0"/>
-              <a:buChar char="•"/>
-            </a:pPr>
-            <a:r>
-              <a:rPr lang="en-US" sz="1400" b="1">
+            <a:r>
+              <a:rPr lang="en-US" sz="2000" b="1">
                 <a:solidFill>
                   <a:srgbClr val="FF0000"/>
                 </a:solidFill>
-                <a:latin typeface="Segoe UI" panose="020B0502040204020203" pitchFamily="34" charset="0"/>
               </a:rPr>
-              <a:t>Azure Synapse Link</a:t>
-            </a:r>
-            <a:r>
-              <a:rPr lang="en-US" sz="1400">
-                <a:solidFill>
-                  <a:srgbClr val="2F2F2F"/>
-                </a:solidFill>
-                <a:latin typeface="Segoe UI" panose="020B0502040204020203" pitchFamily="34" charset="0"/>
-              </a:rPr>
-              <a:t> (</a:t>
+              <a:t>Omni</a:t>
             </a:r>
             <a:r>
               <a:rPr lang="en-US" sz="1400"/>
-              <a:t> avoid big ETL jobs between SQL Server and Azure Synapse)</a:t>
-            </a:r>
-            <a:endParaRPr lang="en-US" sz="1400">
-              <a:solidFill>
-                <a:srgbClr val="2F2F2F"/>
-              </a:solidFill>
-              <a:latin typeface="Segoe UI" panose="020B0502040204020203" pitchFamily="34" charset="0"/>
-            </a:endParaRPr>
-          </a:p>
-          <a:p>
-            <a:pPr marL="742950" lvl="1" indent="-285750">
-              <a:buFont typeface="Arial" panose="020B0604020202020204" pitchFamily="34" charset="0"/>
-              <a:buChar char="•"/>
-            </a:pPr>
+              <a:t>: </a:t>
+            </a:r>
+          </a:p>
+          <a:p>
+            <a:r>
+              <a:rPr lang="en-US" sz="1400"/>
+              <a:t>the same </a:t>
+            </a:r>
             <a:r>
               <a:rPr lang="en-US" sz="1400" b="1">
                 <a:solidFill>
-                  <a:srgbClr val="FF0000"/>
+                  <a:srgbClr val="00B050"/>
                 </a:solidFill>
-                <a:latin typeface="Segoe UI" panose="020B0502040204020203" pitchFamily="34" charset="0"/>
               </a:rPr>
-              <a:t>Azure Purview</a:t>
-            </a:r>
-          </a:p>
-          <a:p>
-            <a:pPr lvl="1"/>
-            <a:endParaRPr lang="en-US" sz="1400"/>
-          </a:p>
-          <a:p>
-            <a:pPr marL="285750" indent="-285750">
-              <a:buFont typeface="Arial" panose="020B0604020202020204" pitchFamily="34" charset="0"/>
-              <a:buChar char="•"/>
-            </a:pPr>
+              <a:t>BigQuery</a:t>
+            </a:r>
+            <a:r>
+              <a:rPr lang="en-US" sz="1400"/>
+              <a:t> interface on Google Cloud </a:t>
+            </a:r>
+          </a:p>
+          <a:p>
+            <a:r>
+              <a:rPr lang="en-US" sz="1400"/>
+              <a:t>now lets you also query the data accross all major clouds</a:t>
+            </a:r>
+          </a:p>
+          <a:p>
+            <a:r>
+              <a:rPr lang="en-US" sz="1400"/>
+              <a:t>( </a:t>
+            </a:r>
             <a:r>
               <a:rPr lang="en-US" sz="1400" b="1">
                 <a:solidFill>
                   <a:srgbClr val="FF0000"/>
                 </a:solidFill>
               </a:rPr>
-              <a:t>Failover</a:t>
+              <a:t>Google Cloud, AWS and Azure</a:t>
             </a:r>
             <a:r>
               <a:rPr lang="en-US" sz="1400"/>
-              <a:t> back/forth from SQL Server 2022 and Azure SQL DB Managed Instances.</a:t>
-            </a:r>
-            <a:br>
+              <a:t> ) without any cross-cloud ETL.</a:t>
+            </a:r>
+          </a:p>
+          <a:p>
+            <a:endParaRPr lang="en-US" sz="1400"/>
+          </a:p>
+          <a:p>
+            <a:r>
               <a:rPr lang="en-US" sz="1400"/>
-            </a:br>
+              <a:t>This is possible because BigQuery de-couples (separates) compute and storage.</a:t>
+            </a:r>
+          </a:p>
+          <a:p>
             <a:r>
               <a:rPr lang="en-US" sz="1400"/>
-              <a:t>Including restoring versionless databases from Azure SQL DB Managed Instances</a:t>
-            </a:r>
-            <a:br>
+              <a:t>For better performance the BQ Omni runs the necessary compute </a:t>
+            </a:r>
+          </a:p>
+          <a:p>
+            <a:r>
               <a:rPr lang="en-US" sz="1400"/>
-            </a:br>
-            <a:r>
-              <a:rPr lang="en-US" sz="1400"/>
-              <a:t>down to on-premises SQL Server 2022</a:t>
-            </a:r>
-          </a:p>
-          <a:p>
-            <a:endParaRPr lang="en-US" sz="1400"/>
-          </a:p>
-          <a:p>
-            <a:pPr marL="285750" indent="-285750">
-              <a:buFont typeface="Arial" panose="020B0604020202020204" pitchFamily="34" charset="0"/>
-              <a:buChar char="•"/>
-            </a:pPr>
-            <a:r>
-              <a:rPr lang="en-US" sz="1400"/>
-              <a:t>SQL Server Ledger – </a:t>
+              <a:t>on clusters </a:t>
             </a:r>
             <a:r>
               <a:rPr lang="en-US" sz="1400" b="1">
                 <a:solidFill>
-                  <a:srgbClr val="FF0000"/>
+                  <a:srgbClr val="00B050"/>
                 </a:solidFill>
               </a:rPr>
-              <a:t>blockchain</a:t>
+              <a:t>in the same region where your data resides</a:t>
             </a:r>
             <a:r>
               <a:rPr lang="en-US" sz="1400"/>
-              <a:t> immutable histories of tables</a:t>
-            </a:r>
-          </a:p>
-          <a:p>
-            <a:endParaRPr lang="en-US" sz="1400"/>
-          </a:p>
-          <a:p>
-            <a:pPr marL="285750" indent="-285750">
-              <a:buFont typeface="Arial" panose="020B0604020202020204" pitchFamily="34" charset="0"/>
-              <a:buChar char="•"/>
-            </a:pPr>
-            <a:r>
-              <a:rPr lang="en-US" sz="1400"/>
-              <a:t>Performance! Parameter-sensitive plan optimization </a:t>
-            </a:r>
-            <a:br>
-              <a:rPr lang="en-US" sz="1400"/>
-            </a:br>
-            <a:r>
-              <a:rPr lang="en-US" sz="1400"/>
-              <a:t>that caches </a:t>
-            </a:r>
-            <a:r>
-              <a:rPr lang="en-US" sz="1400" b="1">
-                <a:solidFill>
-                  <a:srgbClr val="FF0000"/>
-                </a:solidFill>
-              </a:rPr>
-              <a:t>multiple plans per stored procedure</a:t>
-            </a:r>
-          </a:p>
-        </p:txBody>
-      </p:sp>
-      <p:sp>
-        <p:nvSpPr>
-          <p:cNvPr id="4" name="TextBox 3">
-            <a:extLst>
-              <a:ext uri="{FF2B5EF4-FFF2-40B4-BE49-F238E27FC236}">
-                <a16:creationId xmlns:a16="http://schemas.microsoft.com/office/drawing/2014/main" id="{E813D15E-3356-5F44-8DEF-BA8DF812E929}"/>
-              </a:ext>
-            </a:extLst>
-          </p:cNvPr>
-          <p:cNvSpPr txBox="1"/>
+              <a:t>. </a:t>
+            </a:r>
+          </a:p>
+        </p:txBody>
+      </p:sp>
+      <p:pic>
+        <p:nvPicPr>
+          <p:cNvPr id="4" name="Picture 3">
+            <a:extLst>
+              <a:ext uri="{FF2B5EF4-FFF2-40B4-BE49-F238E27FC236}">
+                <a16:creationId xmlns:a16="http://schemas.microsoft.com/office/drawing/2014/main" id="{CC00B8E9-DE6E-3B47-A3BE-9FC2E5A61DAE}"/>
+              </a:ext>
+            </a:extLst>
+          </p:cNvPr>
+          <p:cNvPicPr>
+            <a:picLocks noChangeAspect="1"/>
+          </p:cNvPicPr>
           <p:nvPr/>
-        </p:nvSpPr>
-        <p:spPr>
-          <a:xfrm>
-            <a:off x="106879" y="546973"/>
-            <a:ext cx="5593278" cy="553998"/>
+        </p:nvPicPr>
+        <p:blipFill>
+          <a:blip r:embed="rId2" cstate="email">
+            <a:extLst>
+              <a:ext uri="{28A0092B-C50C-407E-A947-70E740481C1C}">
+                <a14:useLocalDpi xmlns:a14="http://schemas.microsoft.com/office/drawing/2010/main"/>
+              </a:ext>
+            </a:extLst>
+          </a:blip>
+          <a:stretch>
+            <a:fillRect/>
+          </a:stretch>
+        </p:blipFill>
+        <p:spPr>
+          <a:xfrm>
+            <a:off x="0" y="2665642"/>
+            <a:ext cx="6963375" cy="4192358"/>
           </a:xfrm>
           <a:prstGeom prst="rect">
             <a:avLst/>
           </a:prstGeom>
-          <a:noFill/>
-        </p:spPr>
-        <p:txBody>
-          <a:bodyPr wrap="square" rtlCol="0">
-            <a:spAutoFit/>
-          </a:bodyPr>
-          <a:lstStyle/>
-          <a:p>
-            <a:r>
-              <a:rPr lang="en-US"/>
-              <a:t>Announced November 2, 2021 fro private preview</a:t>
-            </a:r>
-          </a:p>
-          <a:p>
-            <a:r>
-              <a:rPr lang="en-US" sz="1200">
-                <a:hlinkClick r:id="rId2"/>
-              </a:rPr>
-              <a:t>https://www.sqlshack.com/sql-server-2022-private-preview-announcement/</a:t>
-            </a:r>
-            <a:endParaRPr lang="en-US" sz="1200"/>
-          </a:p>
-        </p:txBody>
-      </p:sp>
+        </p:spPr>
+      </p:pic>
       <p:pic>
         <p:nvPicPr>
-          <p:cNvPr id="1026" name="Picture 2" descr="SQL Server 2022 Private Preview announcement">
-            <a:extLst>
-              <a:ext uri="{FF2B5EF4-FFF2-40B4-BE49-F238E27FC236}">
-                <a16:creationId xmlns:a16="http://schemas.microsoft.com/office/drawing/2014/main" id="{9706A7FF-36E6-4145-80AD-2A766F4B6600}"/>
+          <p:cNvPr id="6" name="Picture 5">
+            <a:extLst>
+              <a:ext uri="{FF2B5EF4-FFF2-40B4-BE49-F238E27FC236}">
+                <a16:creationId xmlns:a16="http://schemas.microsoft.com/office/drawing/2014/main" id="{BDA96D65-E963-4C4C-9132-A75B263C7FC0}"/>
               </a:ext>
             </a:extLst>
           </p:cNvPr>
           <p:cNvPicPr>
-            <a:picLocks noChangeAspect="1" noChangeArrowheads="1"/>
+            <a:picLocks noChangeAspect="1"/>
           </p:cNvPicPr>
           <p:nvPr/>
         </p:nvPicPr>
@@ -4828,263 +4421,249 @@
               </a:ext>
             </a:extLst>
           </a:blip>
-          <a:srcRect/>
           <a:stretch>
             <a:fillRect/>
           </a:stretch>
         </p:blipFill>
-        <p:spPr bwMode="auto">
-          <a:xfrm>
-            <a:off x="7858917" y="101209"/>
-            <a:ext cx="4226205" cy="2984995"/>
+        <p:spPr>
+          <a:xfrm>
+            <a:off x="7731211" y="2502862"/>
+            <a:ext cx="4191009" cy="2696905"/>
+          </a:xfrm>
+          <a:prstGeom prst="rect">
+            <a:avLst/>
+          </a:prstGeom>
+        </p:spPr>
+      </p:pic>
+      <p:sp>
+        <p:nvSpPr>
+          <p:cNvPr id="7" name="TextBox 6">
+            <a:extLst>
+              <a:ext uri="{FF2B5EF4-FFF2-40B4-BE49-F238E27FC236}">
+                <a16:creationId xmlns:a16="http://schemas.microsoft.com/office/drawing/2014/main" id="{08AE7880-0945-4D4A-8DB6-53ECB6C0F380}"/>
+              </a:ext>
+            </a:extLst>
+          </p:cNvPr>
+          <p:cNvSpPr txBox="1"/>
+          <p:nvPr/>
+        </p:nvSpPr>
+        <p:spPr>
+          <a:xfrm>
+            <a:off x="7731211" y="683757"/>
+            <a:ext cx="4460789" cy="1661993"/>
           </a:xfrm>
           <a:prstGeom prst="rect">
             <a:avLst/>
           </a:prstGeom>
           <a:noFill/>
-          <a:extLst>
-            <a:ext uri="{909E8E84-426E-40DD-AFC4-6F175D3DCCD1}">
-              <a14:hiddenFill xmlns:a14="http://schemas.microsoft.com/office/drawing/2010/main">
+        </p:spPr>
+        <p:txBody>
+          <a:bodyPr wrap="square" rtlCol="0">
+            <a:spAutoFit/>
+          </a:bodyPr>
+          <a:lstStyle/>
+          <a:p>
+            <a:r>
+              <a:rPr lang="en-US" b="1"/>
+              <a:t>BigQuery Omni runs on </a:t>
+            </a:r>
+            <a:r>
+              <a:rPr lang="en-US" b="1">
                 <a:solidFill>
-                  <a:srgbClr val="FFFFFF"/>
+                  <a:srgbClr val="00B050"/>
                 </a:solidFill>
-              </a14:hiddenFill>
-            </a:ext>
-          </a:extLst>
-        </p:spPr>
-      </p:pic>
-      <p:sp>
-        <p:nvSpPr>
-          <p:cNvPr id="7" name="Rectangle 6">
-            <a:extLst>
-              <a:ext uri="{FF2B5EF4-FFF2-40B4-BE49-F238E27FC236}">
-                <a16:creationId xmlns:a16="http://schemas.microsoft.com/office/drawing/2014/main" id="{C68E0DDB-6C4C-1848-B932-D54A33EAFE8A}"/>
-              </a:ext>
-            </a:extLst>
-          </p:cNvPr>
-          <p:cNvSpPr/>
+              </a:rPr>
+              <a:t>Google Anthos</a:t>
+            </a:r>
+            <a:r>
+              <a:rPr lang="en-US" b="1"/>
+              <a:t>.</a:t>
+            </a:r>
+          </a:p>
+          <a:p>
+            <a:endParaRPr lang="en-US" sz="1400"/>
+          </a:p>
+          <a:p>
+            <a:r>
+              <a:rPr lang="en-US" sz="1400" b="1">
+                <a:solidFill>
+                  <a:srgbClr val="00B050"/>
+                </a:solidFill>
+              </a:rPr>
+              <a:t>Anthos</a:t>
+            </a:r>
+            <a:r>
+              <a:rPr lang="en-US" sz="1400"/>
+              <a:t> is a Google platform for managing</a:t>
+            </a:r>
+          </a:p>
+          <a:p>
+            <a:r>
+              <a:rPr lang="en-US" sz="1400"/>
+              <a:t>infrastructure and applications </a:t>
+            </a:r>
+          </a:p>
+          <a:p>
+            <a:r>
+              <a:rPr lang="en-US" sz="1400"/>
+              <a:t>across on-premises, edge, and in multiple public </a:t>
+            </a:r>
+          </a:p>
+          <a:p>
+            <a:r>
+              <a:rPr lang="en-US" sz="1400"/>
+              <a:t>clouds, providing integrated security, policy management, visibility.</a:t>
+            </a:r>
+          </a:p>
+        </p:txBody>
+      </p:sp>
+      <p:sp>
+        <p:nvSpPr>
+          <p:cNvPr id="8" name="TextBox 7">
+            <a:extLst>
+              <a:ext uri="{FF2B5EF4-FFF2-40B4-BE49-F238E27FC236}">
+                <a16:creationId xmlns:a16="http://schemas.microsoft.com/office/drawing/2014/main" id="{6A50DC48-046A-7141-A9F8-483706BFD70F}"/>
+              </a:ext>
+            </a:extLst>
+          </p:cNvPr>
+          <p:cNvSpPr txBox="1"/>
           <p:nvPr/>
         </p:nvSpPr>
         <p:spPr>
           <a:xfrm>
-            <a:off x="7477206" y="3552909"/>
-            <a:ext cx="1844924" cy="307777"/>
+            <a:off x="10282890" y="2754500"/>
+            <a:ext cx="963828" cy="369332"/>
           </a:xfrm>
           <a:prstGeom prst="rect">
             <a:avLst/>
           </a:prstGeom>
-        </p:spPr>
-        <p:txBody>
-          <a:bodyPr wrap="square">
+          <a:noFill/>
+        </p:spPr>
+        <p:txBody>
+          <a:bodyPr wrap="square" rtlCol="0">
             <a:spAutoFit/>
           </a:bodyPr>
           <a:lstStyle/>
           <a:p>
             <a:pPr algn="ctr"/>
             <a:r>
-              <a:rPr lang="en-US" sz="1400" b="1" i="0">
+              <a:rPr lang="en-US" b="1">
                 <a:solidFill>
-                  <a:srgbClr val="0070C0"/>
+                  <a:srgbClr val="00B050"/>
                 </a:solidFill>
-                <a:effectLst/>
-                <a:latin typeface="Segoe UI" panose="020B0502040204020203" pitchFamily="34" charset="0"/>
               </a:rPr>
-              <a:t>Azure Synapse Link</a:t>
-            </a:r>
-          </a:p>
-        </p:txBody>
-      </p:sp>
-      <p:sp>
-        <p:nvSpPr>
-          <p:cNvPr id="6" name="Down Arrow 5">
-            <a:extLst>
-              <a:ext uri="{FF2B5EF4-FFF2-40B4-BE49-F238E27FC236}">
-                <a16:creationId xmlns:a16="http://schemas.microsoft.com/office/drawing/2014/main" id="{31746485-737E-CE43-B3F1-98FAC0D5FDA3}"/>
-              </a:ext>
-            </a:extLst>
-          </p:cNvPr>
-          <p:cNvSpPr/>
+              <a:t>Anthos</a:t>
+            </a:r>
+          </a:p>
+        </p:txBody>
+      </p:sp>
+      <p:cxnSp>
+        <p:nvCxnSpPr>
+          <p:cNvPr id="10" name="Straight Connector 9">
+            <a:extLst>
+              <a:ext uri="{FF2B5EF4-FFF2-40B4-BE49-F238E27FC236}">
+                <a16:creationId xmlns:a16="http://schemas.microsoft.com/office/drawing/2014/main" id="{718C693A-48A3-7348-9CAE-25490A5FE9A0}"/>
+              </a:ext>
+            </a:extLst>
+          </p:cNvPr>
+          <p:cNvCxnSpPr>
+            <a:cxnSpLocks/>
+          </p:cNvCxnSpPr>
           <p:nvPr/>
-        </p:nvSpPr>
-        <p:spPr>
-          <a:xfrm rot="11278950">
-            <a:off x="8359035" y="2889209"/>
-            <a:ext cx="183478" cy="679732"/>
-          </a:xfrm>
-          <a:prstGeom prst="downArrow">
+        </p:nvCxnSpPr>
+        <p:spPr>
+          <a:xfrm>
+            <a:off x="7376984" y="741405"/>
+            <a:ext cx="0" cy="5969638"/>
+          </a:xfrm>
+          <a:prstGeom prst="line">
             <a:avLst/>
           </a:prstGeom>
+          <a:ln w="63500">
+            <a:solidFill>
+              <a:srgbClr val="FF0000"/>
+            </a:solidFill>
+          </a:ln>
         </p:spPr>
         <p:style>
-          <a:lnRef idx="2">
-            <a:schemeClr val="accent1">
-              <a:shade val="50000"/>
-            </a:schemeClr>
+          <a:lnRef idx="1">
+            <a:schemeClr val="accent1"/>
           </a:lnRef>
-          <a:fillRef idx="1">
+          <a:fillRef idx="0">
             <a:schemeClr val="accent1"/>
           </a:fillRef>
           <a:effectRef idx="0">
             <a:schemeClr val="accent1"/>
           </a:effectRef>
           <a:fontRef idx="minor">
-            <a:schemeClr val="lt1"/>
+            <a:schemeClr val="tx1"/>
           </a:fontRef>
         </p:style>
-        <p:txBody>
-          <a:bodyPr rtlCol="0" anchor="ctr"/>
-          <a:lstStyle/>
-          <a:p>
-            <a:pPr algn="ctr"/>
-            <a:endParaRPr lang="en-US"/>
-          </a:p>
-        </p:txBody>
-      </p:sp>
-      <p:pic>
-        <p:nvPicPr>
-          <p:cNvPr id="1028" name="Picture 4" descr="Business Continuity using Azure">
-            <a:extLst>
-              <a:ext uri="{FF2B5EF4-FFF2-40B4-BE49-F238E27FC236}">
-                <a16:creationId xmlns:a16="http://schemas.microsoft.com/office/drawing/2014/main" id="{BF0A99E0-3885-EB49-9626-191B8D305E72}"/>
-              </a:ext>
-            </a:extLst>
-          </p:cNvPr>
-          <p:cNvPicPr>
-            <a:picLocks noChangeAspect="1" noChangeArrowheads="1"/>
-          </p:cNvPicPr>
+      </p:cxnSp>
+      <p:sp>
+        <p:nvSpPr>
+          <p:cNvPr id="12" name="TextBox 11">
+            <a:extLst>
+              <a:ext uri="{FF2B5EF4-FFF2-40B4-BE49-F238E27FC236}">
+                <a16:creationId xmlns:a16="http://schemas.microsoft.com/office/drawing/2014/main" id="{02F5C2BE-FB64-D34A-A9DB-B26F913AA878}"/>
+              </a:ext>
+            </a:extLst>
+          </p:cNvPr>
+          <p:cNvSpPr txBox="1"/>
           <p:nvPr/>
-        </p:nvPicPr>
-        <p:blipFill>
-          <a:blip r:embed="rId4" cstate="email">
-            <a:extLst>
-              <a:ext uri="{28A0092B-C50C-407E-A947-70E740481C1C}">
-                <a14:useLocalDpi xmlns:a14="http://schemas.microsoft.com/office/drawing/2010/main"/>
-              </a:ext>
-            </a:extLst>
-          </a:blip>
-          <a:srcRect/>
-          <a:stretch>
-            <a:fillRect/>
-          </a:stretch>
-        </p:blipFill>
-        <p:spPr bwMode="auto">
-          <a:xfrm>
-            <a:off x="8187669" y="4714334"/>
-            <a:ext cx="3568700" cy="1917700"/>
+        </p:nvSpPr>
+        <p:spPr>
+          <a:xfrm>
+            <a:off x="7731211" y="5972379"/>
+            <a:ext cx="4191008" cy="738664"/>
           </a:xfrm>
           <a:prstGeom prst="rect">
             <a:avLst/>
           </a:prstGeom>
           <a:noFill/>
-          <a:extLst>
-            <a:ext uri="{909E8E84-426E-40DD-AFC4-6F175D3DCCD1}">
-              <a14:hiddenFill xmlns:a14="http://schemas.microsoft.com/office/drawing/2010/main">
+        </p:spPr>
+        <p:txBody>
+          <a:bodyPr wrap="square" rtlCol="0">
+            <a:spAutoFit/>
+          </a:bodyPr>
+          <a:lstStyle/>
+          <a:p>
+            <a:r>
+              <a:rPr lang="en-US" sz="1400"/>
+              <a:t>In Greek mythology, </a:t>
+            </a:r>
+            <a:r>
+              <a:rPr lang="en-US" sz="1400" b="1">
                 <a:solidFill>
-                  <a:srgbClr val="FFFFFF"/>
+                  <a:srgbClr val="00B050"/>
                 </a:solidFill>
-              </a14:hiddenFill>
-            </a:ext>
-          </a:extLst>
-        </p:spPr>
-      </p:pic>
-      <p:pic>
-        <p:nvPicPr>
-          <p:cNvPr id="1030" name="Picture 6" descr="Azure Purview integration">
-            <a:extLst>
-              <a:ext uri="{FF2B5EF4-FFF2-40B4-BE49-F238E27FC236}">
-                <a16:creationId xmlns:a16="http://schemas.microsoft.com/office/drawing/2014/main" id="{042E247D-05D1-D14D-BDA7-B466703FBB85}"/>
-              </a:ext>
-            </a:extLst>
-          </p:cNvPr>
-          <p:cNvPicPr>
-            <a:picLocks noChangeAspect="1" noChangeArrowheads="1"/>
-          </p:cNvPicPr>
-          <p:nvPr/>
-        </p:nvPicPr>
-        <p:blipFill>
-          <a:blip r:embed="rId5" cstate="email">
-            <a:extLst>
-              <a:ext uri="{28A0092B-C50C-407E-A947-70E740481C1C}">
-                <a14:useLocalDpi xmlns:a14="http://schemas.microsoft.com/office/drawing/2010/main"/>
-              </a:ext>
-            </a:extLst>
-          </a:blip>
-          <a:srcRect/>
-          <a:stretch>
-            <a:fillRect/>
-          </a:stretch>
-        </p:blipFill>
-        <p:spPr bwMode="auto">
-          <a:xfrm>
-            <a:off x="254742" y="4714334"/>
-            <a:ext cx="3119016" cy="1699889"/>
-          </a:xfrm>
-          <a:prstGeom prst="rect">
-            <a:avLst/>
-          </a:prstGeom>
-          <a:noFill/>
-          <a:extLst>
-            <a:ext uri="{909E8E84-426E-40DD-AFC4-6F175D3DCCD1}">
-              <a14:hiddenFill xmlns:a14="http://schemas.microsoft.com/office/drawing/2010/main">
-                <a:solidFill>
-                  <a:srgbClr val="FFFFFF"/>
-                </a:solidFill>
-              </a14:hiddenFill>
-            </a:ext>
-          </a:extLst>
-        </p:spPr>
-      </p:pic>
-      <p:pic>
-        <p:nvPicPr>
-          <p:cNvPr id="1032" name="Picture 8" descr="SQL Server Database Ledger">
-            <a:extLst>
-              <a:ext uri="{FF2B5EF4-FFF2-40B4-BE49-F238E27FC236}">
-                <a16:creationId xmlns:a16="http://schemas.microsoft.com/office/drawing/2014/main" id="{86C5B518-E74E-C644-BEB2-2F1625EE5C53}"/>
-              </a:ext>
-            </a:extLst>
-          </p:cNvPr>
-          <p:cNvPicPr>
-            <a:picLocks noChangeAspect="1" noChangeArrowheads="1"/>
-          </p:cNvPicPr>
-          <p:nvPr/>
-        </p:nvPicPr>
-        <p:blipFill>
-          <a:blip r:embed="rId6" cstate="email">
-            <a:extLst>
-              <a:ext uri="{28A0092B-C50C-407E-A947-70E740481C1C}">
-                <a14:useLocalDpi xmlns:a14="http://schemas.microsoft.com/office/drawing/2010/main"/>
-              </a:ext>
-            </a:extLst>
-          </a:blip>
-          <a:srcRect/>
-          <a:stretch>
-            <a:fillRect/>
-          </a:stretch>
-        </p:blipFill>
-        <p:spPr bwMode="auto">
-          <a:xfrm>
-            <a:off x="3951844" y="4346183"/>
-            <a:ext cx="3268353" cy="2451265"/>
-          </a:xfrm>
-          <a:prstGeom prst="rect">
-            <a:avLst/>
-          </a:prstGeom>
-          <a:noFill/>
-          <a:extLst>
-            <a:ext uri="{909E8E84-426E-40DD-AFC4-6F175D3DCCD1}">
-              <a14:hiddenFill xmlns:a14="http://schemas.microsoft.com/office/drawing/2010/main">
-                <a:solidFill>
-                  <a:srgbClr val="FFFFFF"/>
-                </a:solidFill>
-              </a14:hiddenFill>
-            </a:ext>
-          </a:extLst>
-        </p:spPr>
-      </p:pic>
+              </a:rPr>
+              <a:t>Athos</a:t>
+            </a:r>
+            <a:r>
+              <a:rPr lang="en-US" sz="1400"/>
+              <a:t> was one of the Giants (Gigantes).</a:t>
+            </a:r>
+          </a:p>
+          <a:p>
+            <a:r>
+              <a:rPr lang="en-US" sz="1400"/>
+              <a:t> - </a:t>
+            </a:r>
+            <a:r>
+              <a:rPr lang="en-US" sz="1400">
+                <a:hlinkClick r:id="rId4"/>
+              </a:rPr>
+              <a:t>https://www.youtube.com/watch?v=tSwFW6M7dYk </a:t>
+            </a:r>
+            <a:endParaRPr lang="en-US" sz="1400"/>
+          </a:p>
+        </p:txBody>
+      </p:sp>
     </p:spTree>
     <p:extLst>
       <p:ext uri="{BB962C8B-B14F-4D97-AF65-F5344CB8AC3E}">
-        <p14:creationId xmlns:p14="http://schemas.microsoft.com/office/powerpoint/2010/main" val="4165169508"/>
+        <p14:creationId xmlns:p14="http://schemas.microsoft.com/office/powerpoint/2010/main" val="1715675315"/>
       </p:ext>
     </p:extLst>
   </p:cSld>
@@ -5113,10 +4692,10 @@
       </p:grpSpPr>
       <p:sp>
         <p:nvSpPr>
-          <p:cNvPr id="2" name="TextBox 1">
-            <a:extLst>
-              <a:ext uri="{FF2B5EF4-FFF2-40B4-BE49-F238E27FC236}">
-                <a16:creationId xmlns:a16="http://schemas.microsoft.com/office/drawing/2014/main" id="{FF054288-5C3F-C54D-9739-A8F971E51587}"/>
+          <p:cNvPr id="3" name="TextBox 2">
+            <a:extLst>
+              <a:ext uri="{FF2B5EF4-FFF2-40B4-BE49-F238E27FC236}">
+                <a16:creationId xmlns:a16="http://schemas.microsoft.com/office/drawing/2014/main" id="{FA377523-1556-BE4B-89E0-9D726B98AB69}"/>
               </a:ext>
             </a:extLst>
           </p:cNvPr>
@@ -5125,8 +4704,8 @@
         </p:nvSpPr>
         <p:spPr>
           <a:xfrm>
-            <a:off x="0" y="0"/>
-            <a:ext cx="7376984" cy="523220"/>
+            <a:off x="0" y="716049"/>
+            <a:ext cx="5333999" cy="6001643"/>
           </a:xfrm>
           <a:prstGeom prst="rect">
             <a:avLst/>
@@ -5139,19 +4718,340 @@
           </a:bodyPr>
           <a:lstStyle/>
           <a:p>
-            <a:r>
-              <a:rPr lang="en-US" sz="2800" b="1"/>
-              <a:t>BigQuery Omni - Google Cross-Cloud Analytics</a:t>
-            </a:r>
-          </a:p>
-        </p:txBody>
-      </p:sp>
-      <p:sp>
-        <p:nvSpPr>
-          <p:cNvPr id="3" name="TextBox 2">
-            <a:extLst>
-              <a:ext uri="{FF2B5EF4-FFF2-40B4-BE49-F238E27FC236}">
-                <a16:creationId xmlns:a16="http://schemas.microsoft.com/office/drawing/2014/main" id="{476CDDB6-71EF-F14B-9265-6A64E2EEA472}"/>
+            <a:pPr marL="171450" indent="-171450">
+              <a:buFont typeface="Arial" panose="020B0604020202020204" pitchFamily="34" charset="0"/>
+              <a:buChar char="•"/>
+            </a:pPr>
+            <a:r>
+              <a:rPr lang="en-US" sz="1200" b="1">
+                <a:solidFill>
+                  <a:srgbClr val="FF0000"/>
+                </a:solidFill>
+              </a:rPr>
+              <a:t>Microsoft Ignite</a:t>
+            </a:r>
+            <a:r>
+              <a:rPr lang="en-US" sz="1200"/>
+              <a:t> - an annual conference for developers</a:t>
+            </a:r>
+            <a:br>
+              <a:rPr lang="en-US" sz="1200"/>
+            </a:br>
+            <a:r>
+              <a:rPr lang="en-US" sz="1200"/>
+              <a:t>.. </a:t>
+            </a:r>
+            <a:r>
+              <a:rPr lang="en-US" sz="1200">
+                <a:hlinkClick r:id="rId2"/>
+              </a:rPr>
+              <a:t>https://news.microsoft.com/november-2021-ignite/</a:t>
+            </a:r>
+            <a:br>
+              <a:rPr lang="en-US" sz="1200"/>
+            </a:br>
+            <a:endParaRPr lang="en-US" sz="1200"/>
+          </a:p>
+          <a:p>
+            <a:pPr marL="171450" indent="-171450">
+              <a:buFont typeface="Arial" panose="020B0604020202020204" pitchFamily="34" charset="0"/>
+              <a:buChar char="•"/>
+            </a:pPr>
+            <a:r>
+              <a:rPr lang="en-US" sz="1200" b="1">
+                <a:solidFill>
+                  <a:srgbClr val="FF0000"/>
+                </a:solidFill>
+              </a:rPr>
+              <a:t>Azure Open AI Service</a:t>
+            </a:r>
+            <a:r>
+              <a:rPr lang="en-US" sz="1200"/>
+              <a:t> (Preview)</a:t>
+            </a:r>
+            <a:br>
+              <a:rPr lang="en-US" sz="1200"/>
+            </a:br>
+            <a:r>
+              <a:rPr lang="en-US" sz="1200"/>
+              <a:t>language models (large, pre-trained, even GPT3)</a:t>
+            </a:r>
+            <a:br>
+              <a:rPr lang="en-US" sz="1200"/>
+            </a:br>
+            <a:r>
+              <a:rPr lang="en-US" sz="1200"/>
+              <a:t>.. </a:t>
+            </a:r>
+            <a:r>
+              <a:rPr lang="en-US" sz="1200">
+                <a:hlinkClick r:id="rId3"/>
+              </a:rPr>
+              <a:t>https://azure.microsoft.com/en-us/services/openai-service/</a:t>
+            </a:r>
+            <a:r>
+              <a:rPr lang="en-US" sz="1200"/>
+              <a:t> </a:t>
+            </a:r>
+            <a:br>
+              <a:rPr lang="en-US" sz="1200"/>
+            </a:br>
+            <a:r>
+              <a:rPr lang="en-US" sz="1200"/>
+              <a:t>.. </a:t>
+            </a:r>
+            <a:r>
+              <a:rPr lang="en-US" sz="1200">
+                <a:hlinkClick r:id="rId4"/>
+              </a:rPr>
+              <a:t>https://www.youtube.com/embed/mD_tJMZmZ7U</a:t>
+            </a:r>
+            <a:br>
+              <a:rPr lang="en-US" sz="1200"/>
+            </a:br>
+            <a:endParaRPr lang="en-US" sz="1200"/>
+          </a:p>
+          <a:p>
+            <a:pPr marL="171450" indent="-171450">
+              <a:buFont typeface="Arial" panose="020B0604020202020204" pitchFamily="34" charset="0"/>
+              <a:buChar char="•"/>
+            </a:pPr>
+            <a:r>
+              <a:rPr lang="en-US" sz="1200" b="1">
+                <a:solidFill>
+                  <a:srgbClr val="FF0000"/>
+                </a:solidFill>
+              </a:rPr>
+              <a:t>Azure Data Labeling</a:t>
+            </a:r>
+            <a:br>
+              <a:rPr lang="en-US" sz="1200"/>
+            </a:br>
+            <a:r>
+              <a:rPr lang="en-US" sz="1200">
+                <a:hlinkClick r:id="rId5"/>
+              </a:rPr>
+              <a:t>https://docs.microsoft.com/en-us/azure/machine-learning/how-to-label-data</a:t>
+            </a:r>
+            <a:endParaRPr lang="en-US" sz="1200"/>
+          </a:p>
+          <a:p>
+            <a:pPr marL="171450" indent="-171450">
+              <a:buFont typeface="Arial" panose="020B0604020202020204" pitchFamily="34" charset="0"/>
+              <a:buChar char="•"/>
+            </a:pPr>
+            <a:endParaRPr lang="en-US" sz="1200"/>
+          </a:p>
+          <a:p>
+            <a:pPr marL="171450" indent="-171450">
+              <a:buFont typeface="Arial" panose="020B0604020202020204" pitchFamily="34" charset="0"/>
+              <a:buChar char="•"/>
+            </a:pPr>
+            <a:r>
+              <a:rPr lang="en-US" sz="1200" b="1">
+                <a:solidFill>
+                  <a:srgbClr val="FF0000"/>
+                </a:solidFill>
+              </a:rPr>
+              <a:t>Azure Arc</a:t>
+            </a:r>
+            <a:r>
+              <a:rPr lang="en-US" sz="1200"/>
+              <a:t> - Unify on-premises, hybrid, and multicloud infrastructure</a:t>
+            </a:r>
+            <a:br>
+              <a:rPr lang="en-US" sz="1200"/>
+            </a:br>
+            <a:r>
+              <a:rPr lang="en-US" sz="1200"/>
+              <a:t>with Kubernetes based deployment</a:t>
+            </a:r>
+            <a:br>
+              <a:rPr lang="en-US" sz="1200"/>
+            </a:br>
+            <a:r>
+              <a:rPr lang="en-US" sz="1200"/>
+              <a:t>.. </a:t>
+            </a:r>
+            <a:r>
+              <a:rPr lang="en-US" sz="1200">
+                <a:hlinkClick r:id="rId6"/>
+              </a:rPr>
+              <a:t>https://azure.microsoft.com/en-us/services/azure-arc</a:t>
+            </a:r>
+            <a:br>
+              <a:rPr lang="en-US" sz="1200"/>
+            </a:br>
+            <a:endParaRPr lang="en-US" sz="1200"/>
+          </a:p>
+          <a:p>
+            <a:pPr marL="171450" indent="-171450">
+              <a:buFont typeface="Arial" panose="020B0604020202020204" pitchFamily="34" charset="0"/>
+              <a:buChar char="•"/>
+            </a:pPr>
+            <a:r>
+              <a:rPr lang="en-US" sz="1200" b="1">
+                <a:solidFill>
+                  <a:srgbClr val="FF0000"/>
+                </a:solidFill>
+              </a:rPr>
+              <a:t>Azure video analyzer</a:t>
+            </a:r>
+            <a:r>
+              <a:rPr lang="en-US" sz="1200"/>
+              <a:t> platform</a:t>
+            </a:r>
+            <a:br>
+              <a:rPr lang="en-US" sz="1200"/>
+            </a:br>
+            <a:r>
+              <a:rPr lang="en-US" sz="1200"/>
+              <a:t>extract actionable insights from videos, whether stored or streaming</a:t>
+            </a:r>
+            <a:br>
+              <a:rPr lang="en-US" sz="1200"/>
+            </a:br>
+            <a:r>
+              <a:rPr lang="en-US" sz="1200"/>
+              <a:t>.. </a:t>
+            </a:r>
+            <a:r>
+              <a:rPr lang="en-US" sz="1200">
+                <a:hlinkClick r:id="rId7"/>
+              </a:rPr>
+              <a:t>https://azure.microsoft.com/en-us/products/video-analyzer/</a:t>
+            </a:r>
+            <a:br>
+              <a:rPr lang="en-US" sz="1200"/>
+            </a:br>
+            <a:endParaRPr lang="en-US" sz="1200"/>
+          </a:p>
+          <a:p>
+            <a:pPr marL="171450" indent="-171450">
+              <a:buFont typeface="Arial" panose="020B0604020202020204" pitchFamily="34" charset="0"/>
+              <a:buChar char="•"/>
+            </a:pPr>
+            <a:r>
+              <a:rPr lang="en-US" sz="1200" b="1">
+                <a:solidFill>
+                  <a:srgbClr val="FF0000"/>
+                </a:solidFill>
+              </a:rPr>
+              <a:t>Azure Language Studio</a:t>
+            </a:r>
+            <a:br>
+              <a:rPr lang="en-US" sz="1200"/>
+            </a:br>
+            <a:r>
+              <a:rPr lang="en-US" sz="1200"/>
+              <a:t>.. </a:t>
+            </a:r>
+            <a:r>
+              <a:rPr lang="en-US" sz="1200">
+                <a:hlinkClick r:id="rId8"/>
+              </a:rPr>
+              <a:t>https://docs.microsoft.com/en-us/azure/cognitive-services/language-service/language-studio</a:t>
+            </a:r>
+            <a:br>
+              <a:rPr lang="en-US" sz="1200"/>
+            </a:br>
+            <a:endParaRPr lang="en-US" sz="1200"/>
+          </a:p>
+          <a:p>
+            <a:pPr marL="171450" indent="-171450">
+              <a:buFont typeface="Arial" panose="020B0604020202020204" pitchFamily="34" charset="0"/>
+              <a:buChar char="•"/>
+            </a:pPr>
+            <a:r>
+              <a:rPr lang="en-US" sz="1200" b="1">
+                <a:solidFill>
+                  <a:srgbClr val="FF0000"/>
+                </a:solidFill>
+              </a:rPr>
+              <a:t>Container Apps</a:t>
+            </a:r>
+            <a:r>
+              <a:rPr lang="en-US" sz="1200"/>
+              <a:t> Preview</a:t>
+            </a:r>
+            <a:br>
+              <a:rPr lang="en-US" sz="1200"/>
+            </a:br>
+            <a:r>
+              <a:rPr lang="en-US" sz="1200"/>
+              <a:t>managed serverless container service – deploy containers</a:t>
+            </a:r>
+            <a:br>
+              <a:rPr lang="en-US" sz="1200"/>
+            </a:br>
+            <a:r>
+              <a:rPr lang="en-US" sz="1200"/>
+              <a:t>.. </a:t>
+            </a:r>
+            <a:r>
+              <a:rPr lang="en-US" sz="1200">
+                <a:hlinkClick r:id="rId9"/>
+              </a:rPr>
+              <a:t>https://azure.microsoft.com/en-us/updates/public-preview-azure-container-apps/</a:t>
+            </a:r>
+            <a:br>
+              <a:rPr lang="en-US" sz="1200"/>
+            </a:br>
+            <a:r>
+              <a:rPr lang="en-US" sz="1200"/>
+              <a:t>.. </a:t>
+            </a:r>
+            <a:r>
+              <a:rPr lang="en-US" sz="1200">
+                <a:hlinkClick r:id="rId10"/>
+              </a:rPr>
+              <a:t>https://www.youtube.com/embed/fmGHEJL81rU</a:t>
+            </a:r>
+            <a:br>
+              <a:rPr lang="en-US" sz="1200"/>
+            </a:br>
+            <a:endParaRPr lang="en-US" sz="1200"/>
+          </a:p>
+          <a:p>
+            <a:pPr marL="171450" indent="-171450">
+              <a:buFont typeface="Arial" panose="020B0604020202020204" pitchFamily="34" charset="0"/>
+              <a:buChar char="•"/>
+            </a:pPr>
+            <a:r>
+              <a:rPr lang="en-US" sz="1200" b="1">
+                <a:solidFill>
+                  <a:srgbClr val="FF0000"/>
+                </a:solidFill>
+              </a:rPr>
+              <a:t>Azure Percept</a:t>
+            </a:r>
+            <a:r>
+              <a:rPr lang="en-US" sz="1200"/>
+              <a:t> (for Edge apps)</a:t>
+            </a:r>
+            <a:br>
+              <a:rPr lang="en-US" sz="1200"/>
+            </a:br>
+            <a:r>
+              <a:rPr lang="en-US" sz="1200"/>
+              <a:t>.. </a:t>
+            </a:r>
+            <a:r>
+              <a:rPr lang="en-US" sz="1200">
+                <a:hlinkClick r:id="rId11"/>
+              </a:rPr>
+              <a:t>https://azure.microsoft.com/en-us/services/azure-percept/</a:t>
+            </a:r>
+            <a:endParaRPr lang="en-US" sz="1200"/>
+          </a:p>
+        </p:txBody>
+      </p:sp>
+      <p:sp>
+        <p:nvSpPr>
+          <p:cNvPr id="4" name="TextBox 3">
+            <a:extLst>
+              <a:ext uri="{FF2B5EF4-FFF2-40B4-BE49-F238E27FC236}">
+                <a16:creationId xmlns:a16="http://schemas.microsoft.com/office/drawing/2014/main" id="{35A3E161-088F-3945-87D9-D62B0232741F}"/>
               </a:ext>
             </a:extLst>
           </p:cNvPr>
@@ -5160,8 +5060,8 @@
         </p:nvSpPr>
         <p:spPr>
           <a:xfrm>
-            <a:off x="195944" y="640323"/>
-            <a:ext cx="6096000" cy="1908215"/>
+            <a:off x="25400" y="0"/>
+            <a:ext cx="4950012" cy="523220"/>
           </a:xfrm>
           <a:prstGeom prst="rect">
             <a:avLst/>
@@ -5175,101 +5075,18 @@
           <a:lstStyle/>
           <a:p>
             <a:r>
-              <a:rPr lang="en-US" sz="2000" b="1">
-                <a:solidFill>
-                  <a:srgbClr val="FF0000"/>
-                </a:solidFill>
-              </a:rPr>
-              <a:t>Omni</a:t>
-            </a:r>
-            <a:r>
-              <a:rPr lang="en-US" sz="1400"/>
-              <a:t>: </a:t>
-            </a:r>
-          </a:p>
-          <a:p>
-            <a:r>
-              <a:rPr lang="en-US" sz="1400"/>
-              <a:t>the same </a:t>
-            </a:r>
-            <a:r>
-              <a:rPr lang="en-US" sz="1400" b="1">
-                <a:solidFill>
-                  <a:srgbClr val="00B050"/>
-                </a:solidFill>
-              </a:rPr>
-              <a:t>BigQuery</a:t>
-            </a:r>
-            <a:r>
-              <a:rPr lang="en-US" sz="1400"/>
-              <a:t> interface on Google Cloud </a:t>
-            </a:r>
-          </a:p>
-          <a:p>
-            <a:r>
-              <a:rPr lang="en-US" sz="1400"/>
-              <a:t>now lets you also query the data accross all major clouds</a:t>
-            </a:r>
-          </a:p>
-          <a:p>
-            <a:r>
-              <a:rPr lang="en-US" sz="1400"/>
-              <a:t>( </a:t>
-            </a:r>
-            <a:r>
-              <a:rPr lang="en-US" sz="1400" b="1">
-                <a:solidFill>
-                  <a:srgbClr val="FF0000"/>
-                </a:solidFill>
-              </a:rPr>
-              <a:t>Google Cloud, AWS and Azure</a:t>
-            </a:r>
-            <a:r>
-              <a:rPr lang="en-US" sz="1400"/>
-              <a:t> ) without any cross-cloud ETL.</a:t>
-            </a:r>
-          </a:p>
-          <a:p>
-            <a:endParaRPr lang="en-US" sz="1400"/>
-          </a:p>
-          <a:p>
-            <a:r>
-              <a:rPr lang="en-US" sz="1400"/>
-              <a:t>This is possible because BigQuery de-couples (separates) compute and storage.</a:t>
-            </a:r>
-          </a:p>
-          <a:p>
-            <a:r>
-              <a:rPr lang="en-US" sz="1400"/>
-              <a:t>For better performance the BQ Omni runs the necessary compute </a:t>
-            </a:r>
-          </a:p>
-          <a:p>
-            <a:r>
-              <a:rPr lang="en-US" sz="1400"/>
-              <a:t>on clusters </a:t>
-            </a:r>
-            <a:r>
-              <a:rPr lang="en-US" sz="1400" b="1">
-                <a:solidFill>
-                  <a:srgbClr val="00B050"/>
-                </a:solidFill>
-              </a:rPr>
-              <a:t>in the same region where your data resides</a:t>
-            </a:r>
-            <a:r>
-              <a:rPr lang="en-US" sz="1400"/>
-              <a:t>. </a:t>
+              <a:rPr lang="en-US" sz="2800" b="1"/>
+              <a:t>Azure Updates November 2021</a:t>
             </a:r>
           </a:p>
         </p:txBody>
       </p:sp>
       <p:pic>
         <p:nvPicPr>
-          <p:cNvPr id="4" name="Picture 3">
-            <a:extLst>
-              <a:ext uri="{FF2B5EF4-FFF2-40B4-BE49-F238E27FC236}">
-                <a16:creationId xmlns:a16="http://schemas.microsoft.com/office/drawing/2014/main" id="{CC00B8E9-DE6E-3B47-A3BE-9FC2E5A61DAE}"/>
+          <p:cNvPr id="5" name="Picture 4">
+            <a:extLst>
+              <a:ext uri="{FF2B5EF4-FFF2-40B4-BE49-F238E27FC236}">
+                <a16:creationId xmlns:a16="http://schemas.microsoft.com/office/drawing/2014/main" id="{CBC3EA2B-FA52-2F43-B64F-CABF429C5F3A}"/>
               </a:ext>
             </a:extLst>
           </p:cNvPr>
@@ -5279,7 +5096,7 @@
           <p:nvPr/>
         </p:nvPicPr>
         <p:blipFill>
-          <a:blip r:embed="rId2" cstate="email">
+          <a:blip r:embed="rId12" cstate="email">
             <a:extLst>
               <a:ext uri="{28A0092B-C50C-407E-A947-70E740481C1C}">
                 <a14:useLocalDpi xmlns:a14="http://schemas.microsoft.com/office/drawing/2010/main"/>
@@ -5292,8 +5109,8 @@
         </p:blipFill>
         <p:spPr>
           <a:xfrm>
-            <a:off x="0" y="2665642"/>
-            <a:ext cx="6963375" cy="4192358"/>
+            <a:off x="9100355" y="1543292"/>
+            <a:ext cx="3022600" cy="1384300"/>
           </a:xfrm>
           <a:prstGeom prst="rect">
             <a:avLst/>
@@ -5305,7 +5122,7 @@
           <p:cNvPr id="6" name="Picture 5">
             <a:extLst>
               <a:ext uri="{FF2B5EF4-FFF2-40B4-BE49-F238E27FC236}">
-                <a16:creationId xmlns:a16="http://schemas.microsoft.com/office/drawing/2014/main" id="{BDA96D65-E963-4C4C-9132-A75B263C7FC0}"/>
+                <a16:creationId xmlns:a16="http://schemas.microsoft.com/office/drawing/2014/main" id="{B88E794A-7C02-C448-8DC3-8F331FFD9C71}"/>
               </a:ext>
             </a:extLst>
           </p:cNvPr>
@@ -5315,7 +5132,7 @@
           <p:nvPr/>
         </p:nvPicPr>
         <p:blipFill>
-          <a:blip r:embed="rId3" cstate="email">
+          <a:blip r:embed="rId13" cstate="email">
             <a:extLst>
               <a:ext uri="{28A0092B-C50C-407E-A947-70E740481C1C}">
                 <a14:useLocalDpi xmlns:a14="http://schemas.microsoft.com/office/drawing/2010/main"/>
@@ -5328,20 +5145,164 @@
         </p:blipFill>
         <p:spPr>
           <a:xfrm>
-            <a:off x="7731211" y="2502862"/>
-            <a:ext cx="4191009" cy="2696905"/>
+            <a:off x="8352866" y="113793"/>
+            <a:ext cx="1324843" cy="861946"/>
           </a:xfrm>
           <a:prstGeom prst="rect">
             <a:avLst/>
           </a:prstGeom>
         </p:spPr>
       </p:pic>
-      <p:sp>
-        <p:nvSpPr>
-          <p:cNvPr id="7" name="TextBox 6">
-            <a:extLst>
-              <a:ext uri="{FF2B5EF4-FFF2-40B4-BE49-F238E27FC236}">
-                <a16:creationId xmlns:a16="http://schemas.microsoft.com/office/drawing/2014/main" id="{08AE7880-0945-4D4A-8DB6-53ECB6C0F380}"/>
+      <p:pic>
+        <p:nvPicPr>
+          <p:cNvPr id="7" name="Picture 6">
+            <a:extLst>
+              <a:ext uri="{FF2B5EF4-FFF2-40B4-BE49-F238E27FC236}">
+                <a16:creationId xmlns:a16="http://schemas.microsoft.com/office/drawing/2014/main" id="{106FCEE6-DDB0-A54C-A241-D5181480328F}"/>
+              </a:ext>
+            </a:extLst>
+          </p:cNvPr>
+          <p:cNvPicPr>
+            <a:picLocks noChangeAspect="1"/>
+          </p:cNvPicPr>
+          <p:nvPr/>
+        </p:nvPicPr>
+        <p:blipFill>
+          <a:blip r:embed="rId14" cstate="email">
+            <a:extLst>
+              <a:ext uri="{28A0092B-C50C-407E-A947-70E740481C1C}">
+                <a14:useLocalDpi xmlns:a14="http://schemas.microsoft.com/office/drawing/2010/main"/>
+              </a:ext>
+            </a:extLst>
+          </a:blip>
+          <a:stretch>
+            <a:fillRect/>
+          </a:stretch>
+        </p:blipFill>
+        <p:spPr>
+          <a:xfrm>
+            <a:off x="4922161" y="41114"/>
+            <a:ext cx="3195602" cy="1136214"/>
+          </a:xfrm>
+          <a:prstGeom prst="rect">
+            <a:avLst/>
+          </a:prstGeom>
+        </p:spPr>
+      </p:pic>
+      <p:pic>
+        <p:nvPicPr>
+          <p:cNvPr id="8" name="Picture 7">
+            <a:extLst>
+              <a:ext uri="{FF2B5EF4-FFF2-40B4-BE49-F238E27FC236}">
+                <a16:creationId xmlns:a16="http://schemas.microsoft.com/office/drawing/2014/main" id="{F4B20E22-F4A0-A54B-8866-FAD189597987}"/>
+              </a:ext>
+            </a:extLst>
+          </p:cNvPr>
+          <p:cNvPicPr>
+            <a:picLocks noChangeAspect="1"/>
+          </p:cNvPicPr>
+          <p:nvPr/>
+        </p:nvPicPr>
+        <p:blipFill>
+          <a:blip r:embed="rId15" cstate="email">
+            <a:extLst>
+              <a:ext uri="{28A0092B-C50C-407E-A947-70E740481C1C}">
+                <a14:useLocalDpi xmlns:a14="http://schemas.microsoft.com/office/drawing/2010/main"/>
+              </a:ext>
+            </a:extLst>
+          </a:blip>
+          <a:stretch>
+            <a:fillRect/>
+          </a:stretch>
+        </p:blipFill>
+        <p:spPr>
+          <a:xfrm>
+            <a:off x="5856840" y="3927754"/>
+            <a:ext cx="2854211" cy="1551888"/>
+          </a:xfrm>
+          <a:prstGeom prst="rect">
+            <a:avLst/>
+          </a:prstGeom>
+        </p:spPr>
+      </p:pic>
+      <p:pic>
+        <p:nvPicPr>
+          <p:cNvPr id="9" name="Picture 8">
+            <a:extLst>
+              <a:ext uri="{FF2B5EF4-FFF2-40B4-BE49-F238E27FC236}">
+                <a16:creationId xmlns:a16="http://schemas.microsoft.com/office/drawing/2014/main" id="{4D4714F5-A509-AC46-8562-4BC7639768A3}"/>
+              </a:ext>
+            </a:extLst>
+          </p:cNvPr>
+          <p:cNvPicPr>
+            <a:picLocks noChangeAspect="1"/>
+          </p:cNvPicPr>
+          <p:nvPr/>
+        </p:nvPicPr>
+        <p:blipFill>
+          <a:blip r:embed="rId16" cstate="email">
+            <a:extLst>
+              <a:ext uri="{28A0092B-C50C-407E-A947-70E740481C1C}">
+                <a14:useLocalDpi xmlns:a14="http://schemas.microsoft.com/office/drawing/2010/main"/>
+              </a:ext>
+            </a:extLst>
+          </a:blip>
+          <a:stretch>
+            <a:fillRect/>
+          </a:stretch>
+        </p:blipFill>
+        <p:spPr>
+          <a:xfrm>
+            <a:off x="9064654" y="3451258"/>
+            <a:ext cx="3073960" cy="1384300"/>
+          </a:xfrm>
+          <a:prstGeom prst="rect">
+            <a:avLst/>
+          </a:prstGeom>
+        </p:spPr>
+      </p:pic>
+      <p:pic>
+        <p:nvPicPr>
+          <p:cNvPr id="10" name="Picture 9">
+            <a:extLst>
+              <a:ext uri="{FF2B5EF4-FFF2-40B4-BE49-F238E27FC236}">
+                <a16:creationId xmlns:a16="http://schemas.microsoft.com/office/drawing/2014/main" id="{701A7084-2162-7C42-9B29-1C401C4958A9}"/>
+              </a:ext>
+            </a:extLst>
+          </p:cNvPr>
+          <p:cNvPicPr>
+            <a:picLocks noChangeAspect="1"/>
+          </p:cNvPicPr>
+          <p:nvPr/>
+        </p:nvPicPr>
+        <p:blipFill>
+          <a:blip r:embed="rId17" cstate="email">
+            <a:extLst>
+              <a:ext uri="{28A0092B-C50C-407E-A947-70E740481C1C}">
+                <a14:useLocalDpi xmlns:a14="http://schemas.microsoft.com/office/drawing/2010/main"/>
+              </a:ext>
+            </a:extLst>
+          </a:blip>
+          <a:stretch>
+            <a:fillRect/>
+          </a:stretch>
+        </p:blipFill>
+        <p:spPr>
+          <a:xfrm>
+            <a:off x="9117512" y="5205641"/>
+            <a:ext cx="2913529" cy="1455258"/>
+          </a:xfrm>
+          <a:prstGeom prst="rect">
+            <a:avLst/>
+          </a:prstGeom>
+        </p:spPr>
+      </p:pic>
+      <p:sp>
+        <p:nvSpPr>
+          <p:cNvPr id="11" name="TextBox 10">
+            <a:extLst>
+              <a:ext uri="{FF2B5EF4-FFF2-40B4-BE49-F238E27FC236}">
+                <a16:creationId xmlns:a16="http://schemas.microsoft.com/office/drawing/2014/main" id="{86E85B41-879B-3E4F-AD97-B63B0E4398C2}"/>
               </a:ext>
             </a:extLst>
           </p:cNvPr>
@@ -5350,8 +5311,8 @@
         </p:nvSpPr>
         <p:spPr>
           <a:xfrm>
-            <a:off x="7731211" y="683757"/>
-            <a:ext cx="4460789" cy="1661993"/>
+            <a:off x="9117512" y="4836309"/>
+            <a:ext cx="2030677" cy="369332"/>
           </a:xfrm>
           <a:prstGeom prst="rect">
             <a:avLst/>
@@ -5365,65 +5326,18 @@
           <a:lstStyle/>
           <a:p>
             <a:r>
-              <a:rPr lang="en-US" b="1"/>
-              <a:t>BigQuery Omni runs on </a:t>
-            </a:r>
-            <a:r>
-              <a:rPr lang="en-US" b="1">
-                <a:solidFill>
-                  <a:srgbClr val="00B050"/>
-                </a:solidFill>
-              </a:rPr>
-              <a:t>Google Anthos</a:t>
-            </a:r>
-            <a:r>
-              <a:rPr lang="en-US" b="1"/>
-              <a:t>.</a:t>
-            </a:r>
-          </a:p>
-          <a:p>
-            <a:endParaRPr lang="en-US" sz="1400"/>
-          </a:p>
-          <a:p>
-            <a:r>
-              <a:rPr lang="en-US" sz="1400" b="1">
-                <a:solidFill>
-                  <a:srgbClr val="00B050"/>
-                </a:solidFill>
-              </a:rPr>
-              <a:t>Anthos</a:t>
-            </a:r>
-            <a:r>
-              <a:rPr lang="en-US" sz="1400"/>
-              <a:t> is a Google platform for managing</a:t>
-            </a:r>
-          </a:p>
-          <a:p>
-            <a:r>
-              <a:rPr lang="en-US" sz="1400"/>
-              <a:t>infrastructure and applications </a:t>
-            </a:r>
-          </a:p>
-          <a:p>
-            <a:r>
-              <a:rPr lang="en-US" sz="1400"/>
-              <a:t>across on-premises, edge, and in multiple public </a:t>
-            </a:r>
-          </a:p>
-          <a:p>
-            <a:r>
-              <a:rPr lang="en-US" sz="1400"/>
-              <a:t>clouds, providing integrated security, policy management, visibility.</a:t>
-            </a:r>
-          </a:p>
-        </p:txBody>
-      </p:sp>
-      <p:sp>
-        <p:nvSpPr>
-          <p:cNvPr id="8" name="TextBox 7">
-            <a:extLst>
-              <a:ext uri="{FF2B5EF4-FFF2-40B4-BE49-F238E27FC236}">
-                <a16:creationId xmlns:a16="http://schemas.microsoft.com/office/drawing/2014/main" id="{6A50DC48-046A-7141-A9F8-483706BFD70F}"/>
+              <a:rPr lang="en-US"/>
+              <a:t>Percept for Edge</a:t>
+            </a:r>
+          </a:p>
+        </p:txBody>
+      </p:sp>
+      <p:sp>
+        <p:nvSpPr>
+          <p:cNvPr id="12" name="TextBox 11">
+            <a:extLst>
+              <a:ext uri="{FF2B5EF4-FFF2-40B4-BE49-F238E27FC236}">
+                <a16:creationId xmlns:a16="http://schemas.microsoft.com/office/drawing/2014/main" id="{81C825AD-B34A-9E45-AF08-77BA3766BAC7}"/>
               </a:ext>
             </a:extLst>
           </p:cNvPr>
@@ -5432,8 +5346,8 @@
         </p:nvSpPr>
         <p:spPr>
           <a:xfrm>
-            <a:off x="10282890" y="2754500"/>
-            <a:ext cx="963828" cy="369332"/>
+            <a:off x="5778180" y="3589249"/>
+            <a:ext cx="1797069" cy="369332"/>
           </a:xfrm>
           <a:prstGeom prst="rect">
             <a:avLst/>
@@ -5446,67 +5360,19 @@
           </a:bodyPr>
           <a:lstStyle/>
           <a:p>
-            <a:pPr algn="ctr"/>
-            <a:r>
-              <a:rPr lang="en-US" b="1">
-                <a:solidFill>
-                  <a:srgbClr val="00B050"/>
-                </a:solidFill>
-              </a:rPr>
-              <a:t>Anthos</a:t>
-            </a:r>
-          </a:p>
-        </p:txBody>
-      </p:sp>
-      <p:cxnSp>
-        <p:nvCxnSpPr>
-          <p:cNvPr id="10" name="Straight Connector 9">
-            <a:extLst>
-              <a:ext uri="{FF2B5EF4-FFF2-40B4-BE49-F238E27FC236}">
-                <a16:creationId xmlns:a16="http://schemas.microsoft.com/office/drawing/2014/main" id="{718C693A-48A3-7348-9CAE-25490A5FE9A0}"/>
-              </a:ext>
-            </a:extLst>
-          </p:cNvPr>
-          <p:cNvCxnSpPr>
-            <a:cxnSpLocks/>
-          </p:cNvCxnSpPr>
-          <p:nvPr/>
-        </p:nvCxnSpPr>
-        <p:spPr>
-          <a:xfrm>
-            <a:off x="7376984" y="741405"/>
-            <a:ext cx="0" cy="5969638"/>
-          </a:xfrm>
-          <a:prstGeom prst="line">
-            <a:avLst/>
-          </a:prstGeom>
-          <a:ln w="63500">
-            <a:solidFill>
-              <a:srgbClr val="FF0000"/>
-            </a:solidFill>
-          </a:ln>
-        </p:spPr>
-        <p:style>
-          <a:lnRef idx="1">
-            <a:schemeClr val="accent1"/>
-          </a:lnRef>
-          <a:fillRef idx="0">
-            <a:schemeClr val="accent1"/>
-          </a:fillRef>
-          <a:effectRef idx="0">
-            <a:schemeClr val="accent1"/>
-          </a:effectRef>
-          <a:fontRef idx="minor">
-            <a:schemeClr val="tx1"/>
-          </a:fontRef>
-        </p:style>
-      </p:cxnSp>
-      <p:sp>
-        <p:nvSpPr>
-          <p:cNvPr id="12" name="TextBox 11">
-            <a:extLst>
-              <a:ext uri="{FF2B5EF4-FFF2-40B4-BE49-F238E27FC236}">
-                <a16:creationId xmlns:a16="http://schemas.microsoft.com/office/drawing/2014/main" id="{02F5C2BE-FB64-D34A-A9DB-B26F913AA878}"/>
+            <a:r>
+              <a:rPr lang="en-US"/>
+              <a:t>Video Analyzer</a:t>
+            </a:r>
+          </a:p>
+        </p:txBody>
+      </p:sp>
+      <p:sp>
+        <p:nvSpPr>
+          <p:cNvPr id="13" name="TextBox 12">
+            <a:extLst>
+              <a:ext uri="{FF2B5EF4-FFF2-40B4-BE49-F238E27FC236}">
+                <a16:creationId xmlns:a16="http://schemas.microsoft.com/office/drawing/2014/main" id="{4FAF8CBA-EE63-1F4D-A312-5DE8F96F4CCE}"/>
               </a:ext>
             </a:extLst>
           </p:cNvPr>
@@ -5515,8 +5381,8 @@
         </p:nvSpPr>
         <p:spPr>
           <a:xfrm>
-            <a:off x="7731211" y="5972379"/>
-            <a:ext cx="4191008" cy="738664"/>
+            <a:off x="9038974" y="3106265"/>
+            <a:ext cx="1277471" cy="369332"/>
           </a:xfrm>
           <a:prstGeom prst="rect">
             <a:avLst/>
@@ -5530,41 +5396,193 @@
           <a:lstStyle/>
           <a:p>
             <a:r>
-              <a:rPr lang="en-US" sz="1400"/>
-              <a:t>In Greek mythology, </a:t>
-            </a:r>
-            <a:r>
-              <a:rPr lang="en-US" sz="1400" b="1">
-                <a:solidFill>
-                  <a:srgbClr val="00B050"/>
-                </a:solidFill>
-              </a:rPr>
-              <a:t>Athos</a:t>
-            </a:r>
-            <a:r>
-              <a:rPr lang="en-US" sz="1400"/>
-              <a:t> was one of the Giants (Gigantes).</a:t>
-            </a:r>
-          </a:p>
-          <a:p>
-            <a:r>
-              <a:rPr lang="en-US" sz="1400"/>
-              <a:t> - </a:t>
-            </a:r>
-            <a:r>
-              <a:rPr lang="en-US" sz="1400">
-                <a:hlinkClick r:id="rId4"/>
-              </a:rPr>
-              <a:t>https://www.youtube.com/watch?v=tSwFW6M7dYk </a:t>
-            </a:r>
-            <a:endParaRPr lang="en-US" sz="1400"/>
+              <a:rPr lang="en-US"/>
+              <a:t>Language</a:t>
+            </a:r>
+          </a:p>
+        </p:txBody>
+      </p:sp>
+      <p:sp>
+        <p:nvSpPr>
+          <p:cNvPr id="14" name="TextBox 13">
+            <a:extLst>
+              <a:ext uri="{FF2B5EF4-FFF2-40B4-BE49-F238E27FC236}">
+                <a16:creationId xmlns:a16="http://schemas.microsoft.com/office/drawing/2014/main" id="{EC2BEB7C-3C7C-3F4C-AC31-8B9F76EBADE8}"/>
+              </a:ext>
+            </a:extLst>
+          </p:cNvPr>
+          <p:cNvSpPr txBox="1"/>
+          <p:nvPr/>
+        </p:nvSpPr>
+        <p:spPr>
+          <a:xfrm>
+            <a:off x="9100355" y="1205844"/>
+            <a:ext cx="3091645" cy="369332"/>
+          </a:xfrm>
+          <a:prstGeom prst="rect">
+            <a:avLst/>
+          </a:prstGeom>
+          <a:noFill/>
+        </p:spPr>
+        <p:txBody>
+          <a:bodyPr wrap="square" rtlCol="0">
+            <a:spAutoFit/>
+          </a:bodyPr>
+          <a:lstStyle/>
+          <a:p>
+            <a:r>
+              <a:rPr lang="en-US"/>
+              <a:t>Arc – Kubernetes deployment</a:t>
+            </a:r>
+          </a:p>
+        </p:txBody>
+      </p:sp>
+      <p:pic>
+        <p:nvPicPr>
+          <p:cNvPr id="15" name="Picture 14">
+            <a:extLst>
+              <a:ext uri="{FF2B5EF4-FFF2-40B4-BE49-F238E27FC236}">
+                <a16:creationId xmlns:a16="http://schemas.microsoft.com/office/drawing/2014/main" id="{FE2E1462-1AF0-0945-8EA4-C9D418DDDD95}"/>
+              </a:ext>
+            </a:extLst>
+          </p:cNvPr>
+          <p:cNvPicPr>
+            <a:picLocks noChangeAspect="1"/>
+          </p:cNvPicPr>
+          <p:nvPr/>
+        </p:nvPicPr>
+        <p:blipFill>
+          <a:blip r:embed="rId18" cstate="email">
+            <a:extLst>
+              <a:ext uri="{28A0092B-C50C-407E-A947-70E740481C1C}">
+                <a14:useLocalDpi xmlns:a14="http://schemas.microsoft.com/office/drawing/2010/main"/>
+              </a:ext>
+            </a:extLst>
+          </a:blip>
+          <a:stretch>
+            <a:fillRect/>
+          </a:stretch>
+        </p:blipFill>
+        <p:spPr>
+          <a:xfrm>
+            <a:off x="5899406" y="5877016"/>
+            <a:ext cx="852516" cy="840676"/>
+          </a:xfrm>
+          <a:prstGeom prst="rect">
+            <a:avLst/>
+          </a:prstGeom>
+        </p:spPr>
+      </p:pic>
+      <p:sp>
+        <p:nvSpPr>
+          <p:cNvPr id="16" name="TextBox 15">
+            <a:extLst>
+              <a:ext uri="{FF2B5EF4-FFF2-40B4-BE49-F238E27FC236}">
+                <a16:creationId xmlns:a16="http://schemas.microsoft.com/office/drawing/2014/main" id="{371F558C-0FBD-4849-8009-A26E78594016}"/>
+              </a:ext>
+            </a:extLst>
+          </p:cNvPr>
+          <p:cNvSpPr txBox="1"/>
+          <p:nvPr/>
+        </p:nvSpPr>
+        <p:spPr>
+          <a:xfrm>
+            <a:off x="5809748" y="5512678"/>
+            <a:ext cx="2129941" cy="369332"/>
+          </a:xfrm>
+          <a:prstGeom prst="rect">
+            <a:avLst/>
+          </a:prstGeom>
+          <a:noFill/>
+        </p:spPr>
+        <p:txBody>
+          <a:bodyPr wrap="square" rtlCol="0">
+            <a:spAutoFit/>
+          </a:bodyPr>
+          <a:lstStyle/>
+          <a:p>
+            <a:r>
+              <a:rPr lang="en-US"/>
+              <a:t>Container Apps</a:t>
+            </a:r>
+          </a:p>
+        </p:txBody>
+      </p:sp>
+      <p:pic>
+        <p:nvPicPr>
+          <p:cNvPr id="17" name="Picture 16">
+            <a:extLst>
+              <a:ext uri="{FF2B5EF4-FFF2-40B4-BE49-F238E27FC236}">
+                <a16:creationId xmlns:a16="http://schemas.microsoft.com/office/drawing/2014/main" id="{85C96275-0852-514C-ADB1-4895B6093F8A}"/>
+              </a:ext>
+            </a:extLst>
+          </p:cNvPr>
+          <p:cNvPicPr>
+            <a:picLocks noChangeAspect="1"/>
+          </p:cNvPicPr>
+          <p:nvPr/>
+        </p:nvPicPr>
+        <p:blipFill>
+          <a:blip r:embed="rId19" cstate="email">
+            <a:extLst>
+              <a:ext uri="{28A0092B-C50C-407E-A947-70E740481C1C}">
+                <a14:useLocalDpi xmlns:a14="http://schemas.microsoft.com/office/drawing/2010/main"/>
+              </a:ext>
+            </a:extLst>
+          </a:blip>
+          <a:stretch>
+            <a:fillRect/>
+          </a:stretch>
+        </p:blipFill>
+        <p:spPr>
+          <a:xfrm>
+            <a:off x="5856840" y="2068188"/>
+            <a:ext cx="2243866" cy="1229945"/>
+          </a:xfrm>
+          <a:prstGeom prst="rect">
+            <a:avLst/>
+          </a:prstGeom>
+        </p:spPr>
+      </p:pic>
+      <p:sp>
+        <p:nvSpPr>
+          <p:cNvPr id="18" name="TextBox 17">
+            <a:extLst>
+              <a:ext uri="{FF2B5EF4-FFF2-40B4-BE49-F238E27FC236}">
+                <a16:creationId xmlns:a16="http://schemas.microsoft.com/office/drawing/2014/main" id="{AC8DBDCC-969B-4548-8F94-433008C2B67E}"/>
+              </a:ext>
+            </a:extLst>
+          </p:cNvPr>
+          <p:cNvSpPr txBox="1"/>
+          <p:nvPr/>
+        </p:nvSpPr>
+        <p:spPr>
+          <a:xfrm>
+            <a:off x="5845415" y="1666320"/>
+            <a:ext cx="1797069" cy="369332"/>
+          </a:xfrm>
+          <a:prstGeom prst="rect">
+            <a:avLst/>
+          </a:prstGeom>
+          <a:noFill/>
+        </p:spPr>
+        <p:txBody>
+          <a:bodyPr wrap="square" rtlCol="0">
+            <a:spAutoFit/>
+          </a:bodyPr>
+          <a:lstStyle/>
+          <a:p>
+            <a:r>
+              <a:rPr lang="en-US"/>
+              <a:t>Data Labeling</a:t>
+            </a:r>
           </a:p>
         </p:txBody>
       </p:sp>
     </p:spTree>
     <p:extLst>
       <p:ext uri="{BB962C8B-B14F-4D97-AF65-F5344CB8AC3E}">
-        <p14:creationId xmlns:p14="http://schemas.microsoft.com/office/powerpoint/2010/main" val="1715675315"/>
+        <p14:creationId xmlns:p14="http://schemas.microsoft.com/office/powerpoint/2010/main" val="467745224"/>
       </p:ext>
     </p:extLst>
   </p:cSld>
@@ -5596,7 +5614,7 @@
           <p:cNvPr id="2" name="TextBox 1">
             <a:extLst>
               <a:ext uri="{FF2B5EF4-FFF2-40B4-BE49-F238E27FC236}">
-                <a16:creationId xmlns:a16="http://schemas.microsoft.com/office/drawing/2014/main" id="{62207341-FD1B-5949-A6EA-872A39B6D506}"/>
+                <a16:creationId xmlns:a16="http://schemas.microsoft.com/office/drawing/2014/main" id="{A10D7386-1BAD-B748-BCFC-D88C27FDFE25}"/>
               </a:ext>
             </a:extLst>
           </p:cNvPr>
@@ -5605,8 +5623,8 @@
         </p:nvSpPr>
         <p:spPr>
           <a:xfrm>
-            <a:off x="0" y="0"/>
-            <a:ext cx="2804983" cy="523220"/>
+            <a:off x="0" y="23753"/>
+            <a:ext cx="5700156" cy="523220"/>
           </a:xfrm>
           <a:prstGeom prst="rect">
             <a:avLst/>
@@ -5621,7 +5639,7 @@
           <a:p>
             <a:r>
               <a:rPr lang="en-US" sz="2800" b="1"/>
-              <a:t>Apache Flume</a:t>
+              <a:t>SQL Server 2022 – "Azure Enabled"</a:t>
             </a:r>
           </a:p>
         </p:txBody>
@@ -5631,7 +5649,7 @@
           <p:cNvPr id="3" name="TextBox 2">
             <a:extLst>
               <a:ext uri="{FF2B5EF4-FFF2-40B4-BE49-F238E27FC236}">
-                <a16:creationId xmlns:a16="http://schemas.microsoft.com/office/drawing/2014/main" id="{90EA14A3-F0EA-504D-85CA-9916F9CF9510}"/>
+                <a16:creationId xmlns:a16="http://schemas.microsoft.com/office/drawing/2014/main" id="{6C85AEBB-BDF3-FA42-8D6C-32A623EED6BD}"/>
               </a:ext>
             </a:extLst>
           </p:cNvPr>
@@ -5640,8 +5658,8 @@
         </p:nvSpPr>
         <p:spPr>
           <a:xfrm>
-            <a:off x="172995" y="596613"/>
-            <a:ext cx="4683211" cy="2462213"/>
+            <a:off x="106878" y="1380085"/>
+            <a:ext cx="7113319" cy="2677656"/>
           </a:xfrm>
           <a:prstGeom prst="rect">
             <a:avLst/>
@@ -5654,17 +5672,116 @@
           </a:bodyPr>
           <a:lstStyle/>
           <a:p>
+            <a:pPr marL="285750" indent="-285750">
+              <a:buFont typeface="Arial" panose="020B0604020202020204" pitchFamily="34" charset="0"/>
+              <a:buChar char="•"/>
+            </a:pPr>
+            <a:r>
+              <a:rPr lang="en-US" sz="1400">
+                <a:solidFill>
+                  <a:srgbClr val="2F2F2F"/>
+                </a:solidFill>
+                <a:latin typeface="Segoe UI" panose="020B0502040204020203" pitchFamily="34" charset="0"/>
+              </a:rPr>
+              <a:t>SQL Server 2022 integrates with:</a:t>
+            </a:r>
+          </a:p>
+          <a:p>
+            <a:pPr marL="742950" lvl="1" indent="-285750">
+              <a:buFont typeface="Arial" panose="020B0604020202020204" pitchFamily="34" charset="0"/>
+              <a:buChar char="•"/>
+            </a:pPr>
+            <a:r>
+              <a:rPr lang="en-US" sz="1400" b="1">
+                <a:solidFill>
+                  <a:srgbClr val="FF0000"/>
+                </a:solidFill>
+                <a:latin typeface="Segoe UI" panose="020B0502040204020203" pitchFamily="34" charset="0"/>
+              </a:rPr>
+              <a:t>Azure Synapse Link</a:t>
+            </a:r>
+            <a:r>
+              <a:rPr lang="en-US" sz="1400">
+                <a:solidFill>
+                  <a:srgbClr val="2F2F2F"/>
+                </a:solidFill>
+                <a:latin typeface="Segoe UI" panose="020B0502040204020203" pitchFamily="34" charset="0"/>
+              </a:rPr>
+              <a:t> (</a:t>
+            </a:r>
+            <a:r>
+              <a:rPr lang="en-US" sz="1400"/>
+              <a:t> avoid big ETL jobs between SQL Server and Azure Synapse)</a:t>
+            </a:r>
+            <a:endParaRPr lang="en-US" sz="1400">
+              <a:solidFill>
+                <a:srgbClr val="2F2F2F"/>
+              </a:solidFill>
+              <a:latin typeface="Segoe UI" panose="020B0502040204020203" pitchFamily="34" charset="0"/>
+            </a:endParaRPr>
+          </a:p>
+          <a:p>
+            <a:pPr marL="742950" lvl="1" indent="-285750">
+              <a:buFont typeface="Arial" panose="020B0604020202020204" pitchFamily="34" charset="0"/>
+              <a:buChar char="•"/>
+            </a:pPr>
+            <a:r>
+              <a:rPr lang="en-US" sz="1400" b="1">
+                <a:solidFill>
+                  <a:srgbClr val="FF0000"/>
+                </a:solidFill>
+                <a:latin typeface="Segoe UI" panose="020B0502040204020203" pitchFamily="34" charset="0"/>
+              </a:rPr>
+              <a:t>Azure Purview</a:t>
+            </a:r>
+          </a:p>
+          <a:p>
+            <a:pPr lvl="1"/>
+            <a:endParaRPr lang="en-US" sz="1400"/>
+          </a:p>
+          <a:p>
+            <a:pPr marL="285750" indent="-285750">
+              <a:buFont typeface="Arial" panose="020B0604020202020204" pitchFamily="34" charset="0"/>
+              <a:buChar char="•"/>
+            </a:pPr>
             <a:r>
               <a:rPr lang="en-US" sz="1400" b="1">
                 <a:solidFill>
                   <a:srgbClr val="FF0000"/>
                 </a:solidFill>
               </a:rPr>
-              <a:t>Flume</a:t>
+              <a:t>Failover</a:t>
             </a:r>
             <a:r>
               <a:rPr lang="en-US" sz="1400"/>
-              <a:t> is a distributed, reliable, and available service for efficiently collecting, aggregating, and </a:t>
+              <a:t> back/forth from SQL Server 2022 and Azure SQL DB Managed Instances.</a:t>
+            </a:r>
+            <a:br>
+              <a:rPr lang="en-US" sz="1400"/>
+            </a:br>
+            <a:r>
+              <a:rPr lang="en-US" sz="1400"/>
+              <a:t>Including restoring versionless databases from Azure SQL DB Managed Instances</a:t>
+            </a:r>
+            <a:br>
+              <a:rPr lang="en-US" sz="1400"/>
+            </a:br>
+            <a:r>
+              <a:rPr lang="en-US" sz="1400"/>
+              <a:t>down to on-premises SQL Server 2022</a:t>
+            </a:r>
+          </a:p>
+          <a:p>
+            <a:endParaRPr lang="en-US" sz="1400"/>
+          </a:p>
+          <a:p>
+            <a:pPr marL="285750" indent="-285750">
+              <a:buFont typeface="Arial" panose="020B0604020202020204" pitchFamily="34" charset="0"/>
+              <a:buChar char="•"/>
+            </a:pPr>
+            <a:r>
+              <a:rPr lang="en-US" sz="1400"/>
+              <a:t>SQL Server Ledger – </a:t>
             </a:r>
             <a:r>
               <a:rPr lang="en-US" sz="1400" b="1">
@@ -5672,11 +5789,11 @@
                   <a:srgbClr val="FF0000"/>
                 </a:solidFill>
               </a:rPr>
-              <a:t>moving large amounts of log data</a:t>
+              <a:t>blockchain</a:t>
             </a:r>
             <a:r>
               <a:rPr lang="en-US" sz="1400"/>
-              <a:t>. </a:t>
+              <a:t> immutable histories of tables</a:t>
             </a:r>
           </a:p>
           <a:p>
@@ -5689,83 +5806,32 @@
             </a:pPr>
             <a:r>
               <a:rPr lang="en-US" sz="1400"/>
-              <a:t>It has a simple and flexible architecture based on streaming data flows. </a:t>
-            </a:r>
-          </a:p>
-          <a:p>
-            <a:pPr marL="285750" indent="-285750">
-              <a:buFont typeface="Arial" panose="020B0604020202020204" pitchFamily="34" charset="0"/>
-              <a:buChar char="•"/>
-            </a:pPr>
-            <a:r>
+              <a:t>Performance! Parameter-sensitive plan optimization </a:t>
+            </a:r>
+            <a:br>
               <a:rPr lang="en-US" sz="1400"/>
-              <a:t>It is robust and fault tolerant with tunable reliability mechanisms and many failover and recovery mechanisms. </a:t>
-            </a:r>
-          </a:p>
-          <a:p>
-            <a:pPr marL="285750" indent="-285750">
-              <a:buFont typeface="Arial" panose="020B0604020202020204" pitchFamily="34" charset="0"/>
-              <a:buChar char="•"/>
-            </a:pPr>
+            </a:br>
             <a:r>
               <a:rPr lang="en-US" sz="1400"/>
-              <a:t>It uses a simple extensible data model that allows for online analytic application.</a:t>
-            </a:r>
-          </a:p>
-          <a:p>
-            <a:pPr marL="285750" indent="-285750">
-              <a:buFont typeface="Arial" panose="020B0604020202020204" pitchFamily="34" charset="0"/>
-              <a:buChar char="•"/>
-            </a:pPr>
-            <a:r>
-              <a:rPr lang="en-US" sz="1400"/>
-              <a:t>It is specifically designed for Hadoop</a:t>
-            </a:r>
-          </a:p>
-        </p:txBody>
-      </p:sp>
-      <p:pic>
-        <p:nvPicPr>
-          <p:cNvPr id="4" name="Picture 3">
-            <a:extLst>
-              <a:ext uri="{FF2B5EF4-FFF2-40B4-BE49-F238E27FC236}">
-                <a16:creationId xmlns:a16="http://schemas.microsoft.com/office/drawing/2014/main" id="{4D7A8A8E-D325-B042-A32B-018E927F3967}"/>
-              </a:ext>
-            </a:extLst>
-          </p:cNvPr>
-          <p:cNvPicPr>
-            <a:picLocks noChangeAspect="1"/>
-          </p:cNvPicPr>
-          <p:nvPr/>
-        </p:nvPicPr>
-        <p:blipFill>
-          <a:blip r:embed="rId2" cstate="email">
-            <a:extLst>
-              <a:ext uri="{28A0092B-C50C-407E-A947-70E740481C1C}">
-                <a14:useLocalDpi xmlns:a14="http://schemas.microsoft.com/office/drawing/2010/main"/>
-              </a:ext>
-            </a:extLst>
-          </a:blip>
-          <a:stretch>
-            <a:fillRect/>
-          </a:stretch>
-        </p:blipFill>
-        <p:spPr>
-          <a:xfrm>
-            <a:off x="9934831" y="98854"/>
-            <a:ext cx="2084173" cy="1587086"/>
-          </a:xfrm>
-          <a:prstGeom prst="rect">
-            <a:avLst/>
-          </a:prstGeom>
-        </p:spPr>
-      </p:pic>
-      <p:sp>
-        <p:nvSpPr>
-          <p:cNvPr id="5" name="TextBox 4">
-            <a:extLst>
-              <a:ext uri="{FF2B5EF4-FFF2-40B4-BE49-F238E27FC236}">
-                <a16:creationId xmlns:a16="http://schemas.microsoft.com/office/drawing/2014/main" id="{F28E3A37-CD3F-9E4C-89E9-D83ED4F6A0D7}"/>
+              <a:t>that caches </a:t>
+            </a:r>
+            <a:r>
+              <a:rPr lang="en-US" sz="1400" b="1">
+                <a:solidFill>
+                  <a:srgbClr val="FF0000"/>
+                </a:solidFill>
+              </a:rPr>
+              <a:t>multiple plans per stored procedure</a:t>
+            </a:r>
+          </a:p>
+        </p:txBody>
+      </p:sp>
+      <p:sp>
+        <p:nvSpPr>
+          <p:cNvPr id="4" name="TextBox 3">
+            <a:extLst>
+              <a:ext uri="{FF2B5EF4-FFF2-40B4-BE49-F238E27FC236}">
+                <a16:creationId xmlns:a16="http://schemas.microsoft.com/office/drawing/2014/main" id="{E813D15E-3356-5F44-8DEF-BA8DF812E929}"/>
               </a:ext>
             </a:extLst>
           </p:cNvPr>
@@ -5774,8 +5840,8 @@
         </p:nvSpPr>
         <p:spPr>
           <a:xfrm>
-            <a:off x="6314303" y="345989"/>
-            <a:ext cx="3064475" cy="523220"/>
+            <a:off x="106879" y="546973"/>
+            <a:ext cx="5593278" cy="553998"/>
           </a:xfrm>
           <a:prstGeom prst="rect">
             <a:avLst/>
@@ -5789,35 +5855,32 @@
           <a:lstStyle/>
           <a:p>
             <a:r>
-              <a:rPr lang="en-US" sz="1400"/>
-              <a:t>A </a:t>
-            </a:r>
-            <a:r>
-              <a:rPr lang="en-US" sz="1400" b="1">
-                <a:solidFill>
-                  <a:srgbClr val="00B050"/>
-                </a:solidFill>
+              <a:rPr lang="en-US"/>
+              <a:t>Announced November 2, 2021 fro private preview</a:t>
+            </a:r>
+          </a:p>
+          <a:p>
+            <a:r>
+              <a:rPr lang="en-US" sz="1200">
+                <a:hlinkClick r:id="rId2"/>
               </a:rPr>
-              <a:t>flume</a:t>
-            </a:r>
-            <a:r>
-              <a:rPr lang="en-US" sz="1400"/>
-              <a:t> is a man-made gravity chute for water, with raised walls.</a:t>
-            </a:r>
+              <a:t>https://www.sqlshack.com/sql-server-2022-private-preview-announcement/</a:t>
+            </a:r>
+            <a:endParaRPr lang="en-US" sz="1200"/>
           </a:p>
         </p:txBody>
       </p:sp>
       <p:pic>
         <p:nvPicPr>
-          <p:cNvPr id="6" name="Picture 5">
-            <a:extLst>
-              <a:ext uri="{FF2B5EF4-FFF2-40B4-BE49-F238E27FC236}">
-                <a16:creationId xmlns:a16="http://schemas.microsoft.com/office/drawing/2014/main" id="{D6DD2DFA-6592-9D43-8459-3F51F4CB2123}"/>
+          <p:cNvPr id="1026" name="Picture 2" descr="SQL Server 2022 Private Preview announcement">
+            <a:extLst>
+              <a:ext uri="{FF2B5EF4-FFF2-40B4-BE49-F238E27FC236}">
+                <a16:creationId xmlns:a16="http://schemas.microsoft.com/office/drawing/2014/main" id="{9706A7FF-36E6-4145-80AD-2A766F4B6600}"/>
               </a:ext>
             </a:extLst>
           </p:cNvPr>
           <p:cNvPicPr>
-            <a:picLocks noChangeAspect="1"/>
+            <a:picLocks noChangeAspect="1" noChangeArrowheads="1"/>
           </p:cNvPicPr>
           <p:nvPr/>
         </p:nvPicPr>
@@ -5829,31 +5892,129 @@
               </a:ext>
             </a:extLst>
           </a:blip>
+          <a:srcRect/>
           <a:stretch>
             <a:fillRect/>
           </a:stretch>
         </p:blipFill>
-        <p:spPr>
-          <a:xfrm>
-            <a:off x="6314303" y="1298898"/>
-            <a:ext cx="3248782" cy="2110603"/>
+        <p:spPr bwMode="auto">
+          <a:xfrm>
+            <a:off x="7858917" y="101209"/>
+            <a:ext cx="4226205" cy="2984995"/>
           </a:xfrm>
           <a:prstGeom prst="rect">
             <a:avLst/>
           </a:prstGeom>
+          <a:noFill/>
+          <a:extLst>
+            <a:ext uri="{909E8E84-426E-40DD-AFC4-6F175D3DCCD1}">
+              <a14:hiddenFill xmlns:a14="http://schemas.microsoft.com/office/drawing/2010/main">
+                <a:solidFill>
+                  <a:srgbClr val="FFFFFF"/>
+                </a:solidFill>
+              </a14:hiddenFill>
+            </a:ext>
+          </a:extLst>
         </p:spPr>
       </p:pic>
+      <p:sp>
+        <p:nvSpPr>
+          <p:cNvPr id="7" name="Rectangle 6">
+            <a:extLst>
+              <a:ext uri="{FF2B5EF4-FFF2-40B4-BE49-F238E27FC236}">
+                <a16:creationId xmlns:a16="http://schemas.microsoft.com/office/drawing/2014/main" id="{C68E0DDB-6C4C-1848-B932-D54A33EAFE8A}"/>
+              </a:ext>
+            </a:extLst>
+          </p:cNvPr>
+          <p:cNvSpPr/>
+          <p:nvPr/>
+        </p:nvSpPr>
+        <p:spPr>
+          <a:xfrm>
+            <a:off x="7477206" y="3552909"/>
+            <a:ext cx="1844924" cy="307777"/>
+          </a:xfrm>
+          <a:prstGeom prst="rect">
+            <a:avLst/>
+          </a:prstGeom>
+        </p:spPr>
+        <p:txBody>
+          <a:bodyPr wrap="square">
+            <a:spAutoFit/>
+          </a:bodyPr>
+          <a:lstStyle/>
+          <a:p>
+            <a:pPr algn="ctr"/>
+            <a:r>
+              <a:rPr lang="en-US" sz="1400" b="1" i="0">
+                <a:solidFill>
+                  <a:srgbClr val="0070C0"/>
+                </a:solidFill>
+                <a:effectLst/>
+                <a:latin typeface="Segoe UI" panose="020B0502040204020203" pitchFamily="34" charset="0"/>
+              </a:rPr>
+              <a:t>Azure Synapse Link</a:t>
+            </a:r>
+          </a:p>
+        </p:txBody>
+      </p:sp>
+      <p:sp>
+        <p:nvSpPr>
+          <p:cNvPr id="6" name="Down Arrow 5">
+            <a:extLst>
+              <a:ext uri="{FF2B5EF4-FFF2-40B4-BE49-F238E27FC236}">
+                <a16:creationId xmlns:a16="http://schemas.microsoft.com/office/drawing/2014/main" id="{31746485-737E-CE43-B3F1-98FAC0D5FDA3}"/>
+              </a:ext>
+            </a:extLst>
+          </p:cNvPr>
+          <p:cNvSpPr/>
+          <p:nvPr/>
+        </p:nvSpPr>
+        <p:spPr>
+          <a:xfrm rot="11278950">
+            <a:off x="8359035" y="2889209"/>
+            <a:ext cx="183478" cy="679732"/>
+          </a:xfrm>
+          <a:prstGeom prst="downArrow">
+            <a:avLst/>
+          </a:prstGeom>
+        </p:spPr>
+        <p:style>
+          <a:lnRef idx="2">
+            <a:schemeClr val="accent1">
+              <a:shade val="50000"/>
+            </a:schemeClr>
+          </a:lnRef>
+          <a:fillRef idx="1">
+            <a:schemeClr val="accent1"/>
+          </a:fillRef>
+          <a:effectRef idx="0">
+            <a:schemeClr val="accent1"/>
+          </a:effectRef>
+          <a:fontRef idx="minor">
+            <a:schemeClr val="lt1"/>
+          </a:fontRef>
+        </p:style>
+        <p:txBody>
+          <a:bodyPr rtlCol="0" anchor="ctr"/>
+          <a:lstStyle/>
+          <a:p>
+            <a:pPr algn="ctr"/>
+            <a:endParaRPr lang="en-US"/>
+          </a:p>
+        </p:txBody>
+      </p:sp>
       <p:pic>
         <p:nvPicPr>
-          <p:cNvPr id="7" name="Picture 6">
-            <a:extLst>
-              <a:ext uri="{FF2B5EF4-FFF2-40B4-BE49-F238E27FC236}">
-                <a16:creationId xmlns:a16="http://schemas.microsoft.com/office/drawing/2014/main" id="{48CE3ABE-0B19-6E45-A971-EC5CC22F351B}"/>
+          <p:cNvPr id="1028" name="Picture 4" descr="Business Continuity using Azure">
+            <a:extLst>
+              <a:ext uri="{FF2B5EF4-FFF2-40B4-BE49-F238E27FC236}">
+                <a16:creationId xmlns:a16="http://schemas.microsoft.com/office/drawing/2014/main" id="{BF0A99E0-3885-EB49-9626-191B8D305E72}"/>
               </a:ext>
             </a:extLst>
           </p:cNvPr>
           <p:cNvPicPr>
-            <a:picLocks noChangeAspect="1"/>
+            <a:picLocks noChangeAspect="1" noChangeArrowheads="1"/>
           </p:cNvPicPr>
           <p:nvPr/>
         </p:nvPicPr>
@@ -5865,31 +6026,42 @@
               </a:ext>
             </a:extLst>
           </a:blip>
+          <a:srcRect/>
           <a:stretch>
             <a:fillRect/>
           </a:stretch>
         </p:blipFill>
-        <p:spPr>
-          <a:xfrm>
-            <a:off x="7754386" y="3743818"/>
-            <a:ext cx="3248783" cy="2110604"/>
+        <p:spPr bwMode="auto">
+          <a:xfrm>
+            <a:off x="8187669" y="4714334"/>
+            <a:ext cx="3568700" cy="1917700"/>
           </a:xfrm>
           <a:prstGeom prst="rect">
             <a:avLst/>
           </a:prstGeom>
+          <a:noFill/>
+          <a:extLst>
+            <a:ext uri="{909E8E84-426E-40DD-AFC4-6F175D3DCCD1}">
+              <a14:hiddenFill xmlns:a14="http://schemas.microsoft.com/office/drawing/2010/main">
+                <a:solidFill>
+                  <a:srgbClr val="FFFFFF"/>
+                </a:solidFill>
+              </a14:hiddenFill>
+            </a:ext>
+          </a:extLst>
         </p:spPr>
       </p:pic>
       <p:pic>
         <p:nvPicPr>
-          <p:cNvPr id="8" name="Picture 7">
-            <a:extLst>
-              <a:ext uri="{FF2B5EF4-FFF2-40B4-BE49-F238E27FC236}">
-                <a16:creationId xmlns:a16="http://schemas.microsoft.com/office/drawing/2014/main" id="{D83EDB64-637C-9341-8FFB-22DA753197B1}"/>
+          <p:cNvPr id="1030" name="Picture 6" descr="Azure Purview integration">
+            <a:extLst>
+              <a:ext uri="{FF2B5EF4-FFF2-40B4-BE49-F238E27FC236}">
+                <a16:creationId xmlns:a16="http://schemas.microsoft.com/office/drawing/2014/main" id="{042E247D-05D1-D14D-BDA7-B466703FBB85}"/>
               </a:ext>
             </a:extLst>
           </p:cNvPr>
           <p:cNvPicPr>
-            <a:picLocks noChangeAspect="1"/>
+            <a:picLocks noChangeAspect="1" noChangeArrowheads="1"/>
           </p:cNvPicPr>
           <p:nvPr/>
         </p:nvPicPr>
@@ -5901,119 +6073,82 @@
               </a:ext>
             </a:extLst>
           </a:blip>
+          <a:srcRect/>
           <a:stretch>
             <a:fillRect/>
           </a:stretch>
         </p:blipFill>
-        <p:spPr>
-          <a:xfrm>
-            <a:off x="325382" y="3132219"/>
-            <a:ext cx="4650283" cy="1999564"/>
-          </a:xfrm>
-          <a:prstGeom prst="rect">
-            <a:avLst/>
-          </a:prstGeom>
-        </p:spPr>
-      </p:pic>
-      <p:sp>
-        <p:nvSpPr>
-          <p:cNvPr id="9" name="TextBox 8">
-            <a:extLst>
-              <a:ext uri="{FF2B5EF4-FFF2-40B4-BE49-F238E27FC236}">
-                <a16:creationId xmlns:a16="http://schemas.microsoft.com/office/drawing/2014/main" id="{F7E64137-2C00-BB43-8868-CEFDB6678580}"/>
-              </a:ext>
-            </a:extLst>
-          </p:cNvPr>
-          <p:cNvSpPr txBox="1"/>
-          <p:nvPr/>
-        </p:nvSpPr>
-        <p:spPr>
-          <a:xfrm>
-            <a:off x="172995" y="5205176"/>
-            <a:ext cx="5338119" cy="1384995"/>
+        <p:spPr bwMode="auto">
+          <a:xfrm>
+            <a:off x="254742" y="4714334"/>
+            <a:ext cx="3119016" cy="1699889"/>
           </a:xfrm>
           <a:prstGeom prst="rect">
             <a:avLst/>
           </a:prstGeom>
           <a:noFill/>
-        </p:spPr>
-        <p:txBody>
-          <a:bodyPr wrap="square" rtlCol="0">
-            <a:spAutoFit/>
-          </a:bodyPr>
-          <a:lstStyle/>
-          <a:p>
-            <a:r>
-              <a:rPr lang="en-US" sz="1400"/>
-              <a:t>Flume vs Kafka:</a:t>
-            </a:r>
-          </a:p>
-          <a:p>
-            <a:pPr marL="285750" indent="-285750">
-              <a:buFont typeface="Arial" panose="020B0604020202020204" pitchFamily="34" charset="0"/>
-              <a:buChar char="•"/>
-            </a:pPr>
-            <a:r>
-              <a:rPr lang="en-US" sz="1400" b="1">
+          <a:extLst>
+            <a:ext uri="{909E8E84-426E-40DD-AFC4-6F175D3DCCD1}">
+              <a14:hiddenFill xmlns:a14="http://schemas.microsoft.com/office/drawing/2010/main">
                 <a:solidFill>
-                  <a:srgbClr val="FF0000"/>
+                  <a:srgbClr val="FFFFFF"/>
                 </a:solidFill>
-              </a:rPr>
-              <a:t>Kafka</a:t>
-            </a:r>
-            <a:r>
-              <a:rPr lang="en-US" sz="1400"/>
-              <a:t> uses </a:t>
-            </a:r>
-            <a:r>
-              <a:rPr lang="en-US" sz="1400" b="1">
+              </a14:hiddenFill>
+            </a:ext>
+          </a:extLst>
+        </p:spPr>
+      </p:pic>
+      <p:pic>
+        <p:nvPicPr>
+          <p:cNvPr id="1032" name="Picture 8" descr="SQL Server Database Ledger">
+            <a:extLst>
+              <a:ext uri="{FF2B5EF4-FFF2-40B4-BE49-F238E27FC236}">
+                <a16:creationId xmlns:a16="http://schemas.microsoft.com/office/drawing/2014/main" id="{86C5B518-E74E-C644-BEB2-2F1625EE5C53}"/>
+              </a:ext>
+            </a:extLst>
+          </p:cNvPr>
+          <p:cNvPicPr>
+            <a:picLocks noChangeAspect="1" noChangeArrowheads="1"/>
+          </p:cNvPicPr>
+          <p:nvPr/>
+        </p:nvPicPr>
+        <p:blipFill>
+          <a:blip r:embed="rId6" cstate="email">
+            <a:extLst>
+              <a:ext uri="{28A0092B-C50C-407E-A947-70E740481C1C}">
+                <a14:useLocalDpi xmlns:a14="http://schemas.microsoft.com/office/drawing/2010/main"/>
+              </a:ext>
+            </a:extLst>
+          </a:blip>
+          <a:srcRect/>
+          <a:stretch>
+            <a:fillRect/>
+          </a:stretch>
+        </p:blipFill>
+        <p:spPr bwMode="auto">
+          <a:xfrm>
+            <a:off x="3951844" y="4346183"/>
+            <a:ext cx="3268353" cy="2451265"/>
+          </a:xfrm>
+          <a:prstGeom prst="rect">
+            <a:avLst/>
+          </a:prstGeom>
+          <a:noFill/>
+          <a:extLst>
+            <a:ext uri="{909E8E84-426E-40DD-AFC4-6F175D3DCCD1}">
+              <a14:hiddenFill xmlns:a14="http://schemas.microsoft.com/office/drawing/2010/main">
                 <a:solidFill>
-                  <a:srgbClr val="FF0000"/>
+                  <a:srgbClr val="FFFFFF"/>
                 </a:solidFill>
-              </a:rPr>
-              <a:t>"pull" model</a:t>
-            </a:r>
-            <a:r>
-              <a:rPr lang="en-US" sz="1400"/>
-              <a:t>, fault tollerant, easy to scale, can handle high volume in real time</a:t>
-            </a:r>
-          </a:p>
-          <a:p>
-            <a:pPr marL="285750" indent="-285750">
-              <a:buFont typeface="Arial" panose="020B0604020202020204" pitchFamily="34" charset="0"/>
-              <a:buChar char="•"/>
-            </a:pPr>
-            <a:r>
-              <a:rPr lang="en-US" sz="1400" b="1">
-                <a:solidFill>
-                  <a:srgbClr val="FF0000"/>
-                </a:solidFill>
-              </a:rPr>
-              <a:t>Flume</a:t>
-            </a:r>
-            <a:r>
-              <a:rPr lang="en-US" sz="1400"/>
-              <a:t> uses </a:t>
-            </a:r>
-            <a:r>
-              <a:rPr lang="en-US" sz="1400" b="1">
-                <a:solidFill>
-                  <a:srgbClr val="FF0000"/>
-                </a:solidFill>
-              </a:rPr>
-              <a:t>"push" model</a:t>
-            </a:r>
-            <a:r>
-              <a:rPr lang="en-US" sz="1400"/>
-              <a:t>, not easily scalable, designed specifically to collect logs from distributed system, designed specifically for Hadoop, not fault tollerant - may lose data if one of agents fails</a:t>
-            </a:r>
-          </a:p>
-        </p:txBody>
-      </p:sp>
+              </a14:hiddenFill>
+            </a:ext>
+          </a:extLst>
+        </p:spPr>
+      </p:pic>
     </p:spTree>
     <p:extLst>
       <p:ext uri="{BB962C8B-B14F-4D97-AF65-F5344CB8AC3E}">
-        <p14:creationId xmlns:p14="http://schemas.microsoft.com/office/powerpoint/2010/main" val="3023264508"/>
+        <p14:creationId xmlns:p14="http://schemas.microsoft.com/office/powerpoint/2010/main" val="4165169508"/>
       </p:ext>
     </p:extLst>
   </p:cSld>
@@ -6045,7 +6180,7 @@
           <p:cNvPr id="2" name="TextBox 1">
             <a:extLst>
               <a:ext uri="{FF2B5EF4-FFF2-40B4-BE49-F238E27FC236}">
-                <a16:creationId xmlns:a16="http://schemas.microsoft.com/office/drawing/2014/main" id="{30F73BFE-EE68-7C40-9A98-17213FC25E6A}"/>
+                <a16:creationId xmlns:a16="http://schemas.microsoft.com/office/drawing/2014/main" id="{62207341-FD1B-5949-A6EA-872A39B6D506}"/>
               </a:ext>
             </a:extLst>
           </p:cNvPr>
@@ -6054,8 +6189,8 @@
         </p:nvSpPr>
         <p:spPr>
           <a:xfrm>
-            <a:off x="101600" y="88900"/>
-            <a:ext cx="6565900" cy="523220"/>
+            <a:off x="0" y="0"/>
+            <a:ext cx="2804983" cy="523220"/>
           </a:xfrm>
           <a:prstGeom prst="rect">
             <a:avLst/>
@@ -6070,7 +6205,7 @@
           <a:p>
             <a:r>
               <a:rPr lang="en-US" sz="2800" b="1"/>
-              <a:t>Google Anthos, Azure Arc, &amp; AWS Outposts</a:t>
+              <a:t>Apache Flume</a:t>
             </a:r>
           </a:p>
         </p:txBody>
@@ -6080,7 +6215,7 @@
           <p:cNvPr id="3" name="TextBox 2">
             <a:extLst>
               <a:ext uri="{FF2B5EF4-FFF2-40B4-BE49-F238E27FC236}">
-                <a16:creationId xmlns:a16="http://schemas.microsoft.com/office/drawing/2014/main" id="{AB622D90-388B-724C-B9AB-D51C89CDCB6F}"/>
+                <a16:creationId xmlns:a16="http://schemas.microsoft.com/office/drawing/2014/main" id="{90EA14A3-F0EA-504D-85CA-9916F9CF9510}"/>
               </a:ext>
             </a:extLst>
           </p:cNvPr>
@@ -6089,8 +6224,8 @@
         </p:nvSpPr>
         <p:spPr>
           <a:xfrm>
-            <a:off x="276311" y="2360157"/>
-            <a:ext cx="4968789" cy="4185761"/>
+            <a:off x="172995" y="596613"/>
+            <a:ext cx="4683211" cy="2462213"/>
           </a:xfrm>
           <a:prstGeom prst="rect">
             <a:avLst/>
@@ -6103,154 +6238,165 @@
           </a:bodyPr>
           <a:lstStyle/>
           <a:p>
+            <a:r>
+              <a:rPr lang="en-US" sz="1400" b="1">
+                <a:solidFill>
+                  <a:srgbClr val="FF0000"/>
+                </a:solidFill>
+              </a:rPr>
+              <a:t>Flume</a:t>
+            </a:r>
+            <a:r>
+              <a:rPr lang="en-US" sz="1400"/>
+              <a:t> is a distributed, reliable, and available service for efficiently collecting, aggregating, and </a:t>
+            </a:r>
+            <a:r>
+              <a:rPr lang="en-US" sz="1400" b="1">
+                <a:solidFill>
+                  <a:srgbClr val="FF0000"/>
+                </a:solidFill>
+              </a:rPr>
+              <a:t>moving large amounts of log data</a:t>
+            </a:r>
+            <a:r>
+              <a:rPr lang="en-US" sz="1400"/>
+              <a:t>. </a:t>
+            </a:r>
+          </a:p>
+          <a:p>
+            <a:endParaRPr lang="en-US" sz="1400"/>
+          </a:p>
+          <a:p>
             <a:pPr marL="285750" indent="-285750">
               <a:buFont typeface="Arial" panose="020B0604020202020204" pitchFamily="34" charset="0"/>
               <a:buChar char="•"/>
             </a:pPr>
+            <a:r>
+              <a:rPr lang="en-US" sz="1400"/>
+              <a:t>It has a simple and flexible architecture based on streaming data flows. </a:t>
+            </a:r>
+          </a:p>
+          <a:p>
+            <a:pPr marL="285750" indent="-285750">
+              <a:buFont typeface="Arial" panose="020B0604020202020204" pitchFamily="34" charset="0"/>
+              <a:buChar char="•"/>
+            </a:pPr>
+            <a:r>
+              <a:rPr lang="en-US" sz="1400"/>
+              <a:t>It is robust and fault tolerant with tunable reliability mechanisms and many failover and recovery mechanisms. </a:t>
+            </a:r>
+          </a:p>
+          <a:p>
+            <a:pPr marL="285750" indent="-285750">
+              <a:buFont typeface="Arial" panose="020B0604020202020204" pitchFamily="34" charset="0"/>
+              <a:buChar char="•"/>
+            </a:pPr>
+            <a:r>
+              <a:rPr lang="en-US" sz="1400"/>
+              <a:t>It uses a simple extensible data model that allows for online analytic application.</a:t>
+            </a:r>
+          </a:p>
+          <a:p>
+            <a:pPr marL="285750" indent="-285750">
+              <a:buFont typeface="Arial" panose="020B0604020202020204" pitchFamily="34" charset="0"/>
+              <a:buChar char="•"/>
+            </a:pPr>
+            <a:r>
+              <a:rPr lang="en-US" sz="1400"/>
+              <a:t>It is specifically designed for Hadoop</a:t>
+            </a:r>
+          </a:p>
+        </p:txBody>
+      </p:sp>
+      <p:pic>
+        <p:nvPicPr>
+          <p:cNvPr id="4" name="Picture 3">
+            <a:extLst>
+              <a:ext uri="{FF2B5EF4-FFF2-40B4-BE49-F238E27FC236}">
+                <a16:creationId xmlns:a16="http://schemas.microsoft.com/office/drawing/2014/main" id="{4D7A8A8E-D325-B042-A32B-018E927F3967}"/>
+              </a:ext>
+            </a:extLst>
+          </p:cNvPr>
+          <p:cNvPicPr>
+            <a:picLocks noChangeAspect="1"/>
+          </p:cNvPicPr>
+          <p:nvPr/>
+        </p:nvPicPr>
+        <p:blipFill>
+          <a:blip r:embed="rId2" cstate="email">
+            <a:extLst>
+              <a:ext uri="{28A0092B-C50C-407E-A947-70E740481C1C}">
+                <a14:useLocalDpi xmlns:a14="http://schemas.microsoft.com/office/drawing/2010/main"/>
+              </a:ext>
+            </a:extLst>
+          </a:blip>
+          <a:stretch>
+            <a:fillRect/>
+          </a:stretch>
+        </p:blipFill>
+        <p:spPr>
+          <a:xfrm>
+            <a:off x="9934831" y="98854"/>
+            <a:ext cx="2084173" cy="1587086"/>
+          </a:xfrm>
+          <a:prstGeom prst="rect">
+            <a:avLst/>
+          </a:prstGeom>
+        </p:spPr>
+      </p:pic>
+      <p:sp>
+        <p:nvSpPr>
+          <p:cNvPr id="5" name="TextBox 4">
+            <a:extLst>
+              <a:ext uri="{FF2B5EF4-FFF2-40B4-BE49-F238E27FC236}">
+                <a16:creationId xmlns:a16="http://schemas.microsoft.com/office/drawing/2014/main" id="{F28E3A37-CD3F-9E4C-89E9-D83ED4F6A0D7}"/>
+              </a:ext>
+            </a:extLst>
+          </p:cNvPr>
+          <p:cNvSpPr txBox="1"/>
+          <p:nvPr/>
+        </p:nvSpPr>
+        <p:spPr>
+          <a:xfrm>
+            <a:off x="6314303" y="345989"/>
+            <a:ext cx="3064475" cy="523220"/>
+          </a:xfrm>
+          <a:prstGeom prst="rect">
+            <a:avLst/>
+          </a:prstGeom>
+          <a:noFill/>
+        </p:spPr>
+        <p:txBody>
+          <a:bodyPr wrap="square" rtlCol="0">
+            <a:spAutoFit/>
+          </a:bodyPr>
+          <a:lstStyle/>
+          <a:p>
+            <a:r>
+              <a:rPr lang="en-US" sz="1400"/>
+              <a:t>A </a:t>
+            </a:r>
             <a:r>
               <a:rPr lang="en-US" sz="1400" b="1">
                 <a:solidFill>
                   <a:srgbClr val="00B050"/>
                 </a:solidFill>
               </a:rPr>
-              <a:t>Google Anthos</a:t>
+              <a:t>flume</a:t>
             </a:r>
             <a:r>
               <a:rPr lang="en-US" sz="1400"/>
-              <a:t>  - Uses Google Kubernetes to manage infrastructure and applications across on-premises, edge, and in multiple public clouds, providing integrated security, policy management, visibility. </a:t>
-            </a:r>
-          </a:p>
-          <a:p>
-            <a:pPr marL="285750" indent="-285750">
-              <a:buFont typeface="Arial" panose="020B0604020202020204" pitchFamily="34" charset="0"/>
-              <a:buChar char="•"/>
-            </a:pPr>
-            <a:r>
-              <a:rPr lang="en-US" sz="1400" b="1">
-                <a:solidFill>
-                  <a:srgbClr val="00B050"/>
-                </a:solidFill>
-              </a:rPr>
-              <a:t>Azure Arc</a:t>
-            </a:r>
-            <a:r>
-              <a:rPr lang="en-US" sz="1400"/>
-              <a:t> – Similar to Anthos. Also can use Kubernetes to deploy and manage container-based applications on prem or any cloud. Also helps to organize other resources like Windows and Linux services. Can also support non-kubernetes (edge) environments.</a:t>
-            </a:r>
-          </a:p>
-          <a:p>
-            <a:pPr marL="285750" indent="-285750">
-              <a:buFont typeface="Arial" panose="020B0604020202020204" pitchFamily="34" charset="0"/>
-              <a:buChar char="•"/>
-            </a:pPr>
-            <a:r>
-              <a:rPr lang="en-US" sz="1400" b="1">
-                <a:solidFill>
-                  <a:srgbClr val="00B050"/>
-                </a:solidFill>
-              </a:rPr>
-              <a:t>AWS Outposts</a:t>
-            </a:r>
-            <a:r>
-              <a:rPr lang="en-US" sz="1400"/>
-              <a:t> – AWS provides hardware to be used "on on-premises" as AWS compute and storage (AWS EC2 and EBS). By using only AWS hardware, Outposts effectively prevents multicloud scenarios and even the use of your own hardware. </a:t>
-            </a:r>
-          </a:p>
-          <a:p>
-            <a:pPr marL="285750" indent="-285750">
-              <a:buFont typeface="Arial" panose="020B0604020202020204" pitchFamily="34" charset="0"/>
-              <a:buChar char="•"/>
-            </a:pPr>
-            <a:endParaRPr lang="en-US" sz="1400"/>
-          </a:p>
-          <a:p>
-            <a:endParaRPr lang="en-US" sz="1400"/>
-          </a:p>
-          <a:p>
-            <a:r>
-              <a:rPr lang="en-US" sz="1400">
-                <a:hlinkClick r:id="rId2"/>
-              </a:rPr>
-              <a:t>https://iamondemand.com/blog/google-anthos-azure-arc-aws-outposts-the-race-to-dominate-hybrid-and-multicloud/</a:t>
-            </a:r>
-            <a:endParaRPr lang="en-US" sz="1400"/>
-          </a:p>
-          <a:p>
-            <a:endParaRPr lang="en-US" sz="1400"/>
-          </a:p>
-          <a:p>
-            <a:endParaRPr lang="en-US" sz="1400"/>
-          </a:p>
-        </p:txBody>
-      </p:sp>
-      <p:sp>
-        <p:nvSpPr>
-          <p:cNvPr id="4" name="TextBox 3">
-            <a:extLst>
-              <a:ext uri="{FF2B5EF4-FFF2-40B4-BE49-F238E27FC236}">
-                <a16:creationId xmlns:a16="http://schemas.microsoft.com/office/drawing/2014/main" id="{6275786E-2A50-AB49-A068-9D699F6B6A98}"/>
-              </a:ext>
-            </a:extLst>
-          </p:cNvPr>
-          <p:cNvSpPr txBox="1"/>
-          <p:nvPr/>
-        </p:nvSpPr>
-        <p:spPr>
-          <a:xfrm>
-            <a:off x="276311" y="936169"/>
-            <a:ext cx="3666565" cy="861774"/>
-          </a:xfrm>
-          <a:prstGeom prst="rect">
-            <a:avLst/>
-          </a:prstGeom>
-          <a:noFill/>
-        </p:spPr>
-        <p:txBody>
-          <a:bodyPr wrap="square" rtlCol="0">
-            <a:spAutoFit/>
-          </a:bodyPr>
-          <a:lstStyle/>
-          <a:p>
-            <a:pPr fontAlgn="base"/>
-            <a:r>
-              <a:rPr lang="en-US" b="1">
-                <a:solidFill>
-                  <a:srgbClr val="0070C0"/>
-                </a:solidFill>
-              </a:rPr>
-              <a:t>Two cloud strategies:</a:t>
-            </a:r>
-          </a:p>
-          <a:p>
-            <a:pPr marL="285750" indent="-285750" fontAlgn="base">
-              <a:buFont typeface="Arial" panose="020B0604020202020204" pitchFamily="34" charset="0"/>
-              <a:buChar char="•"/>
-            </a:pPr>
-            <a:r>
-              <a:rPr lang="en-US" sz="1600"/>
-              <a:t>Cloud-First and Single Cloud Provider</a:t>
-            </a:r>
-            <a:endParaRPr lang="en-US" sz="1600" b="1"/>
-          </a:p>
-          <a:p>
-            <a:pPr marL="285750" indent="-285750">
-              <a:buFont typeface="Arial" panose="020B0604020202020204" pitchFamily="34" charset="0"/>
-              <a:buChar char="•"/>
-            </a:pPr>
-            <a:r>
-              <a:rPr lang="en-US" sz="1600"/>
-              <a:t>Hybrid and Multicloud</a:t>
-            </a:r>
-            <a:endParaRPr lang="en-US" sz="1600" b="1"/>
+              <a:t> is a man-made gravity chute for water, with raised walls.</a:t>
+            </a:r>
           </a:p>
         </p:txBody>
       </p:sp>
       <p:pic>
         <p:nvPicPr>
-          <p:cNvPr id="5" name="Picture 4">
-            <a:extLst>
-              <a:ext uri="{FF2B5EF4-FFF2-40B4-BE49-F238E27FC236}">
-                <a16:creationId xmlns:a16="http://schemas.microsoft.com/office/drawing/2014/main" id="{B0F41EA6-F66B-D24C-80D8-B4712CC0C863}"/>
+          <p:cNvPr id="6" name="Picture 5">
+            <a:extLst>
+              <a:ext uri="{FF2B5EF4-FFF2-40B4-BE49-F238E27FC236}">
+                <a16:creationId xmlns:a16="http://schemas.microsoft.com/office/drawing/2014/main" id="{D6DD2DFA-6592-9D43-8459-3F51F4CB2123}"/>
               </a:ext>
             </a:extLst>
           </p:cNvPr>
@@ -6273,55 +6419,20 @@
         </p:blipFill>
         <p:spPr>
           <a:xfrm>
-            <a:off x="7755220" y="2943185"/>
-            <a:ext cx="3022600" cy="1384300"/>
+            <a:off x="6314303" y="1298898"/>
+            <a:ext cx="3248782" cy="2110603"/>
           </a:xfrm>
           <a:prstGeom prst="rect">
             <a:avLst/>
           </a:prstGeom>
         </p:spPr>
       </p:pic>
-      <p:sp>
-        <p:nvSpPr>
-          <p:cNvPr id="6" name="TextBox 5">
-            <a:extLst>
-              <a:ext uri="{FF2B5EF4-FFF2-40B4-BE49-F238E27FC236}">
-                <a16:creationId xmlns:a16="http://schemas.microsoft.com/office/drawing/2014/main" id="{F48A9057-F151-9249-B87C-D2FB519A936E}"/>
-              </a:ext>
-            </a:extLst>
-          </p:cNvPr>
-          <p:cNvSpPr txBox="1"/>
-          <p:nvPr/>
-        </p:nvSpPr>
-        <p:spPr>
-          <a:xfrm>
-            <a:off x="7746786" y="2584347"/>
-            <a:ext cx="3528392" cy="369332"/>
-          </a:xfrm>
-          <a:prstGeom prst="rect">
-            <a:avLst/>
-          </a:prstGeom>
-          <a:noFill/>
-        </p:spPr>
-        <p:txBody>
-          <a:bodyPr wrap="square" rtlCol="0">
-            <a:spAutoFit/>
-          </a:bodyPr>
-          <a:lstStyle/>
-          <a:p>
-            <a:r>
-              <a:rPr lang="en-US"/>
-              <a:t>Azure Arc – Kubernetes deployment</a:t>
-            </a:r>
-          </a:p>
-        </p:txBody>
-      </p:sp>
       <p:pic>
         <p:nvPicPr>
           <p:cNvPr id="7" name="Picture 6">
             <a:extLst>
               <a:ext uri="{FF2B5EF4-FFF2-40B4-BE49-F238E27FC236}">
-                <a16:creationId xmlns:a16="http://schemas.microsoft.com/office/drawing/2014/main" id="{A10AEF23-D853-B349-822D-226C1CF66FF7}"/>
+                <a16:creationId xmlns:a16="http://schemas.microsoft.com/office/drawing/2014/main" id="{48CE3ABE-0B19-6E45-A971-EC5CC22F351B}"/>
               </a:ext>
             </a:extLst>
           </p:cNvPr>
@@ -6344,94 +6455,20 @@
         </p:blipFill>
         <p:spPr>
           <a:xfrm>
-            <a:off x="6667500" y="72420"/>
-            <a:ext cx="3091645" cy="1989467"/>
+            <a:off x="7754386" y="3743818"/>
+            <a:ext cx="3248783" cy="2110604"/>
           </a:xfrm>
           <a:prstGeom prst="rect">
             <a:avLst/>
           </a:prstGeom>
         </p:spPr>
       </p:pic>
-      <p:sp>
-        <p:nvSpPr>
-          <p:cNvPr id="8" name="TextBox 7">
-            <a:extLst>
-              <a:ext uri="{FF2B5EF4-FFF2-40B4-BE49-F238E27FC236}">
-                <a16:creationId xmlns:a16="http://schemas.microsoft.com/office/drawing/2014/main" id="{B94D988F-0B5C-9B43-9A49-DF1F77FE5890}"/>
-              </a:ext>
-            </a:extLst>
-          </p:cNvPr>
-          <p:cNvSpPr txBox="1"/>
-          <p:nvPr/>
-        </p:nvSpPr>
-        <p:spPr>
-          <a:xfrm>
-            <a:off x="8612412" y="165844"/>
-            <a:ext cx="1042202" cy="369332"/>
-          </a:xfrm>
-          <a:prstGeom prst="rect">
-            <a:avLst/>
-          </a:prstGeom>
-          <a:noFill/>
-        </p:spPr>
-        <p:txBody>
-          <a:bodyPr wrap="square" rtlCol="0">
-            <a:spAutoFit/>
-          </a:bodyPr>
-          <a:lstStyle/>
-          <a:p>
-            <a:r>
-              <a:rPr lang="en-US" b="1">
-                <a:solidFill>
-                  <a:srgbClr val="00B050"/>
-                </a:solidFill>
-              </a:rPr>
-              <a:t>Anthos</a:t>
-            </a:r>
-          </a:p>
-        </p:txBody>
-      </p:sp>
-      <p:sp>
-        <p:nvSpPr>
-          <p:cNvPr id="10" name="TextBox 9">
-            <a:extLst>
-              <a:ext uri="{FF2B5EF4-FFF2-40B4-BE49-F238E27FC236}">
-                <a16:creationId xmlns:a16="http://schemas.microsoft.com/office/drawing/2014/main" id="{987E85AE-45C4-5F47-882A-CED23E111C0A}"/>
-              </a:ext>
-            </a:extLst>
-          </p:cNvPr>
-          <p:cNvSpPr txBox="1"/>
-          <p:nvPr/>
-        </p:nvSpPr>
-        <p:spPr>
-          <a:xfrm>
-            <a:off x="5928072" y="4699532"/>
-            <a:ext cx="1615676" cy="369332"/>
-          </a:xfrm>
-          <a:prstGeom prst="rect">
-            <a:avLst/>
-          </a:prstGeom>
-          <a:noFill/>
-        </p:spPr>
-        <p:txBody>
-          <a:bodyPr wrap="square" rtlCol="0">
-            <a:spAutoFit/>
-          </a:bodyPr>
-          <a:lstStyle/>
-          <a:p>
-            <a:r>
-              <a:rPr lang="en-US"/>
-              <a:t>AWS Outpots</a:t>
-            </a:r>
-          </a:p>
-        </p:txBody>
-      </p:sp>
       <p:pic>
         <p:nvPicPr>
-          <p:cNvPr id="11" name="Picture 10">
-            <a:extLst>
-              <a:ext uri="{FF2B5EF4-FFF2-40B4-BE49-F238E27FC236}">
-                <a16:creationId xmlns:a16="http://schemas.microsoft.com/office/drawing/2014/main" id="{41A1F5A0-5F7D-CA4A-822A-033D561DE051}"/>
+          <p:cNvPr id="8" name="Picture 7">
+            <a:extLst>
+              <a:ext uri="{FF2B5EF4-FFF2-40B4-BE49-F238E27FC236}">
+                <a16:creationId xmlns:a16="http://schemas.microsoft.com/office/drawing/2014/main" id="{D83EDB64-637C-9341-8FFB-22DA753197B1}"/>
               </a:ext>
             </a:extLst>
           </p:cNvPr>
@@ -6454,8 +6491,8 @@
         </p:blipFill>
         <p:spPr>
           <a:xfrm>
-            <a:off x="7351061" y="4780739"/>
-            <a:ext cx="808318" cy="2004841"/>
+            <a:off x="325382" y="3132219"/>
+            <a:ext cx="4650283" cy="1999564"/>
           </a:xfrm>
           <a:prstGeom prst="rect">
             <a:avLst/>
@@ -6464,10 +6501,10 @@
       </p:pic>
       <p:sp>
         <p:nvSpPr>
-          <p:cNvPr id="12" name="TextBox 11">
-            <a:extLst>
-              <a:ext uri="{FF2B5EF4-FFF2-40B4-BE49-F238E27FC236}">
-                <a16:creationId xmlns:a16="http://schemas.microsoft.com/office/drawing/2014/main" id="{0CE89CE3-DBC4-FA47-9EDA-5014B1A5A7F6}"/>
+          <p:cNvPr id="9" name="TextBox 8">
+            <a:extLst>
+              <a:ext uri="{FF2B5EF4-FFF2-40B4-BE49-F238E27FC236}">
+                <a16:creationId xmlns:a16="http://schemas.microsoft.com/office/drawing/2014/main" id="{F7E64137-2C00-BB43-8868-CEFDB6678580}"/>
               </a:ext>
             </a:extLst>
           </p:cNvPr>
@@ -6476,8 +6513,8 @@
         </p:nvSpPr>
         <p:spPr>
           <a:xfrm>
-            <a:off x="5928072" y="5153479"/>
-            <a:ext cx="1401451" cy="523220"/>
+            <a:off x="172995" y="5205176"/>
+            <a:ext cx="5338119" cy="1384995"/>
           </a:xfrm>
           <a:prstGeom prst="rect">
             <a:avLst/>
@@ -6492,48 +6529,67 @@
           <a:p>
             <a:r>
               <a:rPr lang="en-US" sz="1400"/>
-              <a:t>Standard racks</a:t>
-            </a:r>
-          </a:p>
-          <a:p>
+              <a:t>Flume vs Kafka:</a:t>
+            </a:r>
+          </a:p>
+          <a:p>
+            <a:pPr marL="285750" indent="-285750">
+              <a:buFont typeface="Arial" panose="020B0604020202020204" pitchFamily="34" charset="0"/>
+              <a:buChar char="•"/>
+            </a:pPr>
+            <a:r>
+              <a:rPr lang="en-US" sz="1400" b="1">
+                <a:solidFill>
+                  <a:srgbClr val="FF0000"/>
+                </a:solidFill>
+              </a:rPr>
+              <a:t>Kafka</a:t>
+            </a:r>
             <a:r>
               <a:rPr lang="en-US" sz="1400"/>
-              <a:t>installed by AWS</a:t>
-            </a:r>
-          </a:p>
-        </p:txBody>
-      </p:sp>
-      <p:sp>
-        <p:nvSpPr>
-          <p:cNvPr id="13" name="TextBox 12">
-            <a:extLst>
-              <a:ext uri="{FF2B5EF4-FFF2-40B4-BE49-F238E27FC236}">
-                <a16:creationId xmlns:a16="http://schemas.microsoft.com/office/drawing/2014/main" id="{F439326A-62D1-304A-84AD-99302C8C9A00}"/>
-              </a:ext>
-            </a:extLst>
-          </p:cNvPr>
-          <p:cNvSpPr txBox="1"/>
-          <p:nvPr/>
-        </p:nvSpPr>
-        <p:spPr>
-          <a:xfrm>
-            <a:off x="8612412" y="438960"/>
-            <a:ext cx="2501410" cy="369332"/>
-          </a:xfrm>
-          <a:prstGeom prst="rect">
-            <a:avLst/>
-          </a:prstGeom>
-          <a:noFill/>
-        </p:spPr>
-        <p:txBody>
-          <a:bodyPr wrap="square" rtlCol="0">
-            <a:spAutoFit/>
-          </a:bodyPr>
-          <a:lstStyle/>
-          <a:p>
-            <a:r>
-              <a:rPr lang="en-US"/>
-              <a:t>Kubernetes deployment</a:t>
+              <a:t> uses </a:t>
+            </a:r>
+            <a:r>
+              <a:rPr lang="en-US" sz="1400" b="1">
+                <a:solidFill>
+                  <a:srgbClr val="FF0000"/>
+                </a:solidFill>
+              </a:rPr>
+              <a:t>"pull" model</a:t>
+            </a:r>
+            <a:r>
+              <a:rPr lang="en-US" sz="1400"/>
+              <a:t>, fault tollerant, easy to scale, can handle high volume in real time</a:t>
+            </a:r>
+          </a:p>
+          <a:p>
+            <a:pPr marL="285750" indent="-285750">
+              <a:buFont typeface="Arial" panose="020B0604020202020204" pitchFamily="34" charset="0"/>
+              <a:buChar char="•"/>
+            </a:pPr>
+            <a:r>
+              <a:rPr lang="en-US" sz="1400" b="1">
+                <a:solidFill>
+                  <a:srgbClr val="FF0000"/>
+                </a:solidFill>
+              </a:rPr>
+              <a:t>Flume</a:t>
+            </a:r>
+            <a:r>
+              <a:rPr lang="en-US" sz="1400"/>
+              <a:t> uses </a:t>
+            </a:r>
+            <a:r>
+              <a:rPr lang="en-US" sz="1400" b="1">
+                <a:solidFill>
+                  <a:srgbClr val="FF0000"/>
+                </a:solidFill>
+              </a:rPr>
+              <a:t>"push" model</a:t>
+            </a:r>
+            <a:r>
+              <a:rPr lang="en-US" sz="1400"/>
+              <a:t>, not easily scalable, designed specifically to collect logs from distributed system, designed specifically for Hadoop, not fault tollerant - may lose data if one of agents fails</a:t>
             </a:r>
           </a:p>
         </p:txBody>
@@ -6541,7 +6597,7 @@
     </p:spTree>
     <p:extLst>
       <p:ext uri="{BB962C8B-B14F-4D97-AF65-F5344CB8AC3E}">
-        <p14:creationId xmlns:p14="http://schemas.microsoft.com/office/powerpoint/2010/main" val="3298736656"/>
+        <p14:creationId xmlns:p14="http://schemas.microsoft.com/office/powerpoint/2010/main" val="3023264508"/>
       </p:ext>
     </p:extLst>
   </p:cSld>

--- a/DA_13_miscellaneous.pptx
+++ b/DA_13_miscellaneous.pptx
@@ -5,7 +5,7 @@
     <p:sldMasterId id="2147483648" r:id="rId1"/>
   </p:sldMasterIdLst>
   <p:notesMasterIdLst>
-    <p:notesMasterId r:id="rId7"/>
+    <p:notesMasterId r:id="rId8"/>
   </p:notesMasterIdLst>
   <p:sldIdLst>
     <p:sldId id="260" r:id="rId2"/>
@@ -13,6 +13,7 @@
     <p:sldId id="256" r:id="rId4"/>
     <p:sldId id="257" r:id="rId5"/>
     <p:sldId id="259" r:id="rId6"/>
+    <p:sldId id="261" r:id="rId7"/>
   </p:sldIdLst>
   <p:sldSz cx="12192000" cy="6858000"/>
   <p:notesSz cx="6858000" cy="9144000"/>
@@ -201,7 +202,7 @@
           <a:p>
             <a:fld id="{C2E15B94-D9E4-E149-8081-23A720D1EE5F}" type="datetimeFigureOut">
               <a:rPr lang="en-US" smtClean="0"/>
-              <a:t>11/26/21</a:t>
+              <a:t>12/1/21</a:t>
             </a:fld>
             <a:endParaRPr lang="en-US"/>
           </a:p>
@@ -615,7 +616,7 @@
           <a:p>
             <a:fld id="{FBD852D7-E694-214E-8A12-510E0A0329D2}" type="datetimeFigureOut">
               <a:rPr lang="en-US" smtClean="0"/>
-              <a:t>11/26/21</a:t>
+              <a:t>12/1/21</a:t>
             </a:fld>
             <a:endParaRPr lang="en-US"/>
           </a:p>
@@ -813,7 +814,7 @@
           <a:p>
             <a:fld id="{FBD852D7-E694-214E-8A12-510E0A0329D2}" type="datetimeFigureOut">
               <a:rPr lang="en-US" smtClean="0"/>
-              <a:t>11/26/21</a:t>
+              <a:t>12/1/21</a:t>
             </a:fld>
             <a:endParaRPr lang="en-US"/>
           </a:p>
@@ -1021,7 +1022,7 @@
           <a:p>
             <a:fld id="{FBD852D7-E694-214E-8A12-510E0A0329D2}" type="datetimeFigureOut">
               <a:rPr lang="en-US" smtClean="0"/>
-              <a:t>11/26/21</a:t>
+              <a:t>12/1/21</a:t>
             </a:fld>
             <a:endParaRPr lang="en-US"/>
           </a:p>
@@ -1219,7 +1220,7 @@
           <a:p>
             <a:fld id="{FBD852D7-E694-214E-8A12-510E0A0329D2}" type="datetimeFigureOut">
               <a:rPr lang="en-US" smtClean="0"/>
-              <a:t>11/26/21</a:t>
+              <a:t>12/1/21</a:t>
             </a:fld>
             <a:endParaRPr lang="en-US"/>
           </a:p>
@@ -1494,7 +1495,7 @@
           <a:p>
             <a:fld id="{FBD852D7-E694-214E-8A12-510E0A0329D2}" type="datetimeFigureOut">
               <a:rPr lang="en-US" smtClean="0"/>
-              <a:t>11/26/21</a:t>
+              <a:t>12/1/21</a:t>
             </a:fld>
             <a:endParaRPr lang="en-US"/>
           </a:p>
@@ -1759,7 +1760,7 @@
           <a:p>
             <a:fld id="{FBD852D7-E694-214E-8A12-510E0A0329D2}" type="datetimeFigureOut">
               <a:rPr lang="en-US" smtClean="0"/>
-              <a:t>11/26/21</a:t>
+              <a:t>12/1/21</a:t>
             </a:fld>
             <a:endParaRPr lang="en-US"/>
           </a:p>
@@ -2171,7 +2172,7 @@
           <a:p>
             <a:fld id="{FBD852D7-E694-214E-8A12-510E0A0329D2}" type="datetimeFigureOut">
               <a:rPr lang="en-US" smtClean="0"/>
-              <a:t>11/26/21</a:t>
+              <a:t>12/1/21</a:t>
             </a:fld>
             <a:endParaRPr lang="en-US"/>
           </a:p>
@@ -2312,7 +2313,7 @@
           <a:p>
             <a:fld id="{FBD852D7-E694-214E-8A12-510E0A0329D2}" type="datetimeFigureOut">
               <a:rPr lang="en-US" smtClean="0"/>
-              <a:t>11/26/21</a:t>
+              <a:t>12/1/21</a:t>
             </a:fld>
             <a:endParaRPr lang="en-US"/>
           </a:p>
@@ -2425,7 +2426,7 @@
           <a:p>
             <a:fld id="{FBD852D7-E694-214E-8A12-510E0A0329D2}" type="datetimeFigureOut">
               <a:rPr lang="en-US" smtClean="0"/>
-              <a:t>11/26/21</a:t>
+              <a:t>12/1/21</a:t>
             </a:fld>
             <a:endParaRPr lang="en-US"/>
           </a:p>
@@ -2736,7 +2737,7 @@
           <a:p>
             <a:fld id="{FBD852D7-E694-214E-8A12-510E0A0329D2}" type="datetimeFigureOut">
               <a:rPr lang="en-US" smtClean="0"/>
-              <a:t>11/26/21</a:t>
+              <a:t>12/1/21</a:t>
             </a:fld>
             <a:endParaRPr lang="en-US"/>
           </a:p>
@@ -3024,7 +3025,7 @@
           <a:p>
             <a:fld id="{FBD852D7-E694-214E-8A12-510E0A0329D2}" type="datetimeFigureOut">
               <a:rPr lang="en-US" smtClean="0"/>
-              <a:t>11/26/21</a:t>
+              <a:t>12/1/21</a:t>
             </a:fld>
             <a:endParaRPr lang="en-US"/>
           </a:p>
@@ -3265,7 +3266,7 @@
           <a:p>
             <a:fld id="{FBD852D7-E694-214E-8A12-510E0A0329D2}" type="datetimeFigureOut">
               <a:rPr lang="en-US" smtClean="0"/>
-              <a:t>11/26/21</a:t>
+              <a:t>12/1/21</a:t>
             </a:fld>
             <a:endParaRPr lang="en-US"/>
           </a:p>
@@ -6598,6 +6599,485 @@
     <p:extLst>
       <p:ext uri="{BB962C8B-B14F-4D97-AF65-F5344CB8AC3E}">
         <p14:creationId xmlns:p14="http://schemas.microsoft.com/office/powerpoint/2010/main" val="3023264508"/>
+      </p:ext>
+    </p:extLst>
+  </p:cSld>
+  <p:clrMapOvr>
+    <a:masterClrMapping/>
+  </p:clrMapOvr>
+</p:sld>
+</file>
+
+<file path=ppt/slides/slide6.xml><?xml version="1.0" encoding="utf-8"?>
+<p:sld xmlns:a="http://schemas.openxmlformats.org/drawingml/2006/main" xmlns:r="http://schemas.openxmlformats.org/officeDocument/2006/relationships" xmlns:p="http://schemas.openxmlformats.org/presentationml/2006/main">
+  <p:cSld>
+    <p:spTree>
+      <p:nvGrpSpPr>
+        <p:cNvPr id="1" name=""/>
+        <p:cNvGrpSpPr/>
+        <p:nvPr/>
+      </p:nvGrpSpPr>
+      <p:grpSpPr>
+        <a:xfrm>
+          <a:off x="0" y="0"/>
+          <a:ext cx="0" cy="0"/>
+          <a:chOff x="0" y="0"/>
+          <a:chExt cx="0" cy="0"/>
+        </a:xfrm>
+      </p:grpSpPr>
+      <p:sp>
+        <p:nvSpPr>
+          <p:cNvPr id="2" name="TextBox 1">
+            <a:extLst>
+              <a:ext uri="{FF2B5EF4-FFF2-40B4-BE49-F238E27FC236}">
+                <a16:creationId xmlns:a16="http://schemas.microsoft.com/office/drawing/2014/main" id="{D5D7F0D4-1872-B741-B938-FEB2B3928DAF}"/>
+              </a:ext>
+            </a:extLst>
+          </p:cNvPr>
+          <p:cNvSpPr txBox="1"/>
+          <p:nvPr/>
+        </p:nvSpPr>
+        <p:spPr>
+          <a:xfrm>
+            <a:off x="-1" y="0"/>
+            <a:ext cx="5391397" cy="523220"/>
+          </a:xfrm>
+          <a:prstGeom prst="rect">
+            <a:avLst/>
+          </a:prstGeom>
+          <a:noFill/>
+        </p:spPr>
+        <p:txBody>
+          <a:bodyPr wrap="square" rtlCol="0">
+            <a:spAutoFit/>
+          </a:bodyPr>
+          <a:lstStyle/>
+          <a:p>
+            <a:r>
+              <a:rPr lang="en-US" sz="2800" b="1"/>
+              <a:t>Azure Data Explorer, Kusto, KQL</a:t>
+            </a:r>
+          </a:p>
+        </p:txBody>
+      </p:sp>
+      <p:sp>
+        <p:nvSpPr>
+          <p:cNvPr id="4" name="TextBox 3">
+            <a:extLst>
+              <a:ext uri="{FF2B5EF4-FFF2-40B4-BE49-F238E27FC236}">
+                <a16:creationId xmlns:a16="http://schemas.microsoft.com/office/drawing/2014/main" id="{F96A6A6F-3037-BB40-A0DF-C20FE6708D70}"/>
+              </a:ext>
+            </a:extLst>
+          </p:cNvPr>
+          <p:cNvSpPr txBox="1"/>
+          <p:nvPr/>
+        </p:nvSpPr>
+        <p:spPr>
+          <a:xfrm>
+            <a:off x="106878" y="523220"/>
+            <a:ext cx="5700156" cy="6247864"/>
+          </a:xfrm>
+          <a:prstGeom prst="rect">
+            <a:avLst/>
+          </a:prstGeom>
+          <a:noFill/>
+        </p:spPr>
+        <p:txBody>
+          <a:bodyPr wrap="square" rtlCol="0">
+            <a:spAutoFit/>
+          </a:bodyPr>
+          <a:lstStyle/>
+          <a:p>
+            <a:r>
+              <a:rPr lang="en-US" sz="1600"/>
+              <a:t>In 2014 – Israeli Microsoft Research group started project "</a:t>
+            </a:r>
+            <a:r>
+              <a:rPr lang="en-US" sz="1600" b="1">
+                <a:solidFill>
+                  <a:srgbClr val="FF0000"/>
+                </a:solidFill>
+              </a:rPr>
+              <a:t>Kusto</a:t>
+            </a:r>
+            <a:r>
+              <a:rPr lang="en-US" sz="1600"/>
+              <a:t>" aiming to create analytics on top of Azure log and telemetry data.</a:t>
+            </a:r>
+          </a:p>
+          <a:p>
+            <a:r>
+              <a:rPr lang="en-US" sz="1600"/>
+              <a:t>The name "</a:t>
+            </a:r>
+            <a:r>
+              <a:rPr lang="en-US" sz="1600" b="1">
+                <a:solidFill>
+                  <a:srgbClr val="FF0000"/>
+                </a:solidFill>
+              </a:rPr>
+              <a:t>Kusto</a:t>
+            </a:r>
+            <a:r>
+              <a:rPr lang="en-US" sz="1600"/>
+              <a:t>" comes after </a:t>
+            </a:r>
+            <a:r>
+              <a:rPr lang="en-US" sz="1600" b="1">
+                <a:solidFill>
+                  <a:srgbClr val="FF0000"/>
+                </a:solidFill>
+              </a:rPr>
+              <a:t>Jacques Cousteau</a:t>
+            </a:r>
+            <a:r>
+              <a:rPr lang="en-US" sz="1600"/>
+              <a:t>, "the father of scuba diving", as a reference to "exploring the ocean of data".</a:t>
+            </a:r>
+          </a:p>
+          <a:p>
+            <a:endParaRPr lang="en-US" sz="1600"/>
+          </a:p>
+          <a:p>
+            <a:r>
+              <a:rPr lang="en-US" sz="1600"/>
+              <a:t>Later </a:t>
+            </a:r>
+            <a:r>
+              <a:rPr lang="en-US" sz="1600" b="1">
+                <a:solidFill>
+                  <a:srgbClr val="FF0000"/>
+                </a:solidFill>
+              </a:rPr>
+              <a:t>Kusto</a:t>
+            </a:r>
+            <a:r>
+              <a:rPr lang="en-US" sz="1600"/>
+              <a:t> project was renamed as "</a:t>
+            </a:r>
+            <a:r>
+              <a:rPr lang="en-US" sz="1600" b="1">
+                <a:solidFill>
+                  <a:srgbClr val="FF0000"/>
+                </a:solidFill>
+              </a:rPr>
+              <a:t>Azure Data Explorer</a:t>
+            </a:r>
+            <a:r>
+              <a:rPr lang="en-US" sz="1600"/>
+              <a:t>" (</a:t>
+            </a:r>
+            <a:r>
+              <a:rPr lang="en-US" sz="1600" b="1">
+                <a:solidFill>
+                  <a:srgbClr val="FF0000"/>
+                </a:solidFill>
+              </a:rPr>
+              <a:t>ADE</a:t>
+            </a:r>
+            <a:r>
+              <a:rPr lang="en-US" sz="1600"/>
+              <a:t>).</a:t>
+            </a:r>
+          </a:p>
+          <a:p>
+            <a:r>
+              <a:rPr lang="en-US" sz="1600"/>
+              <a:t>In 2016 it has become the backend big-data and analytics service for </a:t>
+            </a:r>
+            <a:r>
+              <a:rPr lang="en-US" sz="1600" b="1">
+                <a:solidFill>
+                  <a:srgbClr val="FF0000"/>
+                </a:solidFill>
+              </a:rPr>
+              <a:t>Application Insights Analytics</a:t>
+            </a:r>
+            <a:r>
+              <a:rPr lang="en-US" sz="1600"/>
+              <a:t>. In 2019 it has become generally available on Azure Cloud as PaaS (Platform as a Service).</a:t>
+            </a:r>
+          </a:p>
+          <a:p>
+            <a:endParaRPr lang="en-US" sz="1600"/>
+          </a:p>
+          <a:p>
+            <a:r>
+              <a:rPr lang="en-US" sz="1600" b="1">
+                <a:solidFill>
+                  <a:srgbClr val="FF0000"/>
+                </a:solidFill>
+              </a:rPr>
+              <a:t>ADE</a:t>
+            </a:r>
+            <a:r>
+              <a:rPr lang="en-US" sz="1600"/>
+              <a:t> is basically a distributed </a:t>
+            </a:r>
+            <a:r>
+              <a:rPr lang="en-US" sz="1600" b="1">
+                <a:solidFill>
+                  <a:srgbClr val="FF0000"/>
+                </a:solidFill>
+              </a:rPr>
+              <a:t>relational database</a:t>
+            </a:r>
+            <a:r>
+              <a:rPr lang="en-US" sz="1600"/>
+              <a:t>. It has databases, tables, functions, and columns. It supports calculated columns, searching and filtering on rows, group by-aggregates and joins. Note – there are no unique keys.</a:t>
+            </a:r>
+          </a:p>
+          <a:p>
+            <a:endParaRPr lang="en-US" sz="1600"/>
+          </a:p>
+          <a:p>
+            <a:r>
+              <a:rPr lang="en-US" sz="1600" b="1">
+                <a:solidFill>
+                  <a:srgbClr val="FF0000"/>
+                </a:solidFill>
+              </a:rPr>
+              <a:t>ADE</a:t>
+            </a:r>
+            <a:r>
+              <a:rPr lang="en-US" sz="1600"/>
+              <a:t> can use different types of data: structured data (CSV, Parquet files), log and telemetry files, JSON files, free text (unstructured data)</a:t>
+            </a:r>
+          </a:p>
+          <a:p>
+            <a:endParaRPr lang="en-US" sz="1600"/>
+          </a:p>
+          <a:p>
+            <a:r>
+              <a:rPr lang="en-US" sz="1600" b="1">
+                <a:solidFill>
+                  <a:srgbClr val="FF0000"/>
+                </a:solidFill>
+              </a:rPr>
+              <a:t>ADE</a:t>
+            </a:r>
+            <a:r>
+              <a:rPr lang="en-US" sz="1600"/>
+              <a:t> uses </a:t>
+            </a:r>
+            <a:r>
+              <a:rPr lang="en-US" sz="1600" b="1">
+                <a:solidFill>
+                  <a:srgbClr val="FF0000"/>
+                </a:solidFill>
+              </a:rPr>
+              <a:t>KQL</a:t>
+            </a:r>
+            <a:r>
+              <a:rPr lang="en-US" sz="1600"/>
+              <a:t> = Kusto Query Language (query only, no changing data)</a:t>
+            </a:r>
+          </a:p>
+          <a:p>
+            <a:r>
+              <a:rPr lang="en-US" sz="1600" b="1">
+                <a:solidFill>
+                  <a:srgbClr val="FF0000"/>
+                </a:solidFill>
+              </a:rPr>
+              <a:t>KQL</a:t>
+            </a:r>
+            <a:r>
+              <a:rPr lang="en-US" sz="1600"/>
+              <a:t> is also used in </a:t>
+            </a:r>
+            <a:r>
+              <a:rPr lang="en-US" sz="1600" b="1">
+                <a:solidFill>
+                  <a:srgbClr val="FF0000"/>
+                </a:solidFill>
+              </a:rPr>
+              <a:t>CMPivot</a:t>
+            </a:r>
+            <a:r>
+              <a:rPr lang="en-US" sz="1600"/>
+              <a:t> tool (real-time state of devices).</a:t>
+            </a:r>
+          </a:p>
+          <a:p>
+            <a:endParaRPr lang="en-US" sz="1600"/>
+          </a:p>
+          <a:p>
+            <a:r>
+              <a:rPr lang="en-US" sz="1600" b="1">
+                <a:solidFill>
+                  <a:srgbClr val="FF0000"/>
+                </a:solidFill>
+              </a:rPr>
+              <a:t>ADE</a:t>
+            </a:r>
+            <a:r>
+              <a:rPr lang="en-US" sz="1600"/>
+              <a:t> does indexing (including full text indexing). It also has </a:t>
+            </a:r>
+            <a:r>
+              <a:rPr lang="en-US" sz="1600" b="1">
+                <a:solidFill>
+                  <a:srgbClr val="FF0000"/>
+                </a:solidFill>
+              </a:rPr>
+              <a:t>time series analysis</a:t>
+            </a:r>
+            <a:r>
+              <a:rPr lang="en-US" sz="1600"/>
+              <a:t> capabilities, regular expressions.</a:t>
+            </a:r>
+          </a:p>
+        </p:txBody>
+      </p:sp>
+      <p:pic>
+        <p:nvPicPr>
+          <p:cNvPr id="5" name="Picture 4">
+            <a:extLst>
+              <a:ext uri="{FF2B5EF4-FFF2-40B4-BE49-F238E27FC236}">
+                <a16:creationId xmlns:a16="http://schemas.microsoft.com/office/drawing/2014/main" id="{114FCDD6-E2FA-C74E-8D55-9E79FF750496}"/>
+              </a:ext>
+            </a:extLst>
+          </p:cNvPr>
+          <p:cNvPicPr>
+            <a:picLocks noChangeAspect="1"/>
+          </p:cNvPicPr>
+          <p:nvPr/>
+        </p:nvPicPr>
+        <p:blipFill>
+          <a:blip r:embed="rId2" cstate="email">
+            <a:extLst>
+              <a:ext uri="{28A0092B-C50C-407E-A947-70E740481C1C}">
+                <a14:useLocalDpi xmlns:a14="http://schemas.microsoft.com/office/drawing/2010/main"/>
+              </a:ext>
+            </a:extLst>
+          </a:blip>
+          <a:stretch>
+            <a:fillRect/>
+          </a:stretch>
+        </p:blipFill>
+        <p:spPr>
+          <a:xfrm>
+            <a:off x="9650392" y="85738"/>
+            <a:ext cx="1753589" cy="2424716"/>
+          </a:xfrm>
+          <a:prstGeom prst="rect">
+            <a:avLst/>
+          </a:prstGeom>
+        </p:spPr>
+      </p:pic>
+      <p:sp>
+        <p:nvSpPr>
+          <p:cNvPr id="6" name="TextBox 5">
+            <a:extLst>
+              <a:ext uri="{FF2B5EF4-FFF2-40B4-BE49-F238E27FC236}">
+                <a16:creationId xmlns:a16="http://schemas.microsoft.com/office/drawing/2014/main" id="{E52BC925-4F87-D845-939B-DF555E59584D}"/>
+              </a:ext>
+            </a:extLst>
+          </p:cNvPr>
+          <p:cNvSpPr txBox="1"/>
+          <p:nvPr/>
+        </p:nvSpPr>
+        <p:spPr>
+          <a:xfrm>
+            <a:off x="9498486" y="2510454"/>
+            <a:ext cx="2057400" cy="369332"/>
+          </a:xfrm>
+          <a:prstGeom prst="rect">
+            <a:avLst/>
+          </a:prstGeom>
+          <a:noFill/>
+        </p:spPr>
+        <p:txBody>
+          <a:bodyPr wrap="square" rtlCol="0">
+            <a:spAutoFit/>
+          </a:bodyPr>
+          <a:lstStyle/>
+          <a:p>
+            <a:pPr algn="ctr"/>
+            <a:r>
+              <a:rPr lang="en-US"/>
+              <a:t>Jacques Cousteau</a:t>
+            </a:r>
+          </a:p>
+        </p:txBody>
+      </p:sp>
+      <p:pic>
+        <p:nvPicPr>
+          <p:cNvPr id="7" name="Picture 6">
+            <a:extLst>
+              <a:ext uri="{FF2B5EF4-FFF2-40B4-BE49-F238E27FC236}">
+                <a16:creationId xmlns:a16="http://schemas.microsoft.com/office/drawing/2014/main" id="{A51FE0C6-24EC-764B-9DBA-969CE7A86701}"/>
+              </a:ext>
+            </a:extLst>
+          </p:cNvPr>
+          <p:cNvPicPr>
+            <a:picLocks noChangeAspect="1"/>
+          </p:cNvPicPr>
+          <p:nvPr/>
+        </p:nvPicPr>
+        <p:blipFill>
+          <a:blip r:embed="rId3" cstate="email">
+            <a:extLst>
+              <a:ext uri="{28A0092B-C50C-407E-A947-70E740481C1C}">
+                <a14:useLocalDpi xmlns:a14="http://schemas.microsoft.com/office/drawing/2010/main"/>
+              </a:ext>
+            </a:extLst>
+          </a:blip>
+          <a:stretch>
+            <a:fillRect/>
+          </a:stretch>
+        </p:blipFill>
+        <p:spPr>
+          <a:xfrm>
+            <a:off x="9196862" y="4886312"/>
+            <a:ext cx="2660650" cy="1885950"/>
+          </a:xfrm>
+          <a:prstGeom prst="rect">
+            <a:avLst/>
+          </a:prstGeom>
+        </p:spPr>
+      </p:pic>
+      <p:pic>
+        <p:nvPicPr>
+          <p:cNvPr id="8" name="Picture 7">
+            <a:extLst>
+              <a:ext uri="{FF2B5EF4-FFF2-40B4-BE49-F238E27FC236}">
+                <a16:creationId xmlns:a16="http://schemas.microsoft.com/office/drawing/2014/main" id="{D7F91448-F84C-9D4D-8570-6319D9C0F76D}"/>
+              </a:ext>
+            </a:extLst>
+          </p:cNvPr>
+          <p:cNvPicPr>
+            <a:picLocks noChangeAspect="1"/>
+          </p:cNvPicPr>
+          <p:nvPr/>
+        </p:nvPicPr>
+        <p:blipFill>
+          <a:blip r:embed="rId4" cstate="email">
+            <a:extLst>
+              <a:ext uri="{28A0092B-C50C-407E-A947-70E740481C1C}">
+                <a14:useLocalDpi xmlns:a14="http://schemas.microsoft.com/office/drawing/2010/main"/>
+              </a:ext>
+            </a:extLst>
+          </a:blip>
+          <a:stretch>
+            <a:fillRect/>
+          </a:stretch>
+        </p:blipFill>
+        <p:spPr>
+          <a:xfrm>
+            <a:off x="9196862" y="2879786"/>
+            <a:ext cx="2660650" cy="1834003"/>
+          </a:xfrm>
+          <a:prstGeom prst="rect">
+            <a:avLst/>
+          </a:prstGeom>
+        </p:spPr>
+      </p:pic>
+    </p:spTree>
+    <p:extLst>
+      <p:ext uri="{BB962C8B-B14F-4D97-AF65-F5344CB8AC3E}">
+        <p14:creationId xmlns:p14="http://schemas.microsoft.com/office/powerpoint/2010/main" val="2169921292"/>
       </p:ext>
     </p:extLst>
   </p:cSld>

--- a/DA_13_miscellaneous.pptx
+++ b/DA_13_miscellaneous.pptx
@@ -6674,8 +6674,8 @@
         </p:nvSpPr>
         <p:spPr>
           <a:xfrm>
-            <a:off x="106878" y="523220"/>
-            <a:ext cx="5700156" cy="6247864"/>
+            <a:off x="0" y="647508"/>
+            <a:ext cx="4821382" cy="6124754"/>
           </a:xfrm>
           <a:prstGeom prst="rect">
             <a:avLst/>
@@ -6689,11 +6689,11 @@
           <a:lstStyle/>
           <a:p>
             <a:r>
-              <a:rPr lang="en-US" sz="1600"/>
+              <a:rPr lang="en-US" sz="1400"/>
               <a:t>In 2014 – Israeli Microsoft Research group started project "</a:t>
             </a:r>
             <a:r>
-              <a:rPr lang="en-US" sz="1600" b="1">
+              <a:rPr lang="en-US" sz="1400" b="1">
                 <a:solidFill>
                   <a:srgbClr val="FF0000"/>
                 </a:solidFill>
@@ -6701,17 +6701,17 @@
               <a:t>Kusto</a:t>
             </a:r>
             <a:r>
-              <a:rPr lang="en-US" sz="1600"/>
+              <a:rPr lang="en-US" sz="1400"/>
               <a:t>" aiming to create analytics on top of Azure log and telemetry data.</a:t>
             </a:r>
           </a:p>
           <a:p>
             <a:r>
-              <a:rPr lang="en-US" sz="1600"/>
+              <a:rPr lang="en-US" sz="1400"/>
               <a:t>The name "</a:t>
             </a:r>
             <a:r>
-              <a:rPr lang="en-US" sz="1600" b="1">
+              <a:rPr lang="en-US" sz="1400" b="1">
                 <a:solidFill>
                   <a:srgbClr val="FF0000"/>
                 </a:solidFill>
@@ -6719,11 +6719,11 @@
               <a:t>Kusto</a:t>
             </a:r>
             <a:r>
-              <a:rPr lang="en-US" sz="1600"/>
+              <a:rPr lang="en-US" sz="1400"/>
               <a:t>" comes after </a:t>
             </a:r>
             <a:r>
-              <a:rPr lang="en-US" sz="1600" b="1">
+              <a:rPr lang="en-US" sz="1400" b="1">
                 <a:solidFill>
                   <a:srgbClr val="FF0000"/>
                 </a:solidFill>
@@ -6731,20 +6731,20 @@
               <a:t>Jacques Cousteau</a:t>
             </a:r>
             <a:r>
-              <a:rPr lang="en-US" sz="1600"/>
+              <a:rPr lang="en-US" sz="1400"/>
               <a:t>, "the father of scuba diving", as a reference to "exploring the ocean of data".</a:t>
             </a:r>
           </a:p>
           <a:p>
-            <a:endParaRPr lang="en-US" sz="1600"/>
-          </a:p>
-          <a:p>
-            <a:r>
-              <a:rPr lang="en-US" sz="1600"/>
+            <a:endParaRPr lang="en-US" sz="1400"/>
+          </a:p>
+          <a:p>
+            <a:r>
+              <a:rPr lang="en-US" sz="1400"/>
               <a:t>Later </a:t>
             </a:r>
             <a:r>
-              <a:rPr lang="en-US" sz="1600" b="1">
+              <a:rPr lang="en-US" sz="1400" b="1">
                 <a:solidFill>
                   <a:srgbClr val="FF0000"/>
                 </a:solidFill>
@@ -6752,11 +6752,11 @@
               <a:t>Kusto</a:t>
             </a:r>
             <a:r>
-              <a:rPr lang="en-US" sz="1600"/>
+              <a:rPr lang="en-US" sz="1400"/>
               <a:t> project was renamed as "</a:t>
             </a:r>
             <a:r>
-              <a:rPr lang="en-US" sz="1600" b="1">
+              <a:rPr lang="en-US" sz="1400" b="1">
                 <a:solidFill>
                   <a:srgbClr val="FF0000"/>
                 </a:solidFill>
@@ -6764,11 +6764,11 @@
               <a:t>Azure Data Explorer</a:t>
             </a:r>
             <a:r>
-              <a:rPr lang="en-US" sz="1600"/>
+              <a:rPr lang="en-US" sz="1400"/>
               <a:t>" (</a:t>
             </a:r>
             <a:r>
-              <a:rPr lang="en-US" sz="1600" b="1">
+              <a:rPr lang="en-US" sz="1400" b="1">
                 <a:solidFill>
                   <a:srgbClr val="FF0000"/>
                 </a:solidFill>
@@ -6776,17 +6776,17 @@
               <a:t>ADE</a:t>
             </a:r>
             <a:r>
-              <a:rPr lang="en-US" sz="1600"/>
+              <a:rPr lang="en-US" sz="1400"/>
               <a:t>).</a:t>
             </a:r>
           </a:p>
           <a:p>
             <a:r>
-              <a:rPr lang="en-US" sz="1600"/>
+              <a:rPr lang="en-US" sz="1400"/>
               <a:t>In 2016 it has become the backend big-data and analytics service for </a:t>
             </a:r>
             <a:r>
-              <a:rPr lang="en-US" sz="1600" b="1">
+              <a:rPr lang="en-US" sz="1400" b="1">
                 <a:solidFill>
                   <a:srgbClr val="FF0000"/>
                 </a:solidFill>
@@ -6794,16 +6794,16 @@
               <a:t>Application Insights Analytics</a:t>
             </a:r>
             <a:r>
-              <a:rPr lang="en-US" sz="1600"/>
+              <a:rPr lang="en-US" sz="1400"/>
               <a:t>. In 2019 it has become generally available on Azure Cloud as PaaS (Platform as a Service).</a:t>
             </a:r>
           </a:p>
           <a:p>
-            <a:endParaRPr lang="en-US" sz="1600"/>
-          </a:p>
-          <a:p>
-            <a:r>
-              <a:rPr lang="en-US" sz="1600" b="1">
+            <a:endParaRPr lang="en-US" sz="1400"/>
+          </a:p>
+          <a:p>
+            <a:r>
+              <a:rPr lang="en-US" sz="1400" b="1">
                 <a:solidFill>
                   <a:srgbClr val="FF0000"/>
                 </a:solidFill>
@@ -6811,11 +6811,11 @@
               <a:t>ADE</a:t>
             </a:r>
             <a:r>
-              <a:rPr lang="en-US" sz="1600"/>
+              <a:rPr lang="en-US" sz="1400"/>
               <a:t> is basically a distributed </a:t>
             </a:r>
             <a:r>
-              <a:rPr lang="en-US" sz="1600" b="1">
+              <a:rPr lang="en-US" sz="1400" b="1">
                 <a:solidFill>
                   <a:srgbClr val="FF0000"/>
                 </a:solidFill>
@@ -6823,16 +6823,16 @@
               <a:t>relational database</a:t>
             </a:r>
             <a:r>
-              <a:rPr lang="en-US" sz="1600"/>
+              <a:rPr lang="en-US" sz="1400"/>
               <a:t>. It has databases, tables, functions, and columns. It supports calculated columns, searching and filtering on rows, group by-aggregates and joins. Note – there are no unique keys.</a:t>
             </a:r>
           </a:p>
           <a:p>
-            <a:endParaRPr lang="en-US" sz="1600"/>
-          </a:p>
-          <a:p>
-            <a:r>
-              <a:rPr lang="en-US" sz="1600" b="1">
+            <a:endParaRPr lang="en-US" sz="1400"/>
+          </a:p>
+          <a:p>
+            <a:r>
+              <a:rPr lang="en-US" sz="1400" b="1">
                 <a:solidFill>
                   <a:srgbClr val="FF0000"/>
                 </a:solidFill>
@@ -6840,16 +6840,16 @@
               <a:t>ADE</a:t>
             </a:r>
             <a:r>
-              <a:rPr lang="en-US" sz="1600"/>
+              <a:rPr lang="en-US" sz="1400"/>
               <a:t> can use different types of data: structured data (CSV, Parquet files), log and telemetry files, JSON files, free text (unstructured data)</a:t>
             </a:r>
           </a:p>
           <a:p>
-            <a:endParaRPr lang="en-US" sz="1600"/>
-          </a:p>
-          <a:p>
-            <a:r>
-              <a:rPr lang="en-US" sz="1600" b="1">
+            <a:endParaRPr lang="en-US" sz="1400"/>
+          </a:p>
+          <a:p>
+            <a:r>
+              <a:rPr lang="en-US" sz="1400" b="1">
                 <a:solidFill>
                   <a:srgbClr val="FF0000"/>
                 </a:solidFill>
@@ -6857,11 +6857,11 @@
               <a:t>ADE</a:t>
             </a:r>
             <a:r>
-              <a:rPr lang="en-US" sz="1600"/>
+              <a:rPr lang="en-US" sz="1400"/>
               <a:t> uses </a:t>
             </a:r>
             <a:r>
-              <a:rPr lang="en-US" sz="1600" b="1">
+              <a:rPr lang="en-US" sz="1400" b="1">
                 <a:solidFill>
                   <a:srgbClr val="FF0000"/>
                 </a:solidFill>
@@ -6869,13 +6869,13 @@
               <a:t>KQL</a:t>
             </a:r>
             <a:r>
-              <a:rPr lang="en-US" sz="1600"/>
+              <a:rPr lang="en-US" sz="1400"/>
               <a:t> = Kusto Query Language (query only, no changing data)</a:t>
             </a:r>
           </a:p>
           <a:p>
             <a:r>
-              <a:rPr lang="en-US" sz="1600" b="1">
+              <a:rPr lang="en-US" sz="1400" b="1">
                 <a:solidFill>
                   <a:srgbClr val="FF0000"/>
                 </a:solidFill>
@@ -6883,11 +6883,11 @@
               <a:t>KQL</a:t>
             </a:r>
             <a:r>
-              <a:rPr lang="en-US" sz="1600"/>
+              <a:rPr lang="en-US" sz="1400"/>
               <a:t> is also used in </a:t>
             </a:r>
             <a:r>
-              <a:rPr lang="en-US" sz="1600" b="1">
+              <a:rPr lang="en-US" sz="1400" b="1">
                 <a:solidFill>
                   <a:srgbClr val="FF0000"/>
                 </a:solidFill>
@@ -6895,16 +6895,16 @@
               <a:t>CMPivot</a:t>
             </a:r>
             <a:r>
-              <a:rPr lang="en-US" sz="1600"/>
+              <a:rPr lang="en-US" sz="1400"/>
               <a:t> tool (real-time state of devices).</a:t>
             </a:r>
           </a:p>
           <a:p>
-            <a:endParaRPr lang="en-US" sz="1600"/>
-          </a:p>
-          <a:p>
-            <a:r>
-              <a:rPr lang="en-US" sz="1600" b="1">
+            <a:endParaRPr lang="en-US" sz="1400"/>
+          </a:p>
+          <a:p>
+            <a:r>
+              <a:rPr lang="en-US" sz="1400" b="1">
                 <a:solidFill>
                   <a:srgbClr val="FF0000"/>
                 </a:solidFill>
@@ -6912,11 +6912,11 @@
               <a:t>ADE</a:t>
             </a:r>
             <a:r>
-              <a:rPr lang="en-US" sz="1600"/>
+              <a:rPr lang="en-US" sz="1400"/>
               <a:t> does indexing (including full text indexing). It also has </a:t>
             </a:r>
             <a:r>
-              <a:rPr lang="en-US" sz="1600" b="1">
+              <a:rPr lang="en-US" sz="1400" b="1">
                 <a:solidFill>
                   <a:srgbClr val="FF0000"/>
                 </a:solidFill>
@@ -6924,7 +6924,7 @@
               <a:t>time series analysis</a:t>
             </a:r>
             <a:r>
-              <a:rPr lang="en-US" sz="1600"/>
+              <a:rPr lang="en-US" sz="1400"/>
               <a:t> capabilities, regular expressions.</a:t>
             </a:r>
           </a:p>
@@ -7074,6 +7074,294 @@
           </a:prstGeom>
         </p:spPr>
       </p:pic>
+      <p:sp>
+        <p:nvSpPr>
+          <p:cNvPr id="3" name="TextBox 2">
+            <a:extLst>
+              <a:ext uri="{FF2B5EF4-FFF2-40B4-BE49-F238E27FC236}">
+                <a16:creationId xmlns:a16="http://schemas.microsoft.com/office/drawing/2014/main" id="{CAF11075-CA2C-3347-85D2-A0A50479DC85}"/>
+              </a:ext>
+            </a:extLst>
+          </p:cNvPr>
+          <p:cNvSpPr txBox="1"/>
+          <p:nvPr/>
+        </p:nvSpPr>
+        <p:spPr>
+          <a:xfrm>
+            <a:off x="5391396" y="1632393"/>
+            <a:ext cx="3424245" cy="4154984"/>
+          </a:xfrm>
+          <a:prstGeom prst="rect">
+            <a:avLst/>
+          </a:prstGeom>
+          <a:noFill/>
+        </p:spPr>
+        <p:txBody>
+          <a:bodyPr wrap="square" rtlCol="0">
+            <a:spAutoFit/>
+          </a:bodyPr>
+          <a:lstStyle/>
+          <a:p>
+            <a:r>
+              <a:rPr lang="en-US" sz="1200">
+                <a:solidFill>
+                  <a:srgbClr val="00B050"/>
+                </a:solidFill>
+                <a:latin typeface="Menlo" panose="020B0609030804020204" pitchFamily="49" charset="0"/>
+                <a:ea typeface="Menlo" panose="020B0609030804020204" pitchFamily="49" charset="0"/>
+                <a:cs typeface="Menlo" panose="020B0609030804020204" pitchFamily="49" charset="0"/>
+              </a:rPr>
+              <a:t>// KQL is like SQL</a:t>
+            </a:r>
+          </a:p>
+          <a:p>
+            <a:r>
+              <a:rPr lang="en-US" sz="1200">
+                <a:solidFill>
+                  <a:srgbClr val="00B050"/>
+                </a:solidFill>
+                <a:latin typeface="Menlo" panose="020B0609030804020204" pitchFamily="49" charset="0"/>
+                <a:ea typeface="Menlo" panose="020B0609030804020204" pitchFamily="49" charset="0"/>
+                <a:cs typeface="Menlo" panose="020B0609030804020204" pitchFamily="49" charset="0"/>
+              </a:rPr>
+              <a:t>// but with pipes "|"</a:t>
+            </a:r>
+          </a:p>
+          <a:p>
+            <a:endParaRPr lang="en-US" sz="1200">
+              <a:solidFill>
+                <a:srgbClr val="00B050"/>
+              </a:solidFill>
+              <a:latin typeface="Menlo" panose="020B0609030804020204" pitchFamily="49" charset="0"/>
+              <a:ea typeface="Menlo" panose="020B0609030804020204" pitchFamily="49" charset="0"/>
+              <a:cs typeface="Menlo" panose="020B0609030804020204" pitchFamily="49" charset="0"/>
+            </a:endParaRPr>
+          </a:p>
+          <a:p>
+            <a:r>
+              <a:rPr lang="en-US" sz="1200">
+                <a:solidFill>
+                  <a:srgbClr val="00B050"/>
+                </a:solidFill>
+                <a:latin typeface="Menlo" panose="020B0609030804020204" pitchFamily="49" charset="0"/>
+                <a:ea typeface="Menlo" panose="020B0609030804020204" pitchFamily="49" charset="0"/>
+                <a:cs typeface="Menlo" panose="020B0609030804020204" pitchFamily="49" charset="0"/>
+              </a:rPr>
+              <a:t>// Examples:</a:t>
+            </a:r>
+          </a:p>
+          <a:p>
+            <a:endParaRPr lang="en-US" sz="1200">
+              <a:solidFill>
+                <a:srgbClr val="00B050"/>
+              </a:solidFill>
+              <a:latin typeface="Menlo" panose="020B0609030804020204" pitchFamily="49" charset="0"/>
+              <a:ea typeface="Menlo" panose="020B0609030804020204" pitchFamily="49" charset="0"/>
+              <a:cs typeface="Menlo" panose="020B0609030804020204" pitchFamily="49" charset="0"/>
+            </a:endParaRPr>
+          </a:p>
+          <a:p>
+            <a:r>
+              <a:rPr lang="en-US" sz="1200">
+                <a:solidFill>
+                  <a:srgbClr val="0070C0"/>
+                </a:solidFill>
+                <a:latin typeface="Menlo" panose="020B0609030804020204" pitchFamily="49" charset="0"/>
+                <a:ea typeface="Menlo" panose="020B0609030804020204" pitchFamily="49" charset="0"/>
+                <a:cs typeface="Menlo" panose="020B0609030804020204" pitchFamily="49" charset="0"/>
+              </a:rPr>
+              <a:t>MySessions</a:t>
+            </a:r>
+          </a:p>
+          <a:p>
+            <a:r>
+              <a:rPr lang="en-US" sz="1200">
+                <a:solidFill>
+                  <a:srgbClr val="0070C0"/>
+                </a:solidFill>
+                <a:latin typeface="Menlo" panose="020B0609030804020204" pitchFamily="49" charset="0"/>
+                <a:ea typeface="Menlo" panose="020B0609030804020204" pitchFamily="49" charset="0"/>
+                <a:cs typeface="Menlo" panose="020B0609030804020204" pitchFamily="49" charset="0"/>
+              </a:rPr>
+              <a:t> | where s_name == 'Ignite 2018'</a:t>
+            </a:r>
+          </a:p>
+          <a:p>
+            <a:r>
+              <a:rPr lang="en-US" sz="1200">
+                <a:solidFill>
+                  <a:srgbClr val="0070C0"/>
+                </a:solidFill>
+                <a:latin typeface="Menlo" panose="020B0609030804020204" pitchFamily="49" charset="0"/>
+                <a:ea typeface="Menlo" panose="020B0609030804020204" pitchFamily="49" charset="0"/>
+                <a:cs typeface="Menlo" panose="020B0609030804020204" pitchFamily="49" charset="0"/>
+              </a:rPr>
+              <a:t> | order by s_title</a:t>
+            </a:r>
+          </a:p>
+          <a:p>
+            <a:endParaRPr lang="en-US" sz="1200">
+              <a:solidFill>
+                <a:srgbClr val="0070C0"/>
+              </a:solidFill>
+              <a:latin typeface="Menlo" panose="020B0609030804020204" pitchFamily="49" charset="0"/>
+              <a:ea typeface="Menlo" panose="020B0609030804020204" pitchFamily="49" charset="0"/>
+              <a:cs typeface="Menlo" panose="020B0609030804020204" pitchFamily="49" charset="0"/>
+            </a:endParaRPr>
+          </a:p>
+          <a:p>
+            <a:endParaRPr lang="en-US" sz="1200">
+              <a:solidFill>
+                <a:srgbClr val="0070C0"/>
+              </a:solidFill>
+              <a:latin typeface="Menlo" panose="020B0609030804020204" pitchFamily="49" charset="0"/>
+              <a:ea typeface="Menlo" panose="020B0609030804020204" pitchFamily="49" charset="0"/>
+              <a:cs typeface="Menlo" panose="020B0609030804020204" pitchFamily="49" charset="0"/>
+            </a:endParaRPr>
+          </a:p>
+          <a:p>
+            <a:r>
+              <a:rPr lang="en-US" sz="1200">
+                <a:solidFill>
+                  <a:srgbClr val="00B050"/>
+                </a:solidFill>
+                <a:latin typeface="Menlo" panose="020B0609030804020204" pitchFamily="49" charset="0"/>
+                <a:ea typeface="Menlo" panose="020B0609030804020204" pitchFamily="49" charset="0"/>
+                <a:cs typeface="Menlo" panose="020B0609030804020204" pitchFamily="49" charset="0"/>
+              </a:rPr>
+              <a:t>// Case-insensitive comparison:</a:t>
+            </a:r>
+          </a:p>
+          <a:p>
+            <a:endParaRPr lang="en-US" sz="1200">
+              <a:solidFill>
+                <a:srgbClr val="0070C0"/>
+              </a:solidFill>
+              <a:latin typeface="Menlo" panose="020B0609030804020204" pitchFamily="49" charset="0"/>
+              <a:ea typeface="Menlo" panose="020B0609030804020204" pitchFamily="49" charset="0"/>
+              <a:cs typeface="Menlo" panose="020B0609030804020204" pitchFamily="49" charset="0"/>
+            </a:endParaRPr>
+          </a:p>
+          <a:p>
+            <a:r>
+              <a:rPr lang="en-US" sz="1200">
+                <a:solidFill>
+                  <a:srgbClr val="0070C0"/>
+                </a:solidFill>
+                <a:latin typeface="Menlo" panose="020B0609030804020204" pitchFamily="49" charset="0"/>
+                <a:ea typeface="Menlo" panose="020B0609030804020204" pitchFamily="49" charset="0"/>
+                <a:cs typeface="Menlo" panose="020B0609030804020204" pitchFamily="49" charset="0"/>
+              </a:rPr>
+              <a:t>   conference =~ 'ignite 2018'</a:t>
+            </a:r>
+          </a:p>
+          <a:p>
+            <a:endParaRPr lang="en-US" sz="1200">
+              <a:solidFill>
+                <a:srgbClr val="0070C0"/>
+              </a:solidFill>
+              <a:latin typeface="Menlo" panose="020B0609030804020204" pitchFamily="49" charset="0"/>
+              <a:ea typeface="Menlo" panose="020B0609030804020204" pitchFamily="49" charset="0"/>
+              <a:cs typeface="Menlo" panose="020B0609030804020204" pitchFamily="49" charset="0"/>
+            </a:endParaRPr>
+          </a:p>
+          <a:p>
+            <a:r>
+              <a:rPr lang="en-US" sz="1200">
+                <a:solidFill>
+                  <a:srgbClr val="00B050"/>
+                </a:solidFill>
+                <a:latin typeface="Menlo" panose="020B0609030804020204" pitchFamily="49" charset="0"/>
+                <a:ea typeface="Menlo" panose="020B0609030804020204" pitchFamily="49" charset="0"/>
+                <a:cs typeface="Menlo" panose="020B0609030804020204" pitchFamily="49" charset="0"/>
+              </a:rPr>
+              <a:t>// dates:</a:t>
+            </a:r>
+          </a:p>
+          <a:p>
+            <a:endParaRPr lang="en-US" sz="1200">
+              <a:solidFill>
+                <a:srgbClr val="0070C0"/>
+              </a:solidFill>
+              <a:latin typeface="Menlo" panose="020B0609030804020204" pitchFamily="49" charset="0"/>
+              <a:ea typeface="Menlo" panose="020B0609030804020204" pitchFamily="49" charset="0"/>
+              <a:cs typeface="Menlo" panose="020B0609030804020204" pitchFamily="49" charset="0"/>
+            </a:endParaRPr>
+          </a:p>
+          <a:p>
+            <a:r>
+              <a:rPr lang="en-US" sz="1200">
+                <a:solidFill>
+                  <a:srgbClr val="0070C0"/>
+                </a:solidFill>
+                <a:latin typeface="Menlo" panose="020B0609030804020204" pitchFamily="49" charset="0"/>
+                <a:ea typeface="Menlo" panose="020B0609030804020204" pitchFamily="49" charset="0"/>
+                <a:cs typeface="Menlo" panose="020B0609030804020204" pitchFamily="49" charset="0"/>
+              </a:rPr>
+              <a:t>   starttime &gt; now(-7d)</a:t>
+            </a:r>
+          </a:p>
+          <a:p>
+            <a:endParaRPr lang="en-US" sz="1200">
+              <a:solidFill>
+                <a:srgbClr val="0070C0"/>
+              </a:solidFill>
+              <a:latin typeface="Menlo" panose="020B0609030804020204" pitchFamily="49" charset="0"/>
+              <a:ea typeface="Menlo" panose="020B0609030804020204" pitchFamily="49" charset="0"/>
+              <a:cs typeface="Menlo" panose="020B0609030804020204" pitchFamily="49" charset="0"/>
+            </a:endParaRPr>
+          </a:p>
+          <a:p>
+            <a:r>
+              <a:rPr lang="en-US" sz="1200">
+                <a:solidFill>
+                  <a:srgbClr val="00B050"/>
+                </a:solidFill>
+                <a:latin typeface="Menlo" panose="020B0609030804020204" pitchFamily="49" charset="0"/>
+                <a:ea typeface="Menlo" panose="020B0609030804020204" pitchFamily="49" charset="0"/>
+                <a:cs typeface="Menlo" panose="020B0609030804020204" pitchFamily="49" charset="0"/>
+              </a:rPr>
+              <a:t>// count rows:</a:t>
+            </a:r>
+          </a:p>
+          <a:p>
+            <a:endParaRPr lang="en-US" sz="1200">
+              <a:solidFill>
+                <a:srgbClr val="0070C0"/>
+              </a:solidFill>
+              <a:latin typeface="Menlo" panose="020B0609030804020204" pitchFamily="49" charset="0"/>
+              <a:ea typeface="Menlo" panose="020B0609030804020204" pitchFamily="49" charset="0"/>
+              <a:cs typeface="Menlo" panose="020B0609030804020204" pitchFamily="49" charset="0"/>
+            </a:endParaRPr>
+          </a:p>
+          <a:p>
+            <a:r>
+              <a:rPr lang="en-US" sz="1200">
+                <a:solidFill>
+                  <a:srgbClr val="0070C0"/>
+                </a:solidFill>
+                <a:latin typeface="Menlo" panose="020B0609030804020204" pitchFamily="49" charset="0"/>
+                <a:ea typeface="Menlo" panose="020B0609030804020204" pitchFamily="49" charset="0"/>
+                <a:cs typeface="Menlo" panose="020B0609030804020204" pitchFamily="49" charset="0"/>
+              </a:rPr>
+              <a:t>MySessions</a:t>
+            </a:r>
+          </a:p>
+          <a:p>
+            <a:r>
+              <a:rPr lang="en-US" sz="1200">
+                <a:solidFill>
+                  <a:srgbClr val="0070C0"/>
+                </a:solidFill>
+                <a:latin typeface="Menlo" panose="020B0609030804020204" pitchFamily="49" charset="0"/>
+                <a:ea typeface="Menlo" panose="020B0609030804020204" pitchFamily="49" charset="0"/>
+                <a:cs typeface="Menlo" panose="020B0609030804020204" pitchFamily="49" charset="0"/>
+              </a:rPr>
+              <a:t>| count   </a:t>
+            </a:r>
+          </a:p>
+        </p:txBody>
+      </p:sp>
     </p:spTree>
     <p:extLst>
       <p:ext uri="{BB962C8B-B14F-4D97-AF65-F5344CB8AC3E}">

--- a/DA_13_miscellaneous.pptx
+++ b/DA_13_miscellaneous.pptx
@@ -5,7 +5,7 @@
     <p:sldMasterId id="2147483648" r:id="rId1"/>
   </p:sldMasterIdLst>
   <p:notesMasterIdLst>
-    <p:notesMasterId r:id="rId8"/>
+    <p:notesMasterId r:id="rId9"/>
   </p:notesMasterIdLst>
   <p:sldIdLst>
     <p:sldId id="260" r:id="rId2"/>
@@ -14,6 +14,7 @@
     <p:sldId id="257" r:id="rId5"/>
     <p:sldId id="259" r:id="rId6"/>
     <p:sldId id="261" r:id="rId7"/>
+    <p:sldId id="262" r:id="rId8"/>
   </p:sldIdLst>
   <p:sldSz cx="12192000" cy="6858000"/>
   <p:notesSz cx="6858000" cy="9144000"/>
@@ -6690,11 +6691,23 @@
           <a:p>
             <a:r>
               <a:rPr lang="en-US" sz="1400"/>
-              <a:t>In 2014 – Israeli Microsoft Research group started project "</a:t>
+              <a:t>In 2014 –</a:t>
             </a:r>
             <a:r>
               <a:rPr lang="en-US" sz="1400" b="1">
                 <a:solidFill>
+                  <a:srgbClr val="00B050"/>
+                </a:solidFill>
+              </a:rPr>
+              <a:t> Israeli Microsoft Research group</a:t>
+            </a:r>
+            <a:r>
+              <a:rPr lang="en-US" sz="1400"/>
+              <a:t> started project "</a:t>
+            </a:r>
+            <a:r>
+              <a:rPr lang="en-US" sz="1400" b="1">
+                <a:solidFill>
                   <a:srgbClr val="FF0000"/>
                 </a:solidFill>
               </a:rPr>
@@ -6732,7 +6745,31 @@
             </a:r>
             <a:r>
               <a:rPr lang="en-US" sz="1400"/>
-              <a:t>, "the father of scuba diving", as a reference to "exploring the ocean of data".</a:t>
+              <a:t>, "</a:t>
+            </a:r>
+            <a:r>
+              <a:rPr lang="en-US" sz="1400" b="1">
+                <a:solidFill>
+                  <a:srgbClr val="0070C0"/>
+                </a:solidFill>
+              </a:rPr>
+              <a:t>the father of scuba diving</a:t>
+            </a:r>
+            <a:r>
+              <a:rPr lang="en-US" sz="1400"/>
+              <a:t>", as a reference to "</a:t>
+            </a:r>
+            <a:r>
+              <a:rPr lang="en-US" sz="1400" b="1">
+                <a:solidFill>
+                  <a:srgbClr val="0070C0"/>
+                </a:solidFill>
+              </a:rPr>
+              <a:t>exploring the ocean of data</a:t>
+            </a:r>
+            <a:r>
+              <a:rPr lang="en-US" sz="1400"/>
+              <a:t>".</a:t>
             </a:r>
           </a:p>
           <a:p>
@@ -6913,7 +6950,13 @@
             </a:r>
             <a:r>
               <a:rPr lang="en-US" sz="1400"/>
-              <a:t> does indexing (including full text indexing). It also has </a:t>
+              <a:t> does indexing (including full text indexing). </a:t>
+            </a:r>
+          </a:p>
+          <a:p>
+            <a:r>
+              <a:rPr lang="en-US" sz="1400"/>
+              <a:t>It also has </a:t>
             </a:r>
             <a:r>
               <a:rPr lang="en-US" sz="1400" b="1">
@@ -7088,13 +7131,18 @@
         </p:nvSpPr>
         <p:spPr>
           <a:xfrm>
-            <a:off x="5391396" y="1632393"/>
-            <a:ext cx="3424245" cy="4154984"/>
+            <a:off x="5296999" y="565133"/>
+            <a:ext cx="3424245" cy="3231654"/>
           </a:xfrm>
           <a:prstGeom prst="rect">
             <a:avLst/>
           </a:prstGeom>
-          <a:noFill/>
+          <a:solidFill>
+            <a:schemeClr val="accent4">
+              <a:lumMod val="20000"/>
+              <a:lumOff val="80000"/>
+            </a:schemeClr>
+          </a:solidFill>
         </p:spPr>
         <p:txBody>
           <a:bodyPr wrap="square" rtlCol="0">
@@ -7124,18 +7172,8 @@
                 <a:ea typeface="Menlo" panose="020B0609030804020204" pitchFamily="49" charset="0"/>
                 <a:cs typeface="Menlo" panose="020B0609030804020204" pitchFamily="49" charset="0"/>
               </a:rPr>
-              <a:t>// but with pipes "|"</a:t>
-            </a:r>
-          </a:p>
-          <a:p>
-            <a:endParaRPr lang="en-US" sz="1200">
-              <a:solidFill>
-                <a:srgbClr val="00B050"/>
-              </a:solidFill>
-              <a:latin typeface="Menlo" panose="020B0609030804020204" pitchFamily="49" charset="0"/>
-              <a:ea typeface="Menlo" panose="020B0609030804020204" pitchFamily="49" charset="0"/>
-              <a:cs typeface="Menlo" panose="020B0609030804020204" pitchFamily="49" charset="0"/>
-            </a:endParaRPr>
+              <a:t>// but with pipes "|", regex, etc.</a:t>
+            </a:r>
           </a:p>
           <a:p>
             <a:r>
@@ -7149,16 +7187,6 @@
               </a:rPr>
               <a:t>// Examples:</a:t>
             </a:r>
-          </a:p>
-          <a:p>
-            <a:endParaRPr lang="en-US" sz="1200">
-              <a:solidFill>
-                <a:srgbClr val="00B050"/>
-              </a:solidFill>
-              <a:latin typeface="Menlo" panose="020B0609030804020204" pitchFamily="49" charset="0"/>
-              <a:ea typeface="Menlo" panose="020B0609030804020204" pitchFamily="49" charset="0"/>
-              <a:cs typeface="Menlo" panose="020B0609030804020204" pitchFamily="49" charset="0"/>
-            </a:endParaRPr>
           </a:p>
           <a:p>
             <a:r>
@@ -7231,8 +7259,6 @@
               </a:rPr>
               <a:t>// Case-insensitive comparison:</a:t>
             </a:r>
-          </a:p>
-          <a:p>
             <a:endParaRPr lang="en-US" sz="1200">
               <a:solidFill>
                 <a:srgbClr val="0070C0"/>
@@ -7277,8 +7303,6 @@
               </a:rPr>
               <a:t>// dates:</a:t>
             </a:r>
-          </a:p>
-          <a:p>
             <a:endParaRPr lang="en-US" sz="1200">
               <a:solidFill>
                 <a:srgbClr val="0070C0"/>
@@ -7323,8 +7347,6 @@
               </a:rPr>
               <a:t>// count rows:</a:t>
             </a:r>
-          </a:p>
-          <a:p>
             <a:endParaRPr lang="en-US" sz="1200">
               <a:solidFill>
                 <a:srgbClr val="0070C0"/>
@@ -7362,10 +7384,514 @@
           </a:p>
         </p:txBody>
       </p:sp>
+      <p:sp>
+        <p:nvSpPr>
+          <p:cNvPr id="9" name="TextBox 8">
+            <a:extLst>
+              <a:ext uri="{FF2B5EF4-FFF2-40B4-BE49-F238E27FC236}">
+                <a16:creationId xmlns:a16="http://schemas.microsoft.com/office/drawing/2014/main" id="{82543F53-C7E6-5348-A6AE-8A2CC36C566B}"/>
+              </a:ext>
+            </a:extLst>
+          </p:cNvPr>
+          <p:cNvSpPr txBox="1"/>
+          <p:nvPr/>
+        </p:nvSpPr>
+        <p:spPr>
+          <a:xfrm>
+            <a:off x="5391396" y="4288261"/>
+            <a:ext cx="3424245" cy="2246769"/>
+          </a:xfrm>
+          <a:prstGeom prst="rect">
+            <a:avLst/>
+          </a:prstGeom>
+          <a:noFill/>
+        </p:spPr>
+        <p:txBody>
+          <a:bodyPr wrap="square" rtlCol="0">
+            <a:spAutoFit/>
+          </a:bodyPr>
+          <a:lstStyle/>
+          <a:p>
+            <a:r>
+              <a:rPr lang="en-US" sz="1400"/>
+              <a:t>In 2021 ADE was integrated into Synapse as "</a:t>
+            </a:r>
+            <a:r>
+              <a:rPr lang="en-US" sz="1400" b="1">
+                <a:solidFill>
+                  <a:srgbClr val="FF0000"/>
+                </a:solidFill>
+              </a:rPr>
+              <a:t>Azure Synapse Data Explorer</a:t>
+            </a:r>
+            <a:r>
+              <a:rPr lang="en-US" sz="1400"/>
+              <a:t>".</a:t>
+            </a:r>
+          </a:p>
+          <a:p>
+            <a:endParaRPr lang="en-US" sz="1400"/>
+          </a:p>
+          <a:p>
+            <a:r>
+              <a:rPr lang="en-US" sz="1400" b="1">
+                <a:solidFill>
+                  <a:srgbClr val="00B050"/>
+                </a:solidFill>
+              </a:rPr>
+              <a:t>Understand the difference:</a:t>
+            </a:r>
+          </a:p>
+          <a:p>
+            <a:r>
+              <a:rPr lang="en-US" sz="1400"/>
+              <a:t> .. Synapse serverless pool - SQL</a:t>
+            </a:r>
+          </a:p>
+          <a:p>
+            <a:r>
+              <a:rPr lang="en-US" sz="1400"/>
+              <a:t> .. Synapse data explorer - KQL</a:t>
+            </a:r>
+          </a:p>
+          <a:p>
+            <a:endParaRPr lang="en-US" sz="1400"/>
+          </a:p>
+          <a:p>
+            <a:r>
+              <a:rPr lang="en-US" sz="1400" b="1">
+                <a:solidFill>
+                  <a:srgbClr val="00B050"/>
+                </a:solidFill>
+              </a:rPr>
+              <a:t>Desktop apps:</a:t>
+            </a:r>
+          </a:p>
+          <a:p>
+            <a:r>
+              <a:rPr lang="en-US" sz="1400"/>
+              <a:t> .. Azure Storage Explorer</a:t>
+            </a:r>
+          </a:p>
+          <a:p>
+            <a:r>
+              <a:rPr lang="en-US" sz="1400"/>
+              <a:t> .. Azure azcopy utility</a:t>
+            </a:r>
+          </a:p>
+        </p:txBody>
+      </p:sp>
+      <p:cxnSp>
+        <p:nvCxnSpPr>
+          <p:cNvPr id="11" name="Straight Connector 10">
+            <a:extLst>
+              <a:ext uri="{FF2B5EF4-FFF2-40B4-BE49-F238E27FC236}">
+                <a16:creationId xmlns:a16="http://schemas.microsoft.com/office/drawing/2014/main" id="{2E3A0459-2470-3844-A116-B38890C8F006}"/>
+              </a:ext>
+            </a:extLst>
+          </p:cNvPr>
+          <p:cNvCxnSpPr>
+            <a:cxnSpLocks/>
+          </p:cNvCxnSpPr>
+          <p:nvPr/>
+        </p:nvCxnSpPr>
+        <p:spPr>
+          <a:xfrm flipV="1">
+            <a:off x="5095419" y="4219681"/>
+            <a:ext cx="0" cy="2484001"/>
+          </a:xfrm>
+          <a:prstGeom prst="line">
+            <a:avLst/>
+          </a:prstGeom>
+          <a:ln w="63500">
+            <a:solidFill>
+              <a:srgbClr val="00B050">
+                <a:alpha val="97000"/>
+              </a:srgbClr>
+            </a:solidFill>
+          </a:ln>
+        </p:spPr>
+        <p:style>
+          <a:lnRef idx="1">
+            <a:schemeClr val="accent1"/>
+          </a:lnRef>
+          <a:fillRef idx="0">
+            <a:schemeClr val="accent1"/>
+          </a:fillRef>
+          <a:effectRef idx="0">
+            <a:schemeClr val="accent1"/>
+          </a:effectRef>
+          <a:fontRef idx="minor">
+            <a:schemeClr val="tx1"/>
+          </a:fontRef>
+        </p:style>
+      </p:cxnSp>
     </p:spTree>
     <p:extLst>
       <p:ext uri="{BB962C8B-B14F-4D97-AF65-F5344CB8AC3E}">
         <p14:creationId xmlns:p14="http://schemas.microsoft.com/office/powerpoint/2010/main" val="2169921292"/>
+      </p:ext>
+    </p:extLst>
+  </p:cSld>
+  <p:clrMapOvr>
+    <a:masterClrMapping/>
+  </p:clrMapOvr>
+</p:sld>
+</file>
+
+<file path=ppt/slides/slide7.xml><?xml version="1.0" encoding="utf-8"?>
+<p:sld xmlns:a="http://schemas.openxmlformats.org/drawingml/2006/main" xmlns:r="http://schemas.openxmlformats.org/officeDocument/2006/relationships" xmlns:p="http://schemas.openxmlformats.org/presentationml/2006/main">
+  <p:cSld>
+    <p:spTree>
+      <p:nvGrpSpPr>
+        <p:cNvPr id="1" name=""/>
+        <p:cNvGrpSpPr/>
+        <p:nvPr/>
+      </p:nvGrpSpPr>
+      <p:grpSpPr>
+        <a:xfrm>
+          <a:off x="0" y="0"/>
+          <a:ext cx="0" cy="0"/>
+          <a:chOff x="0" y="0"/>
+          <a:chExt cx="0" cy="0"/>
+        </a:xfrm>
+      </p:grpSpPr>
+      <p:sp>
+        <p:nvSpPr>
+          <p:cNvPr id="2" name="TextBox 1">
+            <a:extLst>
+              <a:ext uri="{FF2B5EF4-FFF2-40B4-BE49-F238E27FC236}">
+                <a16:creationId xmlns:a16="http://schemas.microsoft.com/office/drawing/2014/main" id="{8895714B-64FB-E14A-A68C-C0932BF7AC15}"/>
+              </a:ext>
+            </a:extLst>
+          </p:cNvPr>
+          <p:cNvSpPr txBox="1"/>
+          <p:nvPr/>
+        </p:nvSpPr>
+        <p:spPr>
+          <a:xfrm>
+            <a:off x="0" y="0"/>
+            <a:ext cx="2743200" cy="523220"/>
+          </a:xfrm>
+          <a:prstGeom prst="rect">
+            <a:avLst/>
+          </a:prstGeom>
+          <a:noFill/>
+        </p:spPr>
+        <p:txBody>
+          <a:bodyPr wrap="square" rtlCol="0">
+            <a:spAutoFit/>
+          </a:bodyPr>
+          <a:lstStyle/>
+          <a:p>
+            <a:r>
+              <a:rPr lang="en-US" sz="2800" b="1"/>
+              <a:t>Apache Presto</a:t>
+            </a:r>
+          </a:p>
+        </p:txBody>
+      </p:sp>
+      <p:sp>
+        <p:nvSpPr>
+          <p:cNvPr id="4" name="TextBox 3">
+            <a:extLst>
+              <a:ext uri="{FF2B5EF4-FFF2-40B4-BE49-F238E27FC236}">
+                <a16:creationId xmlns:a16="http://schemas.microsoft.com/office/drawing/2014/main" id="{D5AF5186-7D35-194B-91C0-9820FF5D59CA}"/>
+              </a:ext>
+            </a:extLst>
+          </p:cNvPr>
+          <p:cNvSpPr txBox="1"/>
+          <p:nvPr/>
+        </p:nvSpPr>
+        <p:spPr>
+          <a:xfrm>
+            <a:off x="405582" y="1166410"/>
+            <a:ext cx="5294671" cy="3754874"/>
+          </a:xfrm>
+          <a:prstGeom prst="rect">
+            <a:avLst/>
+          </a:prstGeom>
+          <a:noFill/>
+        </p:spPr>
+        <p:txBody>
+          <a:bodyPr wrap="square" rtlCol="0">
+            <a:spAutoFit/>
+          </a:bodyPr>
+          <a:lstStyle/>
+          <a:p>
+            <a:r>
+              <a:rPr lang="en-US" sz="1400" b="1">
+                <a:solidFill>
+                  <a:srgbClr val="FF0000"/>
+                </a:solidFill>
+              </a:rPr>
+              <a:t>Presto</a:t>
+            </a:r>
+            <a:r>
+              <a:rPr lang="en-US" sz="1400"/>
+              <a:t> is an open source high performance, distributed (serverless) SQL query engine for big data.</a:t>
+            </a:r>
+          </a:p>
+          <a:p>
+            <a:endParaRPr lang="en-US" sz="1400"/>
+          </a:p>
+          <a:p>
+            <a:r>
+              <a:rPr lang="en-US" sz="1400"/>
+              <a:t>Presto was originally designed and developed at </a:t>
+            </a:r>
+            <a:r>
+              <a:rPr lang="en-US" sz="1400" b="1">
+                <a:solidFill>
+                  <a:srgbClr val="0070C0"/>
+                </a:solidFill>
+              </a:rPr>
+              <a:t>Facebook</a:t>
+            </a:r>
+            <a:r>
+              <a:rPr lang="en-US" sz="1400"/>
+              <a:t> for their data analysts to run interactive queries on its large data warehouse in </a:t>
+            </a:r>
+            <a:r>
+              <a:rPr lang="en-US" sz="1400" b="1">
+                <a:solidFill>
+                  <a:srgbClr val="0070C0"/>
+                </a:solidFill>
+              </a:rPr>
+              <a:t>Apache Hadoop</a:t>
+            </a:r>
+            <a:r>
+              <a:rPr lang="en-US" sz="1400"/>
+              <a:t>.</a:t>
+            </a:r>
+          </a:p>
+          <a:p>
+            <a:endParaRPr lang="en-US" sz="1400"/>
+          </a:p>
+          <a:p>
+            <a:r>
+              <a:rPr lang="en-US" sz="1400"/>
+              <a:t>Its architecture allows users to query a variety of data sources such as </a:t>
+            </a:r>
+            <a:r>
+              <a:rPr lang="en-US" sz="1400" b="1">
+                <a:solidFill>
+                  <a:srgbClr val="0070C0"/>
+                </a:solidFill>
+              </a:rPr>
+              <a:t>Hadoop, Cassandra, Kafka, AWS S3, Alluxio, MySQL, MongoDB and Teradata</a:t>
+            </a:r>
+            <a:r>
+              <a:rPr lang="en-US" sz="1400"/>
+              <a:t>. </a:t>
+            </a:r>
+          </a:p>
+          <a:p>
+            <a:endParaRPr lang="en-US" sz="1400"/>
+          </a:p>
+          <a:p>
+            <a:r>
+              <a:rPr lang="en-US" sz="1400"/>
+              <a:t>One can even query data from multiple data sources within a single query.</a:t>
+            </a:r>
+          </a:p>
+          <a:p>
+            <a:endParaRPr lang="en-US" sz="1400"/>
+          </a:p>
+          <a:p>
+            <a:r>
+              <a:rPr lang="en-US" sz="1400" b="1">
+                <a:solidFill>
+                  <a:srgbClr val="00B050"/>
+                </a:solidFill>
+              </a:rPr>
+              <a:t>Presto is used as a DW in Facebook, Netflix, etc.</a:t>
+            </a:r>
+          </a:p>
+          <a:p>
+            <a:endParaRPr lang="en-US" sz="1400"/>
+          </a:p>
+          <a:p>
+            <a:r>
+              <a:rPr lang="en-US" sz="1400" b="1">
+                <a:solidFill>
+                  <a:srgbClr val="FF0000"/>
+                </a:solidFill>
+              </a:rPr>
+              <a:t>Amazon Athena</a:t>
+            </a:r>
+            <a:r>
+              <a:rPr lang="en-US" sz="1400"/>
+              <a:t> is a hosted version of </a:t>
+            </a:r>
+            <a:r>
+              <a:rPr lang="en-US" sz="1400" b="1">
+                <a:solidFill>
+                  <a:srgbClr val="FF0000"/>
+                </a:solidFill>
+              </a:rPr>
+              <a:t>Presto</a:t>
+            </a:r>
+            <a:r>
+              <a:rPr lang="en-US" sz="1400"/>
+              <a:t> with </a:t>
+            </a:r>
+            <a:r>
+              <a:rPr lang="en-US" sz="1400" b="1">
+                <a:solidFill>
+                  <a:srgbClr val="FF0000"/>
+                </a:solidFill>
+              </a:rPr>
+              <a:t>ANSI SQL</a:t>
+            </a:r>
+            <a:r>
+              <a:rPr lang="en-US" sz="1400"/>
+              <a:t> support.</a:t>
+            </a:r>
+          </a:p>
+        </p:txBody>
+      </p:sp>
+      <p:pic>
+        <p:nvPicPr>
+          <p:cNvPr id="5" name="Picture 4">
+            <a:extLst>
+              <a:ext uri="{FF2B5EF4-FFF2-40B4-BE49-F238E27FC236}">
+                <a16:creationId xmlns:a16="http://schemas.microsoft.com/office/drawing/2014/main" id="{55D743B6-D3C0-2A4C-A5E4-DFB7932A6F02}"/>
+              </a:ext>
+            </a:extLst>
+          </p:cNvPr>
+          <p:cNvPicPr>
+            <a:picLocks noChangeAspect="1"/>
+          </p:cNvPicPr>
+          <p:nvPr/>
+        </p:nvPicPr>
+        <p:blipFill>
+          <a:blip r:embed="rId2" cstate="email">
+            <a:extLst>
+              <a:ext uri="{28A0092B-C50C-407E-A947-70E740481C1C}">
+                <a14:useLocalDpi xmlns:a14="http://schemas.microsoft.com/office/drawing/2010/main"/>
+              </a:ext>
+            </a:extLst>
+          </a:blip>
+          <a:stretch>
+            <a:fillRect/>
+          </a:stretch>
+        </p:blipFill>
+        <p:spPr>
+          <a:xfrm>
+            <a:off x="10294373" y="180494"/>
+            <a:ext cx="1661651" cy="2514150"/>
+          </a:xfrm>
+          <a:prstGeom prst="rect">
+            <a:avLst/>
+          </a:prstGeom>
+        </p:spPr>
+      </p:pic>
+      <p:sp>
+        <p:nvSpPr>
+          <p:cNvPr id="6" name="TextBox 5">
+            <a:extLst>
+              <a:ext uri="{FF2B5EF4-FFF2-40B4-BE49-F238E27FC236}">
+                <a16:creationId xmlns:a16="http://schemas.microsoft.com/office/drawing/2014/main" id="{835F1E5C-FC9A-CF49-85C7-E3763425477C}"/>
+              </a:ext>
+            </a:extLst>
+          </p:cNvPr>
+          <p:cNvSpPr txBox="1"/>
+          <p:nvPr/>
+        </p:nvSpPr>
+        <p:spPr>
+          <a:xfrm>
+            <a:off x="6813754" y="3582456"/>
+            <a:ext cx="4434348" cy="2677656"/>
+          </a:xfrm>
+          <a:prstGeom prst="rect">
+            <a:avLst/>
+          </a:prstGeom>
+          <a:noFill/>
+        </p:spPr>
+        <p:txBody>
+          <a:bodyPr wrap="square" rtlCol="0">
+            <a:spAutoFit/>
+          </a:bodyPr>
+          <a:lstStyle/>
+          <a:p>
+            <a:r>
+              <a:rPr lang="en-US" sz="1400"/>
+              <a:t>"At </a:t>
+            </a:r>
+            <a:r>
+              <a:rPr lang="en-US" sz="1400" b="1">
+                <a:solidFill>
+                  <a:srgbClr val="FF0000"/>
+                </a:solidFill>
+              </a:rPr>
+              <a:t>Facebook</a:t>
+            </a:r>
+            <a:r>
+              <a:rPr lang="en-US" sz="1400"/>
+              <a:t> alone, over a thousand employees use Presto, running several million queries and processing petabytes of data per day. </a:t>
+            </a:r>
+          </a:p>
+          <a:p>
+            <a:endParaRPr lang="en-US" sz="1400"/>
+          </a:p>
+          <a:p>
+            <a:r>
+              <a:rPr lang="en-US" sz="1400"/>
+              <a:t>After creating </a:t>
+            </a:r>
+            <a:r>
+              <a:rPr lang="en-US" sz="1400" b="1">
+                <a:solidFill>
+                  <a:srgbClr val="FF0000"/>
+                </a:solidFill>
+              </a:rPr>
+              <a:t>Presto</a:t>
+            </a:r>
+            <a:r>
+              <a:rPr lang="en-US" sz="1400"/>
+              <a:t> we open sourced it to see if other companies were having the same issues and wanted to collaborate. It turns out many other companies were interested and so under The </a:t>
+            </a:r>
+            <a:r>
+              <a:rPr lang="en-US" sz="1400" b="1">
+                <a:solidFill>
+                  <a:srgbClr val="FF0000"/>
+                </a:solidFill>
+              </a:rPr>
+              <a:t>Linux Foundation</a:t>
+            </a:r>
+            <a:r>
+              <a:rPr lang="en-US" sz="1400"/>
+              <a:t>, we believe the project can engage others and grow the community for the benefit of all."</a:t>
+            </a:r>
+          </a:p>
+          <a:p>
+            <a:endParaRPr lang="en-US" sz="1400"/>
+          </a:p>
+          <a:p>
+            <a:r>
+              <a:rPr lang="en-US" sz="1400"/>
+              <a:t> - Kathy Kam, Head of </a:t>
+            </a:r>
+            <a:r>
+              <a:rPr lang="en-US" sz="1400" b="1">
+                <a:solidFill>
+                  <a:srgbClr val="00B050"/>
+                </a:solidFill>
+              </a:rPr>
+              <a:t>Open Source at Facebook</a:t>
+            </a:r>
+            <a:r>
+              <a:rPr lang="en-US" sz="1400"/>
+              <a:t>.</a:t>
+            </a:r>
+          </a:p>
+        </p:txBody>
+      </p:sp>
+    </p:spTree>
+    <p:extLst>
+      <p:ext uri="{BB962C8B-B14F-4D97-AF65-F5344CB8AC3E}">
+        <p14:creationId xmlns:p14="http://schemas.microsoft.com/office/powerpoint/2010/main" val="178086275"/>
       </p:ext>
     </p:extLst>
   </p:cSld>

--- a/DA_13_miscellaneous.pptx
+++ b/DA_13_miscellaneous.pptx
@@ -5,7 +5,7 @@
     <p:sldMasterId id="2147483648" r:id="rId1"/>
   </p:sldMasterIdLst>
   <p:notesMasterIdLst>
-    <p:notesMasterId r:id="rId9"/>
+    <p:notesMasterId r:id="rId10"/>
   </p:notesMasterIdLst>
   <p:sldIdLst>
     <p:sldId id="260" r:id="rId2"/>
@@ -15,6 +15,7 @@
     <p:sldId id="259" r:id="rId6"/>
     <p:sldId id="261" r:id="rId7"/>
     <p:sldId id="262" r:id="rId8"/>
+    <p:sldId id="263" r:id="rId9"/>
   </p:sldIdLst>
   <p:sldSz cx="12192000" cy="6858000"/>
   <p:notesSz cx="6858000" cy="9144000"/>
@@ -203,7 +204,7 @@
           <a:p>
             <a:fld id="{C2E15B94-D9E4-E149-8081-23A720D1EE5F}" type="datetimeFigureOut">
               <a:rPr lang="en-US" smtClean="0"/>
-              <a:t>12/1/21</a:t>
+              <a:t>12/3/21</a:t>
             </a:fld>
             <a:endParaRPr lang="en-US"/>
           </a:p>
@@ -617,7 +618,7 @@
           <a:p>
             <a:fld id="{FBD852D7-E694-214E-8A12-510E0A0329D2}" type="datetimeFigureOut">
               <a:rPr lang="en-US" smtClean="0"/>
-              <a:t>12/1/21</a:t>
+              <a:t>12/3/21</a:t>
             </a:fld>
             <a:endParaRPr lang="en-US"/>
           </a:p>
@@ -815,7 +816,7 @@
           <a:p>
             <a:fld id="{FBD852D7-E694-214E-8A12-510E0A0329D2}" type="datetimeFigureOut">
               <a:rPr lang="en-US" smtClean="0"/>
-              <a:t>12/1/21</a:t>
+              <a:t>12/3/21</a:t>
             </a:fld>
             <a:endParaRPr lang="en-US"/>
           </a:p>
@@ -1023,7 +1024,7 @@
           <a:p>
             <a:fld id="{FBD852D7-E694-214E-8A12-510E0A0329D2}" type="datetimeFigureOut">
               <a:rPr lang="en-US" smtClean="0"/>
-              <a:t>12/1/21</a:t>
+              <a:t>12/3/21</a:t>
             </a:fld>
             <a:endParaRPr lang="en-US"/>
           </a:p>
@@ -1221,7 +1222,7 @@
           <a:p>
             <a:fld id="{FBD852D7-E694-214E-8A12-510E0A0329D2}" type="datetimeFigureOut">
               <a:rPr lang="en-US" smtClean="0"/>
-              <a:t>12/1/21</a:t>
+              <a:t>12/3/21</a:t>
             </a:fld>
             <a:endParaRPr lang="en-US"/>
           </a:p>
@@ -1496,7 +1497,7 @@
           <a:p>
             <a:fld id="{FBD852D7-E694-214E-8A12-510E0A0329D2}" type="datetimeFigureOut">
               <a:rPr lang="en-US" smtClean="0"/>
-              <a:t>12/1/21</a:t>
+              <a:t>12/3/21</a:t>
             </a:fld>
             <a:endParaRPr lang="en-US"/>
           </a:p>
@@ -1761,7 +1762,7 @@
           <a:p>
             <a:fld id="{FBD852D7-E694-214E-8A12-510E0A0329D2}" type="datetimeFigureOut">
               <a:rPr lang="en-US" smtClean="0"/>
-              <a:t>12/1/21</a:t>
+              <a:t>12/3/21</a:t>
             </a:fld>
             <a:endParaRPr lang="en-US"/>
           </a:p>
@@ -2173,7 +2174,7 @@
           <a:p>
             <a:fld id="{FBD852D7-E694-214E-8A12-510E0A0329D2}" type="datetimeFigureOut">
               <a:rPr lang="en-US" smtClean="0"/>
-              <a:t>12/1/21</a:t>
+              <a:t>12/3/21</a:t>
             </a:fld>
             <a:endParaRPr lang="en-US"/>
           </a:p>
@@ -2314,7 +2315,7 @@
           <a:p>
             <a:fld id="{FBD852D7-E694-214E-8A12-510E0A0329D2}" type="datetimeFigureOut">
               <a:rPr lang="en-US" smtClean="0"/>
-              <a:t>12/1/21</a:t>
+              <a:t>12/3/21</a:t>
             </a:fld>
             <a:endParaRPr lang="en-US"/>
           </a:p>
@@ -2427,7 +2428,7 @@
           <a:p>
             <a:fld id="{FBD852D7-E694-214E-8A12-510E0A0329D2}" type="datetimeFigureOut">
               <a:rPr lang="en-US" smtClean="0"/>
-              <a:t>12/1/21</a:t>
+              <a:t>12/3/21</a:t>
             </a:fld>
             <a:endParaRPr lang="en-US"/>
           </a:p>
@@ -2738,7 +2739,7 @@
           <a:p>
             <a:fld id="{FBD852D7-E694-214E-8A12-510E0A0329D2}" type="datetimeFigureOut">
               <a:rPr lang="en-US" smtClean="0"/>
-              <a:t>12/1/21</a:t>
+              <a:t>12/3/21</a:t>
             </a:fld>
             <a:endParaRPr lang="en-US"/>
           </a:p>
@@ -3026,7 +3027,7 @@
           <a:p>
             <a:fld id="{FBD852D7-E694-214E-8A12-510E0A0329D2}" type="datetimeFigureOut">
               <a:rPr lang="en-US" smtClean="0"/>
-              <a:t>12/1/21</a:t>
+              <a:t>12/3/21</a:t>
             </a:fld>
             <a:endParaRPr lang="en-US"/>
           </a:p>
@@ -3267,7 +3268,7 @@
           <a:p>
             <a:fld id="{FBD852D7-E694-214E-8A12-510E0A0329D2}" type="datetimeFigureOut">
               <a:rPr lang="en-US" smtClean="0"/>
-              <a:t>12/1/21</a:t>
+              <a:t>12/3/21</a:t>
             </a:fld>
             <a:endParaRPr lang="en-US"/>
           </a:p>
@@ -6675,8 +6676,8 @@
         </p:nvSpPr>
         <p:spPr>
           <a:xfrm>
-            <a:off x="0" y="647508"/>
-            <a:ext cx="4821382" cy="6124754"/>
+            <a:off x="-1" y="647508"/>
+            <a:ext cx="5010175" cy="5693866"/>
           </a:xfrm>
           <a:prstGeom prst="rect">
             <a:avLst/>
@@ -6757,7 +6758,7 @@
             </a:r>
             <a:r>
               <a:rPr lang="en-US" sz="1400"/>
-              <a:t>", as a reference to "</a:t>
+              <a:t>" (1910-1997), as a reference to "</a:t>
             </a:r>
             <a:r>
               <a:rPr lang="en-US" sz="1400" b="1">
@@ -6769,8 +6770,15 @@
             </a:r>
             <a:r>
               <a:rPr lang="en-US" sz="1400"/>
-              <a:t>".</a:t>
-            </a:r>
+              <a:t>".   </a:t>
+            </a:r>
+            <a:r>
+              <a:rPr lang="en-US" sz="1400">
+                <a:hlinkClick r:id="rId2"/>
+              </a:rPr>
+              <a:t>https://en.wikipedia.org/wiki/Jacques_Cousteau</a:t>
+            </a:r>
+            <a:endParaRPr lang="en-US" sz="1400"/>
           </a:p>
           <a:p>
             <a:endParaRPr lang="en-US" sz="1400"/>
@@ -6979,78 +6987,6 @@
             <a:extLst>
               <a:ext uri="{FF2B5EF4-FFF2-40B4-BE49-F238E27FC236}">
                 <a16:creationId xmlns:a16="http://schemas.microsoft.com/office/drawing/2014/main" id="{114FCDD6-E2FA-C74E-8D55-9E79FF750496}"/>
-              </a:ext>
-            </a:extLst>
-          </p:cNvPr>
-          <p:cNvPicPr>
-            <a:picLocks noChangeAspect="1"/>
-          </p:cNvPicPr>
-          <p:nvPr/>
-        </p:nvPicPr>
-        <p:blipFill>
-          <a:blip r:embed="rId2" cstate="email">
-            <a:extLst>
-              <a:ext uri="{28A0092B-C50C-407E-A947-70E740481C1C}">
-                <a14:useLocalDpi xmlns:a14="http://schemas.microsoft.com/office/drawing/2010/main"/>
-              </a:ext>
-            </a:extLst>
-          </a:blip>
-          <a:stretch>
-            <a:fillRect/>
-          </a:stretch>
-        </p:blipFill>
-        <p:spPr>
-          <a:xfrm>
-            <a:off x="9650392" y="85738"/>
-            <a:ext cx="1753589" cy="2424716"/>
-          </a:xfrm>
-          <a:prstGeom prst="rect">
-            <a:avLst/>
-          </a:prstGeom>
-        </p:spPr>
-      </p:pic>
-      <p:sp>
-        <p:nvSpPr>
-          <p:cNvPr id="6" name="TextBox 5">
-            <a:extLst>
-              <a:ext uri="{FF2B5EF4-FFF2-40B4-BE49-F238E27FC236}">
-                <a16:creationId xmlns:a16="http://schemas.microsoft.com/office/drawing/2014/main" id="{E52BC925-4F87-D845-939B-DF555E59584D}"/>
-              </a:ext>
-            </a:extLst>
-          </p:cNvPr>
-          <p:cNvSpPr txBox="1"/>
-          <p:nvPr/>
-        </p:nvSpPr>
-        <p:spPr>
-          <a:xfrm>
-            <a:off x="9498486" y="2510454"/>
-            <a:ext cx="2057400" cy="369332"/>
-          </a:xfrm>
-          <a:prstGeom prst="rect">
-            <a:avLst/>
-          </a:prstGeom>
-          <a:noFill/>
-        </p:spPr>
-        <p:txBody>
-          <a:bodyPr wrap="square" rtlCol="0">
-            <a:spAutoFit/>
-          </a:bodyPr>
-          <a:lstStyle/>
-          <a:p>
-            <a:pPr algn="ctr"/>
-            <a:r>
-              <a:rPr lang="en-US"/>
-              <a:t>Jacques Cousteau</a:t>
-            </a:r>
-          </a:p>
-        </p:txBody>
-      </p:sp>
-      <p:pic>
-        <p:nvPicPr>
-          <p:cNvPr id="7" name="Picture 6">
-            <a:extLst>
-              <a:ext uri="{FF2B5EF4-FFF2-40B4-BE49-F238E27FC236}">
-                <a16:creationId xmlns:a16="http://schemas.microsoft.com/office/drawing/2014/main" id="{A51FE0C6-24EC-764B-9DBA-969CE7A86701}"/>
               </a:ext>
             </a:extLst>
           </p:cNvPr>
@@ -7073,20 +7009,56 @@
         </p:blipFill>
         <p:spPr>
           <a:xfrm>
-            <a:off x="9196862" y="4886312"/>
-            <a:ext cx="2660650" cy="1885950"/>
+            <a:off x="9650392" y="85738"/>
+            <a:ext cx="1753589" cy="2424716"/>
           </a:xfrm>
           <a:prstGeom prst="rect">
             <a:avLst/>
           </a:prstGeom>
         </p:spPr>
       </p:pic>
+      <p:sp>
+        <p:nvSpPr>
+          <p:cNvPr id="6" name="TextBox 5">
+            <a:extLst>
+              <a:ext uri="{FF2B5EF4-FFF2-40B4-BE49-F238E27FC236}">
+                <a16:creationId xmlns:a16="http://schemas.microsoft.com/office/drawing/2014/main" id="{E52BC925-4F87-D845-939B-DF555E59584D}"/>
+              </a:ext>
+            </a:extLst>
+          </p:cNvPr>
+          <p:cNvSpPr txBox="1"/>
+          <p:nvPr/>
+        </p:nvSpPr>
+        <p:spPr>
+          <a:xfrm>
+            <a:off x="9498486" y="2510454"/>
+            <a:ext cx="2057400" cy="369332"/>
+          </a:xfrm>
+          <a:prstGeom prst="rect">
+            <a:avLst/>
+          </a:prstGeom>
+          <a:noFill/>
+        </p:spPr>
+        <p:txBody>
+          <a:bodyPr wrap="square" rtlCol="0">
+            <a:spAutoFit/>
+          </a:bodyPr>
+          <a:lstStyle/>
+          <a:p>
+            <a:pPr algn="ctr"/>
+            <a:r>
+              <a:rPr lang="en-US"/>
+              <a:t>Jacques Cousteau</a:t>
+            </a:r>
+          </a:p>
+        </p:txBody>
+      </p:sp>
       <p:pic>
         <p:nvPicPr>
-          <p:cNvPr id="8" name="Picture 7">
-            <a:extLst>
-              <a:ext uri="{FF2B5EF4-FFF2-40B4-BE49-F238E27FC236}">
-                <a16:creationId xmlns:a16="http://schemas.microsoft.com/office/drawing/2014/main" id="{D7F91448-F84C-9D4D-8570-6319D9C0F76D}"/>
+          <p:cNvPr id="7" name="Picture 6">
+            <a:extLst>
+              <a:ext uri="{FF2B5EF4-FFF2-40B4-BE49-F238E27FC236}">
+                <a16:creationId xmlns:a16="http://schemas.microsoft.com/office/drawing/2014/main" id="{A51FE0C6-24EC-764B-9DBA-969CE7A86701}"/>
               </a:ext>
             </a:extLst>
           </p:cNvPr>
@@ -7097,6 +7069,42 @@
         </p:nvPicPr>
         <p:blipFill>
           <a:blip r:embed="rId4" cstate="email">
+            <a:extLst>
+              <a:ext uri="{28A0092B-C50C-407E-A947-70E740481C1C}">
+                <a14:useLocalDpi xmlns:a14="http://schemas.microsoft.com/office/drawing/2010/main"/>
+              </a:ext>
+            </a:extLst>
+          </a:blip>
+          <a:stretch>
+            <a:fillRect/>
+          </a:stretch>
+        </p:blipFill>
+        <p:spPr>
+          <a:xfrm>
+            <a:off x="9196862" y="4886312"/>
+            <a:ext cx="2660650" cy="1885950"/>
+          </a:xfrm>
+          <a:prstGeom prst="rect">
+            <a:avLst/>
+          </a:prstGeom>
+        </p:spPr>
+      </p:pic>
+      <p:pic>
+        <p:nvPicPr>
+          <p:cNvPr id="8" name="Picture 7">
+            <a:extLst>
+              <a:ext uri="{FF2B5EF4-FFF2-40B4-BE49-F238E27FC236}">
+                <a16:creationId xmlns:a16="http://schemas.microsoft.com/office/drawing/2014/main" id="{D7F91448-F84C-9D4D-8570-6319D9C0F76D}"/>
+              </a:ext>
+            </a:extLst>
+          </p:cNvPr>
+          <p:cNvPicPr>
+            <a:picLocks noChangeAspect="1"/>
+          </p:cNvPicPr>
+          <p:nvPr/>
+        </p:nvPicPr>
+        <p:blipFill>
+          <a:blip r:embed="rId5" cstate="email">
             <a:extLst>
               <a:ext uri="{28A0092B-C50C-407E-A947-70E740481C1C}">
                 <a14:useLocalDpi xmlns:a14="http://schemas.microsoft.com/office/drawing/2010/main"/>
@@ -7497,7 +7505,7 @@
         </p:nvCxnSpPr>
         <p:spPr>
           <a:xfrm flipV="1">
-            <a:off x="5095419" y="4219681"/>
+            <a:off x="5134608" y="4219681"/>
             <a:ext cx="0" cy="2484001"/>
           </a:xfrm>
           <a:prstGeom prst="line">
@@ -7892,6 +7900,466 @@
     <p:extLst>
       <p:ext uri="{BB962C8B-B14F-4D97-AF65-F5344CB8AC3E}">
         <p14:creationId xmlns:p14="http://schemas.microsoft.com/office/powerpoint/2010/main" val="178086275"/>
+      </p:ext>
+    </p:extLst>
+  </p:cSld>
+  <p:clrMapOvr>
+    <a:masterClrMapping/>
+  </p:clrMapOvr>
+</p:sld>
+</file>
+
+<file path=ppt/slides/slide8.xml><?xml version="1.0" encoding="utf-8"?>
+<p:sld xmlns:a="http://schemas.openxmlformats.org/drawingml/2006/main" xmlns:r="http://schemas.openxmlformats.org/officeDocument/2006/relationships" xmlns:p="http://schemas.openxmlformats.org/presentationml/2006/main">
+  <p:cSld>
+    <p:spTree>
+      <p:nvGrpSpPr>
+        <p:cNvPr id="1" name=""/>
+        <p:cNvGrpSpPr/>
+        <p:nvPr/>
+      </p:nvGrpSpPr>
+      <p:grpSpPr>
+        <a:xfrm>
+          <a:off x="0" y="0"/>
+          <a:ext cx="0" cy="0"/>
+          <a:chOff x="0" y="0"/>
+          <a:chExt cx="0" cy="0"/>
+        </a:xfrm>
+      </p:grpSpPr>
+      <p:sp>
+        <p:nvSpPr>
+          <p:cNvPr id="2" name="TextBox 1">
+            <a:extLst>
+              <a:ext uri="{FF2B5EF4-FFF2-40B4-BE49-F238E27FC236}">
+                <a16:creationId xmlns:a16="http://schemas.microsoft.com/office/drawing/2014/main" id="{3A38BB11-94C9-D440-89AF-E11B35C501E2}"/>
+              </a:ext>
+            </a:extLst>
+          </p:cNvPr>
+          <p:cNvSpPr txBox="1"/>
+          <p:nvPr/>
+        </p:nvSpPr>
+        <p:spPr>
+          <a:xfrm>
+            <a:off x="104503" y="104503"/>
+            <a:ext cx="1280160" cy="523220"/>
+          </a:xfrm>
+          <a:prstGeom prst="rect">
+            <a:avLst/>
+          </a:prstGeom>
+          <a:noFill/>
+        </p:spPr>
+        <p:txBody>
+          <a:bodyPr wrap="square" rtlCol="0">
+            <a:spAutoFit/>
+          </a:bodyPr>
+          <a:lstStyle/>
+          <a:p>
+            <a:r>
+              <a:rPr lang="en-US" sz="2800" b="1"/>
+              <a:t>BIML</a:t>
+            </a:r>
+          </a:p>
+        </p:txBody>
+      </p:sp>
+      <p:sp>
+        <p:nvSpPr>
+          <p:cNvPr id="3" name="TextBox 2">
+            <a:extLst>
+              <a:ext uri="{FF2B5EF4-FFF2-40B4-BE49-F238E27FC236}">
+                <a16:creationId xmlns:a16="http://schemas.microsoft.com/office/drawing/2014/main" id="{42B6A9AA-D8F7-F944-9ACE-959E2F2407B5}"/>
+              </a:ext>
+            </a:extLst>
+          </p:cNvPr>
+          <p:cNvSpPr txBox="1"/>
+          <p:nvPr/>
+        </p:nvSpPr>
+        <p:spPr>
+          <a:xfrm>
+            <a:off x="1770016" y="1040221"/>
+            <a:ext cx="5068389" cy="1908215"/>
+          </a:xfrm>
+          <a:prstGeom prst="rect">
+            <a:avLst/>
+          </a:prstGeom>
+          <a:noFill/>
+        </p:spPr>
+        <p:txBody>
+          <a:bodyPr wrap="square" rtlCol="0">
+            <a:spAutoFit/>
+          </a:bodyPr>
+          <a:lstStyle/>
+          <a:p>
+            <a:r>
+              <a:rPr lang="en-US" sz="1400" b="1">
+                <a:solidFill>
+                  <a:srgbClr val="FF0000"/>
+                </a:solidFill>
+              </a:rPr>
+              <a:t>Biml</a:t>
+            </a:r>
+            <a:r>
+              <a:rPr lang="en-US" sz="1400"/>
+              <a:t> = Business Intelligence Markup Language</a:t>
+            </a:r>
+          </a:p>
+          <a:p>
+            <a:endParaRPr lang="en-US" sz="1400"/>
+          </a:p>
+          <a:p>
+            <a:r>
+              <a:rPr lang="en-US" sz="1400" b="1">
+                <a:solidFill>
+                  <a:srgbClr val="FF0000"/>
+                </a:solidFill>
+              </a:rPr>
+              <a:t>Biml</a:t>
+            </a:r>
+            <a:r>
+              <a:rPr lang="en-US" sz="1400"/>
+              <a:t> uses XML and small nuggets of C# or VB code to automatically create huge amounts of SQL scripts, SSIS packages, SSAS cubes, tabular models, and more.</a:t>
+            </a:r>
+          </a:p>
+          <a:p>
+            <a:endParaRPr lang="en-US" sz="1200"/>
+          </a:p>
+          <a:p>
+            <a:r>
+              <a:rPr lang="en-US" sz="1200"/>
+              <a:t>.. </a:t>
+            </a:r>
+            <a:r>
+              <a:rPr lang="en-US" sz="1200">
+                <a:hlinkClick r:id="rId2"/>
+              </a:rPr>
+              <a:t>http://www.bimlscript.com</a:t>
+            </a:r>
+            <a:endParaRPr lang="en-US" sz="1200"/>
+          </a:p>
+          <a:p>
+            <a:r>
+              <a:rPr lang="en-US" sz="1200"/>
+              <a:t>.. </a:t>
+            </a:r>
+            <a:r>
+              <a:rPr lang="en-US" sz="1200">
+                <a:hlinkClick r:id="rId3"/>
+              </a:rPr>
+              <a:t>https://varigence.com/Biml</a:t>
+            </a:r>
+            <a:r>
+              <a:rPr lang="en-US" sz="1200"/>
+              <a:t> </a:t>
+            </a:r>
+          </a:p>
+          <a:p>
+            <a:r>
+              <a:rPr lang="en-US" sz="1200"/>
+              <a:t>.. </a:t>
+            </a:r>
+            <a:r>
+              <a:rPr lang="en-US" sz="1200">
+                <a:hlinkClick r:id="rId4"/>
+              </a:rPr>
+              <a:t>https://en.wikipedia.org/wiki/Business_Intelligence_Markup_Language</a:t>
+            </a:r>
+            <a:endParaRPr lang="en-US" sz="1200"/>
+          </a:p>
+        </p:txBody>
+      </p:sp>
+      <p:pic>
+        <p:nvPicPr>
+          <p:cNvPr id="4" name="Picture 3">
+            <a:extLst>
+              <a:ext uri="{FF2B5EF4-FFF2-40B4-BE49-F238E27FC236}">
+                <a16:creationId xmlns:a16="http://schemas.microsoft.com/office/drawing/2014/main" id="{03D584A4-A6FE-574C-AB51-96F1BCCCE6D2}"/>
+              </a:ext>
+            </a:extLst>
+          </p:cNvPr>
+          <p:cNvPicPr>
+            <a:picLocks noChangeAspect="1"/>
+          </p:cNvPicPr>
+          <p:nvPr/>
+        </p:nvPicPr>
+        <p:blipFill>
+          <a:blip r:embed="rId5" cstate="email">
+            <a:extLst>
+              <a:ext uri="{28A0092B-C50C-407E-A947-70E740481C1C}">
+                <a14:useLocalDpi xmlns:a14="http://schemas.microsoft.com/office/drawing/2010/main"/>
+              </a:ext>
+            </a:extLst>
+          </a:blip>
+          <a:stretch>
+            <a:fillRect/>
+          </a:stretch>
+        </p:blipFill>
+        <p:spPr>
+          <a:xfrm>
+            <a:off x="10043401" y="118272"/>
+            <a:ext cx="1818640" cy="523220"/>
+          </a:xfrm>
+          <a:prstGeom prst="rect">
+            <a:avLst/>
+          </a:prstGeom>
+        </p:spPr>
+      </p:pic>
+      <p:sp>
+        <p:nvSpPr>
+          <p:cNvPr id="5" name="TextBox 4">
+            <a:extLst>
+              <a:ext uri="{FF2B5EF4-FFF2-40B4-BE49-F238E27FC236}">
+                <a16:creationId xmlns:a16="http://schemas.microsoft.com/office/drawing/2014/main" id="{CD3C7CAA-2D91-D746-B3E4-B62FE05DB1A5}"/>
+              </a:ext>
+            </a:extLst>
+          </p:cNvPr>
+          <p:cNvSpPr txBox="1"/>
+          <p:nvPr/>
+        </p:nvSpPr>
+        <p:spPr>
+          <a:xfrm>
+            <a:off x="104503" y="3686093"/>
+            <a:ext cx="8399417" cy="3016210"/>
+          </a:xfrm>
+          <a:prstGeom prst="rect">
+            <a:avLst/>
+          </a:prstGeom>
+          <a:noFill/>
+        </p:spPr>
+        <p:txBody>
+          <a:bodyPr wrap="square" rtlCol="0">
+            <a:spAutoFit/>
+          </a:bodyPr>
+          <a:lstStyle/>
+          <a:p>
+            <a:r>
+              <a:rPr lang="en-US" sz="1000">
+                <a:solidFill>
+                  <a:srgbClr val="0070C0"/>
+                </a:solidFill>
+              </a:rPr>
+              <a:t>&lt;Biml xmlns="http://schemas.varigence.com/biml.xsd"&gt;</a:t>
+            </a:r>
+          </a:p>
+          <a:p>
+            <a:r>
+              <a:rPr lang="en-US" sz="1000">
+                <a:solidFill>
+                  <a:srgbClr val="0070C0"/>
+                </a:solidFill>
+              </a:rPr>
+              <a:t>    &lt;Connections&gt;</a:t>
+            </a:r>
+          </a:p>
+          <a:p>
+            <a:r>
+              <a:rPr lang="en-US" sz="1000">
+                <a:solidFill>
+                  <a:srgbClr val="0070C0"/>
+                </a:solidFill>
+              </a:rPr>
+              <a:t>        &lt;Connection Name="AdventureWorks" ConnectionString="Server=.;Initial Catalog=AdventureWorks;Integrated Security=SSPI;Provider=SQLNCLI10"/&gt;</a:t>
+            </a:r>
+          </a:p>
+          <a:p>
+            <a:r>
+              <a:rPr lang="en-US" sz="1000">
+                <a:solidFill>
+                  <a:srgbClr val="0070C0"/>
+                </a:solidFill>
+              </a:rPr>
+              <a:t>    &lt;/Connections&gt;</a:t>
+            </a:r>
+          </a:p>
+          <a:p>
+            <a:r>
+              <a:rPr lang="en-US" sz="1000">
+                <a:solidFill>
+                  <a:srgbClr val="0070C0"/>
+                </a:solidFill>
+              </a:rPr>
+              <a:t>    &lt;Packages&gt;</a:t>
+            </a:r>
+          </a:p>
+          <a:p>
+            <a:r>
+              <a:rPr lang="en-US" sz="1000">
+                <a:solidFill>
+                  <a:srgbClr val="0070C0"/>
+                </a:solidFill>
+              </a:rPr>
+              <a:t>        &lt;Package Name="Biml Sample" AutoCreateConfigurationsType="None" ConstraintMode="Linear"&gt;</a:t>
+            </a:r>
+          </a:p>
+          <a:p>
+            <a:r>
+              <a:rPr lang="en-US" sz="1000">
+                <a:solidFill>
+                  <a:srgbClr val="0070C0"/>
+                </a:solidFill>
+              </a:rPr>
+              <a:t>            &lt;Tasks&gt;</a:t>
+            </a:r>
+          </a:p>
+          <a:p>
+            <a:r>
+              <a:rPr lang="en-US" sz="1000">
+                <a:solidFill>
+                  <a:srgbClr val="0070C0"/>
+                </a:solidFill>
+              </a:rPr>
+              <a:t>                &lt;Dataflow Name="Extract Table List"&gt;</a:t>
+            </a:r>
+          </a:p>
+          <a:p>
+            <a:r>
+              <a:rPr lang="en-US" sz="1000">
+                <a:solidFill>
+                  <a:srgbClr val="0070C0"/>
+                </a:solidFill>
+              </a:rPr>
+              <a:t>                    &lt;Transformations&gt;</a:t>
+            </a:r>
+          </a:p>
+          <a:p>
+            <a:r>
+              <a:rPr lang="en-US" sz="1000">
+                <a:solidFill>
+                  <a:srgbClr val="0070C0"/>
+                </a:solidFill>
+              </a:rPr>
+              <a:t>                        &lt;OleDbSource Name="Get Table List" ConnectionName="AdventureWorks"&gt;</a:t>
+            </a:r>
+          </a:p>
+          <a:p>
+            <a:r>
+              <a:rPr lang="en-US" sz="1000">
+                <a:solidFill>
+                  <a:srgbClr val="0070C0"/>
+                </a:solidFill>
+              </a:rPr>
+              <a:t>                            &lt;DirectInput&gt;SELECT * FROM sys.tables&lt;/DirectInput&gt;</a:t>
+            </a:r>
+          </a:p>
+          <a:p>
+            <a:r>
+              <a:rPr lang="en-US" sz="1000">
+                <a:solidFill>
+                  <a:srgbClr val="0070C0"/>
+                </a:solidFill>
+              </a:rPr>
+              <a:t>                        &lt;/OleDbSource&gt;</a:t>
+            </a:r>
+          </a:p>
+          <a:p>
+            <a:r>
+              <a:rPr lang="en-US" sz="1000">
+                <a:solidFill>
+                  <a:srgbClr val="0070C0"/>
+                </a:solidFill>
+              </a:rPr>
+              <a:t>                        &lt;Multicast Name="Multicast"/&gt;</a:t>
+            </a:r>
+          </a:p>
+          <a:p>
+            <a:r>
+              <a:rPr lang="en-US" sz="1000">
+                <a:solidFill>
+                  <a:srgbClr val="0070C0"/>
+                </a:solidFill>
+              </a:rPr>
+              <a:t>                    &lt;/Transformations&gt;</a:t>
+            </a:r>
+          </a:p>
+          <a:p>
+            <a:r>
+              <a:rPr lang="en-US" sz="1000">
+                <a:solidFill>
+                  <a:srgbClr val="0070C0"/>
+                </a:solidFill>
+              </a:rPr>
+              <a:t>                &lt;/Dataflow&gt;</a:t>
+            </a:r>
+          </a:p>
+          <a:p>
+            <a:r>
+              <a:rPr lang="en-US" sz="1000">
+                <a:solidFill>
+                  <a:srgbClr val="0070C0"/>
+                </a:solidFill>
+              </a:rPr>
+              <a:t>            &lt;/Tasks&gt;</a:t>
+            </a:r>
+          </a:p>
+          <a:p>
+            <a:r>
+              <a:rPr lang="en-US" sz="1000">
+                <a:solidFill>
+                  <a:srgbClr val="0070C0"/>
+                </a:solidFill>
+              </a:rPr>
+              <a:t>        &lt;/Package&gt;</a:t>
+            </a:r>
+          </a:p>
+          <a:p>
+            <a:r>
+              <a:rPr lang="en-US" sz="1000">
+                <a:solidFill>
+                  <a:srgbClr val="0070C0"/>
+                </a:solidFill>
+              </a:rPr>
+              <a:t>    &lt;/Packages&gt;</a:t>
+            </a:r>
+          </a:p>
+          <a:p>
+            <a:r>
+              <a:rPr lang="en-US" sz="1000">
+                <a:solidFill>
+                  <a:srgbClr val="0070C0"/>
+                </a:solidFill>
+              </a:rPr>
+              <a:t>&lt;/Biml&gt;</a:t>
+            </a:r>
+          </a:p>
+        </p:txBody>
+      </p:sp>
+      <p:sp>
+        <p:nvSpPr>
+          <p:cNvPr id="6" name="TextBox 5">
+            <a:extLst>
+              <a:ext uri="{FF2B5EF4-FFF2-40B4-BE49-F238E27FC236}">
+                <a16:creationId xmlns:a16="http://schemas.microsoft.com/office/drawing/2014/main" id="{FD9E25B2-B98A-404E-8A99-18D39477FA21}"/>
+              </a:ext>
+            </a:extLst>
+          </p:cNvPr>
+          <p:cNvSpPr txBox="1"/>
+          <p:nvPr/>
+        </p:nvSpPr>
+        <p:spPr>
+          <a:xfrm>
+            <a:off x="104503" y="3307270"/>
+            <a:ext cx="1464976" cy="378823"/>
+          </a:xfrm>
+          <a:prstGeom prst="rect">
+            <a:avLst/>
+          </a:prstGeom>
+          <a:noFill/>
+        </p:spPr>
+        <p:txBody>
+          <a:bodyPr wrap="square" rtlCol="0">
+            <a:spAutoFit/>
+          </a:bodyPr>
+          <a:lstStyle/>
+          <a:p>
+            <a:r>
+              <a:rPr lang="en-US"/>
+              <a:t>Example:</a:t>
+            </a:r>
+          </a:p>
+        </p:txBody>
+      </p:sp>
+    </p:spTree>
+    <p:extLst>
+      <p:ext uri="{BB962C8B-B14F-4D97-AF65-F5344CB8AC3E}">
+        <p14:creationId xmlns:p14="http://schemas.microsoft.com/office/powerpoint/2010/main" val="3004619362"/>
       </p:ext>
     </p:extLst>
   </p:cSld>

--- a/DA_13_miscellaneous.pptx
+++ b/DA_13_miscellaneous.pptx
@@ -5,7 +5,7 @@
     <p:sldMasterId id="2147483648" r:id="rId1"/>
   </p:sldMasterIdLst>
   <p:notesMasterIdLst>
-    <p:notesMasterId r:id="rId10"/>
+    <p:notesMasterId r:id="rId11"/>
   </p:notesMasterIdLst>
   <p:sldIdLst>
     <p:sldId id="260" r:id="rId2"/>
@@ -16,6 +16,7 @@
     <p:sldId id="261" r:id="rId7"/>
     <p:sldId id="262" r:id="rId8"/>
     <p:sldId id="263" r:id="rId9"/>
+    <p:sldId id="264" r:id="rId10"/>
   </p:sldIdLst>
   <p:sldSz cx="12192000" cy="6858000"/>
   <p:notesSz cx="6858000" cy="9144000"/>
@@ -8360,6 +8361,426 @@
     <p:extLst>
       <p:ext uri="{BB962C8B-B14F-4D97-AF65-F5344CB8AC3E}">
         <p14:creationId xmlns:p14="http://schemas.microsoft.com/office/powerpoint/2010/main" val="3004619362"/>
+      </p:ext>
+    </p:extLst>
+  </p:cSld>
+  <p:clrMapOvr>
+    <a:masterClrMapping/>
+  </p:clrMapOvr>
+</p:sld>
+</file>
+
+<file path=ppt/slides/slide9.xml><?xml version="1.0" encoding="utf-8"?>
+<p:sld xmlns:a="http://schemas.openxmlformats.org/drawingml/2006/main" xmlns:r="http://schemas.openxmlformats.org/officeDocument/2006/relationships" xmlns:p="http://schemas.openxmlformats.org/presentationml/2006/main">
+  <p:cSld>
+    <p:spTree>
+      <p:nvGrpSpPr>
+        <p:cNvPr id="1" name=""/>
+        <p:cNvGrpSpPr/>
+        <p:nvPr/>
+      </p:nvGrpSpPr>
+      <p:grpSpPr>
+        <a:xfrm>
+          <a:off x="0" y="0"/>
+          <a:ext cx="0" cy="0"/>
+          <a:chOff x="0" y="0"/>
+          <a:chExt cx="0" cy="0"/>
+        </a:xfrm>
+      </p:grpSpPr>
+      <p:sp>
+        <p:nvSpPr>
+          <p:cNvPr id="2" name="TextBox 1">
+            <a:extLst>
+              <a:ext uri="{FF2B5EF4-FFF2-40B4-BE49-F238E27FC236}">
+                <a16:creationId xmlns:a16="http://schemas.microsoft.com/office/drawing/2014/main" id="{74A59B12-ED6E-C546-BB1F-810ECEF65BD4}"/>
+              </a:ext>
+            </a:extLst>
+          </p:cNvPr>
+          <p:cNvSpPr txBox="1"/>
+          <p:nvPr/>
+        </p:nvSpPr>
+        <p:spPr>
+          <a:xfrm>
+            <a:off x="104503" y="104503"/>
+            <a:ext cx="2782388" cy="523220"/>
+          </a:xfrm>
+          <a:prstGeom prst="rect">
+            <a:avLst/>
+          </a:prstGeom>
+          <a:noFill/>
+        </p:spPr>
+        <p:txBody>
+          <a:bodyPr wrap="square" rtlCol="0">
+            <a:spAutoFit/>
+          </a:bodyPr>
+          <a:lstStyle/>
+          <a:p>
+            <a:r>
+              <a:rPr lang="en-US" sz="2800" b="1"/>
+              <a:t>SSIS</a:t>
+            </a:r>
+          </a:p>
+        </p:txBody>
+      </p:sp>
+      <p:sp>
+        <p:nvSpPr>
+          <p:cNvPr id="3" name="TextBox 2">
+            <a:extLst>
+              <a:ext uri="{FF2B5EF4-FFF2-40B4-BE49-F238E27FC236}">
+                <a16:creationId xmlns:a16="http://schemas.microsoft.com/office/drawing/2014/main" id="{865D7A83-727B-7148-A69D-2046D7A5164B}"/>
+              </a:ext>
+            </a:extLst>
+          </p:cNvPr>
+          <p:cNvSpPr txBox="1"/>
+          <p:nvPr/>
+        </p:nvSpPr>
+        <p:spPr>
+          <a:xfrm>
+            <a:off x="1097281" y="472329"/>
+            <a:ext cx="6204856" cy="830997"/>
+          </a:xfrm>
+          <a:prstGeom prst="rect">
+            <a:avLst/>
+          </a:prstGeom>
+          <a:noFill/>
+        </p:spPr>
+        <p:txBody>
+          <a:bodyPr wrap="square" rtlCol="0">
+            <a:spAutoFit/>
+          </a:bodyPr>
+          <a:lstStyle/>
+          <a:p>
+            <a:pPr marL="285750" indent="-285750">
+              <a:buFont typeface="Arial" panose="020B0604020202020204" pitchFamily="34" charset="0"/>
+              <a:buChar char="•"/>
+            </a:pPr>
+            <a:r>
+              <a:rPr lang="en-US" sz="1600"/>
+              <a:t>SSIS = SQL Server Integration Services</a:t>
+            </a:r>
+          </a:p>
+          <a:p>
+            <a:pPr marL="285750" indent="-285750">
+              <a:buFont typeface="Arial" panose="020B0604020202020204" pitchFamily="34" charset="0"/>
+              <a:buChar char="•"/>
+            </a:pPr>
+            <a:r>
+              <a:rPr lang="en-US" sz="1600"/>
+              <a:t>It is a component of the Microsoft SQL Server database software</a:t>
+            </a:r>
+          </a:p>
+          <a:p>
+            <a:pPr marL="285750" indent="-285750">
+              <a:buFont typeface="Arial" panose="020B0604020202020204" pitchFamily="34" charset="0"/>
+              <a:buChar char="•"/>
+            </a:pPr>
+            <a:r>
+              <a:rPr lang="en-US" sz="1600"/>
+              <a:t>It can perform broad range of ETL / data migration tasks</a:t>
+            </a:r>
+          </a:p>
+        </p:txBody>
+      </p:sp>
+      <p:pic>
+        <p:nvPicPr>
+          <p:cNvPr id="4" name="Picture 3">
+            <a:extLst>
+              <a:ext uri="{FF2B5EF4-FFF2-40B4-BE49-F238E27FC236}">
+                <a16:creationId xmlns:a16="http://schemas.microsoft.com/office/drawing/2014/main" id="{5E7EA39A-E2BA-394E-B4A4-61CFDFA0270C}"/>
+              </a:ext>
+            </a:extLst>
+          </p:cNvPr>
+          <p:cNvPicPr>
+            <a:picLocks noChangeAspect="1"/>
+          </p:cNvPicPr>
+          <p:nvPr/>
+        </p:nvPicPr>
+        <p:blipFill>
+          <a:blip r:embed="rId2" cstate="email">
+            <a:extLst>
+              <a:ext uri="{28A0092B-C50C-407E-A947-70E740481C1C}">
+                <a14:useLocalDpi xmlns:a14="http://schemas.microsoft.com/office/drawing/2010/main"/>
+              </a:ext>
+            </a:extLst>
+          </a:blip>
+          <a:stretch>
+            <a:fillRect/>
+          </a:stretch>
+        </p:blipFill>
+        <p:spPr>
+          <a:xfrm>
+            <a:off x="8340997" y="163759"/>
+            <a:ext cx="3746500" cy="1231900"/>
+          </a:xfrm>
+          <a:prstGeom prst="rect">
+            <a:avLst/>
+          </a:prstGeom>
+        </p:spPr>
+      </p:pic>
+      <p:sp>
+        <p:nvSpPr>
+          <p:cNvPr id="5" name="TextBox 4">
+            <a:extLst>
+              <a:ext uri="{FF2B5EF4-FFF2-40B4-BE49-F238E27FC236}">
+                <a16:creationId xmlns:a16="http://schemas.microsoft.com/office/drawing/2014/main" id="{D05CDBC4-5222-EE4B-B53D-2B29EFC604F1}"/>
+              </a:ext>
+            </a:extLst>
+          </p:cNvPr>
+          <p:cNvSpPr txBox="1"/>
+          <p:nvPr/>
+        </p:nvSpPr>
+        <p:spPr>
+          <a:xfrm>
+            <a:off x="372291" y="1657269"/>
+            <a:ext cx="10006149" cy="5047536"/>
+          </a:xfrm>
+          <a:prstGeom prst="rect">
+            <a:avLst/>
+          </a:prstGeom>
+          <a:noFill/>
+        </p:spPr>
+        <p:txBody>
+          <a:bodyPr wrap="square" rtlCol="0">
+            <a:spAutoFit/>
+          </a:bodyPr>
+          <a:lstStyle/>
+          <a:p>
+            <a:r>
+              <a:rPr lang="en-US" sz="1400"/>
+              <a:t>Advantages (Pros):</a:t>
+            </a:r>
+          </a:p>
+          <a:p>
+            <a:endParaRPr lang="en-US" sz="1400"/>
+          </a:p>
+          <a:p>
+            <a:pPr marL="285750" indent="-285750">
+              <a:buFont typeface="Arial" panose="020B0604020202020204" pitchFamily="34" charset="0"/>
+              <a:buChar char="•"/>
+            </a:pPr>
+            <a:r>
+              <a:rPr lang="en-US" sz="1400" b="1">
+                <a:solidFill>
+                  <a:srgbClr val="FF0000"/>
+                </a:solidFill>
+              </a:rPr>
+              <a:t>SSIS</a:t>
+            </a:r>
+            <a:r>
+              <a:rPr lang="en-US" sz="1400"/>
+              <a:t> can handle data from heterogeneous data sources at a same package (for example, DB2 to Oracle)</a:t>
+            </a:r>
+          </a:p>
+          <a:p>
+            <a:pPr marL="285750" indent="-285750">
+              <a:buFont typeface="Arial" panose="020B0604020202020204" pitchFamily="34" charset="0"/>
+              <a:buChar char="•"/>
+            </a:pPr>
+            <a:r>
+              <a:rPr lang="en-US" sz="1400" b="1">
+                <a:solidFill>
+                  <a:srgbClr val="FF0000"/>
+                </a:solidFill>
+              </a:rPr>
+              <a:t>SSIS</a:t>
+            </a:r>
+            <a:r>
+              <a:rPr lang="en-US" sz="1400"/>
+              <a:t> consumes data which are difficult like FTP, HTTP,MSMQ, and Analysis services etc.…</a:t>
+            </a:r>
+          </a:p>
+          <a:p>
+            <a:pPr marL="285750" indent="-285750">
+              <a:buFont typeface="Arial" panose="020B0604020202020204" pitchFamily="34" charset="0"/>
+              <a:buChar char="•"/>
+            </a:pPr>
+            <a:r>
+              <a:rPr lang="en-US" sz="1400" b="1">
+                <a:solidFill>
+                  <a:srgbClr val="FF0000"/>
+                </a:solidFill>
+              </a:rPr>
+              <a:t>SSIS</a:t>
+            </a:r>
+            <a:r>
+              <a:rPr lang="en-US" sz="1400"/>
+              <a:t> provides transformation functionality</a:t>
+            </a:r>
+          </a:p>
+          <a:p>
+            <a:pPr marL="285750" indent="-285750">
+              <a:buFont typeface="Arial" panose="020B0604020202020204" pitchFamily="34" charset="0"/>
+              <a:buChar char="•"/>
+            </a:pPr>
+            <a:r>
+              <a:rPr lang="en-US" sz="1400"/>
+              <a:t>Easier to maintain-and-package configuration</a:t>
+            </a:r>
+          </a:p>
+          <a:p>
+            <a:pPr marL="285750" indent="-285750">
+              <a:buFont typeface="Arial" panose="020B0604020202020204" pitchFamily="34" charset="0"/>
+              <a:buChar char="•"/>
+            </a:pPr>
+            <a:r>
+              <a:rPr lang="en-US" sz="1400"/>
+              <a:t>Tightly integrated with Microsoft Visual Studio and SQL Server</a:t>
+            </a:r>
+          </a:p>
+          <a:p>
+            <a:pPr marL="285750" indent="-285750">
+              <a:buFont typeface="Arial" panose="020B0604020202020204" pitchFamily="34" charset="0"/>
+              <a:buChar char="•"/>
+            </a:pPr>
+            <a:r>
+              <a:rPr lang="en-US" sz="1400"/>
+              <a:t>Use the SQL Server Destination instead of OLE DB; which allows you to load data into SQL faster</a:t>
+            </a:r>
+          </a:p>
+          <a:p>
+            <a:pPr marL="285750" indent="-285750">
+              <a:buFont typeface="Arial" panose="020B0604020202020204" pitchFamily="34" charset="0"/>
+              <a:buChar char="•"/>
+            </a:pPr>
+            <a:r>
+              <a:rPr lang="en-US" sz="1400"/>
+              <a:t>Remove network as a bottleneck for insertion of data by SSIS into SQL</a:t>
+            </a:r>
+          </a:p>
+          <a:p>
+            <a:pPr marL="285750" indent="-285750">
+              <a:buFont typeface="Arial" panose="020B0604020202020204" pitchFamily="34" charset="0"/>
+              <a:buChar char="•"/>
+            </a:pPr>
+            <a:r>
+              <a:rPr lang="en-US" sz="1400"/>
+              <a:t>Better for complex transformations, multi-step operations, aggregating data from different data sources or types, and structured exception handling</a:t>
+            </a:r>
+          </a:p>
+          <a:p>
+            <a:pPr marL="285750" indent="-285750">
+              <a:buFont typeface="Arial" panose="020B0604020202020204" pitchFamily="34" charset="0"/>
+              <a:buChar char="•"/>
+            </a:pPr>
+            <a:r>
+              <a:rPr lang="en-US" sz="1400"/>
+              <a:t>Data can be loaded in parallel to many varied destinations</a:t>
+            </a:r>
+          </a:p>
+          <a:p>
+            <a:pPr marL="285750" indent="-285750">
+              <a:buFont typeface="Arial" panose="020B0604020202020204" pitchFamily="34" charset="0"/>
+              <a:buChar char="•"/>
+            </a:pPr>
+            <a:r>
+              <a:rPr lang="en-US" sz="1400"/>
+              <a:t>Package deployment methodology is good</a:t>
+            </a:r>
+          </a:p>
+          <a:p>
+            <a:pPr marL="285750" indent="-285750">
+              <a:buFont typeface="Arial" panose="020B0604020202020204" pitchFamily="34" charset="0"/>
+              <a:buChar char="•"/>
+            </a:pPr>
+            <a:r>
+              <a:rPr lang="en-US" sz="1400"/>
+              <a:t>SSIS is easy to use. All you need is knowledge of T-SQL and SSIS. </a:t>
+            </a:r>
+            <a:br>
+              <a:rPr lang="en-US" sz="1400"/>
+            </a:br>
+            <a:r>
+              <a:rPr lang="en-US" sz="1400"/>
+              <a:t>Note - SSIS also allows you  to use C# or Visual Basic.</a:t>
+            </a:r>
+            <a:br>
+              <a:rPr lang="en-US" sz="1400"/>
+            </a:br>
+            <a:endParaRPr lang="en-US" sz="1400"/>
+          </a:p>
+          <a:p>
+            <a:r>
+              <a:rPr lang="en-US" sz="1400"/>
+              <a:t>Disadvantages (Cons):</a:t>
+            </a:r>
+          </a:p>
+          <a:p>
+            <a:endParaRPr lang="en-US" sz="1400"/>
+          </a:p>
+          <a:p>
+            <a:pPr marL="285750" indent="-285750">
+              <a:buFont typeface="Arial" panose="020B0604020202020204" pitchFamily="34" charset="0"/>
+              <a:buChar char="•"/>
+            </a:pPr>
+            <a:r>
+              <a:rPr lang="en-US" sz="1400"/>
+              <a:t>To see package execution report need </a:t>
+            </a:r>
+            <a:r>
+              <a:rPr lang="en-US" sz="1400" b="1">
+                <a:solidFill>
+                  <a:srgbClr val="FF0000"/>
+                </a:solidFill>
+              </a:rPr>
+              <a:t>Management Studio</a:t>
+            </a:r>
+            <a:r>
+              <a:rPr lang="en-US" sz="1400"/>
+              <a:t> rather than being published to reporting services or other way</a:t>
+            </a:r>
+          </a:p>
+          <a:p>
+            <a:pPr marL="285750" indent="-285750">
+              <a:buFont typeface="Arial" panose="020B0604020202020204" pitchFamily="34" charset="0"/>
+              <a:buChar char="•"/>
+            </a:pPr>
+            <a:r>
+              <a:rPr lang="en-US" sz="1400"/>
+              <a:t>SSIS memory usage is high and it conflicts with SQL, difficult to run multiple packages in parallel.</a:t>
+            </a:r>
+          </a:p>
+          <a:p>
+            <a:pPr marL="285750" indent="-285750">
+              <a:buFont typeface="Arial" panose="020B0604020202020204" pitchFamily="34" charset="0"/>
+              <a:buChar char="•"/>
+            </a:pPr>
+            <a:r>
+              <a:rPr lang="en-US" sz="1400"/>
+              <a:t>In case of CPU allocation it also a problematic case when you have more packages to run parallel. </a:t>
+            </a:r>
+            <a:br>
+              <a:rPr lang="en-US" sz="1400"/>
+            </a:br>
+            <a:r>
+              <a:rPr lang="en-US" sz="1400"/>
+              <a:t>You need to ensure that processer allocation between SQL and SSIS is done properly </a:t>
+            </a:r>
+            <a:br>
+              <a:rPr lang="en-US" sz="1400"/>
+            </a:br>
+            <a:r>
+              <a:rPr lang="en-US" sz="1400"/>
+              <a:t>otherwise SQL have upper hand in it and due to that </a:t>
+            </a:r>
+            <a:r>
+              <a:rPr lang="en-US" sz="1400" b="1">
+                <a:solidFill>
+                  <a:srgbClr val="FF0000"/>
+                </a:solidFill>
+              </a:rPr>
+              <a:t>SSIS</a:t>
+            </a:r>
+            <a:r>
+              <a:rPr lang="en-US" sz="1400"/>
+              <a:t> run very slow</a:t>
+            </a:r>
+          </a:p>
+        </p:txBody>
+      </p:sp>
+    </p:spTree>
+    <p:extLst>
+      <p:ext uri="{BB962C8B-B14F-4D97-AF65-F5344CB8AC3E}">
+        <p14:creationId xmlns:p14="http://schemas.microsoft.com/office/powerpoint/2010/main" val="503094276"/>
       </p:ext>
     </p:extLst>
   </p:cSld>

--- a/DA_13_miscellaneous.pptx
+++ b/DA_13_miscellaneous.pptx
@@ -5,7 +5,7 @@
     <p:sldMasterId id="2147483648" r:id="rId1"/>
   </p:sldMasterIdLst>
   <p:notesMasterIdLst>
-    <p:notesMasterId r:id="rId11"/>
+    <p:notesMasterId r:id="rId12"/>
   </p:notesMasterIdLst>
   <p:sldIdLst>
     <p:sldId id="260" r:id="rId2"/>
@@ -17,6 +17,7 @@
     <p:sldId id="262" r:id="rId8"/>
     <p:sldId id="263" r:id="rId9"/>
     <p:sldId id="264" r:id="rId10"/>
+    <p:sldId id="265" r:id="rId11"/>
   </p:sldIdLst>
   <p:sldSz cx="12192000" cy="6858000"/>
   <p:notesSz cx="6858000" cy="9144000"/>
@@ -205,7 +206,7 @@
           <a:p>
             <a:fld id="{C2E15B94-D9E4-E149-8081-23A720D1EE5F}" type="datetimeFigureOut">
               <a:rPr lang="en-US" smtClean="0"/>
-              <a:t>12/3/21</a:t>
+              <a:t>12/5/21</a:t>
             </a:fld>
             <a:endParaRPr lang="en-US"/>
           </a:p>
@@ -619,7 +620,7 @@
           <a:p>
             <a:fld id="{FBD852D7-E694-214E-8A12-510E0A0329D2}" type="datetimeFigureOut">
               <a:rPr lang="en-US" smtClean="0"/>
-              <a:t>12/3/21</a:t>
+              <a:t>12/5/21</a:t>
             </a:fld>
             <a:endParaRPr lang="en-US"/>
           </a:p>
@@ -817,7 +818,7 @@
           <a:p>
             <a:fld id="{FBD852D7-E694-214E-8A12-510E0A0329D2}" type="datetimeFigureOut">
               <a:rPr lang="en-US" smtClean="0"/>
-              <a:t>12/3/21</a:t>
+              <a:t>12/5/21</a:t>
             </a:fld>
             <a:endParaRPr lang="en-US"/>
           </a:p>
@@ -1025,7 +1026,7 @@
           <a:p>
             <a:fld id="{FBD852D7-E694-214E-8A12-510E0A0329D2}" type="datetimeFigureOut">
               <a:rPr lang="en-US" smtClean="0"/>
-              <a:t>12/3/21</a:t>
+              <a:t>12/5/21</a:t>
             </a:fld>
             <a:endParaRPr lang="en-US"/>
           </a:p>
@@ -1223,7 +1224,7 @@
           <a:p>
             <a:fld id="{FBD852D7-E694-214E-8A12-510E0A0329D2}" type="datetimeFigureOut">
               <a:rPr lang="en-US" smtClean="0"/>
-              <a:t>12/3/21</a:t>
+              <a:t>12/5/21</a:t>
             </a:fld>
             <a:endParaRPr lang="en-US"/>
           </a:p>
@@ -1498,7 +1499,7 @@
           <a:p>
             <a:fld id="{FBD852D7-E694-214E-8A12-510E0A0329D2}" type="datetimeFigureOut">
               <a:rPr lang="en-US" smtClean="0"/>
-              <a:t>12/3/21</a:t>
+              <a:t>12/5/21</a:t>
             </a:fld>
             <a:endParaRPr lang="en-US"/>
           </a:p>
@@ -1763,7 +1764,7 @@
           <a:p>
             <a:fld id="{FBD852D7-E694-214E-8A12-510E0A0329D2}" type="datetimeFigureOut">
               <a:rPr lang="en-US" smtClean="0"/>
-              <a:t>12/3/21</a:t>
+              <a:t>12/5/21</a:t>
             </a:fld>
             <a:endParaRPr lang="en-US"/>
           </a:p>
@@ -2175,7 +2176,7 @@
           <a:p>
             <a:fld id="{FBD852D7-E694-214E-8A12-510E0A0329D2}" type="datetimeFigureOut">
               <a:rPr lang="en-US" smtClean="0"/>
-              <a:t>12/3/21</a:t>
+              <a:t>12/5/21</a:t>
             </a:fld>
             <a:endParaRPr lang="en-US"/>
           </a:p>
@@ -2316,7 +2317,7 @@
           <a:p>
             <a:fld id="{FBD852D7-E694-214E-8A12-510E0A0329D2}" type="datetimeFigureOut">
               <a:rPr lang="en-US" smtClean="0"/>
-              <a:t>12/3/21</a:t>
+              <a:t>12/5/21</a:t>
             </a:fld>
             <a:endParaRPr lang="en-US"/>
           </a:p>
@@ -2429,7 +2430,7 @@
           <a:p>
             <a:fld id="{FBD852D7-E694-214E-8A12-510E0A0329D2}" type="datetimeFigureOut">
               <a:rPr lang="en-US" smtClean="0"/>
-              <a:t>12/3/21</a:t>
+              <a:t>12/5/21</a:t>
             </a:fld>
             <a:endParaRPr lang="en-US"/>
           </a:p>
@@ -2740,7 +2741,7 @@
           <a:p>
             <a:fld id="{FBD852D7-E694-214E-8A12-510E0A0329D2}" type="datetimeFigureOut">
               <a:rPr lang="en-US" smtClean="0"/>
-              <a:t>12/3/21</a:t>
+              <a:t>12/5/21</a:t>
             </a:fld>
             <a:endParaRPr lang="en-US"/>
           </a:p>
@@ -3028,7 +3029,7 @@
           <a:p>
             <a:fld id="{FBD852D7-E694-214E-8A12-510E0A0329D2}" type="datetimeFigureOut">
               <a:rPr lang="en-US" smtClean="0"/>
-              <a:t>12/3/21</a:t>
+              <a:t>12/5/21</a:t>
             </a:fld>
             <a:endParaRPr lang="en-US"/>
           </a:p>
@@ -3269,7 +3270,7 @@
           <a:p>
             <a:fld id="{FBD852D7-E694-214E-8A12-510E0A0329D2}" type="datetimeFigureOut">
               <a:rPr lang="en-US" smtClean="0"/>
-              <a:t>12/3/21</a:t>
+              <a:t>12/5/21</a:t>
             </a:fld>
             <a:endParaRPr lang="en-US"/>
           </a:p>
@@ -4197,6 +4198,616 @@
 </p:sld>
 </file>
 
+<file path=ppt/slides/slide10.xml><?xml version="1.0" encoding="utf-8"?>
+<p:sld xmlns:a="http://schemas.openxmlformats.org/drawingml/2006/main" xmlns:r="http://schemas.openxmlformats.org/officeDocument/2006/relationships" xmlns:p="http://schemas.openxmlformats.org/presentationml/2006/main">
+  <p:cSld>
+    <p:spTree>
+      <p:nvGrpSpPr>
+        <p:cNvPr id="1" name=""/>
+        <p:cNvGrpSpPr/>
+        <p:nvPr/>
+      </p:nvGrpSpPr>
+      <p:grpSpPr>
+        <a:xfrm>
+          <a:off x="0" y="0"/>
+          <a:ext cx="0" cy="0"/>
+          <a:chOff x="0" y="0"/>
+          <a:chExt cx="0" cy="0"/>
+        </a:xfrm>
+      </p:grpSpPr>
+      <p:sp>
+        <p:nvSpPr>
+          <p:cNvPr id="2" name="TextBox 1">
+            <a:extLst>
+              <a:ext uri="{FF2B5EF4-FFF2-40B4-BE49-F238E27FC236}">
+                <a16:creationId xmlns:a16="http://schemas.microsoft.com/office/drawing/2014/main" id="{CD334FBC-21ED-8745-9D7E-30820A6410A7}"/>
+              </a:ext>
+            </a:extLst>
+          </p:cNvPr>
+          <p:cNvSpPr txBox="1"/>
+          <p:nvPr/>
+        </p:nvSpPr>
+        <p:spPr>
+          <a:xfrm>
+            <a:off x="5729288" y="243512"/>
+            <a:ext cx="6248399" cy="6370975"/>
+          </a:xfrm>
+          <a:prstGeom prst="rect">
+            <a:avLst/>
+          </a:prstGeom>
+          <a:noFill/>
+        </p:spPr>
+        <p:txBody>
+          <a:bodyPr wrap="square" rtlCol="0">
+            <a:spAutoFit/>
+          </a:bodyPr>
+          <a:lstStyle/>
+          <a:p>
+            <a:r>
+              <a:rPr lang="en-US" sz="1400" b="1">
+                <a:solidFill>
+                  <a:srgbClr val="FF0000"/>
+                </a:solidFill>
+              </a:rPr>
+              <a:t>The following is the XSD definition for the ExecutableTypePackage complex type. </a:t>
+            </a:r>
+          </a:p>
+          <a:p>
+            <a:endParaRPr lang="en-US" sz="1000">
+              <a:solidFill>
+                <a:srgbClr val="0070C0"/>
+              </a:solidFill>
+            </a:endParaRPr>
+          </a:p>
+          <a:p>
+            <a:r>
+              <a:rPr lang="en-US" sz="1000">
+                <a:solidFill>
+                  <a:srgbClr val="0070C0"/>
+                </a:solidFill>
+              </a:rPr>
+              <a:t>      &lt;xs:complexType name="ExecutableTypePackage"&gt;</a:t>
+            </a:r>
+          </a:p>
+          <a:p>
+            <a:r>
+              <a:rPr lang="en-US" sz="1000">
+                <a:solidFill>
+                  <a:srgbClr val="0070C0"/>
+                </a:solidFill>
+              </a:rPr>
+              <a:t>        &lt;xs:sequence&gt;</a:t>
+            </a:r>
+          </a:p>
+          <a:p>
+            <a:r>
+              <a:rPr lang="en-US" sz="1000">
+                <a:solidFill>
+                  <a:srgbClr val="0070C0"/>
+                </a:solidFill>
+              </a:rPr>
+              <a:t>          &lt;xs:element name="Property" maxOccurs="unbounded"&gt;</a:t>
+            </a:r>
+          </a:p>
+          <a:p>
+            <a:r>
+              <a:rPr lang="en-US" sz="1000">
+                <a:solidFill>
+                  <a:srgbClr val="0070C0"/>
+                </a:solidFill>
+              </a:rPr>
+              <a:t>            &lt;xs:complexType&gt;</a:t>
+            </a:r>
+          </a:p>
+          <a:p>
+            <a:r>
+              <a:rPr lang="en-US" sz="1000">
+                <a:solidFill>
+                  <a:srgbClr val="0070C0"/>
+                </a:solidFill>
+              </a:rPr>
+              <a:t>              &lt;xs:complexContent&gt;</a:t>
+            </a:r>
+          </a:p>
+          <a:p>
+            <a:r>
+              <a:rPr lang="en-US" sz="1000">
+                <a:solidFill>
+                  <a:srgbClr val="0070C0"/>
+                </a:solidFill>
+              </a:rPr>
+              <a:t>                &lt;xs:extension base="DTS:PropertyElementBaseType"&gt;</a:t>
+            </a:r>
+          </a:p>
+          <a:p>
+            <a:r>
+              <a:rPr lang="en-US" sz="1000">
+                <a:solidFill>
+                  <a:srgbClr val="0070C0"/>
+                </a:solidFill>
+              </a:rPr>
+              <a:t>                  &lt;xs:attribute name="Name"</a:t>
+            </a:r>
+          </a:p>
+          <a:p>
+            <a:r>
+              <a:rPr lang="en-US" sz="1000">
+                <a:solidFill>
+                  <a:srgbClr val="0070C0"/>
+                </a:solidFill>
+              </a:rPr>
+              <a:t>                      type="DTS:ExecutableTypePackagePropertyNameEnum"</a:t>
+            </a:r>
+          </a:p>
+          <a:p>
+            <a:r>
+              <a:rPr lang="en-US" sz="1000">
+                <a:solidFill>
+                  <a:srgbClr val="0070C0"/>
+                </a:solidFill>
+              </a:rPr>
+              <a:t>                      use="required"/&gt;</a:t>
+            </a:r>
+          </a:p>
+          <a:p>
+            <a:r>
+              <a:rPr lang="en-US" sz="1000">
+                <a:solidFill>
+                  <a:srgbClr val="0070C0"/>
+                </a:solidFill>
+              </a:rPr>
+              <a:t>                &lt;/xs:extension&gt;</a:t>
+            </a:r>
+          </a:p>
+          <a:p>
+            <a:r>
+              <a:rPr lang="en-US" sz="1000">
+                <a:solidFill>
+                  <a:srgbClr val="0070C0"/>
+                </a:solidFill>
+              </a:rPr>
+              <a:t>              &lt;/xs:complexContent&gt;</a:t>
+            </a:r>
+          </a:p>
+          <a:p>
+            <a:r>
+              <a:rPr lang="en-US" sz="1000">
+                <a:solidFill>
+                  <a:srgbClr val="0070C0"/>
+                </a:solidFill>
+              </a:rPr>
+              <a:t>            &lt;/xs:complexType&gt;</a:t>
+            </a:r>
+          </a:p>
+          <a:p>
+            <a:r>
+              <a:rPr lang="en-US" sz="1000">
+                <a:solidFill>
+                  <a:srgbClr val="0070C0"/>
+                </a:solidFill>
+              </a:rPr>
+              <a:t>          &lt;/xs:element&gt;</a:t>
+            </a:r>
+          </a:p>
+          <a:p>
+            <a:r>
+              <a:rPr lang="en-US" sz="1000">
+                <a:solidFill>
+                  <a:srgbClr val="0070C0"/>
+                </a:solidFill>
+              </a:rPr>
+              <a:t>          &lt;xs:element name="ConnectionManager" type="DTS:ConnectionManagerType"</a:t>
+            </a:r>
+          </a:p>
+          <a:p>
+            <a:r>
+              <a:rPr lang="en-US" sz="1000">
+                <a:solidFill>
+                  <a:srgbClr val="0070C0"/>
+                </a:solidFill>
+              </a:rPr>
+              <a:t>                      minOccurs="0" maxOccurs="unbounded"/&gt;</a:t>
+            </a:r>
+          </a:p>
+          <a:p>
+            <a:r>
+              <a:rPr lang="en-US" sz="1000">
+                <a:solidFill>
+                  <a:srgbClr val="0070C0"/>
+                </a:solidFill>
+              </a:rPr>
+              <a:t>          &lt;xs:element name="Configuration" type="DTS:ConfigurationType"</a:t>
+            </a:r>
+          </a:p>
+          <a:p>
+            <a:r>
+              <a:rPr lang="en-US" sz="1000">
+                <a:solidFill>
+                  <a:srgbClr val="0070C0"/>
+                </a:solidFill>
+              </a:rPr>
+              <a:t>                      minOccurs="0" maxOccurs="unbounded"/&gt;</a:t>
+            </a:r>
+          </a:p>
+          <a:p>
+            <a:r>
+              <a:rPr lang="en-US" sz="1000">
+                <a:solidFill>
+                  <a:srgbClr val="0070C0"/>
+                </a:solidFill>
+              </a:rPr>
+              <a:t>          &lt;xs:element name="LogProvider" type="DTS:LogProviderType"</a:t>
+            </a:r>
+          </a:p>
+          <a:p>
+            <a:r>
+              <a:rPr lang="en-US" sz="1000">
+                <a:solidFill>
+                  <a:srgbClr val="0070C0"/>
+                </a:solidFill>
+              </a:rPr>
+              <a:t>                      minOccurs="0" maxOccurs="unbounded"/&gt;</a:t>
+            </a:r>
+          </a:p>
+          <a:p>
+            <a:r>
+              <a:rPr lang="en-US" sz="1000">
+                <a:solidFill>
+                  <a:srgbClr val="0070C0"/>
+                </a:solidFill>
+              </a:rPr>
+              <a:t>          &lt;xs:element name="Variable" type="DTS:VariableType"</a:t>
+            </a:r>
+          </a:p>
+          <a:p>
+            <a:r>
+              <a:rPr lang="en-US" sz="1000">
+                <a:solidFill>
+                  <a:srgbClr val="0070C0"/>
+                </a:solidFill>
+              </a:rPr>
+              <a:t>                      maxOccurs="unbounded"/&gt;</a:t>
+            </a:r>
+          </a:p>
+          <a:p>
+            <a:r>
+              <a:rPr lang="en-US" sz="1000">
+                <a:solidFill>
+                  <a:srgbClr val="0070C0"/>
+                </a:solidFill>
+              </a:rPr>
+              <a:t>          &lt;xs:element name="LoggingOptions" type="DTS:LoggingOptionsType" /&gt;</a:t>
+            </a:r>
+          </a:p>
+          <a:p>
+            <a:r>
+              <a:rPr lang="en-US" sz="1000">
+                <a:solidFill>
+                  <a:srgbClr val="0070C0"/>
+                </a:solidFill>
+              </a:rPr>
+              <a:t>          &lt;xs:element name="PropertyExpression" </a:t>
+            </a:r>
+          </a:p>
+          <a:p>
+            <a:r>
+              <a:rPr lang="en-US" sz="1000">
+                <a:solidFill>
+                  <a:srgbClr val="0070C0"/>
+                </a:solidFill>
+              </a:rPr>
+              <a:t>                      type="DTS:PropertyExpressionElementType"</a:t>
+            </a:r>
+          </a:p>
+          <a:p>
+            <a:r>
+              <a:rPr lang="en-US" sz="1000">
+                <a:solidFill>
+                  <a:srgbClr val="0070C0"/>
+                </a:solidFill>
+              </a:rPr>
+              <a:t>                      minOccurs="0" maxOccurs="unbounded"/&gt;</a:t>
+            </a:r>
+          </a:p>
+          <a:p>
+            <a:r>
+              <a:rPr lang="en-US" sz="1000">
+                <a:solidFill>
+                  <a:srgbClr val="0070C0"/>
+                </a:solidFill>
+              </a:rPr>
+              <a:t>          &lt;xs:element name="Executable" type="DTS:AnyNonPackageExecutableType"</a:t>
+            </a:r>
+          </a:p>
+          <a:p>
+            <a:r>
+              <a:rPr lang="en-US" sz="1000">
+                <a:solidFill>
+                  <a:srgbClr val="0070C0"/>
+                </a:solidFill>
+              </a:rPr>
+              <a:t>                    minOccurs="0" maxOccurs="unbounded"/&gt;</a:t>
+            </a:r>
+          </a:p>
+          <a:p>
+            <a:r>
+              <a:rPr lang="en-US" sz="1000">
+                <a:solidFill>
+                  <a:srgbClr val="0070C0"/>
+                </a:solidFill>
+              </a:rPr>
+              <a:t>          &lt;xs:element name="PrecedenceConstraint"</a:t>
+            </a:r>
+          </a:p>
+          <a:p>
+            <a:r>
+              <a:rPr lang="en-US" sz="1000">
+                <a:solidFill>
+                  <a:srgbClr val="0070C0"/>
+                </a:solidFill>
+              </a:rPr>
+              <a:t>                      type="DTS:PrecedenceConstraintType"</a:t>
+            </a:r>
+          </a:p>
+          <a:p>
+            <a:r>
+              <a:rPr lang="en-US" sz="1000">
+                <a:solidFill>
+                  <a:srgbClr val="0070C0"/>
+                </a:solidFill>
+              </a:rPr>
+              <a:t>                      minOccurs="0" maxOccurs="unbounded"/&gt;</a:t>
+            </a:r>
+          </a:p>
+          <a:p>
+            <a:r>
+              <a:rPr lang="en-US" sz="1000">
+                <a:solidFill>
+                  <a:srgbClr val="0070C0"/>
+                </a:solidFill>
+              </a:rPr>
+              <a:t>          &lt;xs:element name="EventHandler" type="DTS:EventHandlerType"</a:t>
+            </a:r>
+          </a:p>
+          <a:p>
+            <a:r>
+              <a:rPr lang="en-US" sz="1000">
+                <a:solidFill>
+                  <a:srgbClr val="0070C0"/>
+                </a:solidFill>
+              </a:rPr>
+              <a:t>                      minOccurs="0" maxOccurs="unbounded"/&gt;</a:t>
+            </a:r>
+          </a:p>
+          <a:p>
+            <a:r>
+              <a:rPr lang="en-US" sz="1000">
+                <a:solidFill>
+                  <a:srgbClr val="0070C0"/>
+                </a:solidFill>
+              </a:rPr>
+              <a:t>          &lt;xs:element name="PackageVariable" type="DTS:PackageVariableType"</a:t>
+            </a:r>
+          </a:p>
+          <a:p>
+            <a:r>
+              <a:rPr lang="en-US" sz="1000">
+                <a:solidFill>
+                  <a:srgbClr val="0070C0"/>
+                </a:solidFill>
+              </a:rPr>
+              <a:t>                      minOccurs="0" maxOccurs="unbounded"/&gt;</a:t>
+            </a:r>
+          </a:p>
+          <a:p>
+            <a:r>
+              <a:rPr lang="en-US" sz="1000">
+                <a:solidFill>
+                  <a:srgbClr val="0070C0"/>
+                </a:solidFill>
+              </a:rPr>
+              <a:t>        &lt;/xs:sequence&gt;</a:t>
+            </a:r>
+          </a:p>
+          <a:p>
+            <a:r>
+              <a:rPr lang="en-US" sz="1000">
+                <a:solidFill>
+                  <a:srgbClr val="0070C0"/>
+                </a:solidFill>
+              </a:rPr>
+              <a:t>        &lt;xs:attribute name="ExecutableType" use="required"</a:t>
+            </a:r>
+          </a:p>
+          <a:p>
+            <a:r>
+              <a:rPr lang="en-US" sz="1000">
+                <a:solidFill>
+                  <a:srgbClr val="0070C0"/>
+                </a:solidFill>
+              </a:rPr>
+              <a:t>                  fixed="SSIS.Package.2" /&gt;</a:t>
+            </a:r>
+          </a:p>
+          <a:p>
+            <a:r>
+              <a:rPr lang="en-US" sz="1000">
+                <a:solidFill>
+                  <a:srgbClr val="0070C0"/>
+                </a:solidFill>
+              </a:rPr>
+              <a:t>      &lt;/xs:complexType&gt;</a:t>
+            </a:r>
+          </a:p>
+        </p:txBody>
+      </p:sp>
+      <p:sp>
+        <p:nvSpPr>
+          <p:cNvPr id="3" name="TextBox 2">
+            <a:extLst>
+              <a:ext uri="{FF2B5EF4-FFF2-40B4-BE49-F238E27FC236}">
+                <a16:creationId xmlns:a16="http://schemas.microsoft.com/office/drawing/2014/main" id="{7CADDFCB-F9BA-3741-AA48-9D306FD615BE}"/>
+              </a:ext>
+            </a:extLst>
+          </p:cNvPr>
+          <p:cNvSpPr txBox="1"/>
+          <p:nvPr/>
+        </p:nvSpPr>
+        <p:spPr>
+          <a:xfrm>
+            <a:off x="214313" y="957263"/>
+            <a:ext cx="4700587" cy="3416320"/>
+          </a:xfrm>
+          <a:prstGeom prst="rect">
+            <a:avLst/>
+          </a:prstGeom>
+          <a:noFill/>
+        </p:spPr>
+        <p:txBody>
+          <a:bodyPr wrap="square" rtlCol="0">
+            <a:spAutoFit/>
+          </a:bodyPr>
+          <a:lstStyle/>
+          <a:p>
+            <a:r>
+              <a:rPr lang="en-US"/>
+              <a:t>In </a:t>
+            </a:r>
+            <a:r>
+              <a:rPr lang="en-US" b="1">
+                <a:solidFill>
+                  <a:srgbClr val="FF0000"/>
+                </a:solidFill>
+              </a:rPr>
+              <a:t>SSIS</a:t>
+            </a:r>
+            <a:r>
+              <a:rPr lang="en-US"/>
+              <a:t> you create and execute </a:t>
+            </a:r>
+            <a:r>
+              <a:rPr lang="en-US" b="1">
+                <a:solidFill>
+                  <a:srgbClr val="FF0000"/>
+                </a:solidFill>
+              </a:rPr>
+              <a:t>SSIS packages</a:t>
+            </a:r>
+            <a:r>
+              <a:rPr lang="en-US"/>
+              <a:t>, (files with extension .</a:t>
+            </a:r>
+            <a:r>
+              <a:rPr lang="en-US" b="1">
+                <a:solidFill>
+                  <a:srgbClr val="FF0000"/>
+                </a:solidFill>
+              </a:rPr>
+              <a:t>dtsx</a:t>
+            </a:r>
+            <a:r>
+              <a:rPr lang="en-US"/>
+              <a:t>). </a:t>
+            </a:r>
+          </a:p>
+          <a:p>
+            <a:endParaRPr lang="en-US"/>
+          </a:p>
+          <a:p>
+            <a:r>
+              <a:rPr lang="en-US">
+                <a:hlinkClick r:id="rId2"/>
+              </a:rPr>
+              <a:t>https://docs.microsoft.com/en-us/sql/integration-services/ssis-quickstart-run-cmdline?view=sql-server-ver15</a:t>
+            </a:r>
+            <a:endParaRPr lang="en-US"/>
+          </a:p>
+          <a:p>
+            <a:endParaRPr lang="en-US"/>
+          </a:p>
+          <a:p>
+            <a:endParaRPr lang="en-US"/>
+          </a:p>
+          <a:p>
+            <a:r>
+              <a:rPr lang="en-US"/>
+              <a:t>The packages have </a:t>
+            </a:r>
+            <a:r>
+              <a:rPr lang="en-US" b="1">
+                <a:solidFill>
+                  <a:srgbClr val="FF0000"/>
+                </a:solidFill>
+              </a:rPr>
+              <a:t>XML</a:t>
+            </a:r>
+            <a:r>
+              <a:rPr lang="en-US"/>
+              <a:t> format.</a:t>
+            </a:r>
+          </a:p>
+          <a:p>
+            <a:endParaRPr lang="en-US"/>
+          </a:p>
+          <a:p>
+            <a:r>
+              <a:rPr lang="en-US">
+                <a:hlinkClick r:id="rId3"/>
+              </a:rPr>
+              <a:t>https://docs.microsoft.com/en-us/openspecs/sql_data_portability/ms-dtsx/</a:t>
+            </a:r>
+            <a:endParaRPr lang="en-US"/>
+          </a:p>
+        </p:txBody>
+      </p:sp>
+      <p:sp>
+        <p:nvSpPr>
+          <p:cNvPr id="4" name="TextBox 3">
+            <a:extLst>
+              <a:ext uri="{FF2B5EF4-FFF2-40B4-BE49-F238E27FC236}">
+                <a16:creationId xmlns:a16="http://schemas.microsoft.com/office/drawing/2014/main" id="{6FD47611-F47F-A64E-BE71-A0F0DA9D08BB}"/>
+              </a:ext>
+            </a:extLst>
+          </p:cNvPr>
+          <p:cNvSpPr txBox="1"/>
+          <p:nvPr/>
+        </p:nvSpPr>
+        <p:spPr>
+          <a:xfrm>
+            <a:off x="0" y="80100"/>
+            <a:ext cx="3014663" cy="523220"/>
+          </a:xfrm>
+          <a:prstGeom prst="rect">
+            <a:avLst/>
+          </a:prstGeom>
+          <a:noFill/>
+        </p:spPr>
+        <p:txBody>
+          <a:bodyPr wrap="square" rtlCol="0">
+            <a:spAutoFit/>
+          </a:bodyPr>
+          <a:lstStyle/>
+          <a:p>
+            <a:r>
+              <a:rPr lang="en-US" sz="2800" b="1"/>
+              <a:t>SSIS PAckage Files</a:t>
+            </a:r>
+          </a:p>
+        </p:txBody>
+      </p:sp>
+    </p:spTree>
+    <p:extLst>
+      <p:ext uri="{BB962C8B-B14F-4D97-AF65-F5344CB8AC3E}">
+        <p14:creationId xmlns:p14="http://schemas.microsoft.com/office/powerpoint/2010/main" val="3901119369"/>
+      </p:ext>
+    </p:extLst>
+  </p:cSld>
+  <p:clrMapOvr>
+    <a:masterClrMapping/>
+  </p:clrMapOvr>
+</p:sld>
+</file>
+
 <file path=ppt/slides/slide2.xml><?xml version="1.0" encoding="utf-8"?>
 <p:sld xmlns:a="http://schemas.openxmlformats.org/drawingml/2006/main" xmlns:r="http://schemas.openxmlformats.org/officeDocument/2006/relationships" xmlns:p="http://schemas.openxmlformats.org/presentationml/2006/main">
   <p:cSld>
@@ -8401,8 +9012,8 @@
         </p:nvSpPr>
         <p:spPr>
           <a:xfrm>
-            <a:off x="104503" y="104503"/>
-            <a:ext cx="2782388" cy="523220"/>
+            <a:off x="104502" y="104503"/>
+            <a:ext cx="7739335" cy="523220"/>
           </a:xfrm>
           <a:prstGeom prst="rect">
             <a:avLst/>
@@ -8417,8 +9028,13 @@
           <a:p>
             <a:r>
               <a:rPr lang="en-US" sz="2800" b="1"/>
-              <a:t>SSIS</a:t>
-            </a:r>
+              <a:t>SSIS </a:t>
+            </a:r>
+            <a:r>
+              <a:rPr lang="en-US" sz="2800"/>
+              <a:t>= SQL Server Integration Services (since 2005)</a:t>
+            </a:r>
+            <a:endParaRPr lang="en-US" sz="2800" b="1"/>
           </a:p>
         </p:txBody>
       </p:sp>
@@ -8436,8 +9052,8 @@
         </p:nvSpPr>
         <p:spPr>
           <a:xfrm>
-            <a:off x="1097281" y="472329"/>
-            <a:ext cx="6204856" cy="830997"/>
+            <a:off x="104502" y="853129"/>
+            <a:ext cx="8865845" cy="2246769"/>
           </a:xfrm>
           <a:prstGeom prst="rect">
             <a:avLst/>
@@ -8455,8 +9071,16 @@
               <a:buChar char="•"/>
             </a:pPr>
             <a:r>
-              <a:rPr lang="en-US" sz="1600"/>
-              <a:t>SSIS = SQL Server Integration Services</a:t>
+              <a:rPr lang="en-US" sz="1400" b="1">
+                <a:solidFill>
+                  <a:srgbClr val="FF0000"/>
+                </a:solidFill>
+              </a:rPr>
+              <a:t>SSIS</a:t>
+            </a:r>
+            <a:r>
+              <a:rPr lang="en-US" sz="1400"/>
+              <a:t> is a component of the Microsoft SQL Server database software</a:t>
             </a:r>
           </a:p>
           <a:p>
@@ -8465,8 +9089,16 @@
               <a:buChar char="•"/>
             </a:pPr>
             <a:r>
-              <a:rPr lang="en-US" sz="1600"/>
-              <a:t>It is a component of the Microsoft SQL Server database software</a:t>
+              <a:rPr lang="en-US" sz="1400" b="1">
+                <a:solidFill>
+                  <a:srgbClr val="FF0000"/>
+                </a:solidFill>
+              </a:rPr>
+              <a:t>SSIS</a:t>
+            </a:r>
+            <a:r>
+              <a:rPr lang="en-US" sz="1400"/>
+              <a:t> can perform broad range of ETL / data migration tasks</a:t>
             </a:r>
           </a:p>
           <a:p>
@@ -8475,9 +9107,146 @@
               <a:buChar char="•"/>
             </a:pPr>
             <a:r>
-              <a:rPr lang="en-US" sz="1600"/>
-              <a:t>It can perform broad range of ETL / data migration tasks</a:t>
-            </a:r>
+              <a:rPr lang="en-US" sz="1400"/>
+              <a:t>In </a:t>
+            </a:r>
+            <a:r>
+              <a:rPr lang="en-US" sz="1400" b="1">
+                <a:solidFill>
+                  <a:srgbClr val="FF0000"/>
+                </a:solidFill>
+              </a:rPr>
+              <a:t>SSIS</a:t>
+            </a:r>
+            <a:r>
+              <a:rPr lang="en-US" sz="1400"/>
+              <a:t> you create and execute </a:t>
+            </a:r>
+            <a:r>
+              <a:rPr lang="en-US" sz="1400" b="1">
+                <a:solidFill>
+                  <a:srgbClr val="FF0000"/>
+                </a:solidFill>
+              </a:rPr>
+              <a:t>SSIS packages</a:t>
+            </a:r>
+            <a:r>
+              <a:rPr lang="en-US" sz="1400"/>
+              <a:t>, (files with extension .</a:t>
+            </a:r>
+            <a:r>
+              <a:rPr lang="en-US" sz="1400" b="1">
+                <a:solidFill>
+                  <a:srgbClr val="FF0000"/>
+                </a:solidFill>
+              </a:rPr>
+              <a:t>dtsx</a:t>
+            </a:r>
+            <a:r>
+              <a:rPr lang="en-US" sz="1400"/>
+              <a:t>). The packages have </a:t>
+            </a:r>
+            <a:r>
+              <a:rPr lang="en-US" sz="1400" b="1">
+                <a:solidFill>
+                  <a:srgbClr val="FF0000"/>
+                </a:solidFill>
+              </a:rPr>
+              <a:t>XML</a:t>
+            </a:r>
+            <a:r>
+              <a:rPr lang="en-US" sz="1400"/>
+              <a:t> format.</a:t>
+            </a:r>
+            <a:br>
+              <a:rPr lang="en-US" sz="1400"/>
+            </a:br>
+            <a:r>
+              <a:rPr lang="en-US" sz="1400"/>
+              <a:t>The packages include all ETL components as needed for specific ETL job (connection cmanager, tasks, control flow, data flow, parameters, event handlers, and variables)</a:t>
+            </a:r>
+          </a:p>
+          <a:p>
+            <a:pPr marL="285750" indent="-285750">
+              <a:buFont typeface="Arial" panose="020B0604020202020204" pitchFamily="34" charset="0"/>
+              <a:buChar char="•"/>
+            </a:pPr>
+            <a:r>
+              <a:rPr lang="en-US" sz="1400" b="1">
+                <a:solidFill>
+                  <a:srgbClr val="FF0000"/>
+                </a:solidFill>
+              </a:rPr>
+              <a:t>SSIS</a:t>
+            </a:r>
+            <a:r>
+              <a:rPr lang="en-US" sz="1400"/>
+              <a:t> packages are created using Microsoft Visual Studio with </a:t>
+            </a:r>
+            <a:r>
+              <a:rPr lang="en-US" sz="1400" b="1">
+                <a:solidFill>
+                  <a:srgbClr val="FF0000"/>
+                </a:solidFill>
+              </a:rPr>
+              <a:t>SSDT</a:t>
+            </a:r>
+            <a:r>
+              <a:rPr lang="en-US" sz="1400"/>
+              <a:t> (SQL Server Data Tools) </a:t>
+            </a:r>
+            <a:br>
+              <a:rPr lang="en-US" sz="1400"/>
+            </a:br>
+            <a:r>
+              <a:rPr lang="en-US" sz="1400"/>
+              <a:t>Note - before 2015 there was BIDS (Business Intelligence Development Studio)</a:t>
+            </a:r>
+          </a:p>
+          <a:p>
+            <a:pPr marL="285750" indent="-285750">
+              <a:buFont typeface="Arial" panose="020B0604020202020204" pitchFamily="34" charset="0"/>
+              <a:buChar char="•"/>
+            </a:pPr>
+            <a:r>
+              <a:rPr lang="en-US" sz="1400" b="1">
+                <a:solidFill>
+                  <a:srgbClr val="FF0000"/>
+                </a:solidFill>
+              </a:rPr>
+              <a:t>SSIS</a:t>
+            </a:r>
+            <a:r>
+              <a:rPr lang="en-US" sz="1400"/>
+              <a:t> package can be executed from GUI, from SQL database, or from command line (Windows or Linux):</a:t>
+            </a:r>
+            <a:br>
+              <a:rPr lang="en-US" sz="1400"/>
+            </a:br>
+            <a:r>
+              <a:rPr lang="en-US" sz="1400">
+                <a:solidFill>
+                  <a:srgbClr val="0070C0"/>
+                </a:solidFill>
+              </a:rPr>
+              <a:t>    dtexec /File “D:\packagetest.dtsx”</a:t>
+            </a:r>
+            <a:br>
+              <a:rPr lang="en-US" sz="1400">
+                <a:solidFill>
+                  <a:srgbClr val="0070C0"/>
+                </a:solidFill>
+              </a:rPr>
+            </a:br>
+            <a:r>
+              <a:rPr lang="en-US" sz="1400">
+                <a:solidFill>
+                  <a:srgbClr val="0070C0"/>
+                </a:solidFill>
+              </a:rPr>
+              <a:t>    dtexec /Server “My-Pc/SQLInstance” /ISServer “SSISDB\MyFolder\MyProject\MyPackage.dtsx”</a:t>
+            </a:r>
+            <a:endParaRPr lang="en-US" sz="1400"/>
           </a:p>
         </p:txBody>
       </p:sp>
@@ -8509,8 +9278,8 @@
         </p:blipFill>
         <p:spPr>
           <a:xfrm>
-            <a:off x="8340997" y="163759"/>
-            <a:ext cx="3746500" cy="1231900"/>
+            <a:off x="8970347" y="163759"/>
+            <a:ext cx="3117149" cy="1024961"/>
           </a:xfrm>
           <a:prstGeom prst="rect">
             <a:avLst/>
@@ -8531,8 +9300,8 @@
         </p:nvSpPr>
         <p:spPr>
           <a:xfrm>
-            <a:off x="372291" y="1657269"/>
-            <a:ext cx="10006149" cy="5047536"/>
+            <a:off x="247377" y="3182268"/>
+            <a:ext cx="11368361" cy="3323987"/>
           </a:xfrm>
           <a:prstGeom prst="rect">
             <a:avLst/>
@@ -8547,11 +9316,8 @@
           <a:p>
             <a:r>
               <a:rPr lang="en-US" sz="1400"/>
-              <a:t>Advantages (Pros):</a:t>
-            </a:r>
-          </a:p>
-          <a:p>
-            <a:endParaRPr lang="en-US" sz="1400"/>
+              <a:t>Advantages (Pros) of SSIS:</a:t>
+            </a:r>
           </a:p>
           <a:p>
             <a:pPr marL="285750" indent="-285750">
@@ -8559,16 +9325,8 @@
               <a:buChar char="•"/>
             </a:pPr>
             <a:r>
-              <a:rPr lang="en-US" sz="1400" b="1">
-                <a:solidFill>
-                  <a:srgbClr val="FF0000"/>
-                </a:solidFill>
-              </a:rPr>
-              <a:t>SSIS</a:t>
-            </a:r>
-            <a:r>
-              <a:rPr lang="en-US" sz="1400"/>
-              <a:t> can handle data from heterogeneous data sources at a same package (for example, DB2 to Oracle)</a:t>
+              <a:rPr lang="en-US" sz="1400"/>
+              <a:t>SSIS was around since 2005, when it substituted DTS (Data Transformation Services, 1998-2005)</a:t>
             </a:r>
           </a:p>
           <a:p>
@@ -8577,16 +9335,8 @@
               <a:buChar char="•"/>
             </a:pPr>
             <a:r>
-              <a:rPr lang="en-US" sz="1400" b="1">
-                <a:solidFill>
-                  <a:srgbClr val="FF0000"/>
-                </a:solidFill>
-              </a:rPr>
-              <a:t>SSIS</a:t>
-            </a:r>
-            <a:r>
-              <a:rPr lang="en-US" sz="1400"/>
-              <a:t> consumes data which are difficult like FTP, HTTP,MSMQ, and Analysis services etc.…</a:t>
+              <a:rPr lang="en-US" sz="1400"/>
+              <a:t>SSIS has many connectors, can consume data from "difficult" sources FTP, HTTP,MSMQ, Analysis services, etc.</a:t>
             </a:r>
           </a:p>
           <a:p>
@@ -8595,16 +9345,8 @@
               <a:buChar char="•"/>
             </a:pPr>
             <a:r>
-              <a:rPr lang="en-US" sz="1400" b="1">
-                <a:solidFill>
-                  <a:srgbClr val="FF0000"/>
-                </a:solidFill>
-              </a:rPr>
-              <a:t>SSIS</a:t>
-            </a:r>
-            <a:r>
-              <a:rPr lang="en-US" sz="1400"/>
-              <a:t> provides transformation functionality</a:t>
+              <a:rPr lang="en-US" sz="1400"/>
+              <a:t>SSIS can work with "non-Microsoft" data systems (for example, DB2 to Oracle)</a:t>
             </a:r>
           </a:p>
           <a:p>
@@ -8614,7 +9356,7 @@
             </a:pPr>
             <a:r>
               <a:rPr lang="en-US" sz="1400"/>
-              <a:t>Easier to maintain-and-package configuration</a:t>
+              <a:t>Can handle complex transformations, multi-step operations, aggregating data from different data sources or types, and structured exception handling</a:t>
             </a:r>
           </a:p>
           <a:p>
@@ -8624,7 +9366,7 @@
             </a:pPr>
             <a:r>
               <a:rPr lang="en-US" sz="1400"/>
-              <a:t>Tightly integrated with Microsoft Visual Studio and SQL Server</a:t>
+              <a:t>Data can be loaded in parallel to many varied destinations</a:t>
             </a:r>
           </a:p>
           <a:p>
@@ -8634,7 +9376,7 @@
             </a:pPr>
             <a:r>
               <a:rPr lang="en-US" sz="1400"/>
-              <a:t>Use the SQL Server Destination instead of OLE DB; which allows you to load data into SQL faster</a:t>
+              <a:t>Package deployment methodology is good</a:t>
             </a:r>
           </a:p>
           <a:p>
@@ -8644,7 +9386,17 @@
             </a:pPr>
             <a:r>
               <a:rPr lang="en-US" sz="1400"/>
-              <a:t>Remove network as a bottleneck for insertion of data by SSIS into SQL</a:t>
+              <a:t>SSIS is easy to use. All you need is knowledge of T-SQL and SSIS itself, no coding required (although you can use C# or Visual Basic if needed).</a:t>
+            </a:r>
+            <a:br>
+              <a:rPr lang="en-US" sz="1400"/>
+            </a:br>
+            <a:endParaRPr lang="en-US" sz="1400"/>
+          </a:p>
+          <a:p>
+            <a:r>
+              <a:rPr lang="en-US" sz="1400"/>
+              <a:t>Disadvantages (Cons):</a:t>
             </a:r>
           </a:p>
           <a:p>
@@ -8654,7 +9406,7 @@
             </a:pPr>
             <a:r>
               <a:rPr lang="en-US" sz="1400"/>
-              <a:t>Better for complex transformations, multi-step operations, aggregating data from different data sources or types, and structured exception handling</a:t>
+              <a:t>To see package execution report need Management Studio rather than being published to reporting services or other way</a:t>
             </a:r>
           </a:p>
           <a:p>
@@ -8664,7 +9416,7 @@
             </a:pPr>
             <a:r>
               <a:rPr lang="en-US" sz="1400"/>
-              <a:t>Data can be loaded in parallel to many varied destinations</a:t>
+              <a:t>SSIS memory usage is high and it conflicts with SQL, difficult to run multiple packages in parallel.</a:t>
             </a:r>
           </a:p>
           <a:p>
@@ -8674,105 +9426,21 @@
             </a:pPr>
             <a:r>
               <a:rPr lang="en-US" sz="1400"/>
-              <a:t>Package deployment methodology is good</a:t>
-            </a:r>
-          </a:p>
-          <a:p>
-            <a:pPr marL="285750" indent="-285750">
-              <a:buFont typeface="Arial" panose="020B0604020202020204" pitchFamily="34" charset="0"/>
-              <a:buChar char="•"/>
-            </a:pPr>
-            <a:r>
-              <a:rPr lang="en-US" sz="1400"/>
-              <a:t>SSIS is easy to use. All you need is knowledge of T-SQL and SSIS. </a:t>
+              <a:t>In case of CPU allocation it also a problematic case when you have more packages to run parallel. </a:t>
             </a:r>
             <a:br>
               <a:rPr lang="en-US" sz="1400"/>
             </a:br>
             <a:r>
               <a:rPr lang="en-US" sz="1400"/>
-              <a:t>Note - SSIS also allows you  to use C# or Visual Basic.</a:t>
+              <a:t>You need to ensure that processer allocation between SQL and SSIS is done properly </a:t>
             </a:r>
             <a:br>
               <a:rPr lang="en-US" sz="1400"/>
             </a:br>
-            <a:endParaRPr lang="en-US" sz="1400"/>
-          </a:p>
-          <a:p>
-            <a:r>
-              <a:rPr lang="en-US" sz="1400"/>
-              <a:t>Disadvantages (Cons):</a:t>
-            </a:r>
-          </a:p>
-          <a:p>
-            <a:endParaRPr lang="en-US" sz="1400"/>
-          </a:p>
-          <a:p>
-            <a:pPr marL="285750" indent="-285750">
-              <a:buFont typeface="Arial" panose="020B0604020202020204" pitchFamily="34" charset="0"/>
-              <a:buChar char="•"/>
-            </a:pPr>
-            <a:r>
-              <a:rPr lang="en-US" sz="1400"/>
-              <a:t>To see package execution report need </a:t>
-            </a:r>
-            <a:r>
-              <a:rPr lang="en-US" sz="1400" b="1">
-                <a:solidFill>
-                  <a:srgbClr val="FF0000"/>
-                </a:solidFill>
-              </a:rPr>
-              <a:t>Management Studio</a:t>
-            </a:r>
-            <a:r>
-              <a:rPr lang="en-US" sz="1400"/>
-              <a:t> rather than being published to reporting services or other way</a:t>
-            </a:r>
-          </a:p>
-          <a:p>
-            <a:pPr marL="285750" indent="-285750">
-              <a:buFont typeface="Arial" panose="020B0604020202020204" pitchFamily="34" charset="0"/>
-              <a:buChar char="•"/>
-            </a:pPr>
-            <a:r>
-              <a:rPr lang="en-US" sz="1400"/>
-              <a:t>SSIS memory usage is high and it conflicts with SQL, difficult to run multiple packages in parallel.</a:t>
-            </a:r>
-          </a:p>
-          <a:p>
-            <a:pPr marL="285750" indent="-285750">
-              <a:buFont typeface="Arial" panose="020B0604020202020204" pitchFamily="34" charset="0"/>
-              <a:buChar char="•"/>
-            </a:pPr>
-            <a:r>
-              <a:rPr lang="en-US" sz="1400"/>
-              <a:t>In case of CPU allocation it also a problematic case when you have more packages to run parallel. </a:t>
-            </a:r>
-            <a:br>
-              <a:rPr lang="en-US" sz="1400"/>
-            </a:br>
-            <a:r>
-              <a:rPr lang="en-US" sz="1400"/>
-              <a:t>You need to ensure that processer allocation between SQL and SSIS is done properly </a:t>
-            </a:r>
-            <a:br>
-              <a:rPr lang="en-US" sz="1400"/>
-            </a:br>
-            <a:r>
-              <a:rPr lang="en-US" sz="1400"/>
-              <a:t>otherwise SQL have upper hand in it and due to that </a:t>
-            </a:r>
-            <a:r>
-              <a:rPr lang="en-US" sz="1400" b="1">
-                <a:solidFill>
-                  <a:srgbClr val="FF0000"/>
-                </a:solidFill>
-              </a:rPr>
-              <a:t>SSIS</a:t>
-            </a:r>
-            <a:r>
-              <a:rPr lang="en-US" sz="1400"/>
-              <a:t> run very slow</a:t>
+            <a:r>
+              <a:rPr lang="en-US" sz="1400"/>
+              <a:t>otherwise SQL have upper hand in it and due to that SSIS run very slow</a:t>
             </a:r>
           </a:p>
         </p:txBody>

--- a/DA_13_miscellaneous.pptx
+++ b/DA_13_miscellaneous.pptx
@@ -5,7 +5,7 @@
     <p:sldMasterId id="2147483648" r:id="rId1"/>
   </p:sldMasterIdLst>
   <p:notesMasterIdLst>
-    <p:notesMasterId r:id="rId12"/>
+    <p:notesMasterId r:id="rId13"/>
   </p:notesMasterIdLst>
   <p:sldIdLst>
     <p:sldId id="260" r:id="rId2"/>
@@ -18,6 +18,7 @@
     <p:sldId id="263" r:id="rId9"/>
     <p:sldId id="264" r:id="rId10"/>
     <p:sldId id="265" r:id="rId11"/>
+    <p:sldId id="266" r:id="rId12"/>
   </p:sldIdLst>
   <p:sldSz cx="12192000" cy="6858000"/>
   <p:notesSz cx="6858000" cy="9144000"/>
@@ -4808,6 +4809,424 @@
 </p:sld>
 </file>
 
+<file path=ppt/slides/slide11.xml><?xml version="1.0" encoding="utf-8"?>
+<p:sld xmlns:a="http://schemas.openxmlformats.org/drawingml/2006/main" xmlns:r="http://schemas.openxmlformats.org/officeDocument/2006/relationships" xmlns:p="http://schemas.openxmlformats.org/presentationml/2006/main">
+  <p:cSld>
+    <p:spTree>
+      <p:nvGrpSpPr>
+        <p:cNvPr id="1" name=""/>
+        <p:cNvGrpSpPr/>
+        <p:nvPr/>
+      </p:nvGrpSpPr>
+      <p:grpSpPr>
+        <a:xfrm>
+          <a:off x="0" y="0"/>
+          <a:ext cx="0" cy="0"/>
+          <a:chOff x="0" y="0"/>
+          <a:chExt cx="0" cy="0"/>
+        </a:xfrm>
+      </p:grpSpPr>
+      <p:sp>
+        <p:nvSpPr>
+          <p:cNvPr id="2" name="TextBox 1">
+            <a:extLst>
+              <a:ext uri="{FF2B5EF4-FFF2-40B4-BE49-F238E27FC236}">
+                <a16:creationId xmlns:a16="http://schemas.microsoft.com/office/drawing/2014/main" id="{E425E98A-A6FF-264A-B069-CE2150B9A1EE}"/>
+              </a:ext>
+            </a:extLst>
+          </p:cNvPr>
+          <p:cNvSpPr txBox="1"/>
+          <p:nvPr/>
+        </p:nvSpPr>
+        <p:spPr>
+          <a:xfrm>
+            <a:off x="0" y="80100"/>
+            <a:ext cx="7246189" cy="523220"/>
+          </a:xfrm>
+          <a:prstGeom prst="rect">
+            <a:avLst/>
+          </a:prstGeom>
+          <a:noFill/>
+        </p:spPr>
+        <p:txBody>
+          <a:bodyPr wrap="square" rtlCol="0">
+            <a:spAutoFit/>
+          </a:bodyPr>
+          <a:lstStyle/>
+          <a:p>
+            <a:r>
+              <a:rPr lang="en-US" sz="2800" b="1">
+                <a:solidFill>
+                  <a:srgbClr val="FF0000"/>
+                </a:solidFill>
+              </a:rPr>
+              <a:t>SSIS</a:t>
+            </a:r>
+            <a:r>
+              <a:rPr lang="en-US" sz="2800" b="1"/>
+              <a:t> vs </a:t>
+            </a:r>
+            <a:r>
+              <a:rPr lang="en-US" sz="2800" b="1">
+                <a:solidFill>
+                  <a:srgbClr val="FF0000"/>
+                </a:solidFill>
+              </a:rPr>
+              <a:t>Azure ADF</a:t>
+            </a:r>
+            <a:r>
+              <a:rPr lang="en-US" sz="2800" b="1"/>
+              <a:t> and </a:t>
+            </a:r>
+            <a:r>
+              <a:rPr lang="en-US" sz="2800" b="1">
+                <a:solidFill>
+                  <a:srgbClr val="FF0000"/>
+                </a:solidFill>
+              </a:rPr>
+              <a:t>Azure Synapse Integrate</a:t>
+            </a:r>
+          </a:p>
+        </p:txBody>
+      </p:sp>
+      <p:sp>
+        <p:nvSpPr>
+          <p:cNvPr id="3" name="TextBox 2">
+            <a:extLst>
+              <a:ext uri="{FF2B5EF4-FFF2-40B4-BE49-F238E27FC236}">
+                <a16:creationId xmlns:a16="http://schemas.microsoft.com/office/drawing/2014/main" id="{06A7B062-6442-F845-9ACC-52434CE2D9F0}"/>
+              </a:ext>
+            </a:extLst>
+          </p:cNvPr>
+          <p:cNvSpPr txBox="1"/>
+          <p:nvPr/>
+        </p:nvSpPr>
+        <p:spPr>
+          <a:xfrm>
+            <a:off x="243840" y="1166842"/>
+            <a:ext cx="6522720" cy="4524315"/>
+          </a:xfrm>
+          <a:prstGeom prst="rect">
+            <a:avLst/>
+          </a:prstGeom>
+          <a:noFill/>
+        </p:spPr>
+        <p:txBody>
+          <a:bodyPr wrap="square" rtlCol="0">
+            <a:spAutoFit/>
+          </a:bodyPr>
+          <a:lstStyle/>
+          <a:p>
+            <a:r>
+              <a:rPr lang="en-US"/>
+              <a:t>SSIS is relatively old technology developed before people started using the clouds (AWS, Azure, Google).</a:t>
+            </a:r>
+          </a:p>
+          <a:p>
+            <a:endParaRPr lang="en-US"/>
+          </a:p>
+          <a:p>
+            <a:r>
+              <a:rPr lang="en-US"/>
+              <a:t>Nowadays when everyone moves to cloud,</a:t>
+            </a:r>
+          </a:p>
+          <a:p>
+            <a:r>
+              <a:rPr lang="en-US"/>
+              <a:t>it is natural to use </a:t>
+            </a:r>
+            <a:r>
+              <a:rPr lang="en-US" b="1">
+                <a:solidFill>
+                  <a:srgbClr val="00B050"/>
+                </a:solidFill>
+              </a:rPr>
+              <a:t>cloud-based ETL tools</a:t>
+            </a:r>
+            <a:r>
+              <a:rPr lang="en-US"/>
+              <a:t>.</a:t>
+            </a:r>
+          </a:p>
+          <a:p>
+            <a:endParaRPr lang="en-US"/>
+          </a:p>
+          <a:p>
+            <a:r>
+              <a:rPr lang="en-US"/>
+              <a:t>Microsoft provides </a:t>
+            </a:r>
+            <a:r>
+              <a:rPr lang="en-US" b="1">
+                <a:solidFill>
+                  <a:srgbClr val="FF0000"/>
+                </a:solidFill>
+              </a:rPr>
+              <a:t>ADF</a:t>
+            </a:r>
+            <a:r>
+              <a:rPr lang="en-US"/>
+              <a:t> (Azure Data Factory) on Azure cloud.</a:t>
+            </a:r>
+          </a:p>
+          <a:p>
+            <a:endParaRPr lang="en-US"/>
+          </a:p>
+          <a:p>
+            <a:r>
+              <a:rPr lang="en-US"/>
+              <a:t>Most of </a:t>
+            </a:r>
+            <a:r>
+              <a:rPr lang="en-US" b="1">
+                <a:solidFill>
+                  <a:srgbClr val="FF0000"/>
+                </a:solidFill>
+              </a:rPr>
+              <a:t>ADF</a:t>
+            </a:r>
+            <a:r>
+              <a:rPr lang="en-US"/>
+              <a:t> functionality was also integrated into Synapse</a:t>
+            </a:r>
+          </a:p>
+          <a:p>
+            <a:r>
+              <a:rPr lang="en-US"/>
+              <a:t>("</a:t>
+            </a:r>
+            <a:r>
+              <a:rPr lang="en-US" b="1">
+                <a:solidFill>
+                  <a:srgbClr val="FF0000"/>
+                </a:solidFill>
+              </a:rPr>
+              <a:t>Azure Synapse Integrate</a:t>
+            </a:r>
+            <a:r>
+              <a:rPr lang="en-US"/>
+              <a:t>").</a:t>
+            </a:r>
+          </a:p>
+          <a:p>
+            <a:endParaRPr lang="en-US"/>
+          </a:p>
+          <a:p>
+            <a:r>
+              <a:rPr lang="en-US"/>
+              <a:t>Creating tasks/pipelines in ADF is done in Azure browser interface.</a:t>
+            </a:r>
+          </a:p>
+          <a:p>
+            <a:r>
+              <a:rPr lang="en-US"/>
+              <a:t>No desktop GUI is required.</a:t>
+            </a:r>
+          </a:p>
+          <a:p>
+            <a:endParaRPr lang="en-US"/>
+          </a:p>
+          <a:p>
+            <a:r>
+              <a:rPr lang="en-US"/>
+              <a:t>The </a:t>
+            </a:r>
+            <a:r>
+              <a:rPr lang="en-US" b="1">
+                <a:solidFill>
+                  <a:srgbClr val="FF0000"/>
+                </a:solidFill>
+              </a:rPr>
+              <a:t>ADF</a:t>
+            </a:r>
+            <a:r>
+              <a:rPr lang="en-US"/>
+              <a:t> tasks can be saved in </a:t>
+            </a:r>
+            <a:r>
+              <a:rPr lang="en-US" b="1">
+                <a:solidFill>
+                  <a:srgbClr val="FF0000"/>
+                </a:solidFill>
+              </a:rPr>
+              <a:t>JSON</a:t>
+            </a:r>
+            <a:r>
+              <a:rPr lang="en-US"/>
+              <a:t> format </a:t>
+            </a:r>
+          </a:p>
+          <a:p>
+            <a:r>
+              <a:rPr lang="en-US"/>
+              <a:t>and deployed using </a:t>
+            </a:r>
+            <a:r>
+              <a:rPr lang="en-US" b="1">
+                <a:solidFill>
+                  <a:srgbClr val="FF0000"/>
+                </a:solidFill>
+              </a:rPr>
+              <a:t>YAML</a:t>
+            </a:r>
+            <a:r>
+              <a:rPr lang="en-US"/>
+              <a:t> format in Azure DevOps. </a:t>
+            </a:r>
+          </a:p>
+        </p:txBody>
+      </p:sp>
+      <p:sp>
+        <p:nvSpPr>
+          <p:cNvPr id="4" name="TextBox 3">
+            <a:extLst>
+              <a:ext uri="{FF2B5EF4-FFF2-40B4-BE49-F238E27FC236}">
+                <a16:creationId xmlns:a16="http://schemas.microsoft.com/office/drawing/2014/main" id="{8E380831-17B5-104E-9198-A90B1C7E3707}"/>
+              </a:ext>
+            </a:extLst>
+          </p:cNvPr>
+          <p:cNvSpPr txBox="1"/>
+          <p:nvPr/>
+        </p:nvSpPr>
+        <p:spPr>
+          <a:xfrm>
+            <a:off x="8382000" y="1166842"/>
+            <a:ext cx="1722120" cy="369332"/>
+          </a:xfrm>
+          <a:prstGeom prst="rect">
+            <a:avLst/>
+          </a:prstGeom>
+          <a:noFill/>
+        </p:spPr>
+        <p:txBody>
+          <a:bodyPr wrap="square" rtlCol="0">
+            <a:spAutoFit/>
+          </a:bodyPr>
+          <a:lstStyle/>
+          <a:p>
+            <a:r>
+              <a:rPr lang="en-US" b="1">
+                <a:solidFill>
+                  <a:srgbClr val="FF0000"/>
+                </a:solidFill>
+              </a:rPr>
+              <a:t>XML</a:t>
+            </a:r>
+          </a:p>
+        </p:txBody>
+      </p:sp>
+      <p:sp>
+        <p:nvSpPr>
+          <p:cNvPr id="5" name="TextBox 4">
+            <a:extLst>
+              <a:ext uri="{FF2B5EF4-FFF2-40B4-BE49-F238E27FC236}">
+                <a16:creationId xmlns:a16="http://schemas.microsoft.com/office/drawing/2014/main" id="{054F1CB5-A435-FF40-87AF-363E01F88F21}"/>
+              </a:ext>
+            </a:extLst>
+          </p:cNvPr>
+          <p:cNvSpPr txBox="1"/>
+          <p:nvPr/>
+        </p:nvSpPr>
+        <p:spPr>
+          <a:xfrm>
+            <a:off x="8382000" y="5044826"/>
+            <a:ext cx="1036320" cy="646331"/>
+          </a:xfrm>
+          <a:prstGeom prst="rect">
+            <a:avLst/>
+          </a:prstGeom>
+          <a:noFill/>
+        </p:spPr>
+        <p:txBody>
+          <a:bodyPr wrap="square" rtlCol="0">
+            <a:spAutoFit/>
+          </a:bodyPr>
+          <a:lstStyle/>
+          <a:p>
+            <a:r>
+              <a:rPr lang="en-US" b="1">
+                <a:solidFill>
+                  <a:srgbClr val="FF0000"/>
+                </a:solidFill>
+              </a:rPr>
+              <a:t>JSON</a:t>
+            </a:r>
+          </a:p>
+          <a:p>
+            <a:r>
+              <a:rPr lang="en-US" b="1">
+                <a:solidFill>
+                  <a:srgbClr val="FF0000"/>
+                </a:solidFill>
+              </a:rPr>
+              <a:t>YAML</a:t>
+            </a:r>
+          </a:p>
+        </p:txBody>
+      </p:sp>
+      <p:sp>
+        <p:nvSpPr>
+          <p:cNvPr id="6" name="Down Arrow 5">
+            <a:extLst>
+              <a:ext uri="{FF2B5EF4-FFF2-40B4-BE49-F238E27FC236}">
+                <a16:creationId xmlns:a16="http://schemas.microsoft.com/office/drawing/2014/main" id="{F8CE9133-F5B4-2D45-947A-BA53978EE3BA}"/>
+              </a:ext>
+            </a:extLst>
+          </p:cNvPr>
+          <p:cNvSpPr/>
+          <p:nvPr/>
+        </p:nvSpPr>
+        <p:spPr>
+          <a:xfrm>
+            <a:off x="8534400" y="1905000"/>
+            <a:ext cx="304800" cy="2743200"/>
+          </a:xfrm>
+          <a:prstGeom prst="downArrow">
+            <a:avLst/>
+          </a:prstGeom>
+          <a:solidFill>
+            <a:srgbClr val="92D050"/>
+          </a:solidFill>
+        </p:spPr>
+        <p:style>
+          <a:lnRef idx="2">
+            <a:schemeClr val="accent1">
+              <a:shade val="50000"/>
+            </a:schemeClr>
+          </a:lnRef>
+          <a:fillRef idx="1">
+            <a:schemeClr val="accent1"/>
+          </a:fillRef>
+          <a:effectRef idx="0">
+            <a:schemeClr val="accent1"/>
+          </a:effectRef>
+          <a:fontRef idx="minor">
+            <a:schemeClr val="lt1"/>
+          </a:fontRef>
+        </p:style>
+        <p:txBody>
+          <a:bodyPr rtlCol="0" anchor="ctr"/>
+          <a:lstStyle/>
+          <a:p>
+            <a:pPr algn="ctr"/>
+            <a:endParaRPr lang="en-US"/>
+          </a:p>
+        </p:txBody>
+      </p:sp>
+    </p:spTree>
+    <p:extLst>
+      <p:ext uri="{BB962C8B-B14F-4D97-AF65-F5344CB8AC3E}">
+        <p14:creationId xmlns:p14="http://schemas.microsoft.com/office/powerpoint/2010/main" val="1024315923"/>
+      </p:ext>
+    </p:extLst>
+  </p:cSld>
+  <p:clrMapOvr>
+    <a:masterClrMapping/>
+  </p:clrMapOvr>
+</p:sld>
+</file>
+
 <file path=ppt/slides/slide2.xml><?xml version="1.0" encoding="utf-8"?>
 <p:sld xmlns:a="http://schemas.openxmlformats.org/drawingml/2006/main" xmlns:r="http://schemas.openxmlformats.org/officeDocument/2006/relationships" xmlns:p="http://schemas.openxmlformats.org/presentationml/2006/main">
   <p:cSld>
@@ -9300,8 +9719,8 @@
         </p:nvSpPr>
         <p:spPr>
           <a:xfrm>
-            <a:off x="247377" y="3182268"/>
-            <a:ext cx="11368361" cy="3323987"/>
+            <a:off x="247378" y="3625180"/>
+            <a:ext cx="9568136" cy="3108543"/>
           </a:xfrm>
           <a:prstGeom prst="rect">
             <a:avLst/>
@@ -9315,7 +9734,11 @@
           <a:lstStyle/>
           <a:p>
             <a:r>
-              <a:rPr lang="en-US" sz="1400"/>
+              <a:rPr lang="en-US" sz="1400" b="1">
+                <a:solidFill>
+                  <a:srgbClr val="FF0000"/>
+                </a:solidFill>
+              </a:rPr>
               <a:t>Advantages (Pros) of SSIS:</a:t>
             </a:r>
           </a:p>
@@ -9325,8 +9748,28 @@
               <a:buChar char="•"/>
             </a:pPr>
             <a:r>
-              <a:rPr lang="en-US" sz="1400"/>
-              <a:t>SSIS was around since 2005, when it substituted DTS (Data Transformation Services, 1998-2005)</a:t>
+              <a:rPr lang="en-US" sz="1400" b="1">
+                <a:solidFill>
+                  <a:srgbClr val="FF0000"/>
+                </a:solidFill>
+              </a:rPr>
+              <a:t>SSIS</a:t>
+            </a:r>
+            <a:r>
+              <a:rPr lang="en-US" sz="1400"/>
+              <a:t> was around since 2005, when it substituted </a:t>
+            </a:r>
+            <a:r>
+              <a:rPr lang="en-US" sz="1400" b="1">
+                <a:solidFill>
+                  <a:srgbClr val="FF0000"/>
+                </a:solidFill>
+              </a:rPr>
+              <a:t>DTS</a:t>
+            </a:r>
+            <a:r>
+              <a:rPr lang="en-US" sz="1400"/>
+              <a:t> (Data Transformation Services, 1998-2005)</a:t>
             </a:r>
           </a:p>
           <a:p>
@@ -9335,8 +9778,28 @@
               <a:buChar char="•"/>
             </a:pPr>
             <a:r>
-              <a:rPr lang="en-US" sz="1400"/>
-              <a:t>SSIS has many connectors, can consume data from "difficult" sources FTP, HTTP,MSMQ, Analysis services, etc.</a:t>
+              <a:rPr lang="en-US" sz="1400" b="1">
+                <a:solidFill>
+                  <a:srgbClr val="FF0000"/>
+                </a:solidFill>
+              </a:rPr>
+              <a:t>SSIS</a:t>
+            </a:r>
+            <a:r>
+              <a:rPr lang="en-US" sz="1400"/>
+              <a:t> has many connectors, can consume data from "difficult" sources </a:t>
+            </a:r>
+            <a:r>
+              <a:rPr lang="en-US" sz="1400" b="1">
+                <a:solidFill>
+                  <a:srgbClr val="00B050"/>
+                </a:solidFill>
+              </a:rPr>
+              <a:t>FTP, HTTP,MSMQ, SSA</a:t>
+            </a:r>
+            <a:r>
+              <a:rPr lang="en-US" sz="1400"/>
+              <a:t>S, etc.</a:t>
             </a:r>
           </a:p>
           <a:p>
@@ -9345,8 +9808,28 @@
               <a:buChar char="•"/>
             </a:pPr>
             <a:r>
-              <a:rPr lang="en-US" sz="1400"/>
-              <a:t>SSIS can work with "non-Microsoft" data systems (for example, DB2 to Oracle)</a:t>
+              <a:rPr lang="en-US" sz="1400" b="1">
+                <a:solidFill>
+                  <a:srgbClr val="FF0000"/>
+                </a:solidFill>
+              </a:rPr>
+              <a:t>SSIS</a:t>
+            </a:r>
+            <a:r>
+              <a:rPr lang="en-US" sz="1400"/>
+              <a:t> can work with "non-Microsoft" data systems (for example, </a:t>
+            </a:r>
+            <a:r>
+              <a:rPr lang="en-US" sz="1400" b="1">
+                <a:solidFill>
+                  <a:srgbClr val="00B050"/>
+                </a:solidFill>
+              </a:rPr>
+              <a:t>DB2 to Oracle</a:t>
+            </a:r>
+            <a:r>
+              <a:rPr lang="en-US" sz="1400"/>
+              <a:t>)</a:t>
             </a:r>
           </a:p>
           <a:p>
@@ -9356,7 +9839,14 @@
             </a:pPr>
             <a:r>
               <a:rPr lang="en-US" sz="1400"/>
-              <a:t>Can handle complex transformations, multi-step operations, aggregating data from different data sources or types, and structured exception handling</a:t>
+              <a:t>Can handle complex transformations, multi-step operations, aggregating data from different data </a:t>
+            </a:r>
+            <a:br>
+              <a:rPr lang="en-US" sz="1400"/>
+            </a:br>
+            <a:r>
+              <a:rPr lang="en-US" sz="1400"/>
+              <a:t>sources or types, and structured exception handling</a:t>
             </a:r>
           </a:p>
           <a:p>
@@ -9366,7 +9856,19 @@
             </a:pPr>
             <a:r>
               <a:rPr lang="en-US" sz="1400"/>
-              <a:t>Data can be loaded in parallel to many varied destinations</a:t>
+              <a:t>Data can be loaded in </a:t>
+            </a:r>
+            <a:r>
+              <a:rPr lang="en-US" sz="1400" b="1">
+                <a:solidFill>
+                  <a:srgbClr val="00B050"/>
+                </a:solidFill>
+              </a:rPr>
+              <a:t>parallel</a:t>
+            </a:r>
+            <a:r>
+              <a:rPr lang="en-US" sz="1400"/>
+              <a:t> to many varied destinations</a:t>
             </a:r>
           </a:p>
           <a:p>
@@ -9376,7 +9878,19 @@
             </a:pPr>
             <a:r>
               <a:rPr lang="en-US" sz="1400"/>
-              <a:t>Package deployment methodology is good</a:t>
+              <a:t>Package </a:t>
+            </a:r>
+            <a:r>
+              <a:rPr lang="en-US" sz="1400" b="1">
+                <a:solidFill>
+                  <a:srgbClr val="00B050"/>
+                </a:solidFill>
+              </a:rPr>
+              <a:t>deployment</a:t>
+            </a:r>
+            <a:r>
+              <a:rPr lang="en-US" sz="1400"/>
+              <a:t> methodology is good</a:t>
             </a:r>
           </a:p>
           <a:p>
@@ -9385,8 +9899,47 @@
               <a:buChar char="•"/>
             </a:pPr>
             <a:r>
-              <a:rPr lang="en-US" sz="1400"/>
-              <a:t>SSIS is easy to use. All you need is knowledge of T-SQL and SSIS itself, no coding required (although you can use C# or Visual Basic if needed).</a:t>
+              <a:rPr lang="en-US" sz="1400" b="1">
+                <a:solidFill>
+                  <a:srgbClr val="FF0000"/>
+                </a:solidFill>
+              </a:rPr>
+              <a:t>SSIS</a:t>
+            </a:r>
+            <a:r>
+              <a:rPr lang="en-US" sz="1400"/>
+              <a:t> is easy to use. All you need is knowledge of </a:t>
+            </a:r>
+            <a:r>
+              <a:rPr lang="en-US" sz="1400" b="1">
+                <a:solidFill>
+                  <a:srgbClr val="00B050"/>
+                </a:solidFill>
+              </a:rPr>
+              <a:t>T-SQL</a:t>
+            </a:r>
+            <a:r>
+              <a:rPr lang="en-US" sz="1400"/>
+              <a:t> and </a:t>
+            </a:r>
+            <a:r>
+              <a:rPr lang="en-US" sz="1400" b="1">
+                <a:solidFill>
+                  <a:srgbClr val="FF0000"/>
+                </a:solidFill>
+              </a:rPr>
+              <a:t>SSIS</a:t>
+            </a:r>
+            <a:r>
+              <a:rPr lang="en-US" sz="1400"/>
+              <a:t> itself, </a:t>
+            </a:r>
+            <a:br>
+              <a:rPr lang="en-US" sz="1400"/>
+            </a:br>
+            <a:r>
+              <a:rPr lang="en-US" sz="1400"/>
+              <a:t>no coding required (although you can use C# or Visual Basic if needed).</a:t>
             </a:r>
             <a:br>
               <a:rPr lang="en-US" sz="1400"/>
@@ -9395,7 +9948,11 @@
           </a:p>
           <a:p>
             <a:r>
-              <a:rPr lang="en-US" sz="1400"/>
+              <a:rPr lang="en-US" sz="1400" b="1">
+                <a:solidFill>
+                  <a:srgbClr val="FF0000"/>
+                </a:solidFill>
+              </a:rPr>
               <a:t>Disadvantages (Cons):</a:t>
             </a:r>
           </a:p>
@@ -9415,36 +9972,147 @@
               <a:buChar char="•"/>
             </a:pPr>
             <a:r>
-              <a:rPr lang="en-US" sz="1400"/>
-              <a:t>SSIS memory usage is high and it conflicts with SQL, difficult to run multiple packages in parallel.</a:t>
-            </a:r>
-          </a:p>
-          <a:p>
-            <a:pPr marL="285750" indent="-285750">
-              <a:buFont typeface="Arial" panose="020B0604020202020204" pitchFamily="34" charset="0"/>
-              <a:buChar char="•"/>
-            </a:pPr>
-            <a:r>
-              <a:rPr lang="en-US" sz="1400"/>
-              <a:t>In case of CPU allocation it also a problematic case when you have more packages to run parallel. </a:t>
-            </a:r>
-            <a:br>
-              <a:rPr lang="en-US" sz="1400"/>
-            </a:br>
-            <a:r>
-              <a:rPr lang="en-US" sz="1400"/>
-              <a:t>You need to ensure that processer allocation between SQL and SSIS is done properly </a:t>
-            </a:r>
-            <a:br>
-              <a:rPr lang="en-US" sz="1400"/>
-            </a:br>
-            <a:r>
-              <a:rPr lang="en-US" sz="1400"/>
-              <a:t>otherwise SQL have upper hand in it and due to that SSIS run very slow</a:t>
-            </a:r>
-          </a:p>
-        </p:txBody>
-      </p:sp>
+              <a:rPr lang="en-US" sz="1400" b="1">
+                <a:solidFill>
+                  <a:srgbClr val="FF0000"/>
+                </a:solidFill>
+              </a:rPr>
+              <a:t>SSIS</a:t>
+            </a:r>
+            <a:r>
+              <a:rPr lang="en-US" sz="1400"/>
+              <a:t> memory usage is high and it conflicts with SQL, difficult to run multiple packages in parallel, and slows down </a:t>
+            </a:r>
+            <a:r>
+              <a:rPr lang="en-US" sz="1400" b="1">
+                <a:solidFill>
+                  <a:srgbClr val="FF0000"/>
+                </a:solidFill>
+              </a:rPr>
+              <a:t>SSIS</a:t>
+            </a:r>
+            <a:r>
+              <a:rPr lang="en-US" sz="1400"/>
+              <a:t>.</a:t>
+            </a:r>
+          </a:p>
+        </p:txBody>
+      </p:sp>
+      <p:sp>
+        <p:nvSpPr>
+          <p:cNvPr id="6" name="TextBox 5">
+            <a:extLst>
+              <a:ext uri="{FF2B5EF4-FFF2-40B4-BE49-F238E27FC236}">
+                <a16:creationId xmlns:a16="http://schemas.microsoft.com/office/drawing/2014/main" id="{90F14016-013B-4849-A64C-6C3AFD17D04C}"/>
+              </a:ext>
+            </a:extLst>
+          </p:cNvPr>
+          <p:cNvSpPr txBox="1"/>
+          <p:nvPr/>
+        </p:nvSpPr>
+        <p:spPr>
+          <a:xfrm>
+            <a:off x="9815514" y="4033437"/>
+            <a:ext cx="2309434" cy="1015663"/>
+          </a:xfrm>
+          <a:prstGeom prst="rect">
+            <a:avLst/>
+          </a:prstGeom>
+          <a:noFill/>
+        </p:spPr>
+        <p:txBody>
+          <a:bodyPr wrap="square" rtlCol="0">
+            <a:spAutoFit/>
+          </a:bodyPr>
+          <a:lstStyle/>
+          <a:p>
+            <a:pPr algn="ctr"/>
+            <a:r>
+              <a:rPr lang="en-US" b="1">
+                <a:solidFill>
+                  <a:srgbClr val="00B050"/>
+                </a:solidFill>
+              </a:rPr>
+              <a:t>Andy Leonard</a:t>
+            </a:r>
+          </a:p>
+          <a:p>
+            <a:pPr algn="ctr"/>
+            <a:r>
+              <a:rPr lang="en-US" sz="1400"/>
+              <a:t>ETL, SSIS, BIML expert</a:t>
+            </a:r>
+          </a:p>
+          <a:p>
+            <a:pPr algn="ctr"/>
+            <a:r>
+              <a:rPr lang="en-US" sz="1400">
+                <a:hlinkClick r:id="rId3"/>
+              </a:rPr>
+              <a:t>https://dilmsuite.com</a:t>
+            </a:r>
+            <a:r>
+              <a:rPr lang="en-US" sz="1400"/>
+              <a:t> </a:t>
+            </a:r>
+          </a:p>
+          <a:p>
+            <a:pPr algn="ctr"/>
+            <a:r>
+              <a:rPr lang="en-US" sz="1400">
+                <a:hlinkClick r:id="rId4"/>
+              </a:rPr>
+              <a:t>https://www.datachannel.tv</a:t>
+            </a:r>
+            <a:endParaRPr lang="en-US" sz="1400"/>
+          </a:p>
+        </p:txBody>
+      </p:sp>
+      <p:pic>
+        <p:nvPicPr>
+          <p:cNvPr id="1026" name="Picture 2" descr="Andy Leonard photo">
+            <a:extLst>
+              <a:ext uri="{FF2B5EF4-FFF2-40B4-BE49-F238E27FC236}">
+                <a16:creationId xmlns:a16="http://schemas.microsoft.com/office/drawing/2014/main" id="{6D04CFDE-3B9F-524E-91B3-3189CD1C4463}"/>
+              </a:ext>
+            </a:extLst>
+          </p:cNvPr>
+          <p:cNvPicPr>
+            <a:picLocks noChangeAspect="1" noChangeArrowheads="1"/>
+          </p:cNvPicPr>
+          <p:nvPr/>
+        </p:nvPicPr>
+        <p:blipFill rotWithShape="1">
+          <a:blip r:embed="rId5" cstate="email">
+            <a:extLst>
+              <a:ext uri="{28A0092B-C50C-407E-A947-70E740481C1C}">
+                <a14:useLocalDpi xmlns:a14="http://schemas.microsoft.com/office/drawing/2010/main"/>
+              </a:ext>
+            </a:extLst>
+          </a:blip>
+          <a:srcRect/>
+          <a:stretch/>
+        </p:blipFill>
+        <p:spPr bwMode="auto">
+          <a:xfrm>
+            <a:off x="10574485" y="2771161"/>
+            <a:ext cx="791492" cy="1262276"/>
+          </a:xfrm>
+          <a:prstGeom prst="rect">
+            <a:avLst/>
+          </a:prstGeom>
+          <a:noFill/>
+          <a:extLst>
+            <a:ext uri="{909E8E84-426E-40DD-AFC4-6F175D3DCCD1}">
+              <a14:hiddenFill xmlns:a14="http://schemas.microsoft.com/office/drawing/2010/main">
+                <a:solidFill>
+                  <a:srgbClr val="FFFFFF"/>
+                </a:solidFill>
+              </a14:hiddenFill>
+            </a:ext>
+          </a:extLst>
+        </p:spPr>
+      </p:pic>
     </p:spTree>
     <p:extLst>
       <p:ext uri="{BB962C8B-B14F-4D97-AF65-F5344CB8AC3E}">

--- a/DA_13_miscellaneous.pptx
+++ b/DA_13_miscellaneous.pptx
@@ -5,7 +5,7 @@
     <p:sldMasterId id="2147483648" r:id="rId1"/>
   </p:sldMasterIdLst>
   <p:notesMasterIdLst>
-    <p:notesMasterId r:id="rId13"/>
+    <p:notesMasterId r:id="rId14"/>
   </p:notesMasterIdLst>
   <p:sldIdLst>
     <p:sldId id="260" r:id="rId2"/>
@@ -19,6 +19,7 @@
     <p:sldId id="264" r:id="rId10"/>
     <p:sldId id="265" r:id="rId11"/>
     <p:sldId id="266" r:id="rId12"/>
+    <p:sldId id="267" r:id="rId13"/>
   </p:sldIdLst>
   <p:sldSz cx="12192000" cy="6858000"/>
   <p:notesSz cx="6858000" cy="9144000"/>
@@ -207,7 +208,7 @@
           <a:p>
             <a:fld id="{C2E15B94-D9E4-E149-8081-23A720D1EE5F}" type="datetimeFigureOut">
               <a:rPr lang="en-US" smtClean="0"/>
-              <a:t>12/5/21</a:t>
+              <a:t>12/6/21</a:t>
             </a:fld>
             <a:endParaRPr lang="en-US"/>
           </a:p>
@@ -621,7 +622,7 @@
           <a:p>
             <a:fld id="{FBD852D7-E694-214E-8A12-510E0A0329D2}" type="datetimeFigureOut">
               <a:rPr lang="en-US" smtClean="0"/>
-              <a:t>12/5/21</a:t>
+              <a:t>12/6/21</a:t>
             </a:fld>
             <a:endParaRPr lang="en-US"/>
           </a:p>
@@ -819,7 +820,7 @@
           <a:p>
             <a:fld id="{FBD852D7-E694-214E-8A12-510E0A0329D2}" type="datetimeFigureOut">
               <a:rPr lang="en-US" smtClean="0"/>
-              <a:t>12/5/21</a:t>
+              <a:t>12/6/21</a:t>
             </a:fld>
             <a:endParaRPr lang="en-US"/>
           </a:p>
@@ -1027,7 +1028,7 @@
           <a:p>
             <a:fld id="{FBD852D7-E694-214E-8A12-510E0A0329D2}" type="datetimeFigureOut">
               <a:rPr lang="en-US" smtClean="0"/>
-              <a:t>12/5/21</a:t>
+              <a:t>12/6/21</a:t>
             </a:fld>
             <a:endParaRPr lang="en-US"/>
           </a:p>
@@ -1225,7 +1226,7 @@
           <a:p>
             <a:fld id="{FBD852D7-E694-214E-8A12-510E0A0329D2}" type="datetimeFigureOut">
               <a:rPr lang="en-US" smtClean="0"/>
-              <a:t>12/5/21</a:t>
+              <a:t>12/6/21</a:t>
             </a:fld>
             <a:endParaRPr lang="en-US"/>
           </a:p>
@@ -1500,7 +1501,7 @@
           <a:p>
             <a:fld id="{FBD852D7-E694-214E-8A12-510E0A0329D2}" type="datetimeFigureOut">
               <a:rPr lang="en-US" smtClean="0"/>
-              <a:t>12/5/21</a:t>
+              <a:t>12/6/21</a:t>
             </a:fld>
             <a:endParaRPr lang="en-US"/>
           </a:p>
@@ -1765,7 +1766,7 @@
           <a:p>
             <a:fld id="{FBD852D7-E694-214E-8A12-510E0A0329D2}" type="datetimeFigureOut">
               <a:rPr lang="en-US" smtClean="0"/>
-              <a:t>12/5/21</a:t>
+              <a:t>12/6/21</a:t>
             </a:fld>
             <a:endParaRPr lang="en-US"/>
           </a:p>
@@ -2177,7 +2178,7 @@
           <a:p>
             <a:fld id="{FBD852D7-E694-214E-8A12-510E0A0329D2}" type="datetimeFigureOut">
               <a:rPr lang="en-US" smtClean="0"/>
-              <a:t>12/5/21</a:t>
+              <a:t>12/6/21</a:t>
             </a:fld>
             <a:endParaRPr lang="en-US"/>
           </a:p>
@@ -2318,7 +2319,7 @@
           <a:p>
             <a:fld id="{FBD852D7-E694-214E-8A12-510E0A0329D2}" type="datetimeFigureOut">
               <a:rPr lang="en-US" smtClean="0"/>
-              <a:t>12/5/21</a:t>
+              <a:t>12/6/21</a:t>
             </a:fld>
             <a:endParaRPr lang="en-US"/>
           </a:p>
@@ -2431,7 +2432,7 @@
           <a:p>
             <a:fld id="{FBD852D7-E694-214E-8A12-510E0A0329D2}" type="datetimeFigureOut">
               <a:rPr lang="en-US" smtClean="0"/>
-              <a:t>12/5/21</a:t>
+              <a:t>12/6/21</a:t>
             </a:fld>
             <a:endParaRPr lang="en-US"/>
           </a:p>
@@ -2742,7 +2743,7 @@
           <a:p>
             <a:fld id="{FBD852D7-E694-214E-8A12-510E0A0329D2}" type="datetimeFigureOut">
               <a:rPr lang="en-US" smtClean="0"/>
-              <a:t>12/5/21</a:t>
+              <a:t>12/6/21</a:t>
             </a:fld>
             <a:endParaRPr lang="en-US"/>
           </a:p>
@@ -3030,7 +3031,7 @@
           <a:p>
             <a:fld id="{FBD852D7-E694-214E-8A12-510E0A0329D2}" type="datetimeFigureOut">
               <a:rPr lang="en-US" smtClean="0"/>
-              <a:t>12/5/21</a:t>
+              <a:t>12/6/21</a:t>
             </a:fld>
             <a:endParaRPr lang="en-US"/>
           </a:p>
@@ -3271,7 +3272,7 @@
           <a:p>
             <a:fld id="{FBD852D7-E694-214E-8A12-510E0A0329D2}" type="datetimeFigureOut">
               <a:rPr lang="en-US" smtClean="0"/>
-              <a:t>12/5/21</a:t>
+              <a:t>12/6/21</a:t>
             </a:fld>
             <a:endParaRPr lang="en-US"/>
           </a:p>
@@ -5218,6 +5219,436 @@
     <p:extLst>
       <p:ext uri="{BB962C8B-B14F-4D97-AF65-F5344CB8AC3E}">
         <p14:creationId xmlns:p14="http://schemas.microsoft.com/office/powerpoint/2010/main" val="1024315923"/>
+      </p:ext>
+    </p:extLst>
+  </p:cSld>
+  <p:clrMapOvr>
+    <a:masterClrMapping/>
+  </p:clrMapOvr>
+</p:sld>
+</file>
+
+<file path=ppt/slides/slide12.xml><?xml version="1.0" encoding="utf-8"?>
+<p:sld xmlns:a="http://schemas.openxmlformats.org/drawingml/2006/main" xmlns:r="http://schemas.openxmlformats.org/officeDocument/2006/relationships" xmlns:p="http://schemas.openxmlformats.org/presentationml/2006/main">
+  <p:cSld>
+    <p:spTree>
+      <p:nvGrpSpPr>
+        <p:cNvPr id="1" name=""/>
+        <p:cNvGrpSpPr/>
+        <p:nvPr/>
+      </p:nvGrpSpPr>
+      <p:grpSpPr>
+        <a:xfrm>
+          <a:off x="0" y="0"/>
+          <a:ext cx="0" cy="0"/>
+          <a:chOff x="0" y="0"/>
+          <a:chExt cx="0" cy="0"/>
+        </a:xfrm>
+      </p:grpSpPr>
+      <p:sp>
+        <p:nvSpPr>
+          <p:cNvPr id="2" name="TextBox 1">
+            <a:extLst>
+              <a:ext uri="{FF2B5EF4-FFF2-40B4-BE49-F238E27FC236}">
+                <a16:creationId xmlns:a16="http://schemas.microsoft.com/office/drawing/2014/main" id="{92198C53-FFE9-F04D-8AE6-154D1D5ECC6F}"/>
+              </a:ext>
+            </a:extLst>
+          </p:cNvPr>
+          <p:cNvSpPr txBox="1"/>
+          <p:nvPr/>
+        </p:nvSpPr>
+        <p:spPr>
+          <a:xfrm>
+            <a:off x="0" y="0"/>
+            <a:ext cx="1935480" cy="523220"/>
+          </a:xfrm>
+          <a:prstGeom prst="rect">
+            <a:avLst/>
+          </a:prstGeom>
+          <a:noFill/>
+        </p:spPr>
+        <p:txBody>
+          <a:bodyPr wrap="square" rtlCol="0">
+            <a:spAutoFit/>
+          </a:bodyPr>
+          <a:lstStyle/>
+          <a:p>
+            <a:r>
+              <a:rPr lang="en-US" sz="2800" b="1"/>
+              <a:t>Domo</a:t>
+            </a:r>
+          </a:p>
+        </p:txBody>
+      </p:sp>
+      <p:sp>
+        <p:nvSpPr>
+          <p:cNvPr id="3" name="TextBox 2">
+            <a:extLst>
+              <a:ext uri="{FF2B5EF4-FFF2-40B4-BE49-F238E27FC236}">
+                <a16:creationId xmlns:a16="http://schemas.microsoft.com/office/drawing/2014/main" id="{F8E0B8F9-6573-5B47-827E-8532F8042826}"/>
+              </a:ext>
+            </a:extLst>
+          </p:cNvPr>
+          <p:cNvSpPr txBox="1"/>
+          <p:nvPr/>
+        </p:nvSpPr>
+        <p:spPr>
+          <a:xfrm>
+            <a:off x="0" y="571460"/>
+            <a:ext cx="4312920" cy="523220"/>
+          </a:xfrm>
+          <a:prstGeom prst="rect">
+            <a:avLst/>
+          </a:prstGeom>
+          <a:noFill/>
+        </p:spPr>
+        <p:txBody>
+          <a:bodyPr wrap="square" rtlCol="0">
+            <a:spAutoFit/>
+          </a:bodyPr>
+          <a:lstStyle/>
+          <a:p>
+            <a:r>
+              <a:rPr lang="en-US" sz="1400"/>
+              <a:t> - </a:t>
+            </a:r>
+            <a:r>
+              <a:rPr lang="en-US" sz="1400">
+                <a:hlinkClick r:id="rId2"/>
+              </a:rPr>
+              <a:t>https://www.domo.com/</a:t>
+            </a:r>
+            <a:endParaRPr lang="en-US" sz="1400"/>
+          </a:p>
+          <a:p>
+            <a:r>
+              <a:rPr lang="en-US" sz="1400"/>
+              <a:t> - </a:t>
+            </a:r>
+            <a:r>
+              <a:rPr lang="en-US" sz="1400">
+                <a:hlinkClick r:id="rId3"/>
+              </a:rPr>
+              <a:t>https://en.wikipedia.org/wiki/Domo_(company)</a:t>
+            </a:r>
+            <a:endParaRPr lang="en-US" sz="1400"/>
+          </a:p>
+        </p:txBody>
+      </p:sp>
+      <p:sp>
+        <p:nvSpPr>
+          <p:cNvPr id="4" name="TextBox 3">
+            <a:extLst>
+              <a:ext uri="{FF2B5EF4-FFF2-40B4-BE49-F238E27FC236}">
+                <a16:creationId xmlns:a16="http://schemas.microsoft.com/office/drawing/2014/main" id="{CC3B94F4-636C-AC47-AA44-26D592865191}"/>
+              </a:ext>
+            </a:extLst>
+          </p:cNvPr>
+          <p:cNvSpPr txBox="1"/>
+          <p:nvPr/>
+        </p:nvSpPr>
+        <p:spPr>
+          <a:xfrm>
+            <a:off x="124307" y="1476079"/>
+            <a:ext cx="5301132" cy="2585323"/>
+          </a:xfrm>
+          <a:prstGeom prst="rect">
+            <a:avLst/>
+          </a:prstGeom>
+          <a:noFill/>
+        </p:spPr>
+        <p:txBody>
+          <a:bodyPr wrap="square" rtlCol="0">
+            <a:spAutoFit/>
+          </a:bodyPr>
+          <a:lstStyle/>
+          <a:p>
+            <a:r>
+              <a:rPr lang="en-US" b="1">
+                <a:solidFill>
+                  <a:srgbClr val="FF0000"/>
+                </a:solidFill>
+              </a:rPr>
+              <a:t>Domo is a cloud based dashboarding tool.</a:t>
+            </a:r>
+          </a:p>
+          <a:p>
+            <a:r>
+              <a:rPr lang="en-US"/>
+              <a:t>It uses Oracle as a DB. Also has "</a:t>
+            </a:r>
+            <a:r>
+              <a:rPr lang="en-US" b="1">
+                <a:solidFill>
+                  <a:srgbClr val="00B050"/>
+                </a:solidFill>
+              </a:rPr>
+              <a:t>live cache</a:t>
+            </a:r>
+            <a:r>
+              <a:rPr lang="en-US"/>
+              <a:t>".</a:t>
+            </a:r>
+          </a:p>
+          <a:p>
+            <a:r>
+              <a:rPr lang="en-US"/>
+              <a:t>Expensive ($2K/year per user).</a:t>
+            </a:r>
+          </a:p>
+          <a:p>
+            <a:r>
+              <a:rPr lang="en-US"/>
+              <a:t> </a:t>
+            </a:r>
+          </a:p>
+          <a:p>
+            <a:r>
+              <a:rPr lang="en-US"/>
+              <a:t>I would recommend to use Power BI </a:t>
+            </a:r>
+          </a:p>
+          <a:p>
+            <a:r>
+              <a:rPr lang="en-US"/>
+              <a:t>or Tableau instead of Domo.</a:t>
+            </a:r>
+          </a:p>
+          <a:p>
+            <a:r>
+              <a:rPr lang="en-US"/>
+              <a:t> </a:t>
+            </a:r>
+          </a:p>
+          <a:p>
+            <a:r>
+              <a:rPr lang="en-US"/>
+              <a:t>Domo, Inc. is a cloud software company (in Utah, US).</a:t>
+            </a:r>
+          </a:p>
+          <a:p>
+            <a:r>
+              <a:rPr lang="en-US"/>
+              <a:t>Since 2010, ~1K employees, valued at $2 Bln</a:t>
+            </a:r>
+          </a:p>
+        </p:txBody>
+      </p:sp>
+      <p:pic>
+        <p:nvPicPr>
+          <p:cNvPr id="1026" name="Picture 2">
+            <a:extLst>
+              <a:ext uri="{FF2B5EF4-FFF2-40B4-BE49-F238E27FC236}">
+                <a16:creationId xmlns:a16="http://schemas.microsoft.com/office/drawing/2014/main" id="{273F5C4B-549D-5948-A8F6-6F965211D2FC}"/>
+              </a:ext>
+            </a:extLst>
+          </p:cNvPr>
+          <p:cNvPicPr>
+            <a:picLocks noChangeAspect="1" noChangeArrowheads="1"/>
+          </p:cNvPicPr>
+          <p:nvPr/>
+        </p:nvPicPr>
+        <p:blipFill>
+          <a:blip r:embed="rId4" cstate="email">
+            <a:extLst>
+              <a:ext uri="{28A0092B-C50C-407E-A947-70E740481C1C}">
+                <a14:useLocalDpi xmlns:a14="http://schemas.microsoft.com/office/drawing/2010/main"/>
+              </a:ext>
+            </a:extLst>
+          </a:blip>
+          <a:srcRect/>
+          <a:stretch>
+            <a:fillRect/>
+          </a:stretch>
+        </p:blipFill>
+        <p:spPr bwMode="auto">
+          <a:xfrm>
+            <a:off x="4654474" y="132168"/>
+            <a:ext cx="971474" cy="988080"/>
+          </a:xfrm>
+          <a:prstGeom prst="rect">
+            <a:avLst/>
+          </a:prstGeom>
+          <a:noFill/>
+          <a:extLst>
+            <a:ext uri="{909E8E84-426E-40DD-AFC4-6F175D3DCCD1}">
+              <a14:hiddenFill xmlns:a14="http://schemas.microsoft.com/office/drawing/2010/main">
+                <a:solidFill>
+                  <a:srgbClr val="FFFFFF"/>
+                </a:solidFill>
+              </a14:hiddenFill>
+            </a:ext>
+          </a:extLst>
+        </p:spPr>
+      </p:pic>
+      <p:pic>
+        <p:nvPicPr>
+          <p:cNvPr id="5" name="Picture 4">
+            <a:extLst>
+              <a:ext uri="{FF2B5EF4-FFF2-40B4-BE49-F238E27FC236}">
+                <a16:creationId xmlns:a16="http://schemas.microsoft.com/office/drawing/2014/main" id="{1D83AB71-7D27-624D-9A69-2F9AA610F780}"/>
+              </a:ext>
+            </a:extLst>
+          </p:cNvPr>
+          <p:cNvPicPr>
+            <a:picLocks noChangeAspect="1"/>
+          </p:cNvPicPr>
+          <p:nvPr/>
+        </p:nvPicPr>
+        <p:blipFill>
+          <a:blip r:embed="rId5" cstate="email">
+            <a:extLst>
+              <a:ext uri="{28A0092B-C50C-407E-A947-70E740481C1C}">
+                <a14:useLocalDpi xmlns:a14="http://schemas.microsoft.com/office/drawing/2010/main"/>
+              </a:ext>
+            </a:extLst>
+          </a:blip>
+          <a:stretch>
+            <a:fillRect/>
+          </a:stretch>
+        </p:blipFill>
+        <p:spPr>
+          <a:xfrm>
+            <a:off x="651116" y="4371427"/>
+            <a:ext cx="4247515" cy="2354405"/>
+          </a:xfrm>
+          <a:prstGeom prst="rect">
+            <a:avLst/>
+          </a:prstGeom>
+        </p:spPr>
+      </p:pic>
+      <p:pic>
+        <p:nvPicPr>
+          <p:cNvPr id="6" name="Picture 5">
+            <a:extLst>
+              <a:ext uri="{FF2B5EF4-FFF2-40B4-BE49-F238E27FC236}">
+                <a16:creationId xmlns:a16="http://schemas.microsoft.com/office/drawing/2014/main" id="{489CA293-928C-5748-A81E-34E67496A5B2}"/>
+              </a:ext>
+            </a:extLst>
+          </p:cNvPr>
+          <p:cNvPicPr>
+            <a:picLocks noChangeAspect="1"/>
+          </p:cNvPicPr>
+          <p:nvPr/>
+        </p:nvPicPr>
+        <p:blipFill>
+          <a:blip r:embed="rId6" cstate="email">
+            <a:extLst>
+              <a:ext uri="{28A0092B-C50C-407E-A947-70E740481C1C}">
+                <a14:useLocalDpi xmlns:a14="http://schemas.microsoft.com/office/drawing/2010/main"/>
+              </a:ext>
+            </a:extLst>
+          </a:blip>
+          <a:stretch>
+            <a:fillRect/>
+          </a:stretch>
+        </p:blipFill>
+        <p:spPr>
+          <a:xfrm>
+            <a:off x="5873674" y="515590"/>
+            <a:ext cx="6278880" cy="6342410"/>
+          </a:xfrm>
+          <a:prstGeom prst="rect">
+            <a:avLst/>
+          </a:prstGeom>
+        </p:spPr>
+      </p:pic>
+      <p:sp>
+        <p:nvSpPr>
+          <p:cNvPr id="7" name="Oval 6">
+            <a:extLst>
+              <a:ext uri="{FF2B5EF4-FFF2-40B4-BE49-F238E27FC236}">
+                <a16:creationId xmlns:a16="http://schemas.microsoft.com/office/drawing/2014/main" id="{EC57B60E-B479-2F49-BBC1-68B5AE0079EF}"/>
+              </a:ext>
+            </a:extLst>
+          </p:cNvPr>
+          <p:cNvSpPr/>
+          <p:nvPr/>
+        </p:nvSpPr>
+        <p:spPr>
+          <a:xfrm>
+            <a:off x="8519160" y="3322320"/>
+            <a:ext cx="685800" cy="335280"/>
+          </a:xfrm>
+          <a:prstGeom prst="ellipse">
+            <a:avLst/>
+          </a:prstGeom>
+          <a:noFill/>
+          <a:ln w="25400">
+            <a:solidFill>
+              <a:srgbClr val="FF0000"/>
+            </a:solidFill>
+          </a:ln>
+        </p:spPr>
+        <p:style>
+          <a:lnRef idx="2">
+            <a:schemeClr val="accent1">
+              <a:shade val="50000"/>
+            </a:schemeClr>
+          </a:lnRef>
+          <a:fillRef idx="1">
+            <a:schemeClr val="accent1"/>
+          </a:fillRef>
+          <a:effectRef idx="0">
+            <a:schemeClr val="accent1"/>
+          </a:effectRef>
+          <a:fontRef idx="minor">
+            <a:schemeClr val="lt1"/>
+          </a:fontRef>
+        </p:style>
+        <p:txBody>
+          <a:bodyPr rtlCol="0" anchor="ctr"/>
+          <a:lstStyle/>
+          <a:p>
+            <a:pPr algn="ctr"/>
+            <a:endParaRPr lang="en-US"/>
+          </a:p>
+        </p:txBody>
+      </p:sp>
+      <p:sp>
+        <p:nvSpPr>
+          <p:cNvPr id="8" name="TextBox 7">
+            <a:extLst>
+              <a:ext uri="{FF2B5EF4-FFF2-40B4-BE49-F238E27FC236}">
+                <a16:creationId xmlns:a16="http://schemas.microsoft.com/office/drawing/2014/main" id="{CF4FFA45-A7BC-D343-8EB4-F18E0590A318}"/>
+              </a:ext>
+            </a:extLst>
+          </p:cNvPr>
+          <p:cNvSpPr txBox="1"/>
+          <p:nvPr/>
+        </p:nvSpPr>
+        <p:spPr>
+          <a:xfrm>
+            <a:off x="7199708" y="119528"/>
+            <a:ext cx="3718560" cy="369332"/>
+          </a:xfrm>
+          <a:prstGeom prst="rect">
+            <a:avLst/>
+          </a:prstGeom>
+          <a:noFill/>
+        </p:spPr>
+        <p:txBody>
+          <a:bodyPr wrap="square" rtlCol="0">
+            <a:spAutoFit/>
+          </a:bodyPr>
+          <a:lstStyle/>
+          <a:p>
+            <a:pPr algn="ctr"/>
+            <a:r>
+              <a:rPr lang="en-US" b="1">
+                <a:solidFill>
+                  <a:srgbClr val="00B050"/>
+                </a:solidFill>
+              </a:rPr>
+              <a:t>Analytics and BI Platforms, 2021</a:t>
+            </a:r>
+          </a:p>
+        </p:txBody>
+      </p:sp>
+    </p:spTree>
+    <p:extLst>
+      <p:ext uri="{BB962C8B-B14F-4D97-AF65-F5344CB8AC3E}">
+        <p14:creationId xmlns:p14="http://schemas.microsoft.com/office/powerpoint/2010/main" val="3523541974"/>
       </p:ext>
     </p:extLst>
   </p:cSld>

--- a/DA_13_miscellaneous.pptx
+++ b/DA_13_miscellaneous.pptx
@@ -5,7 +5,7 @@
     <p:sldMasterId id="2147483648" r:id="rId1"/>
   </p:sldMasterIdLst>
   <p:notesMasterIdLst>
-    <p:notesMasterId r:id="rId14"/>
+    <p:notesMasterId r:id="rId15"/>
   </p:notesMasterIdLst>
   <p:sldIdLst>
     <p:sldId id="260" r:id="rId2"/>
@@ -20,6 +20,7 @@
     <p:sldId id="265" r:id="rId11"/>
     <p:sldId id="266" r:id="rId12"/>
     <p:sldId id="267" r:id="rId13"/>
+    <p:sldId id="268" r:id="rId14"/>
   </p:sldIdLst>
   <p:sldSz cx="12192000" cy="6858000"/>
   <p:notesSz cx="6858000" cy="9144000"/>
@@ -208,7 +209,7 @@
           <a:p>
             <a:fld id="{C2E15B94-D9E4-E149-8081-23A720D1EE5F}" type="datetimeFigureOut">
               <a:rPr lang="en-US" smtClean="0"/>
-              <a:t>12/6/21</a:t>
+              <a:t>12/9/21</a:t>
             </a:fld>
             <a:endParaRPr lang="en-US"/>
           </a:p>
@@ -622,7 +623,7 @@
           <a:p>
             <a:fld id="{FBD852D7-E694-214E-8A12-510E0A0329D2}" type="datetimeFigureOut">
               <a:rPr lang="en-US" smtClean="0"/>
-              <a:t>12/6/21</a:t>
+              <a:t>12/9/21</a:t>
             </a:fld>
             <a:endParaRPr lang="en-US"/>
           </a:p>
@@ -820,7 +821,7 @@
           <a:p>
             <a:fld id="{FBD852D7-E694-214E-8A12-510E0A0329D2}" type="datetimeFigureOut">
               <a:rPr lang="en-US" smtClean="0"/>
-              <a:t>12/6/21</a:t>
+              <a:t>12/9/21</a:t>
             </a:fld>
             <a:endParaRPr lang="en-US"/>
           </a:p>
@@ -1028,7 +1029,7 @@
           <a:p>
             <a:fld id="{FBD852D7-E694-214E-8A12-510E0A0329D2}" type="datetimeFigureOut">
               <a:rPr lang="en-US" smtClean="0"/>
-              <a:t>12/6/21</a:t>
+              <a:t>12/9/21</a:t>
             </a:fld>
             <a:endParaRPr lang="en-US"/>
           </a:p>
@@ -1226,7 +1227,7 @@
           <a:p>
             <a:fld id="{FBD852D7-E694-214E-8A12-510E0A0329D2}" type="datetimeFigureOut">
               <a:rPr lang="en-US" smtClean="0"/>
-              <a:t>12/6/21</a:t>
+              <a:t>12/9/21</a:t>
             </a:fld>
             <a:endParaRPr lang="en-US"/>
           </a:p>
@@ -1501,7 +1502,7 @@
           <a:p>
             <a:fld id="{FBD852D7-E694-214E-8A12-510E0A0329D2}" type="datetimeFigureOut">
               <a:rPr lang="en-US" smtClean="0"/>
-              <a:t>12/6/21</a:t>
+              <a:t>12/9/21</a:t>
             </a:fld>
             <a:endParaRPr lang="en-US"/>
           </a:p>
@@ -1766,7 +1767,7 @@
           <a:p>
             <a:fld id="{FBD852D7-E694-214E-8A12-510E0A0329D2}" type="datetimeFigureOut">
               <a:rPr lang="en-US" smtClean="0"/>
-              <a:t>12/6/21</a:t>
+              <a:t>12/9/21</a:t>
             </a:fld>
             <a:endParaRPr lang="en-US"/>
           </a:p>
@@ -2178,7 +2179,7 @@
           <a:p>
             <a:fld id="{FBD852D7-E694-214E-8A12-510E0A0329D2}" type="datetimeFigureOut">
               <a:rPr lang="en-US" smtClean="0"/>
-              <a:t>12/6/21</a:t>
+              <a:t>12/9/21</a:t>
             </a:fld>
             <a:endParaRPr lang="en-US"/>
           </a:p>
@@ -2319,7 +2320,7 @@
           <a:p>
             <a:fld id="{FBD852D7-E694-214E-8A12-510E0A0329D2}" type="datetimeFigureOut">
               <a:rPr lang="en-US" smtClean="0"/>
-              <a:t>12/6/21</a:t>
+              <a:t>12/9/21</a:t>
             </a:fld>
             <a:endParaRPr lang="en-US"/>
           </a:p>
@@ -2432,7 +2433,7 @@
           <a:p>
             <a:fld id="{FBD852D7-E694-214E-8A12-510E0A0329D2}" type="datetimeFigureOut">
               <a:rPr lang="en-US" smtClean="0"/>
-              <a:t>12/6/21</a:t>
+              <a:t>12/9/21</a:t>
             </a:fld>
             <a:endParaRPr lang="en-US"/>
           </a:p>
@@ -2743,7 +2744,7 @@
           <a:p>
             <a:fld id="{FBD852D7-E694-214E-8A12-510E0A0329D2}" type="datetimeFigureOut">
               <a:rPr lang="en-US" smtClean="0"/>
-              <a:t>12/6/21</a:t>
+              <a:t>12/9/21</a:t>
             </a:fld>
             <a:endParaRPr lang="en-US"/>
           </a:p>
@@ -3031,7 +3032,7 @@
           <a:p>
             <a:fld id="{FBD852D7-E694-214E-8A12-510E0A0329D2}" type="datetimeFigureOut">
               <a:rPr lang="en-US" smtClean="0"/>
-              <a:t>12/6/21</a:t>
+              <a:t>12/9/21</a:t>
             </a:fld>
             <a:endParaRPr lang="en-US"/>
           </a:p>
@@ -3272,7 +3273,7 @@
           <a:p>
             <a:fld id="{FBD852D7-E694-214E-8A12-510E0A0329D2}" type="datetimeFigureOut">
               <a:rPr lang="en-US" smtClean="0"/>
-              <a:t>12/6/21</a:t>
+              <a:t>12/9/21</a:t>
             </a:fld>
             <a:endParaRPr lang="en-US"/>
           </a:p>
@@ -5649,6 +5650,570 @@
     <p:extLst>
       <p:ext uri="{BB962C8B-B14F-4D97-AF65-F5344CB8AC3E}">
         <p14:creationId xmlns:p14="http://schemas.microsoft.com/office/powerpoint/2010/main" val="3523541974"/>
+      </p:ext>
+    </p:extLst>
+  </p:cSld>
+  <p:clrMapOvr>
+    <a:masterClrMapping/>
+  </p:clrMapOvr>
+</p:sld>
+</file>
+
+<file path=ppt/slides/slide13.xml><?xml version="1.0" encoding="utf-8"?>
+<p:sld xmlns:a="http://schemas.openxmlformats.org/drawingml/2006/main" xmlns:r="http://schemas.openxmlformats.org/officeDocument/2006/relationships" xmlns:p="http://schemas.openxmlformats.org/presentationml/2006/main">
+  <p:cSld>
+    <p:spTree>
+      <p:nvGrpSpPr>
+        <p:cNvPr id="1" name=""/>
+        <p:cNvGrpSpPr/>
+        <p:nvPr/>
+      </p:nvGrpSpPr>
+      <p:grpSpPr>
+        <a:xfrm>
+          <a:off x="0" y="0"/>
+          <a:ext cx="0" cy="0"/>
+          <a:chOff x="0" y="0"/>
+          <a:chExt cx="0" cy="0"/>
+        </a:xfrm>
+      </p:grpSpPr>
+      <p:sp>
+        <p:nvSpPr>
+          <p:cNvPr id="2" name="TextBox 1">
+            <a:extLst>
+              <a:ext uri="{FF2B5EF4-FFF2-40B4-BE49-F238E27FC236}">
+                <a16:creationId xmlns:a16="http://schemas.microsoft.com/office/drawing/2014/main" id="{BA421379-1906-6547-9B18-2838468E5FCE}"/>
+              </a:ext>
+            </a:extLst>
+          </p:cNvPr>
+          <p:cNvSpPr txBox="1"/>
+          <p:nvPr/>
+        </p:nvSpPr>
+        <p:spPr>
+          <a:xfrm>
+            <a:off x="0" y="523221"/>
+            <a:ext cx="2743200" cy="646331"/>
+          </a:xfrm>
+          <a:prstGeom prst="rect">
+            <a:avLst/>
+          </a:prstGeom>
+          <a:noFill/>
+        </p:spPr>
+        <p:txBody>
+          <a:bodyPr wrap="square" rtlCol="0">
+            <a:spAutoFit/>
+          </a:bodyPr>
+          <a:lstStyle/>
+          <a:p>
+            <a:r>
+              <a:rPr lang="en-US" sz="1200"/>
+              <a:t> - </a:t>
+            </a:r>
+            <a:r>
+              <a:rPr lang="en-US" sz="1200">
+                <a:hlinkClick r:id="rId2"/>
+              </a:rPr>
+              <a:t>https://www.alteryx.com/</a:t>
+            </a:r>
+            <a:endParaRPr lang="en-US" sz="1200"/>
+          </a:p>
+          <a:p>
+            <a:r>
+              <a:rPr lang="en-US" sz="1200"/>
+              <a:t> - </a:t>
+            </a:r>
+            <a:r>
+              <a:rPr lang="en-US" sz="1200">
+                <a:hlinkClick r:id="rId3"/>
+              </a:rPr>
+              <a:t>https://en.wikipedia.org/wiki/Alteryx</a:t>
+            </a:r>
+            <a:r>
+              <a:rPr lang="en-US" sz="1200"/>
+              <a:t> </a:t>
+            </a:r>
+          </a:p>
+          <a:p>
+            <a:r>
+              <a:rPr lang="en-US" sz="1200"/>
+              <a:t> - </a:t>
+            </a:r>
+            <a:r>
+              <a:rPr lang="en-US" sz="1200">
+                <a:hlinkClick r:id="rId4"/>
+              </a:rPr>
+              <a:t>https://gallery.alteryx.com</a:t>
+            </a:r>
+            <a:endParaRPr lang="en-US" sz="1200"/>
+          </a:p>
+        </p:txBody>
+      </p:sp>
+      <p:sp>
+        <p:nvSpPr>
+          <p:cNvPr id="3" name="TextBox 2">
+            <a:extLst>
+              <a:ext uri="{FF2B5EF4-FFF2-40B4-BE49-F238E27FC236}">
+                <a16:creationId xmlns:a16="http://schemas.microsoft.com/office/drawing/2014/main" id="{0491EB51-4848-7747-A4FB-450035F82D93}"/>
+              </a:ext>
+            </a:extLst>
+          </p:cNvPr>
+          <p:cNvSpPr txBox="1"/>
+          <p:nvPr/>
+        </p:nvSpPr>
+        <p:spPr>
+          <a:xfrm>
+            <a:off x="0" y="1"/>
+            <a:ext cx="2057400" cy="523220"/>
+          </a:xfrm>
+          <a:prstGeom prst="rect">
+            <a:avLst/>
+          </a:prstGeom>
+          <a:noFill/>
+        </p:spPr>
+        <p:txBody>
+          <a:bodyPr wrap="square" rtlCol="0">
+            <a:spAutoFit/>
+          </a:bodyPr>
+          <a:lstStyle/>
+          <a:p>
+            <a:r>
+              <a:rPr lang="en-US" sz="2800" b="1"/>
+              <a:t>Alteryx</a:t>
+            </a:r>
+          </a:p>
+        </p:txBody>
+      </p:sp>
+      <p:sp>
+        <p:nvSpPr>
+          <p:cNvPr id="4" name="TextBox 3">
+            <a:extLst>
+              <a:ext uri="{FF2B5EF4-FFF2-40B4-BE49-F238E27FC236}">
+                <a16:creationId xmlns:a16="http://schemas.microsoft.com/office/drawing/2014/main" id="{D4EF8AEF-7CE7-7F41-A9A6-93BE38AF3E22}"/>
+              </a:ext>
+            </a:extLst>
+          </p:cNvPr>
+          <p:cNvSpPr txBox="1"/>
+          <p:nvPr/>
+        </p:nvSpPr>
+        <p:spPr>
+          <a:xfrm>
+            <a:off x="151879" y="1510606"/>
+            <a:ext cx="5597568" cy="2893100"/>
+          </a:xfrm>
+          <a:prstGeom prst="rect">
+            <a:avLst/>
+          </a:prstGeom>
+          <a:noFill/>
+        </p:spPr>
+        <p:txBody>
+          <a:bodyPr wrap="square" rtlCol="0">
+            <a:spAutoFit/>
+          </a:bodyPr>
+          <a:lstStyle/>
+          <a:p>
+            <a:r>
+              <a:rPr lang="en-US" sz="1400" b="1">
+                <a:solidFill>
+                  <a:srgbClr val="FF0000"/>
+                </a:solidFill>
+              </a:rPr>
+              <a:t>Alteryx</a:t>
+            </a:r>
+            <a:r>
+              <a:rPr lang="en-US" sz="1400"/>
+              <a:t> – software products for data science and analytics:</a:t>
+            </a:r>
+          </a:p>
+          <a:p>
+            <a:pPr marL="285750" indent="-285750">
+              <a:buFont typeface="Arial" panose="020B0604020202020204" pitchFamily="34" charset="0"/>
+              <a:buChar char="•"/>
+            </a:pPr>
+            <a:r>
+              <a:rPr lang="en-US" sz="1400"/>
+              <a:t>Based in California and Colorado</a:t>
+            </a:r>
+          </a:p>
+          <a:p>
+            <a:pPr marL="285750" indent="-285750">
+              <a:buFont typeface="Arial" panose="020B0604020202020204" pitchFamily="34" charset="0"/>
+              <a:buChar char="•"/>
+            </a:pPr>
+            <a:r>
+              <a:rPr lang="en-US" sz="1400"/>
+              <a:t>1997 - </a:t>
+            </a:r>
+            <a:r>
+              <a:rPr lang="en-US" sz="1400" b="1">
+                <a:solidFill>
+                  <a:srgbClr val="00B050"/>
+                </a:solidFill>
+              </a:rPr>
+              <a:t>SRC LLC</a:t>
+            </a:r>
+            <a:r>
+              <a:rPr lang="en-US" sz="1400"/>
+              <a:t> – tools for demographic mapping and reporting</a:t>
+            </a:r>
+          </a:p>
+          <a:p>
+            <a:pPr marL="285750" indent="-285750">
+              <a:buFont typeface="Arial" panose="020B0604020202020204" pitchFamily="34" charset="0"/>
+              <a:buChar char="•"/>
+            </a:pPr>
+            <a:r>
+              <a:rPr lang="en-US" sz="1400"/>
+              <a:t>2000 – contract with U.S. Census Bureau</a:t>
+            </a:r>
+          </a:p>
+          <a:p>
+            <a:pPr marL="285750" indent="-285750">
+              <a:buFont typeface="Arial" panose="020B0604020202020204" pitchFamily="34" charset="0"/>
+              <a:buChar char="•"/>
+            </a:pPr>
+            <a:r>
+              <a:rPr lang="en-US" sz="1400"/>
+              <a:t>2006 – </a:t>
+            </a:r>
+            <a:r>
+              <a:rPr lang="en-US" sz="1400" b="1">
+                <a:solidFill>
+                  <a:srgbClr val="FF0000"/>
+                </a:solidFill>
+              </a:rPr>
+              <a:t>Alteryx</a:t>
+            </a:r>
+            <a:r>
+              <a:rPr lang="en-US" sz="1400"/>
+              <a:t> was released as a unified set of tools </a:t>
+            </a:r>
+            <a:br>
+              <a:rPr lang="en-US" sz="1400"/>
+            </a:br>
+            <a:r>
+              <a:rPr lang="en-US" sz="1400"/>
+              <a:t>for building analytical processes and applications</a:t>
+            </a:r>
+          </a:p>
+          <a:p>
+            <a:pPr marL="285750" indent="-285750">
+              <a:buFont typeface="Arial" panose="020B0604020202020204" pitchFamily="34" charset="0"/>
+              <a:buChar char="•"/>
+            </a:pPr>
+            <a:r>
+              <a:rPr lang="en-US" sz="1400"/>
+              <a:t>2010 – </a:t>
+            </a:r>
+            <a:r>
+              <a:rPr lang="en-US" sz="1400" b="1">
+                <a:solidFill>
+                  <a:srgbClr val="00B050"/>
+                </a:solidFill>
+              </a:rPr>
+              <a:t>SRC LLC</a:t>
+            </a:r>
+            <a:r>
+              <a:rPr lang="en-US" sz="1400"/>
+              <a:t> renamed into </a:t>
+            </a:r>
+            <a:r>
+              <a:rPr lang="en-US" sz="1400" b="1">
+                <a:solidFill>
+                  <a:srgbClr val="FF0000"/>
+                </a:solidFill>
+              </a:rPr>
+              <a:t>Alteryx</a:t>
+            </a:r>
+            <a:endParaRPr lang="en-US" sz="1400"/>
+          </a:p>
+          <a:p>
+            <a:pPr marL="285750" indent="-285750">
+              <a:buFont typeface="Arial" panose="020B0604020202020204" pitchFamily="34" charset="0"/>
+              <a:buChar char="•"/>
+            </a:pPr>
+            <a:r>
+              <a:rPr lang="en-US" sz="1400"/>
+              <a:t>2016 - </a:t>
+            </a:r>
+            <a:r>
+              <a:rPr lang="en-US" sz="1400" b="1">
+                <a:solidFill>
+                  <a:srgbClr val="FF0000"/>
+                </a:solidFill>
+              </a:rPr>
+              <a:t>Alteryx</a:t>
+            </a:r>
+            <a:r>
+              <a:rPr lang="en-US" sz="1400"/>
+              <a:t> was ranked #24 on the Forbes Cloud 100 list</a:t>
+            </a:r>
+          </a:p>
+          <a:p>
+            <a:pPr marL="285750" indent="-285750">
+              <a:buFont typeface="Arial" panose="020B0604020202020204" pitchFamily="34" charset="0"/>
+              <a:buChar char="•"/>
+            </a:pPr>
+            <a:r>
+              <a:rPr lang="en-US" sz="1400"/>
+              <a:t>2017 - </a:t>
+            </a:r>
+            <a:r>
+              <a:rPr lang="en-US" sz="1400" b="1">
+                <a:solidFill>
+                  <a:srgbClr val="FF0000"/>
+                </a:solidFill>
+              </a:rPr>
+              <a:t>Alteryx</a:t>
+            </a:r>
+            <a:r>
+              <a:rPr lang="en-US" sz="1400"/>
+              <a:t> went public in an IPO listed on the NYSE</a:t>
+            </a:r>
+          </a:p>
+          <a:p>
+            <a:pPr marL="285750" indent="-285750">
+              <a:buFont typeface="Arial" panose="020B0604020202020204" pitchFamily="34" charset="0"/>
+              <a:buChar char="•"/>
+            </a:pPr>
+            <a:r>
+              <a:rPr lang="en-US" sz="1400"/>
+              <a:t>2018 - </a:t>
+            </a:r>
+            <a:r>
+              <a:rPr lang="en-US" sz="1400" b="1">
+                <a:solidFill>
+                  <a:srgbClr val="FF0000"/>
+                </a:solidFill>
+              </a:rPr>
+              <a:t>Alteryx</a:t>
+            </a:r>
+            <a:r>
+              <a:rPr lang="en-US" sz="1400"/>
+              <a:t> was named a leader in Gartner's 2018 Magic Quadrant </a:t>
+            </a:r>
+            <a:br>
+              <a:rPr lang="en-US" sz="1400"/>
+            </a:br>
+            <a:r>
+              <a:rPr lang="en-US" sz="1400"/>
+              <a:t>for </a:t>
+            </a:r>
+            <a:r>
+              <a:rPr lang="en-US" sz="1400">
+                <a:solidFill>
+                  <a:schemeClr val="accent2">
+                    <a:lumMod val="75000"/>
+                  </a:schemeClr>
+                </a:solidFill>
+              </a:rPr>
+              <a:t>Data Science and Machine Learning Platforms</a:t>
+            </a:r>
+          </a:p>
+          <a:p>
+            <a:pPr marL="285750" indent="-285750">
+              <a:buFont typeface="Arial" panose="020B0604020202020204" pitchFamily="34" charset="0"/>
+              <a:buChar char="•"/>
+            </a:pPr>
+            <a:r>
+              <a:rPr lang="en-US" sz="1400"/>
+              <a:t>2020 – </a:t>
+            </a:r>
+            <a:r>
+              <a:rPr lang="en-US" sz="1400">
+                <a:solidFill>
+                  <a:srgbClr val="00B050"/>
+                </a:solidFill>
+              </a:rPr>
+              <a:t>Alteryx Analytics platform products</a:t>
+            </a:r>
+            <a:r>
+              <a:rPr lang="en-US" sz="1400"/>
+              <a:t>: </a:t>
+            </a:r>
+            <a:br>
+              <a:rPr lang="en-US" sz="1400"/>
+            </a:br>
+            <a:r>
+              <a:rPr lang="en-US" sz="1400">
+                <a:solidFill>
+                  <a:srgbClr val="00B0F0"/>
+                </a:solidFill>
+              </a:rPr>
+              <a:t>Connect, Designer, Promote, Server, Hub, Intelligence Suite</a:t>
+            </a:r>
+          </a:p>
+        </p:txBody>
+      </p:sp>
+      <p:pic>
+        <p:nvPicPr>
+          <p:cNvPr id="5" name="Picture 4">
+            <a:extLst>
+              <a:ext uri="{FF2B5EF4-FFF2-40B4-BE49-F238E27FC236}">
+                <a16:creationId xmlns:a16="http://schemas.microsoft.com/office/drawing/2014/main" id="{71BC59CD-A61A-014E-B0E0-D67E3953B400}"/>
+              </a:ext>
+            </a:extLst>
+          </p:cNvPr>
+          <p:cNvPicPr>
+            <a:picLocks noChangeAspect="1"/>
+          </p:cNvPicPr>
+          <p:nvPr/>
+        </p:nvPicPr>
+        <p:blipFill>
+          <a:blip r:embed="rId5" cstate="email">
+            <a:extLst>
+              <a:ext uri="{28A0092B-C50C-407E-A947-70E740481C1C}">
+                <a14:useLocalDpi xmlns:a14="http://schemas.microsoft.com/office/drawing/2010/main"/>
+              </a:ext>
+            </a:extLst>
+          </a:blip>
+          <a:stretch>
+            <a:fillRect/>
+          </a:stretch>
+        </p:blipFill>
+        <p:spPr>
+          <a:xfrm>
+            <a:off x="4283901" y="58023"/>
+            <a:ext cx="2211887" cy="678547"/>
+          </a:xfrm>
+          <a:prstGeom prst="rect">
+            <a:avLst/>
+          </a:prstGeom>
+        </p:spPr>
+      </p:pic>
+      <p:pic>
+        <p:nvPicPr>
+          <p:cNvPr id="6" name="Picture 5">
+            <a:extLst>
+              <a:ext uri="{FF2B5EF4-FFF2-40B4-BE49-F238E27FC236}">
+                <a16:creationId xmlns:a16="http://schemas.microsoft.com/office/drawing/2014/main" id="{D4BAF163-B28B-9843-A2EE-24D5A111A71F}"/>
+              </a:ext>
+            </a:extLst>
+          </p:cNvPr>
+          <p:cNvPicPr>
+            <a:picLocks noChangeAspect="1"/>
+          </p:cNvPicPr>
+          <p:nvPr/>
+        </p:nvPicPr>
+        <p:blipFill>
+          <a:blip r:embed="rId6" cstate="email">
+            <a:extLst>
+              <a:ext uri="{28A0092B-C50C-407E-A947-70E740481C1C}">
+                <a14:useLocalDpi xmlns:a14="http://schemas.microsoft.com/office/drawing/2010/main"/>
+              </a:ext>
+            </a:extLst>
+          </a:blip>
+          <a:stretch>
+            <a:fillRect/>
+          </a:stretch>
+        </p:blipFill>
+        <p:spPr>
+          <a:xfrm>
+            <a:off x="8036489" y="523221"/>
+            <a:ext cx="2456665" cy="3108543"/>
+          </a:xfrm>
+          <a:prstGeom prst="rect">
+            <a:avLst/>
+          </a:prstGeom>
+        </p:spPr>
+      </p:pic>
+      <p:pic>
+        <p:nvPicPr>
+          <p:cNvPr id="7" name="Picture 6">
+            <a:extLst>
+              <a:ext uri="{FF2B5EF4-FFF2-40B4-BE49-F238E27FC236}">
+                <a16:creationId xmlns:a16="http://schemas.microsoft.com/office/drawing/2014/main" id="{A3722D2E-A112-F241-8D37-CE5EA4C2AB91}"/>
+              </a:ext>
+            </a:extLst>
+          </p:cNvPr>
+          <p:cNvPicPr>
+            <a:picLocks noChangeAspect="1"/>
+          </p:cNvPicPr>
+          <p:nvPr/>
+        </p:nvPicPr>
+        <p:blipFill>
+          <a:blip r:embed="rId7" cstate="email">
+            <a:extLst>
+              <a:ext uri="{28A0092B-C50C-407E-A947-70E740481C1C}">
+                <a14:useLocalDpi xmlns:a14="http://schemas.microsoft.com/office/drawing/2010/main"/>
+              </a:ext>
+            </a:extLst>
+          </a:blip>
+          <a:stretch>
+            <a:fillRect/>
+          </a:stretch>
+        </p:blipFill>
+        <p:spPr>
+          <a:xfrm>
+            <a:off x="6963031" y="4131979"/>
+            <a:ext cx="4332923" cy="2067622"/>
+          </a:xfrm>
+          <a:prstGeom prst="rect">
+            <a:avLst/>
+          </a:prstGeom>
+        </p:spPr>
+      </p:pic>
+      <p:sp>
+        <p:nvSpPr>
+          <p:cNvPr id="8" name="TextBox 7">
+            <a:extLst>
+              <a:ext uri="{FF2B5EF4-FFF2-40B4-BE49-F238E27FC236}">
+                <a16:creationId xmlns:a16="http://schemas.microsoft.com/office/drawing/2014/main" id="{615A7932-1040-CC46-85AE-3884142FC21C}"/>
+              </a:ext>
+            </a:extLst>
+          </p:cNvPr>
+          <p:cNvSpPr txBox="1"/>
+          <p:nvPr/>
+        </p:nvSpPr>
+        <p:spPr>
+          <a:xfrm>
+            <a:off x="203548" y="4793956"/>
+            <a:ext cx="3707704" cy="1169551"/>
+          </a:xfrm>
+          <a:prstGeom prst="rect">
+            <a:avLst/>
+          </a:prstGeom>
+          <a:noFill/>
+        </p:spPr>
+        <p:txBody>
+          <a:bodyPr wrap="square" rtlCol="0">
+            <a:spAutoFit/>
+          </a:bodyPr>
+          <a:lstStyle/>
+          <a:p>
+            <a:r>
+              <a:rPr lang="en-US" sz="1400"/>
+              <a:t>Alterix pricing (per user, year)</a:t>
+            </a:r>
+          </a:p>
+          <a:p>
+            <a:r>
+              <a:rPr lang="en-US" sz="1400"/>
+              <a:t>Designer - $5,195</a:t>
+            </a:r>
+          </a:p>
+          <a:p>
+            <a:r>
+              <a:rPr lang="en-US" sz="1400"/>
+              <a:t>Intelligence Suite - $2,300</a:t>
+            </a:r>
+          </a:p>
+          <a:p>
+            <a:r>
+              <a:rPr lang="en-US" sz="1400"/>
+              <a:t>Data Package - Location Intelligence - $11,700</a:t>
+            </a:r>
+          </a:p>
+          <a:p>
+            <a:r>
+              <a:rPr lang="en-US" sz="1400"/>
+              <a:t>Data Package - Consumer Intelligence - $33,800</a:t>
+            </a:r>
+          </a:p>
+        </p:txBody>
+      </p:sp>
+    </p:spTree>
+    <p:extLst>
+      <p:ext uri="{BB962C8B-B14F-4D97-AF65-F5344CB8AC3E}">
+        <p14:creationId xmlns:p14="http://schemas.microsoft.com/office/powerpoint/2010/main" val="831303564"/>
       </p:ext>
     </p:extLst>
   </p:cSld>

--- a/DA_13_miscellaneous.pptx
+++ b/DA_13_miscellaneous.pptx
@@ -5,7 +5,7 @@
     <p:sldMasterId id="2147483648" r:id="rId1"/>
   </p:sldMasterIdLst>
   <p:notesMasterIdLst>
-    <p:notesMasterId r:id="rId15"/>
+    <p:notesMasterId r:id="rId17"/>
   </p:notesMasterIdLst>
   <p:sldIdLst>
     <p:sldId id="260" r:id="rId2"/>
@@ -21,6 +21,8 @@
     <p:sldId id="266" r:id="rId12"/>
     <p:sldId id="267" r:id="rId13"/>
     <p:sldId id="268" r:id="rId14"/>
+    <p:sldId id="270" r:id="rId15"/>
+    <p:sldId id="269" r:id="rId16"/>
   </p:sldIdLst>
   <p:sldSz cx="12192000" cy="6858000"/>
   <p:notesSz cx="6858000" cy="9144000"/>
@@ -6214,6 +6216,929 @@
     <p:extLst>
       <p:ext uri="{BB962C8B-B14F-4D97-AF65-F5344CB8AC3E}">
         <p14:creationId xmlns:p14="http://schemas.microsoft.com/office/powerpoint/2010/main" val="831303564"/>
+      </p:ext>
+    </p:extLst>
+  </p:cSld>
+  <p:clrMapOvr>
+    <a:masterClrMapping/>
+  </p:clrMapOvr>
+</p:sld>
+</file>
+
+<file path=ppt/slides/slide14.xml><?xml version="1.0" encoding="utf-8"?>
+<p:sld xmlns:a="http://schemas.openxmlformats.org/drawingml/2006/main" xmlns:r="http://schemas.openxmlformats.org/officeDocument/2006/relationships" xmlns:p="http://schemas.openxmlformats.org/presentationml/2006/main">
+  <p:cSld>
+    <p:spTree>
+      <p:nvGrpSpPr>
+        <p:cNvPr id="1" name=""/>
+        <p:cNvGrpSpPr/>
+        <p:nvPr/>
+      </p:nvGrpSpPr>
+      <p:grpSpPr>
+        <a:xfrm>
+          <a:off x="0" y="0"/>
+          <a:ext cx="0" cy="0"/>
+          <a:chOff x="0" y="0"/>
+          <a:chExt cx="0" cy="0"/>
+        </a:xfrm>
+      </p:grpSpPr>
+      <p:pic>
+        <p:nvPicPr>
+          <p:cNvPr id="2" name="Picture 1">
+            <a:extLst>
+              <a:ext uri="{FF2B5EF4-FFF2-40B4-BE49-F238E27FC236}">
+                <a16:creationId xmlns:a16="http://schemas.microsoft.com/office/drawing/2014/main" id="{02AC7F60-956A-8441-AB7A-DD5BAFAA0D97}"/>
+              </a:ext>
+            </a:extLst>
+          </p:cNvPr>
+          <p:cNvPicPr>
+            <a:picLocks noChangeAspect="1"/>
+          </p:cNvPicPr>
+          <p:nvPr/>
+        </p:nvPicPr>
+        <p:blipFill>
+          <a:blip r:embed="rId2" cstate="email">
+            <a:extLst>
+              <a:ext uri="{28A0092B-C50C-407E-A947-70E740481C1C}">
+                <a14:useLocalDpi xmlns:a14="http://schemas.microsoft.com/office/drawing/2010/main"/>
+              </a:ext>
+            </a:extLst>
+          </a:blip>
+          <a:stretch>
+            <a:fillRect/>
+          </a:stretch>
+        </p:blipFill>
+        <p:spPr>
+          <a:xfrm>
+            <a:off x="153552" y="1475508"/>
+            <a:ext cx="5942448" cy="3429000"/>
+          </a:xfrm>
+          <a:prstGeom prst="rect">
+            <a:avLst/>
+          </a:prstGeom>
+        </p:spPr>
+      </p:pic>
+      <p:pic>
+        <p:nvPicPr>
+          <p:cNvPr id="3" name="Picture 2">
+            <a:extLst>
+              <a:ext uri="{FF2B5EF4-FFF2-40B4-BE49-F238E27FC236}">
+                <a16:creationId xmlns:a16="http://schemas.microsoft.com/office/drawing/2014/main" id="{683D4412-EAC5-9B4F-B7F0-F9808525B32D}"/>
+              </a:ext>
+            </a:extLst>
+          </p:cNvPr>
+          <p:cNvPicPr>
+            <a:picLocks noChangeAspect="1"/>
+          </p:cNvPicPr>
+          <p:nvPr/>
+        </p:nvPicPr>
+        <p:blipFill>
+          <a:blip r:embed="rId3" cstate="email">
+            <a:extLst>
+              <a:ext uri="{28A0092B-C50C-407E-A947-70E740481C1C}">
+                <a14:useLocalDpi xmlns:a14="http://schemas.microsoft.com/office/drawing/2010/main"/>
+              </a:ext>
+            </a:extLst>
+          </a:blip>
+          <a:stretch>
+            <a:fillRect/>
+          </a:stretch>
+        </p:blipFill>
+        <p:spPr>
+          <a:xfrm>
+            <a:off x="7498198" y="4830616"/>
+            <a:ext cx="4057650" cy="1475509"/>
+          </a:xfrm>
+          <a:prstGeom prst="rect">
+            <a:avLst/>
+          </a:prstGeom>
+        </p:spPr>
+      </p:pic>
+      <p:pic>
+        <p:nvPicPr>
+          <p:cNvPr id="4" name="Picture 3">
+            <a:extLst>
+              <a:ext uri="{FF2B5EF4-FFF2-40B4-BE49-F238E27FC236}">
+                <a16:creationId xmlns:a16="http://schemas.microsoft.com/office/drawing/2014/main" id="{75A20D0D-AAE7-B14B-954A-5F0E5C659A39}"/>
+              </a:ext>
+            </a:extLst>
+          </p:cNvPr>
+          <p:cNvPicPr>
+            <a:picLocks noChangeAspect="1"/>
+          </p:cNvPicPr>
+          <p:nvPr/>
+        </p:nvPicPr>
+        <p:blipFill>
+          <a:blip r:embed="rId4" cstate="email">
+            <a:extLst>
+              <a:ext uri="{28A0092B-C50C-407E-A947-70E740481C1C}">
+                <a14:useLocalDpi xmlns:a14="http://schemas.microsoft.com/office/drawing/2010/main"/>
+              </a:ext>
+            </a:extLst>
+          </a:blip>
+          <a:stretch>
+            <a:fillRect/>
+          </a:stretch>
+        </p:blipFill>
+        <p:spPr>
+          <a:xfrm>
+            <a:off x="7206098" y="3103416"/>
+            <a:ext cx="4641850" cy="858013"/>
+          </a:xfrm>
+          <a:prstGeom prst="rect">
+            <a:avLst/>
+          </a:prstGeom>
+        </p:spPr>
+      </p:pic>
+      <p:pic>
+        <p:nvPicPr>
+          <p:cNvPr id="5" name="Picture 4">
+            <a:extLst>
+              <a:ext uri="{FF2B5EF4-FFF2-40B4-BE49-F238E27FC236}">
+                <a16:creationId xmlns:a16="http://schemas.microsoft.com/office/drawing/2014/main" id="{392D9985-47D1-0A4C-8AE2-0961432871AD}"/>
+              </a:ext>
+            </a:extLst>
+          </p:cNvPr>
+          <p:cNvPicPr>
+            <a:picLocks noChangeAspect="1"/>
+          </p:cNvPicPr>
+          <p:nvPr/>
+        </p:nvPicPr>
+        <p:blipFill>
+          <a:blip r:embed="rId5" cstate="email">
+            <a:extLst>
+              <a:ext uri="{28A0092B-C50C-407E-A947-70E740481C1C}">
+                <a14:useLocalDpi xmlns:a14="http://schemas.microsoft.com/office/drawing/2010/main"/>
+              </a:ext>
+            </a:extLst>
+          </a:blip>
+          <a:stretch>
+            <a:fillRect/>
+          </a:stretch>
+        </p:blipFill>
+        <p:spPr>
+          <a:xfrm>
+            <a:off x="6665772" y="86693"/>
+            <a:ext cx="5435600" cy="1917700"/>
+          </a:xfrm>
+          <a:prstGeom prst="rect">
+            <a:avLst/>
+          </a:prstGeom>
+        </p:spPr>
+      </p:pic>
+      <p:sp>
+        <p:nvSpPr>
+          <p:cNvPr id="6" name="TextBox 5">
+            <a:extLst>
+              <a:ext uri="{FF2B5EF4-FFF2-40B4-BE49-F238E27FC236}">
+                <a16:creationId xmlns:a16="http://schemas.microsoft.com/office/drawing/2014/main" id="{2110A4AB-36A3-114B-915D-D4406B0D83C7}"/>
+              </a:ext>
+            </a:extLst>
+          </p:cNvPr>
+          <p:cNvSpPr txBox="1"/>
+          <p:nvPr/>
+        </p:nvSpPr>
+        <p:spPr>
+          <a:xfrm>
+            <a:off x="90628" y="71685"/>
+            <a:ext cx="3782872" cy="800219"/>
+          </a:xfrm>
+          <a:prstGeom prst="rect">
+            <a:avLst/>
+          </a:prstGeom>
+          <a:noFill/>
+        </p:spPr>
+        <p:txBody>
+          <a:bodyPr wrap="square" rtlCol="0">
+            <a:spAutoFit/>
+          </a:bodyPr>
+          <a:lstStyle/>
+          <a:p>
+            <a:r>
+              <a:rPr lang="en-US" sz="2800" b="1"/>
+              <a:t>WebApps</a:t>
+            </a:r>
+          </a:p>
+          <a:p>
+            <a:r>
+              <a:rPr lang="en-US" b="1"/>
+              <a:t>Serving pages and APIs using Python</a:t>
+            </a:r>
+          </a:p>
+        </p:txBody>
+      </p:sp>
+    </p:spTree>
+    <p:extLst>
+      <p:ext uri="{BB962C8B-B14F-4D97-AF65-F5344CB8AC3E}">
+        <p14:creationId xmlns:p14="http://schemas.microsoft.com/office/powerpoint/2010/main" val="551023716"/>
+      </p:ext>
+    </p:extLst>
+  </p:cSld>
+  <p:clrMapOvr>
+    <a:masterClrMapping/>
+  </p:clrMapOvr>
+</p:sld>
+</file>
+
+<file path=ppt/slides/slide15.xml><?xml version="1.0" encoding="utf-8"?>
+<p:sld xmlns:a="http://schemas.openxmlformats.org/drawingml/2006/main" xmlns:r="http://schemas.openxmlformats.org/officeDocument/2006/relationships" xmlns:p="http://schemas.openxmlformats.org/presentationml/2006/main">
+  <p:cSld>
+    <p:spTree>
+      <p:nvGrpSpPr>
+        <p:cNvPr id="1" name=""/>
+        <p:cNvGrpSpPr/>
+        <p:nvPr/>
+      </p:nvGrpSpPr>
+      <p:grpSpPr>
+        <a:xfrm>
+          <a:off x="0" y="0"/>
+          <a:ext cx="0" cy="0"/>
+          <a:chOff x="0" y="0"/>
+          <a:chExt cx="0" cy="0"/>
+        </a:xfrm>
+      </p:grpSpPr>
+      <p:sp>
+        <p:nvSpPr>
+          <p:cNvPr id="3" name="TextBox 2">
+            <a:extLst>
+              <a:ext uri="{FF2B5EF4-FFF2-40B4-BE49-F238E27FC236}">
+                <a16:creationId xmlns:a16="http://schemas.microsoft.com/office/drawing/2014/main" id="{7A40607A-C94C-FB44-99D3-B1BF2D6DF3E1}"/>
+              </a:ext>
+            </a:extLst>
+          </p:cNvPr>
+          <p:cNvSpPr txBox="1"/>
+          <p:nvPr/>
+        </p:nvSpPr>
+        <p:spPr>
+          <a:xfrm>
+            <a:off x="1" y="0"/>
+            <a:ext cx="1669774" cy="523220"/>
+          </a:xfrm>
+          <a:prstGeom prst="rect">
+            <a:avLst/>
+          </a:prstGeom>
+          <a:noFill/>
+        </p:spPr>
+        <p:txBody>
+          <a:bodyPr wrap="square" rtlCol="0">
+            <a:spAutoFit/>
+          </a:bodyPr>
+          <a:lstStyle/>
+          <a:p>
+            <a:r>
+              <a:rPr lang="en-US" sz="2800" b="1"/>
+              <a:t>FastAPI </a:t>
+            </a:r>
+          </a:p>
+        </p:txBody>
+      </p:sp>
+      <p:pic>
+        <p:nvPicPr>
+          <p:cNvPr id="5" name="Picture 4">
+            <a:extLst>
+              <a:ext uri="{FF2B5EF4-FFF2-40B4-BE49-F238E27FC236}">
+                <a16:creationId xmlns:a16="http://schemas.microsoft.com/office/drawing/2014/main" id="{B9D0262B-424E-EB42-8017-B657B58F9B0B}"/>
+              </a:ext>
+            </a:extLst>
+          </p:cNvPr>
+          <p:cNvPicPr>
+            <a:picLocks noChangeAspect="1"/>
+          </p:cNvPicPr>
+          <p:nvPr/>
+        </p:nvPicPr>
+        <p:blipFill>
+          <a:blip r:embed="rId2" cstate="email">
+            <a:extLst>
+              <a:ext uri="{28A0092B-C50C-407E-A947-70E740481C1C}">
+                <a14:useLocalDpi xmlns:a14="http://schemas.microsoft.com/office/drawing/2010/main"/>
+              </a:ext>
+            </a:extLst>
+          </a:blip>
+          <a:stretch>
+            <a:fillRect/>
+          </a:stretch>
+        </p:blipFill>
+        <p:spPr>
+          <a:xfrm>
+            <a:off x="8743949" y="42308"/>
+            <a:ext cx="3342063" cy="654048"/>
+          </a:xfrm>
+          <a:prstGeom prst="rect">
+            <a:avLst/>
+          </a:prstGeom>
+        </p:spPr>
+      </p:pic>
+      <p:sp>
+        <p:nvSpPr>
+          <p:cNvPr id="6" name="TextBox 5">
+            <a:extLst>
+              <a:ext uri="{FF2B5EF4-FFF2-40B4-BE49-F238E27FC236}">
+                <a16:creationId xmlns:a16="http://schemas.microsoft.com/office/drawing/2014/main" id="{613EDDE3-E1BF-0A4C-A435-032C1657D51E}"/>
+              </a:ext>
+            </a:extLst>
+          </p:cNvPr>
+          <p:cNvSpPr txBox="1"/>
+          <p:nvPr/>
+        </p:nvSpPr>
+        <p:spPr>
+          <a:xfrm>
+            <a:off x="108504" y="1324762"/>
+            <a:ext cx="5987496" cy="5047536"/>
+          </a:xfrm>
+          <a:prstGeom prst="rect">
+            <a:avLst/>
+          </a:prstGeom>
+          <a:noFill/>
+        </p:spPr>
+        <p:txBody>
+          <a:bodyPr wrap="square" rtlCol="0">
+            <a:spAutoFit/>
+          </a:bodyPr>
+          <a:lstStyle/>
+          <a:p>
+            <a:pPr marL="285750" indent="-285750">
+              <a:buFont typeface="Arial" panose="020B0604020202020204" pitchFamily="34" charset="0"/>
+              <a:buChar char="•"/>
+            </a:pPr>
+            <a:r>
+              <a:rPr lang="en-US" sz="1400"/>
+              <a:t>Modern (since 2018)</a:t>
+            </a:r>
+          </a:p>
+          <a:p>
+            <a:pPr marL="285750" indent="-285750">
+              <a:buFont typeface="Arial" panose="020B0604020202020204" pitchFamily="34" charset="0"/>
+              <a:buChar char="•"/>
+            </a:pPr>
+            <a:r>
+              <a:rPr lang="en-US" sz="1400"/>
+              <a:t>Fast: Very high performance, on par with NodeJS and Go</a:t>
+            </a:r>
+          </a:p>
+          <a:p>
+            <a:pPr marL="285750" indent="-285750">
+              <a:buFont typeface="Arial" panose="020B0604020202020204" pitchFamily="34" charset="0"/>
+              <a:buChar char="•"/>
+            </a:pPr>
+            <a:r>
+              <a:rPr lang="en-US" sz="1400"/>
+              <a:t>Uses </a:t>
+            </a:r>
+            <a:r>
+              <a:rPr lang="en-US" sz="1400" b="1">
+                <a:solidFill>
+                  <a:srgbClr val="00B050"/>
+                </a:solidFill>
+              </a:rPr>
+              <a:t>Pydantic</a:t>
+            </a:r>
+            <a:r>
+              <a:rPr lang="en-US" sz="1400"/>
+              <a:t> for type hints checks - </a:t>
+            </a:r>
+            <a:r>
+              <a:rPr lang="en-US" sz="1400">
+                <a:hlinkClick r:id="rId3"/>
+              </a:rPr>
+              <a:t>https://pydantic-docs.helpmanual.io</a:t>
+            </a:r>
+            <a:endParaRPr lang="en-US" sz="1400"/>
+          </a:p>
+          <a:p>
+            <a:pPr marL="285750" indent="-285750">
+              <a:buFont typeface="Arial" panose="020B0604020202020204" pitchFamily="34" charset="0"/>
+              <a:buChar char="•"/>
+            </a:pPr>
+            <a:r>
+              <a:rPr lang="en-US" sz="1400"/>
+              <a:t>Uses </a:t>
+            </a:r>
+            <a:r>
+              <a:rPr lang="en-US" sz="1400" b="1">
+                <a:solidFill>
+                  <a:srgbClr val="00B050"/>
+                </a:solidFill>
+              </a:rPr>
+              <a:t>Starlette</a:t>
+            </a:r>
+            <a:r>
+              <a:rPr lang="en-US" sz="1400"/>
+              <a:t>, but provides more features - </a:t>
+            </a:r>
+            <a:r>
+              <a:rPr lang="en-US" sz="1400">
+                <a:hlinkClick r:id="rId4"/>
+              </a:rPr>
+              <a:t>https://www.starlette.io</a:t>
+            </a:r>
+            <a:endParaRPr lang="en-US" sz="1400"/>
+          </a:p>
+          <a:p>
+            <a:pPr marL="285750" indent="-285750">
+              <a:buFont typeface="Arial" panose="020B0604020202020204" pitchFamily="34" charset="0"/>
+              <a:buChar char="•"/>
+            </a:pPr>
+            <a:r>
+              <a:rPr lang="en-US" sz="1400"/>
+              <a:t>Fast to code</a:t>
+            </a:r>
+          </a:p>
+          <a:p>
+            <a:pPr marL="285750" indent="-285750">
+              <a:buFont typeface="Arial" panose="020B0604020202020204" pitchFamily="34" charset="0"/>
+              <a:buChar char="•"/>
+            </a:pPr>
+            <a:r>
+              <a:rPr lang="en-US" sz="1400"/>
+              <a:t>Fewer bugs, reduce developer errors</a:t>
+            </a:r>
+          </a:p>
+          <a:p>
+            <a:pPr marL="285750" indent="-285750">
+              <a:buFont typeface="Arial" panose="020B0604020202020204" pitchFamily="34" charset="0"/>
+              <a:buChar char="•"/>
+            </a:pPr>
+            <a:r>
+              <a:rPr lang="en-US" sz="1400"/>
+              <a:t>Intuitive: Great editor support, auti-completion, fast debugging</a:t>
+            </a:r>
+          </a:p>
+          <a:p>
+            <a:pPr marL="285750" indent="-285750">
+              <a:buFont typeface="Arial" panose="020B0604020202020204" pitchFamily="34" charset="0"/>
+              <a:buChar char="•"/>
+            </a:pPr>
+            <a:r>
+              <a:rPr lang="en-US" sz="1400"/>
+              <a:t>Easy to use and learn</a:t>
+            </a:r>
+          </a:p>
+          <a:p>
+            <a:pPr marL="285750" indent="-285750">
+              <a:buFont typeface="Arial" panose="020B0604020202020204" pitchFamily="34" charset="0"/>
+              <a:buChar char="•"/>
+            </a:pPr>
+            <a:r>
+              <a:rPr lang="en-US" sz="1400"/>
+              <a:t>Short: Minimize code duplication. Multiple features from each parameter declaration. Fewer bugs.</a:t>
+            </a:r>
+          </a:p>
+          <a:p>
+            <a:pPr marL="285750" indent="-285750">
+              <a:buFont typeface="Arial" panose="020B0604020202020204" pitchFamily="34" charset="0"/>
+              <a:buChar char="•"/>
+            </a:pPr>
+            <a:r>
+              <a:rPr lang="en-US" sz="1400"/>
+              <a:t>Robust: Get production-ready code. With automatic interactive documentation.</a:t>
+            </a:r>
+          </a:p>
+          <a:p>
+            <a:pPr marL="285750" indent="-285750">
+              <a:buFont typeface="Arial" panose="020B0604020202020204" pitchFamily="34" charset="0"/>
+              <a:buChar char="•"/>
+            </a:pPr>
+            <a:r>
+              <a:rPr lang="en-US" sz="1400"/>
+              <a:t>Standards-based: Based on </a:t>
+            </a:r>
+            <a:r>
+              <a:rPr lang="en-US" sz="1400" b="1">
+                <a:solidFill>
+                  <a:srgbClr val="00B050"/>
+                </a:solidFill>
+              </a:rPr>
+              <a:t>OpenAPI</a:t>
+            </a:r>
+            <a:r>
+              <a:rPr lang="en-US" sz="1400"/>
+              <a:t> (previously known as Swagger) and JSON Schema.</a:t>
+            </a:r>
+          </a:p>
+          <a:p>
+            <a:pPr marL="285750" indent="-285750">
+              <a:buFont typeface="Arial" panose="020B0604020202020204" pitchFamily="34" charset="0"/>
+              <a:buChar char="•"/>
+            </a:pPr>
+            <a:r>
+              <a:rPr lang="en-US" sz="1400"/>
+              <a:t>Uses </a:t>
+            </a:r>
+            <a:r>
+              <a:rPr lang="en-US" sz="1400" b="1">
+                <a:solidFill>
+                  <a:srgbClr val="00B050"/>
+                </a:solidFill>
+              </a:rPr>
+              <a:t>Uvicorn</a:t>
+            </a:r>
+            <a:r>
+              <a:rPr lang="en-US" sz="1400"/>
+              <a:t> - The lightning-fast ASGI server.</a:t>
+            </a:r>
+            <a:br>
+              <a:rPr lang="en-US" sz="1400"/>
+            </a:br>
+            <a:r>
+              <a:rPr lang="en-US" sz="1400"/>
+              <a:t> - </a:t>
+            </a:r>
+            <a:r>
+              <a:rPr lang="en-US" sz="1400">
+                <a:hlinkClick r:id="rId5"/>
+              </a:rPr>
+              <a:t>https://www.uvicorn.org</a:t>
+            </a:r>
+            <a:endParaRPr lang="en-US" sz="1400"/>
+          </a:p>
+          <a:p>
+            <a:pPr marL="285750" indent="-285750">
+              <a:buFont typeface="Arial" panose="020B0604020202020204" pitchFamily="34" charset="0"/>
+              <a:buChar char="•"/>
+            </a:pPr>
+            <a:r>
+              <a:rPr lang="en-US" sz="1400"/>
+              <a:t>Implements </a:t>
+            </a:r>
+            <a:r>
+              <a:rPr lang="en-US" sz="1400" b="1">
+                <a:solidFill>
+                  <a:srgbClr val="00B050"/>
+                </a:solidFill>
+              </a:rPr>
+              <a:t>ASGI</a:t>
+            </a:r>
+            <a:r>
+              <a:rPr lang="en-US" sz="1400"/>
+              <a:t> (Asynchronous Server Gateway Interface)</a:t>
+            </a:r>
+            <a:br>
+              <a:rPr lang="en-US" sz="1400"/>
+            </a:br>
+            <a:r>
+              <a:rPr lang="en-US" sz="1400"/>
+              <a:t> - </a:t>
+            </a:r>
+            <a:r>
+              <a:rPr lang="en-US" sz="1400">
+                <a:hlinkClick r:id="rId6"/>
+              </a:rPr>
+              <a:t>https://asgi.readthedocs.io</a:t>
+            </a:r>
+            <a:endParaRPr lang="en-US" sz="1400"/>
+          </a:p>
+          <a:p>
+            <a:pPr marL="285750" indent="-285750">
+              <a:buFont typeface="Arial" panose="020B0604020202020204" pitchFamily="34" charset="0"/>
+              <a:buChar char="•"/>
+            </a:pPr>
+            <a:r>
+              <a:rPr lang="en-US" sz="1400"/>
+              <a:t>Uses </a:t>
+            </a:r>
+            <a:r>
+              <a:rPr lang="en-US" sz="1400" b="1">
+                <a:solidFill>
+                  <a:srgbClr val="00B050"/>
+                </a:solidFill>
+              </a:rPr>
+              <a:t>uvloops</a:t>
+            </a:r>
+            <a:r>
+              <a:rPr lang="en-US" sz="1400"/>
+              <a:t> - fast, drop-in replacement of the built-in asyncio event loop. </a:t>
+            </a:r>
+            <a:br>
+              <a:rPr lang="en-US" sz="1400"/>
+            </a:br>
+            <a:r>
+              <a:rPr lang="en-US" sz="1400" b="1">
+                <a:solidFill>
+                  <a:srgbClr val="00B050"/>
+                </a:solidFill>
+              </a:rPr>
+              <a:t>uvloop</a:t>
+            </a:r>
+            <a:r>
+              <a:rPr lang="en-US" sz="1400"/>
+              <a:t> is implemented in Cython and uses libuv under the hood.</a:t>
+            </a:r>
+            <a:br>
+              <a:rPr lang="en-US" sz="1400"/>
+            </a:br>
+            <a:r>
+              <a:rPr lang="en-US" sz="1400"/>
+              <a:t> - </a:t>
+            </a:r>
+            <a:r>
+              <a:rPr lang="en-US" sz="1400">
+                <a:hlinkClick r:id="rId7"/>
+              </a:rPr>
+              <a:t>https://github.com/MagicStack/uvloop</a:t>
+            </a:r>
+            <a:endParaRPr lang="en-US" sz="1400"/>
+          </a:p>
+          <a:p>
+            <a:pPr marL="285750" indent="-285750">
+              <a:buFont typeface="Arial" panose="020B0604020202020204" pitchFamily="34" charset="0"/>
+              <a:buChar char="•"/>
+            </a:pPr>
+            <a:r>
+              <a:rPr lang="en-US" sz="1400"/>
+              <a:t>Uses </a:t>
+            </a:r>
+            <a:r>
+              <a:rPr lang="en-US" sz="1400" b="1">
+                <a:solidFill>
+                  <a:srgbClr val="00B050"/>
+                </a:solidFill>
+              </a:rPr>
+              <a:t>httptools</a:t>
+            </a:r>
+            <a:r>
+              <a:rPr lang="en-US" sz="1400"/>
+              <a:t> - a Python binding for the nodejs HTTP parser.</a:t>
+            </a:r>
+            <a:br>
+              <a:rPr lang="en-US" sz="1400"/>
+            </a:br>
+            <a:r>
+              <a:rPr lang="en-US" sz="1400"/>
+              <a:t> - </a:t>
+            </a:r>
+            <a:r>
+              <a:rPr lang="en-US" sz="1400">
+                <a:hlinkClick r:id="rId8"/>
+              </a:rPr>
+              <a:t>https://github.com/MagicStack/httptools</a:t>
+            </a:r>
+            <a:endParaRPr lang="en-US" sz="1400"/>
+          </a:p>
+        </p:txBody>
+      </p:sp>
+      <p:sp>
+        <p:nvSpPr>
+          <p:cNvPr id="8" name="TextBox 7">
+            <a:extLst>
+              <a:ext uri="{FF2B5EF4-FFF2-40B4-BE49-F238E27FC236}">
+                <a16:creationId xmlns:a16="http://schemas.microsoft.com/office/drawing/2014/main" id="{4FBA3E77-630E-2D41-A54A-79B17C8AE873}"/>
+              </a:ext>
+            </a:extLst>
+          </p:cNvPr>
+          <p:cNvSpPr txBox="1"/>
+          <p:nvPr/>
+        </p:nvSpPr>
+        <p:spPr>
+          <a:xfrm>
+            <a:off x="1" y="435592"/>
+            <a:ext cx="5499652" cy="738664"/>
+          </a:xfrm>
+          <a:prstGeom prst="rect">
+            <a:avLst/>
+          </a:prstGeom>
+          <a:noFill/>
+        </p:spPr>
+        <p:txBody>
+          <a:bodyPr wrap="square" rtlCol="0">
+            <a:spAutoFit/>
+          </a:bodyPr>
+          <a:lstStyle/>
+          <a:p>
+            <a:r>
+              <a:rPr lang="en-US" b="1"/>
+              <a:t>fast web framework for building APIs with Python 3.6+ </a:t>
+            </a:r>
+            <a:endParaRPr lang="en-US" sz="1200" b="1"/>
+          </a:p>
+          <a:p>
+            <a:r>
+              <a:rPr lang="en-US" sz="1200" b="1"/>
+              <a:t>Documentation</a:t>
+            </a:r>
+            <a:r>
+              <a:rPr lang="en-US" sz="1200"/>
+              <a:t>: </a:t>
+            </a:r>
+            <a:r>
+              <a:rPr lang="en-US" sz="1200">
+                <a:hlinkClick r:id="rId9"/>
+              </a:rPr>
+              <a:t>https://fastapi.tiangolo.com</a:t>
+            </a:r>
+            <a:endParaRPr lang="en-US" sz="1200"/>
+          </a:p>
+          <a:p>
+            <a:r>
+              <a:rPr lang="en-US" sz="1200" b="1"/>
+              <a:t>Source Code</a:t>
+            </a:r>
+            <a:r>
+              <a:rPr lang="en-US" sz="1200"/>
+              <a:t>: </a:t>
+            </a:r>
+            <a:r>
+              <a:rPr lang="en-US" sz="1200">
+                <a:hlinkClick r:id="rId10"/>
+              </a:rPr>
+              <a:t>https://github.com/tiangolo/fastapi</a:t>
+            </a:r>
+            <a:endParaRPr lang="en-US" sz="1200"/>
+          </a:p>
+        </p:txBody>
+      </p:sp>
+      <p:sp>
+        <p:nvSpPr>
+          <p:cNvPr id="9" name="TextBox 8">
+            <a:extLst>
+              <a:ext uri="{FF2B5EF4-FFF2-40B4-BE49-F238E27FC236}">
+                <a16:creationId xmlns:a16="http://schemas.microsoft.com/office/drawing/2014/main" id="{F888224A-4820-5E44-ACAD-3C9D8216FF20}"/>
+              </a:ext>
+            </a:extLst>
+          </p:cNvPr>
+          <p:cNvSpPr txBox="1"/>
+          <p:nvPr/>
+        </p:nvSpPr>
+        <p:spPr>
+          <a:xfrm>
+            <a:off x="6842475" y="914949"/>
+            <a:ext cx="4938793" cy="3600986"/>
+          </a:xfrm>
+          <a:prstGeom prst="rect">
+            <a:avLst/>
+          </a:prstGeom>
+          <a:solidFill>
+            <a:schemeClr val="accent4">
+              <a:lumMod val="20000"/>
+              <a:lumOff val="80000"/>
+            </a:schemeClr>
+          </a:solidFill>
+        </p:spPr>
+        <p:txBody>
+          <a:bodyPr wrap="square" rtlCol="0">
+            <a:spAutoFit/>
+          </a:bodyPr>
+          <a:lstStyle/>
+          <a:p>
+            <a:r>
+              <a:rPr lang="en-US" b="1">
+                <a:solidFill>
+                  <a:srgbClr val="00B050"/>
+                </a:solidFill>
+              </a:rPr>
+              <a:t>Comparing with Flask</a:t>
+            </a:r>
+          </a:p>
+          <a:p>
+            <a:r>
+              <a:rPr lang="en-US" sz="1400">
+                <a:hlinkClick r:id="rId11"/>
+              </a:rPr>
+              <a:t>https://towardsdatascience.com/understanding-flask-vs-fastapi-web-framework-fe12bb58ee75</a:t>
+            </a:r>
+            <a:endParaRPr lang="en-US" sz="1400"/>
+          </a:p>
+          <a:p>
+            <a:endParaRPr lang="en-US" sz="1400"/>
+          </a:p>
+          <a:p>
+            <a:r>
+              <a:rPr lang="en-US" sz="1400" b="1">
+                <a:solidFill>
+                  <a:srgbClr val="00B050"/>
+                </a:solidFill>
+              </a:rPr>
+              <a:t>Flask</a:t>
+            </a:r>
+            <a:r>
+              <a:rPr lang="en-US" sz="1400"/>
+              <a:t> (since 2010) is a micro web framework written in python. </a:t>
+            </a:r>
+          </a:p>
+          <a:p>
+            <a:pPr marL="285750" indent="-285750">
+              <a:buFont typeface="Arial" panose="020B0604020202020204" pitchFamily="34" charset="0"/>
+              <a:buChar char="•"/>
+            </a:pPr>
+            <a:r>
+              <a:rPr lang="en-US" sz="1400"/>
+              <a:t>minimal amount of coding required</a:t>
+            </a:r>
+          </a:p>
+          <a:p>
+            <a:pPr marL="285750" indent="-285750">
+              <a:buFont typeface="Arial" panose="020B0604020202020204" pitchFamily="34" charset="0"/>
+              <a:buChar char="•"/>
+            </a:pPr>
+            <a:r>
+              <a:rPr lang="en-US" sz="1400"/>
+              <a:t>easy to setup, flexible, fast to deploy</a:t>
+            </a:r>
+          </a:p>
+          <a:p>
+            <a:pPr marL="285750" indent="-285750">
+              <a:buFont typeface="Arial" panose="020B0604020202020204" pitchFamily="34" charset="0"/>
+              <a:buChar char="•"/>
+            </a:pPr>
+            <a:r>
+              <a:rPr lang="en-US" sz="1400"/>
+              <a:t>built on WSGI (Python Web Server Gateway Interface) </a:t>
+            </a:r>
+            <a:br>
+              <a:rPr lang="en-US" sz="1400"/>
+            </a:br>
+            <a:r>
+              <a:rPr lang="en-US" sz="1400"/>
+              <a:t>whereby the server will tie up a worker for each request.</a:t>
+            </a:r>
+          </a:p>
+          <a:p>
+            <a:endParaRPr lang="en-US" sz="1400"/>
+          </a:p>
+          <a:p>
+            <a:r>
+              <a:rPr lang="en-US" sz="1400" b="1">
+                <a:solidFill>
+                  <a:srgbClr val="00B050"/>
+                </a:solidFill>
+              </a:rPr>
+              <a:t>FastAPI</a:t>
+            </a:r>
+            <a:r>
+              <a:rPr lang="en-US" sz="1400"/>
+              <a:t> (since 2018) – similar to Flask, but:</a:t>
+            </a:r>
+          </a:p>
+          <a:p>
+            <a:pPr marL="285750" indent="-285750">
+              <a:buFont typeface="Arial" panose="020B0604020202020204" pitchFamily="34" charset="0"/>
+              <a:buChar char="•"/>
+            </a:pPr>
+            <a:r>
+              <a:rPr lang="en-US" sz="1400"/>
+              <a:t>is faster than Flask because it is built on ASGI (Asynchronous Server Gateway Interface), whereby it supports concurrency / asynchronous code.</a:t>
+            </a:r>
+          </a:p>
+          <a:p>
+            <a:pPr marL="285750" indent="-285750">
+              <a:buFont typeface="Arial" panose="020B0604020202020204" pitchFamily="34" charset="0"/>
+              <a:buChar char="•"/>
+            </a:pPr>
+            <a:r>
+              <a:rPr lang="en-US" sz="1400"/>
+              <a:t>generates documentation</a:t>
+            </a:r>
+          </a:p>
+          <a:p>
+            <a:pPr marL="285750" indent="-285750">
+              <a:buFont typeface="Arial" panose="020B0604020202020204" pitchFamily="34" charset="0"/>
+              <a:buChar char="•"/>
+            </a:pPr>
+            <a:r>
+              <a:rPr lang="en-US" sz="1400"/>
+              <a:t>creates interactive GUI (Swagger UI) for testing</a:t>
+            </a:r>
+          </a:p>
+        </p:txBody>
+      </p:sp>
+      <p:sp>
+        <p:nvSpPr>
+          <p:cNvPr id="10" name="TextBox 9">
+            <a:extLst>
+              <a:ext uri="{FF2B5EF4-FFF2-40B4-BE49-F238E27FC236}">
+                <a16:creationId xmlns:a16="http://schemas.microsoft.com/office/drawing/2014/main" id="{6CA9B170-E53C-824A-AA52-9C48C8B6858A}"/>
+              </a:ext>
+            </a:extLst>
+          </p:cNvPr>
+          <p:cNvSpPr txBox="1"/>
+          <p:nvPr/>
+        </p:nvSpPr>
+        <p:spPr>
+          <a:xfrm>
+            <a:off x="6717256" y="6218409"/>
+            <a:ext cx="5189229" cy="307777"/>
+          </a:xfrm>
+          <a:prstGeom prst="rect">
+            <a:avLst/>
+          </a:prstGeom>
+          <a:noFill/>
+        </p:spPr>
+        <p:txBody>
+          <a:bodyPr wrap="square" rtlCol="0">
+            <a:spAutoFit/>
+          </a:bodyPr>
+          <a:lstStyle/>
+          <a:p>
+            <a:r>
+              <a:rPr lang="en-US" sz="1400"/>
+              <a:t>Azure, AWS, and Google cloud – all offers Load Balancing solutions.</a:t>
+            </a:r>
+          </a:p>
+        </p:txBody>
+      </p:sp>
+    </p:spTree>
+    <p:extLst>
+      <p:ext uri="{BB962C8B-B14F-4D97-AF65-F5344CB8AC3E}">
+        <p14:creationId xmlns:p14="http://schemas.microsoft.com/office/powerpoint/2010/main" val="2316672566"/>
       </p:ext>
     </p:extLst>
   </p:cSld>

--- a/DA_13_miscellaneous.pptx
+++ b/DA_13_miscellaneous.pptx
@@ -5,7 +5,7 @@
     <p:sldMasterId id="2147483648" r:id="rId1"/>
   </p:sldMasterIdLst>
   <p:notesMasterIdLst>
-    <p:notesMasterId r:id="rId17"/>
+    <p:notesMasterId r:id="rId18"/>
   </p:notesMasterIdLst>
   <p:sldIdLst>
     <p:sldId id="260" r:id="rId2"/>
@@ -21,8 +21,9 @@
     <p:sldId id="266" r:id="rId12"/>
     <p:sldId id="267" r:id="rId13"/>
     <p:sldId id="268" r:id="rId14"/>
-    <p:sldId id="270" r:id="rId15"/>
-    <p:sldId id="269" r:id="rId16"/>
+    <p:sldId id="271" r:id="rId15"/>
+    <p:sldId id="270" r:id="rId16"/>
+    <p:sldId id="269" r:id="rId17"/>
   </p:sldIdLst>
   <p:sldSz cx="12192000" cy="6858000"/>
   <p:notesSz cx="6858000" cy="9144000"/>
@@ -211,7 +212,7 @@
           <a:p>
             <a:fld id="{C2E15B94-D9E4-E149-8081-23A720D1EE5F}" type="datetimeFigureOut">
               <a:rPr lang="en-US" smtClean="0"/>
-              <a:t>12/9/21</a:t>
+              <a:t>12/10/21</a:t>
             </a:fld>
             <a:endParaRPr lang="en-US"/>
           </a:p>
@@ -625,7 +626,7 @@
           <a:p>
             <a:fld id="{FBD852D7-E694-214E-8A12-510E0A0329D2}" type="datetimeFigureOut">
               <a:rPr lang="en-US" smtClean="0"/>
-              <a:t>12/9/21</a:t>
+              <a:t>12/10/21</a:t>
             </a:fld>
             <a:endParaRPr lang="en-US"/>
           </a:p>
@@ -823,7 +824,7 @@
           <a:p>
             <a:fld id="{FBD852D7-E694-214E-8A12-510E0A0329D2}" type="datetimeFigureOut">
               <a:rPr lang="en-US" smtClean="0"/>
-              <a:t>12/9/21</a:t>
+              <a:t>12/10/21</a:t>
             </a:fld>
             <a:endParaRPr lang="en-US"/>
           </a:p>
@@ -1031,7 +1032,7 @@
           <a:p>
             <a:fld id="{FBD852D7-E694-214E-8A12-510E0A0329D2}" type="datetimeFigureOut">
               <a:rPr lang="en-US" smtClean="0"/>
-              <a:t>12/9/21</a:t>
+              <a:t>12/10/21</a:t>
             </a:fld>
             <a:endParaRPr lang="en-US"/>
           </a:p>
@@ -1229,7 +1230,7 @@
           <a:p>
             <a:fld id="{FBD852D7-E694-214E-8A12-510E0A0329D2}" type="datetimeFigureOut">
               <a:rPr lang="en-US" smtClean="0"/>
-              <a:t>12/9/21</a:t>
+              <a:t>12/10/21</a:t>
             </a:fld>
             <a:endParaRPr lang="en-US"/>
           </a:p>
@@ -1504,7 +1505,7 @@
           <a:p>
             <a:fld id="{FBD852D7-E694-214E-8A12-510E0A0329D2}" type="datetimeFigureOut">
               <a:rPr lang="en-US" smtClean="0"/>
-              <a:t>12/9/21</a:t>
+              <a:t>12/10/21</a:t>
             </a:fld>
             <a:endParaRPr lang="en-US"/>
           </a:p>
@@ -1769,7 +1770,7 @@
           <a:p>
             <a:fld id="{FBD852D7-E694-214E-8A12-510E0A0329D2}" type="datetimeFigureOut">
               <a:rPr lang="en-US" smtClean="0"/>
-              <a:t>12/9/21</a:t>
+              <a:t>12/10/21</a:t>
             </a:fld>
             <a:endParaRPr lang="en-US"/>
           </a:p>
@@ -2181,7 +2182,7 @@
           <a:p>
             <a:fld id="{FBD852D7-E694-214E-8A12-510E0A0329D2}" type="datetimeFigureOut">
               <a:rPr lang="en-US" smtClean="0"/>
-              <a:t>12/9/21</a:t>
+              <a:t>12/10/21</a:t>
             </a:fld>
             <a:endParaRPr lang="en-US"/>
           </a:p>
@@ -2322,7 +2323,7 @@
           <a:p>
             <a:fld id="{FBD852D7-E694-214E-8A12-510E0A0329D2}" type="datetimeFigureOut">
               <a:rPr lang="en-US" smtClean="0"/>
-              <a:t>12/9/21</a:t>
+              <a:t>12/10/21</a:t>
             </a:fld>
             <a:endParaRPr lang="en-US"/>
           </a:p>
@@ -2435,7 +2436,7 @@
           <a:p>
             <a:fld id="{FBD852D7-E694-214E-8A12-510E0A0329D2}" type="datetimeFigureOut">
               <a:rPr lang="en-US" smtClean="0"/>
-              <a:t>12/9/21</a:t>
+              <a:t>12/10/21</a:t>
             </a:fld>
             <a:endParaRPr lang="en-US"/>
           </a:p>
@@ -2746,7 +2747,7 @@
           <a:p>
             <a:fld id="{FBD852D7-E694-214E-8A12-510E0A0329D2}" type="datetimeFigureOut">
               <a:rPr lang="en-US" smtClean="0"/>
-              <a:t>12/9/21</a:t>
+              <a:t>12/10/21</a:t>
             </a:fld>
             <a:endParaRPr lang="en-US"/>
           </a:p>
@@ -3034,7 +3035,7 @@
           <a:p>
             <a:fld id="{FBD852D7-E694-214E-8A12-510E0A0329D2}" type="datetimeFigureOut">
               <a:rPr lang="en-US" smtClean="0"/>
-              <a:t>12/9/21</a:t>
+              <a:t>12/10/21</a:t>
             </a:fld>
             <a:endParaRPr lang="en-US"/>
           </a:p>
@@ -3275,7 +3276,7 @@
           <a:p>
             <a:fld id="{FBD852D7-E694-214E-8A12-510E0A0329D2}" type="datetimeFigureOut">
               <a:rPr lang="en-US" smtClean="0"/>
-              <a:t>12/9/21</a:t>
+              <a:t>12/10/21</a:t>
             </a:fld>
             <a:endParaRPr lang="en-US"/>
           </a:p>
@@ -6242,12 +6243,47 @@
           <a:chExt cx="0" cy="0"/>
         </a:xfrm>
       </p:grpSpPr>
+      <p:sp>
+        <p:nvSpPr>
+          <p:cNvPr id="2" name="TextBox 1">
+            <a:extLst>
+              <a:ext uri="{FF2B5EF4-FFF2-40B4-BE49-F238E27FC236}">
+                <a16:creationId xmlns:a16="http://schemas.microsoft.com/office/drawing/2014/main" id="{6C0C73A1-B381-5E48-AB2B-89D57B285434}"/>
+              </a:ext>
+            </a:extLst>
+          </p:cNvPr>
+          <p:cNvSpPr txBox="1"/>
+          <p:nvPr/>
+        </p:nvSpPr>
+        <p:spPr>
+          <a:xfrm>
+            <a:off x="0" y="12700"/>
+            <a:ext cx="2400300" cy="523220"/>
+          </a:xfrm>
+          <a:prstGeom prst="rect">
+            <a:avLst/>
+          </a:prstGeom>
+          <a:noFill/>
+        </p:spPr>
+        <p:txBody>
+          <a:bodyPr wrap="square" rtlCol="0">
+            <a:spAutoFit/>
+          </a:bodyPr>
+          <a:lstStyle/>
+          <a:p>
+            <a:r>
+              <a:rPr lang="en-US" sz="2800" b="1"/>
+              <a:t>Web Servers</a:t>
+            </a:r>
+          </a:p>
+        </p:txBody>
+      </p:sp>
       <p:pic>
         <p:nvPicPr>
-          <p:cNvPr id="2" name="Picture 1">
-            <a:extLst>
-              <a:ext uri="{FF2B5EF4-FFF2-40B4-BE49-F238E27FC236}">
-                <a16:creationId xmlns:a16="http://schemas.microsoft.com/office/drawing/2014/main" id="{02AC7F60-956A-8441-AB7A-DD5BAFAA0D97}"/>
+          <p:cNvPr id="3" name="Picture 2">
+            <a:extLst>
+              <a:ext uri="{FF2B5EF4-FFF2-40B4-BE49-F238E27FC236}">
+                <a16:creationId xmlns:a16="http://schemas.microsoft.com/office/drawing/2014/main" id="{A686B5B9-EC77-7A4C-9C78-309AD4E96DE1}"/>
               </a:ext>
             </a:extLst>
           </p:cNvPr>
@@ -6270,20 +6306,55 @@
         </p:blipFill>
         <p:spPr>
           <a:xfrm>
-            <a:off x="153552" y="1475508"/>
-            <a:ext cx="5942448" cy="3429000"/>
+            <a:off x="7531100" y="209550"/>
+            <a:ext cx="4425950" cy="2303398"/>
           </a:xfrm>
           <a:prstGeom prst="rect">
             <a:avLst/>
           </a:prstGeom>
         </p:spPr>
       </p:pic>
+      <p:sp>
+        <p:nvSpPr>
+          <p:cNvPr id="4" name="TextBox 3">
+            <a:extLst>
+              <a:ext uri="{FF2B5EF4-FFF2-40B4-BE49-F238E27FC236}">
+                <a16:creationId xmlns:a16="http://schemas.microsoft.com/office/drawing/2014/main" id="{0D15C3DA-70E1-7244-B835-C309B3432346}"/>
+              </a:ext>
+            </a:extLst>
+          </p:cNvPr>
+          <p:cNvSpPr txBox="1"/>
+          <p:nvPr/>
+        </p:nvSpPr>
+        <p:spPr>
+          <a:xfrm>
+            <a:off x="6565900" y="89644"/>
+            <a:ext cx="965200" cy="369332"/>
+          </a:xfrm>
+          <a:prstGeom prst="rect">
+            <a:avLst/>
+          </a:prstGeom>
+          <a:noFill/>
+        </p:spPr>
+        <p:txBody>
+          <a:bodyPr wrap="square" rtlCol="0">
+            <a:spAutoFit/>
+          </a:bodyPr>
+          <a:lstStyle/>
+          <a:p>
+            <a:r>
+              <a:rPr lang="en-US"/>
+              <a:t>In 2021</a:t>
+            </a:r>
+          </a:p>
+        </p:txBody>
+      </p:sp>
       <p:pic>
         <p:nvPicPr>
-          <p:cNvPr id="3" name="Picture 2">
-            <a:extLst>
-              <a:ext uri="{FF2B5EF4-FFF2-40B4-BE49-F238E27FC236}">
-                <a16:creationId xmlns:a16="http://schemas.microsoft.com/office/drawing/2014/main" id="{683D4412-EAC5-9B4F-B7F0-F9808525B32D}"/>
+          <p:cNvPr id="5" name="Picture 4">
+            <a:extLst>
+              <a:ext uri="{FF2B5EF4-FFF2-40B4-BE49-F238E27FC236}">
+                <a16:creationId xmlns:a16="http://schemas.microsoft.com/office/drawing/2014/main" id="{98F072D0-CE1C-4340-9CF5-BB1CA571CAE8}"/>
               </a:ext>
             </a:extLst>
           </p:cNvPr>
@@ -6306,92 +6377,20 @@
         </p:blipFill>
         <p:spPr>
           <a:xfrm>
-            <a:off x="7498198" y="4830616"/>
-            <a:ext cx="4057650" cy="1475509"/>
+            <a:off x="4977140" y="3394591"/>
+            <a:ext cx="6979910" cy="3219450"/>
           </a:xfrm>
           <a:prstGeom prst="rect">
             <a:avLst/>
           </a:prstGeom>
         </p:spPr>
       </p:pic>
-      <p:pic>
-        <p:nvPicPr>
-          <p:cNvPr id="4" name="Picture 3">
-            <a:extLst>
-              <a:ext uri="{FF2B5EF4-FFF2-40B4-BE49-F238E27FC236}">
-                <a16:creationId xmlns:a16="http://schemas.microsoft.com/office/drawing/2014/main" id="{75A20D0D-AAE7-B14B-954A-5F0E5C659A39}"/>
-              </a:ext>
-            </a:extLst>
-          </p:cNvPr>
-          <p:cNvPicPr>
-            <a:picLocks noChangeAspect="1"/>
-          </p:cNvPicPr>
-          <p:nvPr/>
-        </p:nvPicPr>
-        <p:blipFill>
-          <a:blip r:embed="rId4" cstate="email">
-            <a:extLst>
-              <a:ext uri="{28A0092B-C50C-407E-A947-70E740481C1C}">
-                <a14:useLocalDpi xmlns:a14="http://schemas.microsoft.com/office/drawing/2010/main"/>
-              </a:ext>
-            </a:extLst>
-          </a:blip>
-          <a:stretch>
-            <a:fillRect/>
-          </a:stretch>
-        </p:blipFill>
-        <p:spPr>
-          <a:xfrm>
-            <a:off x="7206098" y="3103416"/>
-            <a:ext cx="4641850" cy="858013"/>
-          </a:xfrm>
-          <a:prstGeom prst="rect">
-            <a:avLst/>
-          </a:prstGeom>
-        </p:spPr>
-      </p:pic>
-      <p:pic>
-        <p:nvPicPr>
-          <p:cNvPr id="5" name="Picture 4">
-            <a:extLst>
-              <a:ext uri="{FF2B5EF4-FFF2-40B4-BE49-F238E27FC236}">
-                <a16:creationId xmlns:a16="http://schemas.microsoft.com/office/drawing/2014/main" id="{392D9985-47D1-0A4C-8AE2-0961432871AD}"/>
-              </a:ext>
-            </a:extLst>
-          </p:cNvPr>
-          <p:cNvPicPr>
-            <a:picLocks noChangeAspect="1"/>
-          </p:cNvPicPr>
-          <p:nvPr/>
-        </p:nvPicPr>
-        <p:blipFill>
-          <a:blip r:embed="rId5" cstate="email">
-            <a:extLst>
-              <a:ext uri="{28A0092B-C50C-407E-A947-70E740481C1C}">
-                <a14:useLocalDpi xmlns:a14="http://schemas.microsoft.com/office/drawing/2010/main"/>
-              </a:ext>
-            </a:extLst>
-          </a:blip>
-          <a:stretch>
-            <a:fillRect/>
-          </a:stretch>
-        </p:blipFill>
-        <p:spPr>
-          <a:xfrm>
-            <a:off x="6665772" y="86693"/>
-            <a:ext cx="5435600" cy="1917700"/>
-          </a:xfrm>
-          <a:prstGeom prst="rect">
-            <a:avLst/>
-          </a:prstGeom>
-        </p:spPr>
-      </p:pic>
       <p:sp>
         <p:nvSpPr>
           <p:cNvPr id="6" name="TextBox 5">
             <a:extLst>
               <a:ext uri="{FF2B5EF4-FFF2-40B4-BE49-F238E27FC236}">
-                <a16:creationId xmlns:a16="http://schemas.microsoft.com/office/drawing/2014/main" id="{2110A4AB-36A3-114B-915D-D4406B0D83C7}"/>
+                <a16:creationId xmlns:a16="http://schemas.microsoft.com/office/drawing/2014/main" id="{6B905113-0E35-C440-B32C-903B3A2B931A}"/>
               </a:ext>
             </a:extLst>
           </p:cNvPr>
@@ -6400,8 +6399,8 @@
         </p:nvSpPr>
         <p:spPr>
           <a:xfrm>
-            <a:off x="90628" y="71685"/>
-            <a:ext cx="3782872" cy="800219"/>
+            <a:off x="88900" y="543302"/>
+            <a:ext cx="5575300" cy="2031325"/>
           </a:xfrm>
           <a:prstGeom prst="rect">
             <a:avLst/>
@@ -6415,22 +6414,176 @@
           <a:lstStyle/>
           <a:p>
             <a:r>
-              <a:rPr lang="en-US" sz="2800" b="1"/>
-              <a:t>WebApps</a:t>
-            </a:r>
-          </a:p>
-          <a:p>
-            <a:r>
-              <a:rPr lang="en-US" b="1"/>
-              <a:t>Serving pages and APIs using Python</a:t>
-            </a:r>
+              <a:rPr lang="en-US"/>
+              <a:t>In 2021 </a:t>
+            </a:r>
+            <a:r>
+              <a:rPr lang="en-US" b="1">
+                <a:solidFill>
+                  <a:srgbClr val="00B050"/>
+                </a:solidFill>
+              </a:rPr>
+              <a:t>Nginx</a:t>
+            </a:r>
+            <a:r>
+              <a:rPr lang="en-US"/>
+              <a:t> has become the most popular web server.</a:t>
+            </a:r>
+          </a:p>
+          <a:p>
+            <a:r>
+              <a:rPr lang="en-US" b="1">
+                <a:solidFill>
+                  <a:srgbClr val="FF0000"/>
+                </a:solidFill>
+              </a:rPr>
+              <a:t>Apache</a:t>
+            </a:r>
+            <a:r>
+              <a:rPr lang="en-US"/>
+              <a:t> moved to the 2</a:t>
+            </a:r>
+            <a:r>
+              <a:rPr lang="en-US" baseline="30000"/>
+              <a:t>nd</a:t>
+            </a:r>
+            <a:r>
+              <a:rPr lang="en-US"/>
+              <a:t> place, and </a:t>
+            </a:r>
+            <a:r>
+              <a:rPr lang="en-US" b="1">
+                <a:solidFill>
+                  <a:srgbClr val="00B0F0"/>
+                </a:solidFill>
+              </a:rPr>
+              <a:t>Microsoft IIS</a:t>
+            </a:r>
+            <a:r>
+              <a:rPr lang="en-US"/>
+              <a:t> has very little popularity.</a:t>
+            </a:r>
+          </a:p>
+          <a:p>
+            <a:endParaRPr lang="en-US"/>
+          </a:p>
+          <a:p>
+            <a:r>
+              <a:rPr lang="en-US" b="1">
+                <a:solidFill>
+                  <a:srgbClr val="00B050"/>
+                </a:solidFill>
+              </a:rPr>
+              <a:t>Nginx</a:t>
+            </a:r>
+            <a:r>
+              <a:rPr lang="en-US"/>
+              <a:t> delivers speed while requiring very little resources.</a:t>
+            </a:r>
+          </a:p>
+          <a:p>
+            <a:r>
+              <a:rPr lang="en-US"/>
+              <a:t>Often developers use Python frameworks to deliver web content or serving APIs. JavaScript (node) is also popular.</a:t>
+            </a:r>
+          </a:p>
+        </p:txBody>
+      </p:sp>
+      <p:sp>
+        <p:nvSpPr>
+          <p:cNvPr id="7" name="TextBox 6">
+            <a:extLst>
+              <a:ext uri="{FF2B5EF4-FFF2-40B4-BE49-F238E27FC236}">
+                <a16:creationId xmlns:a16="http://schemas.microsoft.com/office/drawing/2014/main" id="{8888FD03-1C82-214A-86B0-F42C124080E9}"/>
+              </a:ext>
+            </a:extLst>
+          </p:cNvPr>
+          <p:cNvSpPr txBox="1"/>
+          <p:nvPr/>
+        </p:nvSpPr>
+        <p:spPr>
+          <a:xfrm>
+            <a:off x="234950" y="3206612"/>
+            <a:ext cx="4502150" cy="2862322"/>
+          </a:xfrm>
+          <a:prstGeom prst="rect">
+            <a:avLst/>
+          </a:prstGeom>
+          <a:noFill/>
+        </p:spPr>
+        <p:txBody>
+          <a:bodyPr wrap="square" rtlCol="0">
+            <a:spAutoFit/>
+          </a:bodyPr>
+          <a:lstStyle/>
+          <a:p>
+            <a:r>
+              <a:rPr lang="en-US" b="1">
+                <a:solidFill>
+                  <a:srgbClr val="00B050"/>
+                </a:solidFill>
+              </a:rPr>
+              <a:t>Typical Python Architectures:</a:t>
+            </a:r>
+          </a:p>
+          <a:p>
+            <a:r>
+              <a:rPr lang="en-US"/>
+              <a:t>Nginx – Gunicorn</a:t>
+            </a:r>
+          </a:p>
+          <a:p>
+            <a:r>
+              <a:rPr lang="en-US"/>
+              <a:t>Nginx – Gunicorn – Flask</a:t>
+            </a:r>
+          </a:p>
+          <a:p>
+            <a:r>
+              <a:rPr lang="en-US"/>
+              <a:t>Nginx – Gunicorn – Uvcorn – FastAPI</a:t>
+            </a:r>
+          </a:p>
+          <a:p>
+            <a:r>
+              <a:rPr lang="en-US"/>
+              <a:t>Nginx Units – FastAPI</a:t>
+            </a:r>
+          </a:p>
+          <a:p>
+            <a:r>
+              <a:rPr lang="en-US"/>
+              <a:t>Nginx – Django</a:t>
+            </a:r>
+          </a:p>
+          <a:p>
+            <a:endParaRPr lang="en-US"/>
+          </a:p>
+          <a:p>
+            <a:r>
+              <a:rPr lang="en-US" b="1">
+                <a:solidFill>
+                  <a:srgbClr val="00B050"/>
+                </a:solidFill>
+              </a:rPr>
+              <a:t>Typical node.js (Javascript) Architecture:</a:t>
+            </a:r>
+          </a:p>
+          <a:p>
+            <a:r>
+              <a:rPr lang="en-US"/>
+              <a:t>Nginx – Node</a:t>
+            </a:r>
+          </a:p>
+          <a:p>
+            <a:endParaRPr lang="en-US"/>
           </a:p>
         </p:txBody>
       </p:sp>
     </p:spTree>
     <p:extLst>
       <p:ext uri="{BB962C8B-B14F-4D97-AF65-F5344CB8AC3E}">
-        <p14:creationId xmlns:p14="http://schemas.microsoft.com/office/powerpoint/2010/main" val="551023716"/>
+        <p14:creationId xmlns:p14="http://schemas.microsoft.com/office/powerpoint/2010/main" val="1789203626"/>
       </p:ext>
     </p:extLst>
   </p:cSld>
@@ -6457,6 +6610,447 @@
           <a:chExt cx="0" cy="0"/>
         </a:xfrm>
       </p:grpSpPr>
+      <p:pic>
+        <p:nvPicPr>
+          <p:cNvPr id="2" name="Picture 1">
+            <a:extLst>
+              <a:ext uri="{FF2B5EF4-FFF2-40B4-BE49-F238E27FC236}">
+                <a16:creationId xmlns:a16="http://schemas.microsoft.com/office/drawing/2014/main" id="{02AC7F60-956A-8441-AB7A-DD5BAFAA0D97}"/>
+              </a:ext>
+            </a:extLst>
+          </p:cNvPr>
+          <p:cNvPicPr>
+            <a:picLocks noChangeAspect="1"/>
+          </p:cNvPicPr>
+          <p:nvPr/>
+        </p:nvPicPr>
+        <p:blipFill>
+          <a:blip r:embed="rId2" cstate="email">
+            <a:extLst>
+              <a:ext uri="{28A0092B-C50C-407E-A947-70E740481C1C}">
+                <a14:useLocalDpi xmlns:a14="http://schemas.microsoft.com/office/drawing/2010/main"/>
+              </a:ext>
+            </a:extLst>
+          </a:blip>
+          <a:stretch>
+            <a:fillRect/>
+          </a:stretch>
+        </p:blipFill>
+        <p:spPr>
+          <a:xfrm>
+            <a:off x="153552" y="1045543"/>
+            <a:ext cx="5942448" cy="3429000"/>
+          </a:xfrm>
+          <a:prstGeom prst="rect">
+            <a:avLst/>
+          </a:prstGeom>
+        </p:spPr>
+      </p:pic>
+      <p:pic>
+        <p:nvPicPr>
+          <p:cNvPr id="3" name="Picture 2">
+            <a:extLst>
+              <a:ext uri="{FF2B5EF4-FFF2-40B4-BE49-F238E27FC236}">
+                <a16:creationId xmlns:a16="http://schemas.microsoft.com/office/drawing/2014/main" id="{683D4412-EAC5-9B4F-B7F0-F9808525B32D}"/>
+              </a:ext>
+            </a:extLst>
+          </p:cNvPr>
+          <p:cNvPicPr>
+            <a:picLocks noChangeAspect="1"/>
+          </p:cNvPicPr>
+          <p:nvPr/>
+        </p:nvPicPr>
+        <p:blipFill>
+          <a:blip r:embed="rId3" cstate="email">
+            <a:extLst>
+              <a:ext uri="{28A0092B-C50C-407E-A947-70E740481C1C}">
+                <a14:useLocalDpi xmlns:a14="http://schemas.microsoft.com/office/drawing/2010/main"/>
+              </a:ext>
+            </a:extLst>
+          </a:blip>
+          <a:stretch>
+            <a:fillRect/>
+          </a:stretch>
+        </p:blipFill>
+        <p:spPr>
+          <a:xfrm>
+            <a:off x="835192" y="5323869"/>
+            <a:ext cx="4057650" cy="1475509"/>
+          </a:xfrm>
+          <a:prstGeom prst="rect">
+            <a:avLst/>
+          </a:prstGeom>
+        </p:spPr>
+      </p:pic>
+      <p:pic>
+        <p:nvPicPr>
+          <p:cNvPr id="4" name="Picture 3">
+            <a:extLst>
+              <a:ext uri="{FF2B5EF4-FFF2-40B4-BE49-F238E27FC236}">
+                <a16:creationId xmlns:a16="http://schemas.microsoft.com/office/drawing/2014/main" id="{75A20D0D-AAE7-B14B-954A-5F0E5C659A39}"/>
+              </a:ext>
+            </a:extLst>
+          </p:cNvPr>
+          <p:cNvPicPr>
+            <a:picLocks noChangeAspect="1"/>
+          </p:cNvPicPr>
+          <p:nvPr/>
+        </p:nvPicPr>
+        <p:blipFill>
+          <a:blip r:embed="rId4" cstate="email">
+            <a:extLst>
+              <a:ext uri="{28A0092B-C50C-407E-A947-70E740481C1C}">
+                <a14:useLocalDpi xmlns:a14="http://schemas.microsoft.com/office/drawing/2010/main"/>
+              </a:ext>
+            </a:extLst>
+          </a:blip>
+          <a:stretch>
+            <a:fillRect/>
+          </a:stretch>
+        </p:blipFill>
+        <p:spPr>
+          <a:xfrm>
+            <a:off x="7206098" y="3594135"/>
+            <a:ext cx="4641850" cy="858013"/>
+          </a:xfrm>
+          <a:prstGeom prst="rect">
+            <a:avLst/>
+          </a:prstGeom>
+        </p:spPr>
+      </p:pic>
+      <p:pic>
+        <p:nvPicPr>
+          <p:cNvPr id="5" name="Picture 4">
+            <a:extLst>
+              <a:ext uri="{FF2B5EF4-FFF2-40B4-BE49-F238E27FC236}">
+                <a16:creationId xmlns:a16="http://schemas.microsoft.com/office/drawing/2014/main" id="{392D9985-47D1-0A4C-8AE2-0961432871AD}"/>
+              </a:ext>
+            </a:extLst>
+          </p:cNvPr>
+          <p:cNvPicPr>
+            <a:picLocks noChangeAspect="1"/>
+          </p:cNvPicPr>
+          <p:nvPr/>
+        </p:nvPicPr>
+        <p:blipFill>
+          <a:blip r:embed="rId5" cstate="email">
+            <a:extLst>
+              <a:ext uri="{28A0092B-C50C-407E-A947-70E740481C1C}">
+                <a14:useLocalDpi xmlns:a14="http://schemas.microsoft.com/office/drawing/2010/main"/>
+              </a:ext>
+            </a:extLst>
+          </a:blip>
+          <a:stretch>
+            <a:fillRect/>
+          </a:stretch>
+        </p:blipFill>
+        <p:spPr>
+          <a:xfrm>
+            <a:off x="6665772" y="86693"/>
+            <a:ext cx="5435600" cy="1917700"/>
+          </a:xfrm>
+          <a:prstGeom prst="rect">
+            <a:avLst/>
+          </a:prstGeom>
+        </p:spPr>
+      </p:pic>
+      <p:sp>
+        <p:nvSpPr>
+          <p:cNvPr id="6" name="TextBox 5">
+            <a:extLst>
+              <a:ext uri="{FF2B5EF4-FFF2-40B4-BE49-F238E27FC236}">
+                <a16:creationId xmlns:a16="http://schemas.microsoft.com/office/drawing/2014/main" id="{2110A4AB-36A3-114B-915D-D4406B0D83C7}"/>
+              </a:ext>
+            </a:extLst>
+          </p:cNvPr>
+          <p:cNvSpPr txBox="1"/>
+          <p:nvPr/>
+        </p:nvSpPr>
+        <p:spPr>
+          <a:xfrm>
+            <a:off x="90628" y="71685"/>
+            <a:ext cx="3782872" cy="800219"/>
+          </a:xfrm>
+          <a:prstGeom prst="rect">
+            <a:avLst/>
+          </a:prstGeom>
+          <a:noFill/>
+        </p:spPr>
+        <p:txBody>
+          <a:bodyPr wrap="square" rtlCol="0">
+            <a:spAutoFit/>
+          </a:bodyPr>
+          <a:lstStyle/>
+          <a:p>
+            <a:r>
+              <a:rPr lang="en-US" sz="2800" b="1"/>
+              <a:t>WebApps</a:t>
+            </a:r>
+          </a:p>
+          <a:p>
+            <a:r>
+              <a:rPr lang="en-US" b="1"/>
+              <a:t>Serving pages and APIs using Python</a:t>
+            </a:r>
+          </a:p>
+        </p:txBody>
+      </p:sp>
+      <p:pic>
+        <p:nvPicPr>
+          <p:cNvPr id="8" name="Picture 7">
+            <a:extLst>
+              <a:ext uri="{FF2B5EF4-FFF2-40B4-BE49-F238E27FC236}">
+                <a16:creationId xmlns:a16="http://schemas.microsoft.com/office/drawing/2014/main" id="{0EAB82CB-004B-0C44-B208-051FF3449EA9}"/>
+              </a:ext>
+            </a:extLst>
+          </p:cNvPr>
+          <p:cNvPicPr>
+            <a:picLocks noChangeAspect="1"/>
+          </p:cNvPicPr>
+          <p:nvPr/>
+        </p:nvPicPr>
+        <p:blipFill>
+          <a:blip r:embed="rId6" cstate="email">
+            <a:extLst>
+              <a:ext uri="{28A0092B-C50C-407E-A947-70E740481C1C}">
+                <a14:useLocalDpi xmlns:a14="http://schemas.microsoft.com/office/drawing/2010/main"/>
+              </a:ext>
+            </a:extLst>
+          </a:blip>
+          <a:stretch>
+            <a:fillRect/>
+          </a:stretch>
+        </p:blipFill>
+        <p:spPr>
+          <a:xfrm>
+            <a:off x="7397597" y="5046555"/>
+            <a:ext cx="1340191" cy="606879"/>
+          </a:xfrm>
+          <a:prstGeom prst="rect">
+            <a:avLst/>
+          </a:prstGeom>
+          <a:ln w="25400">
+            <a:solidFill>
+              <a:schemeClr val="accent1"/>
+            </a:solidFill>
+          </a:ln>
+        </p:spPr>
+      </p:pic>
+      <p:pic>
+        <p:nvPicPr>
+          <p:cNvPr id="9" name="Picture 8">
+            <a:extLst>
+              <a:ext uri="{FF2B5EF4-FFF2-40B4-BE49-F238E27FC236}">
+                <a16:creationId xmlns:a16="http://schemas.microsoft.com/office/drawing/2014/main" id="{384423DB-538C-0E40-8293-41B2E5DC9FA5}"/>
+              </a:ext>
+            </a:extLst>
+          </p:cNvPr>
+          <p:cNvPicPr>
+            <a:picLocks noChangeAspect="1"/>
+          </p:cNvPicPr>
+          <p:nvPr/>
+        </p:nvPicPr>
+        <p:blipFill>
+          <a:blip r:embed="rId7" cstate="email">
+            <a:extLst>
+              <a:ext uri="{28A0092B-C50C-407E-A947-70E740481C1C}">
+                <a14:useLocalDpi xmlns:a14="http://schemas.microsoft.com/office/drawing/2010/main"/>
+              </a:ext>
+            </a:extLst>
+          </a:blip>
+          <a:stretch>
+            <a:fillRect/>
+          </a:stretch>
+        </p:blipFill>
+        <p:spPr>
+          <a:xfrm>
+            <a:off x="9345192" y="5075924"/>
+            <a:ext cx="2403502" cy="495890"/>
+          </a:xfrm>
+          <a:prstGeom prst="rect">
+            <a:avLst/>
+          </a:prstGeom>
+          <a:ln w="25400">
+            <a:solidFill>
+              <a:schemeClr val="accent1"/>
+            </a:solidFill>
+          </a:ln>
+        </p:spPr>
+      </p:pic>
+      <p:sp>
+        <p:nvSpPr>
+          <p:cNvPr id="10" name="Right Arrow 9">
+            <a:extLst>
+              <a:ext uri="{FF2B5EF4-FFF2-40B4-BE49-F238E27FC236}">
+                <a16:creationId xmlns:a16="http://schemas.microsoft.com/office/drawing/2014/main" id="{617C21F3-DA10-4748-8DEB-27F74AE34EAA}"/>
+              </a:ext>
+            </a:extLst>
+          </p:cNvPr>
+          <p:cNvSpPr/>
+          <p:nvPr/>
+        </p:nvSpPr>
+        <p:spPr>
+          <a:xfrm>
+            <a:off x="8882743" y="5179803"/>
+            <a:ext cx="352697" cy="300446"/>
+          </a:xfrm>
+          <a:prstGeom prst="rightArrow">
+            <a:avLst/>
+          </a:prstGeom>
+        </p:spPr>
+        <p:style>
+          <a:lnRef idx="2">
+            <a:schemeClr val="accent1">
+              <a:shade val="50000"/>
+            </a:schemeClr>
+          </a:lnRef>
+          <a:fillRef idx="1">
+            <a:schemeClr val="accent1"/>
+          </a:fillRef>
+          <a:effectRef idx="0">
+            <a:schemeClr val="accent1"/>
+          </a:effectRef>
+          <a:fontRef idx="minor">
+            <a:schemeClr val="lt1"/>
+          </a:fontRef>
+        </p:style>
+        <p:txBody>
+          <a:bodyPr rtlCol="0" anchor="ctr"/>
+          <a:lstStyle/>
+          <a:p>
+            <a:pPr algn="ctr"/>
+            <a:endParaRPr lang="en-US"/>
+          </a:p>
+        </p:txBody>
+      </p:sp>
+      <p:sp>
+        <p:nvSpPr>
+          <p:cNvPr id="11" name="TextBox 10">
+            <a:extLst>
+              <a:ext uri="{FF2B5EF4-FFF2-40B4-BE49-F238E27FC236}">
+                <a16:creationId xmlns:a16="http://schemas.microsoft.com/office/drawing/2014/main" id="{6AF4FC15-C78C-B540-8200-7AFFC6F3357A}"/>
+              </a:ext>
+            </a:extLst>
+          </p:cNvPr>
+          <p:cNvSpPr txBox="1"/>
+          <p:nvPr/>
+        </p:nvSpPr>
+        <p:spPr>
+          <a:xfrm>
+            <a:off x="153552" y="4173510"/>
+            <a:ext cx="2459019" cy="738664"/>
+          </a:xfrm>
+          <a:prstGeom prst="rect">
+            <a:avLst/>
+          </a:prstGeom>
+          <a:noFill/>
+        </p:spPr>
+        <p:txBody>
+          <a:bodyPr wrap="square" rtlCol="0">
+            <a:spAutoFit/>
+          </a:bodyPr>
+          <a:lstStyle/>
+          <a:p>
+            <a:r>
+              <a:rPr lang="en-US" sz="1400">
+                <a:solidFill>
+                  <a:srgbClr val="00B0F0"/>
+                </a:solidFill>
+              </a:rPr>
+              <a:t>Note:</a:t>
+            </a:r>
+          </a:p>
+          <a:p>
+            <a:r>
+              <a:rPr lang="en-US" sz="1400">
+                <a:solidFill>
+                  <a:srgbClr val="00B0F0"/>
+                </a:solidFill>
+              </a:rPr>
+              <a:t>Azure, AWS, and Google cloud</a:t>
+            </a:r>
+          </a:p>
+          <a:p>
+            <a:r>
+              <a:rPr lang="en-US" sz="1400">
+                <a:solidFill>
+                  <a:srgbClr val="00B0F0"/>
+                </a:solidFill>
+              </a:rPr>
+              <a:t>offer Load Balancing solutions</a:t>
+            </a:r>
+          </a:p>
+        </p:txBody>
+      </p:sp>
+      <p:sp>
+        <p:nvSpPr>
+          <p:cNvPr id="12" name="TextBox 11">
+            <a:extLst>
+              <a:ext uri="{FF2B5EF4-FFF2-40B4-BE49-F238E27FC236}">
+                <a16:creationId xmlns:a16="http://schemas.microsoft.com/office/drawing/2014/main" id="{7375F62B-A122-0C49-B007-A648484F266B}"/>
+              </a:ext>
+            </a:extLst>
+          </p:cNvPr>
+          <p:cNvSpPr txBox="1"/>
+          <p:nvPr/>
+        </p:nvSpPr>
+        <p:spPr>
+          <a:xfrm>
+            <a:off x="3490257" y="4585205"/>
+            <a:ext cx="2459019" cy="738664"/>
+          </a:xfrm>
+          <a:prstGeom prst="rect">
+            <a:avLst/>
+          </a:prstGeom>
+          <a:noFill/>
+        </p:spPr>
+        <p:txBody>
+          <a:bodyPr wrap="square" rtlCol="0">
+            <a:spAutoFit/>
+          </a:bodyPr>
+          <a:lstStyle/>
+          <a:p>
+            <a:r>
+              <a:rPr lang="en-US" sz="1400">
+                <a:solidFill>
+                  <a:srgbClr val="00B0F0"/>
+                </a:solidFill>
+              </a:rPr>
+              <a:t>You can scale using multiple servers, or multiple containers managed by kubernetes</a:t>
+            </a:r>
+          </a:p>
+        </p:txBody>
+      </p:sp>
+    </p:spTree>
+    <p:extLst>
+      <p:ext uri="{BB962C8B-B14F-4D97-AF65-F5344CB8AC3E}">
+        <p14:creationId xmlns:p14="http://schemas.microsoft.com/office/powerpoint/2010/main" val="551023716"/>
+      </p:ext>
+    </p:extLst>
+  </p:cSld>
+  <p:clrMapOvr>
+    <a:masterClrMapping/>
+  </p:clrMapOvr>
+</p:sld>
+</file>
+
+<file path=ppt/slides/slide16.xml><?xml version="1.0" encoding="utf-8"?>
+<p:sld xmlns:a="http://schemas.openxmlformats.org/drawingml/2006/main" xmlns:r="http://schemas.openxmlformats.org/officeDocument/2006/relationships" xmlns:p="http://schemas.openxmlformats.org/presentationml/2006/main">
+  <p:cSld>
+    <p:spTree>
+      <p:nvGrpSpPr>
+        <p:cNvPr id="1" name=""/>
+        <p:cNvGrpSpPr/>
+        <p:nvPr/>
+      </p:nvGrpSpPr>
+      <p:grpSpPr>
+        <a:xfrm>
+          <a:off x="0" y="0"/>
+          <a:ext cx="0" cy="0"/>
+          <a:chOff x="0" y="0"/>
+          <a:chExt cx="0" cy="0"/>
+        </a:xfrm>
+      </p:grpSpPr>
       <p:sp>
         <p:nvSpPr>
           <p:cNvPr id="3" name="TextBox 2">
@@ -7114,8 +7708,8 @@
         </p:nvSpPr>
         <p:spPr>
           <a:xfrm>
-            <a:off x="6717256" y="6218409"/>
-            <a:ext cx="5189229" cy="307777"/>
+            <a:off x="6717256" y="5943051"/>
+            <a:ext cx="5189229" cy="523220"/>
           </a:xfrm>
           <a:prstGeom prst="rect">
             <a:avLst/>
@@ -7127,6 +7721,12 @@
             <a:spAutoFit/>
           </a:bodyPr>
           <a:lstStyle/>
+          <a:p>
+            <a:r>
+              <a:rPr lang="en-US" sz="1400"/>
+              <a:t>Note:</a:t>
+            </a:r>
+          </a:p>
           <a:p>
             <a:r>
               <a:rPr lang="en-US" sz="1400"/>

--- a/DA_13_miscellaneous.pptx
+++ b/DA_13_miscellaneous.pptx
@@ -5,7 +5,7 @@
     <p:sldMasterId id="2147483648" r:id="rId1"/>
   </p:sldMasterIdLst>
   <p:notesMasterIdLst>
-    <p:notesMasterId r:id="rId18"/>
+    <p:notesMasterId r:id="rId15"/>
   </p:notesMasterIdLst>
   <p:sldIdLst>
     <p:sldId id="260" r:id="rId2"/>
@@ -21,9 +21,6 @@
     <p:sldId id="266" r:id="rId12"/>
     <p:sldId id="267" r:id="rId13"/>
     <p:sldId id="268" r:id="rId14"/>
-    <p:sldId id="271" r:id="rId15"/>
-    <p:sldId id="270" r:id="rId16"/>
-    <p:sldId id="269" r:id="rId17"/>
   </p:sldIdLst>
   <p:sldSz cx="12192000" cy="6858000"/>
   <p:notesSz cx="6858000" cy="9144000"/>
@@ -6217,1528 +6214,6 @@
     <p:extLst>
       <p:ext uri="{BB962C8B-B14F-4D97-AF65-F5344CB8AC3E}">
         <p14:creationId xmlns:p14="http://schemas.microsoft.com/office/powerpoint/2010/main" val="831303564"/>
-      </p:ext>
-    </p:extLst>
-  </p:cSld>
-  <p:clrMapOvr>
-    <a:masterClrMapping/>
-  </p:clrMapOvr>
-</p:sld>
-</file>
-
-<file path=ppt/slides/slide14.xml><?xml version="1.0" encoding="utf-8"?>
-<p:sld xmlns:a="http://schemas.openxmlformats.org/drawingml/2006/main" xmlns:r="http://schemas.openxmlformats.org/officeDocument/2006/relationships" xmlns:p="http://schemas.openxmlformats.org/presentationml/2006/main">
-  <p:cSld>
-    <p:spTree>
-      <p:nvGrpSpPr>
-        <p:cNvPr id="1" name=""/>
-        <p:cNvGrpSpPr/>
-        <p:nvPr/>
-      </p:nvGrpSpPr>
-      <p:grpSpPr>
-        <a:xfrm>
-          <a:off x="0" y="0"/>
-          <a:ext cx="0" cy="0"/>
-          <a:chOff x="0" y="0"/>
-          <a:chExt cx="0" cy="0"/>
-        </a:xfrm>
-      </p:grpSpPr>
-      <p:sp>
-        <p:nvSpPr>
-          <p:cNvPr id="2" name="TextBox 1">
-            <a:extLst>
-              <a:ext uri="{FF2B5EF4-FFF2-40B4-BE49-F238E27FC236}">
-                <a16:creationId xmlns:a16="http://schemas.microsoft.com/office/drawing/2014/main" id="{6C0C73A1-B381-5E48-AB2B-89D57B285434}"/>
-              </a:ext>
-            </a:extLst>
-          </p:cNvPr>
-          <p:cNvSpPr txBox="1"/>
-          <p:nvPr/>
-        </p:nvSpPr>
-        <p:spPr>
-          <a:xfrm>
-            <a:off x="0" y="12700"/>
-            <a:ext cx="2400300" cy="523220"/>
-          </a:xfrm>
-          <a:prstGeom prst="rect">
-            <a:avLst/>
-          </a:prstGeom>
-          <a:noFill/>
-        </p:spPr>
-        <p:txBody>
-          <a:bodyPr wrap="square" rtlCol="0">
-            <a:spAutoFit/>
-          </a:bodyPr>
-          <a:lstStyle/>
-          <a:p>
-            <a:r>
-              <a:rPr lang="en-US" sz="2800" b="1"/>
-              <a:t>Web Servers</a:t>
-            </a:r>
-          </a:p>
-        </p:txBody>
-      </p:sp>
-      <p:pic>
-        <p:nvPicPr>
-          <p:cNvPr id="3" name="Picture 2">
-            <a:extLst>
-              <a:ext uri="{FF2B5EF4-FFF2-40B4-BE49-F238E27FC236}">
-                <a16:creationId xmlns:a16="http://schemas.microsoft.com/office/drawing/2014/main" id="{A686B5B9-EC77-7A4C-9C78-309AD4E96DE1}"/>
-              </a:ext>
-            </a:extLst>
-          </p:cNvPr>
-          <p:cNvPicPr>
-            <a:picLocks noChangeAspect="1"/>
-          </p:cNvPicPr>
-          <p:nvPr/>
-        </p:nvPicPr>
-        <p:blipFill>
-          <a:blip r:embed="rId2" cstate="email">
-            <a:extLst>
-              <a:ext uri="{28A0092B-C50C-407E-A947-70E740481C1C}">
-                <a14:useLocalDpi xmlns:a14="http://schemas.microsoft.com/office/drawing/2010/main"/>
-              </a:ext>
-            </a:extLst>
-          </a:blip>
-          <a:stretch>
-            <a:fillRect/>
-          </a:stretch>
-        </p:blipFill>
-        <p:spPr>
-          <a:xfrm>
-            <a:off x="7531100" y="209550"/>
-            <a:ext cx="4425950" cy="2303398"/>
-          </a:xfrm>
-          <a:prstGeom prst="rect">
-            <a:avLst/>
-          </a:prstGeom>
-        </p:spPr>
-      </p:pic>
-      <p:sp>
-        <p:nvSpPr>
-          <p:cNvPr id="4" name="TextBox 3">
-            <a:extLst>
-              <a:ext uri="{FF2B5EF4-FFF2-40B4-BE49-F238E27FC236}">
-                <a16:creationId xmlns:a16="http://schemas.microsoft.com/office/drawing/2014/main" id="{0D15C3DA-70E1-7244-B835-C309B3432346}"/>
-              </a:ext>
-            </a:extLst>
-          </p:cNvPr>
-          <p:cNvSpPr txBox="1"/>
-          <p:nvPr/>
-        </p:nvSpPr>
-        <p:spPr>
-          <a:xfrm>
-            <a:off x="6565900" y="89644"/>
-            <a:ext cx="965200" cy="369332"/>
-          </a:xfrm>
-          <a:prstGeom prst="rect">
-            <a:avLst/>
-          </a:prstGeom>
-          <a:noFill/>
-        </p:spPr>
-        <p:txBody>
-          <a:bodyPr wrap="square" rtlCol="0">
-            <a:spAutoFit/>
-          </a:bodyPr>
-          <a:lstStyle/>
-          <a:p>
-            <a:r>
-              <a:rPr lang="en-US"/>
-              <a:t>In 2021</a:t>
-            </a:r>
-          </a:p>
-        </p:txBody>
-      </p:sp>
-      <p:pic>
-        <p:nvPicPr>
-          <p:cNvPr id="5" name="Picture 4">
-            <a:extLst>
-              <a:ext uri="{FF2B5EF4-FFF2-40B4-BE49-F238E27FC236}">
-                <a16:creationId xmlns:a16="http://schemas.microsoft.com/office/drawing/2014/main" id="{98F072D0-CE1C-4340-9CF5-BB1CA571CAE8}"/>
-              </a:ext>
-            </a:extLst>
-          </p:cNvPr>
-          <p:cNvPicPr>
-            <a:picLocks noChangeAspect="1"/>
-          </p:cNvPicPr>
-          <p:nvPr/>
-        </p:nvPicPr>
-        <p:blipFill>
-          <a:blip r:embed="rId3" cstate="email">
-            <a:extLst>
-              <a:ext uri="{28A0092B-C50C-407E-A947-70E740481C1C}">
-                <a14:useLocalDpi xmlns:a14="http://schemas.microsoft.com/office/drawing/2010/main"/>
-              </a:ext>
-            </a:extLst>
-          </a:blip>
-          <a:stretch>
-            <a:fillRect/>
-          </a:stretch>
-        </p:blipFill>
-        <p:spPr>
-          <a:xfrm>
-            <a:off x="4977140" y="3394591"/>
-            <a:ext cx="6979910" cy="3219450"/>
-          </a:xfrm>
-          <a:prstGeom prst="rect">
-            <a:avLst/>
-          </a:prstGeom>
-        </p:spPr>
-      </p:pic>
-      <p:sp>
-        <p:nvSpPr>
-          <p:cNvPr id="6" name="TextBox 5">
-            <a:extLst>
-              <a:ext uri="{FF2B5EF4-FFF2-40B4-BE49-F238E27FC236}">
-                <a16:creationId xmlns:a16="http://schemas.microsoft.com/office/drawing/2014/main" id="{6B905113-0E35-C440-B32C-903B3A2B931A}"/>
-              </a:ext>
-            </a:extLst>
-          </p:cNvPr>
-          <p:cNvSpPr txBox="1"/>
-          <p:nvPr/>
-        </p:nvSpPr>
-        <p:spPr>
-          <a:xfrm>
-            <a:off x="88900" y="543302"/>
-            <a:ext cx="5575300" cy="2031325"/>
-          </a:xfrm>
-          <a:prstGeom prst="rect">
-            <a:avLst/>
-          </a:prstGeom>
-          <a:noFill/>
-        </p:spPr>
-        <p:txBody>
-          <a:bodyPr wrap="square" rtlCol="0">
-            <a:spAutoFit/>
-          </a:bodyPr>
-          <a:lstStyle/>
-          <a:p>
-            <a:r>
-              <a:rPr lang="en-US"/>
-              <a:t>In 2021 </a:t>
-            </a:r>
-            <a:r>
-              <a:rPr lang="en-US" b="1">
-                <a:solidFill>
-                  <a:srgbClr val="00B050"/>
-                </a:solidFill>
-              </a:rPr>
-              <a:t>Nginx</a:t>
-            </a:r>
-            <a:r>
-              <a:rPr lang="en-US"/>
-              <a:t> has become the most popular web server.</a:t>
-            </a:r>
-          </a:p>
-          <a:p>
-            <a:r>
-              <a:rPr lang="en-US" b="1">
-                <a:solidFill>
-                  <a:srgbClr val="FF0000"/>
-                </a:solidFill>
-              </a:rPr>
-              <a:t>Apache</a:t>
-            </a:r>
-            <a:r>
-              <a:rPr lang="en-US"/>
-              <a:t> moved to the 2</a:t>
-            </a:r>
-            <a:r>
-              <a:rPr lang="en-US" baseline="30000"/>
-              <a:t>nd</a:t>
-            </a:r>
-            <a:r>
-              <a:rPr lang="en-US"/>
-              <a:t> place, and </a:t>
-            </a:r>
-            <a:r>
-              <a:rPr lang="en-US" b="1">
-                <a:solidFill>
-                  <a:srgbClr val="00B0F0"/>
-                </a:solidFill>
-              </a:rPr>
-              <a:t>Microsoft IIS</a:t>
-            </a:r>
-            <a:r>
-              <a:rPr lang="en-US"/>
-              <a:t> has very little popularity.</a:t>
-            </a:r>
-          </a:p>
-          <a:p>
-            <a:endParaRPr lang="en-US"/>
-          </a:p>
-          <a:p>
-            <a:r>
-              <a:rPr lang="en-US" b="1">
-                <a:solidFill>
-                  <a:srgbClr val="00B050"/>
-                </a:solidFill>
-              </a:rPr>
-              <a:t>Nginx</a:t>
-            </a:r>
-            <a:r>
-              <a:rPr lang="en-US"/>
-              <a:t> delivers speed while requiring very little resources.</a:t>
-            </a:r>
-          </a:p>
-          <a:p>
-            <a:r>
-              <a:rPr lang="en-US"/>
-              <a:t>Often developers use Python frameworks to deliver web content or serving APIs. JavaScript (node) is also popular.</a:t>
-            </a:r>
-          </a:p>
-        </p:txBody>
-      </p:sp>
-      <p:sp>
-        <p:nvSpPr>
-          <p:cNvPr id="7" name="TextBox 6">
-            <a:extLst>
-              <a:ext uri="{FF2B5EF4-FFF2-40B4-BE49-F238E27FC236}">
-                <a16:creationId xmlns:a16="http://schemas.microsoft.com/office/drawing/2014/main" id="{8888FD03-1C82-214A-86B0-F42C124080E9}"/>
-              </a:ext>
-            </a:extLst>
-          </p:cNvPr>
-          <p:cNvSpPr txBox="1"/>
-          <p:nvPr/>
-        </p:nvSpPr>
-        <p:spPr>
-          <a:xfrm>
-            <a:off x="234950" y="3206612"/>
-            <a:ext cx="4502150" cy="2862322"/>
-          </a:xfrm>
-          <a:prstGeom prst="rect">
-            <a:avLst/>
-          </a:prstGeom>
-          <a:noFill/>
-        </p:spPr>
-        <p:txBody>
-          <a:bodyPr wrap="square" rtlCol="0">
-            <a:spAutoFit/>
-          </a:bodyPr>
-          <a:lstStyle/>
-          <a:p>
-            <a:r>
-              <a:rPr lang="en-US" b="1">
-                <a:solidFill>
-                  <a:srgbClr val="00B050"/>
-                </a:solidFill>
-              </a:rPr>
-              <a:t>Typical Python Architectures:</a:t>
-            </a:r>
-          </a:p>
-          <a:p>
-            <a:r>
-              <a:rPr lang="en-US"/>
-              <a:t>Nginx – Gunicorn</a:t>
-            </a:r>
-          </a:p>
-          <a:p>
-            <a:r>
-              <a:rPr lang="en-US"/>
-              <a:t>Nginx – Gunicorn – Flask</a:t>
-            </a:r>
-          </a:p>
-          <a:p>
-            <a:r>
-              <a:rPr lang="en-US"/>
-              <a:t>Nginx – Gunicorn – Uvcorn – FastAPI</a:t>
-            </a:r>
-          </a:p>
-          <a:p>
-            <a:r>
-              <a:rPr lang="en-US"/>
-              <a:t>Nginx Units – FastAPI</a:t>
-            </a:r>
-          </a:p>
-          <a:p>
-            <a:r>
-              <a:rPr lang="en-US"/>
-              <a:t>Nginx – Django</a:t>
-            </a:r>
-          </a:p>
-          <a:p>
-            <a:endParaRPr lang="en-US"/>
-          </a:p>
-          <a:p>
-            <a:r>
-              <a:rPr lang="en-US" b="1">
-                <a:solidFill>
-                  <a:srgbClr val="00B050"/>
-                </a:solidFill>
-              </a:rPr>
-              <a:t>Typical node.js (Javascript) Architecture:</a:t>
-            </a:r>
-          </a:p>
-          <a:p>
-            <a:r>
-              <a:rPr lang="en-US"/>
-              <a:t>Nginx – Node</a:t>
-            </a:r>
-          </a:p>
-          <a:p>
-            <a:endParaRPr lang="en-US"/>
-          </a:p>
-        </p:txBody>
-      </p:sp>
-    </p:spTree>
-    <p:extLst>
-      <p:ext uri="{BB962C8B-B14F-4D97-AF65-F5344CB8AC3E}">
-        <p14:creationId xmlns:p14="http://schemas.microsoft.com/office/powerpoint/2010/main" val="1789203626"/>
-      </p:ext>
-    </p:extLst>
-  </p:cSld>
-  <p:clrMapOvr>
-    <a:masterClrMapping/>
-  </p:clrMapOvr>
-</p:sld>
-</file>
-
-<file path=ppt/slides/slide15.xml><?xml version="1.0" encoding="utf-8"?>
-<p:sld xmlns:a="http://schemas.openxmlformats.org/drawingml/2006/main" xmlns:r="http://schemas.openxmlformats.org/officeDocument/2006/relationships" xmlns:p="http://schemas.openxmlformats.org/presentationml/2006/main">
-  <p:cSld>
-    <p:spTree>
-      <p:nvGrpSpPr>
-        <p:cNvPr id="1" name=""/>
-        <p:cNvGrpSpPr/>
-        <p:nvPr/>
-      </p:nvGrpSpPr>
-      <p:grpSpPr>
-        <a:xfrm>
-          <a:off x="0" y="0"/>
-          <a:ext cx="0" cy="0"/>
-          <a:chOff x="0" y="0"/>
-          <a:chExt cx="0" cy="0"/>
-        </a:xfrm>
-      </p:grpSpPr>
-      <p:pic>
-        <p:nvPicPr>
-          <p:cNvPr id="2" name="Picture 1">
-            <a:extLst>
-              <a:ext uri="{FF2B5EF4-FFF2-40B4-BE49-F238E27FC236}">
-                <a16:creationId xmlns:a16="http://schemas.microsoft.com/office/drawing/2014/main" id="{02AC7F60-956A-8441-AB7A-DD5BAFAA0D97}"/>
-              </a:ext>
-            </a:extLst>
-          </p:cNvPr>
-          <p:cNvPicPr>
-            <a:picLocks noChangeAspect="1"/>
-          </p:cNvPicPr>
-          <p:nvPr/>
-        </p:nvPicPr>
-        <p:blipFill>
-          <a:blip r:embed="rId2" cstate="email">
-            <a:extLst>
-              <a:ext uri="{28A0092B-C50C-407E-A947-70E740481C1C}">
-                <a14:useLocalDpi xmlns:a14="http://schemas.microsoft.com/office/drawing/2010/main"/>
-              </a:ext>
-            </a:extLst>
-          </a:blip>
-          <a:stretch>
-            <a:fillRect/>
-          </a:stretch>
-        </p:blipFill>
-        <p:spPr>
-          <a:xfrm>
-            <a:off x="153552" y="1045543"/>
-            <a:ext cx="5942448" cy="3429000"/>
-          </a:xfrm>
-          <a:prstGeom prst="rect">
-            <a:avLst/>
-          </a:prstGeom>
-        </p:spPr>
-      </p:pic>
-      <p:pic>
-        <p:nvPicPr>
-          <p:cNvPr id="3" name="Picture 2">
-            <a:extLst>
-              <a:ext uri="{FF2B5EF4-FFF2-40B4-BE49-F238E27FC236}">
-                <a16:creationId xmlns:a16="http://schemas.microsoft.com/office/drawing/2014/main" id="{683D4412-EAC5-9B4F-B7F0-F9808525B32D}"/>
-              </a:ext>
-            </a:extLst>
-          </p:cNvPr>
-          <p:cNvPicPr>
-            <a:picLocks noChangeAspect="1"/>
-          </p:cNvPicPr>
-          <p:nvPr/>
-        </p:nvPicPr>
-        <p:blipFill>
-          <a:blip r:embed="rId3" cstate="email">
-            <a:extLst>
-              <a:ext uri="{28A0092B-C50C-407E-A947-70E740481C1C}">
-                <a14:useLocalDpi xmlns:a14="http://schemas.microsoft.com/office/drawing/2010/main"/>
-              </a:ext>
-            </a:extLst>
-          </a:blip>
-          <a:stretch>
-            <a:fillRect/>
-          </a:stretch>
-        </p:blipFill>
-        <p:spPr>
-          <a:xfrm>
-            <a:off x="835192" y="5323869"/>
-            <a:ext cx="4057650" cy="1475509"/>
-          </a:xfrm>
-          <a:prstGeom prst="rect">
-            <a:avLst/>
-          </a:prstGeom>
-        </p:spPr>
-      </p:pic>
-      <p:pic>
-        <p:nvPicPr>
-          <p:cNvPr id="4" name="Picture 3">
-            <a:extLst>
-              <a:ext uri="{FF2B5EF4-FFF2-40B4-BE49-F238E27FC236}">
-                <a16:creationId xmlns:a16="http://schemas.microsoft.com/office/drawing/2014/main" id="{75A20D0D-AAE7-B14B-954A-5F0E5C659A39}"/>
-              </a:ext>
-            </a:extLst>
-          </p:cNvPr>
-          <p:cNvPicPr>
-            <a:picLocks noChangeAspect="1"/>
-          </p:cNvPicPr>
-          <p:nvPr/>
-        </p:nvPicPr>
-        <p:blipFill>
-          <a:blip r:embed="rId4" cstate="email">
-            <a:extLst>
-              <a:ext uri="{28A0092B-C50C-407E-A947-70E740481C1C}">
-                <a14:useLocalDpi xmlns:a14="http://schemas.microsoft.com/office/drawing/2010/main"/>
-              </a:ext>
-            </a:extLst>
-          </a:blip>
-          <a:stretch>
-            <a:fillRect/>
-          </a:stretch>
-        </p:blipFill>
-        <p:spPr>
-          <a:xfrm>
-            <a:off x="7206098" y="3594135"/>
-            <a:ext cx="4641850" cy="858013"/>
-          </a:xfrm>
-          <a:prstGeom prst="rect">
-            <a:avLst/>
-          </a:prstGeom>
-        </p:spPr>
-      </p:pic>
-      <p:pic>
-        <p:nvPicPr>
-          <p:cNvPr id="5" name="Picture 4">
-            <a:extLst>
-              <a:ext uri="{FF2B5EF4-FFF2-40B4-BE49-F238E27FC236}">
-                <a16:creationId xmlns:a16="http://schemas.microsoft.com/office/drawing/2014/main" id="{392D9985-47D1-0A4C-8AE2-0961432871AD}"/>
-              </a:ext>
-            </a:extLst>
-          </p:cNvPr>
-          <p:cNvPicPr>
-            <a:picLocks noChangeAspect="1"/>
-          </p:cNvPicPr>
-          <p:nvPr/>
-        </p:nvPicPr>
-        <p:blipFill>
-          <a:blip r:embed="rId5" cstate="email">
-            <a:extLst>
-              <a:ext uri="{28A0092B-C50C-407E-A947-70E740481C1C}">
-                <a14:useLocalDpi xmlns:a14="http://schemas.microsoft.com/office/drawing/2010/main"/>
-              </a:ext>
-            </a:extLst>
-          </a:blip>
-          <a:stretch>
-            <a:fillRect/>
-          </a:stretch>
-        </p:blipFill>
-        <p:spPr>
-          <a:xfrm>
-            <a:off x="6665772" y="86693"/>
-            <a:ext cx="5435600" cy="1917700"/>
-          </a:xfrm>
-          <a:prstGeom prst="rect">
-            <a:avLst/>
-          </a:prstGeom>
-        </p:spPr>
-      </p:pic>
-      <p:sp>
-        <p:nvSpPr>
-          <p:cNvPr id="6" name="TextBox 5">
-            <a:extLst>
-              <a:ext uri="{FF2B5EF4-FFF2-40B4-BE49-F238E27FC236}">
-                <a16:creationId xmlns:a16="http://schemas.microsoft.com/office/drawing/2014/main" id="{2110A4AB-36A3-114B-915D-D4406B0D83C7}"/>
-              </a:ext>
-            </a:extLst>
-          </p:cNvPr>
-          <p:cNvSpPr txBox="1"/>
-          <p:nvPr/>
-        </p:nvSpPr>
-        <p:spPr>
-          <a:xfrm>
-            <a:off x="90628" y="71685"/>
-            <a:ext cx="3782872" cy="800219"/>
-          </a:xfrm>
-          <a:prstGeom prst="rect">
-            <a:avLst/>
-          </a:prstGeom>
-          <a:noFill/>
-        </p:spPr>
-        <p:txBody>
-          <a:bodyPr wrap="square" rtlCol="0">
-            <a:spAutoFit/>
-          </a:bodyPr>
-          <a:lstStyle/>
-          <a:p>
-            <a:r>
-              <a:rPr lang="en-US" sz="2800" b="1"/>
-              <a:t>WebApps</a:t>
-            </a:r>
-          </a:p>
-          <a:p>
-            <a:r>
-              <a:rPr lang="en-US" b="1"/>
-              <a:t>Serving pages and APIs using Python</a:t>
-            </a:r>
-          </a:p>
-        </p:txBody>
-      </p:sp>
-      <p:pic>
-        <p:nvPicPr>
-          <p:cNvPr id="8" name="Picture 7">
-            <a:extLst>
-              <a:ext uri="{FF2B5EF4-FFF2-40B4-BE49-F238E27FC236}">
-                <a16:creationId xmlns:a16="http://schemas.microsoft.com/office/drawing/2014/main" id="{0EAB82CB-004B-0C44-B208-051FF3449EA9}"/>
-              </a:ext>
-            </a:extLst>
-          </p:cNvPr>
-          <p:cNvPicPr>
-            <a:picLocks noChangeAspect="1"/>
-          </p:cNvPicPr>
-          <p:nvPr/>
-        </p:nvPicPr>
-        <p:blipFill>
-          <a:blip r:embed="rId6" cstate="email">
-            <a:extLst>
-              <a:ext uri="{28A0092B-C50C-407E-A947-70E740481C1C}">
-                <a14:useLocalDpi xmlns:a14="http://schemas.microsoft.com/office/drawing/2010/main"/>
-              </a:ext>
-            </a:extLst>
-          </a:blip>
-          <a:stretch>
-            <a:fillRect/>
-          </a:stretch>
-        </p:blipFill>
-        <p:spPr>
-          <a:xfrm>
-            <a:off x="7397597" y="5046555"/>
-            <a:ext cx="1340191" cy="606879"/>
-          </a:xfrm>
-          <a:prstGeom prst="rect">
-            <a:avLst/>
-          </a:prstGeom>
-          <a:ln w="25400">
-            <a:solidFill>
-              <a:schemeClr val="accent1"/>
-            </a:solidFill>
-          </a:ln>
-        </p:spPr>
-      </p:pic>
-      <p:pic>
-        <p:nvPicPr>
-          <p:cNvPr id="9" name="Picture 8">
-            <a:extLst>
-              <a:ext uri="{FF2B5EF4-FFF2-40B4-BE49-F238E27FC236}">
-                <a16:creationId xmlns:a16="http://schemas.microsoft.com/office/drawing/2014/main" id="{384423DB-538C-0E40-8293-41B2E5DC9FA5}"/>
-              </a:ext>
-            </a:extLst>
-          </p:cNvPr>
-          <p:cNvPicPr>
-            <a:picLocks noChangeAspect="1"/>
-          </p:cNvPicPr>
-          <p:nvPr/>
-        </p:nvPicPr>
-        <p:blipFill>
-          <a:blip r:embed="rId7" cstate="email">
-            <a:extLst>
-              <a:ext uri="{28A0092B-C50C-407E-A947-70E740481C1C}">
-                <a14:useLocalDpi xmlns:a14="http://schemas.microsoft.com/office/drawing/2010/main"/>
-              </a:ext>
-            </a:extLst>
-          </a:blip>
-          <a:stretch>
-            <a:fillRect/>
-          </a:stretch>
-        </p:blipFill>
-        <p:spPr>
-          <a:xfrm>
-            <a:off x="9345192" y="5075924"/>
-            <a:ext cx="2403502" cy="495890"/>
-          </a:xfrm>
-          <a:prstGeom prst="rect">
-            <a:avLst/>
-          </a:prstGeom>
-          <a:ln w="25400">
-            <a:solidFill>
-              <a:schemeClr val="accent1"/>
-            </a:solidFill>
-          </a:ln>
-        </p:spPr>
-      </p:pic>
-      <p:sp>
-        <p:nvSpPr>
-          <p:cNvPr id="10" name="Right Arrow 9">
-            <a:extLst>
-              <a:ext uri="{FF2B5EF4-FFF2-40B4-BE49-F238E27FC236}">
-                <a16:creationId xmlns:a16="http://schemas.microsoft.com/office/drawing/2014/main" id="{617C21F3-DA10-4748-8DEB-27F74AE34EAA}"/>
-              </a:ext>
-            </a:extLst>
-          </p:cNvPr>
-          <p:cNvSpPr/>
-          <p:nvPr/>
-        </p:nvSpPr>
-        <p:spPr>
-          <a:xfrm>
-            <a:off x="8882743" y="5179803"/>
-            <a:ext cx="352697" cy="300446"/>
-          </a:xfrm>
-          <a:prstGeom prst="rightArrow">
-            <a:avLst/>
-          </a:prstGeom>
-        </p:spPr>
-        <p:style>
-          <a:lnRef idx="2">
-            <a:schemeClr val="accent1">
-              <a:shade val="50000"/>
-            </a:schemeClr>
-          </a:lnRef>
-          <a:fillRef idx="1">
-            <a:schemeClr val="accent1"/>
-          </a:fillRef>
-          <a:effectRef idx="0">
-            <a:schemeClr val="accent1"/>
-          </a:effectRef>
-          <a:fontRef idx="minor">
-            <a:schemeClr val="lt1"/>
-          </a:fontRef>
-        </p:style>
-        <p:txBody>
-          <a:bodyPr rtlCol="0" anchor="ctr"/>
-          <a:lstStyle/>
-          <a:p>
-            <a:pPr algn="ctr"/>
-            <a:endParaRPr lang="en-US"/>
-          </a:p>
-        </p:txBody>
-      </p:sp>
-      <p:sp>
-        <p:nvSpPr>
-          <p:cNvPr id="11" name="TextBox 10">
-            <a:extLst>
-              <a:ext uri="{FF2B5EF4-FFF2-40B4-BE49-F238E27FC236}">
-                <a16:creationId xmlns:a16="http://schemas.microsoft.com/office/drawing/2014/main" id="{6AF4FC15-C78C-B540-8200-7AFFC6F3357A}"/>
-              </a:ext>
-            </a:extLst>
-          </p:cNvPr>
-          <p:cNvSpPr txBox="1"/>
-          <p:nvPr/>
-        </p:nvSpPr>
-        <p:spPr>
-          <a:xfrm>
-            <a:off x="153552" y="4173510"/>
-            <a:ext cx="2459019" cy="738664"/>
-          </a:xfrm>
-          <a:prstGeom prst="rect">
-            <a:avLst/>
-          </a:prstGeom>
-          <a:noFill/>
-        </p:spPr>
-        <p:txBody>
-          <a:bodyPr wrap="square" rtlCol="0">
-            <a:spAutoFit/>
-          </a:bodyPr>
-          <a:lstStyle/>
-          <a:p>
-            <a:r>
-              <a:rPr lang="en-US" sz="1400">
-                <a:solidFill>
-                  <a:srgbClr val="00B0F0"/>
-                </a:solidFill>
-              </a:rPr>
-              <a:t>Note:</a:t>
-            </a:r>
-          </a:p>
-          <a:p>
-            <a:r>
-              <a:rPr lang="en-US" sz="1400">
-                <a:solidFill>
-                  <a:srgbClr val="00B0F0"/>
-                </a:solidFill>
-              </a:rPr>
-              <a:t>Azure, AWS, and Google cloud</a:t>
-            </a:r>
-          </a:p>
-          <a:p>
-            <a:r>
-              <a:rPr lang="en-US" sz="1400">
-                <a:solidFill>
-                  <a:srgbClr val="00B0F0"/>
-                </a:solidFill>
-              </a:rPr>
-              <a:t>offer Load Balancing solutions</a:t>
-            </a:r>
-          </a:p>
-        </p:txBody>
-      </p:sp>
-      <p:sp>
-        <p:nvSpPr>
-          <p:cNvPr id="12" name="TextBox 11">
-            <a:extLst>
-              <a:ext uri="{FF2B5EF4-FFF2-40B4-BE49-F238E27FC236}">
-                <a16:creationId xmlns:a16="http://schemas.microsoft.com/office/drawing/2014/main" id="{7375F62B-A122-0C49-B007-A648484F266B}"/>
-              </a:ext>
-            </a:extLst>
-          </p:cNvPr>
-          <p:cNvSpPr txBox="1"/>
-          <p:nvPr/>
-        </p:nvSpPr>
-        <p:spPr>
-          <a:xfrm>
-            <a:off x="3490257" y="4585205"/>
-            <a:ext cx="2459019" cy="738664"/>
-          </a:xfrm>
-          <a:prstGeom prst="rect">
-            <a:avLst/>
-          </a:prstGeom>
-          <a:noFill/>
-        </p:spPr>
-        <p:txBody>
-          <a:bodyPr wrap="square" rtlCol="0">
-            <a:spAutoFit/>
-          </a:bodyPr>
-          <a:lstStyle/>
-          <a:p>
-            <a:r>
-              <a:rPr lang="en-US" sz="1400">
-                <a:solidFill>
-                  <a:srgbClr val="00B0F0"/>
-                </a:solidFill>
-              </a:rPr>
-              <a:t>You can scale using multiple servers, or multiple containers managed by kubernetes</a:t>
-            </a:r>
-          </a:p>
-        </p:txBody>
-      </p:sp>
-    </p:spTree>
-    <p:extLst>
-      <p:ext uri="{BB962C8B-B14F-4D97-AF65-F5344CB8AC3E}">
-        <p14:creationId xmlns:p14="http://schemas.microsoft.com/office/powerpoint/2010/main" val="551023716"/>
-      </p:ext>
-    </p:extLst>
-  </p:cSld>
-  <p:clrMapOvr>
-    <a:masterClrMapping/>
-  </p:clrMapOvr>
-</p:sld>
-</file>
-
-<file path=ppt/slides/slide16.xml><?xml version="1.0" encoding="utf-8"?>
-<p:sld xmlns:a="http://schemas.openxmlformats.org/drawingml/2006/main" xmlns:r="http://schemas.openxmlformats.org/officeDocument/2006/relationships" xmlns:p="http://schemas.openxmlformats.org/presentationml/2006/main">
-  <p:cSld>
-    <p:spTree>
-      <p:nvGrpSpPr>
-        <p:cNvPr id="1" name=""/>
-        <p:cNvGrpSpPr/>
-        <p:nvPr/>
-      </p:nvGrpSpPr>
-      <p:grpSpPr>
-        <a:xfrm>
-          <a:off x="0" y="0"/>
-          <a:ext cx="0" cy="0"/>
-          <a:chOff x="0" y="0"/>
-          <a:chExt cx="0" cy="0"/>
-        </a:xfrm>
-      </p:grpSpPr>
-      <p:sp>
-        <p:nvSpPr>
-          <p:cNvPr id="3" name="TextBox 2">
-            <a:extLst>
-              <a:ext uri="{FF2B5EF4-FFF2-40B4-BE49-F238E27FC236}">
-                <a16:creationId xmlns:a16="http://schemas.microsoft.com/office/drawing/2014/main" id="{7A40607A-C94C-FB44-99D3-B1BF2D6DF3E1}"/>
-              </a:ext>
-            </a:extLst>
-          </p:cNvPr>
-          <p:cNvSpPr txBox="1"/>
-          <p:nvPr/>
-        </p:nvSpPr>
-        <p:spPr>
-          <a:xfrm>
-            <a:off x="1" y="0"/>
-            <a:ext cx="1669774" cy="523220"/>
-          </a:xfrm>
-          <a:prstGeom prst="rect">
-            <a:avLst/>
-          </a:prstGeom>
-          <a:noFill/>
-        </p:spPr>
-        <p:txBody>
-          <a:bodyPr wrap="square" rtlCol="0">
-            <a:spAutoFit/>
-          </a:bodyPr>
-          <a:lstStyle/>
-          <a:p>
-            <a:r>
-              <a:rPr lang="en-US" sz="2800" b="1"/>
-              <a:t>FastAPI </a:t>
-            </a:r>
-          </a:p>
-        </p:txBody>
-      </p:sp>
-      <p:pic>
-        <p:nvPicPr>
-          <p:cNvPr id="5" name="Picture 4">
-            <a:extLst>
-              <a:ext uri="{FF2B5EF4-FFF2-40B4-BE49-F238E27FC236}">
-                <a16:creationId xmlns:a16="http://schemas.microsoft.com/office/drawing/2014/main" id="{B9D0262B-424E-EB42-8017-B657B58F9B0B}"/>
-              </a:ext>
-            </a:extLst>
-          </p:cNvPr>
-          <p:cNvPicPr>
-            <a:picLocks noChangeAspect="1"/>
-          </p:cNvPicPr>
-          <p:nvPr/>
-        </p:nvPicPr>
-        <p:blipFill>
-          <a:blip r:embed="rId2" cstate="email">
-            <a:extLst>
-              <a:ext uri="{28A0092B-C50C-407E-A947-70E740481C1C}">
-                <a14:useLocalDpi xmlns:a14="http://schemas.microsoft.com/office/drawing/2010/main"/>
-              </a:ext>
-            </a:extLst>
-          </a:blip>
-          <a:stretch>
-            <a:fillRect/>
-          </a:stretch>
-        </p:blipFill>
-        <p:spPr>
-          <a:xfrm>
-            <a:off x="8743949" y="42308"/>
-            <a:ext cx="3342063" cy="654048"/>
-          </a:xfrm>
-          <a:prstGeom prst="rect">
-            <a:avLst/>
-          </a:prstGeom>
-        </p:spPr>
-      </p:pic>
-      <p:sp>
-        <p:nvSpPr>
-          <p:cNvPr id="6" name="TextBox 5">
-            <a:extLst>
-              <a:ext uri="{FF2B5EF4-FFF2-40B4-BE49-F238E27FC236}">
-                <a16:creationId xmlns:a16="http://schemas.microsoft.com/office/drawing/2014/main" id="{613EDDE3-E1BF-0A4C-A435-032C1657D51E}"/>
-              </a:ext>
-            </a:extLst>
-          </p:cNvPr>
-          <p:cNvSpPr txBox="1"/>
-          <p:nvPr/>
-        </p:nvSpPr>
-        <p:spPr>
-          <a:xfrm>
-            <a:off x="108504" y="1324762"/>
-            <a:ext cx="5987496" cy="5047536"/>
-          </a:xfrm>
-          <a:prstGeom prst="rect">
-            <a:avLst/>
-          </a:prstGeom>
-          <a:noFill/>
-        </p:spPr>
-        <p:txBody>
-          <a:bodyPr wrap="square" rtlCol="0">
-            <a:spAutoFit/>
-          </a:bodyPr>
-          <a:lstStyle/>
-          <a:p>
-            <a:pPr marL="285750" indent="-285750">
-              <a:buFont typeface="Arial" panose="020B0604020202020204" pitchFamily="34" charset="0"/>
-              <a:buChar char="•"/>
-            </a:pPr>
-            <a:r>
-              <a:rPr lang="en-US" sz="1400"/>
-              <a:t>Modern (since 2018)</a:t>
-            </a:r>
-          </a:p>
-          <a:p>
-            <a:pPr marL="285750" indent="-285750">
-              <a:buFont typeface="Arial" panose="020B0604020202020204" pitchFamily="34" charset="0"/>
-              <a:buChar char="•"/>
-            </a:pPr>
-            <a:r>
-              <a:rPr lang="en-US" sz="1400"/>
-              <a:t>Fast: Very high performance, on par with NodeJS and Go</a:t>
-            </a:r>
-          </a:p>
-          <a:p>
-            <a:pPr marL="285750" indent="-285750">
-              <a:buFont typeface="Arial" panose="020B0604020202020204" pitchFamily="34" charset="0"/>
-              <a:buChar char="•"/>
-            </a:pPr>
-            <a:r>
-              <a:rPr lang="en-US" sz="1400"/>
-              <a:t>Uses </a:t>
-            </a:r>
-            <a:r>
-              <a:rPr lang="en-US" sz="1400" b="1">
-                <a:solidFill>
-                  <a:srgbClr val="00B050"/>
-                </a:solidFill>
-              </a:rPr>
-              <a:t>Pydantic</a:t>
-            </a:r>
-            <a:r>
-              <a:rPr lang="en-US" sz="1400"/>
-              <a:t> for type hints checks - </a:t>
-            </a:r>
-            <a:r>
-              <a:rPr lang="en-US" sz="1400">
-                <a:hlinkClick r:id="rId3"/>
-              </a:rPr>
-              <a:t>https://pydantic-docs.helpmanual.io</a:t>
-            </a:r>
-            <a:endParaRPr lang="en-US" sz="1400"/>
-          </a:p>
-          <a:p>
-            <a:pPr marL="285750" indent="-285750">
-              <a:buFont typeface="Arial" panose="020B0604020202020204" pitchFamily="34" charset="0"/>
-              <a:buChar char="•"/>
-            </a:pPr>
-            <a:r>
-              <a:rPr lang="en-US" sz="1400"/>
-              <a:t>Uses </a:t>
-            </a:r>
-            <a:r>
-              <a:rPr lang="en-US" sz="1400" b="1">
-                <a:solidFill>
-                  <a:srgbClr val="00B050"/>
-                </a:solidFill>
-              </a:rPr>
-              <a:t>Starlette</a:t>
-            </a:r>
-            <a:r>
-              <a:rPr lang="en-US" sz="1400"/>
-              <a:t>, but provides more features - </a:t>
-            </a:r>
-            <a:r>
-              <a:rPr lang="en-US" sz="1400">
-                <a:hlinkClick r:id="rId4"/>
-              </a:rPr>
-              <a:t>https://www.starlette.io</a:t>
-            </a:r>
-            <a:endParaRPr lang="en-US" sz="1400"/>
-          </a:p>
-          <a:p>
-            <a:pPr marL="285750" indent="-285750">
-              <a:buFont typeface="Arial" panose="020B0604020202020204" pitchFamily="34" charset="0"/>
-              <a:buChar char="•"/>
-            </a:pPr>
-            <a:r>
-              <a:rPr lang="en-US" sz="1400"/>
-              <a:t>Fast to code</a:t>
-            </a:r>
-          </a:p>
-          <a:p>
-            <a:pPr marL="285750" indent="-285750">
-              <a:buFont typeface="Arial" panose="020B0604020202020204" pitchFamily="34" charset="0"/>
-              <a:buChar char="•"/>
-            </a:pPr>
-            <a:r>
-              <a:rPr lang="en-US" sz="1400"/>
-              <a:t>Fewer bugs, reduce developer errors</a:t>
-            </a:r>
-          </a:p>
-          <a:p>
-            <a:pPr marL="285750" indent="-285750">
-              <a:buFont typeface="Arial" panose="020B0604020202020204" pitchFamily="34" charset="0"/>
-              <a:buChar char="•"/>
-            </a:pPr>
-            <a:r>
-              <a:rPr lang="en-US" sz="1400"/>
-              <a:t>Intuitive: Great editor support, auti-completion, fast debugging</a:t>
-            </a:r>
-          </a:p>
-          <a:p>
-            <a:pPr marL="285750" indent="-285750">
-              <a:buFont typeface="Arial" panose="020B0604020202020204" pitchFamily="34" charset="0"/>
-              <a:buChar char="•"/>
-            </a:pPr>
-            <a:r>
-              <a:rPr lang="en-US" sz="1400"/>
-              <a:t>Easy to use and learn</a:t>
-            </a:r>
-          </a:p>
-          <a:p>
-            <a:pPr marL="285750" indent="-285750">
-              <a:buFont typeface="Arial" panose="020B0604020202020204" pitchFamily="34" charset="0"/>
-              <a:buChar char="•"/>
-            </a:pPr>
-            <a:r>
-              <a:rPr lang="en-US" sz="1400"/>
-              <a:t>Short: Minimize code duplication. Multiple features from each parameter declaration. Fewer bugs.</a:t>
-            </a:r>
-          </a:p>
-          <a:p>
-            <a:pPr marL="285750" indent="-285750">
-              <a:buFont typeface="Arial" panose="020B0604020202020204" pitchFamily="34" charset="0"/>
-              <a:buChar char="•"/>
-            </a:pPr>
-            <a:r>
-              <a:rPr lang="en-US" sz="1400"/>
-              <a:t>Robust: Get production-ready code. With automatic interactive documentation.</a:t>
-            </a:r>
-          </a:p>
-          <a:p>
-            <a:pPr marL="285750" indent="-285750">
-              <a:buFont typeface="Arial" panose="020B0604020202020204" pitchFamily="34" charset="0"/>
-              <a:buChar char="•"/>
-            </a:pPr>
-            <a:r>
-              <a:rPr lang="en-US" sz="1400"/>
-              <a:t>Standards-based: Based on </a:t>
-            </a:r>
-            <a:r>
-              <a:rPr lang="en-US" sz="1400" b="1">
-                <a:solidFill>
-                  <a:srgbClr val="00B050"/>
-                </a:solidFill>
-              </a:rPr>
-              <a:t>OpenAPI</a:t>
-            </a:r>
-            <a:r>
-              <a:rPr lang="en-US" sz="1400"/>
-              <a:t> (previously known as Swagger) and JSON Schema.</a:t>
-            </a:r>
-          </a:p>
-          <a:p>
-            <a:pPr marL="285750" indent="-285750">
-              <a:buFont typeface="Arial" panose="020B0604020202020204" pitchFamily="34" charset="0"/>
-              <a:buChar char="•"/>
-            </a:pPr>
-            <a:r>
-              <a:rPr lang="en-US" sz="1400"/>
-              <a:t>Uses </a:t>
-            </a:r>
-            <a:r>
-              <a:rPr lang="en-US" sz="1400" b="1">
-                <a:solidFill>
-                  <a:srgbClr val="00B050"/>
-                </a:solidFill>
-              </a:rPr>
-              <a:t>Uvicorn</a:t>
-            </a:r>
-            <a:r>
-              <a:rPr lang="en-US" sz="1400"/>
-              <a:t> - The lightning-fast ASGI server.</a:t>
-            </a:r>
-            <a:br>
-              <a:rPr lang="en-US" sz="1400"/>
-            </a:br>
-            <a:r>
-              <a:rPr lang="en-US" sz="1400"/>
-              <a:t> - </a:t>
-            </a:r>
-            <a:r>
-              <a:rPr lang="en-US" sz="1400">
-                <a:hlinkClick r:id="rId5"/>
-              </a:rPr>
-              <a:t>https://www.uvicorn.org</a:t>
-            </a:r>
-            <a:endParaRPr lang="en-US" sz="1400"/>
-          </a:p>
-          <a:p>
-            <a:pPr marL="285750" indent="-285750">
-              <a:buFont typeface="Arial" panose="020B0604020202020204" pitchFamily="34" charset="0"/>
-              <a:buChar char="•"/>
-            </a:pPr>
-            <a:r>
-              <a:rPr lang="en-US" sz="1400"/>
-              <a:t>Implements </a:t>
-            </a:r>
-            <a:r>
-              <a:rPr lang="en-US" sz="1400" b="1">
-                <a:solidFill>
-                  <a:srgbClr val="00B050"/>
-                </a:solidFill>
-              </a:rPr>
-              <a:t>ASGI</a:t>
-            </a:r>
-            <a:r>
-              <a:rPr lang="en-US" sz="1400"/>
-              <a:t> (Asynchronous Server Gateway Interface)</a:t>
-            </a:r>
-            <a:br>
-              <a:rPr lang="en-US" sz="1400"/>
-            </a:br>
-            <a:r>
-              <a:rPr lang="en-US" sz="1400"/>
-              <a:t> - </a:t>
-            </a:r>
-            <a:r>
-              <a:rPr lang="en-US" sz="1400">
-                <a:hlinkClick r:id="rId6"/>
-              </a:rPr>
-              <a:t>https://asgi.readthedocs.io</a:t>
-            </a:r>
-            <a:endParaRPr lang="en-US" sz="1400"/>
-          </a:p>
-          <a:p>
-            <a:pPr marL="285750" indent="-285750">
-              <a:buFont typeface="Arial" panose="020B0604020202020204" pitchFamily="34" charset="0"/>
-              <a:buChar char="•"/>
-            </a:pPr>
-            <a:r>
-              <a:rPr lang="en-US" sz="1400"/>
-              <a:t>Uses </a:t>
-            </a:r>
-            <a:r>
-              <a:rPr lang="en-US" sz="1400" b="1">
-                <a:solidFill>
-                  <a:srgbClr val="00B050"/>
-                </a:solidFill>
-              </a:rPr>
-              <a:t>uvloops</a:t>
-            </a:r>
-            <a:r>
-              <a:rPr lang="en-US" sz="1400"/>
-              <a:t> - fast, drop-in replacement of the built-in asyncio event loop. </a:t>
-            </a:r>
-            <a:br>
-              <a:rPr lang="en-US" sz="1400"/>
-            </a:br>
-            <a:r>
-              <a:rPr lang="en-US" sz="1400" b="1">
-                <a:solidFill>
-                  <a:srgbClr val="00B050"/>
-                </a:solidFill>
-              </a:rPr>
-              <a:t>uvloop</a:t>
-            </a:r>
-            <a:r>
-              <a:rPr lang="en-US" sz="1400"/>
-              <a:t> is implemented in Cython and uses libuv under the hood.</a:t>
-            </a:r>
-            <a:br>
-              <a:rPr lang="en-US" sz="1400"/>
-            </a:br>
-            <a:r>
-              <a:rPr lang="en-US" sz="1400"/>
-              <a:t> - </a:t>
-            </a:r>
-            <a:r>
-              <a:rPr lang="en-US" sz="1400">
-                <a:hlinkClick r:id="rId7"/>
-              </a:rPr>
-              <a:t>https://github.com/MagicStack/uvloop</a:t>
-            </a:r>
-            <a:endParaRPr lang="en-US" sz="1400"/>
-          </a:p>
-          <a:p>
-            <a:pPr marL="285750" indent="-285750">
-              <a:buFont typeface="Arial" panose="020B0604020202020204" pitchFamily="34" charset="0"/>
-              <a:buChar char="•"/>
-            </a:pPr>
-            <a:r>
-              <a:rPr lang="en-US" sz="1400"/>
-              <a:t>Uses </a:t>
-            </a:r>
-            <a:r>
-              <a:rPr lang="en-US" sz="1400" b="1">
-                <a:solidFill>
-                  <a:srgbClr val="00B050"/>
-                </a:solidFill>
-              </a:rPr>
-              <a:t>httptools</a:t>
-            </a:r>
-            <a:r>
-              <a:rPr lang="en-US" sz="1400"/>
-              <a:t> - a Python binding for the nodejs HTTP parser.</a:t>
-            </a:r>
-            <a:br>
-              <a:rPr lang="en-US" sz="1400"/>
-            </a:br>
-            <a:r>
-              <a:rPr lang="en-US" sz="1400"/>
-              <a:t> - </a:t>
-            </a:r>
-            <a:r>
-              <a:rPr lang="en-US" sz="1400">
-                <a:hlinkClick r:id="rId8"/>
-              </a:rPr>
-              <a:t>https://github.com/MagicStack/httptools</a:t>
-            </a:r>
-            <a:endParaRPr lang="en-US" sz="1400"/>
-          </a:p>
-        </p:txBody>
-      </p:sp>
-      <p:sp>
-        <p:nvSpPr>
-          <p:cNvPr id="8" name="TextBox 7">
-            <a:extLst>
-              <a:ext uri="{FF2B5EF4-FFF2-40B4-BE49-F238E27FC236}">
-                <a16:creationId xmlns:a16="http://schemas.microsoft.com/office/drawing/2014/main" id="{4FBA3E77-630E-2D41-A54A-79B17C8AE873}"/>
-              </a:ext>
-            </a:extLst>
-          </p:cNvPr>
-          <p:cNvSpPr txBox="1"/>
-          <p:nvPr/>
-        </p:nvSpPr>
-        <p:spPr>
-          <a:xfrm>
-            <a:off x="1" y="435592"/>
-            <a:ext cx="5499652" cy="738664"/>
-          </a:xfrm>
-          <a:prstGeom prst="rect">
-            <a:avLst/>
-          </a:prstGeom>
-          <a:noFill/>
-        </p:spPr>
-        <p:txBody>
-          <a:bodyPr wrap="square" rtlCol="0">
-            <a:spAutoFit/>
-          </a:bodyPr>
-          <a:lstStyle/>
-          <a:p>
-            <a:r>
-              <a:rPr lang="en-US" b="1"/>
-              <a:t>fast web framework for building APIs with Python 3.6+ </a:t>
-            </a:r>
-            <a:endParaRPr lang="en-US" sz="1200" b="1"/>
-          </a:p>
-          <a:p>
-            <a:r>
-              <a:rPr lang="en-US" sz="1200" b="1"/>
-              <a:t>Documentation</a:t>
-            </a:r>
-            <a:r>
-              <a:rPr lang="en-US" sz="1200"/>
-              <a:t>: </a:t>
-            </a:r>
-            <a:r>
-              <a:rPr lang="en-US" sz="1200">
-                <a:hlinkClick r:id="rId9"/>
-              </a:rPr>
-              <a:t>https://fastapi.tiangolo.com</a:t>
-            </a:r>
-            <a:endParaRPr lang="en-US" sz="1200"/>
-          </a:p>
-          <a:p>
-            <a:r>
-              <a:rPr lang="en-US" sz="1200" b="1"/>
-              <a:t>Source Code</a:t>
-            </a:r>
-            <a:r>
-              <a:rPr lang="en-US" sz="1200"/>
-              <a:t>: </a:t>
-            </a:r>
-            <a:r>
-              <a:rPr lang="en-US" sz="1200">
-                <a:hlinkClick r:id="rId10"/>
-              </a:rPr>
-              <a:t>https://github.com/tiangolo/fastapi</a:t>
-            </a:r>
-            <a:endParaRPr lang="en-US" sz="1200"/>
-          </a:p>
-        </p:txBody>
-      </p:sp>
-      <p:sp>
-        <p:nvSpPr>
-          <p:cNvPr id="9" name="TextBox 8">
-            <a:extLst>
-              <a:ext uri="{FF2B5EF4-FFF2-40B4-BE49-F238E27FC236}">
-                <a16:creationId xmlns:a16="http://schemas.microsoft.com/office/drawing/2014/main" id="{F888224A-4820-5E44-ACAD-3C9D8216FF20}"/>
-              </a:ext>
-            </a:extLst>
-          </p:cNvPr>
-          <p:cNvSpPr txBox="1"/>
-          <p:nvPr/>
-        </p:nvSpPr>
-        <p:spPr>
-          <a:xfrm>
-            <a:off x="6842475" y="914949"/>
-            <a:ext cx="4938793" cy="3600986"/>
-          </a:xfrm>
-          <a:prstGeom prst="rect">
-            <a:avLst/>
-          </a:prstGeom>
-          <a:solidFill>
-            <a:schemeClr val="accent4">
-              <a:lumMod val="20000"/>
-              <a:lumOff val="80000"/>
-            </a:schemeClr>
-          </a:solidFill>
-        </p:spPr>
-        <p:txBody>
-          <a:bodyPr wrap="square" rtlCol="0">
-            <a:spAutoFit/>
-          </a:bodyPr>
-          <a:lstStyle/>
-          <a:p>
-            <a:r>
-              <a:rPr lang="en-US" b="1">
-                <a:solidFill>
-                  <a:srgbClr val="00B050"/>
-                </a:solidFill>
-              </a:rPr>
-              <a:t>Comparing with Flask</a:t>
-            </a:r>
-          </a:p>
-          <a:p>
-            <a:r>
-              <a:rPr lang="en-US" sz="1400">
-                <a:hlinkClick r:id="rId11"/>
-              </a:rPr>
-              <a:t>https://towardsdatascience.com/understanding-flask-vs-fastapi-web-framework-fe12bb58ee75</a:t>
-            </a:r>
-            <a:endParaRPr lang="en-US" sz="1400"/>
-          </a:p>
-          <a:p>
-            <a:endParaRPr lang="en-US" sz="1400"/>
-          </a:p>
-          <a:p>
-            <a:r>
-              <a:rPr lang="en-US" sz="1400" b="1">
-                <a:solidFill>
-                  <a:srgbClr val="00B050"/>
-                </a:solidFill>
-              </a:rPr>
-              <a:t>Flask</a:t>
-            </a:r>
-            <a:r>
-              <a:rPr lang="en-US" sz="1400"/>
-              <a:t> (since 2010) is a micro web framework written in python. </a:t>
-            </a:r>
-          </a:p>
-          <a:p>
-            <a:pPr marL="285750" indent="-285750">
-              <a:buFont typeface="Arial" panose="020B0604020202020204" pitchFamily="34" charset="0"/>
-              <a:buChar char="•"/>
-            </a:pPr>
-            <a:r>
-              <a:rPr lang="en-US" sz="1400"/>
-              <a:t>minimal amount of coding required</a:t>
-            </a:r>
-          </a:p>
-          <a:p>
-            <a:pPr marL="285750" indent="-285750">
-              <a:buFont typeface="Arial" panose="020B0604020202020204" pitchFamily="34" charset="0"/>
-              <a:buChar char="•"/>
-            </a:pPr>
-            <a:r>
-              <a:rPr lang="en-US" sz="1400"/>
-              <a:t>easy to setup, flexible, fast to deploy</a:t>
-            </a:r>
-          </a:p>
-          <a:p>
-            <a:pPr marL="285750" indent="-285750">
-              <a:buFont typeface="Arial" panose="020B0604020202020204" pitchFamily="34" charset="0"/>
-              <a:buChar char="•"/>
-            </a:pPr>
-            <a:r>
-              <a:rPr lang="en-US" sz="1400"/>
-              <a:t>built on WSGI (Python Web Server Gateway Interface) </a:t>
-            </a:r>
-            <a:br>
-              <a:rPr lang="en-US" sz="1400"/>
-            </a:br>
-            <a:r>
-              <a:rPr lang="en-US" sz="1400"/>
-              <a:t>whereby the server will tie up a worker for each request.</a:t>
-            </a:r>
-          </a:p>
-          <a:p>
-            <a:endParaRPr lang="en-US" sz="1400"/>
-          </a:p>
-          <a:p>
-            <a:r>
-              <a:rPr lang="en-US" sz="1400" b="1">
-                <a:solidFill>
-                  <a:srgbClr val="00B050"/>
-                </a:solidFill>
-              </a:rPr>
-              <a:t>FastAPI</a:t>
-            </a:r>
-            <a:r>
-              <a:rPr lang="en-US" sz="1400"/>
-              <a:t> (since 2018) – similar to Flask, but:</a:t>
-            </a:r>
-          </a:p>
-          <a:p>
-            <a:pPr marL="285750" indent="-285750">
-              <a:buFont typeface="Arial" panose="020B0604020202020204" pitchFamily="34" charset="0"/>
-              <a:buChar char="•"/>
-            </a:pPr>
-            <a:r>
-              <a:rPr lang="en-US" sz="1400"/>
-              <a:t>is faster than Flask because it is built on ASGI (Asynchronous Server Gateway Interface), whereby it supports concurrency / asynchronous code.</a:t>
-            </a:r>
-          </a:p>
-          <a:p>
-            <a:pPr marL="285750" indent="-285750">
-              <a:buFont typeface="Arial" panose="020B0604020202020204" pitchFamily="34" charset="0"/>
-              <a:buChar char="•"/>
-            </a:pPr>
-            <a:r>
-              <a:rPr lang="en-US" sz="1400"/>
-              <a:t>generates documentation</a:t>
-            </a:r>
-          </a:p>
-          <a:p>
-            <a:pPr marL="285750" indent="-285750">
-              <a:buFont typeface="Arial" panose="020B0604020202020204" pitchFamily="34" charset="0"/>
-              <a:buChar char="•"/>
-            </a:pPr>
-            <a:r>
-              <a:rPr lang="en-US" sz="1400"/>
-              <a:t>creates interactive GUI (Swagger UI) for testing</a:t>
-            </a:r>
-          </a:p>
-        </p:txBody>
-      </p:sp>
-      <p:sp>
-        <p:nvSpPr>
-          <p:cNvPr id="10" name="TextBox 9">
-            <a:extLst>
-              <a:ext uri="{FF2B5EF4-FFF2-40B4-BE49-F238E27FC236}">
-                <a16:creationId xmlns:a16="http://schemas.microsoft.com/office/drawing/2014/main" id="{6CA9B170-E53C-824A-AA52-9C48C8B6858A}"/>
-              </a:ext>
-            </a:extLst>
-          </p:cNvPr>
-          <p:cNvSpPr txBox="1"/>
-          <p:nvPr/>
-        </p:nvSpPr>
-        <p:spPr>
-          <a:xfrm>
-            <a:off x="6717256" y="5943051"/>
-            <a:ext cx="5189229" cy="523220"/>
-          </a:xfrm>
-          <a:prstGeom prst="rect">
-            <a:avLst/>
-          </a:prstGeom>
-          <a:noFill/>
-        </p:spPr>
-        <p:txBody>
-          <a:bodyPr wrap="square" rtlCol="0">
-            <a:spAutoFit/>
-          </a:bodyPr>
-          <a:lstStyle/>
-          <a:p>
-            <a:r>
-              <a:rPr lang="en-US" sz="1400"/>
-              <a:t>Note:</a:t>
-            </a:r>
-          </a:p>
-          <a:p>
-            <a:r>
-              <a:rPr lang="en-US" sz="1400"/>
-              <a:t>Azure, AWS, and Google cloud – all offers Load Balancing solutions.</a:t>
-            </a:r>
-          </a:p>
-        </p:txBody>
-      </p:sp>
-    </p:spTree>
-    <p:extLst>
-      <p:ext uri="{BB962C8B-B14F-4D97-AF65-F5344CB8AC3E}">
-        <p14:creationId xmlns:p14="http://schemas.microsoft.com/office/powerpoint/2010/main" val="2316672566"/>
       </p:ext>
     </p:extLst>
   </p:cSld>

--- a/DA_13_miscellaneous.pptx
+++ b/DA_13_miscellaneous.pptx
@@ -5,7 +5,7 @@
     <p:sldMasterId id="2147483648" r:id="rId1"/>
   </p:sldMasterIdLst>
   <p:notesMasterIdLst>
-    <p:notesMasterId r:id="rId15"/>
+    <p:notesMasterId r:id="rId16"/>
   </p:notesMasterIdLst>
   <p:sldIdLst>
     <p:sldId id="260" r:id="rId2"/>
@@ -21,6 +21,7 @@
     <p:sldId id="266" r:id="rId12"/>
     <p:sldId id="267" r:id="rId13"/>
     <p:sldId id="268" r:id="rId14"/>
+    <p:sldId id="269" r:id="rId15"/>
   </p:sldIdLst>
   <p:sldSz cx="12192000" cy="6858000"/>
   <p:notesSz cx="6858000" cy="9144000"/>
@@ -209,7 +210,7 @@
           <a:p>
             <a:fld id="{C2E15B94-D9E4-E149-8081-23A720D1EE5F}" type="datetimeFigureOut">
               <a:rPr lang="en-US" smtClean="0"/>
-              <a:t>12/10/21</a:t>
+              <a:t>12/11/21</a:t>
             </a:fld>
             <a:endParaRPr lang="en-US"/>
           </a:p>
@@ -623,7 +624,7 @@
           <a:p>
             <a:fld id="{FBD852D7-E694-214E-8A12-510E0A0329D2}" type="datetimeFigureOut">
               <a:rPr lang="en-US" smtClean="0"/>
-              <a:t>12/10/21</a:t>
+              <a:t>12/11/21</a:t>
             </a:fld>
             <a:endParaRPr lang="en-US"/>
           </a:p>
@@ -821,7 +822,7 @@
           <a:p>
             <a:fld id="{FBD852D7-E694-214E-8A12-510E0A0329D2}" type="datetimeFigureOut">
               <a:rPr lang="en-US" smtClean="0"/>
-              <a:t>12/10/21</a:t>
+              <a:t>12/11/21</a:t>
             </a:fld>
             <a:endParaRPr lang="en-US"/>
           </a:p>
@@ -1029,7 +1030,7 @@
           <a:p>
             <a:fld id="{FBD852D7-E694-214E-8A12-510E0A0329D2}" type="datetimeFigureOut">
               <a:rPr lang="en-US" smtClean="0"/>
-              <a:t>12/10/21</a:t>
+              <a:t>12/11/21</a:t>
             </a:fld>
             <a:endParaRPr lang="en-US"/>
           </a:p>
@@ -1227,7 +1228,7 @@
           <a:p>
             <a:fld id="{FBD852D7-E694-214E-8A12-510E0A0329D2}" type="datetimeFigureOut">
               <a:rPr lang="en-US" smtClean="0"/>
-              <a:t>12/10/21</a:t>
+              <a:t>12/11/21</a:t>
             </a:fld>
             <a:endParaRPr lang="en-US"/>
           </a:p>
@@ -1502,7 +1503,7 @@
           <a:p>
             <a:fld id="{FBD852D7-E694-214E-8A12-510E0A0329D2}" type="datetimeFigureOut">
               <a:rPr lang="en-US" smtClean="0"/>
-              <a:t>12/10/21</a:t>
+              <a:t>12/11/21</a:t>
             </a:fld>
             <a:endParaRPr lang="en-US"/>
           </a:p>
@@ -1767,7 +1768,7 @@
           <a:p>
             <a:fld id="{FBD852D7-E694-214E-8A12-510E0A0329D2}" type="datetimeFigureOut">
               <a:rPr lang="en-US" smtClean="0"/>
-              <a:t>12/10/21</a:t>
+              <a:t>12/11/21</a:t>
             </a:fld>
             <a:endParaRPr lang="en-US"/>
           </a:p>
@@ -2179,7 +2180,7 @@
           <a:p>
             <a:fld id="{FBD852D7-E694-214E-8A12-510E0A0329D2}" type="datetimeFigureOut">
               <a:rPr lang="en-US" smtClean="0"/>
-              <a:t>12/10/21</a:t>
+              <a:t>12/11/21</a:t>
             </a:fld>
             <a:endParaRPr lang="en-US"/>
           </a:p>
@@ -2320,7 +2321,7 @@
           <a:p>
             <a:fld id="{FBD852D7-E694-214E-8A12-510E0A0329D2}" type="datetimeFigureOut">
               <a:rPr lang="en-US" smtClean="0"/>
-              <a:t>12/10/21</a:t>
+              <a:t>12/11/21</a:t>
             </a:fld>
             <a:endParaRPr lang="en-US"/>
           </a:p>
@@ -2433,7 +2434,7 @@
           <a:p>
             <a:fld id="{FBD852D7-E694-214E-8A12-510E0A0329D2}" type="datetimeFigureOut">
               <a:rPr lang="en-US" smtClean="0"/>
-              <a:t>12/10/21</a:t>
+              <a:t>12/11/21</a:t>
             </a:fld>
             <a:endParaRPr lang="en-US"/>
           </a:p>
@@ -2744,7 +2745,7 @@
           <a:p>
             <a:fld id="{FBD852D7-E694-214E-8A12-510E0A0329D2}" type="datetimeFigureOut">
               <a:rPr lang="en-US" smtClean="0"/>
-              <a:t>12/10/21</a:t>
+              <a:t>12/11/21</a:t>
             </a:fld>
             <a:endParaRPr lang="en-US"/>
           </a:p>
@@ -3032,7 +3033,7 @@
           <a:p>
             <a:fld id="{FBD852D7-E694-214E-8A12-510E0A0329D2}" type="datetimeFigureOut">
               <a:rPr lang="en-US" smtClean="0"/>
-              <a:t>12/10/21</a:t>
+              <a:t>12/11/21</a:t>
             </a:fld>
             <a:endParaRPr lang="en-US"/>
           </a:p>
@@ -3273,7 +3274,7 @@
           <a:p>
             <a:fld id="{FBD852D7-E694-214E-8A12-510E0A0329D2}" type="datetimeFigureOut">
               <a:rPr lang="en-US" smtClean="0"/>
-              <a:t>12/10/21</a:t>
+              <a:t>12/11/21</a:t>
             </a:fld>
             <a:endParaRPr lang="en-US"/>
           </a:p>
@@ -6214,6 +6215,315 @@
     <p:extLst>
       <p:ext uri="{BB962C8B-B14F-4D97-AF65-F5344CB8AC3E}">
         <p14:creationId xmlns:p14="http://schemas.microsoft.com/office/powerpoint/2010/main" val="831303564"/>
+      </p:ext>
+    </p:extLst>
+  </p:cSld>
+  <p:clrMapOvr>
+    <a:masterClrMapping/>
+  </p:clrMapOvr>
+</p:sld>
+</file>
+
+<file path=ppt/slides/slide14.xml><?xml version="1.0" encoding="utf-8"?>
+<p:sld xmlns:a="http://schemas.openxmlformats.org/drawingml/2006/main" xmlns:r="http://schemas.openxmlformats.org/officeDocument/2006/relationships" xmlns:p="http://schemas.openxmlformats.org/presentationml/2006/main">
+  <p:cSld>
+    <p:spTree>
+      <p:nvGrpSpPr>
+        <p:cNvPr id="1" name=""/>
+        <p:cNvGrpSpPr/>
+        <p:nvPr/>
+      </p:nvGrpSpPr>
+      <p:grpSpPr>
+        <a:xfrm>
+          <a:off x="0" y="0"/>
+          <a:ext cx="0" cy="0"/>
+          <a:chOff x="0" y="0"/>
+          <a:chExt cx="0" cy="0"/>
+        </a:xfrm>
+      </p:grpSpPr>
+      <p:sp>
+        <p:nvSpPr>
+          <p:cNvPr id="2" name="TextBox 1">
+            <a:extLst>
+              <a:ext uri="{FF2B5EF4-FFF2-40B4-BE49-F238E27FC236}">
+                <a16:creationId xmlns:a16="http://schemas.microsoft.com/office/drawing/2014/main" id="{B47F9670-8FF2-2247-BB2D-FC401EB54626}"/>
+              </a:ext>
+            </a:extLst>
+          </p:cNvPr>
+          <p:cNvSpPr txBox="1"/>
+          <p:nvPr/>
+        </p:nvSpPr>
+        <p:spPr>
+          <a:xfrm>
+            <a:off x="0" y="0"/>
+            <a:ext cx="3175000" cy="800219"/>
+          </a:xfrm>
+          <a:prstGeom prst="rect">
+            <a:avLst/>
+          </a:prstGeom>
+          <a:noFill/>
+        </p:spPr>
+        <p:txBody>
+          <a:bodyPr wrap="square" rtlCol="0">
+            <a:spAutoFit/>
+          </a:bodyPr>
+          <a:lstStyle/>
+          <a:p>
+            <a:r>
+              <a:rPr lang="en-US" sz="2800" b="1"/>
+              <a:t>ArXiv.org</a:t>
+            </a:r>
+          </a:p>
+          <a:p>
+            <a:r>
+              <a:rPr lang="en-US"/>
+              <a:t>Cornell University</a:t>
+            </a:r>
+          </a:p>
+        </p:txBody>
+      </p:sp>
+      <p:sp>
+        <p:nvSpPr>
+          <p:cNvPr id="3" name="TextBox 2">
+            <a:extLst>
+              <a:ext uri="{FF2B5EF4-FFF2-40B4-BE49-F238E27FC236}">
+                <a16:creationId xmlns:a16="http://schemas.microsoft.com/office/drawing/2014/main" id="{9A4F0690-5DA3-2444-8E84-A51406E7868E}"/>
+              </a:ext>
+            </a:extLst>
+          </p:cNvPr>
+          <p:cNvSpPr txBox="1"/>
+          <p:nvPr/>
+        </p:nvSpPr>
+        <p:spPr>
+          <a:xfrm>
+            <a:off x="0" y="800219"/>
+            <a:ext cx="7330698" cy="1200329"/>
+          </a:xfrm>
+          <a:prstGeom prst="rect">
+            <a:avLst/>
+          </a:prstGeom>
+          <a:noFill/>
+        </p:spPr>
+        <p:txBody>
+          <a:bodyPr wrap="square" rtlCol="0">
+            <a:spAutoFit/>
+          </a:bodyPr>
+          <a:lstStyle/>
+          <a:p>
+            <a:r>
+              <a:rPr lang="en-US"/>
+              <a:t>arXiv is a free distribution service and an open-access archive </a:t>
+            </a:r>
+          </a:p>
+          <a:p>
+            <a:r>
+              <a:rPr lang="en-US"/>
+              <a:t>for ~ 2 Mln scholarly articles (physics, math, CS, biology, finance, statistics, electrical engineering and systems science, and economics).</a:t>
+            </a:r>
+          </a:p>
+          <a:p>
+            <a:r>
+              <a:rPr lang="en-US"/>
+              <a:t> Materials are NOT peer-reviewed by arXiv.</a:t>
+            </a:r>
+          </a:p>
+        </p:txBody>
+      </p:sp>
+      <p:pic>
+        <p:nvPicPr>
+          <p:cNvPr id="4" name="Picture 3">
+            <a:extLst>
+              <a:ext uri="{FF2B5EF4-FFF2-40B4-BE49-F238E27FC236}">
+                <a16:creationId xmlns:a16="http://schemas.microsoft.com/office/drawing/2014/main" id="{7E515032-666A-0E4F-AB74-148A2B61FEB8}"/>
+              </a:ext>
+            </a:extLst>
+          </p:cNvPr>
+          <p:cNvPicPr>
+            <a:picLocks noChangeAspect="1"/>
+          </p:cNvPicPr>
+          <p:nvPr/>
+        </p:nvPicPr>
+        <p:blipFill>
+          <a:blip r:embed="rId2" cstate="email">
+            <a:extLst>
+              <a:ext uri="{28A0092B-C50C-407E-A947-70E740481C1C}">
+                <a14:useLocalDpi xmlns:a14="http://schemas.microsoft.com/office/drawing/2010/main"/>
+              </a:ext>
+            </a:extLst>
+          </a:blip>
+          <a:stretch>
+            <a:fillRect/>
+          </a:stretch>
+        </p:blipFill>
+        <p:spPr>
+          <a:xfrm>
+            <a:off x="80415" y="2127227"/>
+            <a:ext cx="4176671" cy="3231397"/>
+          </a:xfrm>
+          <a:prstGeom prst="rect">
+            <a:avLst/>
+          </a:prstGeom>
+        </p:spPr>
+      </p:pic>
+      <p:pic>
+        <p:nvPicPr>
+          <p:cNvPr id="5" name="Picture 4">
+            <a:extLst>
+              <a:ext uri="{FF2B5EF4-FFF2-40B4-BE49-F238E27FC236}">
+                <a16:creationId xmlns:a16="http://schemas.microsoft.com/office/drawing/2014/main" id="{A7A2DDFA-CE90-954D-A38E-4EC4325D906E}"/>
+              </a:ext>
+            </a:extLst>
+          </p:cNvPr>
+          <p:cNvPicPr>
+            <a:picLocks noChangeAspect="1"/>
+          </p:cNvPicPr>
+          <p:nvPr/>
+        </p:nvPicPr>
+        <p:blipFill>
+          <a:blip r:embed="rId3" cstate="email">
+            <a:extLst>
+              <a:ext uri="{28A0092B-C50C-407E-A947-70E740481C1C}">
+                <a14:useLocalDpi xmlns:a14="http://schemas.microsoft.com/office/drawing/2010/main"/>
+              </a:ext>
+            </a:extLst>
+          </a:blip>
+          <a:stretch>
+            <a:fillRect/>
+          </a:stretch>
+        </p:blipFill>
+        <p:spPr>
+          <a:xfrm>
+            <a:off x="9701819" y="165100"/>
+            <a:ext cx="2335198" cy="2500608"/>
+          </a:xfrm>
+          <a:prstGeom prst="rect">
+            <a:avLst/>
+          </a:prstGeom>
+        </p:spPr>
+      </p:pic>
+      <p:sp>
+        <p:nvSpPr>
+          <p:cNvPr id="6" name="TextBox 5">
+            <a:extLst>
+              <a:ext uri="{FF2B5EF4-FFF2-40B4-BE49-F238E27FC236}">
+                <a16:creationId xmlns:a16="http://schemas.microsoft.com/office/drawing/2014/main" id="{0EC67B78-56A7-BF4D-9F24-2781D2626549}"/>
+              </a:ext>
+            </a:extLst>
+          </p:cNvPr>
+          <p:cNvSpPr txBox="1"/>
+          <p:nvPr/>
+        </p:nvSpPr>
+        <p:spPr>
+          <a:xfrm>
+            <a:off x="9608831" y="2665708"/>
+            <a:ext cx="2521177" cy="1077218"/>
+          </a:xfrm>
+          <a:prstGeom prst="rect">
+            <a:avLst/>
+          </a:prstGeom>
+          <a:noFill/>
+        </p:spPr>
+        <p:txBody>
+          <a:bodyPr wrap="square" rtlCol="0">
+            <a:spAutoFit/>
+          </a:bodyPr>
+          <a:lstStyle/>
+          <a:p>
+            <a:pPr algn="ctr"/>
+            <a:r>
+              <a:rPr lang="en-US" sz="2800" b="1">
+                <a:solidFill>
+                  <a:srgbClr val="00B050"/>
+                </a:solidFill>
+              </a:rPr>
+              <a:t>Paul Ginsparg</a:t>
+            </a:r>
+          </a:p>
+          <a:p>
+            <a:pPr algn="ctr"/>
+            <a:r>
+              <a:rPr lang="en-US"/>
+              <a:t>Cornell Physics Professor</a:t>
+            </a:r>
+          </a:p>
+          <a:p>
+            <a:pPr algn="ctr"/>
+            <a:r>
+              <a:rPr lang="en-US"/>
+              <a:t>Started arXiv in 1991</a:t>
+            </a:r>
+          </a:p>
+        </p:txBody>
+      </p:sp>
+      <p:sp>
+        <p:nvSpPr>
+          <p:cNvPr id="7" name="TextBox 6">
+            <a:extLst>
+              <a:ext uri="{FF2B5EF4-FFF2-40B4-BE49-F238E27FC236}">
+                <a16:creationId xmlns:a16="http://schemas.microsoft.com/office/drawing/2014/main" id="{B3D9A2A6-A21E-0D4F-B691-1CF6350B801C}"/>
+              </a:ext>
+            </a:extLst>
+          </p:cNvPr>
+          <p:cNvSpPr txBox="1"/>
+          <p:nvPr/>
+        </p:nvSpPr>
+        <p:spPr>
+          <a:xfrm>
+            <a:off x="4494508" y="4107577"/>
+            <a:ext cx="7542509" cy="2585323"/>
+          </a:xfrm>
+          <a:prstGeom prst="rect">
+            <a:avLst/>
+          </a:prstGeom>
+          <a:noFill/>
+        </p:spPr>
+        <p:txBody>
+          <a:bodyPr wrap="square" rtlCol="0">
+            <a:spAutoFit/>
+          </a:bodyPr>
+          <a:lstStyle/>
+          <a:p>
+            <a:r>
+              <a:rPr lang="en-US"/>
+              <a:t>In 1989, Joanne Cohn, a physicist then at the Institute for Advanced Study, began distributing TeX files of string theory papers via email. </a:t>
+            </a:r>
+          </a:p>
+          <a:p>
+            <a:r>
+              <a:rPr lang="en-US"/>
+              <a:t>By August of 1991, the email list had grown to 180 physicists—an unwieldy number for Cohn to individually respond to requests for papers. </a:t>
+            </a:r>
+          </a:p>
+          <a:p>
+            <a:r>
+              <a:rPr lang="en-US"/>
+              <a:t>As Cohn recounts, a young physicist then at Los Alamos National Laboratory offered to automate the list, and arXiv was born. </a:t>
+            </a:r>
+          </a:p>
+          <a:p>
+            <a:r>
+              <a:rPr lang="en-US"/>
+              <a:t>“Day one, something happened, day two, something happened. Day three, Ed Witten posted a paper,” said Cornell University physicist </a:t>
+            </a:r>
+            <a:r>
+              <a:rPr lang="en-US" b="1">
+                <a:solidFill>
+                  <a:srgbClr val="00B050"/>
+                </a:solidFill>
+              </a:rPr>
+              <a:t>Paul Ginsparg</a:t>
+            </a:r>
+            <a:r>
+              <a:rPr lang="en-US"/>
+              <a:t>, founder of arXiv.org. “That was when the entire community joined.”</a:t>
+            </a:r>
+          </a:p>
+        </p:txBody>
+      </p:sp>
+    </p:spTree>
+    <p:extLst>
+      <p:ext uri="{BB962C8B-B14F-4D97-AF65-F5344CB8AC3E}">
+        <p14:creationId xmlns:p14="http://schemas.microsoft.com/office/powerpoint/2010/main" val="1733981946"/>
       </p:ext>
     </p:extLst>
   </p:cSld>

--- a/DA_13_miscellaneous.pptx
+++ b/DA_13_miscellaneous.pptx
@@ -5,7 +5,7 @@
     <p:sldMasterId id="2147483648" r:id="rId1"/>
   </p:sldMasterIdLst>
   <p:notesMasterIdLst>
-    <p:notesMasterId r:id="rId16"/>
+    <p:notesMasterId r:id="rId18"/>
   </p:notesMasterIdLst>
   <p:sldIdLst>
     <p:sldId id="260" r:id="rId2"/>
@@ -22,6 +22,8 @@
     <p:sldId id="267" r:id="rId13"/>
     <p:sldId id="268" r:id="rId14"/>
     <p:sldId id="269" r:id="rId15"/>
+    <p:sldId id="270" r:id="rId16"/>
+    <p:sldId id="271" r:id="rId17"/>
   </p:sldIdLst>
   <p:sldSz cx="12192000" cy="6858000"/>
   <p:notesSz cx="6858000" cy="9144000"/>
@@ -210,7 +212,7 @@
           <a:p>
             <a:fld id="{C2E15B94-D9E4-E149-8081-23A720D1EE5F}" type="datetimeFigureOut">
               <a:rPr lang="en-US" smtClean="0"/>
-              <a:t>12/11/21</a:t>
+              <a:t>12/15/21</a:t>
             </a:fld>
             <a:endParaRPr lang="en-US"/>
           </a:p>
@@ -624,7 +626,7 @@
           <a:p>
             <a:fld id="{FBD852D7-E694-214E-8A12-510E0A0329D2}" type="datetimeFigureOut">
               <a:rPr lang="en-US" smtClean="0"/>
-              <a:t>12/11/21</a:t>
+              <a:t>12/15/21</a:t>
             </a:fld>
             <a:endParaRPr lang="en-US"/>
           </a:p>
@@ -822,7 +824,7 @@
           <a:p>
             <a:fld id="{FBD852D7-E694-214E-8A12-510E0A0329D2}" type="datetimeFigureOut">
               <a:rPr lang="en-US" smtClean="0"/>
-              <a:t>12/11/21</a:t>
+              <a:t>12/15/21</a:t>
             </a:fld>
             <a:endParaRPr lang="en-US"/>
           </a:p>
@@ -1030,7 +1032,7 @@
           <a:p>
             <a:fld id="{FBD852D7-E694-214E-8A12-510E0A0329D2}" type="datetimeFigureOut">
               <a:rPr lang="en-US" smtClean="0"/>
-              <a:t>12/11/21</a:t>
+              <a:t>12/15/21</a:t>
             </a:fld>
             <a:endParaRPr lang="en-US"/>
           </a:p>
@@ -1228,7 +1230,7 @@
           <a:p>
             <a:fld id="{FBD852D7-E694-214E-8A12-510E0A0329D2}" type="datetimeFigureOut">
               <a:rPr lang="en-US" smtClean="0"/>
-              <a:t>12/11/21</a:t>
+              <a:t>12/15/21</a:t>
             </a:fld>
             <a:endParaRPr lang="en-US"/>
           </a:p>
@@ -1503,7 +1505,7 @@
           <a:p>
             <a:fld id="{FBD852D7-E694-214E-8A12-510E0A0329D2}" type="datetimeFigureOut">
               <a:rPr lang="en-US" smtClean="0"/>
-              <a:t>12/11/21</a:t>
+              <a:t>12/15/21</a:t>
             </a:fld>
             <a:endParaRPr lang="en-US"/>
           </a:p>
@@ -1768,7 +1770,7 @@
           <a:p>
             <a:fld id="{FBD852D7-E694-214E-8A12-510E0A0329D2}" type="datetimeFigureOut">
               <a:rPr lang="en-US" smtClean="0"/>
-              <a:t>12/11/21</a:t>
+              <a:t>12/15/21</a:t>
             </a:fld>
             <a:endParaRPr lang="en-US"/>
           </a:p>
@@ -2180,7 +2182,7 @@
           <a:p>
             <a:fld id="{FBD852D7-E694-214E-8A12-510E0A0329D2}" type="datetimeFigureOut">
               <a:rPr lang="en-US" smtClean="0"/>
-              <a:t>12/11/21</a:t>
+              <a:t>12/15/21</a:t>
             </a:fld>
             <a:endParaRPr lang="en-US"/>
           </a:p>
@@ -2321,7 +2323,7 @@
           <a:p>
             <a:fld id="{FBD852D7-E694-214E-8A12-510E0A0329D2}" type="datetimeFigureOut">
               <a:rPr lang="en-US" smtClean="0"/>
-              <a:t>12/11/21</a:t>
+              <a:t>12/15/21</a:t>
             </a:fld>
             <a:endParaRPr lang="en-US"/>
           </a:p>
@@ -2434,7 +2436,7 @@
           <a:p>
             <a:fld id="{FBD852D7-E694-214E-8A12-510E0A0329D2}" type="datetimeFigureOut">
               <a:rPr lang="en-US" smtClean="0"/>
-              <a:t>12/11/21</a:t>
+              <a:t>12/15/21</a:t>
             </a:fld>
             <a:endParaRPr lang="en-US"/>
           </a:p>
@@ -2745,7 +2747,7 @@
           <a:p>
             <a:fld id="{FBD852D7-E694-214E-8A12-510E0A0329D2}" type="datetimeFigureOut">
               <a:rPr lang="en-US" smtClean="0"/>
-              <a:t>12/11/21</a:t>
+              <a:t>12/15/21</a:t>
             </a:fld>
             <a:endParaRPr lang="en-US"/>
           </a:p>
@@ -3033,7 +3035,7 @@
           <a:p>
             <a:fld id="{FBD852D7-E694-214E-8A12-510E0A0329D2}" type="datetimeFigureOut">
               <a:rPr lang="en-US" smtClean="0"/>
-              <a:t>12/11/21</a:t>
+              <a:t>12/15/21</a:t>
             </a:fld>
             <a:endParaRPr lang="en-US"/>
           </a:p>
@@ -3274,7 +3276,7 @@
           <a:p>
             <a:fld id="{FBD852D7-E694-214E-8A12-510E0A0329D2}" type="datetimeFigureOut">
               <a:rPr lang="en-US" smtClean="0"/>
-              <a:t>12/11/21</a:t>
+              <a:t>12/15/21</a:t>
             </a:fld>
             <a:endParaRPr lang="en-US"/>
           </a:p>
@@ -6524,6 +6526,770 @@
     <p:extLst>
       <p:ext uri="{BB962C8B-B14F-4D97-AF65-F5344CB8AC3E}">
         <p14:creationId xmlns:p14="http://schemas.microsoft.com/office/powerpoint/2010/main" val="1733981946"/>
+      </p:ext>
+    </p:extLst>
+  </p:cSld>
+  <p:clrMapOvr>
+    <a:masterClrMapping/>
+  </p:clrMapOvr>
+</p:sld>
+</file>
+
+<file path=ppt/slides/slide15.xml><?xml version="1.0" encoding="utf-8"?>
+<p:sld xmlns:a="http://schemas.openxmlformats.org/drawingml/2006/main" xmlns:r="http://schemas.openxmlformats.org/officeDocument/2006/relationships" xmlns:p="http://schemas.openxmlformats.org/presentationml/2006/main">
+  <p:cSld>
+    <p:spTree>
+      <p:nvGrpSpPr>
+        <p:cNvPr id="1" name=""/>
+        <p:cNvGrpSpPr/>
+        <p:nvPr/>
+      </p:nvGrpSpPr>
+      <p:grpSpPr>
+        <a:xfrm>
+          <a:off x="0" y="0"/>
+          <a:ext cx="0" cy="0"/>
+          <a:chOff x="0" y="0"/>
+          <a:chExt cx="0" cy="0"/>
+        </a:xfrm>
+      </p:grpSpPr>
+      <p:sp>
+        <p:nvSpPr>
+          <p:cNvPr id="2" name="TextBox 1">
+            <a:extLst>
+              <a:ext uri="{FF2B5EF4-FFF2-40B4-BE49-F238E27FC236}">
+                <a16:creationId xmlns:a16="http://schemas.microsoft.com/office/drawing/2014/main" id="{936A9474-D9B1-9A41-95FF-8FCFE1FCB4A5}"/>
+              </a:ext>
+            </a:extLst>
+          </p:cNvPr>
+          <p:cNvSpPr txBox="1"/>
+          <p:nvPr/>
+        </p:nvSpPr>
+        <p:spPr>
+          <a:xfrm>
+            <a:off x="1359976" y="1056384"/>
+            <a:ext cx="9472048" cy="5139869"/>
+          </a:xfrm>
+          <a:prstGeom prst="rect">
+            <a:avLst/>
+          </a:prstGeom>
+          <a:noFill/>
+        </p:spPr>
+        <p:txBody>
+          <a:bodyPr wrap="square" rtlCol="0">
+            <a:spAutoFit/>
+          </a:bodyPr>
+          <a:lstStyle/>
+          <a:p>
+            <a:r>
+              <a:rPr lang="en-US" b="1">
+                <a:solidFill>
+                  <a:srgbClr val="00B050"/>
+                </a:solidFill>
+              </a:rPr>
+              <a:t>There are multiple ways to use Python on Azure cloud</a:t>
+            </a:r>
+          </a:p>
+          <a:p>
+            <a:endParaRPr lang="en-US"/>
+          </a:p>
+          <a:p>
+            <a:pPr marL="285750" indent="-285750">
+              <a:buFont typeface="Arial" panose="020B0604020202020204" pitchFamily="34" charset="0"/>
+              <a:buChar char="•"/>
+            </a:pPr>
+            <a:r>
+              <a:rPr lang="en-US" b="1">
+                <a:solidFill>
+                  <a:srgbClr val="FF0000"/>
+                </a:solidFill>
+              </a:rPr>
+              <a:t>ML Studio</a:t>
+            </a:r>
+            <a:r>
+              <a:rPr lang="en-US"/>
+              <a:t> (scripts, notebooks, pipelines), </a:t>
+            </a:r>
+            <a:br>
+              <a:rPr lang="en-US"/>
+            </a:br>
+            <a:r>
+              <a:rPr lang="en-US"/>
+              <a:t>use these pipelines from </a:t>
+            </a:r>
+            <a:r>
+              <a:rPr lang="en-US" b="1">
+                <a:solidFill>
+                  <a:srgbClr val="FF0000"/>
+                </a:solidFill>
+              </a:rPr>
+              <a:t>Synapse Integrate</a:t>
+            </a:r>
+            <a:r>
+              <a:rPr lang="en-US"/>
+              <a:t> pipelines:</a:t>
+            </a:r>
+            <a:br>
+              <a:rPr lang="en-US"/>
+            </a:br>
+            <a:r>
+              <a:rPr lang="en-US" sz="1400"/>
+              <a:t> - </a:t>
+            </a:r>
+            <a:r>
+              <a:rPr lang="en-US" sz="1400">
+                <a:hlinkClick r:id="rId2"/>
+              </a:rPr>
+              <a:t>https://docs.microsoft.com/en-us/azure/machine-learning/concept-ml-pipelines</a:t>
+            </a:r>
+            <a:r>
+              <a:rPr lang="en-US" sz="1400"/>
+              <a:t> - </a:t>
+            </a:r>
+          </a:p>
+          <a:p>
+            <a:pPr marL="285750" indent="-285750">
+              <a:buFont typeface="Arial" panose="020B0604020202020204" pitchFamily="34" charset="0"/>
+              <a:buChar char="•"/>
+            </a:pPr>
+            <a:r>
+              <a:rPr lang="en-US"/>
+              <a:t>using "</a:t>
+            </a:r>
+            <a:r>
+              <a:rPr lang="en-US" b="1">
+                <a:solidFill>
+                  <a:srgbClr val="FF0000"/>
+                </a:solidFill>
+              </a:rPr>
+              <a:t>Azure Batch</a:t>
+            </a:r>
+            <a:r>
+              <a:rPr lang="en-US"/>
+              <a:t>" in </a:t>
+            </a:r>
+            <a:r>
+              <a:rPr lang="en-US" b="1">
+                <a:solidFill>
+                  <a:srgbClr val="FF0000"/>
+                </a:solidFill>
+              </a:rPr>
+              <a:t>ADF</a:t>
+            </a:r>
+            <a:r>
+              <a:rPr lang="en-US"/>
+              <a:t> (Azure Data Factory) or </a:t>
+            </a:r>
+            <a:r>
+              <a:rPr lang="en-US" b="1">
+                <a:solidFill>
+                  <a:srgbClr val="FF0000"/>
+                </a:solidFill>
+              </a:rPr>
+              <a:t>Synapse Integrate</a:t>
+            </a:r>
+            <a:r>
+              <a:rPr lang="en-US"/>
+              <a:t>:</a:t>
+            </a:r>
+            <a:br>
+              <a:rPr lang="en-US"/>
+            </a:br>
+            <a:r>
+              <a:rPr lang="en-US" sz="1400"/>
+              <a:t> - </a:t>
+            </a:r>
+            <a:r>
+              <a:rPr lang="en-US" sz="1400">
+                <a:hlinkClick r:id="rId3"/>
+              </a:rPr>
+              <a:t>https://docs.microsoft.com/en-us/azure/batch/tutorial-run-python-batch-azure-data-factory</a:t>
+            </a:r>
+            <a:r>
+              <a:rPr lang="en-US" sz="1400"/>
+              <a:t> - </a:t>
+            </a:r>
+            <a:br>
+              <a:rPr lang="en-US" sz="1400"/>
+            </a:br>
+            <a:r>
+              <a:rPr lang="en-US" sz="1400"/>
+              <a:t> - </a:t>
+            </a:r>
+            <a:r>
+              <a:rPr lang="en-US" sz="1400">
+                <a:hlinkClick r:id="rId4"/>
+              </a:rPr>
+              <a:t>https://docs.microsoft.com/en-us/answers/questions/595214/execute-the-python-script-from-azure-synapse.html</a:t>
+            </a:r>
+            <a:r>
+              <a:rPr lang="en-US" sz="1400"/>
+              <a:t> - </a:t>
+            </a:r>
+          </a:p>
+          <a:p>
+            <a:pPr marL="285750" indent="-285750">
+              <a:buFont typeface="Arial" panose="020B0604020202020204" pitchFamily="34" charset="0"/>
+              <a:buChar char="•"/>
+            </a:pPr>
+            <a:r>
+              <a:rPr lang="en-US" b="1">
+                <a:solidFill>
+                  <a:srgbClr val="FF0000"/>
+                </a:solidFill>
+              </a:rPr>
+              <a:t>Azure Functions</a:t>
+            </a:r>
+            <a:r>
+              <a:rPr lang="en-US"/>
+              <a:t>:</a:t>
+            </a:r>
+            <a:br>
+              <a:rPr lang="en-US"/>
+            </a:br>
+            <a:r>
+              <a:rPr lang="en-US" sz="1400"/>
+              <a:t> - </a:t>
+            </a:r>
+            <a:r>
+              <a:rPr lang="en-US" sz="1400">
+                <a:hlinkClick r:id="rId5"/>
+              </a:rPr>
+              <a:t>https://docs.microsoft.com/en-us/azure/azure-functions/create-first-function-cli-python</a:t>
+            </a:r>
+            <a:r>
+              <a:rPr lang="en-US" sz="1400"/>
+              <a:t> - </a:t>
+            </a:r>
+          </a:p>
+          <a:p>
+            <a:pPr marL="285750" indent="-285750">
+              <a:buFont typeface="Arial" panose="020B0604020202020204" pitchFamily="34" charset="0"/>
+              <a:buChar char="•"/>
+            </a:pPr>
+            <a:r>
+              <a:rPr lang="en-US" b="1">
+                <a:solidFill>
+                  <a:srgbClr val="FF0000"/>
+                </a:solidFill>
+              </a:rPr>
+              <a:t>Synapse PySpark</a:t>
+            </a:r>
+            <a:r>
+              <a:rPr lang="en-US"/>
+              <a:t> notebooks</a:t>
+            </a:r>
+            <a:br>
+              <a:rPr lang="en-US"/>
+            </a:br>
+            <a:r>
+              <a:rPr lang="en-US" sz="1400"/>
+              <a:t> - </a:t>
+            </a:r>
+            <a:r>
+              <a:rPr lang="en-US" sz="1400">
+                <a:hlinkClick r:id="rId6"/>
+              </a:rPr>
+              <a:t>https://docs.microsoft.com/en-us/azure/synapse-analytics/spark/apache-spark-development-using-notebooks</a:t>
+            </a:r>
+            <a:r>
+              <a:rPr lang="en-US" sz="1400"/>
+              <a:t> - </a:t>
+            </a:r>
+          </a:p>
+          <a:p>
+            <a:pPr marL="285750" indent="-285750">
+              <a:buFont typeface="Arial" panose="020B0604020202020204" pitchFamily="34" charset="0"/>
+              <a:buChar char="•"/>
+            </a:pPr>
+            <a:r>
+              <a:rPr lang="en-US" b="1">
+                <a:solidFill>
+                  <a:srgbClr val="FF0000"/>
+                </a:solidFill>
+              </a:rPr>
+              <a:t>Databricks</a:t>
+            </a:r>
+            <a:r>
+              <a:rPr lang="en-US"/>
+              <a:t> notebooks</a:t>
+            </a:r>
+            <a:br>
+              <a:rPr lang="en-US"/>
+            </a:br>
+            <a:r>
+              <a:rPr lang="en-US" sz="1400"/>
+              <a:t> - </a:t>
+            </a:r>
+            <a:r>
+              <a:rPr lang="en-US" sz="1400">
+                <a:hlinkClick r:id="rId7"/>
+              </a:rPr>
+              <a:t>https://docs.microsoft.com/en-us/azure/databricks/languages/python</a:t>
+            </a:r>
+            <a:r>
+              <a:rPr lang="en-US" sz="1400"/>
+              <a:t> - </a:t>
+            </a:r>
+          </a:p>
+          <a:p>
+            <a:pPr marL="285750" indent="-285750">
+              <a:buFont typeface="Arial" panose="020B0604020202020204" pitchFamily="34" charset="0"/>
+              <a:buChar char="•"/>
+            </a:pPr>
+            <a:r>
+              <a:rPr lang="en-US" b="1">
+                <a:solidFill>
+                  <a:srgbClr val="FF0000"/>
+                </a:solidFill>
+              </a:rPr>
+              <a:t>Linux VM</a:t>
+            </a:r>
+            <a:r>
+              <a:rPr lang="en-US"/>
+              <a:t> (Virtual Machine)</a:t>
+            </a:r>
+          </a:p>
+          <a:p>
+            <a:pPr marL="285750" indent="-285750">
+              <a:buFont typeface="Arial" panose="020B0604020202020204" pitchFamily="34" charset="0"/>
+              <a:buChar char="•"/>
+            </a:pPr>
+            <a:r>
+              <a:rPr lang="en-US" b="1">
+                <a:solidFill>
+                  <a:srgbClr val="FF0000"/>
+                </a:solidFill>
+              </a:rPr>
+              <a:t>Azure Web Apps</a:t>
+            </a:r>
+            <a:br>
+              <a:rPr lang="en-US"/>
+            </a:br>
+            <a:r>
+              <a:rPr lang="en-US" sz="1400"/>
+              <a:t> - </a:t>
+            </a:r>
+            <a:r>
+              <a:rPr lang="en-US" sz="1400">
+                <a:hlinkClick r:id="rId8"/>
+              </a:rPr>
+              <a:t>https://azure.microsoft.com/en-us/develop/python/</a:t>
+            </a:r>
+            <a:r>
+              <a:rPr lang="en-US" sz="1400"/>
+              <a:t> - </a:t>
+            </a:r>
+            <a:br>
+              <a:rPr lang="en-US" sz="1400"/>
+            </a:br>
+            <a:r>
+              <a:rPr lang="en-US" sz="1400"/>
+              <a:t> - </a:t>
+            </a:r>
+            <a:r>
+              <a:rPr lang="en-US" sz="1400">
+                <a:hlinkClick r:id="rId9"/>
+              </a:rPr>
+              <a:t>https://azure.microsoft.com/en-us/services/app-service/web/</a:t>
+            </a:r>
+            <a:r>
+              <a:rPr lang="en-US" sz="1400"/>
+              <a:t> - </a:t>
+            </a:r>
+            <a:br>
+              <a:rPr lang="en-US" sz="1400"/>
+            </a:br>
+            <a:r>
+              <a:rPr lang="en-US" sz="1400"/>
+              <a:t> - </a:t>
+            </a:r>
+            <a:r>
+              <a:rPr lang="en-US" sz="1400">
+                <a:hlinkClick r:id="rId10"/>
+              </a:rPr>
+              <a:t>https://docs.microsoft.com/en-us/azure/app-service/overview</a:t>
+            </a:r>
+            <a:r>
+              <a:rPr lang="en-US" sz="1400"/>
+              <a:t> - </a:t>
+            </a:r>
+          </a:p>
+          <a:p>
+            <a:endParaRPr lang="en-US"/>
+          </a:p>
+        </p:txBody>
+      </p:sp>
+      <p:sp>
+        <p:nvSpPr>
+          <p:cNvPr id="3" name="TextBox 2">
+            <a:extLst>
+              <a:ext uri="{FF2B5EF4-FFF2-40B4-BE49-F238E27FC236}">
+                <a16:creationId xmlns:a16="http://schemas.microsoft.com/office/drawing/2014/main" id="{665C18FC-5C60-0A48-975B-0E752C0FF81B}"/>
+              </a:ext>
+            </a:extLst>
+          </p:cNvPr>
+          <p:cNvSpPr txBox="1"/>
+          <p:nvPr/>
+        </p:nvSpPr>
+        <p:spPr>
+          <a:xfrm>
+            <a:off x="0" y="0"/>
+            <a:ext cx="5532895" cy="523220"/>
+          </a:xfrm>
+          <a:prstGeom prst="rect">
+            <a:avLst/>
+          </a:prstGeom>
+          <a:noFill/>
+        </p:spPr>
+        <p:txBody>
+          <a:bodyPr wrap="square" rtlCol="0">
+            <a:spAutoFit/>
+          </a:bodyPr>
+          <a:lstStyle/>
+          <a:p>
+            <a:r>
+              <a:rPr lang="en-US" sz="2800" b="1"/>
+              <a:t>How to use Python on Azure cloud</a:t>
+            </a:r>
+          </a:p>
+        </p:txBody>
+      </p:sp>
+    </p:spTree>
+    <p:extLst>
+      <p:ext uri="{BB962C8B-B14F-4D97-AF65-F5344CB8AC3E}">
+        <p14:creationId xmlns:p14="http://schemas.microsoft.com/office/powerpoint/2010/main" val="1315360251"/>
+      </p:ext>
+    </p:extLst>
+  </p:cSld>
+  <p:clrMapOvr>
+    <a:masterClrMapping/>
+  </p:clrMapOvr>
+</p:sld>
+</file>
+
+<file path=ppt/slides/slide16.xml><?xml version="1.0" encoding="utf-8"?>
+<p:sld xmlns:a="http://schemas.openxmlformats.org/drawingml/2006/main" xmlns:r="http://schemas.openxmlformats.org/officeDocument/2006/relationships" xmlns:p="http://schemas.openxmlformats.org/presentationml/2006/main">
+  <p:cSld>
+    <p:spTree>
+      <p:nvGrpSpPr>
+        <p:cNvPr id="1" name=""/>
+        <p:cNvGrpSpPr/>
+        <p:nvPr/>
+      </p:nvGrpSpPr>
+      <p:grpSpPr>
+        <a:xfrm>
+          <a:off x="0" y="0"/>
+          <a:ext cx="0" cy="0"/>
+          <a:chOff x="0" y="0"/>
+          <a:chExt cx="0" cy="0"/>
+        </a:xfrm>
+      </p:grpSpPr>
+      <p:sp>
+        <p:nvSpPr>
+          <p:cNvPr id="2" name="TextBox 1">
+            <a:extLst>
+              <a:ext uri="{FF2B5EF4-FFF2-40B4-BE49-F238E27FC236}">
+                <a16:creationId xmlns:a16="http://schemas.microsoft.com/office/drawing/2014/main" id="{7F1AEDF1-A3A4-3544-95DE-AAE601B4CC2A}"/>
+              </a:ext>
+            </a:extLst>
+          </p:cNvPr>
+          <p:cNvSpPr txBox="1"/>
+          <p:nvPr/>
+        </p:nvSpPr>
+        <p:spPr>
+          <a:xfrm>
+            <a:off x="991890" y="1843950"/>
+            <a:ext cx="9391974" cy="3170099"/>
+          </a:xfrm>
+          <a:prstGeom prst="rect">
+            <a:avLst/>
+          </a:prstGeom>
+          <a:noFill/>
+        </p:spPr>
+        <p:txBody>
+          <a:bodyPr wrap="square" rtlCol="0">
+            <a:spAutoFit/>
+          </a:bodyPr>
+          <a:lstStyle/>
+          <a:p>
+            <a:r>
+              <a:rPr lang="en-US" b="1">
+                <a:solidFill>
+                  <a:srgbClr val="00B050"/>
+                </a:solidFill>
+              </a:rPr>
+              <a:t>Here is a nice series of 10 videos explaining DevOps for ML in Azure.</a:t>
+            </a:r>
+          </a:p>
+          <a:p>
+            <a:r>
+              <a:rPr lang="en-US" sz="1400"/>
+              <a:t> </a:t>
+            </a:r>
+          </a:p>
+          <a:p>
+            <a:r>
+              <a:rPr lang="en-US" sz="1400"/>
+              <a:t>Azure MLOps - DevOps for Machine Learning </a:t>
+            </a:r>
+          </a:p>
+          <a:p>
+            <a:r>
+              <a:rPr lang="en-US" sz="1400"/>
+              <a:t> </a:t>
+            </a:r>
+          </a:p>
+          <a:p>
+            <a:pPr marL="285750" indent="-285750">
+              <a:buFont typeface="Arial" panose="020B0604020202020204" pitchFamily="34" charset="0"/>
+              <a:buChar char="•"/>
+            </a:pPr>
+            <a:r>
+              <a:rPr lang="en-US" sz="1400"/>
+              <a:t>part1 - Complete Intro to Azur Machine Learning Service - </a:t>
+            </a:r>
+            <a:r>
+              <a:rPr lang="en-US" sz="1400" u="sng">
+                <a:hlinkClick r:id="rId2" tooltip="https://www.youtube.com/watch?v=-QxwB7PoSdA"/>
+              </a:rPr>
+              <a:t>https://www.youtube.com/watch?v=-QxwB7PoSdA</a:t>
+            </a:r>
+            <a:r>
+              <a:rPr lang="en-US" sz="1400"/>
+              <a:t> - </a:t>
+            </a:r>
+          </a:p>
+          <a:p>
+            <a:pPr marL="285750" indent="-285750">
+              <a:buFont typeface="Arial" panose="020B0604020202020204" pitchFamily="34" charset="0"/>
+              <a:buChar char="•"/>
+            </a:pPr>
+            <a:r>
+              <a:rPr lang="en-US" sz="1400"/>
+              <a:t>part 2 - Intro to Azure DevOps - </a:t>
+            </a:r>
+            <a:r>
+              <a:rPr lang="en-US" sz="1400" u="sng">
+                <a:hlinkClick r:id="rId3" tooltip="https://www.youtube.com/watch?v=Gzjr716RU9g"/>
+              </a:rPr>
+              <a:t>https://www.youtube.com/watch?v=Gzjr716RU9g</a:t>
+            </a:r>
+            <a:r>
+              <a:rPr lang="en-US" sz="1400"/>
+              <a:t> - </a:t>
+            </a:r>
+          </a:p>
+          <a:p>
+            <a:pPr marL="285750" indent="-285750">
+              <a:buFont typeface="Arial" panose="020B0604020202020204" pitchFamily="34" charset="0"/>
+              <a:buChar char="•"/>
+            </a:pPr>
+            <a:r>
+              <a:rPr lang="en-US" sz="1400"/>
+              <a:t>part 3 - Setting up Azure DevOps Configurations - </a:t>
+            </a:r>
+            <a:r>
+              <a:rPr lang="en-US" sz="1400" u="sng">
+                <a:hlinkClick r:id="rId4" tooltip="https://www.youtube.com/watch?v=L-nIreup0HQ"/>
+              </a:rPr>
+              <a:t>https://www.youtube.com/watch?v=L-nIreup0HQ</a:t>
+            </a:r>
+            <a:r>
+              <a:rPr lang="en-US" sz="1400"/>
+              <a:t> - </a:t>
+            </a:r>
+          </a:p>
+          <a:p>
+            <a:pPr marL="285750" indent="-285750">
+              <a:buFont typeface="Arial" panose="020B0604020202020204" pitchFamily="34" charset="0"/>
+              <a:buChar char="•"/>
+            </a:pPr>
+            <a:r>
+              <a:rPr lang="en-US" sz="1400"/>
+              <a:t>part 4 - Create &amp; Deploy Infrastructure as Code Pipeline - </a:t>
+            </a:r>
+            <a:r>
+              <a:rPr lang="en-US" sz="1400" u="sng">
+                <a:hlinkClick r:id="rId5" tooltip="https://www.youtube.com/watch?v=b15l4BLAnmc"/>
+              </a:rPr>
+              <a:t>https://www.youtube.com/watch?v=b15l4BLAnmc</a:t>
+            </a:r>
+            <a:r>
+              <a:rPr lang="en-US" sz="1400"/>
+              <a:t> - </a:t>
+            </a:r>
+          </a:p>
+          <a:p>
+            <a:pPr marL="285750" indent="-285750">
+              <a:buFont typeface="Arial" panose="020B0604020202020204" pitchFamily="34" charset="0"/>
+              <a:buChar char="•"/>
+            </a:pPr>
+            <a:r>
+              <a:rPr lang="en-US" sz="1400"/>
+              <a:t>part 5 - CI Pipeline ( Continuous Integration) for ML - </a:t>
+            </a:r>
+            <a:r>
+              <a:rPr lang="en-US" sz="1400" u="sng">
+                <a:hlinkClick r:id="rId6" tooltip="https://www.youtube.com/watch?v=C79hIHRBSsQ"/>
+              </a:rPr>
+              <a:t>https://www.youtube.com/watch?v=C79hIHRBSsQ</a:t>
+            </a:r>
+            <a:r>
+              <a:rPr lang="en-US" sz="1400"/>
+              <a:t> - </a:t>
+            </a:r>
+          </a:p>
+          <a:p>
+            <a:pPr marL="285750" indent="-285750">
+              <a:buFont typeface="Arial" panose="020B0604020202020204" pitchFamily="34" charset="0"/>
+              <a:buChar char="•"/>
+            </a:pPr>
+            <a:r>
+              <a:rPr lang="en-US" sz="1400"/>
+              <a:t>part 6 - CI Pipeline ( Continuous Integration) for ML - </a:t>
+            </a:r>
+            <a:r>
+              <a:rPr lang="en-US" sz="1400" u="sng">
+                <a:hlinkClick r:id="rId7" tooltip="https://www.youtube.com/watch?v=rPowmr43kzc"/>
+              </a:rPr>
+              <a:t>https://www.youtube.com/watch?v=rPowmr43kzc</a:t>
+            </a:r>
+            <a:r>
+              <a:rPr lang="en-US" sz="1400"/>
+              <a:t> - </a:t>
+            </a:r>
+          </a:p>
+          <a:p>
+            <a:pPr marL="285750" indent="-285750">
+              <a:buFont typeface="Arial" panose="020B0604020202020204" pitchFamily="34" charset="0"/>
+              <a:buChar char="•"/>
+            </a:pPr>
+            <a:r>
+              <a:rPr lang="en-US" sz="1400"/>
+              <a:t>part 7 - Automated Training with CI Pipeline - </a:t>
+            </a:r>
+            <a:r>
+              <a:rPr lang="en-US" sz="1400" u="sng">
+                <a:hlinkClick r:id="rId8" tooltip="https://www.youtube.com/watch?v=iq4hGqC_JMs"/>
+              </a:rPr>
+              <a:t>https://www.youtube.com/watch?v=iq4hGqC_JMs</a:t>
+            </a:r>
+            <a:r>
+              <a:rPr lang="en-US" sz="1400"/>
+              <a:t> - </a:t>
+            </a:r>
+          </a:p>
+          <a:p>
+            <a:pPr marL="285750" indent="-285750">
+              <a:buFont typeface="Arial" panose="020B0604020202020204" pitchFamily="34" charset="0"/>
+              <a:buChar char="•"/>
+            </a:pPr>
+            <a:r>
+              <a:rPr lang="en-US" sz="1400"/>
+              <a:t>part 8 - CD Pipeline (Continuous Deployment) for Staging - </a:t>
+            </a:r>
+            <a:r>
+              <a:rPr lang="en-US" sz="1400" u="sng">
+                <a:hlinkClick r:id="rId9" tooltip="https://www.youtube.com/watch?v=p9CxWhpE4uQ"/>
+              </a:rPr>
+              <a:t>https://www.youtube.com/watch?v=p9CxWhpE4uQ</a:t>
+            </a:r>
+            <a:r>
+              <a:rPr lang="en-US" sz="1400"/>
+              <a:t> - </a:t>
+            </a:r>
+          </a:p>
+          <a:p>
+            <a:pPr marL="285750" indent="-285750">
+              <a:buFont typeface="Arial" panose="020B0604020202020204" pitchFamily="34" charset="0"/>
+              <a:buChar char="•"/>
+            </a:pPr>
+            <a:r>
+              <a:rPr lang="en-US" sz="1400"/>
+              <a:t>part 9 - CD Pipeline(Continuous Deployment)for Production - </a:t>
+            </a:r>
+            <a:r>
+              <a:rPr lang="en-US" sz="1400" u="sng">
+                <a:hlinkClick r:id="rId10" tooltip="https://www.youtube.com/watch?v=y9NMFLBo3bQ"/>
+              </a:rPr>
+              <a:t>https://www.youtube.com/watch?v=y9NMFLBo3bQ</a:t>
+            </a:r>
+            <a:r>
+              <a:rPr lang="en-US" sz="1400"/>
+              <a:t> - </a:t>
+            </a:r>
+          </a:p>
+          <a:p>
+            <a:pPr marL="285750" indent="-285750">
+              <a:buFont typeface="Arial" panose="020B0604020202020204" pitchFamily="34" charset="0"/>
+              <a:buChar char="•"/>
+            </a:pPr>
+            <a:r>
+              <a:rPr lang="en-US" sz="1400"/>
+              <a:t>part 10 - Testing End to End MLOps Pipelines - </a:t>
+            </a:r>
+            <a:r>
+              <a:rPr lang="en-US" sz="1400" u="sng">
+                <a:hlinkClick r:id="rId11" tooltip="https://www.youtube.com/watch?v=KHD2oyP8W94"/>
+              </a:rPr>
+              <a:t>https://www.youtube.com/watch?v=KHD2oyP8W94</a:t>
+            </a:r>
+            <a:r>
+              <a:rPr lang="en-US" sz="1400"/>
+              <a:t> - </a:t>
+            </a:r>
+          </a:p>
+        </p:txBody>
+      </p:sp>
+      <p:sp>
+        <p:nvSpPr>
+          <p:cNvPr id="3" name="TextBox 2">
+            <a:extLst>
+              <a:ext uri="{FF2B5EF4-FFF2-40B4-BE49-F238E27FC236}">
+                <a16:creationId xmlns:a16="http://schemas.microsoft.com/office/drawing/2014/main" id="{6CB82604-A426-914D-BB9D-8D5BF26B41F6}"/>
+              </a:ext>
+            </a:extLst>
+          </p:cNvPr>
+          <p:cNvSpPr txBox="1"/>
+          <p:nvPr/>
+        </p:nvSpPr>
+        <p:spPr>
+          <a:xfrm>
+            <a:off x="0" y="0"/>
+            <a:ext cx="5951349" cy="800219"/>
+          </a:xfrm>
+          <a:prstGeom prst="rect">
+            <a:avLst/>
+          </a:prstGeom>
+          <a:noFill/>
+        </p:spPr>
+        <p:txBody>
+          <a:bodyPr wrap="square" rtlCol="0">
+            <a:spAutoFit/>
+          </a:bodyPr>
+          <a:lstStyle/>
+          <a:p>
+            <a:r>
+              <a:rPr lang="en-US" sz="2800" b="1"/>
+              <a:t>CICD in Azure DevOps</a:t>
+            </a:r>
+          </a:p>
+          <a:p>
+            <a:r>
+              <a:rPr lang="en-US" b="1">
+                <a:solidFill>
+                  <a:srgbClr val="00B050"/>
+                </a:solidFill>
+              </a:rPr>
+              <a:t>CICD = Continuous Integration / Continuous Deployment</a:t>
+            </a:r>
+          </a:p>
+        </p:txBody>
+      </p:sp>
+    </p:spTree>
+    <p:extLst>
+      <p:ext uri="{BB962C8B-B14F-4D97-AF65-F5344CB8AC3E}">
+        <p14:creationId xmlns:p14="http://schemas.microsoft.com/office/powerpoint/2010/main" val="2012677780"/>
       </p:ext>
     </p:extLst>
   </p:cSld>

--- a/DA_13_miscellaneous.pptx
+++ b/DA_13_miscellaneous.pptx
@@ -5,7 +5,7 @@
     <p:sldMasterId id="2147483648" r:id="rId1"/>
   </p:sldMasterIdLst>
   <p:notesMasterIdLst>
-    <p:notesMasterId r:id="rId18"/>
+    <p:notesMasterId r:id="rId19"/>
   </p:notesMasterIdLst>
   <p:sldIdLst>
     <p:sldId id="260" r:id="rId2"/>
@@ -24,6 +24,7 @@
     <p:sldId id="269" r:id="rId15"/>
     <p:sldId id="270" r:id="rId16"/>
     <p:sldId id="271" r:id="rId17"/>
+    <p:sldId id="272" r:id="rId18"/>
   </p:sldIdLst>
   <p:sldSz cx="12192000" cy="6858000"/>
   <p:notesSz cx="6858000" cy="9144000"/>
@@ -212,7 +213,7 @@
           <a:p>
             <a:fld id="{C2E15B94-D9E4-E149-8081-23A720D1EE5F}" type="datetimeFigureOut">
               <a:rPr lang="en-US" smtClean="0"/>
-              <a:t>12/15/21</a:t>
+              <a:t>12/17/21</a:t>
             </a:fld>
             <a:endParaRPr lang="en-US"/>
           </a:p>
@@ -479,6 +480,90 @@
 </p:notesMaster>
 </file>
 
+<file path=ppt/notesSlides/notesSlide1.xml><?xml version="1.0" encoding="utf-8"?>
+<p:notes xmlns:a="http://schemas.openxmlformats.org/drawingml/2006/main" xmlns:r="http://schemas.openxmlformats.org/officeDocument/2006/relationships" xmlns:p="http://schemas.openxmlformats.org/presentationml/2006/main">
+  <p:cSld>
+    <p:spTree>
+      <p:nvGrpSpPr>
+        <p:cNvPr id="1" name=""/>
+        <p:cNvGrpSpPr/>
+        <p:nvPr/>
+      </p:nvGrpSpPr>
+      <p:grpSpPr>
+        <a:xfrm>
+          <a:off x="0" y="0"/>
+          <a:ext cx="0" cy="0"/>
+          <a:chOff x="0" y="0"/>
+          <a:chExt cx="0" cy="0"/>
+        </a:xfrm>
+      </p:grpSpPr>
+      <p:sp>
+        <p:nvSpPr>
+          <p:cNvPr id="2" name="Slide Image Placeholder 1"/>
+          <p:cNvSpPr>
+            <a:spLocks noGrp="1" noRot="1" noChangeAspect="1"/>
+          </p:cNvSpPr>
+          <p:nvPr>
+            <p:ph type="sldImg"/>
+          </p:nvPr>
+        </p:nvSpPr>
+        <p:spPr/>
+      </p:sp>
+      <p:sp>
+        <p:nvSpPr>
+          <p:cNvPr id="3" name="Notes Placeholder 2"/>
+          <p:cNvSpPr>
+            <a:spLocks noGrp="1"/>
+          </p:cNvSpPr>
+          <p:nvPr>
+            <p:ph type="body" idx="1"/>
+          </p:nvPr>
+        </p:nvSpPr>
+        <p:spPr/>
+        <p:txBody>
+          <a:bodyPr/>
+          <a:lstStyle/>
+          <a:p>
+            <a:endParaRPr lang="en-US"/>
+          </a:p>
+        </p:txBody>
+      </p:sp>
+      <p:sp>
+        <p:nvSpPr>
+          <p:cNvPr id="4" name="Slide Number Placeholder 3"/>
+          <p:cNvSpPr>
+            <a:spLocks noGrp="1"/>
+          </p:cNvSpPr>
+          <p:nvPr>
+            <p:ph type="sldNum" sz="quarter" idx="5"/>
+          </p:nvPr>
+        </p:nvSpPr>
+        <p:spPr/>
+        <p:txBody>
+          <a:bodyPr/>
+          <a:lstStyle/>
+          <a:p>
+            <a:fld id="{EB959602-CC24-7346-B914-9B1E8A8A6B31}" type="slidenum">
+              <a:rPr lang="en-US" smtClean="0"/>
+              <a:t>17</a:t>
+            </a:fld>
+            <a:endParaRPr lang="en-US"/>
+          </a:p>
+        </p:txBody>
+      </p:sp>
+    </p:spTree>
+    <p:extLst>
+      <p:ext uri="{BB962C8B-B14F-4D97-AF65-F5344CB8AC3E}">
+        <p14:creationId xmlns:p14="http://schemas.microsoft.com/office/powerpoint/2010/main" val="2332806552"/>
+      </p:ext>
+    </p:extLst>
+  </p:cSld>
+  <p:clrMapOvr>
+    <a:masterClrMapping/>
+  </p:clrMapOvr>
+</p:notes>
+</file>
+
 <file path=ppt/slideLayouts/slideLayout1.xml><?xml version="1.0" encoding="utf-8"?>
 <p:sldLayout xmlns:a="http://schemas.openxmlformats.org/drawingml/2006/main" xmlns:r="http://schemas.openxmlformats.org/officeDocument/2006/relationships" xmlns:p="http://schemas.openxmlformats.org/presentationml/2006/main" type="title" preserve="1">
   <p:cSld name="Title Slide">
@@ -626,7 +711,7 @@
           <a:p>
             <a:fld id="{FBD852D7-E694-214E-8A12-510E0A0329D2}" type="datetimeFigureOut">
               <a:rPr lang="en-US" smtClean="0"/>
-              <a:t>12/15/21</a:t>
+              <a:t>12/17/21</a:t>
             </a:fld>
             <a:endParaRPr lang="en-US"/>
           </a:p>
@@ -824,7 +909,7 @@
           <a:p>
             <a:fld id="{FBD852D7-E694-214E-8A12-510E0A0329D2}" type="datetimeFigureOut">
               <a:rPr lang="en-US" smtClean="0"/>
-              <a:t>12/15/21</a:t>
+              <a:t>12/17/21</a:t>
             </a:fld>
             <a:endParaRPr lang="en-US"/>
           </a:p>
@@ -1032,7 +1117,7 @@
           <a:p>
             <a:fld id="{FBD852D7-E694-214E-8A12-510E0A0329D2}" type="datetimeFigureOut">
               <a:rPr lang="en-US" smtClean="0"/>
-              <a:t>12/15/21</a:t>
+              <a:t>12/17/21</a:t>
             </a:fld>
             <a:endParaRPr lang="en-US"/>
           </a:p>
@@ -1230,7 +1315,7 @@
           <a:p>
             <a:fld id="{FBD852D7-E694-214E-8A12-510E0A0329D2}" type="datetimeFigureOut">
               <a:rPr lang="en-US" smtClean="0"/>
-              <a:t>12/15/21</a:t>
+              <a:t>12/17/21</a:t>
             </a:fld>
             <a:endParaRPr lang="en-US"/>
           </a:p>
@@ -1505,7 +1590,7 @@
           <a:p>
             <a:fld id="{FBD852D7-E694-214E-8A12-510E0A0329D2}" type="datetimeFigureOut">
               <a:rPr lang="en-US" smtClean="0"/>
-              <a:t>12/15/21</a:t>
+              <a:t>12/17/21</a:t>
             </a:fld>
             <a:endParaRPr lang="en-US"/>
           </a:p>
@@ -1770,7 +1855,7 @@
           <a:p>
             <a:fld id="{FBD852D7-E694-214E-8A12-510E0A0329D2}" type="datetimeFigureOut">
               <a:rPr lang="en-US" smtClean="0"/>
-              <a:t>12/15/21</a:t>
+              <a:t>12/17/21</a:t>
             </a:fld>
             <a:endParaRPr lang="en-US"/>
           </a:p>
@@ -2182,7 +2267,7 @@
           <a:p>
             <a:fld id="{FBD852D7-E694-214E-8A12-510E0A0329D2}" type="datetimeFigureOut">
               <a:rPr lang="en-US" smtClean="0"/>
-              <a:t>12/15/21</a:t>
+              <a:t>12/17/21</a:t>
             </a:fld>
             <a:endParaRPr lang="en-US"/>
           </a:p>
@@ -2323,7 +2408,7 @@
           <a:p>
             <a:fld id="{FBD852D7-E694-214E-8A12-510E0A0329D2}" type="datetimeFigureOut">
               <a:rPr lang="en-US" smtClean="0"/>
-              <a:t>12/15/21</a:t>
+              <a:t>12/17/21</a:t>
             </a:fld>
             <a:endParaRPr lang="en-US"/>
           </a:p>
@@ -2436,7 +2521,7 @@
           <a:p>
             <a:fld id="{FBD852D7-E694-214E-8A12-510E0A0329D2}" type="datetimeFigureOut">
               <a:rPr lang="en-US" smtClean="0"/>
-              <a:t>12/15/21</a:t>
+              <a:t>12/17/21</a:t>
             </a:fld>
             <a:endParaRPr lang="en-US"/>
           </a:p>
@@ -2747,7 +2832,7 @@
           <a:p>
             <a:fld id="{FBD852D7-E694-214E-8A12-510E0A0329D2}" type="datetimeFigureOut">
               <a:rPr lang="en-US" smtClean="0"/>
-              <a:t>12/15/21</a:t>
+              <a:t>12/17/21</a:t>
             </a:fld>
             <a:endParaRPr lang="en-US"/>
           </a:p>
@@ -3035,7 +3120,7 @@
           <a:p>
             <a:fld id="{FBD852D7-E694-214E-8A12-510E0A0329D2}" type="datetimeFigureOut">
               <a:rPr lang="en-US" smtClean="0"/>
-              <a:t>12/15/21</a:t>
+              <a:t>12/17/21</a:t>
             </a:fld>
             <a:endParaRPr lang="en-US"/>
           </a:p>
@@ -3276,7 +3361,7 @@
           <a:p>
             <a:fld id="{FBD852D7-E694-214E-8A12-510E0A0329D2}" type="datetimeFigureOut">
               <a:rPr lang="en-US" smtClean="0"/>
-              <a:t>12/15/21</a:t>
+              <a:t>12/17/21</a:t>
             </a:fld>
             <a:endParaRPr lang="en-US"/>
           </a:p>
@@ -6566,8 +6651,8 @@
         </p:nvSpPr>
         <p:spPr>
           <a:xfrm>
-            <a:off x="1359976" y="1056384"/>
-            <a:ext cx="9472048" cy="5139869"/>
+            <a:off x="688383" y="722536"/>
+            <a:ext cx="9472048" cy="5909310"/>
           </a:xfrm>
           <a:prstGeom prst="rect">
             <a:avLst/>
@@ -6590,7 +6675,7 @@
             </a:r>
           </a:p>
           <a:p>
-            <a:endParaRPr lang="en-US"/>
+            <a:endParaRPr lang="en-US" sz="1400"/>
           </a:p>
           <a:p>
             <a:pPr marL="285750" indent="-285750">
@@ -6652,44 +6737,16 @@
               <a:buChar char="•"/>
             </a:pPr>
             <a:r>
-              <a:rPr lang="en-US"/>
-              <a:t>using "</a:t>
-            </a:r>
-            <a:r>
               <a:rPr lang="en-US" b="1">
                 <a:solidFill>
                   <a:srgbClr val="FF0000"/>
                 </a:solidFill>
               </a:rPr>
-              <a:t>Azure Batch</a:t>
-            </a:r>
-            <a:r>
-              <a:rPr lang="en-US"/>
-              <a:t>" in </a:t>
-            </a:r>
-            <a:r>
-              <a:rPr lang="en-US" b="1">
-                <a:solidFill>
-                  <a:srgbClr val="FF0000"/>
-                </a:solidFill>
-              </a:rPr>
-              <a:t>ADF</a:t>
-            </a:r>
-            <a:r>
-              <a:rPr lang="en-US"/>
-              <a:t> (Azure Data Factory) or </a:t>
-            </a:r>
-            <a:r>
-              <a:rPr lang="en-US" b="1">
-                <a:solidFill>
-                  <a:srgbClr val="FF0000"/>
-                </a:solidFill>
-              </a:rPr>
-              <a:t>Synapse Integrate</a:t>
-            </a:r>
-            <a:r>
-              <a:rPr lang="en-US"/>
-              <a:t>:</a:t>
+              <a:t>ML Endpoint</a:t>
+            </a:r>
+            <a:r>
+              <a:rPr lang="en-US"/>
+              <a:t> (web service)</a:t>
             </a:r>
             <a:br>
               <a:rPr lang="en-US"/>
@@ -6702,24 +6759,7 @@
               <a:rPr lang="en-US" sz="1400">
                 <a:hlinkClick r:id="rId3"/>
               </a:rPr>
-              <a:t>https://docs.microsoft.com/en-us/azure/batch/tutorial-run-python-batch-azure-data-factory</a:t>
-            </a:r>
-            <a:r>
-              <a:rPr lang="en-US" sz="1400"/>
-              <a:t> - </a:t>
-            </a:r>
-            <a:br>
-              <a:rPr lang="en-US" sz="1400"/>
-            </a:br>
-            <a:r>
-              <a:rPr lang="en-US" sz="1400"/>
-              <a:t> - </a:t>
-            </a:r>
-            <a:r>
-              <a:rPr lang="en-US" sz="1400">
-                <a:hlinkClick r:id="rId4"/>
-              </a:rPr>
-              <a:t>https://docs.microsoft.com/en-us/answers/questions/595214/execute-the-python-script-from-azure-synapse.html</a:t>
+              <a:t>https://docs.microsoft.com/en-us/azure/machine-learning/concept-endpoints</a:t>
             </a:r>
             <a:r>
               <a:rPr lang="en-US" sz="1400"/>
@@ -6737,11 +6777,7 @@
                   <a:srgbClr val="FF0000"/>
                 </a:solidFill>
               </a:rPr>
-              <a:t>Azure Functions</a:t>
-            </a:r>
-            <a:r>
-              <a:rPr lang="en-US"/>
-              <a:t>:</a:t>
+              <a:t>Python Web App via Azure Stack</a:t>
             </a:r>
             <a:br>
               <a:rPr lang="en-US"/>
@@ -6752,9 +6788,9 @@
             </a:r>
             <a:r>
               <a:rPr lang="en-US" sz="1400">
-                <a:hlinkClick r:id="rId5"/>
-              </a:rPr>
-              <a:t>https://docs.microsoft.com/en-us/azure/azure-functions/create-first-function-cli-python</a:t>
+                <a:hlinkClick r:id="rId4"/>
+              </a:rPr>
+              <a:t>https://docs.microsoft.com/en-us/azure-stack/user/azure-stack-dev-start-howto-vm-python</a:t>
             </a:r>
             <a:r>
               <a:rPr lang="en-US" sz="1400"/>
@@ -6767,19 +6803,64 @@
               <a:buChar char="•"/>
             </a:pPr>
             <a:r>
+              <a:rPr lang="en-US"/>
+              <a:t>using "</a:t>
+            </a:r>
+            <a:r>
               <a:rPr lang="en-US" b="1">
                 <a:solidFill>
                   <a:srgbClr val="FF0000"/>
                 </a:solidFill>
               </a:rPr>
-              <a:t>Synapse PySpark</a:t>
-            </a:r>
-            <a:r>
-              <a:rPr lang="en-US"/>
-              <a:t> notebooks</a:t>
+              <a:t>Azure Batch</a:t>
+            </a:r>
+            <a:r>
+              <a:rPr lang="en-US"/>
+              <a:t>" in </a:t>
+            </a:r>
+            <a:r>
+              <a:rPr lang="en-US" b="1">
+                <a:solidFill>
+                  <a:srgbClr val="FF0000"/>
+                </a:solidFill>
+              </a:rPr>
+              <a:t>ADF</a:t>
+            </a:r>
+            <a:r>
+              <a:rPr lang="en-US"/>
+              <a:t> (Azure Data Factory) or </a:t>
+            </a:r>
+            <a:r>
+              <a:rPr lang="en-US" b="1">
+                <a:solidFill>
+                  <a:srgbClr val="FF0000"/>
+                </a:solidFill>
+              </a:rPr>
+              <a:t>Synapse Integrate</a:t>
+            </a:r>
+            <a:r>
+              <a:rPr lang="en-US"/>
+              <a:t>:</a:t>
             </a:r>
             <a:br>
               <a:rPr lang="en-US"/>
+            </a:br>
+            <a:r>
+              <a:rPr lang="en-US" sz="1400"/>
+              <a:t> - </a:t>
+            </a:r>
+            <a:r>
+              <a:rPr lang="en-US" sz="1400">
+                <a:hlinkClick r:id="rId5"/>
+              </a:rPr>
+              <a:t>https://docs.microsoft.com/en-us/azure/batch/tutorial-run-python-batch-azure-data-factory</a:t>
+            </a:r>
+            <a:r>
+              <a:rPr lang="en-US" sz="1400"/>
+              <a:t> - </a:t>
+            </a:r>
+            <a:br>
+              <a:rPr lang="en-US" sz="1400"/>
             </a:br>
             <a:r>
               <a:rPr lang="en-US" sz="1400"/>
@@ -6789,7 +6870,7 @@
               <a:rPr lang="en-US" sz="1400">
                 <a:hlinkClick r:id="rId6"/>
               </a:rPr>
-              <a:t>https://docs.microsoft.com/en-us/azure/synapse-analytics/spark/apache-spark-development-using-notebooks</a:t>
+              <a:t>https://docs.microsoft.com/en-us/answers/questions/595214/execute-the-python-script-from-azure-synapse.html</a:t>
             </a:r>
             <a:r>
               <a:rPr lang="en-US" sz="1400"/>
@@ -6807,11 +6888,11 @@
                   <a:srgbClr val="FF0000"/>
                 </a:solidFill>
               </a:rPr>
-              <a:t>Databricks</a:t>
-            </a:r>
-            <a:r>
-              <a:rPr lang="en-US"/>
-              <a:t> notebooks</a:t>
+              <a:t>Azure Functions</a:t>
+            </a:r>
+            <a:r>
+              <a:rPr lang="en-US"/>
+              <a:t>:</a:t>
             </a:r>
             <a:br>
               <a:rPr lang="en-US"/>
@@ -6824,7 +6905,7 @@
               <a:rPr lang="en-US" sz="1400">
                 <a:hlinkClick r:id="rId7"/>
               </a:rPr>
-              <a:t>https://docs.microsoft.com/en-us/azure/databricks/languages/python</a:t>
+              <a:t>https://docs.microsoft.com/en-us/azure/azure-functions/create-first-function-cli-python</a:t>
             </a:r>
             <a:r>
               <a:rPr lang="en-US" sz="1400"/>
@@ -6842,11 +6923,28 @@
                   <a:srgbClr val="FF0000"/>
                 </a:solidFill>
               </a:rPr>
-              <a:t>Linux VM</a:t>
-            </a:r>
-            <a:r>
-              <a:rPr lang="en-US"/>
-              <a:t> (Virtual Machine)</a:t>
+              <a:t>Synapse PySpark</a:t>
+            </a:r>
+            <a:r>
+              <a:rPr lang="en-US"/>
+              <a:t> notebooks</a:t>
+            </a:r>
+            <a:br>
+              <a:rPr lang="en-US"/>
+            </a:br>
+            <a:r>
+              <a:rPr lang="en-US" sz="1400"/>
+              <a:t> - </a:t>
+            </a:r>
+            <a:r>
+              <a:rPr lang="en-US" sz="1400">
+                <a:hlinkClick r:id="rId8"/>
+              </a:rPr>
+              <a:t>https://docs.microsoft.com/en-us/azure/synapse-analytics/spark/apache-spark-development-using-notebooks</a:t>
+            </a:r>
+            <a:r>
+              <a:rPr lang="en-US" sz="1400"/>
+              <a:t> - </a:t>
             </a:r>
           </a:p>
           <a:p>
@@ -6860,27 +6958,14 @@
                   <a:srgbClr val="FF0000"/>
                 </a:solidFill>
               </a:rPr>
-              <a:t>Azure Web Apps</a:t>
+              <a:t>Databricks</a:t>
+            </a:r>
+            <a:r>
+              <a:rPr lang="en-US"/>
+              <a:t> notebooks</a:t>
             </a:r>
             <a:br>
               <a:rPr lang="en-US"/>
-            </a:br>
-            <a:r>
-              <a:rPr lang="en-US" sz="1400"/>
-              <a:t> - </a:t>
-            </a:r>
-            <a:r>
-              <a:rPr lang="en-US" sz="1400">
-                <a:hlinkClick r:id="rId8"/>
-              </a:rPr>
-              <a:t>https://azure.microsoft.com/en-us/develop/python/</a:t>
-            </a:r>
-            <a:r>
-              <a:rPr lang="en-US" sz="1400"/>
-              <a:t> - </a:t>
-            </a:r>
-            <a:br>
-              <a:rPr lang="en-US" sz="1400"/>
             </a:br>
             <a:r>
               <a:rPr lang="en-US" sz="1400"/>
@@ -6890,14 +6975,46 @@
               <a:rPr lang="en-US" sz="1400">
                 <a:hlinkClick r:id="rId9"/>
               </a:rPr>
-              <a:t>https://azure.microsoft.com/en-us/services/app-service/web/</a:t>
+              <a:t>https://docs.microsoft.com/en-us/azure/databricks/languages/python</a:t>
             </a:r>
             <a:r>
               <a:rPr lang="en-US" sz="1400"/>
               <a:t> - </a:t>
             </a:r>
+          </a:p>
+          <a:p>
+            <a:pPr marL="285750" indent="-285750">
+              <a:buFont typeface="Arial" panose="020B0604020202020204" pitchFamily="34" charset="0"/>
+              <a:buChar char="•"/>
+            </a:pPr>
+            <a:r>
+              <a:rPr lang="en-US" b="1">
+                <a:solidFill>
+                  <a:srgbClr val="FF0000"/>
+                </a:solidFill>
+              </a:rPr>
+              <a:t>Linux VM</a:t>
+            </a:r>
+            <a:r>
+              <a:rPr lang="en-US"/>
+              <a:t> (Virtual Machine)</a:t>
+            </a:r>
+          </a:p>
+          <a:p>
+            <a:pPr marL="285750" indent="-285750">
+              <a:buFont typeface="Arial" panose="020B0604020202020204" pitchFamily="34" charset="0"/>
+              <a:buChar char="•"/>
+            </a:pPr>
+            <a:r>
+              <a:rPr lang="en-US" b="1">
+                <a:solidFill>
+                  <a:srgbClr val="FF0000"/>
+                </a:solidFill>
+              </a:rPr>
+              <a:t>Azure Web Apps</a:t>
+            </a:r>
             <a:br>
-              <a:rPr lang="en-US" sz="1400"/>
+              <a:rPr lang="en-US"/>
             </a:br>
             <a:r>
               <a:rPr lang="en-US" sz="1400"/>
@@ -6907,15 +7024,53 @@
               <a:rPr lang="en-US" sz="1400">
                 <a:hlinkClick r:id="rId10"/>
               </a:rPr>
-              <a:t>https://docs.microsoft.com/en-us/azure/app-service/overview</a:t>
+              <a:t>https://azure.microsoft.com/en-us/develop/python/</a:t>
             </a:r>
             <a:r>
               <a:rPr lang="en-US" sz="1400"/>
               <a:t> - </a:t>
             </a:r>
-          </a:p>
-          <a:p>
-            <a:endParaRPr lang="en-US"/>
+            <a:r>
+              <a:rPr lang="en-US" sz="1400">
+                <a:hlinkClick r:id="rId11"/>
+              </a:rPr>
+              <a:t>https://azure.microsoft.com/en-us/services/app-service/web/</a:t>
+            </a:r>
+            <a:r>
+              <a:rPr lang="en-US" sz="1400"/>
+              <a:t> - </a:t>
+            </a:r>
+          </a:p>
+          <a:p>
+            <a:pPr marL="285750" indent="-285750">
+              <a:buFont typeface="Arial" panose="020B0604020202020204" pitchFamily="34" charset="0"/>
+              <a:buChar char="•"/>
+            </a:pPr>
+            <a:r>
+              <a:rPr lang="en-US" b="1">
+                <a:solidFill>
+                  <a:srgbClr val="FF0000"/>
+                </a:solidFill>
+              </a:rPr>
+              <a:t>Containers </a:t>
+            </a:r>
+            <a:br>
+              <a:rPr lang="en-US" sz="1400"/>
+            </a:br>
+            <a:r>
+              <a:rPr lang="en-US" sz="1400"/>
+              <a:t> - </a:t>
+            </a:r>
+            <a:r>
+              <a:rPr lang="en-US" sz="1400">
+                <a:hlinkClick r:id="rId12"/>
+              </a:rPr>
+              <a:t>https://azure.microsoft.com/en-us/product-categories/containers/</a:t>
+            </a:r>
+            <a:r>
+              <a:rPr lang="en-US" sz="1400"/>
+              <a:t> - </a:t>
+            </a:r>
           </a:p>
         </p:txBody>
       </p:sp>
@@ -7290,6 +7445,332 @@
     <p:extLst>
       <p:ext uri="{BB962C8B-B14F-4D97-AF65-F5344CB8AC3E}">
         <p14:creationId xmlns:p14="http://schemas.microsoft.com/office/powerpoint/2010/main" val="2012677780"/>
+      </p:ext>
+    </p:extLst>
+  </p:cSld>
+  <p:clrMapOvr>
+    <a:masterClrMapping/>
+  </p:clrMapOvr>
+</p:sld>
+</file>
+
+<file path=ppt/slides/slide17.xml><?xml version="1.0" encoding="utf-8"?>
+<p:sld xmlns:a="http://schemas.openxmlformats.org/drawingml/2006/main" xmlns:r="http://schemas.openxmlformats.org/officeDocument/2006/relationships" xmlns:p="http://schemas.openxmlformats.org/presentationml/2006/main">
+  <p:cSld>
+    <p:spTree>
+      <p:nvGrpSpPr>
+        <p:cNvPr id="1" name=""/>
+        <p:cNvGrpSpPr/>
+        <p:nvPr/>
+      </p:nvGrpSpPr>
+      <p:grpSpPr>
+        <a:xfrm>
+          <a:off x="0" y="0"/>
+          <a:ext cx="0" cy="0"/>
+          <a:chOff x="0" y="0"/>
+          <a:chExt cx="0" cy="0"/>
+        </a:xfrm>
+      </p:grpSpPr>
+      <p:sp>
+        <p:nvSpPr>
+          <p:cNvPr id="2" name="TextBox 1">
+            <a:extLst>
+              <a:ext uri="{FF2B5EF4-FFF2-40B4-BE49-F238E27FC236}">
+                <a16:creationId xmlns:a16="http://schemas.microsoft.com/office/drawing/2014/main" id="{70433D44-FEF8-FF4D-B2CA-26E13F6CD64C}"/>
+              </a:ext>
+            </a:extLst>
+          </p:cNvPr>
+          <p:cNvSpPr txBox="1"/>
+          <p:nvPr/>
+        </p:nvSpPr>
+        <p:spPr>
+          <a:xfrm>
+            <a:off x="0" y="0"/>
+            <a:ext cx="2650210" cy="523220"/>
+          </a:xfrm>
+          <a:prstGeom prst="rect">
+            <a:avLst/>
+          </a:prstGeom>
+          <a:noFill/>
+        </p:spPr>
+        <p:txBody>
+          <a:bodyPr wrap="square" rtlCol="0">
+            <a:spAutoFit/>
+          </a:bodyPr>
+          <a:lstStyle/>
+          <a:p>
+            <a:r>
+              <a:rPr lang="en-US" sz="2800" b="1"/>
+              <a:t>Apache Airflow</a:t>
+            </a:r>
+          </a:p>
+        </p:txBody>
+      </p:sp>
+      <p:sp>
+        <p:nvSpPr>
+          <p:cNvPr id="3" name="TextBox 2">
+            <a:extLst>
+              <a:ext uri="{FF2B5EF4-FFF2-40B4-BE49-F238E27FC236}">
+                <a16:creationId xmlns:a16="http://schemas.microsoft.com/office/drawing/2014/main" id="{1C8530BA-D264-B747-A1EA-A56138A94E0F}"/>
+              </a:ext>
+            </a:extLst>
+          </p:cNvPr>
+          <p:cNvSpPr txBox="1"/>
+          <p:nvPr/>
+        </p:nvSpPr>
+        <p:spPr>
+          <a:xfrm>
+            <a:off x="0" y="523220"/>
+            <a:ext cx="3316637" cy="369332"/>
+          </a:xfrm>
+          <a:prstGeom prst="rect">
+            <a:avLst/>
+          </a:prstGeom>
+          <a:noFill/>
+        </p:spPr>
+        <p:txBody>
+          <a:bodyPr wrap="square" rtlCol="0">
+            <a:spAutoFit/>
+          </a:bodyPr>
+          <a:lstStyle/>
+          <a:p>
+            <a:r>
+              <a:rPr lang="en-US">
+                <a:hlinkClick r:id="rId3"/>
+              </a:rPr>
+              <a:t>https://airflow.apache.org</a:t>
+            </a:r>
+            <a:endParaRPr lang="en-US"/>
+          </a:p>
+        </p:txBody>
+      </p:sp>
+      <p:pic>
+        <p:nvPicPr>
+          <p:cNvPr id="4" name="Picture 3">
+            <a:extLst>
+              <a:ext uri="{FF2B5EF4-FFF2-40B4-BE49-F238E27FC236}">
+                <a16:creationId xmlns:a16="http://schemas.microsoft.com/office/drawing/2014/main" id="{11F6C6E4-7CAE-B843-98D2-ECEEBA95CE36}"/>
+              </a:ext>
+            </a:extLst>
+          </p:cNvPr>
+          <p:cNvPicPr>
+            <a:picLocks noChangeAspect="1"/>
+          </p:cNvPicPr>
+          <p:nvPr/>
+        </p:nvPicPr>
+        <p:blipFill>
+          <a:blip r:embed="rId4" cstate="email">
+            <a:extLst>
+              <a:ext uri="{28A0092B-C50C-407E-A947-70E740481C1C}">
+                <a14:useLocalDpi xmlns:a14="http://schemas.microsoft.com/office/drawing/2010/main"/>
+              </a:ext>
+            </a:extLst>
+          </a:blip>
+          <a:stretch>
+            <a:fillRect/>
+          </a:stretch>
+        </p:blipFill>
+        <p:spPr>
+          <a:xfrm>
+            <a:off x="10001355" y="65867"/>
+            <a:ext cx="2108200" cy="927100"/>
+          </a:xfrm>
+          <a:prstGeom prst="rect">
+            <a:avLst/>
+          </a:prstGeom>
+        </p:spPr>
+      </p:pic>
+      <p:sp>
+        <p:nvSpPr>
+          <p:cNvPr id="5" name="TextBox 4">
+            <a:extLst>
+              <a:ext uri="{FF2B5EF4-FFF2-40B4-BE49-F238E27FC236}">
+                <a16:creationId xmlns:a16="http://schemas.microsoft.com/office/drawing/2014/main" id="{24673E7B-212D-7841-9A20-BCD24047B237}"/>
+              </a:ext>
+            </a:extLst>
+          </p:cNvPr>
+          <p:cNvSpPr txBox="1"/>
+          <p:nvPr/>
+        </p:nvSpPr>
+        <p:spPr>
+          <a:xfrm>
+            <a:off x="108488" y="992967"/>
+            <a:ext cx="4153546" cy="2308324"/>
+          </a:xfrm>
+          <a:prstGeom prst="rect">
+            <a:avLst/>
+          </a:prstGeom>
+          <a:noFill/>
+        </p:spPr>
+        <p:txBody>
+          <a:bodyPr wrap="square" rtlCol="0">
+            <a:spAutoFit/>
+          </a:bodyPr>
+          <a:lstStyle/>
+          <a:p>
+            <a:r>
+              <a:rPr lang="en-US"/>
+              <a:t>Author, schedule and monitor workflows</a:t>
+            </a:r>
+          </a:p>
+          <a:p>
+            <a:pPr marL="285750" indent="-285750">
+              <a:buFont typeface="Arial" panose="020B0604020202020204" pitchFamily="34" charset="0"/>
+              <a:buChar char="•"/>
+            </a:pPr>
+            <a:r>
+              <a:rPr lang="en-US"/>
+              <a:t>pipelines</a:t>
+            </a:r>
+          </a:p>
+          <a:p>
+            <a:pPr marL="285750" indent="-285750">
+              <a:buFont typeface="Arial" panose="020B0604020202020204" pitchFamily="34" charset="0"/>
+              <a:buChar char="•"/>
+            </a:pPr>
+            <a:r>
+              <a:rPr lang="en-US"/>
+              <a:t>pure python</a:t>
+            </a:r>
+          </a:p>
+          <a:p>
+            <a:pPr marL="285750" indent="-285750">
+              <a:buFont typeface="Arial" panose="020B0604020202020204" pitchFamily="34" charset="0"/>
+              <a:buChar char="•"/>
+            </a:pPr>
+            <a:r>
+              <a:rPr lang="en-US"/>
+              <a:t>dynamic pipelines generation</a:t>
+            </a:r>
+          </a:p>
+          <a:p>
+            <a:pPr marL="285750" indent="-285750">
+              <a:buFont typeface="Arial" panose="020B0604020202020204" pitchFamily="34" charset="0"/>
+              <a:buChar char="•"/>
+            </a:pPr>
+            <a:r>
+              <a:rPr lang="en-US"/>
+              <a:t>scalable, extensible, elegant</a:t>
+            </a:r>
+          </a:p>
+          <a:p>
+            <a:pPr marL="285750" indent="-285750">
+              <a:buFont typeface="Arial" panose="020B0604020202020204" pitchFamily="34" charset="0"/>
+              <a:buChar char="•"/>
+            </a:pPr>
+            <a:r>
+              <a:rPr lang="en-US"/>
+              <a:t>robust integrations</a:t>
+            </a:r>
+          </a:p>
+          <a:p>
+            <a:pPr marL="285750" indent="-285750">
+              <a:buFont typeface="Arial" panose="020B0604020202020204" pitchFamily="34" charset="0"/>
+              <a:buChar char="•"/>
+            </a:pPr>
+            <a:r>
+              <a:rPr lang="en-US"/>
+              <a:t>easy to use</a:t>
+            </a:r>
+          </a:p>
+          <a:p>
+            <a:pPr marL="285750" indent="-285750">
+              <a:buFont typeface="Arial" panose="020B0604020202020204" pitchFamily="34" charset="0"/>
+              <a:buChar char="•"/>
+            </a:pPr>
+            <a:r>
+              <a:rPr lang="en-US"/>
+              <a:t>open source</a:t>
+            </a:r>
+          </a:p>
+        </p:txBody>
+      </p:sp>
+      <p:pic>
+        <p:nvPicPr>
+          <p:cNvPr id="6" name="Picture 5">
+            <a:extLst>
+              <a:ext uri="{FF2B5EF4-FFF2-40B4-BE49-F238E27FC236}">
+                <a16:creationId xmlns:a16="http://schemas.microsoft.com/office/drawing/2014/main" id="{7C0030D1-DCFF-6646-838E-4EE7C45E4132}"/>
+              </a:ext>
+            </a:extLst>
+          </p:cNvPr>
+          <p:cNvPicPr>
+            <a:picLocks noChangeAspect="1"/>
+          </p:cNvPicPr>
+          <p:nvPr/>
+        </p:nvPicPr>
+        <p:blipFill>
+          <a:blip r:embed="rId5" cstate="email">
+            <a:extLst>
+              <a:ext uri="{28A0092B-C50C-407E-A947-70E740481C1C}">
+                <a14:useLocalDpi xmlns:a14="http://schemas.microsoft.com/office/drawing/2010/main"/>
+              </a:ext>
+            </a:extLst>
+          </a:blip>
+          <a:stretch>
+            <a:fillRect/>
+          </a:stretch>
+        </p:blipFill>
+        <p:spPr>
+          <a:xfrm>
+            <a:off x="5330125" y="1453441"/>
+            <a:ext cx="6553200" cy="3695700"/>
+          </a:xfrm>
+          <a:prstGeom prst="rect">
+            <a:avLst/>
+          </a:prstGeom>
+          <a:ln>
+            <a:solidFill>
+              <a:schemeClr val="accent1"/>
+            </a:solidFill>
+          </a:ln>
+        </p:spPr>
+      </p:pic>
+      <p:pic>
+        <p:nvPicPr>
+          <p:cNvPr id="7" name="Picture 6">
+            <a:extLst>
+              <a:ext uri="{FF2B5EF4-FFF2-40B4-BE49-F238E27FC236}">
+                <a16:creationId xmlns:a16="http://schemas.microsoft.com/office/drawing/2014/main" id="{AF751C76-FC77-4A4B-BC17-A4240BBDE58F}"/>
+              </a:ext>
+            </a:extLst>
+          </p:cNvPr>
+          <p:cNvPicPr>
+            <a:picLocks noChangeAspect="1"/>
+          </p:cNvPicPr>
+          <p:nvPr/>
+        </p:nvPicPr>
+        <p:blipFill>
+          <a:blip r:embed="rId6" cstate="email">
+            <a:extLst>
+              <a:ext uri="{28A0092B-C50C-407E-A947-70E740481C1C}">
+                <a14:useLocalDpi xmlns:a14="http://schemas.microsoft.com/office/drawing/2010/main"/>
+              </a:ext>
+            </a:extLst>
+          </a:blip>
+          <a:stretch>
+            <a:fillRect/>
+          </a:stretch>
+        </p:blipFill>
+        <p:spPr>
+          <a:xfrm>
+            <a:off x="510045" y="3823131"/>
+            <a:ext cx="3949700" cy="2311400"/>
+          </a:xfrm>
+          <a:prstGeom prst="rect">
+            <a:avLst/>
+          </a:prstGeom>
+          <a:ln>
+            <a:solidFill>
+              <a:schemeClr val="accent1"/>
+            </a:solidFill>
+          </a:ln>
+        </p:spPr>
+      </p:pic>
+    </p:spTree>
+    <p:extLst>
+      <p:ext uri="{BB962C8B-B14F-4D97-AF65-F5344CB8AC3E}">
+        <p14:creationId xmlns:p14="http://schemas.microsoft.com/office/powerpoint/2010/main" val="1654450813"/>
       </p:ext>
     </p:extLst>
   </p:cSld>
@@ -9779,8 +10260,8 @@
         </p:nvSpPr>
         <p:spPr>
           <a:xfrm>
-            <a:off x="-1" y="647508"/>
-            <a:ext cx="5010175" cy="5693866"/>
+            <a:off x="15492" y="634019"/>
+            <a:ext cx="4994684" cy="5693866"/>
           </a:xfrm>
           <a:prstGeom prst="rect">
             <a:avLst/>
@@ -9819,8 +10300,23 @@
             </a:r>
             <a:r>
               <a:rPr lang="en-US" sz="1400"/>
-              <a:t>" aiming to create analytics on top of Azure log and telemetry data.</a:t>
-            </a:r>
+              <a:t>" to provide analytics on top of Azure</a:t>
+            </a:r>
+            <a:r>
+              <a:rPr lang="en-US" sz="1400" b="1">
+                <a:solidFill>
+                  <a:srgbClr val="FF0000"/>
+                </a:solidFill>
+              </a:rPr>
+              <a:t> log and telemetry data</a:t>
+            </a:r>
+            <a:r>
+              <a:rPr lang="en-US" sz="1400"/>
+              <a:t>.</a:t>
+            </a:r>
+          </a:p>
+          <a:p>
+            <a:endParaRPr lang="en-US" sz="800"/>
           </a:p>
           <a:p>
             <a:r>
@@ -9884,7 +10380,7 @@
             <a:endParaRPr lang="en-US" sz="1400"/>
           </a:p>
           <a:p>
-            <a:endParaRPr lang="en-US" sz="1400"/>
+            <a:endParaRPr lang="en-US" sz="800"/>
           </a:p>
           <a:p>
             <a:r>
@@ -9929,6 +10425,9 @@
             </a:r>
           </a:p>
           <a:p>
+            <a:endParaRPr lang="en-US" sz="800"/>
+          </a:p>
+          <a:p>
             <a:r>
               <a:rPr lang="en-US" sz="1400"/>
               <a:t>In 2016 it has become the backend big-data and analytics service for </a:t>
@@ -9943,11 +10442,20 @@
             </a:r>
             <a:r>
               <a:rPr lang="en-US" sz="1400"/>
-              <a:t>. In 2019 it has become generally available on Azure Cloud as PaaS (Platform as a Service).</a:t>
-            </a:r>
-          </a:p>
-          <a:p>
-            <a:endParaRPr lang="en-US" sz="1400"/>
+              <a:t>. </a:t>
+            </a:r>
+          </a:p>
+          <a:p>
+            <a:endParaRPr lang="en-US" sz="800"/>
+          </a:p>
+          <a:p>
+            <a:r>
+              <a:rPr lang="en-US" sz="1400"/>
+              <a:t>In 2019 it has become generally available on Azure Cloud as PaaS (Platform as a Service).</a:t>
+            </a:r>
+          </a:p>
+          <a:p>
+            <a:endParaRPr lang="en-US" sz="800"/>
           </a:p>
           <a:p>
             <a:r>
@@ -9972,11 +10480,11 @@
             </a:r>
             <a:r>
               <a:rPr lang="en-US" sz="1400"/>
-              <a:t>. It has databases, tables, functions, and columns. It supports calculated columns, searching and filtering on rows, group by-aggregates and joins. Note – there are no unique keys.</a:t>
-            </a:r>
-          </a:p>
-          <a:p>
-            <a:endParaRPr lang="en-US" sz="1400"/>
+              <a:t>. It has databases, tables, functions, and columns. It supports calculated columns, searching and filtering on rows, group by-aggregates and joins. </a:t>
+            </a:r>
+          </a:p>
+          <a:p>
+            <a:endParaRPr lang="en-US" sz="800"/>
           </a:p>
           <a:p>
             <a:r>
@@ -9993,7 +10501,7 @@
             </a:r>
           </a:p>
           <a:p>
-            <a:endParaRPr lang="en-US" sz="1400"/>
+            <a:endParaRPr lang="en-US" sz="800"/>
           </a:p>
           <a:p>
             <a:r>
@@ -10018,7 +10526,7 @@
             </a:r>
             <a:r>
               <a:rPr lang="en-US" sz="1400"/>
-              <a:t> = Kusto Query Language (query only, no changing data)</a:t>
+              <a:t> = Kusto Query Language (query only, no updates)</a:t>
             </a:r>
           </a:p>
           <a:p>
@@ -11791,7 +12299,7 @@
         </p:nvSpPr>
         <p:spPr>
           <a:xfrm>
-            <a:off x="247378" y="3625180"/>
+            <a:off x="247378" y="3485698"/>
             <a:ext cx="9568136" cy="3108543"/>
           </a:xfrm>
           <a:prstGeom prst="rect">

--- a/DA_13_miscellaneous.pptx
+++ b/DA_13_miscellaneous.pptx
@@ -7713,8 +7713,8 @@
         </p:blipFill>
         <p:spPr>
           <a:xfrm>
-            <a:off x="5330125" y="1453441"/>
-            <a:ext cx="6553200" cy="3695700"/>
+            <a:off x="2866786" y="3429000"/>
+            <a:ext cx="2384023" cy="1344478"/>
           </a:xfrm>
           <a:prstGeom prst="rect">
             <a:avLst/>
@@ -7754,8 +7754,8 @@
         </p:blipFill>
         <p:spPr>
           <a:xfrm>
-            <a:off x="510045" y="3823131"/>
-            <a:ext cx="3949700" cy="2311400"/>
+            <a:off x="312334" y="3429000"/>
+            <a:ext cx="2297432" cy="1344478"/>
           </a:xfrm>
           <a:prstGeom prst="rect">
             <a:avLst/>
@@ -7765,6 +7765,200 @@
               <a:schemeClr val="accent1"/>
             </a:solidFill>
           </a:ln>
+        </p:spPr>
+      </p:pic>
+      <p:sp>
+        <p:nvSpPr>
+          <p:cNvPr id="8" name="TextBox 7">
+            <a:extLst>
+              <a:ext uri="{FF2B5EF4-FFF2-40B4-BE49-F238E27FC236}">
+                <a16:creationId xmlns:a16="http://schemas.microsoft.com/office/drawing/2014/main" id="{B2E0C4FA-A137-AD49-A8E0-706196BD8D34}"/>
+              </a:ext>
+            </a:extLst>
+          </p:cNvPr>
+          <p:cNvSpPr txBox="1"/>
+          <p:nvPr/>
+        </p:nvSpPr>
+        <p:spPr>
+          <a:xfrm>
+            <a:off x="6328610" y="2147129"/>
+            <a:ext cx="5512310" cy="2954655"/>
+          </a:xfrm>
+          <a:prstGeom prst="rect">
+            <a:avLst/>
+          </a:prstGeom>
+          <a:noFill/>
+        </p:spPr>
+        <p:txBody>
+          <a:bodyPr wrap="square" rtlCol="0">
+            <a:spAutoFit/>
+          </a:bodyPr>
+          <a:lstStyle/>
+          <a:p>
+            <a:r>
+              <a:rPr lang="en-US" b="1">
+                <a:solidFill>
+                  <a:srgbClr val="FF0000"/>
+                </a:solidFill>
+              </a:rPr>
+              <a:t>Airflow is running on all major clours:</a:t>
+            </a:r>
+          </a:p>
+          <a:p>
+            <a:endParaRPr lang="en-US" sz="1400"/>
+          </a:p>
+          <a:p>
+            <a:r>
+              <a:rPr lang="en-US" sz="1400" b="1">
+                <a:solidFill>
+                  <a:srgbClr val="FF0000"/>
+                </a:solidFill>
+              </a:rPr>
+              <a:t>AWS: astronomer</a:t>
+            </a:r>
+          </a:p>
+          <a:p>
+            <a:r>
+              <a:rPr lang="en-US" sz="1400"/>
+              <a:t> - </a:t>
+            </a:r>
+            <a:r>
+              <a:rPr lang="en-US" sz="1400">
+                <a:hlinkClick r:id="rId7"/>
+              </a:rPr>
+              <a:t>https://aws.amazon.com/marketplace/pp/prodview-mrexhwyzepx44</a:t>
+            </a:r>
+            <a:r>
+              <a:rPr lang="en-US" sz="1400"/>
+              <a:t> - </a:t>
+            </a:r>
+          </a:p>
+          <a:p>
+            <a:r>
+              <a:rPr lang="en-US" sz="1400"/>
+              <a:t> - </a:t>
+            </a:r>
+            <a:r>
+              <a:rPr lang="en-US" sz="1400">
+                <a:hlinkClick r:id="rId8"/>
+              </a:rPr>
+              <a:t>https://www.astronomer.io</a:t>
+            </a:r>
+            <a:r>
+              <a:rPr lang="en-US" sz="1400"/>
+              <a:t> - </a:t>
+            </a:r>
+          </a:p>
+          <a:p>
+            <a:endParaRPr lang="en-US" sz="1400"/>
+          </a:p>
+          <a:p>
+            <a:r>
+              <a:rPr lang="en-US" sz="1400" b="1">
+                <a:solidFill>
+                  <a:srgbClr val="FF0000"/>
+                </a:solidFill>
+              </a:rPr>
+              <a:t>Azure: astronomer</a:t>
+            </a:r>
+          </a:p>
+          <a:p>
+            <a:r>
+              <a:rPr lang="en-US" sz="1400"/>
+              <a:t> - </a:t>
+            </a:r>
+            <a:r>
+              <a:rPr lang="en-US" sz="1400">
+                <a:hlinkClick r:id="rId9"/>
+              </a:rPr>
+              <a:t>https://www.astronomer.io/azure-airflow-lp</a:t>
+            </a:r>
+            <a:r>
+              <a:rPr lang="en-US" sz="1400"/>
+              <a:t> - </a:t>
+            </a:r>
+          </a:p>
+          <a:p>
+            <a:r>
+              <a:rPr lang="en-US" sz="1400"/>
+              <a:t> - </a:t>
+            </a:r>
+            <a:r>
+              <a:rPr lang="en-US" sz="1400">
+                <a:hlinkClick r:id="rId10"/>
+              </a:rPr>
+              <a:t>http://azuremarketplace.microsoft.com/en-us/marketplace/apps/meanio.linnovate-airflow</a:t>
+            </a:r>
+            <a:r>
+              <a:rPr lang="en-US" sz="1400"/>
+              <a:t> - </a:t>
+            </a:r>
+          </a:p>
+          <a:p>
+            <a:endParaRPr lang="en-US" sz="1400"/>
+          </a:p>
+          <a:p>
+            <a:r>
+              <a:rPr lang="en-US" sz="1400" b="1">
+                <a:solidFill>
+                  <a:srgbClr val="FF0000"/>
+                </a:solidFill>
+              </a:rPr>
+              <a:t>Google: Cloud Composer</a:t>
+            </a:r>
+          </a:p>
+          <a:p>
+            <a:r>
+              <a:rPr lang="en-US" sz="1400"/>
+              <a:t> - </a:t>
+            </a:r>
+            <a:r>
+              <a:rPr lang="en-US" sz="1400">
+                <a:hlinkClick r:id="rId11"/>
+              </a:rPr>
+              <a:t>https://cloud.google.com/composer/docs/concepts/overview</a:t>
+            </a:r>
+            <a:r>
+              <a:rPr lang="en-US" sz="1400"/>
+              <a:t> - </a:t>
+            </a:r>
+          </a:p>
+        </p:txBody>
+      </p:sp>
+      <p:pic>
+        <p:nvPicPr>
+          <p:cNvPr id="9" name="Picture 8">
+            <a:extLst>
+              <a:ext uri="{FF2B5EF4-FFF2-40B4-BE49-F238E27FC236}">
+                <a16:creationId xmlns:a16="http://schemas.microsoft.com/office/drawing/2014/main" id="{9E4AEF00-B4E3-1A43-87CC-6F3B4882A0BD}"/>
+              </a:ext>
+            </a:extLst>
+          </p:cNvPr>
+          <p:cNvPicPr>
+            <a:picLocks noChangeAspect="1"/>
+          </p:cNvPicPr>
+          <p:nvPr/>
+        </p:nvPicPr>
+        <p:blipFill>
+          <a:blip r:embed="rId12" cstate="email">
+            <a:extLst>
+              <a:ext uri="{28A0092B-C50C-407E-A947-70E740481C1C}">
+                <a14:useLocalDpi xmlns:a14="http://schemas.microsoft.com/office/drawing/2010/main"/>
+              </a:ext>
+            </a:extLst>
+          </a:blip>
+          <a:stretch>
+            <a:fillRect/>
+          </a:stretch>
+        </p:blipFill>
+        <p:spPr>
+          <a:xfrm>
+            <a:off x="6328610" y="378227"/>
+            <a:ext cx="2650211" cy="1229479"/>
+          </a:xfrm>
+          <a:prstGeom prst="rect">
+            <a:avLst/>
+          </a:prstGeom>
         </p:spPr>
       </p:pic>
     </p:spTree>

--- a/DA_13_miscellaneous.pptx
+++ b/DA_13_miscellaneous.pptx
@@ -5,7 +5,7 @@
     <p:sldMasterId id="2147483648" r:id="rId1"/>
   </p:sldMasterIdLst>
   <p:notesMasterIdLst>
-    <p:notesMasterId r:id="rId19"/>
+    <p:notesMasterId r:id="rId20"/>
   </p:notesMasterIdLst>
   <p:sldIdLst>
     <p:sldId id="260" r:id="rId2"/>
@@ -25,6 +25,7 @@
     <p:sldId id="270" r:id="rId16"/>
     <p:sldId id="271" r:id="rId17"/>
     <p:sldId id="272" r:id="rId18"/>
+    <p:sldId id="273" r:id="rId19"/>
   </p:sldIdLst>
   <p:sldSz cx="12192000" cy="6858000"/>
   <p:notesSz cx="6858000" cy="9144000"/>
@@ -7965,6 +7966,312 @@
     <p:extLst>
       <p:ext uri="{BB962C8B-B14F-4D97-AF65-F5344CB8AC3E}">
         <p14:creationId xmlns:p14="http://schemas.microsoft.com/office/powerpoint/2010/main" val="1654450813"/>
+      </p:ext>
+    </p:extLst>
+  </p:cSld>
+  <p:clrMapOvr>
+    <a:masterClrMapping/>
+  </p:clrMapOvr>
+</p:sld>
+</file>
+
+<file path=ppt/slides/slide18.xml><?xml version="1.0" encoding="utf-8"?>
+<p:sld xmlns:a="http://schemas.openxmlformats.org/drawingml/2006/main" xmlns:r="http://schemas.openxmlformats.org/officeDocument/2006/relationships" xmlns:p="http://schemas.openxmlformats.org/presentationml/2006/main">
+  <p:cSld>
+    <p:spTree>
+      <p:nvGrpSpPr>
+        <p:cNvPr id="1" name=""/>
+        <p:cNvGrpSpPr/>
+        <p:nvPr/>
+      </p:nvGrpSpPr>
+      <p:grpSpPr>
+        <a:xfrm>
+          <a:off x="0" y="0"/>
+          <a:ext cx="0" cy="0"/>
+          <a:chOff x="0" y="0"/>
+          <a:chExt cx="0" cy="0"/>
+        </a:xfrm>
+      </p:grpSpPr>
+      <p:sp>
+        <p:nvSpPr>
+          <p:cNvPr id="2" name="TextBox 1">
+            <a:extLst>
+              <a:ext uri="{FF2B5EF4-FFF2-40B4-BE49-F238E27FC236}">
+                <a16:creationId xmlns:a16="http://schemas.microsoft.com/office/drawing/2014/main" id="{84C3F0E6-7882-B149-A36B-BC52FB03CD16}"/>
+              </a:ext>
+            </a:extLst>
+          </p:cNvPr>
+          <p:cNvSpPr txBox="1"/>
+          <p:nvPr/>
+        </p:nvSpPr>
+        <p:spPr>
+          <a:xfrm>
+            <a:off x="0" y="130629"/>
+            <a:ext cx="2596243" cy="523220"/>
+          </a:xfrm>
+          <a:prstGeom prst="rect">
+            <a:avLst/>
+          </a:prstGeom>
+          <a:noFill/>
+        </p:spPr>
+        <p:txBody>
+          <a:bodyPr wrap="square" rtlCol="0">
+            <a:spAutoFit/>
+          </a:bodyPr>
+          <a:lstStyle/>
+          <a:p>
+            <a:r>
+              <a:rPr lang="en-US" sz="2800" b="1"/>
+              <a:t>Apache Druid</a:t>
+            </a:r>
+          </a:p>
+        </p:txBody>
+      </p:sp>
+      <p:sp>
+        <p:nvSpPr>
+          <p:cNvPr id="3" name="TextBox 2">
+            <a:extLst>
+              <a:ext uri="{FF2B5EF4-FFF2-40B4-BE49-F238E27FC236}">
+                <a16:creationId xmlns:a16="http://schemas.microsoft.com/office/drawing/2014/main" id="{F3FEE2BC-E114-0E4F-B519-E08EBB3DF4C1}"/>
+              </a:ext>
+            </a:extLst>
+          </p:cNvPr>
+          <p:cNvSpPr txBox="1"/>
+          <p:nvPr/>
+        </p:nvSpPr>
+        <p:spPr>
+          <a:xfrm>
+            <a:off x="114300" y="1635500"/>
+            <a:ext cx="5306786" cy="954107"/>
+          </a:xfrm>
+          <a:prstGeom prst="rect">
+            <a:avLst/>
+          </a:prstGeom>
+          <a:noFill/>
+        </p:spPr>
+        <p:txBody>
+          <a:bodyPr wrap="square" rtlCol="0">
+            <a:spAutoFit/>
+          </a:bodyPr>
+          <a:lstStyle/>
+          <a:p>
+            <a:pPr marL="285750" indent="-285750">
+              <a:buFont typeface="Arial" panose="020B0604020202020204" pitchFamily="34" charset="0"/>
+              <a:buChar char="•"/>
+            </a:pPr>
+            <a:r>
+              <a:rPr lang="en-US" sz="1400"/>
+              <a:t>Druid = open source analytics data store (OLAP)</a:t>
+            </a:r>
+          </a:p>
+          <a:p>
+            <a:pPr marL="285750" indent="-285750">
+              <a:buFont typeface="Arial" panose="020B0604020202020204" pitchFamily="34" charset="0"/>
+              <a:buChar char="•"/>
+            </a:pPr>
+            <a:r>
+              <a:rPr lang="en-US" sz="1400"/>
+              <a:t>fast data ingestion and aggregation</a:t>
+            </a:r>
+          </a:p>
+          <a:p>
+            <a:pPr marL="285750" indent="-285750">
+              <a:buFont typeface="Arial" panose="020B0604020202020204" pitchFamily="34" charset="0"/>
+              <a:buChar char="•"/>
+            </a:pPr>
+            <a:r>
+              <a:rPr lang="en-US" sz="1400"/>
+              <a:t>scales to trillions of events and petabytes of data</a:t>
+            </a:r>
+          </a:p>
+          <a:p>
+            <a:pPr marL="285750" indent="-285750">
+              <a:buFont typeface="Arial" panose="020B0604020202020204" pitchFamily="34" charset="0"/>
+              <a:buChar char="•"/>
+            </a:pPr>
+            <a:r>
+              <a:rPr lang="en-US" sz="1400"/>
+              <a:t>druid is best used to power analytic dashboards and applications</a:t>
+            </a:r>
+          </a:p>
+        </p:txBody>
+      </p:sp>
+      <p:sp>
+        <p:nvSpPr>
+          <p:cNvPr id="4" name="TextBox 3">
+            <a:extLst>
+              <a:ext uri="{FF2B5EF4-FFF2-40B4-BE49-F238E27FC236}">
+                <a16:creationId xmlns:a16="http://schemas.microsoft.com/office/drawing/2014/main" id="{6B0A7E33-2AB5-1245-B957-7BBE88473E1E}"/>
+              </a:ext>
+            </a:extLst>
+          </p:cNvPr>
+          <p:cNvSpPr txBox="1"/>
+          <p:nvPr/>
+        </p:nvSpPr>
+        <p:spPr>
+          <a:xfrm>
+            <a:off x="114300" y="653849"/>
+            <a:ext cx="3804557" cy="523220"/>
+          </a:xfrm>
+          <a:prstGeom prst="rect">
+            <a:avLst/>
+          </a:prstGeom>
+          <a:noFill/>
+        </p:spPr>
+        <p:txBody>
+          <a:bodyPr wrap="square" rtlCol="0">
+            <a:spAutoFit/>
+          </a:bodyPr>
+          <a:lstStyle/>
+          <a:p>
+            <a:r>
+              <a:rPr lang="en-US" sz="1400"/>
+              <a:t> - </a:t>
+            </a:r>
+            <a:r>
+              <a:rPr lang="en-US" sz="1400">
+                <a:hlinkClick r:id="rId2"/>
+              </a:rPr>
+              <a:t>http://druid.io</a:t>
+            </a:r>
+            <a:r>
+              <a:rPr lang="en-US" sz="1400"/>
+              <a:t> - </a:t>
+            </a:r>
+          </a:p>
+          <a:p>
+            <a:r>
+              <a:rPr lang="en-US" sz="1400"/>
+              <a:t> - </a:t>
+            </a:r>
+            <a:r>
+              <a:rPr lang="en-US" sz="1400">
+                <a:hlinkClick r:id="rId3"/>
+              </a:rPr>
+              <a:t>https://druid.apache.org</a:t>
+            </a:r>
+            <a:r>
+              <a:rPr lang="en-US" sz="1400"/>
+              <a:t> - </a:t>
+            </a:r>
+          </a:p>
+        </p:txBody>
+      </p:sp>
+      <p:pic>
+        <p:nvPicPr>
+          <p:cNvPr id="5" name="Picture 4">
+            <a:extLst>
+              <a:ext uri="{FF2B5EF4-FFF2-40B4-BE49-F238E27FC236}">
+                <a16:creationId xmlns:a16="http://schemas.microsoft.com/office/drawing/2014/main" id="{A3BDD64B-4AF5-ED4C-A81C-667EAA6FCA44}"/>
+              </a:ext>
+            </a:extLst>
+          </p:cNvPr>
+          <p:cNvPicPr>
+            <a:picLocks noChangeAspect="1"/>
+          </p:cNvPicPr>
+          <p:nvPr/>
+        </p:nvPicPr>
+        <p:blipFill>
+          <a:blip r:embed="rId4" cstate="email">
+            <a:extLst>
+              <a:ext uri="{28A0092B-C50C-407E-A947-70E740481C1C}">
+                <a14:useLocalDpi xmlns:a14="http://schemas.microsoft.com/office/drawing/2010/main"/>
+              </a:ext>
+            </a:extLst>
+          </a:blip>
+          <a:stretch>
+            <a:fillRect/>
+          </a:stretch>
+        </p:blipFill>
+        <p:spPr>
+          <a:xfrm>
+            <a:off x="8762350" y="161407"/>
+            <a:ext cx="3315350" cy="954107"/>
+          </a:xfrm>
+          <a:prstGeom prst="rect">
+            <a:avLst/>
+          </a:prstGeom>
+        </p:spPr>
+      </p:pic>
+      <p:pic>
+        <p:nvPicPr>
+          <p:cNvPr id="6" name="Picture 5">
+            <a:extLst>
+              <a:ext uri="{FF2B5EF4-FFF2-40B4-BE49-F238E27FC236}">
+                <a16:creationId xmlns:a16="http://schemas.microsoft.com/office/drawing/2014/main" id="{393A759D-E8B3-644F-BAD6-8A9F65A1F5B9}"/>
+              </a:ext>
+            </a:extLst>
+          </p:cNvPr>
+          <p:cNvPicPr>
+            <a:picLocks noChangeAspect="1"/>
+          </p:cNvPicPr>
+          <p:nvPr/>
+        </p:nvPicPr>
+        <p:blipFill>
+          <a:blip r:embed="rId5" cstate="email">
+            <a:extLst>
+              <a:ext uri="{28A0092B-C50C-407E-A947-70E740481C1C}">
+                <a14:useLocalDpi xmlns:a14="http://schemas.microsoft.com/office/drawing/2010/main"/>
+              </a:ext>
+            </a:extLst>
+          </a:blip>
+          <a:stretch>
+            <a:fillRect/>
+          </a:stretch>
+        </p:blipFill>
+        <p:spPr>
+          <a:xfrm>
+            <a:off x="1149350" y="3787400"/>
+            <a:ext cx="9893300" cy="2870200"/>
+          </a:xfrm>
+          <a:prstGeom prst="rect">
+            <a:avLst/>
+          </a:prstGeom>
+        </p:spPr>
+      </p:pic>
+      <p:sp>
+        <p:nvSpPr>
+          <p:cNvPr id="7" name="TextBox 6">
+            <a:extLst>
+              <a:ext uri="{FF2B5EF4-FFF2-40B4-BE49-F238E27FC236}">
+                <a16:creationId xmlns:a16="http://schemas.microsoft.com/office/drawing/2014/main" id="{BBC7DF7C-0CEC-3143-8B61-F477A6B966C2}"/>
+              </a:ext>
+            </a:extLst>
+          </p:cNvPr>
+          <p:cNvSpPr txBox="1"/>
+          <p:nvPr/>
+        </p:nvSpPr>
+        <p:spPr>
+          <a:xfrm>
+            <a:off x="351187" y="3244334"/>
+            <a:ext cx="1596326" cy="369332"/>
+          </a:xfrm>
+          <a:prstGeom prst="rect">
+            <a:avLst/>
+          </a:prstGeom>
+          <a:noFill/>
+        </p:spPr>
+        <p:txBody>
+          <a:bodyPr wrap="square" rtlCol="0">
+            <a:spAutoFit/>
+          </a:bodyPr>
+          <a:lstStyle/>
+          <a:p>
+            <a:r>
+              <a:rPr lang="en-US" b="1">
+                <a:solidFill>
+                  <a:srgbClr val="00B050"/>
+                </a:solidFill>
+              </a:rPr>
+              <a:t>Example:</a:t>
+            </a:r>
+          </a:p>
+        </p:txBody>
+      </p:sp>
+    </p:spTree>
+    <p:extLst>
+      <p:ext uri="{BB962C8B-B14F-4D97-AF65-F5344CB8AC3E}">
+        <p14:creationId xmlns:p14="http://schemas.microsoft.com/office/powerpoint/2010/main" val="2562093968"/>
       </p:ext>
     </p:extLst>
   </p:cSld>

--- a/DA_13_miscellaneous.pptx
+++ b/DA_13_miscellaneous.pptx
@@ -5,7 +5,7 @@
     <p:sldMasterId id="2147483648" r:id="rId1"/>
   </p:sldMasterIdLst>
   <p:notesMasterIdLst>
-    <p:notesMasterId r:id="rId20"/>
+    <p:notesMasterId r:id="rId21"/>
   </p:notesMasterIdLst>
   <p:sldIdLst>
     <p:sldId id="260" r:id="rId2"/>
@@ -26,6 +26,7 @@
     <p:sldId id="271" r:id="rId17"/>
     <p:sldId id="272" r:id="rId18"/>
     <p:sldId id="273" r:id="rId19"/>
+    <p:sldId id="274" r:id="rId20"/>
   </p:sldIdLst>
   <p:sldSz cx="12192000" cy="6858000"/>
   <p:notesSz cx="6858000" cy="9144000"/>
@@ -214,7 +215,7 @@
           <a:p>
             <a:fld id="{C2E15B94-D9E4-E149-8081-23A720D1EE5F}" type="datetimeFigureOut">
               <a:rPr lang="en-US" smtClean="0"/>
-              <a:t>12/17/21</a:t>
+              <a:t>12/23/21</a:t>
             </a:fld>
             <a:endParaRPr lang="en-US"/>
           </a:p>
@@ -712,7 +713,7 @@
           <a:p>
             <a:fld id="{FBD852D7-E694-214E-8A12-510E0A0329D2}" type="datetimeFigureOut">
               <a:rPr lang="en-US" smtClean="0"/>
-              <a:t>12/17/21</a:t>
+              <a:t>12/23/21</a:t>
             </a:fld>
             <a:endParaRPr lang="en-US"/>
           </a:p>
@@ -910,7 +911,7 @@
           <a:p>
             <a:fld id="{FBD852D7-E694-214E-8A12-510E0A0329D2}" type="datetimeFigureOut">
               <a:rPr lang="en-US" smtClean="0"/>
-              <a:t>12/17/21</a:t>
+              <a:t>12/23/21</a:t>
             </a:fld>
             <a:endParaRPr lang="en-US"/>
           </a:p>
@@ -1118,7 +1119,7 @@
           <a:p>
             <a:fld id="{FBD852D7-E694-214E-8A12-510E0A0329D2}" type="datetimeFigureOut">
               <a:rPr lang="en-US" smtClean="0"/>
-              <a:t>12/17/21</a:t>
+              <a:t>12/23/21</a:t>
             </a:fld>
             <a:endParaRPr lang="en-US"/>
           </a:p>
@@ -1316,7 +1317,7 @@
           <a:p>
             <a:fld id="{FBD852D7-E694-214E-8A12-510E0A0329D2}" type="datetimeFigureOut">
               <a:rPr lang="en-US" smtClean="0"/>
-              <a:t>12/17/21</a:t>
+              <a:t>12/23/21</a:t>
             </a:fld>
             <a:endParaRPr lang="en-US"/>
           </a:p>
@@ -1591,7 +1592,7 @@
           <a:p>
             <a:fld id="{FBD852D7-E694-214E-8A12-510E0A0329D2}" type="datetimeFigureOut">
               <a:rPr lang="en-US" smtClean="0"/>
-              <a:t>12/17/21</a:t>
+              <a:t>12/23/21</a:t>
             </a:fld>
             <a:endParaRPr lang="en-US"/>
           </a:p>
@@ -1856,7 +1857,7 @@
           <a:p>
             <a:fld id="{FBD852D7-E694-214E-8A12-510E0A0329D2}" type="datetimeFigureOut">
               <a:rPr lang="en-US" smtClean="0"/>
-              <a:t>12/17/21</a:t>
+              <a:t>12/23/21</a:t>
             </a:fld>
             <a:endParaRPr lang="en-US"/>
           </a:p>
@@ -2268,7 +2269,7 @@
           <a:p>
             <a:fld id="{FBD852D7-E694-214E-8A12-510E0A0329D2}" type="datetimeFigureOut">
               <a:rPr lang="en-US" smtClean="0"/>
-              <a:t>12/17/21</a:t>
+              <a:t>12/23/21</a:t>
             </a:fld>
             <a:endParaRPr lang="en-US"/>
           </a:p>
@@ -2409,7 +2410,7 @@
           <a:p>
             <a:fld id="{FBD852D7-E694-214E-8A12-510E0A0329D2}" type="datetimeFigureOut">
               <a:rPr lang="en-US" smtClean="0"/>
-              <a:t>12/17/21</a:t>
+              <a:t>12/23/21</a:t>
             </a:fld>
             <a:endParaRPr lang="en-US"/>
           </a:p>
@@ -2522,7 +2523,7 @@
           <a:p>
             <a:fld id="{FBD852D7-E694-214E-8A12-510E0A0329D2}" type="datetimeFigureOut">
               <a:rPr lang="en-US" smtClean="0"/>
-              <a:t>12/17/21</a:t>
+              <a:t>12/23/21</a:t>
             </a:fld>
             <a:endParaRPr lang="en-US"/>
           </a:p>
@@ -2833,7 +2834,7 @@
           <a:p>
             <a:fld id="{FBD852D7-E694-214E-8A12-510E0A0329D2}" type="datetimeFigureOut">
               <a:rPr lang="en-US" smtClean="0"/>
-              <a:t>12/17/21</a:t>
+              <a:t>12/23/21</a:t>
             </a:fld>
             <a:endParaRPr lang="en-US"/>
           </a:p>
@@ -3121,7 +3122,7 @@
           <a:p>
             <a:fld id="{FBD852D7-E694-214E-8A12-510E0A0329D2}" type="datetimeFigureOut">
               <a:rPr lang="en-US" smtClean="0"/>
-              <a:t>12/17/21</a:t>
+              <a:t>12/23/21</a:t>
             </a:fld>
             <a:endParaRPr lang="en-US"/>
           </a:p>
@@ -3362,7 +3363,7 @@
           <a:p>
             <a:fld id="{FBD852D7-E694-214E-8A12-510E0A0329D2}" type="datetimeFigureOut">
               <a:rPr lang="en-US" smtClean="0"/>
-              <a:t>12/17/21</a:t>
+              <a:t>12/23/21</a:t>
             </a:fld>
             <a:endParaRPr lang="en-US"/>
           </a:p>
@@ -8272,6 +8273,647 @@
     <p:extLst>
       <p:ext uri="{BB962C8B-B14F-4D97-AF65-F5344CB8AC3E}">
         <p14:creationId xmlns:p14="http://schemas.microsoft.com/office/powerpoint/2010/main" val="2562093968"/>
+      </p:ext>
+    </p:extLst>
+  </p:cSld>
+  <p:clrMapOvr>
+    <a:masterClrMapping/>
+  </p:clrMapOvr>
+</p:sld>
+</file>
+
+<file path=ppt/slides/slide19.xml><?xml version="1.0" encoding="utf-8"?>
+<p:sld xmlns:a="http://schemas.openxmlformats.org/drawingml/2006/main" xmlns:r="http://schemas.openxmlformats.org/officeDocument/2006/relationships" xmlns:p="http://schemas.openxmlformats.org/presentationml/2006/main">
+  <p:cSld>
+    <p:spTree>
+      <p:nvGrpSpPr>
+        <p:cNvPr id="1" name=""/>
+        <p:cNvGrpSpPr/>
+        <p:nvPr/>
+      </p:nvGrpSpPr>
+      <p:grpSpPr>
+        <a:xfrm>
+          <a:off x="0" y="0"/>
+          <a:ext cx="0" cy="0"/>
+          <a:chOff x="0" y="0"/>
+          <a:chExt cx="0" cy="0"/>
+        </a:xfrm>
+      </p:grpSpPr>
+      <p:pic>
+        <p:nvPicPr>
+          <p:cNvPr id="3" name="Picture 2">
+            <a:extLst>
+              <a:ext uri="{FF2B5EF4-FFF2-40B4-BE49-F238E27FC236}">
+                <a16:creationId xmlns:a16="http://schemas.microsoft.com/office/drawing/2014/main" id="{4FE8EC7B-718E-CD4B-9EB2-8A1836558112}"/>
+              </a:ext>
+            </a:extLst>
+          </p:cNvPr>
+          <p:cNvPicPr>
+            <a:picLocks noChangeAspect="1"/>
+          </p:cNvPicPr>
+          <p:nvPr/>
+        </p:nvPicPr>
+        <p:blipFill>
+          <a:blip r:embed="rId2" cstate="email">
+            <a:extLst>
+              <a:ext uri="{28A0092B-C50C-407E-A947-70E740481C1C}">
+                <a14:useLocalDpi xmlns:a14="http://schemas.microsoft.com/office/drawing/2010/main"/>
+              </a:ext>
+            </a:extLst>
+          </a:blip>
+          <a:stretch>
+            <a:fillRect/>
+          </a:stretch>
+        </p:blipFill>
+        <p:spPr>
+          <a:xfrm>
+            <a:off x="7400986" y="2251130"/>
+            <a:ext cx="3118112" cy="1091339"/>
+          </a:xfrm>
+          <a:prstGeom prst="rect">
+            <a:avLst/>
+          </a:prstGeom>
+        </p:spPr>
+      </p:pic>
+      <p:sp>
+        <p:nvSpPr>
+          <p:cNvPr id="4" name="TextBox 3">
+            <a:extLst>
+              <a:ext uri="{FF2B5EF4-FFF2-40B4-BE49-F238E27FC236}">
+                <a16:creationId xmlns:a16="http://schemas.microsoft.com/office/drawing/2014/main" id="{76AA0D61-0B44-7646-AA6D-6BAEA4DE0529}"/>
+              </a:ext>
+            </a:extLst>
+          </p:cNvPr>
+          <p:cNvSpPr txBox="1"/>
+          <p:nvPr/>
+        </p:nvSpPr>
+        <p:spPr>
+          <a:xfrm>
+            <a:off x="0" y="0"/>
+            <a:ext cx="7563173" cy="3539430"/>
+          </a:xfrm>
+          <a:prstGeom prst="rect">
+            <a:avLst/>
+          </a:prstGeom>
+          <a:noFill/>
+        </p:spPr>
+        <p:txBody>
+          <a:bodyPr wrap="square" rtlCol="0">
+            <a:spAutoFit/>
+          </a:bodyPr>
+          <a:lstStyle/>
+          <a:p>
+            <a:r>
+              <a:rPr lang="en-US" sz="2800" b="1"/>
+              <a:t>Dremel</a:t>
+            </a:r>
+          </a:p>
+          <a:p>
+            <a:r>
+              <a:rPr lang="en-US" sz="1400"/>
+              <a:t> </a:t>
+            </a:r>
+            <a:r>
+              <a:rPr lang="en-US" sz="1400">
+                <a:hlinkClick r:id="rId3"/>
+              </a:rPr>
+              <a:t>https://en.wikipedia.org/wiki/Dremel_(software)</a:t>
+            </a:r>
+            <a:endParaRPr lang="en-US" sz="1400"/>
+          </a:p>
+          <a:p>
+            <a:endParaRPr lang="en-US" sz="1400"/>
+          </a:p>
+          <a:p>
+            <a:pPr marL="285750" indent="-285750">
+              <a:buFont typeface="Arial" panose="020B0604020202020204" pitchFamily="34" charset="0"/>
+              <a:buChar char="•"/>
+            </a:pPr>
+            <a:r>
+              <a:rPr lang="en-US" sz="1400" b="1">
+                <a:solidFill>
+                  <a:srgbClr val="FF0000"/>
+                </a:solidFill>
+              </a:rPr>
+              <a:t>Dremel</a:t>
+            </a:r>
+            <a:r>
+              <a:rPr lang="en-US" sz="1400"/>
+              <a:t> is a distributed system developed at Google for interactively querying large datasets</a:t>
+            </a:r>
+          </a:p>
+          <a:p>
+            <a:pPr marL="285750" indent="-285750">
+              <a:buFont typeface="Arial" panose="020B0604020202020204" pitchFamily="34" charset="0"/>
+              <a:buChar char="•"/>
+            </a:pPr>
+            <a:r>
+              <a:rPr lang="en-US" sz="1400" b="1">
+                <a:solidFill>
+                  <a:srgbClr val="FF0000"/>
+                </a:solidFill>
+              </a:rPr>
+              <a:t>Dremel</a:t>
+            </a:r>
+            <a:r>
+              <a:rPr lang="en-US" sz="1400"/>
+              <a:t> is the </a:t>
+            </a:r>
+            <a:r>
+              <a:rPr lang="en-US" sz="1400" b="1">
+                <a:solidFill>
+                  <a:srgbClr val="00B050"/>
+                </a:solidFill>
+              </a:rPr>
+              <a:t>query engine used in </a:t>
+            </a:r>
+            <a:r>
+              <a:rPr lang="en-US" sz="1400" b="1">
+                <a:solidFill>
+                  <a:srgbClr val="FF0000"/>
+                </a:solidFill>
+              </a:rPr>
+              <a:t>Google's BigQuery</a:t>
+            </a:r>
+            <a:r>
+              <a:rPr lang="en-US" sz="1400" b="1">
+                <a:solidFill>
+                  <a:srgbClr val="00B050"/>
+                </a:solidFill>
+              </a:rPr>
+              <a:t> service</a:t>
+            </a:r>
+            <a:endParaRPr lang="en-US" sz="1400"/>
+          </a:p>
+          <a:p>
+            <a:pPr marL="285750" indent="-285750">
+              <a:buFont typeface="Arial" panose="020B0604020202020204" pitchFamily="34" charset="0"/>
+              <a:buChar char="•"/>
+            </a:pPr>
+            <a:r>
+              <a:rPr lang="en-US" sz="1400" b="1">
+                <a:solidFill>
+                  <a:srgbClr val="FF0000"/>
+                </a:solidFill>
+              </a:rPr>
+              <a:t>Dremel</a:t>
+            </a:r>
+            <a:r>
+              <a:rPr lang="en-US" sz="1400"/>
+              <a:t> is the inspiration for:</a:t>
+            </a:r>
+            <a:br>
+              <a:rPr lang="en-US" sz="1400"/>
+            </a:br>
+            <a:endParaRPr lang="en-US" sz="1400"/>
+          </a:p>
+          <a:p>
+            <a:pPr marL="742950" lvl="1" indent="-285750">
+              <a:buFont typeface="Arial" panose="020B0604020202020204" pitchFamily="34" charset="0"/>
+              <a:buChar char="•"/>
+            </a:pPr>
+            <a:r>
+              <a:rPr lang="en-US" sz="1400" b="1">
+                <a:solidFill>
+                  <a:srgbClr val="FF0000"/>
+                </a:solidFill>
+              </a:rPr>
+              <a:t>Apache Drill</a:t>
+            </a:r>
+            <a:r>
+              <a:rPr lang="en-US" sz="1400"/>
+              <a:t> - </a:t>
+            </a:r>
+            <a:r>
+              <a:rPr lang="en-US" sz="1400">
+                <a:hlinkClick r:id="rId4"/>
+              </a:rPr>
+              <a:t>https://drill.apache.org</a:t>
+            </a:r>
+            <a:r>
+              <a:rPr lang="en-US" sz="1400"/>
+              <a:t> - Schema-free </a:t>
+            </a:r>
+            <a:r>
+              <a:rPr lang="en-US" sz="1400" b="1">
+                <a:solidFill>
+                  <a:srgbClr val="FF0000"/>
+                </a:solidFill>
+              </a:rPr>
+              <a:t>SQL Query Engine</a:t>
+            </a:r>
+            <a:r>
+              <a:rPr lang="en-US" sz="1400"/>
+              <a:t> for Hadoop, NoSQL and Cloud Storage</a:t>
+            </a:r>
+            <a:br>
+              <a:rPr lang="en-US" sz="1400"/>
+            </a:br>
+            <a:endParaRPr lang="en-US" sz="1400"/>
+          </a:p>
+          <a:p>
+            <a:pPr marL="742950" lvl="1" indent="-285750">
+              <a:buFont typeface="Arial" panose="020B0604020202020204" pitchFamily="34" charset="0"/>
+              <a:buChar char="•"/>
+            </a:pPr>
+            <a:r>
+              <a:rPr lang="en-US" sz="1400" b="1">
+                <a:solidFill>
+                  <a:srgbClr val="FF0000"/>
+                </a:solidFill>
+              </a:rPr>
+              <a:t>Apache Impala</a:t>
+            </a:r>
+            <a:r>
+              <a:rPr lang="en-US" sz="1400"/>
+              <a:t> - </a:t>
+            </a:r>
+            <a:r>
+              <a:rPr lang="en-US" sz="1400">
+                <a:hlinkClick r:id="rId5"/>
+              </a:rPr>
+              <a:t>https://impala.apache.org</a:t>
+            </a:r>
+            <a:r>
+              <a:rPr lang="en-US" sz="1400"/>
+              <a:t> - native </a:t>
+            </a:r>
+            <a:r>
+              <a:rPr lang="en-US" sz="1400" b="1">
+                <a:solidFill>
+                  <a:srgbClr val="FF0000"/>
+                </a:solidFill>
+              </a:rPr>
+              <a:t>analytic database</a:t>
+            </a:r>
+            <a:r>
+              <a:rPr lang="en-US" sz="1400"/>
+              <a:t> for Apache Hadoop</a:t>
+            </a:r>
+            <a:br>
+              <a:rPr lang="en-US" sz="1400"/>
+            </a:br>
+            <a:endParaRPr lang="en-US" sz="1400"/>
+          </a:p>
+          <a:p>
+            <a:pPr marL="742950" lvl="1" indent="-285750">
+              <a:buFont typeface="Arial" panose="020B0604020202020204" pitchFamily="34" charset="0"/>
+              <a:buChar char="•"/>
+            </a:pPr>
+            <a:r>
+              <a:rPr lang="en-US" sz="1400" b="1">
+                <a:solidFill>
+                  <a:srgbClr val="FF0000"/>
+                </a:solidFill>
+              </a:rPr>
+              <a:t>Dremio</a:t>
+            </a:r>
+            <a:r>
+              <a:rPr lang="en-US" sz="1400"/>
+              <a:t> - </a:t>
+            </a:r>
+            <a:r>
+              <a:rPr lang="en-US" sz="1400">
+                <a:hlinkClick r:id="rId6"/>
+              </a:rPr>
+              <a:t>https://www.dremio.com</a:t>
+            </a:r>
+            <a:r>
+              <a:rPr lang="en-US" sz="1400"/>
+              <a:t> - an Apache licensed platform that includes a distributed SQL execution engine</a:t>
+            </a:r>
+          </a:p>
+          <a:p>
+            <a:endParaRPr lang="en-US" sz="1400"/>
+          </a:p>
+        </p:txBody>
+      </p:sp>
+      <p:pic>
+        <p:nvPicPr>
+          <p:cNvPr id="5" name="Picture 4">
+            <a:extLst>
+              <a:ext uri="{FF2B5EF4-FFF2-40B4-BE49-F238E27FC236}">
+                <a16:creationId xmlns:a16="http://schemas.microsoft.com/office/drawing/2014/main" id="{364DF77E-4752-D644-B851-525ACE8DDA16}"/>
+              </a:ext>
+            </a:extLst>
+          </p:cNvPr>
+          <p:cNvPicPr>
+            <a:picLocks noChangeAspect="1"/>
+          </p:cNvPicPr>
+          <p:nvPr/>
+        </p:nvPicPr>
+        <p:blipFill>
+          <a:blip r:embed="rId7" cstate="email">
+            <a:extLst>
+              <a:ext uri="{28A0092B-C50C-407E-A947-70E740481C1C}">
+                <a14:useLocalDpi xmlns:a14="http://schemas.microsoft.com/office/drawing/2010/main"/>
+              </a:ext>
+            </a:extLst>
+          </a:blip>
+          <a:stretch>
+            <a:fillRect/>
+          </a:stretch>
+        </p:blipFill>
+        <p:spPr>
+          <a:xfrm>
+            <a:off x="8220740" y="219747"/>
+            <a:ext cx="3801282" cy="825958"/>
+          </a:xfrm>
+          <a:prstGeom prst="rect">
+            <a:avLst/>
+          </a:prstGeom>
+        </p:spPr>
+      </p:pic>
+      <p:pic>
+        <p:nvPicPr>
+          <p:cNvPr id="6" name="Picture 5">
+            <a:extLst>
+              <a:ext uri="{FF2B5EF4-FFF2-40B4-BE49-F238E27FC236}">
+                <a16:creationId xmlns:a16="http://schemas.microsoft.com/office/drawing/2014/main" id="{24FD403E-088A-3542-B73B-66B1EEF5DCA6}"/>
+              </a:ext>
+            </a:extLst>
+          </p:cNvPr>
+          <p:cNvPicPr>
+            <a:picLocks noChangeAspect="1"/>
+          </p:cNvPicPr>
+          <p:nvPr/>
+        </p:nvPicPr>
+        <p:blipFill>
+          <a:blip r:embed="rId8" cstate="email">
+            <a:extLst>
+              <a:ext uri="{28A0092B-C50C-407E-A947-70E740481C1C}">
+                <a14:useLocalDpi xmlns:a14="http://schemas.microsoft.com/office/drawing/2010/main"/>
+              </a:ext>
+            </a:extLst>
+          </a:blip>
+          <a:stretch>
+            <a:fillRect/>
+          </a:stretch>
+        </p:blipFill>
+        <p:spPr>
+          <a:xfrm>
+            <a:off x="8165893" y="1142086"/>
+            <a:ext cx="1955488" cy="937271"/>
+          </a:xfrm>
+          <a:prstGeom prst="rect">
+            <a:avLst/>
+          </a:prstGeom>
+        </p:spPr>
+      </p:pic>
+      <p:pic>
+        <p:nvPicPr>
+          <p:cNvPr id="7" name="Picture 6">
+            <a:extLst>
+              <a:ext uri="{FF2B5EF4-FFF2-40B4-BE49-F238E27FC236}">
+                <a16:creationId xmlns:a16="http://schemas.microsoft.com/office/drawing/2014/main" id="{38A25A3E-F125-C345-854A-36D271417780}"/>
+              </a:ext>
+            </a:extLst>
+          </p:cNvPr>
+          <p:cNvPicPr>
+            <a:picLocks noChangeAspect="1"/>
+          </p:cNvPicPr>
+          <p:nvPr/>
+        </p:nvPicPr>
+        <p:blipFill>
+          <a:blip r:embed="rId9" cstate="email">
+            <a:extLst>
+              <a:ext uri="{28A0092B-C50C-407E-A947-70E740481C1C}">
+                <a14:useLocalDpi xmlns:a14="http://schemas.microsoft.com/office/drawing/2010/main"/>
+              </a:ext>
+            </a:extLst>
+          </a:blip>
+          <a:stretch>
+            <a:fillRect/>
+          </a:stretch>
+        </p:blipFill>
+        <p:spPr>
+          <a:xfrm>
+            <a:off x="10944815" y="965149"/>
+            <a:ext cx="965200" cy="2197100"/>
+          </a:xfrm>
+          <a:prstGeom prst="rect">
+            <a:avLst/>
+          </a:prstGeom>
+        </p:spPr>
+      </p:pic>
+      <p:sp>
+        <p:nvSpPr>
+          <p:cNvPr id="8" name="TextBox 7">
+            <a:extLst>
+              <a:ext uri="{FF2B5EF4-FFF2-40B4-BE49-F238E27FC236}">
+                <a16:creationId xmlns:a16="http://schemas.microsoft.com/office/drawing/2014/main" id="{90208A7C-3551-1541-8E75-DE7C7566EF2F}"/>
+              </a:ext>
+            </a:extLst>
+          </p:cNvPr>
+          <p:cNvSpPr txBox="1"/>
+          <p:nvPr/>
+        </p:nvSpPr>
+        <p:spPr>
+          <a:xfrm>
+            <a:off x="10944815" y="3205284"/>
+            <a:ext cx="965200" cy="646331"/>
+          </a:xfrm>
+          <a:prstGeom prst="rect">
+            <a:avLst/>
+          </a:prstGeom>
+          <a:noFill/>
+        </p:spPr>
+        <p:txBody>
+          <a:bodyPr wrap="square" rtlCol="0">
+            <a:spAutoFit/>
+          </a:bodyPr>
+          <a:lstStyle/>
+          <a:p>
+            <a:pPr algn="ctr"/>
+            <a:r>
+              <a:rPr lang="en-US"/>
+              <a:t>Apache</a:t>
+            </a:r>
+          </a:p>
+          <a:p>
+            <a:pPr algn="ctr"/>
+            <a:r>
+              <a:rPr lang="en-US"/>
+              <a:t>Impala</a:t>
+            </a:r>
+          </a:p>
+        </p:txBody>
+      </p:sp>
+      <p:pic>
+        <p:nvPicPr>
+          <p:cNvPr id="9" name="Picture 8">
+            <a:extLst>
+              <a:ext uri="{FF2B5EF4-FFF2-40B4-BE49-F238E27FC236}">
+                <a16:creationId xmlns:a16="http://schemas.microsoft.com/office/drawing/2014/main" id="{3AC1E898-3E18-5F4A-A497-770AB811B2C1}"/>
+              </a:ext>
+            </a:extLst>
+          </p:cNvPr>
+          <p:cNvPicPr>
+            <a:picLocks noChangeAspect="1"/>
+          </p:cNvPicPr>
+          <p:nvPr/>
+        </p:nvPicPr>
+        <p:blipFill>
+          <a:blip r:embed="rId10" cstate="email">
+            <a:extLst>
+              <a:ext uri="{28A0092B-C50C-407E-A947-70E740481C1C}">
+                <a14:useLocalDpi xmlns:a14="http://schemas.microsoft.com/office/drawing/2010/main"/>
+              </a:ext>
+            </a:extLst>
+          </a:blip>
+          <a:stretch>
+            <a:fillRect/>
+          </a:stretch>
+        </p:blipFill>
+        <p:spPr>
+          <a:xfrm>
+            <a:off x="910380" y="3526914"/>
+            <a:ext cx="5428428" cy="3096943"/>
+          </a:xfrm>
+          <a:prstGeom prst="rect">
+            <a:avLst/>
+          </a:prstGeom>
+        </p:spPr>
+      </p:pic>
+      <p:sp>
+        <p:nvSpPr>
+          <p:cNvPr id="10" name="TextBox 9">
+            <a:extLst>
+              <a:ext uri="{FF2B5EF4-FFF2-40B4-BE49-F238E27FC236}">
+                <a16:creationId xmlns:a16="http://schemas.microsoft.com/office/drawing/2014/main" id="{4D80FF22-47AF-4F48-A738-7B3DE37889D3}"/>
+              </a:ext>
+            </a:extLst>
+          </p:cNvPr>
+          <p:cNvSpPr txBox="1"/>
+          <p:nvPr/>
+        </p:nvSpPr>
+        <p:spPr>
+          <a:xfrm>
+            <a:off x="6919561" y="4259217"/>
+            <a:ext cx="4990454" cy="2308324"/>
+          </a:xfrm>
+          <a:prstGeom prst="rect">
+            <a:avLst/>
+          </a:prstGeom>
+          <a:noFill/>
+        </p:spPr>
+        <p:txBody>
+          <a:bodyPr wrap="square" rtlCol="0">
+            <a:spAutoFit/>
+          </a:bodyPr>
+          <a:lstStyle/>
+          <a:p>
+            <a:r>
+              <a:rPr lang="en-US" b="1">
+                <a:solidFill>
+                  <a:srgbClr val="FF0000"/>
+                </a:solidFill>
+              </a:rPr>
+              <a:t>Dremio</a:t>
+            </a:r>
+            <a:r>
+              <a:rPr lang="en-US">
+                <a:solidFill>
+                  <a:srgbClr val="00B0F0"/>
+                </a:solidFill>
+              </a:rPr>
+              <a:t> may be configured on all 3 major clouds (AWS, Azure, Google)</a:t>
+            </a:r>
+          </a:p>
+          <a:p>
+            <a:endParaRPr lang="en-US">
+              <a:solidFill>
+                <a:srgbClr val="00B0F0"/>
+              </a:solidFill>
+            </a:endParaRPr>
+          </a:p>
+          <a:p>
+            <a:r>
+              <a:rPr lang="en-US" b="1">
+                <a:solidFill>
+                  <a:srgbClr val="FF0000"/>
+                </a:solidFill>
+              </a:rPr>
+              <a:t>Dremio</a:t>
+            </a:r>
+            <a:r>
+              <a:rPr lang="en-US">
+                <a:solidFill>
+                  <a:srgbClr val="00B0F0"/>
+                </a:solidFill>
+              </a:rPr>
+              <a:t> added support for </a:t>
+            </a:r>
+            <a:r>
+              <a:rPr lang="en-US" b="1">
+                <a:solidFill>
+                  <a:srgbClr val="FF0000"/>
+                </a:solidFill>
+              </a:rPr>
+              <a:t>Apache Iceberg tables</a:t>
+            </a:r>
+            <a:r>
+              <a:rPr lang="en-US">
+                <a:solidFill>
+                  <a:srgbClr val="00B0F0"/>
+                </a:solidFill>
+              </a:rPr>
+              <a:t> - </a:t>
+            </a:r>
+            <a:r>
+              <a:rPr lang="en-US">
+                <a:solidFill>
+                  <a:srgbClr val="00B0F0"/>
+                </a:solidFill>
+                <a:hlinkClick r:id="rId11"/>
+              </a:rPr>
+              <a:t>https://iceberg.apache.org</a:t>
+            </a:r>
+            <a:endParaRPr lang="en-US">
+              <a:solidFill>
+                <a:srgbClr val="00B0F0"/>
+              </a:solidFill>
+            </a:endParaRPr>
+          </a:p>
+          <a:p>
+            <a:endParaRPr lang="en-US">
+              <a:solidFill>
+                <a:srgbClr val="00B0F0"/>
+              </a:solidFill>
+            </a:endParaRPr>
+          </a:p>
+          <a:p>
+            <a:r>
+              <a:rPr lang="en-US">
+                <a:solidFill>
+                  <a:srgbClr val="00B0F0"/>
+                </a:solidFill>
+              </a:rPr>
+              <a:t>In 2021 </a:t>
+            </a:r>
+            <a:r>
+              <a:rPr lang="en-US" b="1">
+                <a:solidFill>
+                  <a:srgbClr val="FF0000"/>
+                </a:solidFill>
+              </a:rPr>
+              <a:t>Dremio</a:t>
+            </a:r>
+            <a:r>
+              <a:rPr lang="en-US">
+                <a:solidFill>
+                  <a:srgbClr val="00B0F0"/>
+                </a:solidFill>
+              </a:rPr>
+              <a:t> achieved Unicorn status (more than a Billion $ valuation).</a:t>
+            </a:r>
+          </a:p>
+        </p:txBody>
+      </p:sp>
+    </p:spTree>
+    <p:extLst>
+      <p:ext uri="{BB962C8B-B14F-4D97-AF65-F5344CB8AC3E}">
+        <p14:creationId xmlns:p14="http://schemas.microsoft.com/office/powerpoint/2010/main" val="1720229433"/>
       </p:ext>
     </p:extLst>
   </p:cSld>

--- a/DA_13_miscellaneous.pptx
+++ b/DA_13_miscellaneous.pptx
@@ -5,7 +5,7 @@
     <p:sldMasterId id="2147483648" r:id="rId1"/>
   </p:sldMasterIdLst>
   <p:notesMasterIdLst>
-    <p:notesMasterId r:id="rId21"/>
+    <p:notesMasterId r:id="rId22"/>
   </p:notesMasterIdLst>
   <p:sldIdLst>
     <p:sldId id="260" r:id="rId2"/>
@@ -27,6 +27,7 @@
     <p:sldId id="272" r:id="rId18"/>
     <p:sldId id="273" r:id="rId19"/>
     <p:sldId id="274" r:id="rId20"/>
+    <p:sldId id="275" r:id="rId21"/>
   </p:sldIdLst>
   <p:sldSz cx="12192000" cy="6858000"/>
   <p:notesSz cx="6858000" cy="9144000"/>
@@ -215,7 +216,7 @@
           <a:p>
             <a:fld id="{C2E15B94-D9E4-E149-8081-23A720D1EE5F}" type="datetimeFigureOut">
               <a:rPr lang="en-US" smtClean="0"/>
-              <a:t>12/23/21</a:t>
+              <a:t>2/3/22</a:t>
             </a:fld>
             <a:endParaRPr lang="en-US"/>
           </a:p>
@@ -713,7 +714,7 @@
           <a:p>
             <a:fld id="{FBD852D7-E694-214E-8A12-510E0A0329D2}" type="datetimeFigureOut">
               <a:rPr lang="en-US" smtClean="0"/>
-              <a:t>12/23/21</a:t>
+              <a:t>2/3/22</a:t>
             </a:fld>
             <a:endParaRPr lang="en-US"/>
           </a:p>
@@ -911,7 +912,7 @@
           <a:p>
             <a:fld id="{FBD852D7-E694-214E-8A12-510E0A0329D2}" type="datetimeFigureOut">
               <a:rPr lang="en-US" smtClean="0"/>
-              <a:t>12/23/21</a:t>
+              <a:t>2/3/22</a:t>
             </a:fld>
             <a:endParaRPr lang="en-US"/>
           </a:p>
@@ -1119,7 +1120,7 @@
           <a:p>
             <a:fld id="{FBD852D7-E694-214E-8A12-510E0A0329D2}" type="datetimeFigureOut">
               <a:rPr lang="en-US" smtClean="0"/>
-              <a:t>12/23/21</a:t>
+              <a:t>2/3/22</a:t>
             </a:fld>
             <a:endParaRPr lang="en-US"/>
           </a:p>
@@ -1317,7 +1318,7 @@
           <a:p>
             <a:fld id="{FBD852D7-E694-214E-8A12-510E0A0329D2}" type="datetimeFigureOut">
               <a:rPr lang="en-US" smtClean="0"/>
-              <a:t>12/23/21</a:t>
+              <a:t>2/3/22</a:t>
             </a:fld>
             <a:endParaRPr lang="en-US"/>
           </a:p>
@@ -1592,7 +1593,7 @@
           <a:p>
             <a:fld id="{FBD852D7-E694-214E-8A12-510E0A0329D2}" type="datetimeFigureOut">
               <a:rPr lang="en-US" smtClean="0"/>
-              <a:t>12/23/21</a:t>
+              <a:t>2/3/22</a:t>
             </a:fld>
             <a:endParaRPr lang="en-US"/>
           </a:p>
@@ -1857,7 +1858,7 @@
           <a:p>
             <a:fld id="{FBD852D7-E694-214E-8A12-510E0A0329D2}" type="datetimeFigureOut">
               <a:rPr lang="en-US" smtClean="0"/>
-              <a:t>12/23/21</a:t>
+              <a:t>2/3/22</a:t>
             </a:fld>
             <a:endParaRPr lang="en-US"/>
           </a:p>
@@ -2269,7 +2270,7 @@
           <a:p>
             <a:fld id="{FBD852D7-E694-214E-8A12-510E0A0329D2}" type="datetimeFigureOut">
               <a:rPr lang="en-US" smtClean="0"/>
-              <a:t>12/23/21</a:t>
+              <a:t>2/3/22</a:t>
             </a:fld>
             <a:endParaRPr lang="en-US"/>
           </a:p>
@@ -2410,7 +2411,7 @@
           <a:p>
             <a:fld id="{FBD852D7-E694-214E-8A12-510E0A0329D2}" type="datetimeFigureOut">
               <a:rPr lang="en-US" smtClean="0"/>
-              <a:t>12/23/21</a:t>
+              <a:t>2/3/22</a:t>
             </a:fld>
             <a:endParaRPr lang="en-US"/>
           </a:p>
@@ -2523,7 +2524,7 @@
           <a:p>
             <a:fld id="{FBD852D7-E694-214E-8A12-510E0A0329D2}" type="datetimeFigureOut">
               <a:rPr lang="en-US" smtClean="0"/>
-              <a:t>12/23/21</a:t>
+              <a:t>2/3/22</a:t>
             </a:fld>
             <a:endParaRPr lang="en-US"/>
           </a:p>
@@ -2834,7 +2835,7 @@
           <a:p>
             <a:fld id="{FBD852D7-E694-214E-8A12-510E0A0329D2}" type="datetimeFigureOut">
               <a:rPr lang="en-US" smtClean="0"/>
-              <a:t>12/23/21</a:t>
+              <a:t>2/3/22</a:t>
             </a:fld>
             <a:endParaRPr lang="en-US"/>
           </a:p>
@@ -3122,7 +3123,7 @@
           <a:p>
             <a:fld id="{FBD852D7-E694-214E-8A12-510E0A0329D2}" type="datetimeFigureOut">
               <a:rPr lang="en-US" smtClean="0"/>
-              <a:t>12/23/21</a:t>
+              <a:t>2/3/22</a:t>
             </a:fld>
             <a:endParaRPr lang="en-US"/>
           </a:p>
@@ -3363,7 +3364,7 @@
           <a:p>
             <a:fld id="{FBD852D7-E694-214E-8A12-510E0A0329D2}" type="datetimeFigureOut">
               <a:rPr lang="en-US" smtClean="0"/>
-              <a:t>12/23/21</a:t>
+              <a:t>2/3/22</a:t>
             </a:fld>
             <a:endParaRPr lang="en-US"/>
           </a:p>
@@ -9394,6 +9395,167 @@
     <p:extLst>
       <p:ext uri="{BB962C8B-B14F-4D97-AF65-F5344CB8AC3E}">
         <p14:creationId xmlns:p14="http://schemas.microsoft.com/office/powerpoint/2010/main" val="1715675315"/>
+      </p:ext>
+    </p:extLst>
+  </p:cSld>
+  <p:clrMapOvr>
+    <a:masterClrMapping/>
+  </p:clrMapOvr>
+</p:sld>
+</file>
+
+<file path=ppt/slides/slide20.xml><?xml version="1.0" encoding="utf-8"?>
+<p:sld xmlns:a="http://schemas.openxmlformats.org/drawingml/2006/main" xmlns:r="http://schemas.openxmlformats.org/officeDocument/2006/relationships" xmlns:p="http://schemas.openxmlformats.org/presentationml/2006/main">
+  <p:cSld>
+    <p:spTree>
+      <p:nvGrpSpPr>
+        <p:cNvPr id="1" name=""/>
+        <p:cNvGrpSpPr/>
+        <p:nvPr/>
+      </p:nvGrpSpPr>
+      <p:grpSpPr>
+        <a:xfrm>
+          <a:off x="0" y="0"/>
+          <a:ext cx="0" cy="0"/>
+          <a:chOff x="0" y="0"/>
+          <a:chExt cx="0" cy="0"/>
+        </a:xfrm>
+      </p:grpSpPr>
+      <p:sp>
+        <p:nvSpPr>
+          <p:cNvPr id="2" name="TextBox 1">
+            <a:extLst>
+              <a:ext uri="{FF2B5EF4-FFF2-40B4-BE49-F238E27FC236}">
+                <a16:creationId xmlns:a16="http://schemas.microsoft.com/office/drawing/2014/main" id="{7C071599-55A9-4F41-A798-549669DB0603}"/>
+              </a:ext>
+            </a:extLst>
+          </p:cNvPr>
+          <p:cNvSpPr txBox="1"/>
+          <p:nvPr/>
+        </p:nvSpPr>
+        <p:spPr>
+          <a:xfrm>
+            <a:off x="170481" y="914399"/>
+            <a:ext cx="10011905" cy="2585323"/>
+          </a:xfrm>
+          <a:prstGeom prst="rect">
+            <a:avLst/>
+          </a:prstGeom>
+          <a:noFill/>
+        </p:spPr>
+        <p:txBody>
+          <a:bodyPr wrap="square" rtlCol="0">
+            <a:spAutoFit/>
+          </a:bodyPr>
+          <a:lstStyle/>
+          <a:p>
+            <a:r>
+              <a:rPr lang="en-US"/>
+              <a:t>Optimizing DB schema and SQL requires paying salaries.</a:t>
+            </a:r>
+          </a:p>
+          <a:p>
+            <a:r>
+              <a:rPr lang="en-US"/>
+              <a:t>But as storage and compute gets cheaper and cheaper,</a:t>
+            </a:r>
+          </a:p>
+          <a:p>
+            <a:r>
+              <a:rPr lang="en-US"/>
+              <a:t>it is getting </a:t>
+            </a:r>
+            <a:r>
+              <a:rPr lang="en-US" b="1">
+                <a:solidFill>
+                  <a:srgbClr val="FF0000"/>
+                </a:solidFill>
+              </a:rPr>
+              <a:t>more cost-effective to avoid optimization</a:t>
+            </a:r>
+            <a:r>
+              <a:rPr lang="en-US"/>
+              <a:t>.</a:t>
+            </a:r>
+          </a:p>
+          <a:p>
+            <a:r>
+              <a:rPr lang="en-US"/>
+              <a:t>It is quite a shift in architecture philosophy.</a:t>
+            </a:r>
+          </a:p>
+          <a:p>
+            <a:endParaRPr lang="en-US"/>
+          </a:p>
+          <a:p>
+            <a:r>
+              <a:rPr lang="en-US"/>
+              <a:t>Read this aricle:</a:t>
+            </a:r>
+          </a:p>
+          <a:p>
+            <a:endParaRPr lang="en-US"/>
+          </a:p>
+          <a:p>
+            <a:r>
+              <a:rPr lang="en-US"/>
+              <a:t>"Learn From Google’s Data Engineers: Don’t Optimize Your SQL"</a:t>
+            </a:r>
+          </a:p>
+          <a:p>
+            <a:r>
+              <a:rPr lang="en-US"/>
+              <a:t> - </a:t>
+            </a:r>
+            <a:r>
+              <a:rPr lang="en-US">
+                <a:hlinkClick r:id="rId2"/>
+              </a:rPr>
+              <a:t>https://blog.devgenius.io/learn-from-googles-data-engineers-don-t-optimize-your-sql-43f0da30701</a:t>
+            </a:r>
+            <a:endParaRPr lang="en-US"/>
+          </a:p>
+        </p:txBody>
+      </p:sp>
+      <p:sp>
+        <p:nvSpPr>
+          <p:cNvPr id="3" name="TextBox 2">
+            <a:extLst>
+              <a:ext uri="{FF2B5EF4-FFF2-40B4-BE49-F238E27FC236}">
+                <a16:creationId xmlns:a16="http://schemas.microsoft.com/office/drawing/2014/main" id="{426D12A7-F7A0-324F-AEA6-85682A913094}"/>
+              </a:ext>
+            </a:extLst>
+          </p:cNvPr>
+          <p:cNvSpPr txBox="1"/>
+          <p:nvPr/>
+        </p:nvSpPr>
+        <p:spPr>
+          <a:xfrm>
+            <a:off x="0" y="0"/>
+            <a:ext cx="6927743" cy="523220"/>
+          </a:xfrm>
+          <a:prstGeom prst="rect">
+            <a:avLst/>
+          </a:prstGeom>
+          <a:noFill/>
+        </p:spPr>
+        <p:txBody>
+          <a:bodyPr wrap="square" rtlCol="0">
+            <a:spAutoFit/>
+          </a:bodyPr>
+          <a:lstStyle/>
+          <a:p>
+            <a:r>
+              <a:rPr lang="en-US" sz="2800" b="1"/>
+              <a:t>Do Not Optimize your SQL and Schema</a:t>
+            </a:r>
+          </a:p>
+        </p:txBody>
+      </p:sp>
+    </p:spTree>
+    <p:extLst>
+      <p:ext uri="{BB962C8B-B14F-4D97-AF65-F5344CB8AC3E}">
+        <p14:creationId xmlns:p14="http://schemas.microsoft.com/office/powerpoint/2010/main" val="1736800069"/>
       </p:ext>
     </p:extLst>
   </p:cSld>

--- a/DA_13_miscellaneous.pptx
+++ b/DA_13_miscellaneous.pptx
@@ -216,7 +216,7 @@
           <a:p>
             <a:fld id="{C2E15B94-D9E4-E149-8081-23A720D1EE5F}" type="datetimeFigureOut">
               <a:rPr lang="en-US" smtClean="0"/>
-              <a:t>2/3/22</a:t>
+              <a:t>2/4/22</a:t>
             </a:fld>
             <a:endParaRPr lang="en-US"/>
           </a:p>
@@ -714,7 +714,7 @@
           <a:p>
             <a:fld id="{FBD852D7-E694-214E-8A12-510E0A0329D2}" type="datetimeFigureOut">
               <a:rPr lang="en-US" smtClean="0"/>
-              <a:t>2/3/22</a:t>
+              <a:t>2/4/22</a:t>
             </a:fld>
             <a:endParaRPr lang="en-US"/>
           </a:p>
@@ -912,7 +912,7 @@
           <a:p>
             <a:fld id="{FBD852D7-E694-214E-8A12-510E0A0329D2}" type="datetimeFigureOut">
               <a:rPr lang="en-US" smtClean="0"/>
-              <a:t>2/3/22</a:t>
+              <a:t>2/4/22</a:t>
             </a:fld>
             <a:endParaRPr lang="en-US"/>
           </a:p>
@@ -1120,7 +1120,7 @@
           <a:p>
             <a:fld id="{FBD852D7-E694-214E-8A12-510E0A0329D2}" type="datetimeFigureOut">
               <a:rPr lang="en-US" smtClean="0"/>
-              <a:t>2/3/22</a:t>
+              <a:t>2/4/22</a:t>
             </a:fld>
             <a:endParaRPr lang="en-US"/>
           </a:p>
@@ -1318,7 +1318,7 @@
           <a:p>
             <a:fld id="{FBD852D7-E694-214E-8A12-510E0A0329D2}" type="datetimeFigureOut">
               <a:rPr lang="en-US" smtClean="0"/>
-              <a:t>2/3/22</a:t>
+              <a:t>2/4/22</a:t>
             </a:fld>
             <a:endParaRPr lang="en-US"/>
           </a:p>
@@ -1593,7 +1593,7 @@
           <a:p>
             <a:fld id="{FBD852D7-E694-214E-8A12-510E0A0329D2}" type="datetimeFigureOut">
               <a:rPr lang="en-US" smtClean="0"/>
-              <a:t>2/3/22</a:t>
+              <a:t>2/4/22</a:t>
             </a:fld>
             <a:endParaRPr lang="en-US"/>
           </a:p>
@@ -1858,7 +1858,7 @@
           <a:p>
             <a:fld id="{FBD852D7-E694-214E-8A12-510E0A0329D2}" type="datetimeFigureOut">
               <a:rPr lang="en-US" smtClean="0"/>
-              <a:t>2/3/22</a:t>
+              <a:t>2/4/22</a:t>
             </a:fld>
             <a:endParaRPr lang="en-US"/>
           </a:p>
@@ -2270,7 +2270,7 @@
           <a:p>
             <a:fld id="{FBD852D7-E694-214E-8A12-510E0A0329D2}" type="datetimeFigureOut">
               <a:rPr lang="en-US" smtClean="0"/>
-              <a:t>2/3/22</a:t>
+              <a:t>2/4/22</a:t>
             </a:fld>
             <a:endParaRPr lang="en-US"/>
           </a:p>
@@ -2411,7 +2411,7 @@
           <a:p>
             <a:fld id="{FBD852D7-E694-214E-8A12-510E0A0329D2}" type="datetimeFigureOut">
               <a:rPr lang="en-US" smtClean="0"/>
-              <a:t>2/3/22</a:t>
+              <a:t>2/4/22</a:t>
             </a:fld>
             <a:endParaRPr lang="en-US"/>
           </a:p>
@@ -2524,7 +2524,7 @@
           <a:p>
             <a:fld id="{FBD852D7-E694-214E-8A12-510E0A0329D2}" type="datetimeFigureOut">
               <a:rPr lang="en-US" smtClean="0"/>
-              <a:t>2/3/22</a:t>
+              <a:t>2/4/22</a:t>
             </a:fld>
             <a:endParaRPr lang="en-US"/>
           </a:p>
@@ -2835,7 +2835,7 @@
           <a:p>
             <a:fld id="{FBD852D7-E694-214E-8A12-510E0A0329D2}" type="datetimeFigureOut">
               <a:rPr lang="en-US" smtClean="0"/>
-              <a:t>2/3/22</a:t>
+              <a:t>2/4/22</a:t>
             </a:fld>
             <a:endParaRPr lang="en-US"/>
           </a:p>
@@ -3123,7 +3123,7 @@
           <a:p>
             <a:fld id="{FBD852D7-E694-214E-8A12-510E0A0329D2}" type="datetimeFigureOut">
               <a:rPr lang="en-US" smtClean="0"/>
-              <a:t>2/3/22</a:t>
+              <a:t>2/4/22</a:t>
             </a:fld>
             <a:endParaRPr lang="en-US"/>
           </a:p>
@@ -3364,7 +3364,7 @@
           <a:p>
             <a:fld id="{FBD852D7-E694-214E-8A12-510E0A0329D2}" type="datetimeFigureOut">
               <a:rPr lang="en-US" smtClean="0"/>
-              <a:t>2/3/22</a:t>
+              <a:t>2/4/22</a:t>
             </a:fld>
             <a:endParaRPr lang="en-US"/>
           </a:p>
@@ -9435,8 +9435,8 @@
         </p:nvSpPr>
         <p:spPr>
           <a:xfrm>
-            <a:off x="170481" y="914399"/>
-            <a:ext cx="10011905" cy="2585323"/>
+            <a:off x="0" y="523220"/>
+            <a:ext cx="10011905" cy="2031325"/>
           </a:xfrm>
           <a:prstGeom prst="rect">
             <a:avLst/>
@@ -9490,15 +9490,6 @@
           <a:p>
             <a:r>
               <a:rPr lang="en-US"/>
-              <a:t>Read this aricle:</a:t>
-            </a:r>
-          </a:p>
-          <a:p>
-            <a:endParaRPr lang="en-US"/>
-          </a:p>
-          <a:p>
-            <a:r>
-              <a:rPr lang="en-US"/>
               <a:t>"Learn From Google’s Data Engineers: Don’t Optimize Your SQL"</a:t>
             </a:r>
           </a:p>
@@ -9549,6 +9540,193 @@
               <a:rPr lang="en-US" sz="2800" b="1"/>
               <a:t>Do Not Optimize your SQL and Schema</a:t>
             </a:r>
+          </a:p>
+        </p:txBody>
+      </p:sp>
+      <p:sp>
+        <p:nvSpPr>
+          <p:cNvPr id="4" name="TextBox 3">
+            <a:extLst>
+              <a:ext uri="{FF2B5EF4-FFF2-40B4-BE49-F238E27FC236}">
+                <a16:creationId xmlns:a16="http://schemas.microsoft.com/office/drawing/2014/main" id="{668B1F30-AAF5-774E-B304-20EB9D088B56}"/>
+              </a:ext>
+            </a:extLst>
+          </p:cNvPr>
+          <p:cNvSpPr txBox="1"/>
+          <p:nvPr/>
+        </p:nvSpPr>
+        <p:spPr>
+          <a:xfrm>
+            <a:off x="0" y="3322370"/>
+            <a:ext cx="6292311" cy="523220"/>
+          </a:xfrm>
+          <a:prstGeom prst="rect">
+            <a:avLst/>
+          </a:prstGeom>
+          <a:noFill/>
+        </p:spPr>
+        <p:txBody>
+          <a:bodyPr wrap="square" rtlCol="0">
+            <a:spAutoFit/>
+          </a:bodyPr>
+          <a:lstStyle/>
+          <a:p>
+            <a:r>
+              <a:rPr lang="en-US" sz="2800" b="1"/>
+              <a:t>Use ELT instead of ETL</a:t>
+            </a:r>
+          </a:p>
+        </p:txBody>
+      </p:sp>
+      <p:sp>
+        <p:nvSpPr>
+          <p:cNvPr id="5" name="TextBox 4">
+            <a:extLst>
+              <a:ext uri="{FF2B5EF4-FFF2-40B4-BE49-F238E27FC236}">
+                <a16:creationId xmlns:a16="http://schemas.microsoft.com/office/drawing/2014/main" id="{02871265-9937-F244-AC55-067E101CB297}"/>
+              </a:ext>
+            </a:extLst>
+          </p:cNvPr>
+          <p:cNvSpPr txBox="1"/>
+          <p:nvPr/>
+        </p:nvSpPr>
+        <p:spPr>
+          <a:xfrm>
+            <a:off x="0" y="3870281"/>
+            <a:ext cx="10011905" cy="2862322"/>
+          </a:xfrm>
+          <a:prstGeom prst="rect">
+            <a:avLst/>
+          </a:prstGeom>
+          <a:noFill/>
+        </p:spPr>
+        <p:txBody>
+          <a:bodyPr wrap="square" rtlCol="0">
+            <a:spAutoFit/>
+          </a:bodyPr>
+          <a:lstStyle/>
+          <a:p>
+            <a:r>
+              <a:rPr lang="en-US" b="1">
+                <a:solidFill>
+                  <a:srgbClr val="00B050"/>
+                </a:solidFill>
+              </a:rPr>
+              <a:t>" ... we are seeing a consistent shift from ETL to ELT architecture ... "</a:t>
+            </a:r>
+          </a:p>
+          <a:p>
+            <a:endParaRPr lang="en-US"/>
+          </a:p>
+          <a:p>
+            <a:pPr marL="285750" indent="-285750">
+              <a:buFont typeface="Arial" panose="020B0604020202020204" pitchFamily="34" charset="0"/>
+              <a:buChar char="•"/>
+            </a:pPr>
+            <a:r>
+              <a:rPr lang="en-US"/>
+              <a:t>Legacy ETL pipelines are not that flexible to easily adapt according to the exponential data growth</a:t>
+            </a:r>
+          </a:p>
+          <a:p>
+            <a:pPr marL="285750" indent="-285750">
+              <a:buFont typeface="Arial" panose="020B0604020202020204" pitchFamily="34" charset="0"/>
+              <a:buChar char="•"/>
+            </a:pPr>
+            <a:r>
+              <a:rPr lang="en-US"/>
+              <a:t>Nowadays there is no need to do strict "legacy" transformations between </a:t>
+            </a:r>
+            <a:r>
+              <a:rPr lang="en-US" b="1">
+                <a:solidFill>
+                  <a:srgbClr val="FF0000"/>
+                </a:solidFill>
+              </a:rPr>
+              <a:t>Extract</a:t>
+            </a:r>
+            <a:r>
+              <a:rPr lang="en-US"/>
+              <a:t> and </a:t>
+            </a:r>
+            <a:r>
+              <a:rPr lang="en-US" b="1">
+                <a:solidFill>
+                  <a:srgbClr val="FF0000"/>
+                </a:solidFill>
+              </a:rPr>
+              <a:t>Load</a:t>
+            </a:r>
+            <a:r>
+              <a:rPr lang="en-US"/>
+              <a:t> phases</a:t>
+            </a:r>
+          </a:p>
+          <a:p>
+            <a:pPr marL="285750" indent="-285750">
+              <a:buFont typeface="Arial" panose="020B0604020202020204" pitchFamily="34" charset="0"/>
+              <a:buChar char="•"/>
+            </a:pPr>
+            <a:r>
+              <a:rPr lang="en-US"/>
+              <a:t>Simply </a:t>
+            </a:r>
+            <a:r>
+              <a:rPr lang="en-US" b="1">
+                <a:solidFill>
+                  <a:srgbClr val="FF0000"/>
+                </a:solidFill>
+              </a:rPr>
+              <a:t>Extract</a:t>
+            </a:r>
+            <a:r>
+              <a:rPr lang="en-US"/>
+              <a:t> – and immediately </a:t>
+            </a:r>
+            <a:r>
+              <a:rPr lang="en-US" b="1">
+                <a:solidFill>
+                  <a:srgbClr val="FF0000"/>
+                </a:solidFill>
+              </a:rPr>
+              <a:t>Load</a:t>
+            </a:r>
+            <a:r>
+              <a:rPr lang="en-US"/>
+              <a:t> with minimum transformations</a:t>
+            </a:r>
+          </a:p>
+          <a:p>
+            <a:pPr marL="285750" indent="-285750">
+              <a:buFont typeface="Arial" panose="020B0604020202020204" pitchFamily="34" charset="0"/>
+              <a:buChar char="•"/>
+            </a:pPr>
+            <a:r>
+              <a:rPr lang="en-US"/>
+              <a:t>Cloud storage is cheap and efficient, analytics services are powerful – which allows to flexibly work on the loaded data (transform, query)</a:t>
+            </a:r>
+          </a:p>
+          <a:p>
+            <a:endParaRPr lang="en-US"/>
+          </a:p>
+          <a:p>
+            <a:r>
+              <a:rPr lang="en-US"/>
+              <a:t>"Modern Data Stack for Startups"</a:t>
+            </a:r>
+          </a:p>
+          <a:p>
+            <a:r>
+              <a:rPr lang="en-US"/>
+              <a:t> - </a:t>
+            </a:r>
+            <a:r>
+              <a:rPr lang="en-US">
+                <a:hlinkClick r:id="rId3"/>
+              </a:rPr>
+              <a:t>https://medium.com/nybles/modern-data-stack-for-startups-b63bc383e1d0</a:t>
+            </a:r>
+            <a:endParaRPr lang="en-US"/>
           </a:p>
         </p:txBody>
       </p:sp>
